--- a/s5_outils_numeriques/b1_outils_numeriques/seance1_demistifier_python/B1_1_Demystifier_Python.pptx
+++ b/s5_outils_numeriques/b1_outils_numeriques/seance1_demistifier_python/B1_1_Demystifier_Python.pptx
@@ -4,6 +4,9 @@
   <p:sldMasterIdLst>
     <p:sldMasterId id="2147483711" r:id="rId1"/>
   </p:sldMasterIdLst>
+  <p:notesMasterIdLst>
+    <p:notesMasterId r:id="rId19"/>
+  </p:notesMasterIdLst>
   <p:sldIdLst>
     <p:sldId id="256" r:id="rId2"/>
     <p:sldId id="257" r:id="rId3"/>
@@ -13,11 +16,15 @@
     <p:sldId id="266" r:id="rId7"/>
     <p:sldId id="267" r:id="rId8"/>
     <p:sldId id="268" r:id="rId9"/>
-    <p:sldId id="263" r:id="rId10"/>
-    <p:sldId id="259" r:id="rId11"/>
-    <p:sldId id="258" r:id="rId12"/>
-    <p:sldId id="261" r:id="rId13"/>
-    <p:sldId id="262" r:id="rId14"/>
+    <p:sldId id="276" r:id="rId10"/>
+    <p:sldId id="263" r:id="rId11"/>
+    <p:sldId id="259" r:id="rId12"/>
+    <p:sldId id="279" r:id="rId13"/>
+    <p:sldId id="280" r:id="rId14"/>
+    <p:sldId id="277" r:id="rId15"/>
+    <p:sldId id="261" r:id="rId16"/>
+    <p:sldId id="262" r:id="rId17"/>
+    <p:sldId id="278" r:id="rId18"/>
   </p:sldIdLst>
   <p:sldSz cx="12192000" cy="6858000"/>
   <p:notesSz cx="6858000" cy="9144000"/>
@@ -124,6 +131,355 @@
 </p:presentation>
 </file>
 
+<file path=ppt/notesMasters/notesMaster1.xml><?xml version="1.0" encoding="utf-8"?>
+<p:notesMaster xmlns:a="http://schemas.openxmlformats.org/drawingml/2006/main" xmlns:r="http://schemas.openxmlformats.org/officeDocument/2006/relationships" xmlns:p="http://schemas.openxmlformats.org/presentationml/2006/main">
+  <p:cSld>
+    <p:bg>
+      <p:bgRef idx="1001">
+        <a:schemeClr val="bg1"/>
+      </p:bgRef>
+    </p:bg>
+    <p:spTree>
+      <p:nvGrpSpPr>
+        <p:cNvPr id="1" name=""/>
+        <p:cNvGrpSpPr/>
+        <p:nvPr/>
+      </p:nvGrpSpPr>
+      <p:grpSpPr>
+        <a:xfrm>
+          <a:off x="0" y="0"/>
+          <a:ext cx="0" cy="0"/>
+          <a:chOff x="0" y="0"/>
+          <a:chExt cx="0" cy="0"/>
+        </a:xfrm>
+      </p:grpSpPr>
+      <p:sp>
+        <p:nvSpPr>
+          <p:cNvPr id="2" name="Espace réservé de l'en-tête 1"/>
+          <p:cNvSpPr>
+            <a:spLocks noGrp="1"/>
+          </p:cNvSpPr>
+          <p:nvPr>
+            <p:ph type="hdr" sz="quarter"/>
+          </p:nvPr>
+        </p:nvSpPr>
+        <p:spPr>
+          <a:xfrm>
+            <a:off x="0" y="0"/>
+            <a:ext cx="2971800" cy="458788"/>
+          </a:xfrm>
+          <a:prstGeom prst="rect">
+            <a:avLst/>
+          </a:prstGeom>
+        </p:spPr>
+        <p:txBody>
+          <a:bodyPr vert="horz" lIns="91440" tIns="45720" rIns="91440" bIns="45720" rtlCol="0"/>
+          <a:lstStyle>
+            <a:lvl1pPr algn="l">
+              <a:defRPr sz="1200"/>
+            </a:lvl1pPr>
+          </a:lstStyle>
+          <a:p>
+            <a:endParaRPr lang="fr-FR"/>
+          </a:p>
+        </p:txBody>
+      </p:sp>
+      <p:sp>
+        <p:nvSpPr>
+          <p:cNvPr id="3" name="Espace réservé de la date 2"/>
+          <p:cNvSpPr>
+            <a:spLocks noGrp="1"/>
+          </p:cNvSpPr>
+          <p:nvPr>
+            <p:ph type="dt" idx="1"/>
+          </p:nvPr>
+        </p:nvSpPr>
+        <p:spPr>
+          <a:xfrm>
+            <a:off x="3884613" y="0"/>
+            <a:ext cx="2971800" cy="458788"/>
+          </a:xfrm>
+          <a:prstGeom prst="rect">
+            <a:avLst/>
+          </a:prstGeom>
+        </p:spPr>
+        <p:txBody>
+          <a:bodyPr vert="horz" lIns="91440" tIns="45720" rIns="91440" bIns="45720" rtlCol="0"/>
+          <a:lstStyle>
+            <a:lvl1pPr algn="r">
+              <a:defRPr sz="1200"/>
+            </a:lvl1pPr>
+          </a:lstStyle>
+          <a:p>
+            <a:fld id="{E95F58B1-F1E7-421E-8CAB-1142E22FAA94}" type="datetimeFigureOut">
+              <a:rPr lang="fr-FR" smtClean="0"/>
+              <a:t>20/04/2023</a:t>
+            </a:fld>
+            <a:endParaRPr lang="fr-FR"/>
+          </a:p>
+        </p:txBody>
+      </p:sp>
+      <p:sp>
+        <p:nvSpPr>
+          <p:cNvPr id="4" name="Espace réservé de l'image des diapositives 3"/>
+          <p:cNvSpPr>
+            <a:spLocks noGrp="1" noRot="1" noChangeAspect="1"/>
+          </p:cNvSpPr>
+          <p:nvPr>
+            <p:ph type="sldImg" idx="2"/>
+          </p:nvPr>
+        </p:nvSpPr>
+        <p:spPr>
+          <a:xfrm>
+            <a:off x="685800" y="1143000"/>
+            <a:ext cx="5486400" cy="3086100"/>
+          </a:xfrm>
+          <a:prstGeom prst="rect">
+            <a:avLst/>
+          </a:prstGeom>
+          <a:noFill/>
+          <a:ln w="12700">
+            <a:solidFill>
+              <a:prstClr val="black"/>
+            </a:solidFill>
+          </a:ln>
+        </p:spPr>
+        <p:txBody>
+          <a:bodyPr vert="horz" lIns="91440" tIns="45720" rIns="91440" bIns="45720" rtlCol="0" anchor="ctr"/>
+          <a:lstStyle/>
+          <a:p>
+            <a:endParaRPr lang="fr-FR"/>
+          </a:p>
+        </p:txBody>
+      </p:sp>
+      <p:sp>
+        <p:nvSpPr>
+          <p:cNvPr id="5" name="Espace réservé des notes 4"/>
+          <p:cNvSpPr>
+            <a:spLocks noGrp="1"/>
+          </p:cNvSpPr>
+          <p:nvPr>
+            <p:ph type="body" sz="quarter" idx="3"/>
+          </p:nvPr>
+        </p:nvSpPr>
+        <p:spPr>
+          <a:xfrm>
+            <a:off x="685800" y="4400550"/>
+            <a:ext cx="5486400" cy="3600450"/>
+          </a:xfrm>
+          <a:prstGeom prst="rect">
+            <a:avLst/>
+          </a:prstGeom>
+        </p:spPr>
+        <p:txBody>
+          <a:bodyPr vert="horz" lIns="91440" tIns="45720" rIns="91440" bIns="45720" rtlCol="0"/>
+          <a:lstStyle/>
+          <a:p>
+            <a:pPr lvl="0"/>
+            <a:r>
+              <a:rPr lang="fr-FR"/>
+              <a:t>Cliquez pour modifier les styles du texte du masque</a:t>
+            </a:r>
+          </a:p>
+          <a:p>
+            <a:pPr lvl="1"/>
+            <a:r>
+              <a:rPr lang="fr-FR"/>
+              <a:t>Deuxième niveau</a:t>
+            </a:r>
+          </a:p>
+          <a:p>
+            <a:pPr lvl="2"/>
+            <a:r>
+              <a:rPr lang="fr-FR"/>
+              <a:t>Troisième niveau</a:t>
+            </a:r>
+          </a:p>
+          <a:p>
+            <a:pPr lvl="3"/>
+            <a:r>
+              <a:rPr lang="fr-FR"/>
+              <a:t>Quatrième niveau</a:t>
+            </a:r>
+          </a:p>
+          <a:p>
+            <a:pPr lvl="4"/>
+            <a:r>
+              <a:rPr lang="fr-FR"/>
+              <a:t>Cinquième niveau</a:t>
+            </a:r>
+          </a:p>
+        </p:txBody>
+      </p:sp>
+      <p:sp>
+        <p:nvSpPr>
+          <p:cNvPr id="6" name="Espace réservé du pied de page 5"/>
+          <p:cNvSpPr>
+            <a:spLocks noGrp="1"/>
+          </p:cNvSpPr>
+          <p:nvPr>
+            <p:ph type="ftr" sz="quarter" idx="4"/>
+          </p:nvPr>
+        </p:nvSpPr>
+        <p:spPr>
+          <a:xfrm>
+            <a:off x="0" y="8685213"/>
+            <a:ext cx="2971800" cy="458787"/>
+          </a:xfrm>
+          <a:prstGeom prst="rect">
+            <a:avLst/>
+          </a:prstGeom>
+        </p:spPr>
+        <p:txBody>
+          <a:bodyPr vert="horz" lIns="91440" tIns="45720" rIns="91440" bIns="45720" rtlCol="0" anchor="b"/>
+          <a:lstStyle>
+            <a:lvl1pPr algn="l">
+              <a:defRPr sz="1200"/>
+            </a:lvl1pPr>
+          </a:lstStyle>
+          <a:p>
+            <a:endParaRPr lang="fr-FR"/>
+          </a:p>
+        </p:txBody>
+      </p:sp>
+      <p:sp>
+        <p:nvSpPr>
+          <p:cNvPr id="7" name="Espace réservé du numéro de diapositive 6"/>
+          <p:cNvSpPr>
+            <a:spLocks noGrp="1"/>
+          </p:cNvSpPr>
+          <p:nvPr>
+            <p:ph type="sldNum" sz="quarter" idx="5"/>
+          </p:nvPr>
+        </p:nvSpPr>
+        <p:spPr>
+          <a:xfrm>
+            <a:off x="3884613" y="8685213"/>
+            <a:ext cx="2971800" cy="458787"/>
+          </a:xfrm>
+          <a:prstGeom prst="rect">
+            <a:avLst/>
+          </a:prstGeom>
+        </p:spPr>
+        <p:txBody>
+          <a:bodyPr vert="horz" lIns="91440" tIns="45720" rIns="91440" bIns="45720" rtlCol="0" anchor="b"/>
+          <a:lstStyle>
+            <a:lvl1pPr algn="r">
+              <a:defRPr sz="1200"/>
+            </a:lvl1pPr>
+          </a:lstStyle>
+          <a:p>
+            <a:fld id="{60442375-3312-4D90-8484-18A4A9E416C1}" type="slidenum">
+              <a:rPr lang="fr-FR" smtClean="0"/>
+              <a:t>‹N°›</a:t>
+            </a:fld>
+            <a:endParaRPr lang="fr-FR"/>
+          </a:p>
+        </p:txBody>
+      </p:sp>
+    </p:spTree>
+    <p:extLst>
+      <p:ext uri="{BB962C8B-B14F-4D97-AF65-F5344CB8AC3E}">
+        <p14:creationId xmlns:p14="http://schemas.microsoft.com/office/powerpoint/2010/main" val="220671793"/>
+      </p:ext>
+    </p:extLst>
+  </p:cSld>
+  <p:clrMap bg1="lt1" tx1="dk1" bg2="lt2" tx2="dk2" accent1="accent1" accent2="accent2" accent3="accent3" accent4="accent4" accent5="accent5" accent6="accent6" hlink="hlink" folHlink="folHlink"/>
+  <p:notesStyle>
+    <a:lvl1pPr marL="0" algn="l" defTabSz="914400" rtl="0" eaLnBrk="1" latinLnBrk="0" hangingPunct="1">
+      <a:defRPr sz="1200" kern="1200">
+        <a:solidFill>
+          <a:schemeClr val="tx1"/>
+        </a:solidFill>
+        <a:latin typeface="+mn-lt"/>
+        <a:ea typeface="+mn-ea"/>
+        <a:cs typeface="+mn-cs"/>
+      </a:defRPr>
+    </a:lvl1pPr>
+    <a:lvl2pPr marL="457200" algn="l" defTabSz="914400" rtl="0" eaLnBrk="1" latinLnBrk="0" hangingPunct="1">
+      <a:defRPr sz="1200" kern="1200">
+        <a:solidFill>
+          <a:schemeClr val="tx1"/>
+        </a:solidFill>
+        <a:latin typeface="+mn-lt"/>
+        <a:ea typeface="+mn-ea"/>
+        <a:cs typeface="+mn-cs"/>
+      </a:defRPr>
+    </a:lvl2pPr>
+    <a:lvl3pPr marL="914400" algn="l" defTabSz="914400" rtl="0" eaLnBrk="1" latinLnBrk="0" hangingPunct="1">
+      <a:defRPr sz="1200" kern="1200">
+        <a:solidFill>
+          <a:schemeClr val="tx1"/>
+        </a:solidFill>
+        <a:latin typeface="+mn-lt"/>
+        <a:ea typeface="+mn-ea"/>
+        <a:cs typeface="+mn-cs"/>
+      </a:defRPr>
+    </a:lvl3pPr>
+    <a:lvl4pPr marL="1371600" algn="l" defTabSz="914400" rtl="0" eaLnBrk="1" latinLnBrk="0" hangingPunct="1">
+      <a:defRPr sz="1200" kern="1200">
+        <a:solidFill>
+          <a:schemeClr val="tx1"/>
+        </a:solidFill>
+        <a:latin typeface="+mn-lt"/>
+        <a:ea typeface="+mn-ea"/>
+        <a:cs typeface="+mn-cs"/>
+      </a:defRPr>
+    </a:lvl4pPr>
+    <a:lvl5pPr marL="1828800" algn="l" defTabSz="914400" rtl="0" eaLnBrk="1" latinLnBrk="0" hangingPunct="1">
+      <a:defRPr sz="1200" kern="1200">
+        <a:solidFill>
+          <a:schemeClr val="tx1"/>
+        </a:solidFill>
+        <a:latin typeface="+mn-lt"/>
+        <a:ea typeface="+mn-ea"/>
+        <a:cs typeface="+mn-cs"/>
+      </a:defRPr>
+    </a:lvl5pPr>
+    <a:lvl6pPr marL="2286000" algn="l" defTabSz="914400" rtl="0" eaLnBrk="1" latinLnBrk="0" hangingPunct="1">
+      <a:defRPr sz="1200" kern="1200">
+        <a:solidFill>
+          <a:schemeClr val="tx1"/>
+        </a:solidFill>
+        <a:latin typeface="+mn-lt"/>
+        <a:ea typeface="+mn-ea"/>
+        <a:cs typeface="+mn-cs"/>
+      </a:defRPr>
+    </a:lvl6pPr>
+    <a:lvl7pPr marL="2743200" algn="l" defTabSz="914400" rtl="0" eaLnBrk="1" latinLnBrk="0" hangingPunct="1">
+      <a:defRPr sz="1200" kern="1200">
+        <a:solidFill>
+          <a:schemeClr val="tx1"/>
+        </a:solidFill>
+        <a:latin typeface="+mn-lt"/>
+        <a:ea typeface="+mn-ea"/>
+        <a:cs typeface="+mn-cs"/>
+      </a:defRPr>
+    </a:lvl7pPr>
+    <a:lvl8pPr marL="3200400" algn="l" defTabSz="914400" rtl="0" eaLnBrk="1" latinLnBrk="0" hangingPunct="1">
+      <a:defRPr sz="1200" kern="1200">
+        <a:solidFill>
+          <a:schemeClr val="tx1"/>
+        </a:solidFill>
+        <a:latin typeface="+mn-lt"/>
+        <a:ea typeface="+mn-ea"/>
+        <a:cs typeface="+mn-cs"/>
+      </a:defRPr>
+    </a:lvl8pPr>
+    <a:lvl9pPr marL="3657600" algn="l" defTabSz="914400" rtl="0" eaLnBrk="1" latinLnBrk="0" hangingPunct="1">
+      <a:defRPr sz="1200" kern="1200">
+        <a:solidFill>
+          <a:schemeClr val="tx1"/>
+        </a:solidFill>
+        <a:latin typeface="+mn-lt"/>
+        <a:ea typeface="+mn-ea"/>
+        <a:cs typeface="+mn-cs"/>
+      </a:defRPr>
+    </a:lvl9pPr>
+  </p:notesStyle>
+</p:notesMaster>
+</file>
+
 <file path=ppt/slideLayouts/slideLayout1.xml><?xml version="1.0" encoding="utf-8"?>
 <p:sldLayout xmlns:a="http://schemas.openxmlformats.org/drawingml/2006/main" xmlns:r="http://schemas.openxmlformats.org/officeDocument/2006/relationships" xmlns:p="http://schemas.openxmlformats.org/presentationml/2006/main" type="title" preserve="1">
   <p:cSld name="Title Slide">
@@ -278,9 +634,9 @@
           <a:bodyPr/>
           <a:lstStyle/>
           <a:p>
-            <a:fld id="{02AC24A9-CCB6-4F8D-B8DB-C2F3692CFA5A}" type="datetimeFigureOut">
+            <a:fld id="{2C6A9BE2-48D6-45F3-A4B0-8BE7C1136124}" type="datetime1">
               <a:rPr lang="en-US" smtClean="0"/>
-              <a:t>4/11/2023</a:t>
+              <a:t>4/20/2023</a:t>
             </a:fld>
             <a:endParaRPr lang="en-US" dirty="0"/>
           </a:p>
@@ -648,9 +1004,9 @@
           <a:bodyPr/>
           <a:lstStyle/>
           <a:p>
-            <a:fld id="{02AC24A9-CCB6-4F8D-B8DB-C2F3692CFA5A}" type="datetimeFigureOut">
+            <a:fld id="{207990F5-EACC-4966-A287-4B4216F53718}" type="datetime1">
               <a:rPr lang="en-US" smtClean="0"/>
-              <a:t>4/11/2023</a:t>
+              <a:t>4/20/2023</a:t>
             </a:fld>
             <a:endParaRPr lang="en-US"/>
           </a:p>
@@ -857,9 +1213,9 @@
           <a:bodyPr/>
           <a:lstStyle/>
           <a:p>
-            <a:fld id="{02AC24A9-CCB6-4F8D-B8DB-C2F3692CFA5A}" type="datetimeFigureOut">
+            <a:fld id="{8DBF913E-3F18-4AE4-A521-5546F23394FD}" type="datetime1">
               <a:rPr lang="en-US" smtClean="0"/>
-              <a:t>4/11/2023</a:t>
+              <a:t>4/20/2023</a:t>
             </a:fld>
             <a:endParaRPr lang="en-US"/>
           </a:p>
@@ -1327,9 +1683,9 @@
           <a:bodyPr/>
           <a:lstStyle/>
           <a:p>
-            <a:fld id="{02AC24A9-CCB6-4F8D-B8DB-C2F3692CFA5A}" type="datetimeFigureOut">
+            <a:fld id="{421071EA-A2A1-4B83-9FE9-827C1480F45E}" type="datetime1">
               <a:rPr lang="en-US" smtClean="0"/>
-              <a:t>4/11/2023</a:t>
+              <a:t>4/20/2023</a:t>
             </a:fld>
             <a:endParaRPr lang="en-US"/>
           </a:p>
@@ -1781,9 +2137,9 @@
           <a:bodyPr/>
           <a:lstStyle/>
           <a:p>
-            <a:fld id="{02AC24A9-CCB6-4F8D-B8DB-C2F3692CFA5A}" type="datetimeFigureOut">
+            <a:fld id="{7D2504F1-5060-4C10-BD92-0633042B2812}" type="datetime1">
               <a:rPr lang="en-US" smtClean="0"/>
-              <a:t>4/11/2023</a:t>
+              <a:t>4/20/2023</a:t>
             </a:fld>
             <a:endParaRPr lang="en-US"/>
           </a:p>
@@ -2313,9 +2669,9 @@
           <a:bodyPr/>
           <a:lstStyle/>
           <a:p>
-            <a:fld id="{02AC24A9-CCB6-4F8D-B8DB-C2F3692CFA5A}" type="datetimeFigureOut">
+            <a:fld id="{CCF0797F-0516-4828-A9E8-BF81E916FC1D}" type="datetime1">
               <a:rPr lang="en-US" smtClean="0"/>
-              <a:t>4/11/2023</a:t>
+              <a:t>4/20/2023</a:t>
             </a:fld>
             <a:endParaRPr lang="en-US"/>
           </a:p>
@@ -3012,9 +3368,9 @@
           <a:bodyPr/>
           <a:lstStyle/>
           <a:p>
-            <a:fld id="{02AC24A9-CCB6-4F8D-B8DB-C2F3692CFA5A}" type="datetimeFigureOut">
+            <a:fld id="{CAC274E3-1008-4E28-BFFC-77C935D233DD}" type="datetime1">
               <a:rPr lang="en-US" smtClean="0"/>
-              <a:t>4/11/2023</a:t>
+              <a:t>4/20/2023</a:t>
             </a:fld>
             <a:endParaRPr lang="en-US"/>
           </a:p>
@@ -3341,9 +3697,9 @@
           <a:bodyPr/>
           <a:lstStyle/>
           <a:p>
-            <a:fld id="{02AC24A9-CCB6-4F8D-B8DB-C2F3692CFA5A}" type="datetimeFigureOut">
+            <a:fld id="{81831256-70AB-43BA-B638-B038FD1822DB}" type="datetime1">
               <a:rPr lang="en-US" smtClean="0"/>
-              <a:t>4/11/2023</a:t>
+              <a:t>4/20/2023</a:t>
             </a:fld>
             <a:endParaRPr lang="en-US"/>
           </a:p>
@@ -3454,9 +3810,9 @@
           <a:bodyPr/>
           <a:lstStyle/>
           <a:p>
-            <a:fld id="{02AC24A9-CCB6-4F8D-B8DB-C2F3692CFA5A}" type="datetimeFigureOut">
+            <a:fld id="{B4C012F4-50C6-4AFD-90BE-024A8E4A2B02}" type="datetime1">
               <a:rPr lang="en-US" smtClean="0"/>
-              <a:t>4/11/2023</a:t>
+              <a:t>4/20/2023</a:t>
             </a:fld>
             <a:endParaRPr lang="en-US"/>
           </a:p>
@@ -3949,9 +4305,9 @@
           <a:bodyPr/>
           <a:lstStyle/>
           <a:p>
-            <a:fld id="{02AC24A9-CCB6-4F8D-B8DB-C2F3692CFA5A}" type="datetimeFigureOut">
+            <a:fld id="{0D6EEE37-F261-4D0D-9D02-D22EFB5FB312}" type="datetime1">
               <a:rPr lang="en-US" smtClean="0"/>
-              <a:t>4/11/2023</a:t>
+              <a:t>4/20/2023</a:t>
             </a:fld>
             <a:endParaRPr lang="en-US" dirty="0"/>
           </a:p>
@@ -4426,9 +4782,9 @@
           <a:bodyPr/>
           <a:lstStyle/>
           <a:p>
-            <a:fld id="{02AC24A9-CCB6-4F8D-B8DB-C2F3692CFA5A}" type="datetimeFigureOut">
+            <a:fld id="{5E2207DD-F583-4331-A80F-94A5D95D3F6E}" type="datetime1">
               <a:rPr lang="en-US" smtClean="0"/>
-              <a:t>4/11/2023</a:t>
+              <a:t>4/20/2023</a:t>
             </a:fld>
             <a:endParaRPr lang="en-US"/>
           </a:p>
@@ -4669,9 +5025,9 @@
             </a:lvl1pPr>
           </a:lstStyle>
           <a:p>
-            <a:fld id="{02AC24A9-CCB6-4F8D-B8DB-C2F3692CFA5A}" type="datetimeFigureOut">
+            <a:fld id="{DFF62E98-E19A-48A5-B163-ACC3DA57F658}" type="datetime1">
               <a:rPr lang="en-US" smtClean="0"/>
-              <a:t>4/11/2023</a:t>
+              <a:t>4/20/2023</a:t>
             </a:fld>
             <a:endParaRPr lang="en-US"/>
           </a:p>
@@ -4788,6 +5144,7 @@
     <p:sldLayoutId id="2147483703" r:id="rId10"/>
     <p:sldLayoutId id="2147483705" r:id="rId11"/>
   </p:sldLayoutIdLst>
+  <p:hf hdr="0" ftr="0" dt="0"/>
   <p:txStyles>
     <p:titleStyle>
       <a:lvl1pPr algn="l" defTabSz="914400" rtl="0" eaLnBrk="1" latinLnBrk="0" hangingPunct="1">
@@ -5557,6 +5914,35 @@
           </a:prstGeom>
         </p:spPr>
       </p:pic>
+      <p:sp>
+        <p:nvSpPr>
+          <p:cNvPr id="6" name="Espace réservé du numéro de diapositive 5">
+            <a:extLst>
+              <a:ext uri="{FF2B5EF4-FFF2-40B4-BE49-F238E27FC236}">
+                <a16:creationId xmlns:a16="http://schemas.microsoft.com/office/drawing/2014/main" id="{88848722-2E88-A0D4-344D-A0021929F2B3}"/>
+              </a:ext>
+            </a:extLst>
+          </p:cNvPr>
+          <p:cNvSpPr>
+            <a:spLocks noGrp="1"/>
+          </p:cNvSpPr>
+          <p:nvPr>
+            <p:ph type="sldNum" sz="quarter" idx="12"/>
+          </p:nvPr>
+        </p:nvSpPr>
+        <p:spPr/>
+        <p:txBody>
+          <a:bodyPr/>
+          <a:lstStyle/>
+          <a:p>
+            <a:fld id="{B2DC25EE-239B-4C5F-AAD1-255A7D5F1EE2}" type="slidenum">
+              <a:rPr lang="en-US" smtClean="0"/>
+              <a:t>1</a:t>
+            </a:fld>
+            <a:endParaRPr lang="en-US" dirty="0"/>
+          </a:p>
+        </p:txBody>
+      </p:sp>
     </p:spTree>
     <p:extLst>
       <p:ext uri="{BB962C8B-B14F-4D97-AF65-F5344CB8AC3E}">
@@ -5573,10 +5959,262 @@
 <file path=ppt/slides/slide10.xml><?xml version="1.0" encoding="utf-8"?>
 <p:sld xmlns:a="http://schemas.openxmlformats.org/drawingml/2006/main" xmlns:r="http://schemas.openxmlformats.org/officeDocument/2006/relationships" xmlns:p="http://schemas.openxmlformats.org/presentationml/2006/main">
   <p:cSld>
+    <p:spTree>
+      <p:nvGrpSpPr>
+        <p:cNvPr id="1" name=""/>
+        <p:cNvGrpSpPr/>
+        <p:nvPr/>
+      </p:nvGrpSpPr>
+      <p:grpSpPr>
+        <a:xfrm>
+          <a:off x="0" y="0"/>
+          <a:ext cx="0" cy="0"/>
+          <a:chOff x="0" y="0"/>
+          <a:chExt cx="0" cy="0"/>
+        </a:xfrm>
+      </p:grpSpPr>
+      <p:sp>
+        <p:nvSpPr>
+          <p:cNvPr id="2" name="Titre 1">
+            <a:extLst>
+              <a:ext uri="{FF2B5EF4-FFF2-40B4-BE49-F238E27FC236}">
+                <a16:creationId xmlns:a16="http://schemas.microsoft.com/office/drawing/2014/main" id="{90162AE8-C1B0-5C56-8313-DEE494F38273}"/>
+              </a:ext>
+            </a:extLst>
+          </p:cNvPr>
+          <p:cNvSpPr>
+            <a:spLocks noGrp="1"/>
+          </p:cNvSpPr>
+          <p:nvPr>
+            <p:ph type="title"/>
+          </p:nvPr>
+        </p:nvSpPr>
+        <p:spPr/>
+        <p:txBody>
+          <a:bodyPr/>
+          <a:lstStyle/>
+          <a:p>
+            <a:r>
+              <a:rPr lang="fr-FR" dirty="0"/>
+              <a:t>Quelques rappels sous Python</a:t>
+            </a:r>
+          </a:p>
+        </p:txBody>
+      </p:sp>
+      <p:sp>
+        <p:nvSpPr>
+          <p:cNvPr id="3" name="Espace réservé du contenu 2">
+            <a:extLst>
+              <a:ext uri="{FF2B5EF4-FFF2-40B4-BE49-F238E27FC236}">
+                <a16:creationId xmlns:a16="http://schemas.microsoft.com/office/drawing/2014/main" id="{E0BBB9DE-019C-C741-F224-494739D4B752}"/>
+              </a:ext>
+            </a:extLst>
+          </p:cNvPr>
+          <p:cNvSpPr>
+            <a:spLocks noGrp="1"/>
+          </p:cNvSpPr>
+          <p:nvPr>
+            <p:ph sz="half" idx="1"/>
+          </p:nvPr>
+        </p:nvSpPr>
+        <p:spPr/>
+        <p:txBody>
+          <a:bodyPr/>
+          <a:lstStyle/>
+          <a:p>
+            <a:r>
+              <a:rPr lang="fr-FR" dirty="0"/>
+              <a:t>Try / </a:t>
+            </a:r>
+            <a:r>
+              <a:rPr lang="fr-FR" dirty="0" err="1"/>
+              <a:t>Except</a:t>
+            </a:r>
+            <a:r>
+              <a:rPr lang="fr-FR" dirty="0"/>
+              <a:t> (</a:t>
+            </a:r>
+            <a:r>
+              <a:rPr lang="fr-FR" dirty="0" err="1"/>
+              <a:t>ValueError</a:t>
+            </a:r>
+            <a:r>
+              <a:rPr lang="fr-FR" dirty="0"/>
+              <a:t>…)</a:t>
+            </a:r>
+          </a:p>
+        </p:txBody>
+      </p:sp>
+      <p:pic>
+        <p:nvPicPr>
+          <p:cNvPr id="5" name="Image 4" descr="Une image contenant texte&#10;&#10;Description générée automatiquement">
+            <a:extLst>
+              <a:ext uri="{FF2B5EF4-FFF2-40B4-BE49-F238E27FC236}">
+                <a16:creationId xmlns:a16="http://schemas.microsoft.com/office/drawing/2014/main" id="{66D2630B-81F4-A4EB-21BA-8B90CF30BD92}"/>
+              </a:ext>
+            </a:extLst>
+          </p:cNvPr>
+          <p:cNvPicPr>
+            <a:picLocks noChangeAspect="1"/>
+          </p:cNvPicPr>
+          <p:nvPr/>
+        </p:nvPicPr>
+        <p:blipFill>
+          <a:blip r:embed="rId2">
+            <a:extLst>
+              <a:ext uri="{28A0092B-C50C-407E-A947-70E740481C1C}">
+                <a14:useLocalDpi xmlns:a14="http://schemas.microsoft.com/office/drawing/2010/main" val="0"/>
+              </a:ext>
+            </a:extLst>
+          </a:blip>
+          <a:stretch>
+            <a:fillRect/>
+          </a:stretch>
+        </p:blipFill>
+        <p:spPr>
+          <a:xfrm>
+            <a:off x="202922" y="5934456"/>
+            <a:ext cx="1825291" cy="749808"/>
+          </a:xfrm>
+          <a:prstGeom prst="rect">
+            <a:avLst/>
+          </a:prstGeom>
+        </p:spPr>
+      </p:pic>
+      <p:pic>
+        <p:nvPicPr>
+          <p:cNvPr id="7" name="Image 6">
+            <a:extLst>
+              <a:ext uri="{FF2B5EF4-FFF2-40B4-BE49-F238E27FC236}">
+                <a16:creationId xmlns:a16="http://schemas.microsoft.com/office/drawing/2014/main" id="{5BB01D49-602A-9314-FD1F-4EC628128217}"/>
+              </a:ext>
+            </a:extLst>
+          </p:cNvPr>
+          <p:cNvPicPr>
+            <a:picLocks noChangeAspect="1"/>
+          </p:cNvPicPr>
+          <p:nvPr/>
+        </p:nvPicPr>
+        <p:blipFill>
+          <a:blip r:embed="rId3"/>
+          <a:stretch>
+            <a:fillRect/>
+          </a:stretch>
+        </p:blipFill>
+        <p:spPr>
+          <a:xfrm>
+            <a:off x="10077926" y="593679"/>
+            <a:ext cx="1081825" cy="1089498"/>
+          </a:xfrm>
+          <a:prstGeom prst="rect">
+            <a:avLst/>
+          </a:prstGeom>
+        </p:spPr>
+      </p:pic>
+      <p:sp>
+        <p:nvSpPr>
+          <p:cNvPr id="14" name="Espace réservé du contenu 13">
+            <a:extLst>
+              <a:ext uri="{FF2B5EF4-FFF2-40B4-BE49-F238E27FC236}">
+                <a16:creationId xmlns:a16="http://schemas.microsoft.com/office/drawing/2014/main" id="{CA123098-7DF5-3C3F-1F6B-F3FE7B39E1E2}"/>
+              </a:ext>
+            </a:extLst>
+          </p:cNvPr>
+          <p:cNvSpPr>
+            <a:spLocks noGrp="1"/>
+          </p:cNvSpPr>
+          <p:nvPr>
+            <p:ph sz="half" idx="2"/>
+          </p:nvPr>
+        </p:nvSpPr>
+        <p:spPr/>
+        <p:txBody>
+          <a:bodyPr/>
+          <a:lstStyle/>
+          <a:p>
+            <a:endParaRPr lang="fr-FR" dirty="0"/>
+          </a:p>
+        </p:txBody>
+      </p:sp>
+      <p:pic>
+        <p:nvPicPr>
+          <p:cNvPr id="16" name="Image 15">
+            <a:extLst>
+              <a:ext uri="{FF2B5EF4-FFF2-40B4-BE49-F238E27FC236}">
+                <a16:creationId xmlns:a16="http://schemas.microsoft.com/office/drawing/2014/main" id="{40681AA8-5305-6308-CECD-FD4BEB3BB437}"/>
+              </a:ext>
+            </a:extLst>
+          </p:cNvPr>
+          <p:cNvPicPr>
+            <a:picLocks noChangeAspect="1"/>
+          </p:cNvPicPr>
+          <p:nvPr/>
+        </p:nvPicPr>
+        <p:blipFill>
+          <a:blip r:embed="rId4"/>
+          <a:stretch>
+            <a:fillRect/>
+          </a:stretch>
+        </p:blipFill>
+        <p:spPr>
+          <a:xfrm>
+            <a:off x="2320821" y="3333136"/>
+            <a:ext cx="4513912" cy="3351128"/>
+          </a:xfrm>
+          <a:prstGeom prst="rect">
+            <a:avLst/>
+          </a:prstGeom>
+        </p:spPr>
+      </p:pic>
+      <p:sp>
+        <p:nvSpPr>
+          <p:cNvPr id="4" name="Espace réservé du numéro de diapositive 3">
+            <a:extLst>
+              <a:ext uri="{FF2B5EF4-FFF2-40B4-BE49-F238E27FC236}">
+                <a16:creationId xmlns:a16="http://schemas.microsoft.com/office/drawing/2014/main" id="{EC40FBD8-BBB0-F05E-F823-60664E26FC53}"/>
+              </a:ext>
+            </a:extLst>
+          </p:cNvPr>
+          <p:cNvSpPr>
+            <a:spLocks noGrp="1"/>
+          </p:cNvSpPr>
+          <p:nvPr>
+            <p:ph type="sldNum" sz="quarter" idx="12"/>
+          </p:nvPr>
+        </p:nvSpPr>
+        <p:spPr/>
+        <p:txBody>
+          <a:bodyPr/>
+          <a:lstStyle/>
+          <a:p>
+            <a:fld id="{B2DC25EE-239B-4C5F-AAD1-255A7D5F1EE2}" type="slidenum">
+              <a:rPr lang="en-US" smtClean="0"/>
+              <a:t>10</a:t>
+            </a:fld>
+            <a:endParaRPr lang="en-US"/>
+          </a:p>
+        </p:txBody>
+      </p:sp>
+    </p:spTree>
+    <p:extLst>
+      <p:ext uri="{BB962C8B-B14F-4D97-AF65-F5344CB8AC3E}">
+        <p14:creationId xmlns:p14="http://schemas.microsoft.com/office/powerpoint/2010/main" val="1467992273"/>
+      </p:ext>
+    </p:extLst>
+  </p:cSld>
+  <p:clrMapOvr>
+    <a:masterClrMapping/>
+  </p:clrMapOvr>
+</p:sld>
+</file>
+
+<file path=ppt/slides/slide11.xml><?xml version="1.0" encoding="utf-8"?>
+<p:sld xmlns:a="http://schemas.openxmlformats.org/drawingml/2006/main" xmlns:r="http://schemas.openxmlformats.org/officeDocument/2006/relationships" xmlns:p="http://schemas.openxmlformats.org/presentationml/2006/main">
+  <p:cSld>
     <p:bg>
       <p:bgPr>
         <a:solidFill>
-          <a:schemeClr val="bg2"/>
+          <a:srgbClr val="A08DDB"/>
         </a:solidFill>
         <a:effectLst/>
       </p:bgPr>
@@ -5645,19 +6283,31 @@
           <a:lstStyle/>
           <a:p>
             <a:r>
-              <a:rPr lang="fr-FR" dirty="0"/>
+              <a:rPr lang="fr-FR" dirty="0">
+                <a:solidFill>
+                  <a:schemeClr val="bg1"/>
+                </a:solidFill>
+              </a:rPr>
               <a:t>Testez les deux calculs suivants sous Python</a:t>
             </a:r>
           </a:p>
           <a:p>
-            <a:endParaRPr lang="fr-FR" dirty="0"/>
+            <a:endParaRPr lang="fr-FR" dirty="0">
+              <a:solidFill>
+                <a:schemeClr val="bg1"/>
+              </a:solidFill>
+            </a:endParaRPr>
           </a:p>
           <a:p>
             <a:pPr marL="0" indent="0">
               <a:buNone/>
             </a:pPr>
             <a:r>
-              <a:rPr lang="fr-FR" dirty="0"/>
+              <a:rPr lang="fr-FR" dirty="0">
+                <a:solidFill>
+                  <a:schemeClr val="bg1"/>
+                </a:solidFill>
+              </a:rPr>
               <a:t>&gt; 3 – 2 – 1</a:t>
             </a:r>
           </a:p>
@@ -5666,7 +6316,11 @@
               <a:buNone/>
             </a:pPr>
             <a:r>
-              <a:rPr lang="fr-FR" dirty="0"/>
+              <a:rPr lang="fr-FR" dirty="0">
+                <a:solidFill>
+                  <a:schemeClr val="bg1"/>
+                </a:solidFill>
+              </a:rPr>
               <a:t>&gt; 0.3 – 0.2 – 0.1</a:t>
             </a:r>
           </a:p>
@@ -5708,12 +6362,51 @@
           </a:prstGeom>
         </p:spPr>
       </p:pic>
-      <p:sp>
-        <p:nvSpPr>
-          <p:cNvPr id="7" name="Espace réservé du contenu 6">
-            <a:extLst>
-              <a:ext uri="{FF2B5EF4-FFF2-40B4-BE49-F238E27FC236}">
-                <a16:creationId xmlns:a16="http://schemas.microsoft.com/office/drawing/2014/main" id="{770B91D8-1E62-33EE-378B-94D62DA43923}"/>
+      <p:pic>
+        <p:nvPicPr>
+          <p:cNvPr id="6" name="Graphique 5" descr="Interface utilisateur ou expérience utilisateur avec un remplissage uni">
+            <a:extLst>
+              <a:ext uri="{FF2B5EF4-FFF2-40B4-BE49-F238E27FC236}">
+                <a16:creationId xmlns:a16="http://schemas.microsoft.com/office/drawing/2014/main" id="{46377AE9-DBA0-15AA-566B-DEADBC24E5E5}"/>
+              </a:ext>
+            </a:extLst>
+          </p:cNvPr>
+          <p:cNvPicPr>
+            <a:picLocks noChangeAspect="1"/>
+          </p:cNvPicPr>
+          <p:nvPr/>
+        </p:nvPicPr>
+        <p:blipFill>
+          <a:blip r:embed="rId3">
+            <a:extLst>
+              <a:ext uri="{28A0092B-C50C-407E-A947-70E740481C1C}">
+                <a14:useLocalDpi xmlns:a14="http://schemas.microsoft.com/office/drawing/2010/main" val="0"/>
+              </a:ext>
+              <a:ext uri="{96DAC541-7B7A-43D3-8B79-37D633B846F1}">
+                <asvg:svgBlip xmlns:asvg="http://schemas.microsoft.com/office/drawing/2016/SVG/main" r:embed="rId4"/>
+              </a:ext>
+            </a:extLst>
+          </a:blip>
+          <a:stretch>
+            <a:fillRect/>
+          </a:stretch>
+        </p:blipFill>
+        <p:spPr>
+          <a:xfrm>
+            <a:off x="8676968" y="2241755"/>
+            <a:ext cx="1691149" cy="1691149"/>
+          </a:xfrm>
+          <a:prstGeom prst="rect">
+            <a:avLst/>
+          </a:prstGeom>
+        </p:spPr>
+      </p:pic>
+      <p:sp>
+        <p:nvSpPr>
+          <p:cNvPr id="4" name="Espace réservé du numéro de diapositive 3">
+            <a:extLst>
+              <a:ext uri="{FF2B5EF4-FFF2-40B4-BE49-F238E27FC236}">
+                <a16:creationId xmlns:a16="http://schemas.microsoft.com/office/drawing/2014/main" id="{15F7906E-D833-6F65-C60D-FFEC9472273A}"/>
               </a:ext>
             </a:extLst>
           </p:cNvPr>
@@ -5721,7 +6414,7 @@
             <a:spLocks noGrp="1"/>
           </p:cNvSpPr>
           <p:nvPr>
-            <p:ph sz="half" idx="2"/>
+            <p:ph type="sldNum" sz="quarter" idx="12"/>
           </p:nvPr>
         </p:nvSpPr>
         <p:spPr/>
@@ -5729,7 +6422,11 @@
           <a:bodyPr/>
           <a:lstStyle/>
           <a:p>
-            <a:endParaRPr lang="fr-FR"/>
+            <a:fld id="{B2DC25EE-239B-4C5F-AAD1-255A7D5F1EE2}" type="slidenum">
+              <a:rPr lang="en-US" smtClean="0"/>
+              <a:t>11</a:t>
+            </a:fld>
+            <a:endParaRPr lang="en-US"/>
           </a:p>
         </p:txBody>
       </p:sp>
@@ -5746,7 +6443,480 @@
 </p:sld>
 </file>
 
-<file path=ppt/slides/slide11.xml><?xml version="1.0" encoding="utf-8"?>
+<file path=ppt/slides/slide12.xml><?xml version="1.0" encoding="utf-8"?>
+<p:sld xmlns:a="http://schemas.openxmlformats.org/drawingml/2006/main" xmlns:r="http://schemas.openxmlformats.org/officeDocument/2006/relationships" xmlns:p="http://schemas.openxmlformats.org/presentationml/2006/main">
+  <p:cSld>
+    <p:bg>
+      <p:bgPr>
+        <a:solidFill>
+          <a:srgbClr val="A08DDB"/>
+        </a:solidFill>
+        <a:effectLst/>
+      </p:bgPr>
+    </p:bg>
+    <p:spTree>
+      <p:nvGrpSpPr>
+        <p:cNvPr id="1" name=""/>
+        <p:cNvGrpSpPr/>
+        <p:nvPr/>
+      </p:nvGrpSpPr>
+      <p:grpSpPr>
+        <a:xfrm>
+          <a:off x="0" y="0"/>
+          <a:ext cx="0" cy="0"/>
+          <a:chOff x="0" y="0"/>
+          <a:chExt cx="0" cy="0"/>
+        </a:xfrm>
+      </p:grpSpPr>
+      <p:sp>
+        <p:nvSpPr>
+          <p:cNvPr id="2" name="Titre 1">
+            <a:extLst>
+              <a:ext uri="{FF2B5EF4-FFF2-40B4-BE49-F238E27FC236}">
+                <a16:creationId xmlns:a16="http://schemas.microsoft.com/office/drawing/2014/main" id="{90162AE8-C1B0-5C56-8313-DEE494F38273}"/>
+              </a:ext>
+            </a:extLst>
+          </p:cNvPr>
+          <p:cNvSpPr>
+            <a:spLocks noGrp="1"/>
+          </p:cNvSpPr>
+          <p:nvPr>
+            <p:ph type="title"/>
+          </p:nvPr>
+        </p:nvSpPr>
+        <p:spPr/>
+        <p:txBody>
+          <a:bodyPr/>
+          <a:lstStyle/>
+          <a:p>
+            <a:r>
+              <a:rPr lang="fr-FR" dirty="0"/>
+              <a:t>Toutes les données sont traitées pareil !?</a:t>
+            </a:r>
+          </a:p>
+        </p:txBody>
+      </p:sp>
+      <p:sp>
+        <p:nvSpPr>
+          <p:cNvPr id="3" name="Espace réservé du contenu 2">
+            <a:extLst>
+              <a:ext uri="{FF2B5EF4-FFF2-40B4-BE49-F238E27FC236}">
+                <a16:creationId xmlns:a16="http://schemas.microsoft.com/office/drawing/2014/main" id="{E0BBB9DE-019C-C741-F224-494739D4B752}"/>
+              </a:ext>
+            </a:extLst>
+          </p:cNvPr>
+          <p:cNvSpPr>
+            <a:spLocks noGrp="1"/>
+          </p:cNvSpPr>
+          <p:nvPr>
+            <p:ph sz="half" idx="1"/>
+          </p:nvPr>
+        </p:nvSpPr>
+        <p:spPr/>
+        <p:txBody>
+          <a:bodyPr/>
+          <a:lstStyle/>
+          <a:p>
+            <a:r>
+              <a:rPr lang="fr-FR" dirty="0">
+                <a:solidFill>
+                  <a:schemeClr val="bg1"/>
+                </a:solidFill>
+              </a:rPr>
+              <a:t>Testez les deux calculs suivants sous Python</a:t>
+            </a:r>
+          </a:p>
+          <a:p>
+            <a:endParaRPr lang="fr-FR" dirty="0">
+              <a:solidFill>
+                <a:schemeClr val="bg1"/>
+              </a:solidFill>
+            </a:endParaRPr>
+          </a:p>
+          <a:p>
+            <a:pPr marL="0" indent="0">
+              <a:buNone/>
+            </a:pPr>
+            <a:r>
+              <a:rPr lang="fr-FR" dirty="0">
+                <a:solidFill>
+                  <a:schemeClr val="bg1"/>
+                </a:solidFill>
+              </a:rPr>
+              <a:t>&gt; 3 – 2 – 1</a:t>
+            </a:r>
+          </a:p>
+          <a:p>
+            <a:pPr marL="0" indent="0">
+              <a:buNone/>
+            </a:pPr>
+            <a:r>
+              <a:rPr lang="fr-FR" dirty="0">
+                <a:solidFill>
+                  <a:schemeClr val="bg1"/>
+                </a:solidFill>
+              </a:rPr>
+              <a:t>&gt; 0.3 – 0.2 – 0.1</a:t>
+            </a:r>
+          </a:p>
+        </p:txBody>
+      </p:sp>
+      <p:pic>
+        <p:nvPicPr>
+          <p:cNvPr id="5" name="Image 4" descr="Une image contenant texte&#10;&#10;Description générée automatiquement">
+            <a:extLst>
+              <a:ext uri="{FF2B5EF4-FFF2-40B4-BE49-F238E27FC236}">
+                <a16:creationId xmlns:a16="http://schemas.microsoft.com/office/drawing/2014/main" id="{66D2630B-81F4-A4EB-21BA-8B90CF30BD92}"/>
+              </a:ext>
+            </a:extLst>
+          </p:cNvPr>
+          <p:cNvPicPr>
+            <a:picLocks noChangeAspect="1"/>
+          </p:cNvPicPr>
+          <p:nvPr/>
+        </p:nvPicPr>
+        <p:blipFill>
+          <a:blip r:embed="rId2">
+            <a:extLst>
+              <a:ext uri="{28A0092B-C50C-407E-A947-70E740481C1C}">
+                <a14:useLocalDpi xmlns:a14="http://schemas.microsoft.com/office/drawing/2010/main" val="0"/>
+              </a:ext>
+            </a:extLst>
+          </a:blip>
+          <a:stretch>
+            <a:fillRect/>
+          </a:stretch>
+        </p:blipFill>
+        <p:spPr>
+          <a:xfrm>
+            <a:off x="202922" y="5934456"/>
+            <a:ext cx="1825291" cy="749808"/>
+          </a:xfrm>
+          <a:prstGeom prst="rect">
+            <a:avLst/>
+          </a:prstGeom>
+        </p:spPr>
+      </p:pic>
+      <p:pic>
+        <p:nvPicPr>
+          <p:cNvPr id="6" name="Graphique 5" descr="Interface utilisateur ou expérience utilisateur avec un remplissage uni">
+            <a:extLst>
+              <a:ext uri="{FF2B5EF4-FFF2-40B4-BE49-F238E27FC236}">
+                <a16:creationId xmlns:a16="http://schemas.microsoft.com/office/drawing/2014/main" id="{46377AE9-DBA0-15AA-566B-DEADBC24E5E5}"/>
+              </a:ext>
+            </a:extLst>
+          </p:cNvPr>
+          <p:cNvPicPr>
+            <a:picLocks noChangeAspect="1"/>
+          </p:cNvPicPr>
+          <p:nvPr/>
+        </p:nvPicPr>
+        <p:blipFill>
+          <a:blip r:embed="rId3">
+            <a:extLst>
+              <a:ext uri="{28A0092B-C50C-407E-A947-70E740481C1C}">
+                <a14:useLocalDpi xmlns:a14="http://schemas.microsoft.com/office/drawing/2010/main" val="0"/>
+              </a:ext>
+              <a:ext uri="{96DAC541-7B7A-43D3-8B79-37D633B846F1}">
+                <asvg:svgBlip xmlns:asvg="http://schemas.microsoft.com/office/drawing/2016/SVG/main" r:embed="rId4"/>
+              </a:ext>
+            </a:extLst>
+          </a:blip>
+          <a:stretch>
+            <a:fillRect/>
+          </a:stretch>
+        </p:blipFill>
+        <p:spPr>
+          <a:xfrm>
+            <a:off x="8676968" y="2241755"/>
+            <a:ext cx="1691149" cy="1691149"/>
+          </a:xfrm>
+          <a:prstGeom prst="rect">
+            <a:avLst/>
+          </a:prstGeom>
+        </p:spPr>
+      </p:pic>
+      <p:sp>
+        <p:nvSpPr>
+          <p:cNvPr id="4" name="Espace réservé du numéro de diapositive 3">
+            <a:extLst>
+              <a:ext uri="{FF2B5EF4-FFF2-40B4-BE49-F238E27FC236}">
+                <a16:creationId xmlns:a16="http://schemas.microsoft.com/office/drawing/2014/main" id="{96B7B4B3-6A3E-82D3-3BA1-8DF2FEE7AD0B}"/>
+              </a:ext>
+            </a:extLst>
+          </p:cNvPr>
+          <p:cNvSpPr>
+            <a:spLocks noGrp="1"/>
+          </p:cNvSpPr>
+          <p:nvPr>
+            <p:ph type="sldNum" sz="quarter" idx="12"/>
+          </p:nvPr>
+        </p:nvSpPr>
+        <p:spPr/>
+        <p:txBody>
+          <a:bodyPr/>
+          <a:lstStyle/>
+          <a:p>
+            <a:fld id="{B2DC25EE-239B-4C5F-AAD1-255A7D5F1EE2}" type="slidenum">
+              <a:rPr lang="en-US" smtClean="0"/>
+              <a:t>12</a:t>
+            </a:fld>
+            <a:endParaRPr lang="en-US"/>
+          </a:p>
+        </p:txBody>
+      </p:sp>
+    </p:spTree>
+    <p:extLst>
+      <p:ext uri="{BB962C8B-B14F-4D97-AF65-F5344CB8AC3E}">
+        <p14:creationId xmlns:p14="http://schemas.microsoft.com/office/powerpoint/2010/main" val="2120688491"/>
+      </p:ext>
+    </p:extLst>
+  </p:cSld>
+  <p:clrMapOvr>
+    <a:masterClrMapping/>
+  </p:clrMapOvr>
+</p:sld>
+</file>
+
+<file path=ppt/slides/slide13.xml><?xml version="1.0" encoding="utf-8"?>
+<p:sld xmlns:a="http://schemas.openxmlformats.org/drawingml/2006/main" xmlns:r="http://schemas.openxmlformats.org/officeDocument/2006/relationships" xmlns:p="http://schemas.openxmlformats.org/presentationml/2006/main">
+  <p:cSld>
+    <p:bg>
+      <p:bgPr>
+        <a:solidFill>
+          <a:schemeClr val="bg1">
+            <a:lumMod val="95000"/>
+          </a:schemeClr>
+        </a:solidFill>
+        <a:effectLst/>
+      </p:bgPr>
+    </p:bg>
+    <p:spTree>
+      <p:nvGrpSpPr>
+        <p:cNvPr id="1" name=""/>
+        <p:cNvGrpSpPr/>
+        <p:nvPr/>
+      </p:nvGrpSpPr>
+      <p:grpSpPr>
+        <a:xfrm>
+          <a:off x="0" y="0"/>
+          <a:ext cx="0" cy="0"/>
+          <a:chOff x="0" y="0"/>
+          <a:chExt cx="0" cy="0"/>
+        </a:xfrm>
+      </p:grpSpPr>
+      <p:sp>
+        <p:nvSpPr>
+          <p:cNvPr id="2" name="Titre 1">
+            <a:extLst>
+              <a:ext uri="{FF2B5EF4-FFF2-40B4-BE49-F238E27FC236}">
+                <a16:creationId xmlns:a16="http://schemas.microsoft.com/office/drawing/2014/main" id="{90162AE8-C1B0-5C56-8313-DEE494F38273}"/>
+              </a:ext>
+            </a:extLst>
+          </p:cNvPr>
+          <p:cNvSpPr>
+            <a:spLocks noGrp="1"/>
+          </p:cNvSpPr>
+          <p:nvPr>
+            <p:ph type="title"/>
+          </p:nvPr>
+        </p:nvSpPr>
+        <p:spPr/>
+        <p:txBody>
+          <a:bodyPr/>
+          <a:lstStyle/>
+          <a:p>
+            <a:r>
+              <a:rPr lang="fr-FR" dirty="0"/>
+              <a:t>Trucs et Astuces</a:t>
+            </a:r>
+          </a:p>
+        </p:txBody>
+      </p:sp>
+      <p:sp>
+        <p:nvSpPr>
+          <p:cNvPr id="3" name="Espace réservé du contenu 2">
+            <a:extLst>
+              <a:ext uri="{FF2B5EF4-FFF2-40B4-BE49-F238E27FC236}">
+                <a16:creationId xmlns:a16="http://schemas.microsoft.com/office/drawing/2014/main" id="{E0BBB9DE-019C-C741-F224-494739D4B752}"/>
+              </a:ext>
+            </a:extLst>
+          </p:cNvPr>
+          <p:cNvSpPr>
+            <a:spLocks noGrp="1"/>
+          </p:cNvSpPr>
+          <p:nvPr>
+            <p:ph sz="half" idx="1"/>
+          </p:nvPr>
+        </p:nvSpPr>
+        <p:spPr/>
+        <p:txBody>
+          <a:bodyPr/>
+          <a:lstStyle/>
+          <a:p>
+            <a:r>
+              <a:rPr lang="fr-FR" i="1" dirty="0"/>
+              <a:t>Variable explorer</a:t>
+            </a:r>
+          </a:p>
+        </p:txBody>
+      </p:sp>
+      <p:pic>
+        <p:nvPicPr>
+          <p:cNvPr id="5" name="Image 4" descr="Une image contenant texte&#10;&#10;Description générée automatiquement">
+            <a:extLst>
+              <a:ext uri="{FF2B5EF4-FFF2-40B4-BE49-F238E27FC236}">
+                <a16:creationId xmlns:a16="http://schemas.microsoft.com/office/drawing/2014/main" id="{66D2630B-81F4-A4EB-21BA-8B90CF30BD92}"/>
+              </a:ext>
+            </a:extLst>
+          </p:cNvPr>
+          <p:cNvPicPr>
+            <a:picLocks noChangeAspect="1"/>
+          </p:cNvPicPr>
+          <p:nvPr/>
+        </p:nvPicPr>
+        <p:blipFill>
+          <a:blip r:embed="rId2">
+            <a:extLst>
+              <a:ext uri="{28A0092B-C50C-407E-A947-70E740481C1C}">
+                <a14:useLocalDpi xmlns:a14="http://schemas.microsoft.com/office/drawing/2010/main" val="0"/>
+              </a:ext>
+            </a:extLst>
+          </a:blip>
+          <a:stretch>
+            <a:fillRect/>
+          </a:stretch>
+        </p:blipFill>
+        <p:spPr>
+          <a:xfrm>
+            <a:off x="202922" y="5934456"/>
+            <a:ext cx="1825291" cy="749808"/>
+          </a:xfrm>
+          <a:prstGeom prst="rect">
+            <a:avLst/>
+          </a:prstGeom>
+        </p:spPr>
+      </p:pic>
+      <p:pic>
+        <p:nvPicPr>
+          <p:cNvPr id="4" name="Picture 8" descr="Résultat de recherche d'images pour &quot;spyder logo&quot;">
+            <a:extLst>
+              <a:ext uri="{FF2B5EF4-FFF2-40B4-BE49-F238E27FC236}">
+                <a16:creationId xmlns:a16="http://schemas.microsoft.com/office/drawing/2014/main" id="{A67BE3DC-B7CA-12C6-85F3-3C0E16E505E7}"/>
+              </a:ext>
+            </a:extLst>
+          </p:cNvPr>
+          <p:cNvPicPr>
+            <a:picLocks noChangeAspect="1" noChangeArrowheads="1"/>
+          </p:cNvPicPr>
+          <p:nvPr/>
+        </p:nvPicPr>
+        <p:blipFill>
+          <a:blip r:embed="rId3">
+            <a:extLst>
+              <a:ext uri="{28A0092B-C50C-407E-A947-70E740481C1C}">
+                <a14:useLocalDpi xmlns:a14="http://schemas.microsoft.com/office/drawing/2010/main" val="0"/>
+              </a:ext>
+            </a:extLst>
+          </a:blip>
+          <a:srcRect/>
+          <a:stretch>
+            <a:fillRect/>
+          </a:stretch>
+        </p:blipFill>
+        <p:spPr bwMode="auto">
+          <a:xfrm>
+            <a:off x="8941922" y="660046"/>
+            <a:ext cx="1913528" cy="956764"/>
+          </a:xfrm>
+          <a:prstGeom prst="rect">
+            <a:avLst/>
+          </a:prstGeom>
+          <a:noFill/>
+          <a:extLst>
+            <a:ext uri="{909E8E84-426E-40DD-AFC4-6F175D3DCCD1}">
+              <a14:hiddenFill xmlns:a14="http://schemas.microsoft.com/office/drawing/2010/main">
+                <a:solidFill>
+                  <a:srgbClr val="FFFFFF"/>
+                </a:solidFill>
+              </a14:hiddenFill>
+            </a:ext>
+          </a:extLst>
+        </p:spPr>
+      </p:pic>
+      <p:pic>
+        <p:nvPicPr>
+          <p:cNvPr id="7" name="Image 6">
+            <a:extLst>
+              <a:ext uri="{FF2B5EF4-FFF2-40B4-BE49-F238E27FC236}">
+                <a16:creationId xmlns:a16="http://schemas.microsoft.com/office/drawing/2014/main" id="{0ABB0E92-EFE8-C12C-5E6A-461A9F143B80}"/>
+              </a:ext>
+            </a:extLst>
+          </p:cNvPr>
+          <p:cNvPicPr>
+            <a:picLocks noChangeAspect="1"/>
+          </p:cNvPicPr>
+          <p:nvPr/>
+        </p:nvPicPr>
+        <p:blipFill>
+          <a:blip r:embed="rId4"/>
+          <a:stretch>
+            <a:fillRect/>
+          </a:stretch>
+        </p:blipFill>
+        <p:spPr>
+          <a:xfrm>
+            <a:off x="4904142" y="2543415"/>
+            <a:ext cx="6793940" cy="3884817"/>
+          </a:xfrm>
+          <a:prstGeom prst="rect">
+            <a:avLst/>
+          </a:prstGeom>
+        </p:spPr>
+      </p:pic>
+      <p:sp>
+        <p:nvSpPr>
+          <p:cNvPr id="6" name="Espace réservé du numéro de diapositive 5">
+            <a:extLst>
+              <a:ext uri="{FF2B5EF4-FFF2-40B4-BE49-F238E27FC236}">
+                <a16:creationId xmlns:a16="http://schemas.microsoft.com/office/drawing/2014/main" id="{69B58F3D-E192-282A-4E8F-A1DE66F95B63}"/>
+              </a:ext>
+            </a:extLst>
+          </p:cNvPr>
+          <p:cNvSpPr>
+            <a:spLocks noGrp="1"/>
+          </p:cNvSpPr>
+          <p:nvPr>
+            <p:ph type="sldNum" sz="quarter" idx="12"/>
+          </p:nvPr>
+        </p:nvSpPr>
+        <p:spPr/>
+        <p:txBody>
+          <a:bodyPr/>
+          <a:lstStyle/>
+          <a:p>
+            <a:fld id="{B2DC25EE-239B-4C5F-AAD1-255A7D5F1EE2}" type="slidenum">
+              <a:rPr lang="en-US" smtClean="0"/>
+              <a:t>13</a:t>
+            </a:fld>
+            <a:endParaRPr lang="en-US"/>
+          </a:p>
+        </p:txBody>
+      </p:sp>
+    </p:spTree>
+    <p:extLst>
+      <p:ext uri="{BB962C8B-B14F-4D97-AF65-F5344CB8AC3E}">
+        <p14:creationId xmlns:p14="http://schemas.microsoft.com/office/powerpoint/2010/main" val="4039983876"/>
+      </p:ext>
+    </p:extLst>
+  </p:cSld>
+  <p:clrMapOvr>
+    <a:masterClrMapping/>
+  </p:clrMapOvr>
+</p:sld>
+</file>
+
+<file path=ppt/slides/slide14.xml><?xml version="1.0" encoding="utf-8"?>
 <p:sld xmlns:a="http://schemas.openxmlformats.org/drawingml/2006/main" xmlns:r="http://schemas.openxmlformats.org/officeDocument/2006/relationships" xmlns:p="http://schemas.openxmlformats.org/presentationml/2006/main">
   <p:cSld>
     <p:spTree>
@@ -5880,10 +7050,39 @@
           </a:prstGeom>
         </p:spPr>
       </p:pic>
+      <p:sp>
+        <p:nvSpPr>
+          <p:cNvPr id="6" name="Espace réservé du numéro de diapositive 5">
+            <a:extLst>
+              <a:ext uri="{FF2B5EF4-FFF2-40B4-BE49-F238E27FC236}">
+                <a16:creationId xmlns:a16="http://schemas.microsoft.com/office/drawing/2014/main" id="{D8EC0823-7E2B-C8D6-5E2D-3BEDA593AA4B}"/>
+              </a:ext>
+            </a:extLst>
+          </p:cNvPr>
+          <p:cNvSpPr>
+            <a:spLocks noGrp="1"/>
+          </p:cNvSpPr>
+          <p:nvPr>
+            <p:ph type="sldNum" sz="quarter" idx="12"/>
+          </p:nvPr>
+        </p:nvSpPr>
+        <p:spPr/>
+        <p:txBody>
+          <a:bodyPr/>
+          <a:lstStyle/>
+          <a:p>
+            <a:fld id="{B2DC25EE-239B-4C5F-AAD1-255A7D5F1EE2}" type="slidenum">
+              <a:rPr lang="en-US" smtClean="0"/>
+              <a:t>14</a:t>
+            </a:fld>
+            <a:endParaRPr lang="en-US"/>
+          </a:p>
+        </p:txBody>
+      </p:sp>
     </p:spTree>
     <p:extLst>
       <p:ext uri="{BB962C8B-B14F-4D97-AF65-F5344CB8AC3E}">
-        <p14:creationId xmlns:p14="http://schemas.microsoft.com/office/powerpoint/2010/main" val="2798061923"/>
+        <p14:creationId xmlns:p14="http://schemas.microsoft.com/office/powerpoint/2010/main" val="2499200590"/>
       </p:ext>
     </p:extLst>
   </p:cSld>
@@ -5893,7 +7092,7 @@
 </p:sld>
 </file>
 
-<file path=ppt/slides/slide12.xml><?xml version="1.0" encoding="utf-8"?>
+<file path=ppt/slides/slide15.xml><?xml version="1.0" encoding="utf-8"?>
 <p:sld xmlns:a="http://schemas.openxmlformats.org/drawingml/2006/main" xmlns:r="http://schemas.openxmlformats.org/officeDocument/2006/relationships" xmlns:p="http://schemas.openxmlformats.org/presentationml/2006/main">
   <p:cSld>
     <p:spTree>
@@ -6039,6 +7238,35 @@
           </a:prstGeom>
         </p:spPr>
       </p:pic>
+      <p:sp>
+        <p:nvSpPr>
+          <p:cNvPr id="6" name="Espace réservé du numéro de diapositive 5">
+            <a:extLst>
+              <a:ext uri="{FF2B5EF4-FFF2-40B4-BE49-F238E27FC236}">
+                <a16:creationId xmlns:a16="http://schemas.microsoft.com/office/drawing/2014/main" id="{4C1E9BCC-7E3A-6B7D-DBFB-30833C830FF6}"/>
+              </a:ext>
+            </a:extLst>
+          </p:cNvPr>
+          <p:cNvSpPr>
+            <a:spLocks noGrp="1"/>
+          </p:cNvSpPr>
+          <p:nvPr>
+            <p:ph type="sldNum" sz="quarter" idx="12"/>
+          </p:nvPr>
+        </p:nvSpPr>
+        <p:spPr/>
+        <p:txBody>
+          <a:bodyPr/>
+          <a:lstStyle/>
+          <a:p>
+            <a:fld id="{B2DC25EE-239B-4C5F-AAD1-255A7D5F1EE2}" type="slidenum">
+              <a:rPr lang="en-US" smtClean="0"/>
+              <a:t>15</a:t>
+            </a:fld>
+            <a:endParaRPr lang="en-US"/>
+          </a:p>
+        </p:txBody>
+      </p:sp>
     </p:spTree>
     <p:extLst>
       <p:ext uri="{BB962C8B-B14F-4D97-AF65-F5344CB8AC3E}">
@@ -6052,7 +7280,7 @@
 </p:sld>
 </file>
 
-<file path=ppt/slides/slide13.xml><?xml version="1.0" encoding="utf-8"?>
+<file path=ppt/slides/slide16.xml><?xml version="1.0" encoding="utf-8"?>
 <p:sld xmlns:a="http://schemas.openxmlformats.org/drawingml/2006/main" xmlns:r="http://schemas.openxmlformats.org/officeDocument/2006/relationships" xmlns:p="http://schemas.openxmlformats.org/presentationml/2006/main">
   <p:cSld>
     <p:spTree>
@@ -6203,10 +7431,402 @@
           </a:prstGeom>
         </p:spPr>
       </p:pic>
+      <p:sp>
+        <p:nvSpPr>
+          <p:cNvPr id="6" name="Espace réservé du numéro de diapositive 5">
+            <a:extLst>
+              <a:ext uri="{FF2B5EF4-FFF2-40B4-BE49-F238E27FC236}">
+                <a16:creationId xmlns:a16="http://schemas.microsoft.com/office/drawing/2014/main" id="{352C540C-C811-C749-173D-914B5186C06C}"/>
+              </a:ext>
+            </a:extLst>
+          </p:cNvPr>
+          <p:cNvSpPr>
+            <a:spLocks noGrp="1"/>
+          </p:cNvSpPr>
+          <p:nvPr>
+            <p:ph type="sldNum" sz="quarter" idx="12"/>
+          </p:nvPr>
+        </p:nvSpPr>
+        <p:spPr/>
+        <p:txBody>
+          <a:bodyPr/>
+          <a:lstStyle/>
+          <a:p>
+            <a:fld id="{B2DC25EE-239B-4C5F-AAD1-255A7D5F1EE2}" type="slidenum">
+              <a:rPr lang="en-US" smtClean="0"/>
+              <a:t>16</a:t>
+            </a:fld>
+            <a:endParaRPr lang="en-US"/>
+          </a:p>
+        </p:txBody>
+      </p:sp>
     </p:spTree>
     <p:extLst>
       <p:ext uri="{BB962C8B-B14F-4D97-AF65-F5344CB8AC3E}">
         <p14:creationId xmlns:p14="http://schemas.microsoft.com/office/powerpoint/2010/main" val="3320162350"/>
+      </p:ext>
+    </p:extLst>
+  </p:cSld>
+  <p:clrMapOvr>
+    <a:masterClrMapping/>
+  </p:clrMapOvr>
+</p:sld>
+</file>
+
+<file path=ppt/slides/slide17.xml><?xml version="1.0" encoding="utf-8"?>
+<p:sld xmlns:a="http://schemas.openxmlformats.org/drawingml/2006/main" xmlns:r="http://schemas.openxmlformats.org/officeDocument/2006/relationships" xmlns:p="http://schemas.openxmlformats.org/presentationml/2006/main">
+  <p:cSld>
+    <p:bg>
+      <p:bgPr>
+        <a:solidFill>
+          <a:schemeClr val="bg1">
+            <a:lumMod val="95000"/>
+          </a:schemeClr>
+        </a:solidFill>
+        <a:effectLst/>
+      </p:bgPr>
+    </p:bg>
+    <p:spTree>
+      <p:nvGrpSpPr>
+        <p:cNvPr id="1" name=""/>
+        <p:cNvGrpSpPr/>
+        <p:nvPr/>
+      </p:nvGrpSpPr>
+      <p:grpSpPr>
+        <a:xfrm>
+          <a:off x="0" y="0"/>
+          <a:ext cx="0" cy="0"/>
+          <a:chOff x="0" y="0"/>
+          <a:chExt cx="0" cy="0"/>
+        </a:xfrm>
+      </p:grpSpPr>
+      <p:sp>
+        <p:nvSpPr>
+          <p:cNvPr id="2" name="Titre 1">
+            <a:extLst>
+              <a:ext uri="{FF2B5EF4-FFF2-40B4-BE49-F238E27FC236}">
+                <a16:creationId xmlns:a16="http://schemas.microsoft.com/office/drawing/2014/main" id="{90162AE8-C1B0-5C56-8313-DEE494F38273}"/>
+              </a:ext>
+            </a:extLst>
+          </p:cNvPr>
+          <p:cNvSpPr>
+            <a:spLocks noGrp="1"/>
+          </p:cNvSpPr>
+          <p:nvPr>
+            <p:ph type="title"/>
+          </p:nvPr>
+        </p:nvSpPr>
+        <p:spPr/>
+        <p:txBody>
+          <a:bodyPr/>
+          <a:lstStyle/>
+          <a:p>
+            <a:r>
+              <a:rPr lang="fr-FR" dirty="0"/>
+              <a:t>Trucs et Astuces</a:t>
+            </a:r>
+          </a:p>
+        </p:txBody>
+      </p:sp>
+      <p:sp>
+        <p:nvSpPr>
+          <p:cNvPr id="3" name="Espace réservé du contenu 2">
+            <a:extLst>
+              <a:ext uri="{FF2B5EF4-FFF2-40B4-BE49-F238E27FC236}">
+                <a16:creationId xmlns:a16="http://schemas.microsoft.com/office/drawing/2014/main" id="{E0BBB9DE-019C-C741-F224-494739D4B752}"/>
+              </a:ext>
+            </a:extLst>
+          </p:cNvPr>
+          <p:cNvSpPr>
+            <a:spLocks noGrp="1"/>
+          </p:cNvSpPr>
+          <p:nvPr>
+            <p:ph sz="half" idx="1"/>
+          </p:nvPr>
+        </p:nvSpPr>
+        <p:spPr/>
+        <p:txBody>
+          <a:bodyPr/>
+          <a:lstStyle/>
+          <a:p>
+            <a:r>
+              <a:rPr lang="fr-FR" dirty="0"/>
+              <a:t>Sections</a:t>
+            </a:r>
+          </a:p>
+        </p:txBody>
+      </p:sp>
+      <p:pic>
+        <p:nvPicPr>
+          <p:cNvPr id="5" name="Image 4" descr="Une image contenant texte&#10;&#10;Description générée automatiquement">
+            <a:extLst>
+              <a:ext uri="{FF2B5EF4-FFF2-40B4-BE49-F238E27FC236}">
+                <a16:creationId xmlns:a16="http://schemas.microsoft.com/office/drawing/2014/main" id="{66D2630B-81F4-A4EB-21BA-8B90CF30BD92}"/>
+              </a:ext>
+            </a:extLst>
+          </p:cNvPr>
+          <p:cNvPicPr>
+            <a:picLocks noChangeAspect="1"/>
+          </p:cNvPicPr>
+          <p:nvPr/>
+        </p:nvPicPr>
+        <p:blipFill>
+          <a:blip r:embed="rId2">
+            <a:extLst>
+              <a:ext uri="{28A0092B-C50C-407E-A947-70E740481C1C}">
+                <a14:useLocalDpi xmlns:a14="http://schemas.microsoft.com/office/drawing/2010/main" val="0"/>
+              </a:ext>
+            </a:extLst>
+          </a:blip>
+          <a:stretch>
+            <a:fillRect/>
+          </a:stretch>
+        </p:blipFill>
+        <p:spPr>
+          <a:xfrm>
+            <a:off x="202922" y="5934456"/>
+            <a:ext cx="1825291" cy="749808"/>
+          </a:xfrm>
+          <a:prstGeom prst="rect">
+            <a:avLst/>
+          </a:prstGeom>
+        </p:spPr>
+      </p:pic>
+      <p:pic>
+        <p:nvPicPr>
+          <p:cNvPr id="4" name="Picture 8" descr="Résultat de recherche d'images pour &quot;spyder logo&quot;">
+            <a:extLst>
+              <a:ext uri="{FF2B5EF4-FFF2-40B4-BE49-F238E27FC236}">
+                <a16:creationId xmlns:a16="http://schemas.microsoft.com/office/drawing/2014/main" id="{A67BE3DC-B7CA-12C6-85F3-3C0E16E505E7}"/>
+              </a:ext>
+            </a:extLst>
+          </p:cNvPr>
+          <p:cNvPicPr>
+            <a:picLocks noChangeAspect="1" noChangeArrowheads="1"/>
+          </p:cNvPicPr>
+          <p:nvPr/>
+        </p:nvPicPr>
+        <p:blipFill>
+          <a:blip r:embed="rId3">
+            <a:extLst>
+              <a:ext uri="{28A0092B-C50C-407E-A947-70E740481C1C}">
+                <a14:useLocalDpi xmlns:a14="http://schemas.microsoft.com/office/drawing/2010/main" val="0"/>
+              </a:ext>
+            </a:extLst>
+          </a:blip>
+          <a:srcRect/>
+          <a:stretch>
+            <a:fillRect/>
+          </a:stretch>
+        </p:blipFill>
+        <p:spPr bwMode="auto">
+          <a:xfrm>
+            <a:off x="8941922" y="660046"/>
+            <a:ext cx="1913528" cy="956764"/>
+          </a:xfrm>
+          <a:prstGeom prst="rect">
+            <a:avLst/>
+          </a:prstGeom>
+          <a:noFill/>
+          <a:extLst>
+            <a:ext uri="{909E8E84-426E-40DD-AFC4-6F175D3DCCD1}">
+              <a14:hiddenFill xmlns:a14="http://schemas.microsoft.com/office/drawing/2010/main">
+                <a:solidFill>
+                  <a:srgbClr val="FFFFFF"/>
+                </a:solidFill>
+              </a14:hiddenFill>
+            </a:ext>
+          </a:extLst>
+        </p:spPr>
+      </p:pic>
+      <p:sp>
+        <p:nvSpPr>
+          <p:cNvPr id="9" name="Espace réservé du numéro de diapositive 8">
+            <a:extLst>
+              <a:ext uri="{FF2B5EF4-FFF2-40B4-BE49-F238E27FC236}">
+                <a16:creationId xmlns:a16="http://schemas.microsoft.com/office/drawing/2014/main" id="{6052D9D8-83A4-E43E-EC15-140555F403EB}"/>
+              </a:ext>
+            </a:extLst>
+          </p:cNvPr>
+          <p:cNvSpPr>
+            <a:spLocks noGrp="1"/>
+          </p:cNvSpPr>
+          <p:nvPr>
+            <p:ph type="sldNum" sz="quarter" idx="12"/>
+          </p:nvPr>
+        </p:nvSpPr>
+        <p:spPr/>
+        <p:txBody>
+          <a:bodyPr/>
+          <a:lstStyle/>
+          <a:p>
+            <a:fld id="{B2DC25EE-239B-4C5F-AAD1-255A7D5F1EE2}" type="slidenum">
+              <a:rPr lang="en-US" smtClean="0"/>
+              <a:t>17</a:t>
+            </a:fld>
+            <a:endParaRPr lang="en-US"/>
+          </a:p>
+        </p:txBody>
+      </p:sp>
+      <p:sp>
+        <p:nvSpPr>
+          <p:cNvPr id="10" name="ZoneTexte 9">
+            <a:extLst>
+              <a:ext uri="{FF2B5EF4-FFF2-40B4-BE49-F238E27FC236}">
+                <a16:creationId xmlns:a16="http://schemas.microsoft.com/office/drawing/2014/main" id="{1694A60E-9C29-9F5A-9366-2072505B43CF}"/>
+              </a:ext>
+            </a:extLst>
+          </p:cNvPr>
+          <p:cNvSpPr txBox="1"/>
+          <p:nvPr/>
+        </p:nvSpPr>
+        <p:spPr>
+          <a:xfrm>
+            <a:off x="824860" y="3090446"/>
+            <a:ext cx="4765173" cy="369332"/>
+          </a:xfrm>
+          <a:prstGeom prst="rect">
+            <a:avLst/>
+          </a:prstGeom>
+          <a:solidFill>
+            <a:schemeClr val="accent1">
+              <a:lumMod val="60000"/>
+              <a:lumOff val="40000"/>
+            </a:schemeClr>
+          </a:solidFill>
+        </p:spPr>
+        <p:txBody>
+          <a:bodyPr wrap="square" rtlCol="0">
+            <a:spAutoFit/>
+          </a:bodyPr>
+          <a:lstStyle/>
+          <a:p>
+            <a:r>
+              <a:rPr lang="fr-FR" b="1" dirty="0"/>
+              <a:t>#%%</a:t>
+            </a:r>
+          </a:p>
+        </p:txBody>
+      </p:sp>
+      <p:pic>
+        <p:nvPicPr>
+          <p:cNvPr id="8" name="Image 7">
+            <a:extLst>
+              <a:ext uri="{FF2B5EF4-FFF2-40B4-BE49-F238E27FC236}">
+                <a16:creationId xmlns:a16="http://schemas.microsoft.com/office/drawing/2014/main" id="{036D108A-46A1-8FED-D3B4-BED4C040FCD3}"/>
+              </a:ext>
+            </a:extLst>
+          </p:cNvPr>
+          <p:cNvPicPr>
+            <a:picLocks noChangeAspect="1"/>
+          </p:cNvPicPr>
+          <p:nvPr/>
+        </p:nvPicPr>
+        <p:blipFill>
+          <a:blip r:embed="rId4"/>
+          <a:stretch>
+            <a:fillRect/>
+          </a:stretch>
+        </p:blipFill>
+        <p:spPr>
+          <a:xfrm>
+            <a:off x="5411533" y="2604007"/>
+            <a:ext cx="6257925" cy="1438275"/>
+          </a:xfrm>
+          <a:prstGeom prst="rect">
+            <a:avLst/>
+          </a:prstGeom>
+        </p:spPr>
+      </p:pic>
+      <p:sp>
+        <p:nvSpPr>
+          <p:cNvPr id="11" name="ZoneTexte 10">
+            <a:extLst>
+              <a:ext uri="{FF2B5EF4-FFF2-40B4-BE49-F238E27FC236}">
+                <a16:creationId xmlns:a16="http://schemas.microsoft.com/office/drawing/2014/main" id="{A4BE1C26-8E39-0513-9C9A-941F568DCBA5}"/>
+              </a:ext>
+            </a:extLst>
+          </p:cNvPr>
+          <p:cNvSpPr txBox="1"/>
+          <p:nvPr/>
+        </p:nvSpPr>
+        <p:spPr>
+          <a:xfrm>
+            <a:off x="1238764" y="4477238"/>
+            <a:ext cx="4322952" cy="707886"/>
+          </a:xfrm>
+          <a:prstGeom prst="rect">
+            <a:avLst/>
+          </a:prstGeom>
+          <a:noFill/>
+        </p:spPr>
+        <p:txBody>
+          <a:bodyPr wrap="square">
+            <a:spAutoFit/>
+          </a:bodyPr>
+          <a:lstStyle/>
+          <a:p>
+            <a:r>
+              <a:rPr lang="fr-FR" sz="2000" i="1" dirty="0">
+                <a:solidFill>
+                  <a:schemeClr val="tx1">
+                    <a:lumMod val="75000"/>
+                    <a:lumOff val="25000"/>
+                  </a:schemeClr>
+                </a:solidFill>
+              </a:rPr>
+              <a:t>Exécutables indépendamment </a:t>
+            </a:r>
+          </a:p>
+          <a:p>
+            <a:r>
+              <a:rPr lang="fr-FR" sz="2000" i="1" dirty="0">
+                <a:solidFill>
+                  <a:schemeClr val="tx1">
+                    <a:lumMod val="75000"/>
+                    <a:lumOff val="25000"/>
+                  </a:schemeClr>
+                </a:solidFill>
+              </a:rPr>
+              <a:t>(… ou presque)</a:t>
+            </a:r>
+          </a:p>
+        </p:txBody>
+      </p:sp>
+      <p:pic>
+        <p:nvPicPr>
+          <p:cNvPr id="13" name="Image 12">
+            <a:extLst>
+              <a:ext uri="{FF2B5EF4-FFF2-40B4-BE49-F238E27FC236}">
+                <a16:creationId xmlns:a16="http://schemas.microsoft.com/office/drawing/2014/main" id="{0E895561-6C8E-1246-C868-A6A9FD440E7F}"/>
+              </a:ext>
+            </a:extLst>
+          </p:cNvPr>
+          <p:cNvPicPr>
+            <a:picLocks noChangeAspect="1"/>
+          </p:cNvPicPr>
+          <p:nvPr/>
+        </p:nvPicPr>
+        <p:blipFill>
+          <a:blip r:embed="rId5"/>
+          <a:stretch>
+            <a:fillRect/>
+          </a:stretch>
+        </p:blipFill>
+        <p:spPr>
+          <a:xfrm>
+            <a:off x="8234691" y="5185124"/>
+            <a:ext cx="1414462" cy="673553"/>
+          </a:xfrm>
+          <a:prstGeom prst="rect">
+            <a:avLst/>
+          </a:prstGeom>
+        </p:spPr>
+      </p:pic>
+    </p:spTree>
+    <p:extLst>
+      <p:ext uri="{BB962C8B-B14F-4D97-AF65-F5344CB8AC3E}">
+        <p14:creationId xmlns:p14="http://schemas.microsoft.com/office/powerpoint/2010/main" val="1583701929"/>
       </p:ext>
     </p:extLst>
   </p:cSld>
@@ -7035,6 +8655,35 @@
           </a:extLst>
         </p:spPr>
       </p:pic>
+      <p:sp>
+        <p:nvSpPr>
+          <p:cNvPr id="3" name="Espace réservé du numéro de diapositive 2">
+            <a:extLst>
+              <a:ext uri="{FF2B5EF4-FFF2-40B4-BE49-F238E27FC236}">
+                <a16:creationId xmlns:a16="http://schemas.microsoft.com/office/drawing/2014/main" id="{325794B8-7B67-F91A-F208-44686BEEF168}"/>
+              </a:ext>
+            </a:extLst>
+          </p:cNvPr>
+          <p:cNvSpPr>
+            <a:spLocks noGrp="1"/>
+          </p:cNvSpPr>
+          <p:nvPr>
+            <p:ph type="sldNum" sz="quarter" idx="12"/>
+          </p:nvPr>
+        </p:nvSpPr>
+        <p:spPr/>
+        <p:txBody>
+          <a:bodyPr/>
+          <a:lstStyle/>
+          <a:p>
+            <a:fld id="{B2DC25EE-239B-4C5F-AAD1-255A7D5F1EE2}" type="slidenum">
+              <a:rPr lang="en-US" smtClean="0"/>
+              <a:t>2</a:t>
+            </a:fld>
+            <a:endParaRPr lang="en-US"/>
+          </a:p>
+        </p:txBody>
+      </p:sp>
     </p:spTree>
     <p:extLst>
       <p:ext uri="{BB962C8B-B14F-4D97-AF65-F5344CB8AC3E}">
@@ -7543,6 +9192,35 @@
           </a:p>
         </p:txBody>
       </p:sp>
+      <p:sp>
+        <p:nvSpPr>
+          <p:cNvPr id="13" name="Espace réservé du numéro de diapositive 12">
+            <a:extLst>
+              <a:ext uri="{FF2B5EF4-FFF2-40B4-BE49-F238E27FC236}">
+                <a16:creationId xmlns:a16="http://schemas.microsoft.com/office/drawing/2014/main" id="{7BA529AE-2C1D-FB91-CBE3-B975D0CA0DC9}"/>
+              </a:ext>
+            </a:extLst>
+          </p:cNvPr>
+          <p:cNvSpPr>
+            <a:spLocks noGrp="1"/>
+          </p:cNvSpPr>
+          <p:nvPr>
+            <p:ph type="sldNum" sz="quarter" idx="12"/>
+          </p:nvPr>
+        </p:nvSpPr>
+        <p:spPr/>
+        <p:txBody>
+          <a:bodyPr/>
+          <a:lstStyle/>
+          <a:p>
+            <a:fld id="{B2DC25EE-239B-4C5F-AAD1-255A7D5F1EE2}" type="slidenum">
+              <a:rPr lang="en-US" smtClean="0"/>
+              <a:t>3</a:t>
+            </a:fld>
+            <a:endParaRPr lang="en-US"/>
+          </a:p>
+        </p:txBody>
+      </p:sp>
     </p:spTree>
     <p:extLst>
       <p:ext uri="{BB962C8B-B14F-4D97-AF65-F5344CB8AC3E}">
@@ -8127,6 +9805,35 @@
           </a:p>
         </p:txBody>
       </p:sp>
+      <p:sp>
+        <p:nvSpPr>
+          <p:cNvPr id="4" name="Espace réservé du numéro de diapositive 3">
+            <a:extLst>
+              <a:ext uri="{FF2B5EF4-FFF2-40B4-BE49-F238E27FC236}">
+                <a16:creationId xmlns:a16="http://schemas.microsoft.com/office/drawing/2014/main" id="{3CF15BDA-7247-9C2C-35BB-4E0ED833A1F8}"/>
+              </a:ext>
+            </a:extLst>
+          </p:cNvPr>
+          <p:cNvSpPr>
+            <a:spLocks noGrp="1"/>
+          </p:cNvSpPr>
+          <p:nvPr>
+            <p:ph type="sldNum" sz="quarter" idx="12"/>
+          </p:nvPr>
+        </p:nvSpPr>
+        <p:spPr/>
+        <p:txBody>
+          <a:bodyPr/>
+          <a:lstStyle/>
+          <a:p>
+            <a:fld id="{B2DC25EE-239B-4C5F-AAD1-255A7D5F1EE2}" type="slidenum">
+              <a:rPr lang="en-US" smtClean="0"/>
+              <a:t>4</a:t>
+            </a:fld>
+            <a:endParaRPr lang="en-US"/>
+          </a:p>
+        </p:txBody>
+      </p:sp>
     </p:spTree>
     <p:extLst>
       <p:ext uri="{BB962C8B-B14F-4D97-AF65-F5344CB8AC3E}">
@@ -8500,6 +10207,35 @@
           </a:p>
         </p:txBody>
       </p:sp>
+      <p:sp>
+        <p:nvSpPr>
+          <p:cNvPr id="4" name="Espace réservé du numéro de diapositive 3">
+            <a:extLst>
+              <a:ext uri="{FF2B5EF4-FFF2-40B4-BE49-F238E27FC236}">
+                <a16:creationId xmlns:a16="http://schemas.microsoft.com/office/drawing/2014/main" id="{B7C60569-E347-D5FA-457F-6F630CD86C7B}"/>
+              </a:ext>
+            </a:extLst>
+          </p:cNvPr>
+          <p:cNvSpPr>
+            <a:spLocks noGrp="1"/>
+          </p:cNvSpPr>
+          <p:nvPr>
+            <p:ph type="sldNum" sz="quarter" idx="12"/>
+          </p:nvPr>
+        </p:nvSpPr>
+        <p:spPr/>
+        <p:txBody>
+          <a:bodyPr/>
+          <a:lstStyle/>
+          <a:p>
+            <a:fld id="{B2DC25EE-239B-4C5F-AAD1-255A7D5F1EE2}" type="slidenum">
+              <a:rPr lang="en-US" smtClean="0"/>
+              <a:t>5</a:t>
+            </a:fld>
+            <a:endParaRPr lang="en-US"/>
+          </a:p>
+        </p:txBody>
+      </p:sp>
     </p:spTree>
     <p:extLst>
       <p:ext uri="{BB962C8B-B14F-4D97-AF65-F5344CB8AC3E}">
@@ -8880,6 +10616,35 @@
           </a:extLst>
         </p:spPr>
       </p:pic>
+      <p:sp>
+        <p:nvSpPr>
+          <p:cNvPr id="4" name="Espace réservé du numéro de diapositive 3">
+            <a:extLst>
+              <a:ext uri="{FF2B5EF4-FFF2-40B4-BE49-F238E27FC236}">
+                <a16:creationId xmlns:a16="http://schemas.microsoft.com/office/drawing/2014/main" id="{EDA5015E-6C98-2727-40F4-66EF4663BB22}"/>
+              </a:ext>
+            </a:extLst>
+          </p:cNvPr>
+          <p:cNvSpPr>
+            <a:spLocks noGrp="1"/>
+          </p:cNvSpPr>
+          <p:nvPr>
+            <p:ph type="sldNum" sz="quarter" idx="12"/>
+          </p:nvPr>
+        </p:nvSpPr>
+        <p:spPr/>
+        <p:txBody>
+          <a:bodyPr/>
+          <a:lstStyle/>
+          <a:p>
+            <a:fld id="{B2DC25EE-239B-4C5F-AAD1-255A7D5F1EE2}" type="slidenum">
+              <a:rPr lang="en-US" smtClean="0"/>
+              <a:t>6</a:t>
+            </a:fld>
+            <a:endParaRPr lang="en-US"/>
+          </a:p>
+        </p:txBody>
+      </p:sp>
     </p:spTree>
     <p:extLst>
       <p:ext uri="{BB962C8B-B14F-4D97-AF65-F5344CB8AC3E}">
@@ -9416,6 +11181,35 @@
               <a:rPr lang="en-US" dirty="0"/>
               <a:t>’&gt;</a:t>
             </a:r>
+          </a:p>
+        </p:txBody>
+      </p:sp>
+      <p:sp>
+        <p:nvSpPr>
+          <p:cNvPr id="6" name="Espace réservé du numéro de diapositive 5">
+            <a:extLst>
+              <a:ext uri="{FF2B5EF4-FFF2-40B4-BE49-F238E27FC236}">
+                <a16:creationId xmlns:a16="http://schemas.microsoft.com/office/drawing/2014/main" id="{6F2EAD96-5186-D09C-707C-1E9271A3264B}"/>
+              </a:ext>
+            </a:extLst>
+          </p:cNvPr>
+          <p:cNvSpPr>
+            <a:spLocks noGrp="1"/>
+          </p:cNvSpPr>
+          <p:nvPr>
+            <p:ph type="sldNum" sz="quarter" idx="12"/>
+          </p:nvPr>
+        </p:nvSpPr>
+        <p:spPr/>
+        <p:txBody>
+          <a:bodyPr/>
+          <a:lstStyle/>
+          <a:p>
+            <a:fld id="{B2DC25EE-239B-4C5F-AAD1-255A7D5F1EE2}" type="slidenum">
+              <a:rPr lang="en-US" smtClean="0"/>
+              <a:t>7</a:t>
+            </a:fld>
+            <a:endParaRPr lang="en-US"/>
           </a:p>
         </p:txBody>
       </p:sp>
@@ -10152,6 +11946,35 @@
           </a:graphicData>
         </a:graphic>
       </p:graphicFrame>
+      <p:sp>
+        <p:nvSpPr>
+          <p:cNvPr id="4" name="Espace réservé du numéro de diapositive 3">
+            <a:extLst>
+              <a:ext uri="{FF2B5EF4-FFF2-40B4-BE49-F238E27FC236}">
+                <a16:creationId xmlns:a16="http://schemas.microsoft.com/office/drawing/2014/main" id="{34A08C9D-02BB-2E5D-168A-59D5BD1D2715}"/>
+              </a:ext>
+            </a:extLst>
+          </p:cNvPr>
+          <p:cNvSpPr>
+            <a:spLocks noGrp="1"/>
+          </p:cNvSpPr>
+          <p:nvPr>
+            <p:ph type="sldNum" sz="quarter" idx="12"/>
+          </p:nvPr>
+        </p:nvSpPr>
+        <p:spPr/>
+        <p:txBody>
+          <a:bodyPr/>
+          <a:lstStyle/>
+          <a:p>
+            <a:fld id="{B2DC25EE-239B-4C5F-AAD1-255A7D5F1EE2}" type="slidenum">
+              <a:rPr lang="en-US" smtClean="0"/>
+              <a:t>8</a:t>
+            </a:fld>
+            <a:endParaRPr lang="en-US"/>
+          </a:p>
+        </p:txBody>
+      </p:sp>
     </p:spTree>
     <p:extLst>
       <p:ext uri="{BB962C8B-B14F-4D97-AF65-F5344CB8AC3E}">
@@ -10168,6 +11991,16 @@
 <file path=ppt/slides/slide9.xml><?xml version="1.0" encoding="utf-8"?>
 <p:sld xmlns:a="http://schemas.openxmlformats.org/drawingml/2006/main" xmlns:r="http://schemas.openxmlformats.org/officeDocument/2006/relationships" xmlns:p="http://schemas.openxmlformats.org/presentationml/2006/main">
   <p:cSld>
+    <p:bg>
+      <p:bgPr>
+        <a:solidFill>
+          <a:schemeClr val="bg1">
+            <a:lumMod val="95000"/>
+          </a:schemeClr>
+        </a:solidFill>
+        <a:effectLst/>
+      </p:bgPr>
+    </p:bg>
     <p:spTree>
       <p:nvGrpSpPr>
         <p:cNvPr id="1" name=""/>
@@ -10205,7 +12038,7 @@
           <a:p>
             <a:r>
               <a:rPr lang="fr-FR" dirty="0"/>
-              <a:t>Quelques rappels sous Python</a:t>
+              <a:t>Trucs et Astuces</a:t>
             </a:r>
           </a:p>
         </p:txBody>
@@ -10233,23 +12066,7 @@
           <a:p>
             <a:r>
               <a:rPr lang="fr-FR" dirty="0"/>
-              <a:t>Try / </a:t>
-            </a:r>
-            <a:r>
-              <a:rPr lang="fr-FR" dirty="0" err="1"/>
-              <a:t>Except</a:t>
-            </a:r>
-            <a:r>
-              <a:rPr lang="fr-FR" dirty="0"/>
-              <a:t> (</a:t>
-            </a:r>
-            <a:r>
-              <a:rPr lang="fr-FR" dirty="0" err="1"/>
-              <a:t>ValueError</a:t>
-            </a:r>
-            <a:r>
-              <a:rPr lang="fr-FR" dirty="0"/>
-              <a:t>…)</a:t>
+              <a:t>Affichage des figures</a:t>
             </a:r>
           </a:p>
         </p:txBody>
@@ -10292,65 +12109,57 @@
       </p:pic>
       <p:pic>
         <p:nvPicPr>
-          <p:cNvPr id="7" name="Image 6">
-            <a:extLst>
-              <a:ext uri="{FF2B5EF4-FFF2-40B4-BE49-F238E27FC236}">
-                <a16:creationId xmlns:a16="http://schemas.microsoft.com/office/drawing/2014/main" id="{5BB01D49-602A-9314-FD1F-4EC628128217}"/>
+          <p:cNvPr id="4" name="Picture 8" descr="Résultat de recherche d'images pour &quot;spyder logo&quot;">
+            <a:extLst>
+              <a:ext uri="{FF2B5EF4-FFF2-40B4-BE49-F238E27FC236}">
+                <a16:creationId xmlns:a16="http://schemas.microsoft.com/office/drawing/2014/main" id="{A67BE3DC-B7CA-12C6-85F3-3C0E16E505E7}"/>
               </a:ext>
             </a:extLst>
           </p:cNvPr>
           <p:cNvPicPr>
-            <a:picLocks noChangeAspect="1"/>
+            <a:picLocks noChangeAspect="1" noChangeArrowheads="1"/>
           </p:cNvPicPr>
           <p:nvPr/>
         </p:nvPicPr>
         <p:blipFill>
-          <a:blip r:embed="rId3"/>
+          <a:blip r:embed="rId3">
+            <a:extLst>
+              <a:ext uri="{28A0092B-C50C-407E-A947-70E740481C1C}">
+                <a14:useLocalDpi xmlns:a14="http://schemas.microsoft.com/office/drawing/2010/main" val="0"/>
+              </a:ext>
+            </a:extLst>
+          </a:blip>
+          <a:srcRect/>
           <a:stretch>
             <a:fillRect/>
           </a:stretch>
         </p:blipFill>
-        <p:spPr>
-          <a:xfrm>
-            <a:off x="10077926" y="593679"/>
-            <a:ext cx="1081825" cy="1089498"/>
+        <p:spPr bwMode="auto">
+          <a:xfrm>
+            <a:off x="8941922" y="660046"/>
+            <a:ext cx="1913528" cy="956764"/>
           </a:xfrm>
           <a:prstGeom prst="rect">
             <a:avLst/>
           </a:prstGeom>
+          <a:noFill/>
+          <a:extLst>
+            <a:ext uri="{909E8E84-426E-40DD-AFC4-6F175D3DCCD1}">
+              <a14:hiddenFill xmlns:a14="http://schemas.microsoft.com/office/drawing/2010/main">
+                <a:solidFill>
+                  <a:srgbClr val="FFFFFF"/>
+                </a:solidFill>
+              </a14:hiddenFill>
+            </a:ext>
+          </a:extLst>
         </p:spPr>
       </p:pic>
-      <p:sp>
-        <p:nvSpPr>
-          <p:cNvPr id="14" name="Espace réservé du contenu 13">
-            <a:extLst>
-              <a:ext uri="{FF2B5EF4-FFF2-40B4-BE49-F238E27FC236}">
-                <a16:creationId xmlns:a16="http://schemas.microsoft.com/office/drawing/2014/main" id="{CA123098-7DF5-3C3F-1F6B-F3FE7B39E1E2}"/>
-              </a:ext>
-            </a:extLst>
-          </p:cNvPr>
-          <p:cNvSpPr>
-            <a:spLocks noGrp="1"/>
-          </p:cNvSpPr>
-          <p:nvPr>
-            <p:ph sz="half" idx="2"/>
-          </p:nvPr>
-        </p:nvSpPr>
-        <p:spPr/>
-        <p:txBody>
-          <a:bodyPr/>
-          <a:lstStyle/>
-          <a:p>
-            <a:endParaRPr lang="fr-FR" dirty="0"/>
-          </a:p>
-        </p:txBody>
-      </p:sp>
       <p:pic>
         <p:nvPicPr>
-          <p:cNvPr id="16" name="Image 15">
-            <a:extLst>
-              <a:ext uri="{FF2B5EF4-FFF2-40B4-BE49-F238E27FC236}">
-                <a16:creationId xmlns:a16="http://schemas.microsoft.com/office/drawing/2014/main" id="{40681AA8-5305-6308-CECD-FD4BEB3BB437}"/>
+          <p:cNvPr id="7" name="Image 6">
+            <a:extLst>
+              <a:ext uri="{FF2B5EF4-FFF2-40B4-BE49-F238E27FC236}">
+                <a16:creationId xmlns:a16="http://schemas.microsoft.com/office/drawing/2014/main" id="{11ABFDFC-75A2-88F4-F96B-2B8D9352F131}"/>
               </a:ext>
             </a:extLst>
           </p:cNvPr>
@@ -10367,18 +12176,184 @@
         </p:blipFill>
         <p:spPr>
           <a:xfrm>
-            <a:off x="2320821" y="3333136"/>
-            <a:ext cx="4513912" cy="3351128"/>
+            <a:off x="6675151" y="2201595"/>
+            <a:ext cx="5046867" cy="4482669"/>
           </a:xfrm>
           <a:prstGeom prst="rect">
             <a:avLst/>
           </a:prstGeom>
         </p:spPr>
       </p:pic>
+      <p:sp>
+        <p:nvSpPr>
+          <p:cNvPr id="10" name="ZoneTexte 9">
+            <a:extLst>
+              <a:ext uri="{FF2B5EF4-FFF2-40B4-BE49-F238E27FC236}">
+                <a16:creationId xmlns:a16="http://schemas.microsoft.com/office/drawing/2014/main" id="{45A21990-B3F6-9814-8531-9E1389F751D1}"/>
+              </a:ext>
+            </a:extLst>
+          </p:cNvPr>
+          <p:cNvSpPr txBox="1"/>
+          <p:nvPr/>
+        </p:nvSpPr>
+        <p:spPr>
+          <a:xfrm>
+            <a:off x="1892539" y="3335687"/>
+            <a:ext cx="3526614" cy="923330"/>
+          </a:xfrm>
+          <a:prstGeom prst="rect">
+            <a:avLst/>
+          </a:prstGeom>
+          <a:solidFill>
+            <a:schemeClr val="accent1">
+              <a:lumMod val="40000"/>
+              <a:lumOff val="60000"/>
+            </a:schemeClr>
+          </a:solidFill>
+        </p:spPr>
+        <p:txBody>
+          <a:bodyPr wrap="square" rtlCol="0">
+            <a:spAutoFit/>
+          </a:bodyPr>
+          <a:lstStyle/>
+          <a:p>
+            <a:r>
+              <a:rPr lang="fr-FR" b="1" dirty="0"/>
+              <a:t>Tools / </a:t>
+            </a:r>
+            <a:r>
+              <a:rPr lang="fr-FR" b="1" dirty="0" err="1"/>
+              <a:t>Preferences</a:t>
+            </a:r>
+            <a:endParaRPr lang="fr-FR" b="1" dirty="0"/>
+          </a:p>
+          <a:p>
+            <a:r>
+              <a:rPr lang="fr-FR" i="1" dirty="0"/>
+              <a:t>ou</a:t>
+            </a:r>
+          </a:p>
+          <a:p>
+            <a:r>
+              <a:rPr lang="fr-FR" b="1" dirty="0"/>
+              <a:t>Outils / Préférences</a:t>
+            </a:r>
+          </a:p>
+        </p:txBody>
+      </p:sp>
+      <p:sp>
+        <p:nvSpPr>
+          <p:cNvPr id="12" name="ZoneTexte 11">
+            <a:extLst>
+              <a:ext uri="{FF2B5EF4-FFF2-40B4-BE49-F238E27FC236}">
+                <a16:creationId xmlns:a16="http://schemas.microsoft.com/office/drawing/2014/main" id="{9B16F28D-D537-8B93-21FE-14A255FA4F9D}"/>
+              </a:ext>
+            </a:extLst>
+          </p:cNvPr>
+          <p:cNvSpPr txBox="1"/>
+          <p:nvPr/>
+        </p:nvSpPr>
+        <p:spPr>
+          <a:xfrm>
+            <a:off x="1892539" y="4442929"/>
+            <a:ext cx="3526614" cy="1200329"/>
+          </a:xfrm>
+          <a:prstGeom prst="rect">
+            <a:avLst/>
+          </a:prstGeom>
+          <a:solidFill>
+            <a:schemeClr val="accent1">
+              <a:lumMod val="40000"/>
+              <a:lumOff val="60000"/>
+            </a:schemeClr>
+          </a:solidFill>
+        </p:spPr>
+        <p:txBody>
+          <a:bodyPr wrap="square" rtlCol="0">
+            <a:spAutoFit/>
+          </a:bodyPr>
+          <a:lstStyle/>
+          <a:p>
+            <a:r>
+              <a:rPr lang="fr-FR" b="1" dirty="0" err="1"/>
+              <a:t>IPython</a:t>
+            </a:r>
+            <a:r>
+              <a:rPr lang="fr-FR" b="1" dirty="0"/>
+              <a:t> console</a:t>
+            </a:r>
+          </a:p>
+          <a:p>
+            <a:r>
+              <a:rPr lang="fr-FR" b="1" dirty="0"/>
+              <a:t>	Graphics</a:t>
+            </a:r>
+          </a:p>
+          <a:p>
+            <a:r>
+              <a:rPr lang="fr-FR" b="1" dirty="0"/>
+              <a:t>		</a:t>
+            </a:r>
+            <a:r>
+              <a:rPr lang="fr-FR" dirty="0" err="1"/>
+              <a:t>Activate</a:t>
+            </a:r>
+            <a:r>
+              <a:rPr lang="fr-FR" dirty="0"/>
+              <a:t> Support </a:t>
+            </a:r>
+            <a:br>
+              <a:rPr lang="fr-FR" b="1" dirty="0"/>
+            </a:br>
+            <a:r>
+              <a:rPr lang="fr-FR" b="1" dirty="0"/>
+              <a:t>		</a:t>
+            </a:r>
+            <a:r>
+              <a:rPr lang="fr-FR" dirty="0"/>
+              <a:t>Backend : </a:t>
+            </a:r>
+            <a:r>
+              <a:rPr lang="fr-FR" b="1" dirty="0" err="1"/>
+              <a:t>Automatic</a:t>
+            </a:r>
+            <a:endParaRPr lang="fr-FR" b="1" dirty="0"/>
+          </a:p>
+        </p:txBody>
+      </p:sp>
+      <p:sp>
+        <p:nvSpPr>
+          <p:cNvPr id="6" name="Espace réservé du numéro de diapositive 5">
+            <a:extLst>
+              <a:ext uri="{FF2B5EF4-FFF2-40B4-BE49-F238E27FC236}">
+                <a16:creationId xmlns:a16="http://schemas.microsoft.com/office/drawing/2014/main" id="{0661C155-4B14-3CE6-1A5A-4344075AD9BD}"/>
+              </a:ext>
+            </a:extLst>
+          </p:cNvPr>
+          <p:cNvSpPr>
+            <a:spLocks noGrp="1"/>
+          </p:cNvSpPr>
+          <p:nvPr>
+            <p:ph type="sldNum" sz="quarter" idx="12"/>
+          </p:nvPr>
+        </p:nvSpPr>
+        <p:spPr/>
+        <p:txBody>
+          <a:bodyPr/>
+          <a:lstStyle/>
+          <a:p>
+            <a:fld id="{B2DC25EE-239B-4C5F-AAD1-255A7D5F1EE2}" type="slidenum">
+              <a:rPr lang="en-US" smtClean="0"/>
+              <a:t>9</a:t>
+            </a:fld>
+            <a:endParaRPr lang="en-US"/>
+          </a:p>
+        </p:txBody>
+      </p:sp>
     </p:spTree>
     <p:extLst>
       <p:ext uri="{BB962C8B-B14F-4D97-AF65-F5344CB8AC3E}">
-        <p14:creationId xmlns:p14="http://schemas.microsoft.com/office/powerpoint/2010/main" val="1467992273"/>
+        <p14:creationId xmlns:p14="http://schemas.microsoft.com/office/powerpoint/2010/main" val="683804796"/>
       </p:ext>
     </p:extLst>
   </p:cSld>
@@ -10587,4 +12562,299 @@
     </a:ext>
   </a:extLst>
 </a:theme>
+</file>
+
+<file path=ppt/theme/theme2.xml><?xml version="1.0" encoding="utf-8"?>
+<a:theme xmlns:a="http://schemas.openxmlformats.org/drawingml/2006/main" name="Thème Office">
+  <a:themeElements>
+    <a:clrScheme name="Office">
+      <a:dk1>
+        <a:sysClr val="windowText" lastClr="000000"/>
+      </a:dk1>
+      <a:lt1>
+        <a:sysClr val="window" lastClr="FFFFFF"/>
+      </a:lt1>
+      <a:dk2>
+        <a:srgbClr val="44546A"/>
+      </a:dk2>
+      <a:lt2>
+        <a:srgbClr val="E7E6E6"/>
+      </a:lt2>
+      <a:accent1>
+        <a:srgbClr val="4472C4"/>
+      </a:accent1>
+      <a:accent2>
+        <a:srgbClr val="ED7D31"/>
+      </a:accent2>
+      <a:accent3>
+        <a:srgbClr val="A5A5A5"/>
+      </a:accent3>
+      <a:accent4>
+        <a:srgbClr val="FFC000"/>
+      </a:accent4>
+      <a:accent5>
+        <a:srgbClr val="5B9BD5"/>
+      </a:accent5>
+      <a:accent6>
+        <a:srgbClr val="70AD47"/>
+      </a:accent6>
+      <a:hlink>
+        <a:srgbClr val="0563C1"/>
+      </a:hlink>
+      <a:folHlink>
+        <a:srgbClr val="954F72"/>
+      </a:folHlink>
+    </a:clrScheme>
+    <a:fontScheme name="Office">
+      <a:majorFont>
+        <a:latin typeface="Calibri Light" panose="020F0302020204030204"/>
+        <a:ea typeface=""/>
+        <a:cs typeface=""/>
+        <a:font script="Jpan" typeface="游ゴシック Light"/>
+        <a:font script="Hang" typeface="맑은 고딕"/>
+        <a:font script="Hans" typeface="等线 Light"/>
+        <a:font script="Hant" typeface="新細明體"/>
+        <a:font script="Arab" typeface="Times New Roman"/>
+        <a:font script="Hebr" typeface="Times New Roman"/>
+        <a:font script="Thai" typeface="Angsana New"/>
+        <a:font script="Ethi" typeface="Nyala"/>
+        <a:font script="Beng" typeface="Vrinda"/>
+        <a:font script="Gujr" typeface="Shruti"/>
+        <a:font script="Khmr" typeface="MoolBoran"/>
+        <a:font script="Knda" typeface="Tunga"/>
+        <a:font script="Guru" typeface="Raavi"/>
+        <a:font script="Cans" typeface="Euphemia"/>
+        <a:font script="Cher" typeface="Plantagenet Cherokee"/>
+        <a:font script="Yiii" typeface="Microsoft Yi Baiti"/>
+        <a:font script="Tibt" typeface="Microsoft Himalaya"/>
+        <a:font script="Thaa" typeface="MV Boli"/>
+        <a:font script="Deva" typeface="Mangal"/>
+        <a:font script="Telu" typeface="Gautami"/>
+        <a:font script="Taml" typeface="Latha"/>
+        <a:font script="Syrc" typeface="Estrangelo Edessa"/>
+        <a:font script="Orya" typeface="Kalinga"/>
+        <a:font script="Mlym" typeface="Kartika"/>
+        <a:font script="Laoo" typeface="DokChampa"/>
+        <a:font script="Sinh" typeface="Iskoola Pota"/>
+        <a:font script="Mong" typeface="Mongolian Baiti"/>
+        <a:font script="Viet" typeface="Times New Roman"/>
+        <a:font script="Uigh" typeface="Microsoft Uighur"/>
+        <a:font script="Geor" typeface="Sylfaen"/>
+        <a:font script="Armn" typeface="Arial"/>
+        <a:font script="Bugi" typeface="Leelawadee UI"/>
+        <a:font script="Bopo" typeface="Microsoft JhengHei"/>
+        <a:font script="Java" typeface="Javanese Text"/>
+        <a:font script="Lisu" typeface="Segoe UI"/>
+        <a:font script="Mymr" typeface="Myanmar Text"/>
+        <a:font script="Nkoo" typeface="Ebrima"/>
+        <a:font script="Olck" typeface="Nirmala UI"/>
+        <a:font script="Osma" typeface="Ebrima"/>
+        <a:font script="Phag" typeface="Phagspa"/>
+        <a:font script="Syrn" typeface="Estrangelo Edessa"/>
+        <a:font script="Syrj" typeface="Estrangelo Edessa"/>
+        <a:font script="Syre" typeface="Estrangelo Edessa"/>
+        <a:font script="Sora" typeface="Nirmala UI"/>
+        <a:font script="Tale" typeface="Microsoft Tai Le"/>
+        <a:font script="Talu" typeface="Microsoft New Tai Lue"/>
+        <a:font script="Tfng" typeface="Ebrima"/>
+      </a:majorFont>
+      <a:minorFont>
+        <a:latin typeface="Calibri" panose="020F0502020204030204"/>
+        <a:ea typeface=""/>
+        <a:cs typeface=""/>
+        <a:font script="Jpan" typeface="游ゴシック"/>
+        <a:font script="Hang" typeface="맑은 고딕"/>
+        <a:font script="Hans" typeface="等线"/>
+        <a:font script="Hant" typeface="新細明體"/>
+        <a:font script="Arab" typeface="Arial"/>
+        <a:font script="Hebr" typeface="Arial"/>
+        <a:font script="Thai" typeface="Cordia New"/>
+        <a:font script="Ethi" typeface="Nyala"/>
+        <a:font script="Beng" typeface="Vrinda"/>
+        <a:font script="Gujr" typeface="Shruti"/>
+        <a:font script="Khmr" typeface="DaunPenh"/>
+        <a:font script="Knda" typeface="Tunga"/>
+        <a:font script="Guru" typeface="Raavi"/>
+        <a:font script="Cans" typeface="Euphemia"/>
+        <a:font script="Cher" typeface="Plantagenet Cherokee"/>
+        <a:font script="Yiii" typeface="Microsoft Yi Baiti"/>
+        <a:font script="Tibt" typeface="Microsoft Himalaya"/>
+        <a:font script="Thaa" typeface="MV Boli"/>
+        <a:font script="Deva" typeface="Mangal"/>
+        <a:font script="Telu" typeface="Gautami"/>
+        <a:font script="Taml" typeface="Latha"/>
+        <a:font script="Syrc" typeface="Estrangelo Edessa"/>
+        <a:font script="Orya" typeface="Kalinga"/>
+        <a:font script="Mlym" typeface="Kartika"/>
+        <a:font script="Laoo" typeface="DokChampa"/>
+        <a:font script="Sinh" typeface="Iskoola Pota"/>
+        <a:font script="Mong" typeface="Mongolian Baiti"/>
+        <a:font script="Viet" typeface="Arial"/>
+        <a:font script="Uigh" typeface="Microsoft Uighur"/>
+        <a:font script="Geor" typeface="Sylfaen"/>
+        <a:font script="Armn" typeface="Arial"/>
+        <a:font script="Bugi" typeface="Leelawadee UI"/>
+        <a:font script="Bopo" typeface="Microsoft JhengHei"/>
+        <a:font script="Java" typeface="Javanese Text"/>
+        <a:font script="Lisu" typeface="Segoe UI"/>
+        <a:font script="Mymr" typeface="Myanmar Text"/>
+        <a:font script="Nkoo" typeface="Ebrima"/>
+        <a:font script="Olck" typeface="Nirmala UI"/>
+        <a:font script="Osma" typeface="Ebrima"/>
+        <a:font script="Phag" typeface="Phagspa"/>
+        <a:font script="Syrn" typeface="Estrangelo Edessa"/>
+        <a:font script="Syrj" typeface="Estrangelo Edessa"/>
+        <a:font script="Syre" typeface="Estrangelo Edessa"/>
+        <a:font script="Sora" typeface="Nirmala UI"/>
+        <a:font script="Tale" typeface="Microsoft Tai Le"/>
+        <a:font script="Talu" typeface="Microsoft New Tai Lue"/>
+        <a:font script="Tfng" typeface="Ebrima"/>
+      </a:minorFont>
+    </a:fontScheme>
+    <a:fmtScheme name="Office">
+      <a:fillStyleLst>
+        <a:solidFill>
+          <a:schemeClr val="phClr"/>
+        </a:solidFill>
+        <a:gradFill rotWithShape="1">
+          <a:gsLst>
+            <a:gs pos="0">
+              <a:schemeClr val="phClr">
+                <a:lumMod val="110000"/>
+                <a:satMod val="105000"/>
+                <a:tint val="67000"/>
+              </a:schemeClr>
+            </a:gs>
+            <a:gs pos="50000">
+              <a:schemeClr val="phClr">
+                <a:lumMod val="105000"/>
+                <a:satMod val="103000"/>
+                <a:tint val="73000"/>
+              </a:schemeClr>
+            </a:gs>
+            <a:gs pos="100000">
+              <a:schemeClr val="phClr">
+                <a:lumMod val="105000"/>
+                <a:satMod val="109000"/>
+                <a:tint val="81000"/>
+              </a:schemeClr>
+            </a:gs>
+          </a:gsLst>
+          <a:lin ang="5400000" scaled="0"/>
+        </a:gradFill>
+        <a:gradFill rotWithShape="1">
+          <a:gsLst>
+            <a:gs pos="0">
+              <a:schemeClr val="phClr">
+                <a:satMod val="103000"/>
+                <a:lumMod val="102000"/>
+                <a:tint val="94000"/>
+              </a:schemeClr>
+            </a:gs>
+            <a:gs pos="50000">
+              <a:schemeClr val="phClr">
+                <a:satMod val="110000"/>
+                <a:lumMod val="100000"/>
+                <a:shade val="100000"/>
+              </a:schemeClr>
+            </a:gs>
+            <a:gs pos="100000">
+              <a:schemeClr val="phClr">
+                <a:lumMod val="99000"/>
+                <a:satMod val="120000"/>
+                <a:shade val="78000"/>
+              </a:schemeClr>
+            </a:gs>
+          </a:gsLst>
+          <a:lin ang="5400000" scaled="0"/>
+        </a:gradFill>
+      </a:fillStyleLst>
+      <a:lnStyleLst>
+        <a:ln w="6350" cap="flat" cmpd="sng" algn="ctr">
+          <a:solidFill>
+            <a:schemeClr val="phClr"/>
+          </a:solidFill>
+          <a:prstDash val="solid"/>
+          <a:miter lim="800000"/>
+        </a:ln>
+        <a:ln w="12700" cap="flat" cmpd="sng" algn="ctr">
+          <a:solidFill>
+            <a:schemeClr val="phClr"/>
+          </a:solidFill>
+          <a:prstDash val="solid"/>
+          <a:miter lim="800000"/>
+        </a:ln>
+        <a:ln w="19050" cap="flat" cmpd="sng" algn="ctr">
+          <a:solidFill>
+            <a:schemeClr val="phClr"/>
+          </a:solidFill>
+          <a:prstDash val="solid"/>
+          <a:miter lim="800000"/>
+        </a:ln>
+      </a:lnStyleLst>
+      <a:effectStyleLst>
+        <a:effectStyle>
+          <a:effectLst/>
+        </a:effectStyle>
+        <a:effectStyle>
+          <a:effectLst/>
+        </a:effectStyle>
+        <a:effectStyle>
+          <a:effectLst>
+            <a:outerShdw blurRad="57150" dist="19050" dir="5400000" algn="ctr" rotWithShape="0">
+              <a:srgbClr val="000000">
+                <a:alpha val="63000"/>
+              </a:srgbClr>
+            </a:outerShdw>
+          </a:effectLst>
+        </a:effectStyle>
+      </a:effectStyleLst>
+      <a:bgFillStyleLst>
+        <a:solidFill>
+          <a:schemeClr val="phClr"/>
+        </a:solidFill>
+        <a:solidFill>
+          <a:schemeClr val="phClr">
+            <a:tint val="95000"/>
+            <a:satMod val="170000"/>
+          </a:schemeClr>
+        </a:solidFill>
+        <a:gradFill rotWithShape="1">
+          <a:gsLst>
+            <a:gs pos="0">
+              <a:schemeClr val="phClr">
+                <a:tint val="93000"/>
+                <a:satMod val="150000"/>
+                <a:shade val="98000"/>
+                <a:lumMod val="102000"/>
+              </a:schemeClr>
+            </a:gs>
+            <a:gs pos="50000">
+              <a:schemeClr val="phClr">
+                <a:tint val="98000"/>
+                <a:satMod val="130000"/>
+                <a:shade val="90000"/>
+                <a:lumMod val="103000"/>
+              </a:schemeClr>
+            </a:gs>
+            <a:gs pos="100000">
+              <a:schemeClr val="phClr">
+                <a:shade val="63000"/>
+                <a:satMod val="120000"/>
+              </a:schemeClr>
+            </a:gs>
+          </a:gsLst>
+          <a:lin ang="5400000" scaled="0"/>
+        </a:gradFill>
+      </a:bgFillStyleLst>
+    </a:fmtScheme>
+  </a:themeElements>
+  <a:objectDefaults/>
+  <a:extraClrSchemeLst/>
+  <a:extLst>
+    <a:ext uri="{05A4C25C-085E-4340-85A3-A5531E510DB2}">
+      <thm15:themeFamily xmlns:thm15="http://schemas.microsoft.com/office/thememl/2012/main" name="Office Theme" id="{62F939B6-93AF-4DB8-9C6B-D6C7DFDC589F}" vid="{4A3C46E8-61CC-4603-A589-7422A47A8E4A}"/>
+    </a:ext>
+  </a:extLst>
+</a:theme>
 </file>
--- a/s5_outils_numeriques/b1_outils_numeriques/seance1_demistifier_python/B1_1_Demystifier_Python.pptx
+++ b/s5_outils_numeriques/b1_outils_numeriques/seance1_demistifier_python/B1_1_Demystifier_Python.pptx
@@ -5,7 +5,7 @@
     <p:sldMasterId id="2147483711" r:id="rId1"/>
   </p:sldMasterIdLst>
   <p:notesMasterIdLst>
-    <p:notesMasterId r:id="rId32"/>
+    <p:notesMasterId r:id="rId33"/>
   </p:notesMasterIdLst>
   <p:sldIdLst>
     <p:sldId id="256" r:id="rId2"/>
@@ -28,16 +28,17 @@
     <p:sldId id="288" r:id="rId19"/>
     <p:sldId id="264" r:id="rId20"/>
     <p:sldId id="266" r:id="rId21"/>
-    <p:sldId id="287" r:id="rId22"/>
-    <p:sldId id="267" r:id="rId23"/>
-    <p:sldId id="268" r:id="rId24"/>
-    <p:sldId id="276" r:id="rId25"/>
-    <p:sldId id="263" r:id="rId26"/>
-    <p:sldId id="279" r:id="rId27"/>
-    <p:sldId id="280" r:id="rId28"/>
-    <p:sldId id="261" r:id="rId29"/>
-    <p:sldId id="262" r:id="rId30"/>
-    <p:sldId id="278" r:id="rId31"/>
+    <p:sldId id="296" r:id="rId22"/>
+    <p:sldId id="297" r:id="rId23"/>
+    <p:sldId id="261" r:id="rId24"/>
+    <p:sldId id="268" r:id="rId25"/>
+    <p:sldId id="276" r:id="rId26"/>
+    <p:sldId id="287" r:id="rId27"/>
+    <p:sldId id="267" r:id="rId28"/>
+    <p:sldId id="280" r:id="rId29"/>
+    <p:sldId id="263" r:id="rId30"/>
+    <p:sldId id="262" r:id="rId31"/>
+    <p:sldId id="278" r:id="rId32"/>
   </p:sldIdLst>
   <p:sldSz cx="12192000" cy="6858000"/>
   <p:notesSz cx="6858000" cy="9144000"/>
@@ -7744,8 +7745,8 @@
           </a:p>
         </p:txBody>
       </p:sp>
-      <mc:AlternateContent xmlns:mc="http://schemas.openxmlformats.org/markup-compatibility/2006">
-        <mc:Choice xmlns:a14="http://schemas.microsoft.com/office/drawing/2010/main" Requires="a14">
+      <mc:AlternateContent xmlns:mc="http://schemas.openxmlformats.org/markup-compatibility/2006" xmlns:a14="http://schemas.microsoft.com/office/drawing/2010/main">
+        <mc:Choice Requires="a14">
           <p:sp>
             <p:nvSpPr>
               <p:cNvPr id="24" name="ZoneTexte 23">
@@ -7834,7 +7835,7 @@
             </p:txBody>
           </p:sp>
         </mc:Choice>
-        <mc:Fallback>
+        <mc:Fallback xmlns="">
           <p:sp>
             <p:nvSpPr>
               <p:cNvPr id="24" name="ZoneTexte 23">
@@ -9538,8 +9539,8 @@
           </a:p>
         </p:txBody>
       </p:sp>
-      <mc:AlternateContent xmlns:mc="http://schemas.openxmlformats.org/markup-compatibility/2006">
-        <mc:Choice xmlns:a14="http://schemas.microsoft.com/office/drawing/2010/main" Requires="a14">
+      <mc:AlternateContent xmlns:mc="http://schemas.openxmlformats.org/markup-compatibility/2006" xmlns:a14="http://schemas.microsoft.com/office/drawing/2010/main">
+        <mc:Choice Requires="a14">
           <p:sp>
             <p:nvSpPr>
               <p:cNvPr id="3" name="ZoneTexte 2">
@@ -9614,7 +9615,7 @@
             </p:txBody>
           </p:sp>
         </mc:Choice>
-        <mc:Fallback>
+        <mc:Fallback xmlns="">
           <p:sp>
             <p:nvSpPr>
               <p:cNvPr id="3" name="ZoneTexte 2">
@@ -9659,8 +9660,8 @@
           </p:sp>
         </mc:Fallback>
       </mc:AlternateContent>
-      <mc:AlternateContent xmlns:mc="http://schemas.openxmlformats.org/markup-compatibility/2006">
-        <mc:Choice xmlns:a14="http://schemas.microsoft.com/office/drawing/2010/main" Requires="a14">
+      <mc:AlternateContent xmlns:mc="http://schemas.openxmlformats.org/markup-compatibility/2006" xmlns:a14="http://schemas.microsoft.com/office/drawing/2010/main">
+        <mc:Choice Requires="a14">
           <p:sp>
             <p:nvSpPr>
               <p:cNvPr id="6" name="ZoneTexte 5">
@@ -9737,7 +9738,7 @@
             </p:txBody>
           </p:sp>
         </mc:Choice>
-        <mc:Fallback>
+        <mc:Fallback xmlns="">
           <p:sp>
             <p:nvSpPr>
               <p:cNvPr id="6" name="ZoneTexte 5">
@@ -9782,8 +9783,8 @@
           </p:sp>
         </mc:Fallback>
       </mc:AlternateContent>
-      <mc:AlternateContent xmlns:mc="http://schemas.openxmlformats.org/markup-compatibility/2006">
-        <mc:Choice xmlns:a14="http://schemas.microsoft.com/office/drawing/2010/main" Requires="a14">
+      <mc:AlternateContent xmlns:mc="http://schemas.openxmlformats.org/markup-compatibility/2006" xmlns:a14="http://schemas.microsoft.com/office/drawing/2010/main">
+        <mc:Choice Requires="a14">
           <p:sp>
             <p:nvSpPr>
               <p:cNvPr id="7" name="ZoneTexte 6">
@@ -9860,7 +9861,7 @@
             </p:txBody>
           </p:sp>
         </mc:Choice>
-        <mc:Fallback>
+        <mc:Fallback xmlns="">
           <p:sp>
             <p:nvSpPr>
               <p:cNvPr id="7" name="ZoneTexte 6">
@@ -9905,964 +9906,8 @@
           </p:sp>
         </mc:Fallback>
       </mc:AlternateContent>
-      <mc:AlternateContent xmlns:mc="http://schemas.openxmlformats.org/markup-compatibility/2006">
-        <mc:Choice xmlns:a14="http://schemas.microsoft.com/office/drawing/2010/main" Requires="a14">
-          <p:sp>
-            <p:nvSpPr>
-              <p:cNvPr id="12" name="ZoneTexte 11">
-                <a:extLst>
-                  <a:ext uri="{FF2B5EF4-FFF2-40B4-BE49-F238E27FC236}">
-                    <a16:creationId xmlns:a16="http://schemas.microsoft.com/office/drawing/2014/main" id="{BA99C4F1-B251-3AEA-42BF-0C72D4C08923}"/>
-                  </a:ext>
-                </a:extLst>
-              </p:cNvPr>
-              <p:cNvSpPr txBox="1"/>
-              <p:nvPr/>
-            </p:nvSpPr>
-            <p:spPr>
-              <a:xfrm>
-                <a:off x="1809135" y="4725867"/>
-                <a:ext cx="3893575" cy="369332"/>
-              </a:xfrm>
-              <a:prstGeom prst="rect">
-                <a:avLst/>
-              </a:prstGeom>
-              <a:noFill/>
-            </p:spPr>
-            <p:txBody>
-              <a:bodyPr wrap="square">
-                <a:spAutoFit/>
-              </a:bodyPr>
-              <a:lstStyle/>
-              <a:p>
-                <a:r>
-                  <a:rPr lang="fr-FR" i="1" dirty="0"/>
-                  <a:t>0b 1011 </a:t>
-                </a:r>
-                <a:r>
-                  <a:rPr lang="fr-FR" b="1" i="1" dirty="0"/>
-                  <a:t>= </a:t>
-                </a:r>
-                <a14:m>
-                  <m:oMath xmlns:m="http://schemas.openxmlformats.org/officeDocument/2006/math">
-                    <m:sSup>
-                      <m:sSupPr>
-                        <m:ctrlPr>
-                          <a:rPr lang="fr-FR" i="1" smtClean="0">
-                            <a:latin typeface="Cambria Math" panose="02040503050406030204" pitchFamily="18" charset="0"/>
-                          </a:rPr>
-                        </m:ctrlPr>
-                      </m:sSupPr>
-                      <m:e>
-                        <m:r>
-                          <a:rPr lang="fr-FR" b="0" i="1" smtClean="0">
-                            <a:latin typeface="Cambria Math" panose="02040503050406030204" pitchFamily="18" charset="0"/>
-                          </a:rPr>
-                          <m:t>1.</m:t>
-                        </m:r>
-                        <m:r>
-                          <a:rPr lang="fr-FR" b="0" i="1" smtClean="0">
-                            <a:latin typeface="Cambria Math" panose="02040503050406030204" pitchFamily="18" charset="0"/>
-                          </a:rPr>
-                          <m:t>2</m:t>
-                        </m:r>
-                      </m:e>
-                      <m:sup>
-                        <m:r>
-                          <a:rPr lang="fr-FR" b="0" i="1" smtClean="0">
-                            <a:latin typeface="Cambria Math" panose="02040503050406030204" pitchFamily="18" charset="0"/>
-                          </a:rPr>
-                          <m:t>3</m:t>
-                        </m:r>
-                      </m:sup>
-                    </m:sSup>
-                    <m:r>
-                      <a:rPr lang="fr-FR" b="0" i="1" smtClean="0">
-                        <a:latin typeface="Cambria Math" panose="02040503050406030204" pitchFamily="18" charset="0"/>
-                      </a:rPr>
-                      <m:t>+</m:t>
-                    </m:r>
-                    <m:sSup>
-                      <m:sSupPr>
-                        <m:ctrlPr>
-                          <a:rPr lang="fr-FR" i="1">
-                            <a:latin typeface="Cambria Math" panose="02040503050406030204" pitchFamily="18" charset="0"/>
-                          </a:rPr>
-                        </m:ctrlPr>
-                      </m:sSupPr>
-                      <m:e>
-                        <m:r>
-                          <a:rPr lang="fr-FR" b="0" i="1" smtClean="0">
-                            <a:latin typeface="Cambria Math" panose="02040503050406030204" pitchFamily="18" charset="0"/>
-                          </a:rPr>
-                          <m:t>0</m:t>
-                        </m:r>
-                        <m:r>
-                          <a:rPr lang="fr-FR" i="1">
-                            <a:latin typeface="Cambria Math" panose="02040503050406030204" pitchFamily="18" charset="0"/>
-                          </a:rPr>
-                          <m:t>.2</m:t>
-                        </m:r>
-                      </m:e>
-                      <m:sup>
-                        <m:r>
-                          <a:rPr lang="fr-FR" b="0" i="1" smtClean="0">
-                            <a:latin typeface="Cambria Math" panose="02040503050406030204" pitchFamily="18" charset="0"/>
-                          </a:rPr>
-                          <m:t>2</m:t>
-                        </m:r>
-                      </m:sup>
-                    </m:sSup>
-                  </m:oMath>
-                </a14:m>
-                <a:r>
-                  <a:rPr lang="fr-FR" dirty="0"/>
-                  <a:t> </a:t>
-                </a:r>
-                <a14:m>
-                  <m:oMath xmlns:m="http://schemas.openxmlformats.org/officeDocument/2006/math">
-                    <m:sSup>
-                      <m:sSupPr>
-                        <m:ctrlPr>
-                          <a:rPr lang="fr-FR" i="1">
-                            <a:latin typeface="Cambria Math" panose="02040503050406030204" pitchFamily="18" charset="0"/>
-                          </a:rPr>
-                        </m:ctrlPr>
-                      </m:sSupPr>
-                      <m:e>
-                        <m:r>
-                          <a:rPr lang="fr-FR" b="0" i="1" smtClean="0">
-                            <a:latin typeface="Cambria Math" panose="02040503050406030204" pitchFamily="18" charset="0"/>
-                          </a:rPr>
-                          <m:t>+ </m:t>
-                        </m:r>
-                        <m:r>
-                          <a:rPr lang="fr-FR" i="1">
-                            <a:latin typeface="Cambria Math" panose="02040503050406030204" pitchFamily="18" charset="0"/>
-                          </a:rPr>
-                          <m:t>1.2</m:t>
-                        </m:r>
-                      </m:e>
-                      <m:sup>
-                        <m:r>
-                          <a:rPr lang="fr-FR" b="0" i="1" smtClean="0">
-                            <a:latin typeface="Cambria Math" panose="02040503050406030204" pitchFamily="18" charset="0"/>
-                          </a:rPr>
-                          <m:t>1</m:t>
-                        </m:r>
-                      </m:sup>
-                    </m:sSup>
-                    <m:r>
-                      <a:rPr lang="fr-FR" b="0" i="1" smtClean="0">
-                        <a:latin typeface="Cambria Math" panose="02040503050406030204" pitchFamily="18" charset="0"/>
-                      </a:rPr>
-                      <m:t>+</m:t>
-                    </m:r>
-                  </m:oMath>
-                </a14:m>
-                <a:r>
-                  <a:rPr lang="fr-FR" dirty="0"/>
-                  <a:t> </a:t>
-                </a:r>
-                <a14:m>
-                  <m:oMath xmlns:m="http://schemas.openxmlformats.org/officeDocument/2006/math">
-                    <m:sSup>
-                      <m:sSupPr>
-                        <m:ctrlPr>
-                          <a:rPr lang="fr-FR" i="1">
-                            <a:latin typeface="Cambria Math" panose="02040503050406030204" pitchFamily="18" charset="0"/>
-                          </a:rPr>
-                        </m:ctrlPr>
-                      </m:sSupPr>
-                      <m:e>
-                        <m:r>
-                          <a:rPr lang="fr-FR" i="1">
-                            <a:latin typeface="Cambria Math" panose="02040503050406030204" pitchFamily="18" charset="0"/>
-                          </a:rPr>
-                          <m:t>1.2</m:t>
-                        </m:r>
-                      </m:e>
-                      <m:sup>
-                        <m:r>
-                          <a:rPr lang="fr-FR" b="0" i="1" smtClean="0">
-                            <a:latin typeface="Cambria Math" panose="02040503050406030204" pitchFamily="18" charset="0"/>
-                          </a:rPr>
-                          <m:t>0</m:t>
-                        </m:r>
-                      </m:sup>
-                    </m:sSup>
-                  </m:oMath>
-                </a14:m>
-                <a:endParaRPr lang="fr-FR" dirty="0"/>
-              </a:p>
-            </p:txBody>
-          </p:sp>
-        </mc:Choice>
-        <mc:Fallback>
-          <p:sp>
-            <p:nvSpPr>
-              <p:cNvPr id="12" name="ZoneTexte 11">
-                <a:extLst>
-                  <a:ext uri="{FF2B5EF4-FFF2-40B4-BE49-F238E27FC236}">
-                    <a16:creationId xmlns:a16="http://schemas.microsoft.com/office/drawing/2014/main" id="{BA99C4F1-B251-3AEA-42BF-0C72D4C08923}"/>
-                  </a:ext>
-                </a:extLst>
-              </p:cNvPr>
-              <p:cNvSpPr txBox="1">
-                <a:spLocks noRot="1" noChangeAspect="1" noMove="1" noResize="1" noEditPoints="1" noAdjustHandles="1" noChangeArrowheads="1" noChangeShapeType="1" noTextEdit="1"/>
-              </p:cNvSpPr>
-              <p:nvPr/>
-            </p:nvSpPr>
-            <p:spPr>
-              <a:xfrm>
-                <a:off x="1809135" y="4725867"/>
-                <a:ext cx="3893575" cy="369332"/>
-              </a:xfrm>
-              <a:prstGeom prst="rect">
-                <a:avLst/>
-              </a:prstGeom>
-              <a:blipFill>
-                <a:blip r:embed="rId9"/>
-                <a:stretch>
-                  <a:fillRect l="-1411" t="-6557" b="-26230"/>
-                </a:stretch>
-              </a:blipFill>
-            </p:spPr>
-            <p:txBody>
-              <a:bodyPr/>
-              <a:lstStyle/>
-              <a:p>
-                <a:r>
-                  <a:rPr lang="fr-FR">
-                    <a:noFill/>
-                  </a:rPr>
-                  <a:t> </a:t>
-                </a:r>
-              </a:p>
-            </p:txBody>
-          </p:sp>
-        </mc:Fallback>
-      </mc:AlternateContent>
-      <p:sp>
-        <p:nvSpPr>
-          <p:cNvPr id="14" name="ZoneTexte 13">
-            <a:extLst>
-              <a:ext uri="{FF2B5EF4-FFF2-40B4-BE49-F238E27FC236}">
-                <a16:creationId xmlns:a16="http://schemas.microsoft.com/office/drawing/2014/main" id="{2221FA5D-7CAD-D136-26CA-A159D8F78279}"/>
-              </a:ext>
-            </a:extLst>
-          </p:cNvPr>
-          <p:cNvSpPr txBox="1"/>
-          <p:nvPr/>
-        </p:nvSpPr>
-        <p:spPr>
-          <a:xfrm>
-            <a:off x="1809134" y="5615288"/>
-            <a:ext cx="3893575" cy="369332"/>
-          </a:xfrm>
-          <a:prstGeom prst="rect">
-            <a:avLst/>
-          </a:prstGeom>
-          <a:noFill/>
-        </p:spPr>
-        <p:txBody>
-          <a:bodyPr wrap="square">
-            <a:spAutoFit/>
-          </a:bodyPr>
-          <a:lstStyle/>
-          <a:p>
-            <a:r>
-              <a:rPr lang="fr-FR" i="1" dirty="0"/>
-              <a:t>0b </a:t>
-            </a:r>
-            <a:r>
-              <a:rPr lang="fr-FR" i="1" dirty="0">
-                <a:solidFill>
-                  <a:schemeClr val="bg1"/>
-                </a:solidFill>
-                <a:highlight>
-                  <a:srgbClr val="800080"/>
-                </a:highlight>
-              </a:rPr>
-              <a:t>1</a:t>
-            </a:r>
-            <a:r>
-              <a:rPr lang="fr-FR" i="1" dirty="0"/>
-              <a:t>011</a:t>
-            </a:r>
-            <a:endParaRPr lang="fr-FR" dirty="0"/>
-          </a:p>
-        </p:txBody>
-      </p:sp>
-      <p:sp>
-        <p:nvSpPr>
-          <p:cNvPr id="17" name="ZoneTexte 16">
-            <a:extLst>
-              <a:ext uri="{FF2B5EF4-FFF2-40B4-BE49-F238E27FC236}">
-                <a16:creationId xmlns:a16="http://schemas.microsoft.com/office/drawing/2014/main" id="{2C0726EE-E6BF-D3A5-0E5E-6617D409E946}"/>
-              </a:ext>
-            </a:extLst>
-          </p:cNvPr>
-          <p:cNvSpPr txBox="1"/>
-          <p:nvPr/>
-        </p:nvSpPr>
-        <p:spPr>
-          <a:xfrm>
-            <a:off x="2123677" y="6047523"/>
-            <a:ext cx="966118" cy="307777"/>
-          </a:xfrm>
-          <a:prstGeom prst="rect">
-            <a:avLst/>
-          </a:prstGeom>
-          <a:noFill/>
-        </p:spPr>
-        <p:txBody>
-          <a:bodyPr wrap="square">
-            <a:spAutoFit/>
-          </a:bodyPr>
-          <a:lstStyle/>
-          <a:p>
-            <a:r>
-              <a:rPr lang="fr-FR" sz="1400" i="1" dirty="0"/>
-              <a:t>signe</a:t>
-            </a:r>
-            <a:endParaRPr lang="fr-FR" sz="1400" dirty="0"/>
-          </a:p>
-        </p:txBody>
-      </p:sp>
-    </p:spTree>
-    <p:extLst>
-      <p:ext uri="{BB962C8B-B14F-4D97-AF65-F5344CB8AC3E}">
-        <p14:creationId xmlns:p14="http://schemas.microsoft.com/office/powerpoint/2010/main" val="687857498"/>
-      </p:ext>
-    </p:extLst>
-  </p:cSld>
-  <p:clrMapOvr>
-    <a:masterClrMapping/>
-  </p:clrMapOvr>
-</p:sld>
-</file>
-
-<file path=ppt/slides/slide15.xml><?xml version="1.0" encoding="utf-8"?>
-<p:sld xmlns:a="http://schemas.openxmlformats.org/drawingml/2006/main" xmlns:r="http://schemas.openxmlformats.org/officeDocument/2006/relationships" xmlns:p="http://schemas.openxmlformats.org/presentationml/2006/main">
-  <p:cSld>
-    <p:bg>
-      <p:bgPr>
-        <a:solidFill>
-          <a:schemeClr val="bg1">
-            <a:lumMod val="95000"/>
-          </a:schemeClr>
-        </a:solidFill>
-        <a:effectLst/>
-      </p:bgPr>
-    </p:bg>
-    <p:spTree>
-      <p:nvGrpSpPr>
-        <p:cNvPr id="1" name=""/>
-        <p:cNvGrpSpPr/>
-        <p:nvPr/>
-      </p:nvGrpSpPr>
-      <p:grpSpPr>
-        <a:xfrm>
-          <a:off x="0" y="0"/>
-          <a:ext cx="0" cy="0"/>
-          <a:chOff x="0" y="0"/>
-          <a:chExt cx="0" cy="0"/>
-        </a:xfrm>
-      </p:grpSpPr>
-      <p:sp>
-        <p:nvSpPr>
-          <p:cNvPr id="2" name="Titre 1">
-            <a:extLst>
-              <a:ext uri="{FF2B5EF4-FFF2-40B4-BE49-F238E27FC236}">
-                <a16:creationId xmlns:a16="http://schemas.microsoft.com/office/drawing/2014/main" id="{90162AE8-C1B0-5C56-8313-DEE494F38273}"/>
-              </a:ext>
-            </a:extLst>
-          </p:cNvPr>
-          <p:cNvSpPr>
-            <a:spLocks noGrp="1"/>
-          </p:cNvSpPr>
-          <p:nvPr>
-            <p:ph type="title"/>
-          </p:nvPr>
-        </p:nvSpPr>
-        <p:spPr/>
-        <p:txBody>
-          <a:bodyPr/>
-          <a:lstStyle/>
-          <a:p>
-            <a:r>
-              <a:rPr lang="fr-FR" dirty="0"/>
-              <a:t>Codage des informations en machine</a:t>
-            </a:r>
-          </a:p>
-        </p:txBody>
-      </p:sp>
-      <p:pic>
-        <p:nvPicPr>
-          <p:cNvPr id="5" name="Image 4" descr="Une image contenant texte&#10;&#10;Description générée automatiquement">
-            <a:extLst>
-              <a:ext uri="{FF2B5EF4-FFF2-40B4-BE49-F238E27FC236}">
-                <a16:creationId xmlns:a16="http://schemas.microsoft.com/office/drawing/2014/main" id="{66D2630B-81F4-A4EB-21BA-8B90CF30BD92}"/>
-              </a:ext>
-            </a:extLst>
-          </p:cNvPr>
-          <p:cNvPicPr>
-            <a:picLocks noChangeAspect="1"/>
-          </p:cNvPicPr>
-          <p:nvPr/>
-        </p:nvPicPr>
-        <p:blipFill>
-          <a:blip r:embed="rId3">
-            <a:extLst>
-              <a:ext uri="{28A0092B-C50C-407E-A947-70E740481C1C}">
-                <a14:useLocalDpi xmlns:a14="http://schemas.microsoft.com/office/drawing/2010/main" val="0"/>
-              </a:ext>
-            </a:extLst>
-          </a:blip>
-          <a:stretch>
-            <a:fillRect/>
-          </a:stretch>
-        </p:blipFill>
-        <p:spPr>
-          <a:xfrm>
-            <a:off x="202922" y="5934456"/>
-            <a:ext cx="1825291" cy="749808"/>
-          </a:xfrm>
-          <a:prstGeom prst="rect">
-            <a:avLst/>
-          </a:prstGeom>
-        </p:spPr>
-      </p:pic>
-      <p:sp>
-        <p:nvSpPr>
-          <p:cNvPr id="4" name="Espace réservé du numéro de diapositive 3">
-            <a:extLst>
-              <a:ext uri="{FF2B5EF4-FFF2-40B4-BE49-F238E27FC236}">
-                <a16:creationId xmlns:a16="http://schemas.microsoft.com/office/drawing/2014/main" id="{B7C60569-E347-D5FA-457F-6F630CD86C7B}"/>
-              </a:ext>
-            </a:extLst>
-          </p:cNvPr>
-          <p:cNvSpPr>
-            <a:spLocks noGrp="1"/>
-          </p:cNvSpPr>
-          <p:nvPr>
-            <p:ph type="sldNum" sz="quarter" idx="12"/>
-          </p:nvPr>
-        </p:nvSpPr>
-        <p:spPr/>
-        <p:txBody>
-          <a:bodyPr/>
-          <a:lstStyle/>
-          <a:p>
-            <a:fld id="{B2DC25EE-239B-4C5F-AAD1-255A7D5F1EE2}" type="slidenum">
-              <a:rPr lang="en-US" smtClean="0"/>
-              <a:t>15</a:t>
-            </a:fld>
-            <a:endParaRPr lang="en-US"/>
-          </a:p>
-        </p:txBody>
-      </p:sp>
-      <p:pic>
-        <p:nvPicPr>
-          <p:cNvPr id="8" name="Graphique 7" descr="Ordinateur avec un remplissage uni">
-            <a:extLst>
-              <a:ext uri="{FF2B5EF4-FFF2-40B4-BE49-F238E27FC236}">
-                <a16:creationId xmlns:a16="http://schemas.microsoft.com/office/drawing/2014/main" id="{204EAE7A-A5AE-6CFE-7995-58804D352D63}"/>
-              </a:ext>
-            </a:extLst>
-          </p:cNvPr>
-          <p:cNvPicPr>
-            <a:picLocks noChangeAspect="1"/>
-          </p:cNvPicPr>
-          <p:nvPr/>
-        </p:nvPicPr>
-        <p:blipFill>
-          <a:blip r:embed="rId4">
-            <a:extLst>
-              <a:ext uri="{28A0092B-C50C-407E-A947-70E740481C1C}">
-                <a14:useLocalDpi xmlns:a14="http://schemas.microsoft.com/office/drawing/2010/main" val="0"/>
-              </a:ext>
-              <a:ext uri="{96DAC541-7B7A-43D3-8B79-37D633B846F1}">
-                <asvg:svgBlip xmlns:asvg="http://schemas.microsoft.com/office/drawing/2016/SVG/main" r:embed="rId5"/>
-              </a:ext>
-            </a:extLst>
-          </a:blip>
-          <a:stretch>
-            <a:fillRect/>
-          </a:stretch>
-        </p:blipFill>
-        <p:spPr>
-          <a:xfrm>
-            <a:off x="10712442" y="1167532"/>
-            <a:ext cx="727980" cy="727980"/>
-          </a:xfrm>
-          <a:prstGeom prst="rect">
-            <a:avLst/>
-          </a:prstGeom>
-        </p:spPr>
-      </p:pic>
-      <p:sp>
-        <p:nvSpPr>
-          <p:cNvPr id="9" name="Espace réservé du contenu 2">
-            <a:extLst>
-              <a:ext uri="{FF2B5EF4-FFF2-40B4-BE49-F238E27FC236}">
-                <a16:creationId xmlns:a16="http://schemas.microsoft.com/office/drawing/2014/main" id="{1C125B2B-11F4-22C8-B190-675190C0EAB6}"/>
-              </a:ext>
-            </a:extLst>
-          </p:cNvPr>
-          <p:cNvSpPr>
-            <a:spLocks noGrp="1"/>
-          </p:cNvSpPr>
-          <p:nvPr>
-            <p:ph sz="half" idx="1"/>
-          </p:nvPr>
-        </p:nvSpPr>
-        <p:spPr>
-          <a:xfrm>
-            <a:off x="1115568" y="2478024"/>
-            <a:ext cx="4937760" cy="3694176"/>
-          </a:xfrm>
-        </p:spPr>
-        <p:txBody>
-          <a:bodyPr/>
-          <a:lstStyle/>
-          <a:p>
-            <a:r>
-              <a:rPr lang="fr-FR"/>
-              <a:t>Nombres entiers</a:t>
-            </a:r>
-            <a:endParaRPr lang="fr-FR" dirty="0"/>
-          </a:p>
-        </p:txBody>
-      </p:sp>
-      <p:sp>
-        <p:nvSpPr>
-          <p:cNvPr id="13" name="ZoneTexte 12">
-            <a:extLst>
-              <a:ext uri="{FF2B5EF4-FFF2-40B4-BE49-F238E27FC236}">
-                <a16:creationId xmlns:a16="http://schemas.microsoft.com/office/drawing/2014/main" id="{40D21F6F-8DD2-02C4-8E36-7A442B6CF749}"/>
-              </a:ext>
-            </a:extLst>
-          </p:cNvPr>
-          <p:cNvSpPr txBox="1"/>
-          <p:nvPr/>
-        </p:nvSpPr>
-        <p:spPr>
-          <a:xfrm>
-            <a:off x="824860" y="3090446"/>
-            <a:ext cx="4765173" cy="646331"/>
-          </a:xfrm>
-          <a:prstGeom prst="rect">
-            <a:avLst/>
-          </a:prstGeom>
-          <a:solidFill>
-            <a:schemeClr val="accent5">
-              <a:lumMod val="75000"/>
-            </a:schemeClr>
-          </a:solidFill>
-        </p:spPr>
-        <p:txBody>
-          <a:bodyPr wrap="square" rtlCol="0">
-            <a:spAutoFit/>
-          </a:bodyPr>
-          <a:lstStyle/>
-          <a:p>
-            <a:r>
-              <a:rPr lang="fr-FR" b="1" dirty="0">
-                <a:solidFill>
-                  <a:schemeClr val="bg1"/>
-                </a:solidFill>
-              </a:rPr>
-              <a:t>Nombre fini de valeurs </a:t>
-            </a:r>
-            <a:br>
-              <a:rPr lang="fr-FR" b="1" dirty="0">
-                <a:solidFill>
-                  <a:schemeClr val="bg1"/>
-                </a:solidFill>
-              </a:rPr>
-            </a:br>
-            <a:r>
-              <a:rPr lang="fr-FR" b="1" dirty="0">
-                <a:solidFill>
-                  <a:schemeClr val="bg1"/>
-                </a:solidFill>
-              </a:rPr>
-              <a:t>sur un intervalle donné</a:t>
-            </a:r>
-          </a:p>
-        </p:txBody>
-      </p:sp>
-      <mc:AlternateContent xmlns:mc="http://schemas.openxmlformats.org/markup-compatibility/2006">
-        <mc:Choice xmlns:a14="http://schemas.microsoft.com/office/drawing/2010/main" Requires="a14">
-          <p:sp>
-            <p:nvSpPr>
-              <p:cNvPr id="3" name="ZoneTexte 2">
-                <a:extLst>
-                  <a:ext uri="{FF2B5EF4-FFF2-40B4-BE49-F238E27FC236}">
-                    <a16:creationId xmlns:a16="http://schemas.microsoft.com/office/drawing/2014/main" id="{E59B61E8-D0CF-3F42-B63C-1248A4899F71}"/>
-                  </a:ext>
-                </a:extLst>
-              </p:cNvPr>
-              <p:cNvSpPr txBox="1"/>
-              <p:nvPr/>
-            </p:nvSpPr>
-            <p:spPr>
-              <a:xfrm>
-                <a:off x="1602658" y="3821994"/>
-                <a:ext cx="3987375" cy="369332"/>
-              </a:xfrm>
-              <a:prstGeom prst="rect">
-                <a:avLst/>
-              </a:prstGeom>
-              <a:solidFill>
-                <a:schemeClr val="tx2">
-                  <a:lumMod val="25000"/>
-                  <a:lumOff val="75000"/>
-                </a:schemeClr>
-              </a:solidFill>
-            </p:spPr>
-            <p:txBody>
-              <a:bodyPr wrap="square" rtlCol="0">
-                <a:spAutoFit/>
-              </a:bodyPr>
-              <a:lstStyle/>
-              <a:p>
-                <a:r>
-                  <a:rPr lang="fr-FR" i="1" dirty="0"/>
-                  <a:t>Sur N bits : </a:t>
-                </a:r>
-                <a14:m>
-                  <m:oMath xmlns:m="http://schemas.openxmlformats.org/officeDocument/2006/math">
-                    <m:sSup>
-                      <m:sSupPr>
-                        <m:ctrlPr>
-                          <a:rPr lang="fr-FR" i="1" smtClean="0">
-                            <a:latin typeface="Cambria Math" panose="02040503050406030204" pitchFamily="18" charset="0"/>
-                          </a:rPr>
-                        </m:ctrlPr>
-                      </m:sSupPr>
-                      <m:e>
-                        <m:r>
-                          <a:rPr lang="fr-FR" b="0" i="1" smtClean="0">
-                            <a:latin typeface="Cambria Math" panose="02040503050406030204" pitchFamily="18" charset="0"/>
-                          </a:rPr>
-                          <m:t>2</m:t>
-                        </m:r>
-                      </m:e>
-                      <m:sup>
-                        <m:r>
-                          <a:rPr lang="fr-FR" b="0" i="1" smtClean="0">
-                            <a:latin typeface="Cambria Math" panose="02040503050406030204" pitchFamily="18" charset="0"/>
-                          </a:rPr>
-                          <m:t>𝑁</m:t>
-                        </m:r>
-                      </m:sup>
-                    </m:sSup>
-                  </m:oMath>
-                </a14:m>
-                <a:r>
-                  <a:rPr lang="fr-FR" i="1" dirty="0"/>
-                  <a:t> combinaisons</a:t>
-                </a:r>
-              </a:p>
-            </p:txBody>
-          </p:sp>
-        </mc:Choice>
-        <mc:Fallback>
-          <p:sp>
-            <p:nvSpPr>
-              <p:cNvPr id="3" name="ZoneTexte 2">
-                <a:extLst>
-                  <a:ext uri="{FF2B5EF4-FFF2-40B4-BE49-F238E27FC236}">
-                    <a16:creationId xmlns:a16="http://schemas.microsoft.com/office/drawing/2014/main" id="{E59B61E8-D0CF-3F42-B63C-1248A4899F71}"/>
-                  </a:ext>
-                </a:extLst>
-              </p:cNvPr>
-              <p:cNvSpPr txBox="1">
-                <a:spLocks noRot="1" noChangeAspect="1" noMove="1" noResize="1" noEditPoints="1" noAdjustHandles="1" noChangeArrowheads="1" noChangeShapeType="1" noTextEdit="1"/>
-              </p:cNvSpPr>
-              <p:nvPr/>
-            </p:nvSpPr>
-            <p:spPr>
-              <a:xfrm>
-                <a:off x="1602658" y="3821994"/>
-                <a:ext cx="3987375" cy="369332"/>
-              </a:xfrm>
-              <a:prstGeom prst="rect">
-                <a:avLst/>
-              </a:prstGeom>
-              <a:blipFill>
-                <a:blip r:embed="rId6"/>
-                <a:stretch>
-                  <a:fillRect l="-1376" t="-8197" b="-26230"/>
-                </a:stretch>
-              </a:blipFill>
-            </p:spPr>
-            <p:txBody>
-              <a:bodyPr/>
-              <a:lstStyle/>
-              <a:p>
-                <a:r>
-                  <a:rPr lang="fr-FR">
-                    <a:noFill/>
-                  </a:rPr>
-                  <a:t> </a:t>
-                </a:r>
-              </a:p>
-            </p:txBody>
-          </p:sp>
-        </mc:Fallback>
-      </mc:AlternateContent>
-      <mc:AlternateContent xmlns:mc="http://schemas.openxmlformats.org/markup-compatibility/2006">
-        <mc:Choice xmlns:a14="http://schemas.microsoft.com/office/drawing/2010/main" Requires="a14">
-          <p:sp>
-            <p:nvSpPr>
-              <p:cNvPr id="6" name="ZoneTexte 5">
-                <a:extLst>
-                  <a:ext uri="{FF2B5EF4-FFF2-40B4-BE49-F238E27FC236}">
-                    <a16:creationId xmlns:a16="http://schemas.microsoft.com/office/drawing/2014/main" id="{7413A552-37A8-3307-9961-C6CB27A4CFCB}"/>
-                  </a:ext>
-                </a:extLst>
-              </p:cNvPr>
-              <p:cNvSpPr txBox="1"/>
-              <p:nvPr/>
-            </p:nvSpPr>
-            <p:spPr>
-              <a:xfrm>
-                <a:off x="1602657" y="4294973"/>
-                <a:ext cx="3987375" cy="369332"/>
-              </a:xfrm>
-              <a:prstGeom prst="rect">
-                <a:avLst/>
-              </a:prstGeom>
-              <a:solidFill>
-                <a:schemeClr val="tx2">
-                  <a:lumMod val="25000"/>
-                  <a:lumOff val="75000"/>
-                </a:schemeClr>
-              </a:solidFill>
-            </p:spPr>
-            <p:txBody>
-              <a:bodyPr wrap="square" rtlCol="0">
-                <a:spAutoFit/>
-              </a:bodyPr>
-              <a:lstStyle/>
-              <a:p>
-                <a14:m>
-                  <m:oMath xmlns:m="http://schemas.openxmlformats.org/officeDocument/2006/math">
-                    <m:sSup>
-                      <m:sSupPr>
-                        <m:ctrlPr>
-                          <a:rPr lang="fr-FR" i="1" smtClean="0">
-                            <a:latin typeface="Cambria Math" panose="02040503050406030204" pitchFamily="18" charset="0"/>
-                          </a:rPr>
-                        </m:ctrlPr>
-                      </m:sSupPr>
-                      <m:e>
-                        <m:r>
-                          <a:rPr lang="fr-FR" b="0" i="1" smtClean="0">
-                            <a:latin typeface="Cambria Math" panose="02040503050406030204" pitchFamily="18" charset="0"/>
-                          </a:rPr>
-                          <m:t>2</m:t>
-                        </m:r>
-                      </m:e>
-                      <m:sup>
-                        <m:r>
-                          <a:rPr lang="fr-FR" b="0" i="1" smtClean="0">
-                            <a:latin typeface="Cambria Math" panose="02040503050406030204" pitchFamily="18" charset="0"/>
-                          </a:rPr>
-                          <m:t>𝑁</m:t>
-                        </m:r>
-                      </m:sup>
-                    </m:sSup>
-                    <m:r>
-                      <a:rPr lang="fr-FR" b="0" i="1" smtClean="0">
-                        <a:latin typeface="Cambria Math" panose="02040503050406030204" pitchFamily="18" charset="0"/>
-                      </a:rPr>
-                      <m:t> </m:t>
-                    </m:r>
-                  </m:oMath>
-                </a14:m>
-                <a:r>
-                  <a:rPr lang="fr-FR" i="1" dirty="0"/>
-                  <a:t>entiers naturels de 0 à N-1</a:t>
-                </a:r>
-              </a:p>
-            </p:txBody>
-          </p:sp>
-        </mc:Choice>
-        <mc:Fallback>
-          <p:sp>
-            <p:nvSpPr>
-              <p:cNvPr id="6" name="ZoneTexte 5">
-                <a:extLst>
-                  <a:ext uri="{FF2B5EF4-FFF2-40B4-BE49-F238E27FC236}">
-                    <a16:creationId xmlns:a16="http://schemas.microsoft.com/office/drawing/2014/main" id="{7413A552-37A8-3307-9961-C6CB27A4CFCB}"/>
-                  </a:ext>
-                </a:extLst>
-              </p:cNvPr>
-              <p:cNvSpPr txBox="1">
-                <a:spLocks noRot="1" noChangeAspect="1" noMove="1" noResize="1" noEditPoints="1" noAdjustHandles="1" noChangeArrowheads="1" noChangeShapeType="1" noTextEdit="1"/>
-              </p:cNvSpPr>
-              <p:nvPr/>
-            </p:nvSpPr>
-            <p:spPr>
-              <a:xfrm>
-                <a:off x="1602657" y="4294973"/>
-                <a:ext cx="3987375" cy="369332"/>
-              </a:xfrm>
-              <a:prstGeom prst="rect">
-                <a:avLst/>
-              </a:prstGeom>
-              <a:blipFill>
-                <a:blip r:embed="rId7"/>
-                <a:stretch>
-                  <a:fillRect t="-8333" b="-28333"/>
-                </a:stretch>
-              </a:blipFill>
-            </p:spPr>
-            <p:txBody>
-              <a:bodyPr/>
-              <a:lstStyle/>
-              <a:p>
-                <a:r>
-                  <a:rPr lang="fr-FR">
-                    <a:noFill/>
-                  </a:rPr>
-                  <a:t> </a:t>
-                </a:r>
-              </a:p>
-            </p:txBody>
-          </p:sp>
-        </mc:Fallback>
-      </mc:AlternateContent>
-      <mc:AlternateContent xmlns:mc="http://schemas.openxmlformats.org/markup-compatibility/2006">
-        <mc:Choice xmlns:a14="http://schemas.microsoft.com/office/drawing/2010/main" Requires="a14">
-          <p:sp>
-            <p:nvSpPr>
-              <p:cNvPr id="7" name="ZoneTexte 6">
-                <a:extLst>
-                  <a:ext uri="{FF2B5EF4-FFF2-40B4-BE49-F238E27FC236}">
-                    <a16:creationId xmlns:a16="http://schemas.microsoft.com/office/drawing/2014/main" id="{769549EB-74DF-F9CF-BBEC-3764917B8771}"/>
-                  </a:ext>
-                </a:extLst>
-              </p:cNvPr>
-              <p:cNvSpPr txBox="1"/>
-              <p:nvPr/>
-            </p:nvSpPr>
-            <p:spPr>
-              <a:xfrm>
-                <a:off x="1602657" y="5183053"/>
-                <a:ext cx="3987375" cy="369332"/>
-              </a:xfrm>
-              <a:prstGeom prst="rect">
-                <a:avLst/>
-              </a:prstGeom>
-              <a:solidFill>
-                <a:schemeClr val="tx2">
-                  <a:lumMod val="25000"/>
-                  <a:lumOff val="75000"/>
-                </a:schemeClr>
-              </a:solidFill>
-            </p:spPr>
-            <p:txBody>
-              <a:bodyPr wrap="square" rtlCol="0">
-                <a:spAutoFit/>
-              </a:bodyPr>
-              <a:lstStyle/>
-              <a:p>
-                <a14:m>
-                  <m:oMath xmlns:m="http://schemas.openxmlformats.org/officeDocument/2006/math">
-                    <m:sSup>
-                      <m:sSupPr>
-                        <m:ctrlPr>
-                          <a:rPr lang="fr-FR" i="1" smtClean="0">
-                            <a:latin typeface="Cambria Math" panose="02040503050406030204" pitchFamily="18" charset="0"/>
-                          </a:rPr>
-                        </m:ctrlPr>
-                      </m:sSupPr>
-                      <m:e>
-                        <m:r>
-                          <a:rPr lang="fr-FR" b="0" i="1" smtClean="0">
-                            <a:latin typeface="Cambria Math" panose="02040503050406030204" pitchFamily="18" charset="0"/>
-                          </a:rPr>
-                          <m:t>2</m:t>
-                        </m:r>
-                      </m:e>
-                      <m:sup>
-                        <m:r>
-                          <a:rPr lang="fr-FR" b="0" i="1" smtClean="0">
-                            <a:latin typeface="Cambria Math" panose="02040503050406030204" pitchFamily="18" charset="0"/>
-                          </a:rPr>
-                          <m:t>𝑁</m:t>
-                        </m:r>
-                      </m:sup>
-                    </m:sSup>
-                    <m:r>
-                      <a:rPr lang="fr-FR" b="0" i="1" smtClean="0">
-                        <a:latin typeface="Cambria Math" panose="02040503050406030204" pitchFamily="18" charset="0"/>
-                      </a:rPr>
-                      <m:t> </m:t>
-                    </m:r>
-                  </m:oMath>
-                </a14:m>
-                <a:r>
-                  <a:rPr lang="fr-FR" i="1" dirty="0"/>
-                  <a:t>entiers relatifs de -N/2 à N/2-1</a:t>
-                </a:r>
-              </a:p>
-            </p:txBody>
-          </p:sp>
-        </mc:Choice>
-        <mc:Fallback>
-          <p:sp>
-            <p:nvSpPr>
-              <p:cNvPr id="7" name="ZoneTexte 6">
-                <a:extLst>
-                  <a:ext uri="{FF2B5EF4-FFF2-40B4-BE49-F238E27FC236}">
-                    <a16:creationId xmlns:a16="http://schemas.microsoft.com/office/drawing/2014/main" id="{769549EB-74DF-F9CF-BBEC-3764917B8771}"/>
-                  </a:ext>
-                </a:extLst>
-              </p:cNvPr>
-              <p:cNvSpPr txBox="1">
-                <a:spLocks noRot="1" noChangeAspect="1" noMove="1" noResize="1" noEditPoints="1" noAdjustHandles="1" noChangeArrowheads="1" noChangeShapeType="1" noTextEdit="1"/>
-              </p:cNvSpPr>
-              <p:nvPr/>
-            </p:nvSpPr>
-            <p:spPr>
-              <a:xfrm>
-                <a:off x="1602657" y="5183053"/>
-                <a:ext cx="3987375" cy="369332"/>
-              </a:xfrm>
-              <a:prstGeom prst="rect">
-                <a:avLst/>
-              </a:prstGeom>
-              <a:blipFill>
-                <a:blip r:embed="rId8"/>
-                <a:stretch>
-                  <a:fillRect t="-6557" b="-26230"/>
-                </a:stretch>
-              </a:blipFill>
-            </p:spPr>
-            <p:txBody>
-              <a:bodyPr/>
-              <a:lstStyle/>
-              <a:p>
-                <a:r>
-                  <a:rPr lang="fr-FR">
-                    <a:noFill/>
-                  </a:rPr>
-                  <a:t> </a:t>
-                </a:r>
-              </a:p>
-            </p:txBody>
-          </p:sp>
-        </mc:Fallback>
-      </mc:AlternateContent>
-      <mc:AlternateContent xmlns:mc="http://schemas.openxmlformats.org/markup-compatibility/2006">
-        <mc:Choice xmlns:a14="http://schemas.microsoft.com/office/drawing/2010/main" Requires="a14">
+      <mc:AlternateContent xmlns:mc="http://schemas.openxmlformats.org/markup-compatibility/2006" xmlns:a14="http://schemas.microsoft.com/office/drawing/2010/main">
+        <mc:Choice Requires="a14">
           <p:sp>
             <p:nvSpPr>
               <p:cNvPr id="12" name="ZoneTexte 11">
@@ -11048,7 +10093,7 @@
             </p:txBody>
           </p:sp>
         </mc:Choice>
-        <mc:Fallback>
+        <mc:Fallback xmlns="">
           <p:sp>
             <p:nvSpPr>
               <p:cNvPr id="12" name="ZoneTexte 11">
@@ -11180,149 +10225,10 @@
           </a:p>
         </p:txBody>
       </p:sp>
-      <p:sp>
-        <p:nvSpPr>
-          <p:cNvPr id="19" name="Rectangle 18">
-            <a:extLst>
-              <a:ext uri="{FF2B5EF4-FFF2-40B4-BE49-F238E27FC236}">
-                <a16:creationId xmlns:a16="http://schemas.microsoft.com/office/drawing/2014/main" id="{7C70C9EF-D3C0-AC3C-5F9C-66593DEB9BEA}"/>
-              </a:ext>
-            </a:extLst>
-          </p:cNvPr>
-          <p:cNvSpPr/>
-          <p:nvPr/>
-        </p:nvSpPr>
-        <p:spPr>
-          <a:xfrm>
-            <a:off x="3783361" y="5684003"/>
-            <a:ext cx="1635483" cy="559054"/>
-          </a:xfrm>
-          <a:prstGeom prst="rect">
-            <a:avLst/>
-          </a:prstGeom>
-          <a:solidFill>
-            <a:schemeClr val="bg1"/>
-          </a:solidFill>
-        </p:spPr>
-        <p:style>
-          <a:lnRef idx="2">
-            <a:schemeClr val="accent1">
-              <a:shade val="50000"/>
-            </a:schemeClr>
-          </a:lnRef>
-          <a:fillRef idx="1">
-            <a:schemeClr val="accent1"/>
-          </a:fillRef>
-          <a:effectRef idx="0">
-            <a:schemeClr val="accent1"/>
-          </a:effectRef>
-          <a:fontRef idx="minor">
-            <a:schemeClr val="lt1"/>
-          </a:fontRef>
-        </p:style>
-        <p:txBody>
-          <a:bodyPr rtlCol="0" anchor="ctr"/>
-          <a:lstStyle/>
-          <a:p>
-            <a:pPr algn="r"/>
-            <a:r>
-              <a:rPr lang="fr-FR" sz="2000" dirty="0">
-                <a:solidFill>
-                  <a:schemeClr val="tx1"/>
-                </a:solidFill>
-              </a:rPr>
-              <a:t>-0 ≠ 0  </a:t>
-            </a:r>
-          </a:p>
-        </p:txBody>
-      </p:sp>
-      <p:pic>
-        <p:nvPicPr>
-          <p:cNvPr id="20" name="Picture 2" descr="317,435 Panneau Attention Imágenes y Fotos - 123RF">
-            <a:extLst>
-              <a:ext uri="{FF2B5EF4-FFF2-40B4-BE49-F238E27FC236}">
-                <a16:creationId xmlns:a16="http://schemas.microsoft.com/office/drawing/2014/main" id="{DF67CF51-218B-EF6F-AF18-392B247D2279}"/>
-              </a:ext>
-            </a:extLst>
-          </p:cNvPr>
-          <p:cNvPicPr>
-            <a:picLocks noChangeAspect="1" noChangeArrowheads="1"/>
-          </p:cNvPicPr>
-          <p:nvPr/>
-        </p:nvPicPr>
-        <p:blipFill>
-          <a:blip r:embed="rId10">
-            <a:extLst>
-              <a:ext uri="{28A0092B-C50C-407E-A947-70E740481C1C}">
-                <a14:useLocalDpi xmlns:a14="http://schemas.microsoft.com/office/drawing/2010/main" val="0"/>
-              </a:ext>
-            </a:extLst>
-          </a:blip>
-          <a:srcRect/>
-          <a:stretch>
-            <a:fillRect/>
-          </a:stretch>
-        </p:blipFill>
-        <p:spPr bwMode="auto">
-          <a:xfrm>
-            <a:off x="3871511" y="5751551"/>
-            <a:ext cx="425117" cy="425117"/>
-          </a:xfrm>
-          <a:prstGeom prst="rect">
-            <a:avLst/>
-          </a:prstGeom>
-          <a:noFill/>
-          <a:extLst>
-            <a:ext uri="{909E8E84-426E-40DD-AFC4-6F175D3DCCD1}">
-              <a14:hiddenFill xmlns:a14="http://schemas.microsoft.com/office/drawing/2010/main">
-                <a:solidFill>
-                  <a:srgbClr val="FFFFFF"/>
-                </a:solidFill>
-              </a14:hiddenFill>
-            </a:ext>
-          </a:extLst>
-        </p:spPr>
-      </p:pic>
-      <p:sp>
-        <p:nvSpPr>
-          <p:cNvPr id="21" name="ZoneTexte 20">
-            <a:extLst>
-              <a:ext uri="{FF2B5EF4-FFF2-40B4-BE49-F238E27FC236}">
-                <a16:creationId xmlns:a16="http://schemas.microsoft.com/office/drawing/2014/main" id="{E5FA45D0-6225-B802-1092-B59A27FD3171}"/>
-              </a:ext>
-            </a:extLst>
-          </p:cNvPr>
-          <p:cNvSpPr txBox="1"/>
-          <p:nvPr/>
-        </p:nvSpPr>
-        <p:spPr>
-          <a:xfrm>
-            <a:off x="3755921" y="6285280"/>
-            <a:ext cx="1825291" cy="307777"/>
-          </a:xfrm>
-          <a:prstGeom prst="rect">
-            <a:avLst/>
-          </a:prstGeom>
-          <a:noFill/>
-        </p:spPr>
-        <p:txBody>
-          <a:bodyPr wrap="square">
-            <a:spAutoFit/>
-          </a:bodyPr>
-          <a:lstStyle/>
-          <a:p>
-            <a:r>
-              <a:rPr lang="fr-FR" sz="1400" i="1" dirty="0"/>
-              <a:t>Complément à 2</a:t>
-            </a:r>
-            <a:endParaRPr lang="fr-FR" sz="1400" dirty="0"/>
-          </a:p>
-        </p:txBody>
-      </p:sp>
     </p:spTree>
     <p:extLst>
       <p:ext uri="{BB962C8B-B14F-4D97-AF65-F5344CB8AC3E}">
-        <p14:creationId xmlns:p14="http://schemas.microsoft.com/office/powerpoint/2010/main" val="3416631612"/>
+        <p14:creationId xmlns:p14="http://schemas.microsoft.com/office/powerpoint/2010/main" val="687857498"/>
       </p:ext>
     </p:extLst>
   </p:cSld>
@@ -11332,7 +10238,7 @@
 </p:sld>
 </file>
 
-<file path=ppt/slides/slide16.xml><?xml version="1.0" encoding="utf-8"?>
+<file path=ppt/slides/slide15.xml><?xml version="1.0" encoding="utf-8"?>
 <p:sld xmlns:a="http://schemas.openxmlformats.org/drawingml/2006/main" xmlns:r="http://schemas.openxmlformats.org/officeDocument/2006/relationships" xmlns:p="http://schemas.openxmlformats.org/presentationml/2006/main">
   <p:cSld>
     <p:bg>
@@ -11446,7 +10352,7 @@
           <a:p>
             <a:fld id="{B2DC25EE-239B-4C5F-AAD1-255A7D5F1EE2}" type="slidenum">
               <a:rPr lang="en-US" smtClean="0"/>
-              <a:t>16</a:t>
+              <a:t>15</a:t>
             </a:fld>
             <a:endParaRPr lang="en-US"/>
           </a:p>
@@ -11522,39 +10428,6 @@
               <a:t>Nombres entiers</a:t>
             </a:r>
             <a:endParaRPr lang="fr-FR" dirty="0"/>
-          </a:p>
-        </p:txBody>
-      </p:sp>
-      <p:sp>
-        <p:nvSpPr>
-          <p:cNvPr id="10" name="Espace réservé du contenu 3">
-            <a:extLst>
-              <a:ext uri="{FF2B5EF4-FFF2-40B4-BE49-F238E27FC236}">
-                <a16:creationId xmlns:a16="http://schemas.microsoft.com/office/drawing/2014/main" id="{D4304004-E95C-C7B7-E124-68B9603256B2}"/>
-              </a:ext>
-            </a:extLst>
-          </p:cNvPr>
-          <p:cNvSpPr>
-            <a:spLocks noGrp="1"/>
-          </p:cNvSpPr>
-          <p:nvPr>
-            <p:ph sz="half" idx="2"/>
-          </p:nvPr>
-        </p:nvSpPr>
-        <p:spPr>
-          <a:xfrm>
-            <a:off x="6345936" y="2478024"/>
-            <a:ext cx="4937760" cy="3694176"/>
-          </a:xfrm>
-        </p:spPr>
-        <p:txBody>
-          <a:bodyPr/>
-          <a:lstStyle/>
-          <a:p>
-            <a:r>
-              <a:rPr lang="fr-FR" dirty="0"/>
-              <a:t>Nombres réels</a:t>
-            </a:r>
           </a:p>
         </p:txBody>
       </p:sp>
@@ -11616,67 +10489,8 @@
           </a:p>
         </p:txBody>
       </p:sp>
-      <p:sp>
-        <p:nvSpPr>
-          <p:cNvPr id="16" name="ZoneTexte 15">
-            <a:extLst>
-              <a:ext uri="{FF2B5EF4-FFF2-40B4-BE49-F238E27FC236}">
-                <a16:creationId xmlns:a16="http://schemas.microsoft.com/office/drawing/2014/main" id="{63CA3CDA-3E7F-DDD8-1281-21064B3FF8D2}"/>
-              </a:ext>
-            </a:extLst>
-          </p:cNvPr>
-          <p:cNvSpPr txBox="1"/>
-          <p:nvPr/>
-        </p:nvSpPr>
-        <p:spPr>
-          <a:xfrm>
-            <a:off x="6344036" y="3090446"/>
-            <a:ext cx="4765173" cy="646331"/>
-          </a:xfrm>
-          <a:prstGeom prst="rect">
-            <a:avLst/>
-          </a:prstGeom>
-          <a:solidFill>
-            <a:schemeClr val="tx2">
-              <a:lumMod val="50000"/>
-              <a:lumOff val="50000"/>
-            </a:schemeClr>
-          </a:solidFill>
-        </p:spPr>
-        <p:txBody>
-          <a:bodyPr wrap="square" rtlCol="0">
-            <a:spAutoFit/>
-          </a:bodyPr>
-          <a:lstStyle/>
-          <a:p>
-            <a:r>
-              <a:rPr lang="fr-FR" b="1" dirty="0">
-                <a:solidFill>
-                  <a:schemeClr val="bg1"/>
-                </a:solidFill>
-              </a:rPr>
-              <a:t>Infinité de valeurs </a:t>
-            </a:r>
-            <a:br>
-              <a:rPr lang="fr-FR" b="1" dirty="0">
-                <a:solidFill>
-                  <a:schemeClr val="bg1"/>
-                </a:solidFill>
-              </a:rPr>
-            </a:br>
-            <a:r>
-              <a:rPr lang="fr-FR" b="1" dirty="0">
-                <a:solidFill>
-                  <a:schemeClr val="bg1"/>
-                </a:solidFill>
-              </a:rPr>
-              <a:t>sur un intervalle donné</a:t>
-            </a:r>
-          </a:p>
-        </p:txBody>
-      </p:sp>
-      <mc:AlternateContent xmlns:mc="http://schemas.openxmlformats.org/markup-compatibility/2006">
-        <mc:Choice xmlns:a14="http://schemas.microsoft.com/office/drawing/2010/main" Requires="a14">
+      <mc:AlternateContent xmlns:mc="http://schemas.openxmlformats.org/markup-compatibility/2006" xmlns:a14="http://schemas.microsoft.com/office/drawing/2010/main">
+        <mc:Choice Requires="a14">
           <p:sp>
             <p:nvSpPr>
               <p:cNvPr id="3" name="ZoneTexte 2">
@@ -11751,7 +10565,7 @@
             </p:txBody>
           </p:sp>
         </mc:Choice>
-        <mc:Fallback>
+        <mc:Fallback xmlns="">
           <p:sp>
             <p:nvSpPr>
               <p:cNvPr id="3" name="ZoneTexte 2">
@@ -11796,8 +10610,8 @@
           </p:sp>
         </mc:Fallback>
       </mc:AlternateContent>
-      <mc:AlternateContent xmlns:mc="http://schemas.openxmlformats.org/markup-compatibility/2006">
-        <mc:Choice xmlns:a14="http://schemas.microsoft.com/office/drawing/2010/main" Requires="a14">
+      <mc:AlternateContent xmlns:mc="http://schemas.openxmlformats.org/markup-compatibility/2006" xmlns:a14="http://schemas.microsoft.com/office/drawing/2010/main">
+        <mc:Choice Requires="a14">
           <p:sp>
             <p:nvSpPr>
               <p:cNvPr id="6" name="ZoneTexte 5">
@@ -11874,7 +10688,7 @@
             </p:txBody>
           </p:sp>
         </mc:Choice>
-        <mc:Fallback>
+        <mc:Fallback xmlns="">
           <p:sp>
             <p:nvSpPr>
               <p:cNvPr id="6" name="ZoneTexte 5">
@@ -11919,8 +10733,8 @@
           </p:sp>
         </mc:Fallback>
       </mc:AlternateContent>
-      <mc:AlternateContent xmlns:mc="http://schemas.openxmlformats.org/markup-compatibility/2006">
-        <mc:Choice xmlns:a14="http://schemas.microsoft.com/office/drawing/2010/main" Requires="a14">
+      <mc:AlternateContent xmlns:mc="http://schemas.openxmlformats.org/markup-compatibility/2006" xmlns:a14="http://schemas.microsoft.com/office/drawing/2010/main">
+        <mc:Choice Requires="a14">
           <p:sp>
             <p:nvSpPr>
               <p:cNvPr id="7" name="ZoneTexte 6">
@@ -11997,7 +10811,7 @@
             </p:txBody>
           </p:sp>
         </mc:Choice>
-        <mc:Fallback>
+        <mc:Fallback xmlns="">
           <p:sp>
             <p:nvSpPr>
               <p:cNvPr id="7" name="ZoneTexte 6">
@@ -12042,8 +10856,8 @@
           </p:sp>
         </mc:Fallback>
       </mc:AlternateContent>
-      <mc:AlternateContent xmlns:mc="http://schemas.openxmlformats.org/markup-compatibility/2006">
-        <mc:Choice xmlns:a14="http://schemas.microsoft.com/office/drawing/2010/main" Requires="a14">
+      <mc:AlternateContent xmlns:mc="http://schemas.openxmlformats.org/markup-compatibility/2006" xmlns:a14="http://schemas.microsoft.com/office/drawing/2010/main">
+        <mc:Choice Requires="a14">
           <p:sp>
             <p:nvSpPr>
               <p:cNvPr id="12" name="ZoneTexte 11">
@@ -12229,7 +11043,7 @@
             </p:txBody>
           </p:sp>
         </mc:Choice>
-        <mc:Fallback>
+        <mc:Fallback xmlns="">
           <p:sp>
             <p:nvSpPr>
               <p:cNvPr id="12" name="ZoneTexte 11">
@@ -12500,6 +11314,1187 @@
           </a:p>
         </p:txBody>
       </p:sp>
+    </p:spTree>
+    <p:extLst>
+      <p:ext uri="{BB962C8B-B14F-4D97-AF65-F5344CB8AC3E}">
+        <p14:creationId xmlns:p14="http://schemas.microsoft.com/office/powerpoint/2010/main" val="3416631612"/>
+      </p:ext>
+    </p:extLst>
+  </p:cSld>
+  <p:clrMapOvr>
+    <a:masterClrMapping/>
+  </p:clrMapOvr>
+</p:sld>
+</file>
+
+<file path=ppt/slides/slide16.xml><?xml version="1.0" encoding="utf-8"?>
+<p:sld xmlns:a="http://schemas.openxmlformats.org/drawingml/2006/main" xmlns:r="http://schemas.openxmlformats.org/officeDocument/2006/relationships" xmlns:p="http://schemas.openxmlformats.org/presentationml/2006/main">
+  <p:cSld>
+    <p:bg>
+      <p:bgPr>
+        <a:solidFill>
+          <a:schemeClr val="bg1">
+            <a:lumMod val="95000"/>
+          </a:schemeClr>
+        </a:solidFill>
+        <a:effectLst/>
+      </p:bgPr>
+    </p:bg>
+    <p:spTree>
+      <p:nvGrpSpPr>
+        <p:cNvPr id="1" name=""/>
+        <p:cNvGrpSpPr/>
+        <p:nvPr/>
+      </p:nvGrpSpPr>
+      <p:grpSpPr>
+        <a:xfrm>
+          <a:off x="0" y="0"/>
+          <a:ext cx="0" cy="0"/>
+          <a:chOff x="0" y="0"/>
+          <a:chExt cx="0" cy="0"/>
+        </a:xfrm>
+      </p:grpSpPr>
+      <p:sp>
+        <p:nvSpPr>
+          <p:cNvPr id="2" name="Titre 1">
+            <a:extLst>
+              <a:ext uri="{FF2B5EF4-FFF2-40B4-BE49-F238E27FC236}">
+                <a16:creationId xmlns:a16="http://schemas.microsoft.com/office/drawing/2014/main" id="{90162AE8-C1B0-5C56-8313-DEE494F38273}"/>
+              </a:ext>
+            </a:extLst>
+          </p:cNvPr>
+          <p:cNvSpPr>
+            <a:spLocks noGrp="1"/>
+          </p:cNvSpPr>
+          <p:nvPr>
+            <p:ph type="title"/>
+          </p:nvPr>
+        </p:nvSpPr>
+        <p:spPr/>
+        <p:txBody>
+          <a:bodyPr/>
+          <a:lstStyle/>
+          <a:p>
+            <a:r>
+              <a:rPr lang="fr-FR" dirty="0"/>
+              <a:t>Codage des informations en machine</a:t>
+            </a:r>
+          </a:p>
+        </p:txBody>
+      </p:sp>
+      <p:pic>
+        <p:nvPicPr>
+          <p:cNvPr id="5" name="Image 4" descr="Une image contenant texte&#10;&#10;Description générée automatiquement">
+            <a:extLst>
+              <a:ext uri="{FF2B5EF4-FFF2-40B4-BE49-F238E27FC236}">
+                <a16:creationId xmlns:a16="http://schemas.microsoft.com/office/drawing/2014/main" id="{66D2630B-81F4-A4EB-21BA-8B90CF30BD92}"/>
+              </a:ext>
+            </a:extLst>
+          </p:cNvPr>
+          <p:cNvPicPr>
+            <a:picLocks noChangeAspect="1"/>
+          </p:cNvPicPr>
+          <p:nvPr/>
+        </p:nvPicPr>
+        <p:blipFill>
+          <a:blip r:embed="rId3">
+            <a:extLst>
+              <a:ext uri="{28A0092B-C50C-407E-A947-70E740481C1C}">
+                <a14:useLocalDpi xmlns:a14="http://schemas.microsoft.com/office/drawing/2010/main" val="0"/>
+              </a:ext>
+            </a:extLst>
+          </a:blip>
+          <a:stretch>
+            <a:fillRect/>
+          </a:stretch>
+        </p:blipFill>
+        <p:spPr>
+          <a:xfrm>
+            <a:off x="202922" y="5934456"/>
+            <a:ext cx="1825291" cy="749808"/>
+          </a:xfrm>
+          <a:prstGeom prst="rect">
+            <a:avLst/>
+          </a:prstGeom>
+        </p:spPr>
+      </p:pic>
+      <p:sp>
+        <p:nvSpPr>
+          <p:cNvPr id="4" name="Espace réservé du numéro de diapositive 3">
+            <a:extLst>
+              <a:ext uri="{FF2B5EF4-FFF2-40B4-BE49-F238E27FC236}">
+                <a16:creationId xmlns:a16="http://schemas.microsoft.com/office/drawing/2014/main" id="{B7C60569-E347-D5FA-457F-6F630CD86C7B}"/>
+              </a:ext>
+            </a:extLst>
+          </p:cNvPr>
+          <p:cNvSpPr>
+            <a:spLocks noGrp="1"/>
+          </p:cNvSpPr>
+          <p:nvPr>
+            <p:ph type="sldNum" sz="quarter" idx="12"/>
+          </p:nvPr>
+        </p:nvSpPr>
+        <p:spPr/>
+        <p:txBody>
+          <a:bodyPr/>
+          <a:lstStyle/>
+          <a:p>
+            <a:fld id="{B2DC25EE-239B-4C5F-AAD1-255A7D5F1EE2}" type="slidenum">
+              <a:rPr lang="en-US" smtClean="0"/>
+              <a:t>16</a:t>
+            </a:fld>
+            <a:endParaRPr lang="en-US"/>
+          </a:p>
+        </p:txBody>
+      </p:sp>
+      <p:pic>
+        <p:nvPicPr>
+          <p:cNvPr id="8" name="Graphique 7" descr="Ordinateur avec un remplissage uni">
+            <a:extLst>
+              <a:ext uri="{FF2B5EF4-FFF2-40B4-BE49-F238E27FC236}">
+                <a16:creationId xmlns:a16="http://schemas.microsoft.com/office/drawing/2014/main" id="{204EAE7A-A5AE-6CFE-7995-58804D352D63}"/>
+              </a:ext>
+            </a:extLst>
+          </p:cNvPr>
+          <p:cNvPicPr>
+            <a:picLocks noChangeAspect="1"/>
+          </p:cNvPicPr>
+          <p:nvPr/>
+        </p:nvPicPr>
+        <p:blipFill>
+          <a:blip r:embed="rId4">
+            <a:extLst>
+              <a:ext uri="{28A0092B-C50C-407E-A947-70E740481C1C}">
+                <a14:useLocalDpi xmlns:a14="http://schemas.microsoft.com/office/drawing/2010/main" val="0"/>
+              </a:ext>
+              <a:ext uri="{96DAC541-7B7A-43D3-8B79-37D633B846F1}">
+                <asvg:svgBlip xmlns:asvg="http://schemas.microsoft.com/office/drawing/2016/SVG/main" r:embed="rId5"/>
+              </a:ext>
+            </a:extLst>
+          </a:blip>
+          <a:stretch>
+            <a:fillRect/>
+          </a:stretch>
+        </p:blipFill>
+        <p:spPr>
+          <a:xfrm>
+            <a:off x="10712442" y="1167532"/>
+            <a:ext cx="727980" cy="727980"/>
+          </a:xfrm>
+          <a:prstGeom prst="rect">
+            <a:avLst/>
+          </a:prstGeom>
+        </p:spPr>
+      </p:pic>
+      <p:sp>
+        <p:nvSpPr>
+          <p:cNvPr id="9" name="Espace réservé du contenu 2">
+            <a:extLst>
+              <a:ext uri="{FF2B5EF4-FFF2-40B4-BE49-F238E27FC236}">
+                <a16:creationId xmlns:a16="http://schemas.microsoft.com/office/drawing/2014/main" id="{1C125B2B-11F4-22C8-B190-675190C0EAB6}"/>
+              </a:ext>
+            </a:extLst>
+          </p:cNvPr>
+          <p:cNvSpPr>
+            <a:spLocks noGrp="1"/>
+          </p:cNvSpPr>
+          <p:nvPr>
+            <p:ph sz="half" idx="1"/>
+          </p:nvPr>
+        </p:nvSpPr>
+        <p:spPr>
+          <a:xfrm>
+            <a:off x="1115568" y="2478024"/>
+            <a:ext cx="4937760" cy="3694176"/>
+          </a:xfrm>
+        </p:spPr>
+        <p:txBody>
+          <a:bodyPr/>
+          <a:lstStyle/>
+          <a:p>
+            <a:r>
+              <a:rPr lang="fr-FR"/>
+              <a:t>Nombres entiers</a:t>
+            </a:r>
+            <a:endParaRPr lang="fr-FR" dirty="0"/>
+          </a:p>
+        </p:txBody>
+      </p:sp>
+      <p:sp>
+        <p:nvSpPr>
+          <p:cNvPr id="10" name="Espace réservé du contenu 3">
+            <a:extLst>
+              <a:ext uri="{FF2B5EF4-FFF2-40B4-BE49-F238E27FC236}">
+                <a16:creationId xmlns:a16="http://schemas.microsoft.com/office/drawing/2014/main" id="{D4304004-E95C-C7B7-E124-68B9603256B2}"/>
+              </a:ext>
+            </a:extLst>
+          </p:cNvPr>
+          <p:cNvSpPr>
+            <a:spLocks noGrp="1"/>
+          </p:cNvSpPr>
+          <p:nvPr>
+            <p:ph sz="half" idx="2"/>
+          </p:nvPr>
+        </p:nvSpPr>
+        <p:spPr>
+          <a:xfrm>
+            <a:off x="6345936" y="2478024"/>
+            <a:ext cx="4937760" cy="3694176"/>
+          </a:xfrm>
+        </p:spPr>
+        <p:txBody>
+          <a:bodyPr/>
+          <a:lstStyle/>
+          <a:p>
+            <a:r>
+              <a:rPr lang="fr-FR" dirty="0"/>
+              <a:t>Nombres réels</a:t>
+            </a:r>
+          </a:p>
+        </p:txBody>
+      </p:sp>
+      <p:sp>
+        <p:nvSpPr>
+          <p:cNvPr id="13" name="ZoneTexte 12">
+            <a:extLst>
+              <a:ext uri="{FF2B5EF4-FFF2-40B4-BE49-F238E27FC236}">
+                <a16:creationId xmlns:a16="http://schemas.microsoft.com/office/drawing/2014/main" id="{40D21F6F-8DD2-02C4-8E36-7A442B6CF749}"/>
+              </a:ext>
+            </a:extLst>
+          </p:cNvPr>
+          <p:cNvSpPr txBox="1"/>
+          <p:nvPr/>
+        </p:nvSpPr>
+        <p:spPr>
+          <a:xfrm>
+            <a:off x="824860" y="3090446"/>
+            <a:ext cx="4765173" cy="646331"/>
+          </a:xfrm>
+          <a:prstGeom prst="rect">
+            <a:avLst/>
+          </a:prstGeom>
+          <a:solidFill>
+            <a:schemeClr val="accent5">
+              <a:lumMod val="75000"/>
+            </a:schemeClr>
+          </a:solidFill>
+        </p:spPr>
+        <p:txBody>
+          <a:bodyPr wrap="square" rtlCol="0">
+            <a:spAutoFit/>
+          </a:bodyPr>
+          <a:lstStyle/>
+          <a:p>
+            <a:r>
+              <a:rPr lang="fr-FR" b="1" dirty="0">
+                <a:solidFill>
+                  <a:schemeClr val="bg1"/>
+                </a:solidFill>
+              </a:rPr>
+              <a:t>Nombre fini de valeurs </a:t>
+            </a:r>
+            <a:br>
+              <a:rPr lang="fr-FR" b="1" dirty="0">
+                <a:solidFill>
+                  <a:schemeClr val="bg1"/>
+                </a:solidFill>
+              </a:rPr>
+            </a:br>
+            <a:r>
+              <a:rPr lang="fr-FR" b="1" dirty="0">
+                <a:solidFill>
+                  <a:schemeClr val="bg1"/>
+                </a:solidFill>
+              </a:rPr>
+              <a:t>sur un intervalle donné</a:t>
+            </a:r>
+          </a:p>
+        </p:txBody>
+      </p:sp>
+      <p:sp>
+        <p:nvSpPr>
+          <p:cNvPr id="16" name="ZoneTexte 15">
+            <a:extLst>
+              <a:ext uri="{FF2B5EF4-FFF2-40B4-BE49-F238E27FC236}">
+                <a16:creationId xmlns:a16="http://schemas.microsoft.com/office/drawing/2014/main" id="{63CA3CDA-3E7F-DDD8-1281-21064B3FF8D2}"/>
+              </a:ext>
+            </a:extLst>
+          </p:cNvPr>
+          <p:cNvSpPr txBox="1"/>
+          <p:nvPr/>
+        </p:nvSpPr>
+        <p:spPr>
+          <a:xfrm>
+            <a:off x="6344036" y="3090446"/>
+            <a:ext cx="4765173" cy="646331"/>
+          </a:xfrm>
+          <a:prstGeom prst="rect">
+            <a:avLst/>
+          </a:prstGeom>
+          <a:solidFill>
+            <a:schemeClr val="tx2">
+              <a:lumMod val="50000"/>
+              <a:lumOff val="50000"/>
+            </a:schemeClr>
+          </a:solidFill>
+        </p:spPr>
+        <p:txBody>
+          <a:bodyPr wrap="square" rtlCol="0">
+            <a:spAutoFit/>
+          </a:bodyPr>
+          <a:lstStyle/>
+          <a:p>
+            <a:r>
+              <a:rPr lang="fr-FR" b="1" dirty="0">
+                <a:solidFill>
+                  <a:schemeClr val="bg1"/>
+                </a:solidFill>
+              </a:rPr>
+              <a:t>Infinité de valeurs </a:t>
+            </a:r>
+            <a:br>
+              <a:rPr lang="fr-FR" b="1" dirty="0">
+                <a:solidFill>
+                  <a:schemeClr val="bg1"/>
+                </a:solidFill>
+              </a:rPr>
+            </a:br>
+            <a:r>
+              <a:rPr lang="fr-FR" b="1" dirty="0">
+                <a:solidFill>
+                  <a:schemeClr val="bg1"/>
+                </a:solidFill>
+              </a:rPr>
+              <a:t>sur un intervalle donné</a:t>
+            </a:r>
+          </a:p>
+        </p:txBody>
+      </p:sp>
+      <mc:AlternateContent xmlns:mc="http://schemas.openxmlformats.org/markup-compatibility/2006" xmlns:a14="http://schemas.microsoft.com/office/drawing/2010/main">
+        <mc:Choice Requires="a14">
+          <p:sp>
+            <p:nvSpPr>
+              <p:cNvPr id="3" name="ZoneTexte 2">
+                <a:extLst>
+                  <a:ext uri="{FF2B5EF4-FFF2-40B4-BE49-F238E27FC236}">
+                    <a16:creationId xmlns:a16="http://schemas.microsoft.com/office/drawing/2014/main" id="{E59B61E8-D0CF-3F42-B63C-1248A4899F71}"/>
+                  </a:ext>
+                </a:extLst>
+              </p:cNvPr>
+              <p:cNvSpPr txBox="1"/>
+              <p:nvPr/>
+            </p:nvSpPr>
+            <p:spPr>
+              <a:xfrm>
+                <a:off x="1602658" y="3821994"/>
+                <a:ext cx="3987375" cy="369332"/>
+              </a:xfrm>
+              <a:prstGeom prst="rect">
+                <a:avLst/>
+              </a:prstGeom>
+              <a:solidFill>
+                <a:schemeClr val="tx2">
+                  <a:lumMod val="25000"/>
+                  <a:lumOff val="75000"/>
+                </a:schemeClr>
+              </a:solidFill>
+            </p:spPr>
+            <p:txBody>
+              <a:bodyPr wrap="square" rtlCol="0">
+                <a:spAutoFit/>
+              </a:bodyPr>
+              <a:lstStyle/>
+              <a:p>
+                <a:r>
+                  <a:rPr lang="fr-FR" i="1" dirty="0"/>
+                  <a:t>Sur N bits : </a:t>
+                </a:r>
+                <a14:m>
+                  <m:oMath xmlns:m="http://schemas.openxmlformats.org/officeDocument/2006/math">
+                    <m:sSup>
+                      <m:sSupPr>
+                        <m:ctrlPr>
+                          <a:rPr lang="fr-FR" i="1" smtClean="0">
+                            <a:latin typeface="Cambria Math" panose="02040503050406030204" pitchFamily="18" charset="0"/>
+                          </a:rPr>
+                        </m:ctrlPr>
+                      </m:sSupPr>
+                      <m:e>
+                        <m:r>
+                          <a:rPr lang="fr-FR" b="0" i="1" smtClean="0">
+                            <a:latin typeface="Cambria Math" panose="02040503050406030204" pitchFamily="18" charset="0"/>
+                          </a:rPr>
+                          <m:t>2</m:t>
+                        </m:r>
+                      </m:e>
+                      <m:sup>
+                        <m:r>
+                          <a:rPr lang="fr-FR" b="0" i="1" smtClean="0">
+                            <a:latin typeface="Cambria Math" panose="02040503050406030204" pitchFamily="18" charset="0"/>
+                          </a:rPr>
+                          <m:t>𝑁</m:t>
+                        </m:r>
+                      </m:sup>
+                    </m:sSup>
+                  </m:oMath>
+                </a14:m>
+                <a:r>
+                  <a:rPr lang="fr-FR" i="1" dirty="0"/>
+                  <a:t> combinaisons</a:t>
+                </a:r>
+              </a:p>
+            </p:txBody>
+          </p:sp>
+        </mc:Choice>
+        <mc:Fallback xmlns="">
+          <p:sp>
+            <p:nvSpPr>
+              <p:cNvPr id="3" name="ZoneTexte 2">
+                <a:extLst>
+                  <a:ext uri="{FF2B5EF4-FFF2-40B4-BE49-F238E27FC236}">
+                    <a16:creationId xmlns:a16="http://schemas.microsoft.com/office/drawing/2014/main" id="{E59B61E8-D0CF-3F42-B63C-1248A4899F71}"/>
+                  </a:ext>
+                </a:extLst>
+              </p:cNvPr>
+              <p:cNvSpPr txBox="1">
+                <a:spLocks noRot="1" noChangeAspect="1" noMove="1" noResize="1" noEditPoints="1" noAdjustHandles="1" noChangeArrowheads="1" noChangeShapeType="1" noTextEdit="1"/>
+              </p:cNvSpPr>
+              <p:nvPr/>
+            </p:nvSpPr>
+            <p:spPr>
+              <a:xfrm>
+                <a:off x="1602658" y="3821994"/>
+                <a:ext cx="3987375" cy="369332"/>
+              </a:xfrm>
+              <a:prstGeom prst="rect">
+                <a:avLst/>
+              </a:prstGeom>
+              <a:blipFill>
+                <a:blip r:embed="rId6"/>
+                <a:stretch>
+                  <a:fillRect l="-1376" t="-8197" b="-26230"/>
+                </a:stretch>
+              </a:blipFill>
+            </p:spPr>
+            <p:txBody>
+              <a:bodyPr/>
+              <a:lstStyle/>
+              <a:p>
+                <a:r>
+                  <a:rPr lang="fr-FR">
+                    <a:noFill/>
+                  </a:rPr>
+                  <a:t> </a:t>
+                </a:r>
+              </a:p>
+            </p:txBody>
+          </p:sp>
+        </mc:Fallback>
+      </mc:AlternateContent>
+      <mc:AlternateContent xmlns:mc="http://schemas.openxmlformats.org/markup-compatibility/2006" xmlns:a14="http://schemas.microsoft.com/office/drawing/2010/main">
+        <mc:Choice Requires="a14">
+          <p:sp>
+            <p:nvSpPr>
+              <p:cNvPr id="6" name="ZoneTexte 5">
+                <a:extLst>
+                  <a:ext uri="{FF2B5EF4-FFF2-40B4-BE49-F238E27FC236}">
+                    <a16:creationId xmlns:a16="http://schemas.microsoft.com/office/drawing/2014/main" id="{7413A552-37A8-3307-9961-C6CB27A4CFCB}"/>
+                  </a:ext>
+                </a:extLst>
+              </p:cNvPr>
+              <p:cNvSpPr txBox="1"/>
+              <p:nvPr/>
+            </p:nvSpPr>
+            <p:spPr>
+              <a:xfrm>
+                <a:off x="1602657" y="4294973"/>
+                <a:ext cx="3987375" cy="369332"/>
+              </a:xfrm>
+              <a:prstGeom prst="rect">
+                <a:avLst/>
+              </a:prstGeom>
+              <a:solidFill>
+                <a:schemeClr val="tx2">
+                  <a:lumMod val="25000"/>
+                  <a:lumOff val="75000"/>
+                </a:schemeClr>
+              </a:solidFill>
+            </p:spPr>
+            <p:txBody>
+              <a:bodyPr wrap="square" rtlCol="0">
+                <a:spAutoFit/>
+              </a:bodyPr>
+              <a:lstStyle/>
+              <a:p>
+                <a14:m>
+                  <m:oMath xmlns:m="http://schemas.openxmlformats.org/officeDocument/2006/math">
+                    <m:sSup>
+                      <m:sSupPr>
+                        <m:ctrlPr>
+                          <a:rPr lang="fr-FR" i="1" smtClean="0">
+                            <a:latin typeface="Cambria Math" panose="02040503050406030204" pitchFamily="18" charset="0"/>
+                          </a:rPr>
+                        </m:ctrlPr>
+                      </m:sSupPr>
+                      <m:e>
+                        <m:r>
+                          <a:rPr lang="fr-FR" b="0" i="1" smtClean="0">
+                            <a:latin typeface="Cambria Math" panose="02040503050406030204" pitchFamily="18" charset="0"/>
+                          </a:rPr>
+                          <m:t>2</m:t>
+                        </m:r>
+                      </m:e>
+                      <m:sup>
+                        <m:r>
+                          <a:rPr lang="fr-FR" b="0" i="1" smtClean="0">
+                            <a:latin typeface="Cambria Math" panose="02040503050406030204" pitchFamily="18" charset="0"/>
+                          </a:rPr>
+                          <m:t>𝑁</m:t>
+                        </m:r>
+                      </m:sup>
+                    </m:sSup>
+                    <m:r>
+                      <a:rPr lang="fr-FR" b="0" i="1" smtClean="0">
+                        <a:latin typeface="Cambria Math" panose="02040503050406030204" pitchFamily="18" charset="0"/>
+                      </a:rPr>
+                      <m:t> </m:t>
+                    </m:r>
+                  </m:oMath>
+                </a14:m>
+                <a:r>
+                  <a:rPr lang="fr-FR" i="1" dirty="0"/>
+                  <a:t>entiers naturels de 0 à N-1</a:t>
+                </a:r>
+              </a:p>
+            </p:txBody>
+          </p:sp>
+        </mc:Choice>
+        <mc:Fallback xmlns="">
+          <p:sp>
+            <p:nvSpPr>
+              <p:cNvPr id="6" name="ZoneTexte 5">
+                <a:extLst>
+                  <a:ext uri="{FF2B5EF4-FFF2-40B4-BE49-F238E27FC236}">
+                    <a16:creationId xmlns:a16="http://schemas.microsoft.com/office/drawing/2014/main" id="{7413A552-37A8-3307-9961-C6CB27A4CFCB}"/>
+                  </a:ext>
+                </a:extLst>
+              </p:cNvPr>
+              <p:cNvSpPr txBox="1">
+                <a:spLocks noRot="1" noChangeAspect="1" noMove="1" noResize="1" noEditPoints="1" noAdjustHandles="1" noChangeArrowheads="1" noChangeShapeType="1" noTextEdit="1"/>
+              </p:cNvSpPr>
+              <p:nvPr/>
+            </p:nvSpPr>
+            <p:spPr>
+              <a:xfrm>
+                <a:off x="1602657" y="4294973"/>
+                <a:ext cx="3987375" cy="369332"/>
+              </a:xfrm>
+              <a:prstGeom prst="rect">
+                <a:avLst/>
+              </a:prstGeom>
+              <a:blipFill>
+                <a:blip r:embed="rId7"/>
+                <a:stretch>
+                  <a:fillRect t="-8333" b="-28333"/>
+                </a:stretch>
+              </a:blipFill>
+            </p:spPr>
+            <p:txBody>
+              <a:bodyPr/>
+              <a:lstStyle/>
+              <a:p>
+                <a:r>
+                  <a:rPr lang="fr-FR">
+                    <a:noFill/>
+                  </a:rPr>
+                  <a:t> </a:t>
+                </a:r>
+              </a:p>
+            </p:txBody>
+          </p:sp>
+        </mc:Fallback>
+      </mc:AlternateContent>
+      <mc:AlternateContent xmlns:mc="http://schemas.openxmlformats.org/markup-compatibility/2006" xmlns:a14="http://schemas.microsoft.com/office/drawing/2010/main">
+        <mc:Choice Requires="a14">
+          <p:sp>
+            <p:nvSpPr>
+              <p:cNvPr id="7" name="ZoneTexte 6">
+                <a:extLst>
+                  <a:ext uri="{FF2B5EF4-FFF2-40B4-BE49-F238E27FC236}">
+                    <a16:creationId xmlns:a16="http://schemas.microsoft.com/office/drawing/2014/main" id="{769549EB-74DF-F9CF-BBEC-3764917B8771}"/>
+                  </a:ext>
+                </a:extLst>
+              </p:cNvPr>
+              <p:cNvSpPr txBox="1"/>
+              <p:nvPr/>
+            </p:nvSpPr>
+            <p:spPr>
+              <a:xfrm>
+                <a:off x="1602657" y="5183053"/>
+                <a:ext cx="3987375" cy="369332"/>
+              </a:xfrm>
+              <a:prstGeom prst="rect">
+                <a:avLst/>
+              </a:prstGeom>
+              <a:solidFill>
+                <a:schemeClr val="tx2">
+                  <a:lumMod val="25000"/>
+                  <a:lumOff val="75000"/>
+                </a:schemeClr>
+              </a:solidFill>
+            </p:spPr>
+            <p:txBody>
+              <a:bodyPr wrap="square" rtlCol="0">
+                <a:spAutoFit/>
+              </a:bodyPr>
+              <a:lstStyle/>
+              <a:p>
+                <a14:m>
+                  <m:oMath xmlns:m="http://schemas.openxmlformats.org/officeDocument/2006/math">
+                    <m:sSup>
+                      <m:sSupPr>
+                        <m:ctrlPr>
+                          <a:rPr lang="fr-FR" i="1" smtClean="0">
+                            <a:latin typeface="Cambria Math" panose="02040503050406030204" pitchFamily="18" charset="0"/>
+                          </a:rPr>
+                        </m:ctrlPr>
+                      </m:sSupPr>
+                      <m:e>
+                        <m:r>
+                          <a:rPr lang="fr-FR" b="0" i="1" smtClean="0">
+                            <a:latin typeface="Cambria Math" panose="02040503050406030204" pitchFamily="18" charset="0"/>
+                          </a:rPr>
+                          <m:t>2</m:t>
+                        </m:r>
+                      </m:e>
+                      <m:sup>
+                        <m:r>
+                          <a:rPr lang="fr-FR" b="0" i="1" smtClean="0">
+                            <a:latin typeface="Cambria Math" panose="02040503050406030204" pitchFamily="18" charset="0"/>
+                          </a:rPr>
+                          <m:t>𝑁</m:t>
+                        </m:r>
+                      </m:sup>
+                    </m:sSup>
+                    <m:r>
+                      <a:rPr lang="fr-FR" b="0" i="1" smtClean="0">
+                        <a:latin typeface="Cambria Math" panose="02040503050406030204" pitchFamily="18" charset="0"/>
+                      </a:rPr>
+                      <m:t> </m:t>
+                    </m:r>
+                  </m:oMath>
+                </a14:m>
+                <a:r>
+                  <a:rPr lang="fr-FR" i="1" dirty="0"/>
+                  <a:t>entiers relatifs de -N/2 à N/2-1</a:t>
+                </a:r>
+              </a:p>
+            </p:txBody>
+          </p:sp>
+        </mc:Choice>
+        <mc:Fallback xmlns="">
+          <p:sp>
+            <p:nvSpPr>
+              <p:cNvPr id="7" name="ZoneTexte 6">
+                <a:extLst>
+                  <a:ext uri="{FF2B5EF4-FFF2-40B4-BE49-F238E27FC236}">
+                    <a16:creationId xmlns:a16="http://schemas.microsoft.com/office/drawing/2014/main" id="{769549EB-74DF-F9CF-BBEC-3764917B8771}"/>
+                  </a:ext>
+                </a:extLst>
+              </p:cNvPr>
+              <p:cNvSpPr txBox="1">
+                <a:spLocks noRot="1" noChangeAspect="1" noMove="1" noResize="1" noEditPoints="1" noAdjustHandles="1" noChangeArrowheads="1" noChangeShapeType="1" noTextEdit="1"/>
+              </p:cNvSpPr>
+              <p:nvPr/>
+            </p:nvSpPr>
+            <p:spPr>
+              <a:xfrm>
+                <a:off x="1602657" y="5183053"/>
+                <a:ext cx="3987375" cy="369332"/>
+              </a:xfrm>
+              <a:prstGeom prst="rect">
+                <a:avLst/>
+              </a:prstGeom>
+              <a:blipFill>
+                <a:blip r:embed="rId8"/>
+                <a:stretch>
+                  <a:fillRect t="-6557" b="-26230"/>
+                </a:stretch>
+              </a:blipFill>
+            </p:spPr>
+            <p:txBody>
+              <a:bodyPr/>
+              <a:lstStyle/>
+              <a:p>
+                <a:r>
+                  <a:rPr lang="fr-FR">
+                    <a:noFill/>
+                  </a:rPr>
+                  <a:t> </a:t>
+                </a:r>
+              </a:p>
+            </p:txBody>
+          </p:sp>
+        </mc:Fallback>
+      </mc:AlternateContent>
+      <mc:AlternateContent xmlns:mc="http://schemas.openxmlformats.org/markup-compatibility/2006" xmlns:a14="http://schemas.microsoft.com/office/drawing/2010/main">
+        <mc:Choice Requires="a14">
+          <p:sp>
+            <p:nvSpPr>
+              <p:cNvPr id="12" name="ZoneTexte 11">
+                <a:extLst>
+                  <a:ext uri="{FF2B5EF4-FFF2-40B4-BE49-F238E27FC236}">
+                    <a16:creationId xmlns:a16="http://schemas.microsoft.com/office/drawing/2014/main" id="{BA99C4F1-B251-3AEA-42BF-0C72D4C08923}"/>
+                  </a:ext>
+                </a:extLst>
+              </p:cNvPr>
+              <p:cNvSpPr txBox="1"/>
+              <p:nvPr/>
+            </p:nvSpPr>
+            <p:spPr>
+              <a:xfrm>
+                <a:off x="1809135" y="4725867"/>
+                <a:ext cx="3893575" cy="369332"/>
+              </a:xfrm>
+              <a:prstGeom prst="rect">
+                <a:avLst/>
+              </a:prstGeom>
+              <a:noFill/>
+            </p:spPr>
+            <p:txBody>
+              <a:bodyPr wrap="square">
+                <a:spAutoFit/>
+              </a:bodyPr>
+              <a:lstStyle/>
+              <a:p>
+                <a:r>
+                  <a:rPr lang="fr-FR" i="1" dirty="0"/>
+                  <a:t>0b 1011 </a:t>
+                </a:r>
+                <a:r>
+                  <a:rPr lang="fr-FR" b="1" i="1" dirty="0"/>
+                  <a:t>= </a:t>
+                </a:r>
+                <a14:m>
+                  <m:oMath xmlns:m="http://schemas.openxmlformats.org/officeDocument/2006/math">
+                    <m:sSup>
+                      <m:sSupPr>
+                        <m:ctrlPr>
+                          <a:rPr lang="fr-FR" i="1" smtClean="0">
+                            <a:latin typeface="Cambria Math" panose="02040503050406030204" pitchFamily="18" charset="0"/>
+                          </a:rPr>
+                        </m:ctrlPr>
+                      </m:sSupPr>
+                      <m:e>
+                        <m:r>
+                          <a:rPr lang="fr-FR" b="0" i="1" smtClean="0">
+                            <a:latin typeface="Cambria Math" panose="02040503050406030204" pitchFamily="18" charset="0"/>
+                          </a:rPr>
+                          <m:t>1.2</m:t>
+                        </m:r>
+                      </m:e>
+                      <m:sup>
+                        <m:r>
+                          <a:rPr lang="fr-FR" b="0" i="1" smtClean="0">
+                            <a:latin typeface="Cambria Math" panose="02040503050406030204" pitchFamily="18" charset="0"/>
+                          </a:rPr>
+                          <m:t>3</m:t>
+                        </m:r>
+                      </m:sup>
+                    </m:sSup>
+                    <m:r>
+                      <a:rPr lang="fr-FR" b="0" i="1" smtClean="0">
+                        <a:latin typeface="Cambria Math" panose="02040503050406030204" pitchFamily="18" charset="0"/>
+                      </a:rPr>
+                      <m:t>+</m:t>
+                    </m:r>
+                    <m:sSup>
+                      <m:sSupPr>
+                        <m:ctrlPr>
+                          <a:rPr lang="fr-FR" i="1">
+                            <a:latin typeface="Cambria Math" panose="02040503050406030204" pitchFamily="18" charset="0"/>
+                          </a:rPr>
+                        </m:ctrlPr>
+                      </m:sSupPr>
+                      <m:e>
+                        <m:r>
+                          <a:rPr lang="fr-FR" b="0" i="1" smtClean="0">
+                            <a:latin typeface="Cambria Math" panose="02040503050406030204" pitchFamily="18" charset="0"/>
+                          </a:rPr>
+                          <m:t>0</m:t>
+                        </m:r>
+                        <m:r>
+                          <a:rPr lang="fr-FR" i="1">
+                            <a:latin typeface="Cambria Math" panose="02040503050406030204" pitchFamily="18" charset="0"/>
+                          </a:rPr>
+                          <m:t>.2</m:t>
+                        </m:r>
+                      </m:e>
+                      <m:sup>
+                        <m:r>
+                          <a:rPr lang="fr-FR" b="0" i="1" smtClean="0">
+                            <a:latin typeface="Cambria Math" panose="02040503050406030204" pitchFamily="18" charset="0"/>
+                          </a:rPr>
+                          <m:t>2</m:t>
+                        </m:r>
+                      </m:sup>
+                    </m:sSup>
+                  </m:oMath>
+                </a14:m>
+                <a:r>
+                  <a:rPr lang="fr-FR" dirty="0"/>
+                  <a:t> </a:t>
+                </a:r>
+                <a14:m>
+                  <m:oMath xmlns:m="http://schemas.openxmlformats.org/officeDocument/2006/math">
+                    <m:sSup>
+                      <m:sSupPr>
+                        <m:ctrlPr>
+                          <a:rPr lang="fr-FR" i="1">
+                            <a:latin typeface="Cambria Math" panose="02040503050406030204" pitchFamily="18" charset="0"/>
+                          </a:rPr>
+                        </m:ctrlPr>
+                      </m:sSupPr>
+                      <m:e>
+                        <m:r>
+                          <a:rPr lang="fr-FR" b="0" i="1" smtClean="0">
+                            <a:latin typeface="Cambria Math" panose="02040503050406030204" pitchFamily="18" charset="0"/>
+                          </a:rPr>
+                          <m:t>+ </m:t>
+                        </m:r>
+                        <m:r>
+                          <a:rPr lang="fr-FR" i="1">
+                            <a:latin typeface="Cambria Math" panose="02040503050406030204" pitchFamily="18" charset="0"/>
+                          </a:rPr>
+                          <m:t>1.2</m:t>
+                        </m:r>
+                      </m:e>
+                      <m:sup>
+                        <m:r>
+                          <a:rPr lang="fr-FR" b="0" i="1" smtClean="0">
+                            <a:latin typeface="Cambria Math" panose="02040503050406030204" pitchFamily="18" charset="0"/>
+                          </a:rPr>
+                          <m:t>1</m:t>
+                        </m:r>
+                      </m:sup>
+                    </m:sSup>
+                    <m:r>
+                      <a:rPr lang="fr-FR" b="0" i="1" smtClean="0">
+                        <a:latin typeface="Cambria Math" panose="02040503050406030204" pitchFamily="18" charset="0"/>
+                      </a:rPr>
+                      <m:t>+</m:t>
+                    </m:r>
+                  </m:oMath>
+                </a14:m>
+                <a:r>
+                  <a:rPr lang="fr-FR" dirty="0"/>
+                  <a:t> </a:t>
+                </a:r>
+                <a14:m>
+                  <m:oMath xmlns:m="http://schemas.openxmlformats.org/officeDocument/2006/math">
+                    <m:sSup>
+                      <m:sSupPr>
+                        <m:ctrlPr>
+                          <a:rPr lang="fr-FR" i="1">
+                            <a:latin typeface="Cambria Math" panose="02040503050406030204" pitchFamily="18" charset="0"/>
+                          </a:rPr>
+                        </m:ctrlPr>
+                      </m:sSupPr>
+                      <m:e>
+                        <m:r>
+                          <a:rPr lang="fr-FR" i="1">
+                            <a:latin typeface="Cambria Math" panose="02040503050406030204" pitchFamily="18" charset="0"/>
+                          </a:rPr>
+                          <m:t>1.2</m:t>
+                        </m:r>
+                      </m:e>
+                      <m:sup>
+                        <m:r>
+                          <a:rPr lang="fr-FR" b="0" i="1" smtClean="0">
+                            <a:latin typeface="Cambria Math" panose="02040503050406030204" pitchFamily="18" charset="0"/>
+                          </a:rPr>
+                          <m:t>0</m:t>
+                        </m:r>
+                      </m:sup>
+                    </m:sSup>
+                  </m:oMath>
+                </a14:m>
+                <a:endParaRPr lang="fr-FR" dirty="0"/>
+              </a:p>
+            </p:txBody>
+          </p:sp>
+        </mc:Choice>
+        <mc:Fallback xmlns="">
+          <p:sp>
+            <p:nvSpPr>
+              <p:cNvPr id="12" name="ZoneTexte 11">
+                <a:extLst>
+                  <a:ext uri="{FF2B5EF4-FFF2-40B4-BE49-F238E27FC236}">
+                    <a16:creationId xmlns:a16="http://schemas.microsoft.com/office/drawing/2014/main" id="{BA99C4F1-B251-3AEA-42BF-0C72D4C08923}"/>
+                  </a:ext>
+                </a:extLst>
+              </p:cNvPr>
+              <p:cNvSpPr txBox="1">
+                <a:spLocks noRot="1" noChangeAspect="1" noMove="1" noResize="1" noEditPoints="1" noAdjustHandles="1" noChangeArrowheads="1" noChangeShapeType="1" noTextEdit="1"/>
+              </p:cNvSpPr>
+              <p:nvPr/>
+            </p:nvSpPr>
+            <p:spPr>
+              <a:xfrm>
+                <a:off x="1809135" y="4725867"/>
+                <a:ext cx="3893575" cy="369332"/>
+              </a:xfrm>
+              <a:prstGeom prst="rect">
+                <a:avLst/>
+              </a:prstGeom>
+              <a:blipFill>
+                <a:blip r:embed="rId9"/>
+                <a:stretch>
+                  <a:fillRect l="-1411" t="-6557" b="-26230"/>
+                </a:stretch>
+              </a:blipFill>
+            </p:spPr>
+            <p:txBody>
+              <a:bodyPr/>
+              <a:lstStyle/>
+              <a:p>
+                <a:r>
+                  <a:rPr lang="fr-FR">
+                    <a:noFill/>
+                  </a:rPr>
+                  <a:t> </a:t>
+                </a:r>
+              </a:p>
+            </p:txBody>
+          </p:sp>
+        </mc:Fallback>
+      </mc:AlternateContent>
+      <p:sp>
+        <p:nvSpPr>
+          <p:cNvPr id="14" name="ZoneTexte 13">
+            <a:extLst>
+              <a:ext uri="{FF2B5EF4-FFF2-40B4-BE49-F238E27FC236}">
+                <a16:creationId xmlns:a16="http://schemas.microsoft.com/office/drawing/2014/main" id="{2221FA5D-7CAD-D136-26CA-A159D8F78279}"/>
+              </a:ext>
+            </a:extLst>
+          </p:cNvPr>
+          <p:cNvSpPr txBox="1"/>
+          <p:nvPr/>
+        </p:nvSpPr>
+        <p:spPr>
+          <a:xfrm>
+            <a:off x="1809134" y="5615288"/>
+            <a:ext cx="3893575" cy="369332"/>
+          </a:xfrm>
+          <a:prstGeom prst="rect">
+            <a:avLst/>
+          </a:prstGeom>
+          <a:noFill/>
+        </p:spPr>
+        <p:txBody>
+          <a:bodyPr wrap="square">
+            <a:spAutoFit/>
+          </a:bodyPr>
+          <a:lstStyle/>
+          <a:p>
+            <a:r>
+              <a:rPr lang="fr-FR" i="1" dirty="0"/>
+              <a:t>0b </a:t>
+            </a:r>
+            <a:r>
+              <a:rPr lang="fr-FR" i="1" dirty="0">
+                <a:solidFill>
+                  <a:schemeClr val="bg1"/>
+                </a:solidFill>
+                <a:highlight>
+                  <a:srgbClr val="800080"/>
+                </a:highlight>
+              </a:rPr>
+              <a:t>1</a:t>
+            </a:r>
+            <a:r>
+              <a:rPr lang="fr-FR" i="1" dirty="0"/>
+              <a:t>011</a:t>
+            </a:r>
+            <a:endParaRPr lang="fr-FR" dirty="0"/>
+          </a:p>
+        </p:txBody>
+      </p:sp>
+      <p:sp>
+        <p:nvSpPr>
+          <p:cNvPr id="17" name="ZoneTexte 16">
+            <a:extLst>
+              <a:ext uri="{FF2B5EF4-FFF2-40B4-BE49-F238E27FC236}">
+                <a16:creationId xmlns:a16="http://schemas.microsoft.com/office/drawing/2014/main" id="{2C0726EE-E6BF-D3A5-0E5E-6617D409E946}"/>
+              </a:ext>
+            </a:extLst>
+          </p:cNvPr>
+          <p:cNvSpPr txBox="1"/>
+          <p:nvPr/>
+        </p:nvSpPr>
+        <p:spPr>
+          <a:xfrm>
+            <a:off x="2123677" y="6047523"/>
+            <a:ext cx="966118" cy="307777"/>
+          </a:xfrm>
+          <a:prstGeom prst="rect">
+            <a:avLst/>
+          </a:prstGeom>
+          <a:noFill/>
+        </p:spPr>
+        <p:txBody>
+          <a:bodyPr wrap="square">
+            <a:spAutoFit/>
+          </a:bodyPr>
+          <a:lstStyle/>
+          <a:p>
+            <a:r>
+              <a:rPr lang="fr-FR" sz="1400" i="1" dirty="0"/>
+              <a:t>signe</a:t>
+            </a:r>
+            <a:endParaRPr lang="fr-FR" sz="1400" dirty="0"/>
+          </a:p>
+        </p:txBody>
+      </p:sp>
+      <p:sp>
+        <p:nvSpPr>
+          <p:cNvPr id="19" name="Rectangle 18">
+            <a:extLst>
+              <a:ext uri="{FF2B5EF4-FFF2-40B4-BE49-F238E27FC236}">
+                <a16:creationId xmlns:a16="http://schemas.microsoft.com/office/drawing/2014/main" id="{7C70C9EF-D3C0-AC3C-5F9C-66593DEB9BEA}"/>
+              </a:ext>
+            </a:extLst>
+          </p:cNvPr>
+          <p:cNvSpPr/>
+          <p:nvPr/>
+        </p:nvSpPr>
+        <p:spPr>
+          <a:xfrm>
+            <a:off x="3783361" y="5684003"/>
+            <a:ext cx="1635483" cy="559054"/>
+          </a:xfrm>
+          <a:prstGeom prst="rect">
+            <a:avLst/>
+          </a:prstGeom>
+          <a:solidFill>
+            <a:schemeClr val="bg1"/>
+          </a:solidFill>
+        </p:spPr>
+        <p:style>
+          <a:lnRef idx="2">
+            <a:schemeClr val="accent1">
+              <a:shade val="50000"/>
+            </a:schemeClr>
+          </a:lnRef>
+          <a:fillRef idx="1">
+            <a:schemeClr val="accent1"/>
+          </a:fillRef>
+          <a:effectRef idx="0">
+            <a:schemeClr val="accent1"/>
+          </a:effectRef>
+          <a:fontRef idx="minor">
+            <a:schemeClr val="lt1"/>
+          </a:fontRef>
+        </p:style>
+        <p:txBody>
+          <a:bodyPr rtlCol="0" anchor="ctr"/>
+          <a:lstStyle/>
+          <a:p>
+            <a:pPr algn="r"/>
+            <a:r>
+              <a:rPr lang="fr-FR" sz="2000" dirty="0">
+                <a:solidFill>
+                  <a:schemeClr val="tx1"/>
+                </a:solidFill>
+              </a:rPr>
+              <a:t>-0 ≠ 0  </a:t>
+            </a:r>
+          </a:p>
+        </p:txBody>
+      </p:sp>
+      <p:pic>
+        <p:nvPicPr>
+          <p:cNvPr id="20" name="Picture 2" descr="317,435 Panneau Attention Imágenes y Fotos - 123RF">
+            <a:extLst>
+              <a:ext uri="{FF2B5EF4-FFF2-40B4-BE49-F238E27FC236}">
+                <a16:creationId xmlns:a16="http://schemas.microsoft.com/office/drawing/2014/main" id="{DF67CF51-218B-EF6F-AF18-392B247D2279}"/>
+              </a:ext>
+            </a:extLst>
+          </p:cNvPr>
+          <p:cNvPicPr>
+            <a:picLocks noChangeAspect="1" noChangeArrowheads="1"/>
+          </p:cNvPicPr>
+          <p:nvPr/>
+        </p:nvPicPr>
+        <p:blipFill>
+          <a:blip r:embed="rId10">
+            <a:extLst>
+              <a:ext uri="{28A0092B-C50C-407E-A947-70E740481C1C}">
+                <a14:useLocalDpi xmlns:a14="http://schemas.microsoft.com/office/drawing/2010/main" val="0"/>
+              </a:ext>
+            </a:extLst>
+          </a:blip>
+          <a:srcRect/>
+          <a:stretch>
+            <a:fillRect/>
+          </a:stretch>
+        </p:blipFill>
+        <p:spPr bwMode="auto">
+          <a:xfrm>
+            <a:off x="3871511" y="5751551"/>
+            <a:ext cx="425117" cy="425117"/>
+          </a:xfrm>
+          <a:prstGeom prst="rect">
+            <a:avLst/>
+          </a:prstGeom>
+          <a:noFill/>
+          <a:extLst>
+            <a:ext uri="{909E8E84-426E-40DD-AFC4-6F175D3DCCD1}">
+              <a14:hiddenFill xmlns:a14="http://schemas.microsoft.com/office/drawing/2010/main">
+                <a:solidFill>
+                  <a:srgbClr val="FFFFFF"/>
+                </a:solidFill>
+              </a14:hiddenFill>
+            </a:ext>
+          </a:extLst>
+        </p:spPr>
+      </p:pic>
+      <p:sp>
+        <p:nvSpPr>
+          <p:cNvPr id="21" name="ZoneTexte 20">
+            <a:extLst>
+              <a:ext uri="{FF2B5EF4-FFF2-40B4-BE49-F238E27FC236}">
+                <a16:creationId xmlns:a16="http://schemas.microsoft.com/office/drawing/2014/main" id="{E5FA45D0-6225-B802-1092-B59A27FD3171}"/>
+              </a:ext>
+            </a:extLst>
+          </p:cNvPr>
+          <p:cNvSpPr txBox="1"/>
+          <p:nvPr/>
+        </p:nvSpPr>
+        <p:spPr>
+          <a:xfrm>
+            <a:off x="3755921" y="6285280"/>
+            <a:ext cx="1825291" cy="307777"/>
+          </a:xfrm>
+          <a:prstGeom prst="rect">
+            <a:avLst/>
+          </a:prstGeom>
+          <a:noFill/>
+        </p:spPr>
+        <p:txBody>
+          <a:bodyPr wrap="square">
+            <a:spAutoFit/>
+          </a:bodyPr>
+          <a:lstStyle/>
+          <a:p>
+            <a:r>
+              <a:rPr lang="fr-FR" sz="1400" i="1" dirty="0"/>
+              <a:t>Complément à 2</a:t>
+            </a:r>
+            <a:endParaRPr lang="fr-FR" sz="1400" dirty="0"/>
+          </a:p>
+        </p:txBody>
+      </p:sp>
       <p:sp>
         <p:nvSpPr>
           <p:cNvPr id="11" name="ZoneTexte 10">
@@ -13432,8 +13427,8 @@
           </a:p>
         </p:txBody>
       </p:sp>
-      <mc:AlternateContent xmlns:mc="http://schemas.openxmlformats.org/markup-compatibility/2006">
-        <mc:Choice xmlns:a14="http://schemas.microsoft.com/office/drawing/2010/main" Requires="a14">
+      <mc:AlternateContent xmlns:mc="http://schemas.openxmlformats.org/markup-compatibility/2006" xmlns:a14="http://schemas.microsoft.com/office/drawing/2010/main">
+        <mc:Choice Requires="a14">
           <p:sp>
             <p:nvSpPr>
               <p:cNvPr id="29" name="ZoneTexte 28">
@@ -13519,7 +13514,7 @@
             </p:txBody>
           </p:sp>
         </mc:Choice>
-        <mc:Fallback>
+        <mc:Fallback xmlns="">
           <p:sp>
             <p:nvSpPr>
               <p:cNvPr id="29" name="ZoneTexte 28">
@@ -16374,6 +16369,2798 @@
 <file path=ppt/slides/slide21.xml><?xml version="1.0" encoding="utf-8"?>
 <p:sld xmlns:a="http://schemas.openxmlformats.org/drawingml/2006/main" xmlns:r="http://schemas.openxmlformats.org/officeDocument/2006/relationships" xmlns:p="http://schemas.openxmlformats.org/presentationml/2006/main">
   <p:cSld>
+    <p:spTree>
+      <p:nvGrpSpPr>
+        <p:cNvPr id="1" name=""/>
+        <p:cNvGrpSpPr/>
+        <p:nvPr/>
+      </p:nvGrpSpPr>
+      <p:grpSpPr>
+        <a:xfrm>
+          <a:off x="0" y="0"/>
+          <a:ext cx="0" cy="0"/>
+          <a:chOff x="0" y="0"/>
+          <a:chExt cx="0" cy="0"/>
+        </a:xfrm>
+      </p:grpSpPr>
+      <p:sp>
+        <p:nvSpPr>
+          <p:cNvPr id="2" name="Titre 1">
+            <a:extLst>
+              <a:ext uri="{FF2B5EF4-FFF2-40B4-BE49-F238E27FC236}">
+                <a16:creationId xmlns:a16="http://schemas.microsoft.com/office/drawing/2014/main" id="{90162AE8-C1B0-5C56-8313-DEE494F38273}"/>
+              </a:ext>
+            </a:extLst>
+          </p:cNvPr>
+          <p:cNvSpPr>
+            <a:spLocks noGrp="1"/>
+          </p:cNvSpPr>
+          <p:nvPr>
+            <p:ph type="title"/>
+          </p:nvPr>
+        </p:nvSpPr>
+        <p:spPr/>
+        <p:txBody>
+          <a:bodyPr/>
+          <a:lstStyle/>
+          <a:p>
+            <a:r>
+              <a:rPr lang="fr-FR" dirty="0"/>
+              <a:t>Quelques rappels sous Python</a:t>
+            </a:r>
+          </a:p>
+        </p:txBody>
+      </p:sp>
+      <p:sp>
+        <p:nvSpPr>
+          <p:cNvPr id="3" name="Espace réservé du contenu 2">
+            <a:extLst>
+              <a:ext uri="{FF2B5EF4-FFF2-40B4-BE49-F238E27FC236}">
+                <a16:creationId xmlns:a16="http://schemas.microsoft.com/office/drawing/2014/main" id="{E0BBB9DE-019C-C741-F224-494739D4B752}"/>
+              </a:ext>
+            </a:extLst>
+          </p:cNvPr>
+          <p:cNvSpPr>
+            <a:spLocks noGrp="1"/>
+          </p:cNvSpPr>
+          <p:nvPr>
+            <p:ph sz="half" idx="1"/>
+          </p:nvPr>
+        </p:nvSpPr>
+        <p:spPr>
+          <a:xfrm>
+            <a:off x="1115568" y="2478024"/>
+            <a:ext cx="10241082" cy="3694176"/>
+          </a:xfrm>
+        </p:spPr>
+        <p:txBody>
+          <a:bodyPr/>
+          <a:lstStyle/>
+          <a:p>
+            <a:r>
+              <a:rPr lang="fr-FR" dirty="0"/>
+              <a:t>Quelques vecteurs particuliers</a:t>
+            </a:r>
+          </a:p>
+        </p:txBody>
+      </p:sp>
+      <p:pic>
+        <p:nvPicPr>
+          <p:cNvPr id="5" name="Image 4" descr="Une image contenant texte&#10;&#10;Description générée automatiquement">
+            <a:extLst>
+              <a:ext uri="{FF2B5EF4-FFF2-40B4-BE49-F238E27FC236}">
+                <a16:creationId xmlns:a16="http://schemas.microsoft.com/office/drawing/2014/main" id="{66D2630B-81F4-A4EB-21BA-8B90CF30BD92}"/>
+              </a:ext>
+            </a:extLst>
+          </p:cNvPr>
+          <p:cNvPicPr>
+            <a:picLocks noChangeAspect="1"/>
+          </p:cNvPicPr>
+          <p:nvPr/>
+        </p:nvPicPr>
+        <p:blipFill>
+          <a:blip r:embed="rId2">
+            <a:extLst>
+              <a:ext uri="{28A0092B-C50C-407E-A947-70E740481C1C}">
+                <a14:useLocalDpi xmlns:a14="http://schemas.microsoft.com/office/drawing/2010/main" val="0"/>
+              </a:ext>
+            </a:extLst>
+          </a:blip>
+          <a:stretch>
+            <a:fillRect/>
+          </a:stretch>
+        </p:blipFill>
+        <p:spPr>
+          <a:xfrm>
+            <a:off x="202922" y="5934456"/>
+            <a:ext cx="1825291" cy="749808"/>
+          </a:xfrm>
+          <a:prstGeom prst="rect">
+            <a:avLst/>
+          </a:prstGeom>
+        </p:spPr>
+      </p:pic>
+      <p:pic>
+        <p:nvPicPr>
+          <p:cNvPr id="7" name="Image 6">
+            <a:extLst>
+              <a:ext uri="{FF2B5EF4-FFF2-40B4-BE49-F238E27FC236}">
+                <a16:creationId xmlns:a16="http://schemas.microsoft.com/office/drawing/2014/main" id="{5BB01D49-602A-9314-FD1F-4EC628128217}"/>
+              </a:ext>
+            </a:extLst>
+          </p:cNvPr>
+          <p:cNvPicPr>
+            <a:picLocks noChangeAspect="1"/>
+          </p:cNvPicPr>
+          <p:nvPr/>
+        </p:nvPicPr>
+        <p:blipFill>
+          <a:blip r:embed="rId3"/>
+          <a:stretch>
+            <a:fillRect/>
+          </a:stretch>
+        </p:blipFill>
+        <p:spPr>
+          <a:xfrm>
+            <a:off x="10077926" y="593679"/>
+            <a:ext cx="1081825" cy="1089498"/>
+          </a:xfrm>
+          <a:prstGeom prst="rect">
+            <a:avLst/>
+          </a:prstGeom>
+        </p:spPr>
+      </p:pic>
+      <p:sp>
+        <p:nvSpPr>
+          <p:cNvPr id="6" name="ZoneTexte 5">
+            <a:extLst>
+              <a:ext uri="{FF2B5EF4-FFF2-40B4-BE49-F238E27FC236}">
+                <a16:creationId xmlns:a16="http://schemas.microsoft.com/office/drawing/2014/main" id="{1E75402E-5E67-B2D4-EB26-E362E6C79788}"/>
+              </a:ext>
+            </a:extLst>
+          </p:cNvPr>
+          <p:cNvSpPr txBox="1"/>
+          <p:nvPr/>
+        </p:nvSpPr>
+        <p:spPr>
+          <a:xfrm>
+            <a:off x="6344973" y="3296162"/>
+            <a:ext cx="4765173" cy="923330"/>
+          </a:xfrm>
+          <a:prstGeom prst="rect">
+            <a:avLst/>
+          </a:prstGeom>
+          <a:solidFill>
+            <a:schemeClr val="accent1">
+              <a:lumMod val="40000"/>
+              <a:lumOff val="60000"/>
+            </a:schemeClr>
+          </a:solidFill>
+        </p:spPr>
+        <p:txBody>
+          <a:bodyPr wrap="square" rtlCol="0">
+            <a:spAutoFit/>
+          </a:bodyPr>
+          <a:lstStyle/>
+          <a:p>
+            <a:r>
+              <a:rPr lang="en-US" dirty="0" err="1"/>
+              <a:t>mo</a:t>
+            </a:r>
+            <a:r>
+              <a:rPr lang="en-US" dirty="0"/>
+              <a:t> </a:t>
+            </a:r>
+            <a:r>
+              <a:rPr lang="en-US" b="1" dirty="0"/>
+              <a:t>=</a:t>
+            </a:r>
+            <a:r>
+              <a:rPr lang="en-US" dirty="0"/>
+              <a:t> </a:t>
+            </a:r>
+            <a:r>
+              <a:rPr lang="en-US" i="1" dirty="0" err="1"/>
+              <a:t>np</a:t>
+            </a:r>
+            <a:r>
+              <a:rPr lang="en-US" dirty="0" err="1"/>
+              <a:t>.</a:t>
+            </a:r>
+            <a:r>
+              <a:rPr lang="en-US" b="1" dirty="0" err="1"/>
+              <a:t>ones</a:t>
+            </a:r>
+            <a:r>
+              <a:rPr lang="en-US" b="1" dirty="0"/>
+              <a:t>( (</a:t>
+            </a:r>
+            <a:r>
+              <a:rPr lang="en-US" dirty="0"/>
+              <a:t>10,3</a:t>
+            </a:r>
+            <a:r>
+              <a:rPr lang="en-US" b="1" dirty="0"/>
+              <a:t>) )</a:t>
+            </a:r>
+          </a:p>
+          <a:p>
+            <a:r>
+              <a:rPr lang="en-US" b="1" dirty="0"/>
+              <a:t>print( </a:t>
+            </a:r>
+            <a:r>
+              <a:rPr lang="en-US" b="1" dirty="0" err="1"/>
+              <a:t>f’</a:t>
+            </a:r>
+            <a:r>
+              <a:rPr lang="en-US" i="1" dirty="0" err="1"/>
+              <a:t>shape</a:t>
+            </a:r>
+            <a:r>
+              <a:rPr lang="en-US" i="1" dirty="0"/>
+              <a:t> of </a:t>
+            </a:r>
+            <a:r>
+              <a:rPr lang="en-US" i="1" dirty="0" err="1"/>
+              <a:t>mo</a:t>
+            </a:r>
+            <a:r>
+              <a:rPr lang="en-US" i="1" dirty="0"/>
+              <a:t> :</a:t>
+            </a:r>
+            <a:r>
+              <a:rPr lang="en-US" b="1" dirty="0"/>
+              <a:t> {</a:t>
+            </a:r>
+            <a:r>
+              <a:rPr lang="en-US" dirty="0" err="1"/>
+              <a:t>mo.</a:t>
+            </a:r>
+            <a:r>
+              <a:rPr lang="en-US" b="1" dirty="0" err="1"/>
+              <a:t>shape</a:t>
+            </a:r>
+            <a:r>
+              <a:rPr lang="en-US" b="1" dirty="0"/>
+              <a:t>}’ )</a:t>
+            </a:r>
+          </a:p>
+          <a:p>
+            <a:r>
+              <a:rPr lang="en-US" b="1" dirty="0"/>
+              <a:t>print( </a:t>
+            </a:r>
+            <a:r>
+              <a:rPr lang="en-US" b="1" dirty="0" err="1"/>
+              <a:t>f’</a:t>
+            </a:r>
+            <a:r>
+              <a:rPr lang="en-US" i="1" dirty="0" err="1"/>
+              <a:t>values</a:t>
+            </a:r>
+            <a:r>
+              <a:rPr lang="en-US" i="1" dirty="0"/>
+              <a:t> of </a:t>
+            </a:r>
+            <a:r>
+              <a:rPr lang="en-US" i="1" dirty="0" err="1"/>
+              <a:t>mo</a:t>
+            </a:r>
+            <a:r>
+              <a:rPr lang="en-US" i="1" dirty="0"/>
+              <a:t> : </a:t>
+            </a:r>
+            <a:r>
+              <a:rPr lang="en-US" b="1" dirty="0"/>
+              <a:t>{</a:t>
+            </a:r>
+            <a:r>
+              <a:rPr lang="en-US" dirty="0" err="1"/>
+              <a:t>mo</a:t>
+            </a:r>
+            <a:r>
+              <a:rPr lang="en-US" b="1" dirty="0"/>
+              <a:t>}’ )</a:t>
+            </a:r>
+            <a:endParaRPr lang="fr-FR" b="1" dirty="0"/>
+          </a:p>
+        </p:txBody>
+      </p:sp>
+      <p:pic>
+        <p:nvPicPr>
+          <p:cNvPr id="10" name="Picture 6">
+            <a:extLst>
+              <a:ext uri="{FF2B5EF4-FFF2-40B4-BE49-F238E27FC236}">
+                <a16:creationId xmlns:a16="http://schemas.microsoft.com/office/drawing/2014/main" id="{B08DE29C-1F7C-390F-64F6-5A4A64FD8E5F}"/>
+              </a:ext>
+            </a:extLst>
+          </p:cNvPr>
+          <p:cNvPicPr>
+            <a:picLocks noChangeAspect="1" noChangeArrowheads="1"/>
+          </p:cNvPicPr>
+          <p:nvPr/>
+        </p:nvPicPr>
+        <p:blipFill>
+          <a:blip r:embed="rId4" cstate="hqprint">
+            <a:extLst>
+              <a:ext uri="{28A0092B-C50C-407E-A947-70E740481C1C}">
+                <a14:useLocalDpi xmlns:a14="http://schemas.microsoft.com/office/drawing/2010/main" val="0"/>
+              </a:ext>
+            </a:extLst>
+          </a:blip>
+          <a:srcRect/>
+          <a:stretch>
+            <a:fillRect/>
+          </a:stretch>
+        </p:blipFill>
+        <p:spPr bwMode="auto">
+          <a:xfrm>
+            <a:off x="10426228" y="2206699"/>
+            <a:ext cx="905256" cy="407269"/>
+          </a:xfrm>
+          <a:prstGeom prst="rect">
+            <a:avLst/>
+          </a:prstGeom>
+          <a:noFill/>
+          <a:extLst>
+            <a:ext uri="{909E8E84-426E-40DD-AFC4-6F175D3DCCD1}">
+              <a14:hiddenFill xmlns:a14="http://schemas.microsoft.com/office/drawing/2010/main">
+                <a:solidFill>
+                  <a:srgbClr val="FFFFFF"/>
+                </a:solidFill>
+              </a14:hiddenFill>
+            </a:ext>
+          </a:extLst>
+        </p:spPr>
+      </p:pic>
+      <p:sp>
+        <p:nvSpPr>
+          <p:cNvPr id="4" name="Espace réservé du numéro de diapositive 3">
+            <a:extLst>
+              <a:ext uri="{FF2B5EF4-FFF2-40B4-BE49-F238E27FC236}">
+                <a16:creationId xmlns:a16="http://schemas.microsoft.com/office/drawing/2014/main" id="{EDA5015E-6C98-2727-40F4-66EF4663BB22}"/>
+              </a:ext>
+            </a:extLst>
+          </p:cNvPr>
+          <p:cNvSpPr>
+            <a:spLocks noGrp="1"/>
+          </p:cNvSpPr>
+          <p:nvPr>
+            <p:ph type="sldNum" sz="quarter" idx="12"/>
+          </p:nvPr>
+        </p:nvSpPr>
+        <p:spPr/>
+        <p:txBody>
+          <a:bodyPr/>
+          <a:lstStyle/>
+          <a:p>
+            <a:fld id="{B2DC25EE-239B-4C5F-AAD1-255A7D5F1EE2}" type="slidenum">
+              <a:rPr lang="en-US" smtClean="0"/>
+              <a:t>21</a:t>
+            </a:fld>
+            <a:endParaRPr lang="en-US"/>
+          </a:p>
+        </p:txBody>
+      </p:sp>
+      <p:sp>
+        <p:nvSpPr>
+          <p:cNvPr id="12" name="ZoneTexte 11">
+            <a:extLst>
+              <a:ext uri="{FF2B5EF4-FFF2-40B4-BE49-F238E27FC236}">
+                <a16:creationId xmlns:a16="http://schemas.microsoft.com/office/drawing/2014/main" id="{DF0B883E-9CEF-329D-163F-6123441B0C4E}"/>
+              </a:ext>
+            </a:extLst>
+          </p:cNvPr>
+          <p:cNvSpPr txBox="1"/>
+          <p:nvPr/>
+        </p:nvSpPr>
+        <p:spPr>
+          <a:xfrm>
+            <a:off x="822960" y="3302376"/>
+            <a:ext cx="4765173" cy="1200329"/>
+          </a:xfrm>
+          <a:prstGeom prst="rect">
+            <a:avLst/>
+          </a:prstGeom>
+          <a:solidFill>
+            <a:schemeClr val="accent1">
+              <a:lumMod val="40000"/>
+              <a:lumOff val="60000"/>
+            </a:schemeClr>
+          </a:solidFill>
+        </p:spPr>
+        <p:txBody>
+          <a:bodyPr wrap="square" rtlCol="0">
+            <a:spAutoFit/>
+          </a:bodyPr>
+          <a:lstStyle/>
+          <a:p>
+            <a:r>
+              <a:rPr lang="fr-FR" b="1" dirty="0"/>
+              <a:t>import</a:t>
+            </a:r>
+            <a:r>
+              <a:rPr lang="fr-FR" dirty="0"/>
+              <a:t> </a:t>
+            </a:r>
+            <a:r>
+              <a:rPr lang="fr-FR" i="1" dirty="0" err="1"/>
+              <a:t>numpy</a:t>
+            </a:r>
+            <a:r>
+              <a:rPr lang="fr-FR" i="1" dirty="0"/>
+              <a:t> </a:t>
+            </a:r>
+            <a:r>
+              <a:rPr lang="fr-FR" b="1" dirty="0"/>
+              <a:t>as </a:t>
+            </a:r>
+            <a:r>
+              <a:rPr lang="fr-FR" i="1" dirty="0" err="1"/>
+              <a:t>np</a:t>
+            </a:r>
+            <a:endParaRPr lang="fr-FR" i="1" dirty="0"/>
+          </a:p>
+          <a:p>
+            <a:r>
+              <a:rPr lang="en-US" dirty="0" err="1"/>
+              <a:t>vz</a:t>
+            </a:r>
+            <a:r>
+              <a:rPr lang="en-US" dirty="0"/>
+              <a:t> </a:t>
+            </a:r>
+            <a:r>
+              <a:rPr lang="en-US" b="1" dirty="0"/>
+              <a:t>=</a:t>
+            </a:r>
+            <a:r>
+              <a:rPr lang="en-US" dirty="0"/>
+              <a:t> </a:t>
+            </a:r>
+            <a:r>
+              <a:rPr lang="en-US" i="1" dirty="0" err="1"/>
+              <a:t>np</a:t>
+            </a:r>
+            <a:r>
+              <a:rPr lang="en-US" dirty="0" err="1"/>
+              <a:t>.</a:t>
+            </a:r>
+            <a:r>
+              <a:rPr lang="en-US" b="1" dirty="0" err="1"/>
+              <a:t>zeros</a:t>
+            </a:r>
+            <a:r>
+              <a:rPr lang="en-US" b="1" dirty="0"/>
+              <a:t>( </a:t>
+            </a:r>
+            <a:r>
+              <a:rPr lang="en-US" dirty="0"/>
+              <a:t>10</a:t>
+            </a:r>
+            <a:r>
+              <a:rPr lang="en-US" b="1" dirty="0"/>
+              <a:t> )</a:t>
+            </a:r>
+          </a:p>
+          <a:p>
+            <a:r>
+              <a:rPr lang="en-US" b="1" dirty="0"/>
+              <a:t>print( </a:t>
+            </a:r>
+            <a:r>
+              <a:rPr lang="en-US" b="1" dirty="0" err="1"/>
+              <a:t>f’</a:t>
+            </a:r>
+            <a:r>
+              <a:rPr lang="en-US" i="1" dirty="0" err="1"/>
+              <a:t>shape</a:t>
+            </a:r>
+            <a:r>
+              <a:rPr lang="en-US" i="1" dirty="0"/>
+              <a:t> of </a:t>
+            </a:r>
+            <a:r>
+              <a:rPr lang="en-US" i="1" dirty="0" err="1"/>
+              <a:t>vz</a:t>
+            </a:r>
+            <a:r>
+              <a:rPr lang="en-US" i="1" dirty="0"/>
+              <a:t> :</a:t>
+            </a:r>
+            <a:r>
+              <a:rPr lang="en-US" b="1" dirty="0"/>
+              <a:t> {</a:t>
+            </a:r>
+            <a:r>
+              <a:rPr lang="en-US" dirty="0" err="1"/>
+              <a:t>vz.</a:t>
+            </a:r>
+            <a:r>
+              <a:rPr lang="en-US" b="1" dirty="0" err="1"/>
+              <a:t>shape</a:t>
+            </a:r>
+            <a:r>
+              <a:rPr lang="en-US" b="1" dirty="0"/>
+              <a:t>}’ )</a:t>
+            </a:r>
+          </a:p>
+          <a:p>
+            <a:r>
+              <a:rPr lang="en-US" b="1" dirty="0"/>
+              <a:t>print( </a:t>
+            </a:r>
+            <a:r>
+              <a:rPr lang="en-US" b="1" dirty="0" err="1"/>
+              <a:t>f’</a:t>
+            </a:r>
+            <a:r>
+              <a:rPr lang="en-US" i="1" dirty="0" err="1"/>
+              <a:t>values</a:t>
+            </a:r>
+            <a:r>
+              <a:rPr lang="en-US" i="1" dirty="0"/>
+              <a:t> of </a:t>
+            </a:r>
+            <a:r>
+              <a:rPr lang="en-US" i="1" dirty="0" err="1"/>
+              <a:t>vz</a:t>
+            </a:r>
+            <a:r>
+              <a:rPr lang="en-US" i="1" dirty="0"/>
+              <a:t> : </a:t>
+            </a:r>
+            <a:r>
+              <a:rPr lang="en-US" b="1" dirty="0"/>
+              <a:t>{</a:t>
+            </a:r>
+            <a:r>
+              <a:rPr lang="en-US" dirty="0" err="1"/>
+              <a:t>vz</a:t>
+            </a:r>
+            <a:r>
+              <a:rPr lang="en-US" b="1" dirty="0"/>
+              <a:t>}’ )</a:t>
+            </a:r>
+            <a:endParaRPr lang="fr-FR" b="1" dirty="0"/>
+          </a:p>
+        </p:txBody>
+      </p:sp>
+      <p:sp>
+        <p:nvSpPr>
+          <p:cNvPr id="13" name="ZoneTexte 12">
+            <a:extLst>
+              <a:ext uri="{FF2B5EF4-FFF2-40B4-BE49-F238E27FC236}">
+                <a16:creationId xmlns:a16="http://schemas.microsoft.com/office/drawing/2014/main" id="{2A8DC775-040B-7E9F-3E47-BA499209F6F7}"/>
+              </a:ext>
+            </a:extLst>
+          </p:cNvPr>
+          <p:cNvSpPr txBox="1"/>
+          <p:nvPr/>
+        </p:nvSpPr>
+        <p:spPr>
+          <a:xfrm>
+            <a:off x="1391037" y="4590056"/>
+            <a:ext cx="4197096" cy="369332"/>
+          </a:xfrm>
+          <a:prstGeom prst="rect">
+            <a:avLst/>
+          </a:prstGeom>
+          <a:solidFill>
+            <a:schemeClr val="accent1">
+              <a:lumMod val="20000"/>
+              <a:lumOff val="80000"/>
+            </a:schemeClr>
+          </a:solidFill>
+        </p:spPr>
+        <p:txBody>
+          <a:bodyPr wrap="square" rtlCol="0">
+            <a:spAutoFit/>
+          </a:bodyPr>
+          <a:lstStyle/>
+          <a:p>
+            <a:r>
+              <a:rPr lang="en-US" dirty="0"/>
+              <a:t>???</a:t>
+            </a:r>
+          </a:p>
+        </p:txBody>
+      </p:sp>
+      <p:sp>
+        <p:nvSpPr>
+          <p:cNvPr id="9" name="ZoneTexte 8">
+            <a:extLst>
+              <a:ext uri="{FF2B5EF4-FFF2-40B4-BE49-F238E27FC236}">
+                <a16:creationId xmlns:a16="http://schemas.microsoft.com/office/drawing/2014/main" id="{570B3EE8-C516-E6A9-A9E6-2CC134DD606D}"/>
+              </a:ext>
+            </a:extLst>
+          </p:cNvPr>
+          <p:cNvSpPr txBox="1"/>
+          <p:nvPr/>
+        </p:nvSpPr>
+        <p:spPr>
+          <a:xfrm>
+            <a:off x="6913050" y="4306151"/>
+            <a:ext cx="4197096" cy="369332"/>
+          </a:xfrm>
+          <a:prstGeom prst="rect">
+            <a:avLst/>
+          </a:prstGeom>
+          <a:solidFill>
+            <a:schemeClr val="accent1">
+              <a:lumMod val="20000"/>
+              <a:lumOff val="80000"/>
+            </a:schemeClr>
+          </a:solidFill>
+        </p:spPr>
+        <p:txBody>
+          <a:bodyPr wrap="square" rtlCol="0">
+            <a:spAutoFit/>
+          </a:bodyPr>
+          <a:lstStyle/>
+          <a:p>
+            <a:r>
+              <a:rPr lang="en-US" dirty="0"/>
+              <a:t>???</a:t>
+            </a:r>
+          </a:p>
+        </p:txBody>
+      </p:sp>
+    </p:spTree>
+    <p:extLst>
+      <p:ext uri="{BB962C8B-B14F-4D97-AF65-F5344CB8AC3E}">
+        <p14:creationId xmlns:p14="http://schemas.microsoft.com/office/powerpoint/2010/main" val="2531921462"/>
+      </p:ext>
+    </p:extLst>
+  </p:cSld>
+  <p:clrMapOvr>
+    <a:masterClrMapping/>
+  </p:clrMapOvr>
+</p:sld>
+</file>
+
+<file path=ppt/slides/slide22.xml><?xml version="1.0" encoding="utf-8"?>
+<p:sld xmlns:a="http://schemas.openxmlformats.org/drawingml/2006/main" xmlns:r="http://schemas.openxmlformats.org/officeDocument/2006/relationships" xmlns:p="http://schemas.openxmlformats.org/presentationml/2006/main">
+  <p:cSld>
+    <p:spTree>
+      <p:nvGrpSpPr>
+        <p:cNvPr id="1" name=""/>
+        <p:cNvGrpSpPr/>
+        <p:nvPr/>
+      </p:nvGrpSpPr>
+      <p:grpSpPr>
+        <a:xfrm>
+          <a:off x="0" y="0"/>
+          <a:ext cx="0" cy="0"/>
+          <a:chOff x="0" y="0"/>
+          <a:chExt cx="0" cy="0"/>
+        </a:xfrm>
+      </p:grpSpPr>
+      <p:sp>
+        <p:nvSpPr>
+          <p:cNvPr id="2" name="Titre 1">
+            <a:extLst>
+              <a:ext uri="{FF2B5EF4-FFF2-40B4-BE49-F238E27FC236}">
+                <a16:creationId xmlns:a16="http://schemas.microsoft.com/office/drawing/2014/main" id="{90162AE8-C1B0-5C56-8313-DEE494F38273}"/>
+              </a:ext>
+            </a:extLst>
+          </p:cNvPr>
+          <p:cNvSpPr>
+            <a:spLocks noGrp="1"/>
+          </p:cNvSpPr>
+          <p:nvPr>
+            <p:ph type="title"/>
+          </p:nvPr>
+        </p:nvSpPr>
+        <p:spPr/>
+        <p:txBody>
+          <a:bodyPr/>
+          <a:lstStyle/>
+          <a:p>
+            <a:r>
+              <a:rPr lang="fr-FR" dirty="0"/>
+              <a:t>Quelques rappels sous Python</a:t>
+            </a:r>
+          </a:p>
+        </p:txBody>
+      </p:sp>
+      <p:sp>
+        <p:nvSpPr>
+          <p:cNvPr id="3" name="Espace réservé du contenu 2">
+            <a:extLst>
+              <a:ext uri="{FF2B5EF4-FFF2-40B4-BE49-F238E27FC236}">
+                <a16:creationId xmlns:a16="http://schemas.microsoft.com/office/drawing/2014/main" id="{E0BBB9DE-019C-C741-F224-494739D4B752}"/>
+              </a:ext>
+            </a:extLst>
+          </p:cNvPr>
+          <p:cNvSpPr>
+            <a:spLocks noGrp="1"/>
+          </p:cNvSpPr>
+          <p:nvPr>
+            <p:ph sz="half" idx="1"/>
+          </p:nvPr>
+        </p:nvSpPr>
+        <p:spPr>
+          <a:xfrm>
+            <a:off x="1115568" y="2478024"/>
+            <a:ext cx="10241082" cy="3694176"/>
+          </a:xfrm>
+        </p:spPr>
+        <p:txBody>
+          <a:bodyPr/>
+          <a:lstStyle/>
+          <a:p>
+            <a:r>
+              <a:rPr lang="fr-FR" dirty="0"/>
+              <a:t>Quelques vecteurs particuliers</a:t>
+            </a:r>
+          </a:p>
+        </p:txBody>
+      </p:sp>
+      <p:pic>
+        <p:nvPicPr>
+          <p:cNvPr id="5" name="Image 4" descr="Une image contenant texte&#10;&#10;Description générée automatiquement">
+            <a:extLst>
+              <a:ext uri="{FF2B5EF4-FFF2-40B4-BE49-F238E27FC236}">
+                <a16:creationId xmlns:a16="http://schemas.microsoft.com/office/drawing/2014/main" id="{66D2630B-81F4-A4EB-21BA-8B90CF30BD92}"/>
+              </a:ext>
+            </a:extLst>
+          </p:cNvPr>
+          <p:cNvPicPr>
+            <a:picLocks noChangeAspect="1"/>
+          </p:cNvPicPr>
+          <p:nvPr/>
+        </p:nvPicPr>
+        <p:blipFill>
+          <a:blip r:embed="rId2">
+            <a:extLst>
+              <a:ext uri="{28A0092B-C50C-407E-A947-70E740481C1C}">
+                <a14:useLocalDpi xmlns:a14="http://schemas.microsoft.com/office/drawing/2010/main" val="0"/>
+              </a:ext>
+            </a:extLst>
+          </a:blip>
+          <a:stretch>
+            <a:fillRect/>
+          </a:stretch>
+        </p:blipFill>
+        <p:spPr>
+          <a:xfrm>
+            <a:off x="202922" y="5934456"/>
+            <a:ext cx="1825291" cy="749808"/>
+          </a:xfrm>
+          <a:prstGeom prst="rect">
+            <a:avLst/>
+          </a:prstGeom>
+        </p:spPr>
+      </p:pic>
+      <p:pic>
+        <p:nvPicPr>
+          <p:cNvPr id="7" name="Image 6">
+            <a:extLst>
+              <a:ext uri="{FF2B5EF4-FFF2-40B4-BE49-F238E27FC236}">
+                <a16:creationId xmlns:a16="http://schemas.microsoft.com/office/drawing/2014/main" id="{5BB01D49-602A-9314-FD1F-4EC628128217}"/>
+              </a:ext>
+            </a:extLst>
+          </p:cNvPr>
+          <p:cNvPicPr>
+            <a:picLocks noChangeAspect="1"/>
+          </p:cNvPicPr>
+          <p:nvPr/>
+        </p:nvPicPr>
+        <p:blipFill>
+          <a:blip r:embed="rId3"/>
+          <a:stretch>
+            <a:fillRect/>
+          </a:stretch>
+        </p:blipFill>
+        <p:spPr>
+          <a:xfrm>
+            <a:off x="10077926" y="593679"/>
+            <a:ext cx="1081825" cy="1089498"/>
+          </a:xfrm>
+          <a:prstGeom prst="rect">
+            <a:avLst/>
+          </a:prstGeom>
+        </p:spPr>
+      </p:pic>
+      <p:sp>
+        <p:nvSpPr>
+          <p:cNvPr id="6" name="ZoneTexte 5">
+            <a:extLst>
+              <a:ext uri="{FF2B5EF4-FFF2-40B4-BE49-F238E27FC236}">
+                <a16:creationId xmlns:a16="http://schemas.microsoft.com/office/drawing/2014/main" id="{1E75402E-5E67-B2D4-EB26-E362E6C79788}"/>
+              </a:ext>
+            </a:extLst>
+          </p:cNvPr>
+          <p:cNvSpPr txBox="1"/>
+          <p:nvPr/>
+        </p:nvSpPr>
+        <p:spPr>
+          <a:xfrm>
+            <a:off x="6344973" y="3296162"/>
+            <a:ext cx="4765173" cy="923330"/>
+          </a:xfrm>
+          <a:prstGeom prst="rect">
+            <a:avLst/>
+          </a:prstGeom>
+          <a:solidFill>
+            <a:schemeClr val="accent1">
+              <a:lumMod val="40000"/>
+              <a:lumOff val="60000"/>
+            </a:schemeClr>
+          </a:solidFill>
+        </p:spPr>
+        <p:txBody>
+          <a:bodyPr wrap="square" rtlCol="0">
+            <a:spAutoFit/>
+          </a:bodyPr>
+          <a:lstStyle/>
+          <a:p>
+            <a:r>
+              <a:rPr lang="en-US" dirty="0"/>
+              <a:t>vlog </a:t>
+            </a:r>
+            <a:r>
+              <a:rPr lang="en-US" b="1" dirty="0"/>
+              <a:t>=</a:t>
+            </a:r>
+            <a:r>
+              <a:rPr lang="en-US" dirty="0"/>
+              <a:t> </a:t>
+            </a:r>
+            <a:r>
+              <a:rPr lang="en-US" i="1" dirty="0" err="1"/>
+              <a:t>np</a:t>
+            </a:r>
+            <a:r>
+              <a:rPr lang="en-US" dirty="0" err="1"/>
+              <a:t>.</a:t>
+            </a:r>
+            <a:r>
+              <a:rPr lang="en-US" b="1" dirty="0" err="1"/>
+              <a:t>logspace</a:t>
+            </a:r>
+            <a:r>
+              <a:rPr lang="en-US" b="1" dirty="0"/>
+              <a:t>( </a:t>
+            </a:r>
+            <a:r>
+              <a:rPr lang="en-US" dirty="0"/>
+              <a:t>1, 5, 11 </a:t>
+            </a:r>
+            <a:r>
+              <a:rPr lang="en-US" b="1" dirty="0"/>
+              <a:t>)</a:t>
+            </a:r>
+          </a:p>
+          <a:p>
+            <a:r>
+              <a:rPr lang="en-US" b="1" dirty="0"/>
+              <a:t>print( </a:t>
+            </a:r>
+            <a:r>
+              <a:rPr lang="en-US" b="1" dirty="0" err="1"/>
+              <a:t>f’</a:t>
+            </a:r>
+            <a:r>
+              <a:rPr lang="en-US" i="1" dirty="0" err="1"/>
+              <a:t>shape</a:t>
+            </a:r>
+            <a:r>
+              <a:rPr lang="en-US" i="1" dirty="0"/>
+              <a:t> of vlog :</a:t>
+            </a:r>
+            <a:r>
+              <a:rPr lang="en-US" b="1" dirty="0"/>
+              <a:t> {</a:t>
+            </a:r>
+            <a:r>
+              <a:rPr lang="en-US" dirty="0" err="1"/>
+              <a:t>vlog.</a:t>
+            </a:r>
+            <a:r>
+              <a:rPr lang="en-US" b="1" dirty="0" err="1"/>
+              <a:t>shape</a:t>
+            </a:r>
+            <a:r>
+              <a:rPr lang="en-US" b="1" dirty="0"/>
+              <a:t>}’ )</a:t>
+            </a:r>
+          </a:p>
+          <a:p>
+            <a:r>
+              <a:rPr lang="en-US" b="1" dirty="0"/>
+              <a:t>print( </a:t>
+            </a:r>
+            <a:r>
+              <a:rPr lang="en-US" b="1" dirty="0" err="1"/>
+              <a:t>f’</a:t>
+            </a:r>
+            <a:r>
+              <a:rPr lang="en-US" i="1" dirty="0" err="1"/>
+              <a:t>values</a:t>
+            </a:r>
+            <a:r>
+              <a:rPr lang="en-US" i="1" dirty="0"/>
+              <a:t> of vlog : </a:t>
+            </a:r>
+            <a:r>
+              <a:rPr lang="en-US" b="1" dirty="0"/>
+              <a:t>{</a:t>
+            </a:r>
+            <a:r>
+              <a:rPr lang="en-US" dirty="0"/>
+              <a:t>vlog</a:t>
+            </a:r>
+            <a:r>
+              <a:rPr lang="en-US" b="1" dirty="0"/>
+              <a:t>}’ )</a:t>
+            </a:r>
+            <a:endParaRPr lang="fr-FR" b="1" dirty="0"/>
+          </a:p>
+        </p:txBody>
+      </p:sp>
+      <p:pic>
+        <p:nvPicPr>
+          <p:cNvPr id="10" name="Picture 6">
+            <a:extLst>
+              <a:ext uri="{FF2B5EF4-FFF2-40B4-BE49-F238E27FC236}">
+                <a16:creationId xmlns:a16="http://schemas.microsoft.com/office/drawing/2014/main" id="{B08DE29C-1F7C-390F-64F6-5A4A64FD8E5F}"/>
+              </a:ext>
+            </a:extLst>
+          </p:cNvPr>
+          <p:cNvPicPr>
+            <a:picLocks noChangeAspect="1" noChangeArrowheads="1"/>
+          </p:cNvPicPr>
+          <p:nvPr/>
+        </p:nvPicPr>
+        <p:blipFill>
+          <a:blip r:embed="rId4" cstate="hqprint">
+            <a:extLst>
+              <a:ext uri="{28A0092B-C50C-407E-A947-70E740481C1C}">
+                <a14:useLocalDpi xmlns:a14="http://schemas.microsoft.com/office/drawing/2010/main" val="0"/>
+              </a:ext>
+            </a:extLst>
+          </a:blip>
+          <a:srcRect/>
+          <a:stretch>
+            <a:fillRect/>
+          </a:stretch>
+        </p:blipFill>
+        <p:spPr bwMode="auto">
+          <a:xfrm>
+            <a:off x="10426228" y="2206699"/>
+            <a:ext cx="905256" cy="407269"/>
+          </a:xfrm>
+          <a:prstGeom prst="rect">
+            <a:avLst/>
+          </a:prstGeom>
+          <a:noFill/>
+          <a:extLst>
+            <a:ext uri="{909E8E84-426E-40DD-AFC4-6F175D3DCCD1}">
+              <a14:hiddenFill xmlns:a14="http://schemas.microsoft.com/office/drawing/2010/main">
+                <a:solidFill>
+                  <a:srgbClr val="FFFFFF"/>
+                </a:solidFill>
+              </a14:hiddenFill>
+            </a:ext>
+          </a:extLst>
+        </p:spPr>
+      </p:pic>
+      <p:sp>
+        <p:nvSpPr>
+          <p:cNvPr id="4" name="Espace réservé du numéro de diapositive 3">
+            <a:extLst>
+              <a:ext uri="{FF2B5EF4-FFF2-40B4-BE49-F238E27FC236}">
+                <a16:creationId xmlns:a16="http://schemas.microsoft.com/office/drawing/2014/main" id="{EDA5015E-6C98-2727-40F4-66EF4663BB22}"/>
+              </a:ext>
+            </a:extLst>
+          </p:cNvPr>
+          <p:cNvSpPr>
+            <a:spLocks noGrp="1"/>
+          </p:cNvSpPr>
+          <p:nvPr>
+            <p:ph type="sldNum" sz="quarter" idx="12"/>
+          </p:nvPr>
+        </p:nvSpPr>
+        <p:spPr/>
+        <p:txBody>
+          <a:bodyPr/>
+          <a:lstStyle/>
+          <a:p>
+            <a:fld id="{B2DC25EE-239B-4C5F-AAD1-255A7D5F1EE2}" type="slidenum">
+              <a:rPr lang="en-US" smtClean="0"/>
+              <a:t>22</a:t>
+            </a:fld>
+            <a:endParaRPr lang="en-US"/>
+          </a:p>
+        </p:txBody>
+      </p:sp>
+      <p:sp>
+        <p:nvSpPr>
+          <p:cNvPr id="12" name="ZoneTexte 11">
+            <a:extLst>
+              <a:ext uri="{FF2B5EF4-FFF2-40B4-BE49-F238E27FC236}">
+                <a16:creationId xmlns:a16="http://schemas.microsoft.com/office/drawing/2014/main" id="{DF0B883E-9CEF-329D-163F-6123441B0C4E}"/>
+              </a:ext>
+            </a:extLst>
+          </p:cNvPr>
+          <p:cNvSpPr txBox="1"/>
+          <p:nvPr/>
+        </p:nvSpPr>
+        <p:spPr>
+          <a:xfrm>
+            <a:off x="822960" y="3302376"/>
+            <a:ext cx="4765173" cy="1200329"/>
+          </a:xfrm>
+          <a:prstGeom prst="rect">
+            <a:avLst/>
+          </a:prstGeom>
+          <a:solidFill>
+            <a:schemeClr val="accent1">
+              <a:lumMod val="40000"/>
+              <a:lumOff val="60000"/>
+            </a:schemeClr>
+          </a:solidFill>
+        </p:spPr>
+        <p:txBody>
+          <a:bodyPr wrap="square" rtlCol="0">
+            <a:spAutoFit/>
+          </a:bodyPr>
+          <a:lstStyle/>
+          <a:p>
+            <a:r>
+              <a:rPr lang="fr-FR" b="1" dirty="0"/>
+              <a:t>import</a:t>
+            </a:r>
+            <a:r>
+              <a:rPr lang="fr-FR" dirty="0"/>
+              <a:t> </a:t>
+            </a:r>
+            <a:r>
+              <a:rPr lang="fr-FR" i="1" dirty="0" err="1"/>
+              <a:t>numpy</a:t>
+            </a:r>
+            <a:r>
+              <a:rPr lang="fr-FR" i="1" dirty="0"/>
+              <a:t> </a:t>
+            </a:r>
+            <a:r>
+              <a:rPr lang="fr-FR" b="1" dirty="0"/>
+              <a:t>as </a:t>
+            </a:r>
+            <a:r>
+              <a:rPr lang="fr-FR" i="1" dirty="0" err="1"/>
+              <a:t>np</a:t>
+            </a:r>
+            <a:endParaRPr lang="fr-FR" i="1" dirty="0"/>
+          </a:p>
+          <a:p>
+            <a:r>
+              <a:rPr lang="en-US" dirty="0" err="1"/>
+              <a:t>vlin</a:t>
+            </a:r>
+            <a:r>
+              <a:rPr lang="en-US" dirty="0"/>
+              <a:t> </a:t>
+            </a:r>
+            <a:r>
+              <a:rPr lang="en-US" b="1" dirty="0"/>
+              <a:t>=</a:t>
+            </a:r>
+            <a:r>
+              <a:rPr lang="en-US" dirty="0"/>
+              <a:t> </a:t>
+            </a:r>
+            <a:r>
+              <a:rPr lang="en-US" i="1" dirty="0" err="1"/>
+              <a:t>np</a:t>
+            </a:r>
+            <a:r>
+              <a:rPr lang="en-US" dirty="0" err="1"/>
+              <a:t>.</a:t>
+            </a:r>
+            <a:r>
+              <a:rPr lang="en-US" b="1" dirty="0" err="1"/>
+              <a:t>linspace</a:t>
+            </a:r>
+            <a:r>
+              <a:rPr lang="en-US" b="1" dirty="0"/>
+              <a:t>( </a:t>
+            </a:r>
+            <a:r>
+              <a:rPr lang="en-US" dirty="0"/>
+              <a:t>-1, 3, 101</a:t>
+            </a:r>
+            <a:r>
+              <a:rPr lang="en-US" b="1" dirty="0"/>
+              <a:t> )</a:t>
+            </a:r>
+          </a:p>
+          <a:p>
+            <a:r>
+              <a:rPr lang="en-US" b="1" dirty="0"/>
+              <a:t>print( </a:t>
+            </a:r>
+            <a:r>
+              <a:rPr lang="en-US" b="1" dirty="0" err="1"/>
+              <a:t>f’</a:t>
+            </a:r>
+            <a:r>
+              <a:rPr lang="en-US" i="1" dirty="0" err="1"/>
+              <a:t>shape</a:t>
+            </a:r>
+            <a:r>
+              <a:rPr lang="en-US" i="1" dirty="0"/>
+              <a:t> of </a:t>
+            </a:r>
+            <a:r>
+              <a:rPr lang="en-US" i="1" dirty="0" err="1"/>
+              <a:t>vlin</a:t>
+            </a:r>
+            <a:r>
+              <a:rPr lang="en-US" i="1" dirty="0"/>
+              <a:t> :</a:t>
+            </a:r>
+            <a:r>
+              <a:rPr lang="en-US" b="1" dirty="0"/>
+              <a:t> {</a:t>
+            </a:r>
+            <a:r>
+              <a:rPr lang="en-US" dirty="0" err="1"/>
+              <a:t>vlin.</a:t>
+            </a:r>
+            <a:r>
+              <a:rPr lang="en-US" b="1" dirty="0" err="1"/>
+              <a:t>shape</a:t>
+            </a:r>
+            <a:r>
+              <a:rPr lang="en-US" b="1" dirty="0"/>
+              <a:t>}’ )</a:t>
+            </a:r>
+          </a:p>
+          <a:p>
+            <a:r>
+              <a:rPr lang="en-US" b="1" dirty="0"/>
+              <a:t>print( </a:t>
+            </a:r>
+            <a:r>
+              <a:rPr lang="en-US" b="1" dirty="0" err="1"/>
+              <a:t>f’</a:t>
+            </a:r>
+            <a:r>
+              <a:rPr lang="en-US" i="1" dirty="0" err="1"/>
+              <a:t>values</a:t>
+            </a:r>
+            <a:r>
+              <a:rPr lang="en-US" i="1" dirty="0"/>
+              <a:t> of </a:t>
+            </a:r>
+            <a:r>
+              <a:rPr lang="en-US" i="1" dirty="0" err="1"/>
+              <a:t>vlin</a:t>
+            </a:r>
+            <a:r>
+              <a:rPr lang="en-US" i="1" dirty="0"/>
+              <a:t> : </a:t>
+            </a:r>
+            <a:r>
+              <a:rPr lang="en-US" b="1" dirty="0"/>
+              <a:t>{</a:t>
+            </a:r>
+            <a:r>
+              <a:rPr lang="en-US" dirty="0" err="1"/>
+              <a:t>vlin</a:t>
+            </a:r>
+            <a:r>
+              <a:rPr lang="en-US" b="1" dirty="0"/>
+              <a:t>}’ )</a:t>
+            </a:r>
+            <a:endParaRPr lang="fr-FR" b="1" dirty="0"/>
+          </a:p>
+        </p:txBody>
+      </p:sp>
+      <p:sp>
+        <p:nvSpPr>
+          <p:cNvPr id="13" name="ZoneTexte 12">
+            <a:extLst>
+              <a:ext uri="{FF2B5EF4-FFF2-40B4-BE49-F238E27FC236}">
+                <a16:creationId xmlns:a16="http://schemas.microsoft.com/office/drawing/2014/main" id="{2A8DC775-040B-7E9F-3E47-BA499209F6F7}"/>
+              </a:ext>
+            </a:extLst>
+          </p:cNvPr>
+          <p:cNvSpPr txBox="1"/>
+          <p:nvPr/>
+        </p:nvSpPr>
+        <p:spPr>
+          <a:xfrm>
+            <a:off x="1391037" y="4590056"/>
+            <a:ext cx="4197096" cy="369332"/>
+          </a:xfrm>
+          <a:prstGeom prst="rect">
+            <a:avLst/>
+          </a:prstGeom>
+          <a:solidFill>
+            <a:schemeClr val="accent1">
+              <a:lumMod val="20000"/>
+              <a:lumOff val="80000"/>
+            </a:schemeClr>
+          </a:solidFill>
+        </p:spPr>
+        <p:txBody>
+          <a:bodyPr wrap="square" rtlCol="0">
+            <a:spAutoFit/>
+          </a:bodyPr>
+          <a:lstStyle/>
+          <a:p>
+            <a:r>
+              <a:rPr lang="en-US" dirty="0"/>
+              <a:t>???</a:t>
+            </a:r>
+          </a:p>
+        </p:txBody>
+      </p:sp>
+      <p:sp>
+        <p:nvSpPr>
+          <p:cNvPr id="9" name="ZoneTexte 8">
+            <a:extLst>
+              <a:ext uri="{FF2B5EF4-FFF2-40B4-BE49-F238E27FC236}">
+                <a16:creationId xmlns:a16="http://schemas.microsoft.com/office/drawing/2014/main" id="{570B3EE8-C516-E6A9-A9E6-2CC134DD606D}"/>
+              </a:ext>
+            </a:extLst>
+          </p:cNvPr>
+          <p:cNvSpPr txBox="1"/>
+          <p:nvPr/>
+        </p:nvSpPr>
+        <p:spPr>
+          <a:xfrm>
+            <a:off x="6913050" y="4306151"/>
+            <a:ext cx="4197096" cy="369332"/>
+          </a:xfrm>
+          <a:prstGeom prst="rect">
+            <a:avLst/>
+          </a:prstGeom>
+          <a:solidFill>
+            <a:schemeClr val="accent1">
+              <a:lumMod val="20000"/>
+              <a:lumOff val="80000"/>
+            </a:schemeClr>
+          </a:solidFill>
+        </p:spPr>
+        <p:txBody>
+          <a:bodyPr wrap="square" rtlCol="0">
+            <a:spAutoFit/>
+          </a:bodyPr>
+          <a:lstStyle/>
+          <a:p>
+            <a:r>
+              <a:rPr lang="en-US" dirty="0"/>
+              <a:t>???</a:t>
+            </a:r>
+          </a:p>
+        </p:txBody>
+      </p:sp>
+      <p:sp>
+        <p:nvSpPr>
+          <p:cNvPr id="8" name="ZoneTexte 7">
+            <a:extLst>
+              <a:ext uri="{FF2B5EF4-FFF2-40B4-BE49-F238E27FC236}">
+                <a16:creationId xmlns:a16="http://schemas.microsoft.com/office/drawing/2014/main" id="{43B339DF-E435-4D86-66B2-90C8FB26C82F}"/>
+              </a:ext>
+            </a:extLst>
+          </p:cNvPr>
+          <p:cNvSpPr txBox="1"/>
+          <p:nvPr/>
+        </p:nvSpPr>
+        <p:spPr>
+          <a:xfrm>
+            <a:off x="6344972" y="4830535"/>
+            <a:ext cx="4765173" cy="923330"/>
+          </a:xfrm>
+          <a:prstGeom prst="rect">
+            <a:avLst/>
+          </a:prstGeom>
+          <a:solidFill>
+            <a:schemeClr val="accent1">
+              <a:lumMod val="40000"/>
+              <a:lumOff val="60000"/>
+            </a:schemeClr>
+          </a:solidFill>
+        </p:spPr>
+        <p:txBody>
+          <a:bodyPr wrap="square" rtlCol="0">
+            <a:spAutoFit/>
+          </a:bodyPr>
+          <a:lstStyle/>
+          <a:p>
+            <a:r>
+              <a:rPr lang="en-US" dirty="0" err="1"/>
+              <a:t>vara</a:t>
+            </a:r>
+            <a:r>
+              <a:rPr lang="en-US" dirty="0"/>
+              <a:t> </a:t>
+            </a:r>
+            <a:r>
+              <a:rPr lang="en-US" b="1" dirty="0"/>
+              <a:t>=</a:t>
+            </a:r>
+            <a:r>
+              <a:rPr lang="en-US" dirty="0"/>
+              <a:t> </a:t>
+            </a:r>
+            <a:r>
+              <a:rPr lang="en-US" i="1" dirty="0" err="1"/>
+              <a:t>np</a:t>
+            </a:r>
+            <a:r>
+              <a:rPr lang="en-US" dirty="0" err="1"/>
+              <a:t>.</a:t>
+            </a:r>
+            <a:r>
+              <a:rPr lang="en-US" b="1" dirty="0" err="1"/>
+              <a:t>arange</a:t>
+            </a:r>
+            <a:r>
+              <a:rPr lang="en-US" b="1" dirty="0"/>
+              <a:t>( </a:t>
+            </a:r>
+            <a:r>
+              <a:rPr lang="en-US" dirty="0"/>
+              <a:t>5, step=0.5 </a:t>
+            </a:r>
+            <a:r>
+              <a:rPr lang="en-US" b="1" dirty="0"/>
+              <a:t>)</a:t>
+            </a:r>
+          </a:p>
+          <a:p>
+            <a:r>
+              <a:rPr lang="en-US" b="1" dirty="0"/>
+              <a:t>print( </a:t>
+            </a:r>
+            <a:r>
+              <a:rPr lang="en-US" b="1" dirty="0" err="1"/>
+              <a:t>f’</a:t>
+            </a:r>
+            <a:r>
+              <a:rPr lang="en-US" i="1" dirty="0" err="1"/>
+              <a:t>shape</a:t>
+            </a:r>
+            <a:r>
+              <a:rPr lang="en-US" i="1" dirty="0"/>
+              <a:t> of </a:t>
+            </a:r>
+            <a:r>
+              <a:rPr lang="en-US" i="1" dirty="0" err="1"/>
+              <a:t>vara</a:t>
+            </a:r>
+            <a:r>
+              <a:rPr lang="en-US" i="1" dirty="0"/>
+              <a:t> :</a:t>
+            </a:r>
+            <a:r>
+              <a:rPr lang="en-US" b="1" dirty="0"/>
+              <a:t> {</a:t>
+            </a:r>
+            <a:r>
+              <a:rPr lang="en-US" dirty="0" err="1"/>
+              <a:t>vara.</a:t>
+            </a:r>
+            <a:r>
+              <a:rPr lang="en-US" b="1" dirty="0" err="1"/>
+              <a:t>shape</a:t>
+            </a:r>
+            <a:r>
+              <a:rPr lang="en-US" b="1" dirty="0"/>
+              <a:t>}’ )</a:t>
+            </a:r>
+          </a:p>
+          <a:p>
+            <a:r>
+              <a:rPr lang="en-US" b="1" dirty="0"/>
+              <a:t>print( </a:t>
+            </a:r>
+            <a:r>
+              <a:rPr lang="en-US" b="1" dirty="0" err="1"/>
+              <a:t>f’</a:t>
+            </a:r>
+            <a:r>
+              <a:rPr lang="en-US" i="1" dirty="0" err="1"/>
+              <a:t>values</a:t>
+            </a:r>
+            <a:r>
+              <a:rPr lang="en-US" i="1" dirty="0"/>
+              <a:t> of </a:t>
+            </a:r>
+            <a:r>
+              <a:rPr lang="en-US" i="1" dirty="0" err="1"/>
+              <a:t>vara</a:t>
+            </a:r>
+            <a:r>
+              <a:rPr lang="en-US" i="1" dirty="0"/>
+              <a:t> : </a:t>
+            </a:r>
+            <a:r>
+              <a:rPr lang="en-US" b="1" dirty="0"/>
+              <a:t>{</a:t>
+            </a:r>
+            <a:r>
+              <a:rPr lang="en-US" dirty="0" err="1"/>
+              <a:t>vara</a:t>
+            </a:r>
+            <a:r>
+              <a:rPr lang="en-US" b="1" dirty="0"/>
+              <a:t>}’ )</a:t>
+            </a:r>
+            <a:endParaRPr lang="fr-FR" b="1" dirty="0"/>
+          </a:p>
+        </p:txBody>
+      </p:sp>
+      <p:sp>
+        <p:nvSpPr>
+          <p:cNvPr id="11" name="ZoneTexte 10">
+            <a:extLst>
+              <a:ext uri="{FF2B5EF4-FFF2-40B4-BE49-F238E27FC236}">
+                <a16:creationId xmlns:a16="http://schemas.microsoft.com/office/drawing/2014/main" id="{3112B1D5-8556-E8E6-CDC3-7902937021F8}"/>
+              </a:ext>
+            </a:extLst>
+          </p:cNvPr>
+          <p:cNvSpPr txBox="1"/>
+          <p:nvPr/>
+        </p:nvSpPr>
+        <p:spPr>
+          <a:xfrm>
+            <a:off x="6913049" y="5846198"/>
+            <a:ext cx="4197096" cy="369332"/>
+          </a:xfrm>
+          <a:prstGeom prst="rect">
+            <a:avLst/>
+          </a:prstGeom>
+          <a:solidFill>
+            <a:schemeClr val="accent1">
+              <a:lumMod val="20000"/>
+              <a:lumOff val="80000"/>
+            </a:schemeClr>
+          </a:solidFill>
+        </p:spPr>
+        <p:txBody>
+          <a:bodyPr wrap="square" rtlCol="0">
+            <a:spAutoFit/>
+          </a:bodyPr>
+          <a:lstStyle/>
+          <a:p>
+            <a:r>
+              <a:rPr lang="en-US" dirty="0"/>
+              <a:t>???</a:t>
+            </a:r>
+          </a:p>
+        </p:txBody>
+      </p:sp>
+    </p:spTree>
+    <p:extLst>
+      <p:ext uri="{BB962C8B-B14F-4D97-AF65-F5344CB8AC3E}">
+        <p14:creationId xmlns:p14="http://schemas.microsoft.com/office/powerpoint/2010/main" val="1939030061"/>
+      </p:ext>
+    </p:extLst>
+  </p:cSld>
+  <p:clrMapOvr>
+    <a:masterClrMapping/>
+  </p:clrMapOvr>
+</p:sld>
+</file>
+
+<file path=ppt/slides/slide23.xml><?xml version="1.0" encoding="utf-8"?>
+<p:sld xmlns:a="http://schemas.openxmlformats.org/drawingml/2006/main" xmlns:r="http://schemas.openxmlformats.org/officeDocument/2006/relationships" xmlns:p="http://schemas.openxmlformats.org/presentationml/2006/main">
+  <p:cSld>
+    <p:spTree>
+      <p:nvGrpSpPr>
+        <p:cNvPr id="1" name=""/>
+        <p:cNvGrpSpPr/>
+        <p:nvPr/>
+      </p:nvGrpSpPr>
+      <p:grpSpPr>
+        <a:xfrm>
+          <a:off x="0" y="0"/>
+          <a:ext cx="0" cy="0"/>
+          <a:chOff x="0" y="0"/>
+          <a:chExt cx="0" cy="0"/>
+        </a:xfrm>
+      </p:grpSpPr>
+      <p:sp>
+        <p:nvSpPr>
+          <p:cNvPr id="2" name="Titre 1">
+            <a:extLst>
+              <a:ext uri="{FF2B5EF4-FFF2-40B4-BE49-F238E27FC236}">
+                <a16:creationId xmlns:a16="http://schemas.microsoft.com/office/drawing/2014/main" id="{90162AE8-C1B0-5C56-8313-DEE494F38273}"/>
+              </a:ext>
+            </a:extLst>
+          </p:cNvPr>
+          <p:cNvSpPr>
+            <a:spLocks noGrp="1"/>
+          </p:cNvSpPr>
+          <p:nvPr>
+            <p:ph type="title"/>
+          </p:nvPr>
+        </p:nvSpPr>
+        <p:spPr/>
+        <p:txBody>
+          <a:bodyPr/>
+          <a:lstStyle/>
+          <a:p>
+            <a:r>
+              <a:rPr lang="fr-FR" dirty="0"/>
+              <a:t>Quelques rappels sous Python</a:t>
+            </a:r>
+          </a:p>
+        </p:txBody>
+      </p:sp>
+      <p:sp>
+        <p:nvSpPr>
+          <p:cNvPr id="3" name="Espace réservé du contenu 2">
+            <a:extLst>
+              <a:ext uri="{FF2B5EF4-FFF2-40B4-BE49-F238E27FC236}">
+                <a16:creationId xmlns:a16="http://schemas.microsoft.com/office/drawing/2014/main" id="{E0BBB9DE-019C-C741-F224-494739D4B752}"/>
+              </a:ext>
+            </a:extLst>
+          </p:cNvPr>
+          <p:cNvSpPr>
+            <a:spLocks noGrp="1"/>
+          </p:cNvSpPr>
+          <p:nvPr>
+            <p:ph sz="half" idx="1"/>
+          </p:nvPr>
+        </p:nvSpPr>
+        <p:spPr/>
+        <p:txBody>
+          <a:bodyPr/>
+          <a:lstStyle/>
+          <a:p>
+            <a:r>
+              <a:rPr lang="fr-FR" dirty="0"/>
+              <a:t>Travailler avec des vecteurs</a:t>
+            </a:r>
+          </a:p>
+          <a:p>
+            <a:pPr lvl="1"/>
+            <a:r>
+              <a:rPr lang="fr-FR" dirty="0" err="1"/>
+              <a:t>Sum</a:t>
+            </a:r>
+            <a:r>
+              <a:rPr lang="fr-FR" dirty="0"/>
+              <a:t>/</a:t>
+            </a:r>
+            <a:r>
+              <a:rPr lang="fr-FR" dirty="0" err="1"/>
+              <a:t>Mean</a:t>
+            </a:r>
+            <a:r>
+              <a:rPr lang="fr-FR" dirty="0"/>
+              <a:t> on axis=0 or 1</a:t>
+            </a:r>
+          </a:p>
+        </p:txBody>
+      </p:sp>
+      <p:pic>
+        <p:nvPicPr>
+          <p:cNvPr id="5" name="Image 4" descr="Une image contenant texte&#10;&#10;Description générée automatiquement">
+            <a:extLst>
+              <a:ext uri="{FF2B5EF4-FFF2-40B4-BE49-F238E27FC236}">
+                <a16:creationId xmlns:a16="http://schemas.microsoft.com/office/drawing/2014/main" id="{66D2630B-81F4-A4EB-21BA-8B90CF30BD92}"/>
+              </a:ext>
+            </a:extLst>
+          </p:cNvPr>
+          <p:cNvPicPr>
+            <a:picLocks noChangeAspect="1"/>
+          </p:cNvPicPr>
+          <p:nvPr/>
+        </p:nvPicPr>
+        <p:blipFill>
+          <a:blip r:embed="rId2">
+            <a:extLst>
+              <a:ext uri="{28A0092B-C50C-407E-A947-70E740481C1C}">
+                <a14:useLocalDpi xmlns:a14="http://schemas.microsoft.com/office/drawing/2010/main" val="0"/>
+              </a:ext>
+            </a:extLst>
+          </a:blip>
+          <a:stretch>
+            <a:fillRect/>
+          </a:stretch>
+        </p:blipFill>
+        <p:spPr>
+          <a:xfrm>
+            <a:off x="202922" y="5934456"/>
+            <a:ext cx="1825291" cy="749808"/>
+          </a:xfrm>
+          <a:prstGeom prst="rect">
+            <a:avLst/>
+          </a:prstGeom>
+        </p:spPr>
+      </p:pic>
+      <p:sp>
+        <p:nvSpPr>
+          <p:cNvPr id="6" name="Espace réservé du numéro de diapositive 5">
+            <a:extLst>
+              <a:ext uri="{FF2B5EF4-FFF2-40B4-BE49-F238E27FC236}">
+                <a16:creationId xmlns:a16="http://schemas.microsoft.com/office/drawing/2014/main" id="{4C1E9BCC-7E3A-6B7D-DBFB-30833C830FF6}"/>
+              </a:ext>
+            </a:extLst>
+          </p:cNvPr>
+          <p:cNvSpPr>
+            <a:spLocks noGrp="1"/>
+          </p:cNvSpPr>
+          <p:nvPr>
+            <p:ph type="sldNum" sz="quarter" idx="12"/>
+          </p:nvPr>
+        </p:nvSpPr>
+        <p:spPr/>
+        <p:txBody>
+          <a:bodyPr/>
+          <a:lstStyle/>
+          <a:p>
+            <a:fld id="{B2DC25EE-239B-4C5F-AAD1-255A7D5F1EE2}" type="slidenum">
+              <a:rPr lang="en-US" smtClean="0"/>
+              <a:t>23</a:t>
+            </a:fld>
+            <a:endParaRPr lang="en-US"/>
+          </a:p>
+        </p:txBody>
+      </p:sp>
+    </p:spTree>
+    <p:extLst>
+      <p:ext uri="{BB962C8B-B14F-4D97-AF65-F5344CB8AC3E}">
+        <p14:creationId xmlns:p14="http://schemas.microsoft.com/office/powerpoint/2010/main" val="940861123"/>
+      </p:ext>
+    </p:extLst>
+  </p:cSld>
+  <p:clrMapOvr>
+    <a:masterClrMapping/>
+  </p:clrMapOvr>
+</p:sld>
+</file>
+
+<file path=ppt/slides/slide24.xml><?xml version="1.0" encoding="utf-8"?>
+<p:sld xmlns:a="http://schemas.openxmlformats.org/drawingml/2006/main" xmlns:r="http://schemas.openxmlformats.org/officeDocument/2006/relationships" xmlns:p="http://schemas.openxmlformats.org/presentationml/2006/main">
+  <p:cSld>
+    <p:spTree>
+      <p:nvGrpSpPr>
+        <p:cNvPr id="1" name=""/>
+        <p:cNvGrpSpPr/>
+        <p:nvPr/>
+      </p:nvGrpSpPr>
+      <p:grpSpPr>
+        <a:xfrm>
+          <a:off x="0" y="0"/>
+          <a:ext cx="0" cy="0"/>
+          <a:chOff x="0" y="0"/>
+          <a:chExt cx="0" cy="0"/>
+        </a:xfrm>
+      </p:grpSpPr>
+      <p:sp>
+        <p:nvSpPr>
+          <p:cNvPr id="2" name="Titre 1">
+            <a:extLst>
+              <a:ext uri="{FF2B5EF4-FFF2-40B4-BE49-F238E27FC236}">
+                <a16:creationId xmlns:a16="http://schemas.microsoft.com/office/drawing/2014/main" id="{90162AE8-C1B0-5C56-8313-DEE494F38273}"/>
+              </a:ext>
+            </a:extLst>
+          </p:cNvPr>
+          <p:cNvSpPr>
+            <a:spLocks noGrp="1"/>
+          </p:cNvSpPr>
+          <p:nvPr>
+            <p:ph type="title"/>
+          </p:nvPr>
+        </p:nvSpPr>
+        <p:spPr/>
+        <p:txBody>
+          <a:bodyPr/>
+          <a:lstStyle/>
+          <a:p>
+            <a:r>
+              <a:rPr lang="fr-FR" dirty="0"/>
+              <a:t>Quelques rappels sous Python</a:t>
+            </a:r>
+          </a:p>
+        </p:txBody>
+      </p:sp>
+      <p:sp>
+        <p:nvSpPr>
+          <p:cNvPr id="3" name="Espace réservé du contenu 2">
+            <a:extLst>
+              <a:ext uri="{FF2B5EF4-FFF2-40B4-BE49-F238E27FC236}">
+                <a16:creationId xmlns:a16="http://schemas.microsoft.com/office/drawing/2014/main" id="{E0BBB9DE-019C-C741-F224-494739D4B752}"/>
+              </a:ext>
+            </a:extLst>
+          </p:cNvPr>
+          <p:cNvSpPr>
+            <a:spLocks noGrp="1"/>
+          </p:cNvSpPr>
+          <p:nvPr>
+            <p:ph sz="half" idx="1"/>
+          </p:nvPr>
+        </p:nvSpPr>
+        <p:spPr>
+          <a:xfrm>
+            <a:off x="1115568" y="2478024"/>
+            <a:ext cx="10241082" cy="3694176"/>
+          </a:xfrm>
+        </p:spPr>
+        <p:txBody>
+          <a:bodyPr/>
+          <a:lstStyle/>
+          <a:p>
+            <a:r>
+              <a:rPr lang="fr-FR" dirty="0"/>
+              <a:t>Vecteurs (suite)</a:t>
+            </a:r>
+          </a:p>
+        </p:txBody>
+      </p:sp>
+      <p:pic>
+        <p:nvPicPr>
+          <p:cNvPr id="5" name="Image 4" descr="Une image contenant texte&#10;&#10;Description générée automatiquement">
+            <a:extLst>
+              <a:ext uri="{FF2B5EF4-FFF2-40B4-BE49-F238E27FC236}">
+                <a16:creationId xmlns:a16="http://schemas.microsoft.com/office/drawing/2014/main" id="{66D2630B-81F4-A4EB-21BA-8B90CF30BD92}"/>
+              </a:ext>
+            </a:extLst>
+          </p:cNvPr>
+          <p:cNvPicPr>
+            <a:picLocks noChangeAspect="1"/>
+          </p:cNvPicPr>
+          <p:nvPr/>
+        </p:nvPicPr>
+        <p:blipFill>
+          <a:blip r:embed="rId2">
+            <a:extLst>
+              <a:ext uri="{28A0092B-C50C-407E-A947-70E740481C1C}">
+                <a14:useLocalDpi xmlns:a14="http://schemas.microsoft.com/office/drawing/2010/main" val="0"/>
+              </a:ext>
+            </a:extLst>
+          </a:blip>
+          <a:stretch>
+            <a:fillRect/>
+          </a:stretch>
+        </p:blipFill>
+        <p:spPr>
+          <a:xfrm>
+            <a:off x="202922" y="5934456"/>
+            <a:ext cx="1825291" cy="749808"/>
+          </a:xfrm>
+          <a:prstGeom prst="rect">
+            <a:avLst/>
+          </a:prstGeom>
+        </p:spPr>
+      </p:pic>
+      <p:pic>
+        <p:nvPicPr>
+          <p:cNvPr id="7" name="Image 6">
+            <a:extLst>
+              <a:ext uri="{FF2B5EF4-FFF2-40B4-BE49-F238E27FC236}">
+                <a16:creationId xmlns:a16="http://schemas.microsoft.com/office/drawing/2014/main" id="{5BB01D49-602A-9314-FD1F-4EC628128217}"/>
+              </a:ext>
+            </a:extLst>
+          </p:cNvPr>
+          <p:cNvPicPr>
+            <a:picLocks noChangeAspect="1"/>
+          </p:cNvPicPr>
+          <p:nvPr/>
+        </p:nvPicPr>
+        <p:blipFill>
+          <a:blip r:embed="rId3"/>
+          <a:stretch>
+            <a:fillRect/>
+          </a:stretch>
+        </p:blipFill>
+        <p:spPr>
+          <a:xfrm>
+            <a:off x="10077926" y="593679"/>
+            <a:ext cx="1081825" cy="1089498"/>
+          </a:xfrm>
+          <a:prstGeom prst="rect">
+            <a:avLst/>
+          </a:prstGeom>
+        </p:spPr>
+      </p:pic>
+      <p:pic>
+        <p:nvPicPr>
+          <p:cNvPr id="10" name="Picture 6">
+            <a:extLst>
+              <a:ext uri="{FF2B5EF4-FFF2-40B4-BE49-F238E27FC236}">
+                <a16:creationId xmlns:a16="http://schemas.microsoft.com/office/drawing/2014/main" id="{B08DE29C-1F7C-390F-64F6-5A4A64FD8E5F}"/>
+              </a:ext>
+            </a:extLst>
+          </p:cNvPr>
+          <p:cNvPicPr>
+            <a:picLocks noChangeAspect="1" noChangeArrowheads="1"/>
+          </p:cNvPicPr>
+          <p:nvPr/>
+        </p:nvPicPr>
+        <p:blipFill>
+          <a:blip r:embed="rId4" cstate="hqprint">
+            <a:extLst>
+              <a:ext uri="{28A0092B-C50C-407E-A947-70E740481C1C}">
+                <a14:useLocalDpi xmlns:a14="http://schemas.microsoft.com/office/drawing/2010/main" val="0"/>
+              </a:ext>
+            </a:extLst>
+          </a:blip>
+          <a:srcRect/>
+          <a:stretch>
+            <a:fillRect/>
+          </a:stretch>
+        </p:blipFill>
+        <p:spPr bwMode="auto">
+          <a:xfrm>
+            <a:off x="10426228" y="2206699"/>
+            <a:ext cx="905256" cy="407269"/>
+          </a:xfrm>
+          <a:prstGeom prst="rect">
+            <a:avLst/>
+          </a:prstGeom>
+          <a:noFill/>
+          <a:extLst>
+            <a:ext uri="{909E8E84-426E-40DD-AFC4-6F175D3DCCD1}">
+              <a14:hiddenFill xmlns:a14="http://schemas.microsoft.com/office/drawing/2010/main">
+                <a:solidFill>
+                  <a:srgbClr val="FFFFFF"/>
+                </a:solidFill>
+              </a14:hiddenFill>
+            </a:ext>
+          </a:extLst>
+        </p:spPr>
+      </p:pic>
+      <p:sp>
+        <p:nvSpPr>
+          <p:cNvPr id="6" name="ZoneTexte 5">
+            <a:extLst>
+              <a:ext uri="{FF2B5EF4-FFF2-40B4-BE49-F238E27FC236}">
+                <a16:creationId xmlns:a16="http://schemas.microsoft.com/office/drawing/2014/main" id="{730F7556-7B31-F5B0-2399-51CE1961A556}"/>
+              </a:ext>
+            </a:extLst>
+          </p:cNvPr>
+          <p:cNvSpPr txBox="1"/>
+          <p:nvPr/>
+        </p:nvSpPr>
+        <p:spPr>
+          <a:xfrm>
+            <a:off x="6344973" y="2689356"/>
+            <a:ext cx="4765173" cy="646331"/>
+          </a:xfrm>
+          <a:prstGeom prst="rect">
+            <a:avLst/>
+          </a:prstGeom>
+          <a:solidFill>
+            <a:schemeClr val="accent1">
+              <a:lumMod val="40000"/>
+              <a:lumOff val="60000"/>
+            </a:schemeClr>
+          </a:solidFill>
+        </p:spPr>
+        <p:txBody>
+          <a:bodyPr wrap="square" rtlCol="0">
+            <a:spAutoFit/>
+          </a:bodyPr>
+          <a:lstStyle/>
+          <a:p>
+            <a:r>
+              <a:rPr lang="fr-FR" b="1" dirty="0"/>
+              <a:t>import</a:t>
+            </a:r>
+            <a:r>
+              <a:rPr lang="fr-FR" dirty="0"/>
+              <a:t> </a:t>
+            </a:r>
+            <a:r>
+              <a:rPr lang="fr-FR" dirty="0" err="1"/>
+              <a:t>numpy</a:t>
+            </a:r>
+            <a:r>
+              <a:rPr lang="fr-FR" dirty="0"/>
+              <a:t> </a:t>
+            </a:r>
+            <a:r>
+              <a:rPr lang="fr-FR" b="1" dirty="0"/>
+              <a:t>as</a:t>
+            </a:r>
+            <a:r>
+              <a:rPr lang="fr-FR" dirty="0"/>
+              <a:t> </a:t>
+            </a:r>
+            <a:r>
+              <a:rPr lang="fr-FR" dirty="0" err="1"/>
+              <a:t>np</a:t>
+            </a:r>
+            <a:endParaRPr lang="fr-FR" dirty="0"/>
+          </a:p>
+          <a:p>
+            <a:r>
+              <a:rPr lang="fr-FR" dirty="0"/>
+              <a:t>v = </a:t>
+            </a:r>
+            <a:r>
+              <a:rPr lang="fr-FR" b="1" dirty="0" err="1"/>
+              <a:t>np</a:t>
+            </a:r>
+            <a:r>
+              <a:rPr lang="fr-FR" dirty="0" err="1"/>
+              <a:t>.</a:t>
+            </a:r>
+            <a:r>
+              <a:rPr lang="fr-FR" b="1" dirty="0" err="1"/>
+              <a:t>logspace</a:t>
+            </a:r>
+            <a:r>
+              <a:rPr lang="fr-FR" b="1" dirty="0"/>
+              <a:t>( </a:t>
+            </a:r>
+            <a:r>
+              <a:rPr lang="fr-FR" dirty="0"/>
+              <a:t>1, 10, 1001 </a:t>
+            </a:r>
+            <a:r>
+              <a:rPr lang="fr-FR" b="1" dirty="0"/>
+              <a:t>)</a:t>
+            </a:r>
+          </a:p>
+        </p:txBody>
+      </p:sp>
+      <p:graphicFrame>
+        <p:nvGraphicFramePr>
+          <p:cNvPr id="13" name="Objet 12">
+            <a:extLst>
+              <a:ext uri="{FF2B5EF4-FFF2-40B4-BE49-F238E27FC236}">
+                <a16:creationId xmlns:a16="http://schemas.microsoft.com/office/drawing/2014/main" id="{300564C3-9824-BD08-9D46-33E8C789ECB0}"/>
+              </a:ext>
+            </a:extLst>
+          </p:cNvPr>
+          <p:cNvGraphicFramePr>
+            <a:graphicFrameLocks noChangeAspect="1"/>
+          </p:cNvGraphicFramePr>
+          <p:nvPr>
+            <p:extLst>
+              <p:ext uri="{D42A27DB-BD31-4B8C-83A1-F6EECF244321}">
+                <p14:modId xmlns:p14="http://schemas.microsoft.com/office/powerpoint/2010/main" val="1373843713"/>
+              </p:ext>
+            </p:extLst>
+          </p:nvPr>
+        </p:nvGraphicFramePr>
+        <p:xfrm>
+          <a:off x="1435879" y="3012521"/>
+          <a:ext cx="4588784" cy="3140335"/>
+        </p:xfrm>
+        <a:graphic>
+          <a:graphicData uri="http://schemas.openxmlformats.org/presentationml/2006/ole">
+            <mc:AlternateContent xmlns:mc="http://schemas.openxmlformats.org/markup-compatibility/2006">
+              <mc:Choice xmlns:v="urn:schemas-microsoft-com:vml" Requires="v">
+                <p:oleObj name="Image bitmap" r:id="rId5" imgW="3591000" imgH="2457360" progId="Paint.Picture">
+                  <p:embed/>
+                </p:oleObj>
+              </mc:Choice>
+              <mc:Fallback>
+                <p:oleObj name="Image bitmap" r:id="rId5" imgW="3591000" imgH="2457360" progId="Paint.Picture">
+                  <p:embed/>
+                  <p:pic>
+                    <p:nvPicPr>
+                      <p:cNvPr id="2" name="Objet 1">
+                        <a:extLst>
+                          <a:ext uri="{FF2B5EF4-FFF2-40B4-BE49-F238E27FC236}">
+                            <a16:creationId xmlns:a16="http://schemas.microsoft.com/office/drawing/2014/main" id="{CC539050-DC71-40B7-9995-F867D8F46FD6}"/>
+                          </a:ext>
+                        </a:extLst>
+                      </p:cNvPr>
+                      <p:cNvPicPr/>
+                      <p:nvPr/>
+                    </p:nvPicPr>
+                    <p:blipFill>
+                      <a:blip r:embed="rId6"/>
+                      <a:stretch>
+                        <a:fillRect/>
+                      </a:stretch>
+                    </p:blipFill>
+                    <p:spPr>
+                      <a:xfrm>
+                        <a:off x="1435879" y="3012521"/>
+                        <a:ext cx="4588784" cy="3140335"/>
+                      </a:xfrm>
+                      <a:prstGeom prst="rect">
+                        <a:avLst/>
+                      </a:prstGeom>
+                    </p:spPr>
+                  </p:pic>
+                </p:oleObj>
+              </mc:Fallback>
+            </mc:AlternateContent>
+          </a:graphicData>
+        </a:graphic>
+      </p:graphicFrame>
+      <p:sp>
+        <p:nvSpPr>
+          <p:cNvPr id="8" name="ZoneTexte 7">
+            <a:extLst>
+              <a:ext uri="{FF2B5EF4-FFF2-40B4-BE49-F238E27FC236}">
+                <a16:creationId xmlns:a16="http://schemas.microsoft.com/office/drawing/2014/main" id="{9A4874F0-4465-F97E-0D7F-B7EBD6F49ED4}"/>
+              </a:ext>
+            </a:extLst>
+          </p:cNvPr>
+          <p:cNvSpPr txBox="1"/>
+          <p:nvPr/>
+        </p:nvSpPr>
+        <p:spPr>
+          <a:xfrm>
+            <a:off x="1892539" y="3335687"/>
+            <a:ext cx="3526614" cy="1200329"/>
+          </a:xfrm>
+          <a:prstGeom prst="rect">
+            <a:avLst/>
+          </a:prstGeom>
+          <a:solidFill>
+            <a:schemeClr val="accent1">
+              <a:lumMod val="40000"/>
+              <a:lumOff val="60000"/>
+            </a:schemeClr>
+          </a:solidFill>
+        </p:spPr>
+        <p:txBody>
+          <a:bodyPr wrap="square" rtlCol="0">
+            <a:spAutoFit/>
+          </a:bodyPr>
+          <a:lstStyle/>
+          <a:p>
+            <a:r>
+              <a:rPr lang="fr-FR" b="1" dirty="0"/>
+              <a:t>import</a:t>
+            </a:r>
+            <a:r>
+              <a:rPr lang="fr-FR" dirty="0"/>
+              <a:t> </a:t>
+            </a:r>
+            <a:r>
+              <a:rPr lang="fr-FR" dirty="0" err="1"/>
+              <a:t>matplotlib.pyplot</a:t>
+            </a:r>
+            <a:r>
+              <a:rPr lang="fr-FR" dirty="0"/>
+              <a:t> </a:t>
+            </a:r>
+            <a:r>
+              <a:rPr lang="fr-FR" b="1" dirty="0"/>
+              <a:t>as</a:t>
+            </a:r>
+            <a:r>
+              <a:rPr lang="fr-FR" dirty="0"/>
+              <a:t> </a:t>
+            </a:r>
+            <a:r>
+              <a:rPr lang="fr-FR" dirty="0" err="1"/>
+              <a:t>plt</a:t>
+            </a:r>
+            <a:endParaRPr lang="fr-FR" dirty="0"/>
+          </a:p>
+          <a:p>
+            <a:r>
+              <a:rPr lang="fr-FR" b="1" dirty="0" err="1"/>
+              <a:t>plt</a:t>
+            </a:r>
+            <a:r>
+              <a:rPr lang="fr-FR" dirty="0" err="1"/>
+              <a:t>.</a:t>
+            </a:r>
+            <a:r>
+              <a:rPr lang="fr-FR" b="1" dirty="0" err="1"/>
+              <a:t>figure</a:t>
+            </a:r>
+            <a:r>
+              <a:rPr lang="fr-FR" b="1" dirty="0"/>
+              <a:t>()</a:t>
+            </a:r>
+          </a:p>
+          <a:p>
+            <a:r>
+              <a:rPr lang="fr-FR" b="1" dirty="0" err="1"/>
+              <a:t>plt</a:t>
+            </a:r>
+            <a:r>
+              <a:rPr lang="fr-FR" dirty="0" err="1"/>
+              <a:t>.</a:t>
+            </a:r>
+            <a:r>
+              <a:rPr lang="fr-FR" b="1" dirty="0" err="1"/>
+              <a:t>plot</a:t>
+            </a:r>
+            <a:r>
+              <a:rPr lang="fr-FR" b="1" dirty="0"/>
+              <a:t>( </a:t>
+            </a:r>
+            <a:r>
+              <a:rPr lang="fr-FR" dirty="0"/>
+              <a:t>v</a:t>
+            </a:r>
+            <a:r>
+              <a:rPr lang="fr-FR" b="1" dirty="0"/>
+              <a:t> )</a:t>
+            </a:r>
+          </a:p>
+          <a:p>
+            <a:r>
+              <a:rPr lang="fr-FR" b="1" dirty="0" err="1"/>
+              <a:t>plt</a:t>
+            </a:r>
+            <a:r>
+              <a:rPr lang="fr-FR" dirty="0" err="1"/>
+              <a:t>.</a:t>
+            </a:r>
+            <a:r>
+              <a:rPr lang="fr-FR" b="1" dirty="0" err="1"/>
+              <a:t>show</a:t>
+            </a:r>
+            <a:r>
+              <a:rPr lang="fr-FR" b="1" dirty="0"/>
+              <a:t>()</a:t>
+            </a:r>
+          </a:p>
+        </p:txBody>
+      </p:sp>
+      <p:pic>
+        <p:nvPicPr>
+          <p:cNvPr id="14" name="Picture 8">
+            <a:extLst>
+              <a:ext uri="{FF2B5EF4-FFF2-40B4-BE49-F238E27FC236}">
+                <a16:creationId xmlns:a16="http://schemas.microsoft.com/office/drawing/2014/main" id="{FF5B628A-FB8E-8706-2245-A4BD3BE5EC66}"/>
+              </a:ext>
+            </a:extLst>
+          </p:cNvPr>
+          <p:cNvPicPr>
+            <a:picLocks noChangeAspect="1" noChangeArrowheads="1"/>
+          </p:cNvPicPr>
+          <p:nvPr/>
+        </p:nvPicPr>
+        <p:blipFill>
+          <a:blip r:embed="rId7">
+            <a:extLst>
+              <a:ext uri="{28A0092B-C50C-407E-A947-70E740481C1C}">
+                <a14:useLocalDpi xmlns:a14="http://schemas.microsoft.com/office/drawing/2010/main" val="0"/>
+              </a:ext>
+            </a:extLst>
+          </a:blip>
+          <a:srcRect/>
+          <a:stretch>
+            <a:fillRect/>
+          </a:stretch>
+        </p:blipFill>
+        <p:spPr bwMode="auto">
+          <a:xfrm>
+            <a:off x="2028213" y="4749901"/>
+            <a:ext cx="1504236" cy="314176"/>
+          </a:xfrm>
+          <a:prstGeom prst="rect">
+            <a:avLst/>
+          </a:prstGeom>
+          <a:noFill/>
+          <a:extLst>
+            <a:ext uri="{909E8E84-426E-40DD-AFC4-6F175D3DCCD1}">
+              <a14:hiddenFill xmlns:a14="http://schemas.microsoft.com/office/drawing/2010/main">
+                <a:solidFill>
+                  <a:srgbClr val="FFFFFF"/>
+                </a:solidFill>
+              </a14:hiddenFill>
+            </a:ext>
+          </a:extLst>
+        </p:spPr>
+      </p:pic>
+      <p:sp>
+        <p:nvSpPr>
+          <p:cNvPr id="15" name="ZoneTexte 14">
+            <a:extLst>
+              <a:ext uri="{FF2B5EF4-FFF2-40B4-BE49-F238E27FC236}">
+                <a16:creationId xmlns:a16="http://schemas.microsoft.com/office/drawing/2014/main" id="{E0622A34-4DD9-B950-BE03-F584A3310D66}"/>
+              </a:ext>
+            </a:extLst>
+          </p:cNvPr>
+          <p:cNvSpPr txBox="1"/>
+          <p:nvPr/>
+        </p:nvSpPr>
+        <p:spPr>
+          <a:xfrm>
+            <a:off x="6344973" y="3515268"/>
+            <a:ext cx="4765173" cy="1200329"/>
+          </a:xfrm>
+          <a:prstGeom prst="rect">
+            <a:avLst/>
+          </a:prstGeom>
+          <a:solidFill>
+            <a:schemeClr val="accent1">
+              <a:lumMod val="40000"/>
+              <a:lumOff val="60000"/>
+            </a:schemeClr>
+          </a:solidFill>
+        </p:spPr>
+        <p:txBody>
+          <a:bodyPr wrap="square" rtlCol="0">
+            <a:spAutoFit/>
+          </a:bodyPr>
+          <a:lstStyle/>
+          <a:p>
+            <a:r>
+              <a:rPr lang="fr-FR" dirty="0"/>
+              <a:t>v2 = v</a:t>
+            </a:r>
+            <a:r>
+              <a:rPr lang="fr-FR" b="1" dirty="0"/>
+              <a:t>[ </a:t>
+            </a:r>
+            <a:r>
+              <a:rPr lang="fr-FR" dirty="0"/>
+              <a:t>10</a:t>
+            </a:r>
+            <a:r>
+              <a:rPr lang="fr-FR" b="1" dirty="0"/>
+              <a:t> : </a:t>
+            </a:r>
+            <a:r>
+              <a:rPr lang="fr-FR" dirty="0"/>
+              <a:t>100</a:t>
+            </a:r>
+            <a:r>
+              <a:rPr lang="fr-FR" b="1" dirty="0"/>
+              <a:t> ]</a:t>
+            </a:r>
+          </a:p>
+          <a:p>
+            <a:r>
+              <a:rPr lang="fr-FR" b="1" dirty="0" err="1"/>
+              <a:t>plt</a:t>
+            </a:r>
+            <a:r>
+              <a:rPr lang="fr-FR" dirty="0" err="1"/>
+              <a:t>.</a:t>
+            </a:r>
+            <a:r>
+              <a:rPr lang="fr-FR" b="1" dirty="0" err="1"/>
+              <a:t>figure</a:t>
+            </a:r>
+            <a:r>
+              <a:rPr lang="fr-FR" b="1" dirty="0"/>
+              <a:t>() </a:t>
+            </a:r>
+          </a:p>
+          <a:p>
+            <a:r>
+              <a:rPr lang="fr-FR" b="1" dirty="0" err="1"/>
+              <a:t>plt</a:t>
+            </a:r>
+            <a:r>
+              <a:rPr lang="fr-FR" dirty="0" err="1"/>
+              <a:t>.</a:t>
+            </a:r>
+            <a:r>
+              <a:rPr lang="fr-FR" b="1" dirty="0" err="1"/>
+              <a:t>plot</a:t>
+            </a:r>
+            <a:r>
+              <a:rPr lang="fr-FR" b="1" dirty="0"/>
+              <a:t>( </a:t>
+            </a:r>
+            <a:r>
+              <a:rPr lang="fr-FR" dirty="0"/>
+              <a:t>v2 </a:t>
+            </a:r>
+            <a:r>
+              <a:rPr lang="fr-FR" b="1" dirty="0"/>
+              <a:t>)</a:t>
+            </a:r>
+          </a:p>
+          <a:p>
+            <a:r>
+              <a:rPr lang="fr-FR" b="1" dirty="0" err="1"/>
+              <a:t>plt</a:t>
+            </a:r>
+            <a:r>
+              <a:rPr lang="fr-FR" dirty="0" err="1"/>
+              <a:t>.</a:t>
+            </a:r>
+            <a:r>
+              <a:rPr lang="fr-FR" b="1" dirty="0" err="1"/>
+              <a:t>show</a:t>
+            </a:r>
+            <a:r>
+              <a:rPr lang="fr-FR" b="1" dirty="0"/>
+              <a:t>()</a:t>
+            </a:r>
+          </a:p>
+        </p:txBody>
+      </p:sp>
+      <p:graphicFrame>
+        <p:nvGraphicFramePr>
+          <p:cNvPr id="16" name="Objet 15">
+            <a:extLst>
+              <a:ext uri="{FF2B5EF4-FFF2-40B4-BE49-F238E27FC236}">
+                <a16:creationId xmlns:a16="http://schemas.microsoft.com/office/drawing/2014/main" id="{DB5813F3-7880-5D9F-EDFE-FA9D6D887AB7}"/>
+              </a:ext>
+            </a:extLst>
+          </p:cNvPr>
+          <p:cNvGraphicFramePr>
+            <a:graphicFrameLocks noChangeAspect="1"/>
+          </p:cNvGraphicFramePr>
+          <p:nvPr>
+            <p:extLst>
+              <p:ext uri="{D42A27DB-BD31-4B8C-83A1-F6EECF244321}">
+                <p14:modId xmlns:p14="http://schemas.microsoft.com/office/powerpoint/2010/main" val="965139167"/>
+              </p:ext>
+            </p:extLst>
+          </p:nvPr>
+        </p:nvGraphicFramePr>
+        <p:xfrm>
+          <a:off x="8291988" y="4101372"/>
+          <a:ext cx="3571875" cy="2466975"/>
+        </p:xfrm>
+        <a:graphic>
+          <a:graphicData uri="http://schemas.openxmlformats.org/presentationml/2006/ole">
+            <mc:AlternateContent xmlns:mc="http://schemas.openxmlformats.org/markup-compatibility/2006">
+              <mc:Choice xmlns:v="urn:schemas-microsoft-com:vml" Requires="v">
+                <p:oleObj name="Image bitmap" r:id="rId8" imgW="3571920" imgH="2467080" progId="Paint.Picture">
+                  <p:embed/>
+                </p:oleObj>
+              </mc:Choice>
+              <mc:Fallback>
+                <p:oleObj name="Image bitmap" r:id="rId8" imgW="3571920" imgH="2467080" progId="Paint.Picture">
+                  <p:embed/>
+                  <p:pic>
+                    <p:nvPicPr>
+                      <p:cNvPr id="8" name="Objet 7">
+                        <a:extLst>
+                          <a:ext uri="{FF2B5EF4-FFF2-40B4-BE49-F238E27FC236}">
+                            <a16:creationId xmlns:a16="http://schemas.microsoft.com/office/drawing/2014/main" id="{66B838F1-304B-4607-A8D0-B952634EF92D}"/>
+                          </a:ext>
+                        </a:extLst>
+                      </p:cNvPr>
+                      <p:cNvPicPr/>
+                      <p:nvPr/>
+                    </p:nvPicPr>
+                    <p:blipFill>
+                      <a:blip r:embed="rId9"/>
+                      <a:stretch>
+                        <a:fillRect/>
+                      </a:stretch>
+                    </p:blipFill>
+                    <p:spPr>
+                      <a:xfrm>
+                        <a:off x="8291988" y="4101372"/>
+                        <a:ext cx="3571875" cy="2466975"/>
+                      </a:xfrm>
+                      <a:prstGeom prst="rect">
+                        <a:avLst/>
+                      </a:prstGeom>
+                    </p:spPr>
+                  </p:pic>
+                </p:oleObj>
+              </mc:Fallback>
+            </mc:AlternateContent>
+          </a:graphicData>
+        </a:graphic>
+      </p:graphicFrame>
+      <p:sp>
+        <p:nvSpPr>
+          <p:cNvPr id="4" name="Espace réservé du numéro de diapositive 3">
+            <a:extLst>
+              <a:ext uri="{FF2B5EF4-FFF2-40B4-BE49-F238E27FC236}">
+                <a16:creationId xmlns:a16="http://schemas.microsoft.com/office/drawing/2014/main" id="{34A08C9D-02BB-2E5D-168A-59D5BD1D2715}"/>
+              </a:ext>
+            </a:extLst>
+          </p:cNvPr>
+          <p:cNvSpPr>
+            <a:spLocks noGrp="1"/>
+          </p:cNvSpPr>
+          <p:nvPr>
+            <p:ph type="sldNum" sz="quarter" idx="12"/>
+          </p:nvPr>
+        </p:nvSpPr>
+        <p:spPr/>
+        <p:txBody>
+          <a:bodyPr/>
+          <a:lstStyle/>
+          <a:p>
+            <a:fld id="{B2DC25EE-239B-4C5F-AAD1-255A7D5F1EE2}" type="slidenum">
+              <a:rPr lang="en-US" smtClean="0"/>
+              <a:t>24</a:t>
+            </a:fld>
+            <a:endParaRPr lang="en-US"/>
+          </a:p>
+        </p:txBody>
+      </p:sp>
+    </p:spTree>
+    <p:extLst>
+      <p:ext uri="{BB962C8B-B14F-4D97-AF65-F5344CB8AC3E}">
+        <p14:creationId xmlns:p14="http://schemas.microsoft.com/office/powerpoint/2010/main" val="754678351"/>
+      </p:ext>
+    </p:extLst>
+  </p:cSld>
+  <p:clrMapOvr>
+    <a:masterClrMapping/>
+  </p:clrMapOvr>
+</p:sld>
+</file>
+
+<file path=ppt/slides/slide25.xml><?xml version="1.0" encoding="utf-8"?>
+<p:sld xmlns:a="http://schemas.openxmlformats.org/drawingml/2006/main" xmlns:r="http://schemas.openxmlformats.org/officeDocument/2006/relationships" xmlns:p="http://schemas.openxmlformats.org/presentationml/2006/main">
+  <p:cSld>
+    <p:bg>
+      <p:bgPr>
+        <a:solidFill>
+          <a:schemeClr val="bg1">
+            <a:lumMod val="95000"/>
+          </a:schemeClr>
+        </a:solidFill>
+        <a:effectLst/>
+      </p:bgPr>
+    </p:bg>
+    <p:spTree>
+      <p:nvGrpSpPr>
+        <p:cNvPr id="1" name=""/>
+        <p:cNvGrpSpPr/>
+        <p:nvPr/>
+      </p:nvGrpSpPr>
+      <p:grpSpPr>
+        <a:xfrm>
+          <a:off x="0" y="0"/>
+          <a:ext cx="0" cy="0"/>
+          <a:chOff x="0" y="0"/>
+          <a:chExt cx="0" cy="0"/>
+        </a:xfrm>
+      </p:grpSpPr>
+      <p:sp>
+        <p:nvSpPr>
+          <p:cNvPr id="2" name="Titre 1">
+            <a:extLst>
+              <a:ext uri="{FF2B5EF4-FFF2-40B4-BE49-F238E27FC236}">
+                <a16:creationId xmlns:a16="http://schemas.microsoft.com/office/drawing/2014/main" id="{90162AE8-C1B0-5C56-8313-DEE494F38273}"/>
+              </a:ext>
+            </a:extLst>
+          </p:cNvPr>
+          <p:cNvSpPr>
+            <a:spLocks noGrp="1"/>
+          </p:cNvSpPr>
+          <p:nvPr>
+            <p:ph type="title"/>
+          </p:nvPr>
+        </p:nvSpPr>
+        <p:spPr/>
+        <p:txBody>
+          <a:bodyPr/>
+          <a:lstStyle/>
+          <a:p>
+            <a:r>
+              <a:rPr lang="fr-FR" dirty="0"/>
+              <a:t>Trucs et Astuces</a:t>
+            </a:r>
+          </a:p>
+        </p:txBody>
+      </p:sp>
+      <p:sp>
+        <p:nvSpPr>
+          <p:cNvPr id="3" name="Espace réservé du contenu 2">
+            <a:extLst>
+              <a:ext uri="{FF2B5EF4-FFF2-40B4-BE49-F238E27FC236}">
+                <a16:creationId xmlns:a16="http://schemas.microsoft.com/office/drawing/2014/main" id="{E0BBB9DE-019C-C741-F224-494739D4B752}"/>
+              </a:ext>
+            </a:extLst>
+          </p:cNvPr>
+          <p:cNvSpPr>
+            <a:spLocks noGrp="1"/>
+          </p:cNvSpPr>
+          <p:nvPr>
+            <p:ph sz="half" idx="1"/>
+          </p:nvPr>
+        </p:nvSpPr>
+        <p:spPr/>
+        <p:txBody>
+          <a:bodyPr/>
+          <a:lstStyle/>
+          <a:p>
+            <a:r>
+              <a:rPr lang="fr-FR" dirty="0"/>
+              <a:t>Affichage des figures</a:t>
+            </a:r>
+          </a:p>
+        </p:txBody>
+      </p:sp>
+      <p:pic>
+        <p:nvPicPr>
+          <p:cNvPr id="5" name="Image 4" descr="Une image contenant texte&#10;&#10;Description générée automatiquement">
+            <a:extLst>
+              <a:ext uri="{FF2B5EF4-FFF2-40B4-BE49-F238E27FC236}">
+                <a16:creationId xmlns:a16="http://schemas.microsoft.com/office/drawing/2014/main" id="{66D2630B-81F4-A4EB-21BA-8B90CF30BD92}"/>
+              </a:ext>
+            </a:extLst>
+          </p:cNvPr>
+          <p:cNvPicPr>
+            <a:picLocks noChangeAspect="1"/>
+          </p:cNvPicPr>
+          <p:nvPr/>
+        </p:nvPicPr>
+        <p:blipFill>
+          <a:blip r:embed="rId2">
+            <a:extLst>
+              <a:ext uri="{28A0092B-C50C-407E-A947-70E740481C1C}">
+                <a14:useLocalDpi xmlns:a14="http://schemas.microsoft.com/office/drawing/2010/main" val="0"/>
+              </a:ext>
+            </a:extLst>
+          </a:blip>
+          <a:stretch>
+            <a:fillRect/>
+          </a:stretch>
+        </p:blipFill>
+        <p:spPr>
+          <a:xfrm>
+            <a:off x="202922" y="5934456"/>
+            <a:ext cx="1825291" cy="749808"/>
+          </a:xfrm>
+          <a:prstGeom prst="rect">
+            <a:avLst/>
+          </a:prstGeom>
+        </p:spPr>
+      </p:pic>
+      <p:pic>
+        <p:nvPicPr>
+          <p:cNvPr id="4" name="Picture 8" descr="Résultat de recherche d'images pour &quot;spyder logo&quot;">
+            <a:extLst>
+              <a:ext uri="{FF2B5EF4-FFF2-40B4-BE49-F238E27FC236}">
+                <a16:creationId xmlns:a16="http://schemas.microsoft.com/office/drawing/2014/main" id="{A67BE3DC-B7CA-12C6-85F3-3C0E16E505E7}"/>
+              </a:ext>
+            </a:extLst>
+          </p:cNvPr>
+          <p:cNvPicPr>
+            <a:picLocks noChangeAspect="1" noChangeArrowheads="1"/>
+          </p:cNvPicPr>
+          <p:nvPr/>
+        </p:nvPicPr>
+        <p:blipFill>
+          <a:blip r:embed="rId3">
+            <a:extLst>
+              <a:ext uri="{28A0092B-C50C-407E-A947-70E740481C1C}">
+                <a14:useLocalDpi xmlns:a14="http://schemas.microsoft.com/office/drawing/2010/main" val="0"/>
+              </a:ext>
+            </a:extLst>
+          </a:blip>
+          <a:srcRect/>
+          <a:stretch>
+            <a:fillRect/>
+          </a:stretch>
+        </p:blipFill>
+        <p:spPr bwMode="auto">
+          <a:xfrm>
+            <a:off x="8941922" y="660046"/>
+            <a:ext cx="1913528" cy="956764"/>
+          </a:xfrm>
+          <a:prstGeom prst="rect">
+            <a:avLst/>
+          </a:prstGeom>
+          <a:noFill/>
+          <a:extLst>
+            <a:ext uri="{909E8E84-426E-40DD-AFC4-6F175D3DCCD1}">
+              <a14:hiddenFill xmlns:a14="http://schemas.microsoft.com/office/drawing/2010/main">
+                <a:solidFill>
+                  <a:srgbClr val="FFFFFF"/>
+                </a:solidFill>
+              </a14:hiddenFill>
+            </a:ext>
+          </a:extLst>
+        </p:spPr>
+      </p:pic>
+      <p:pic>
+        <p:nvPicPr>
+          <p:cNvPr id="7" name="Image 6">
+            <a:extLst>
+              <a:ext uri="{FF2B5EF4-FFF2-40B4-BE49-F238E27FC236}">
+                <a16:creationId xmlns:a16="http://schemas.microsoft.com/office/drawing/2014/main" id="{11ABFDFC-75A2-88F4-F96B-2B8D9352F131}"/>
+              </a:ext>
+            </a:extLst>
+          </p:cNvPr>
+          <p:cNvPicPr>
+            <a:picLocks noChangeAspect="1"/>
+          </p:cNvPicPr>
+          <p:nvPr/>
+        </p:nvPicPr>
+        <p:blipFill>
+          <a:blip r:embed="rId4"/>
+          <a:stretch>
+            <a:fillRect/>
+          </a:stretch>
+        </p:blipFill>
+        <p:spPr>
+          <a:xfrm>
+            <a:off x="6675151" y="2201595"/>
+            <a:ext cx="5046867" cy="4482669"/>
+          </a:xfrm>
+          <a:prstGeom prst="rect">
+            <a:avLst/>
+          </a:prstGeom>
+        </p:spPr>
+      </p:pic>
+      <p:sp>
+        <p:nvSpPr>
+          <p:cNvPr id="10" name="ZoneTexte 9">
+            <a:extLst>
+              <a:ext uri="{FF2B5EF4-FFF2-40B4-BE49-F238E27FC236}">
+                <a16:creationId xmlns:a16="http://schemas.microsoft.com/office/drawing/2014/main" id="{45A21990-B3F6-9814-8531-9E1389F751D1}"/>
+              </a:ext>
+            </a:extLst>
+          </p:cNvPr>
+          <p:cNvSpPr txBox="1"/>
+          <p:nvPr/>
+        </p:nvSpPr>
+        <p:spPr>
+          <a:xfrm>
+            <a:off x="1892539" y="3335687"/>
+            <a:ext cx="3526614" cy="923330"/>
+          </a:xfrm>
+          <a:prstGeom prst="rect">
+            <a:avLst/>
+          </a:prstGeom>
+          <a:solidFill>
+            <a:schemeClr val="accent1">
+              <a:lumMod val="40000"/>
+              <a:lumOff val="60000"/>
+            </a:schemeClr>
+          </a:solidFill>
+        </p:spPr>
+        <p:txBody>
+          <a:bodyPr wrap="square" rtlCol="0">
+            <a:spAutoFit/>
+          </a:bodyPr>
+          <a:lstStyle/>
+          <a:p>
+            <a:r>
+              <a:rPr lang="fr-FR" b="1" dirty="0"/>
+              <a:t>Tools / </a:t>
+            </a:r>
+            <a:r>
+              <a:rPr lang="fr-FR" b="1" dirty="0" err="1"/>
+              <a:t>Preferences</a:t>
+            </a:r>
+            <a:endParaRPr lang="fr-FR" b="1" dirty="0"/>
+          </a:p>
+          <a:p>
+            <a:r>
+              <a:rPr lang="fr-FR" i="1" dirty="0"/>
+              <a:t>ou</a:t>
+            </a:r>
+          </a:p>
+          <a:p>
+            <a:r>
+              <a:rPr lang="fr-FR" b="1" dirty="0"/>
+              <a:t>Outils / Préférences</a:t>
+            </a:r>
+          </a:p>
+        </p:txBody>
+      </p:sp>
+      <p:sp>
+        <p:nvSpPr>
+          <p:cNvPr id="12" name="ZoneTexte 11">
+            <a:extLst>
+              <a:ext uri="{FF2B5EF4-FFF2-40B4-BE49-F238E27FC236}">
+                <a16:creationId xmlns:a16="http://schemas.microsoft.com/office/drawing/2014/main" id="{9B16F28D-D537-8B93-21FE-14A255FA4F9D}"/>
+              </a:ext>
+            </a:extLst>
+          </p:cNvPr>
+          <p:cNvSpPr txBox="1"/>
+          <p:nvPr/>
+        </p:nvSpPr>
+        <p:spPr>
+          <a:xfrm>
+            <a:off x="1892539" y="4442929"/>
+            <a:ext cx="3526614" cy="1200329"/>
+          </a:xfrm>
+          <a:prstGeom prst="rect">
+            <a:avLst/>
+          </a:prstGeom>
+          <a:solidFill>
+            <a:schemeClr val="accent1">
+              <a:lumMod val="40000"/>
+              <a:lumOff val="60000"/>
+            </a:schemeClr>
+          </a:solidFill>
+        </p:spPr>
+        <p:txBody>
+          <a:bodyPr wrap="square" rtlCol="0">
+            <a:spAutoFit/>
+          </a:bodyPr>
+          <a:lstStyle/>
+          <a:p>
+            <a:r>
+              <a:rPr lang="fr-FR" b="1" dirty="0" err="1"/>
+              <a:t>IPython</a:t>
+            </a:r>
+            <a:r>
+              <a:rPr lang="fr-FR" b="1" dirty="0"/>
+              <a:t> console</a:t>
+            </a:r>
+          </a:p>
+          <a:p>
+            <a:r>
+              <a:rPr lang="fr-FR" b="1" dirty="0"/>
+              <a:t>	Graphics</a:t>
+            </a:r>
+          </a:p>
+          <a:p>
+            <a:r>
+              <a:rPr lang="fr-FR" b="1" dirty="0"/>
+              <a:t>		</a:t>
+            </a:r>
+            <a:r>
+              <a:rPr lang="fr-FR" dirty="0" err="1"/>
+              <a:t>Activate</a:t>
+            </a:r>
+            <a:r>
+              <a:rPr lang="fr-FR" dirty="0"/>
+              <a:t> Support </a:t>
+            </a:r>
+            <a:br>
+              <a:rPr lang="fr-FR" b="1" dirty="0"/>
+            </a:br>
+            <a:r>
+              <a:rPr lang="fr-FR" b="1" dirty="0"/>
+              <a:t>		</a:t>
+            </a:r>
+            <a:r>
+              <a:rPr lang="fr-FR" dirty="0"/>
+              <a:t>Backend : </a:t>
+            </a:r>
+            <a:r>
+              <a:rPr lang="fr-FR" b="1" dirty="0" err="1"/>
+              <a:t>Automatic</a:t>
+            </a:r>
+            <a:endParaRPr lang="fr-FR" b="1" dirty="0"/>
+          </a:p>
+        </p:txBody>
+      </p:sp>
+      <p:sp>
+        <p:nvSpPr>
+          <p:cNvPr id="6" name="Espace réservé du numéro de diapositive 5">
+            <a:extLst>
+              <a:ext uri="{FF2B5EF4-FFF2-40B4-BE49-F238E27FC236}">
+                <a16:creationId xmlns:a16="http://schemas.microsoft.com/office/drawing/2014/main" id="{0661C155-4B14-3CE6-1A5A-4344075AD9BD}"/>
+              </a:ext>
+            </a:extLst>
+          </p:cNvPr>
+          <p:cNvSpPr>
+            <a:spLocks noGrp="1"/>
+          </p:cNvSpPr>
+          <p:nvPr>
+            <p:ph type="sldNum" sz="quarter" idx="12"/>
+          </p:nvPr>
+        </p:nvSpPr>
+        <p:spPr/>
+        <p:txBody>
+          <a:bodyPr/>
+          <a:lstStyle/>
+          <a:p>
+            <a:fld id="{B2DC25EE-239B-4C5F-AAD1-255A7D5F1EE2}" type="slidenum">
+              <a:rPr lang="en-US" smtClean="0"/>
+              <a:t>25</a:t>
+            </a:fld>
+            <a:endParaRPr lang="en-US"/>
+          </a:p>
+        </p:txBody>
+      </p:sp>
+    </p:spTree>
+    <p:extLst>
+      <p:ext uri="{BB962C8B-B14F-4D97-AF65-F5344CB8AC3E}">
+        <p14:creationId xmlns:p14="http://schemas.microsoft.com/office/powerpoint/2010/main" val="683804796"/>
+      </p:ext>
+    </p:extLst>
+  </p:cSld>
+  <p:clrMapOvr>
+    <a:masterClrMapping/>
+  </p:clrMapOvr>
+</p:sld>
+</file>
+
+<file path=ppt/slides/slide26.xml><?xml version="1.0" encoding="utf-8"?>
+<p:sld xmlns:a="http://schemas.openxmlformats.org/drawingml/2006/main" xmlns:r="http://schemas.openxmlformats.org/officeDocument/2006/relationships" xmlns:p="http://schemas.openxmlformats.org/presentationml/2006/main">
+  <p:cSld>
     <p:bg>
       <p:bgPr>
         <a:solidFill>
@@ -16541,7 +19328,7 @@
           <a:p>
             <a:fld id="{B2DC25EE-239B-4C5F-AAD1-255A7D5F1EE2}" type="slidenum">
               <a:rPr lang="en-US" smtClean="0"/>
-              <a:t>21</a:t>
+              <a:t>26</a:t>
             </a:fld>
             <a:endParaRPr lang="en-US"/>
           </a:p>
@@ -17083,7 +19870,7 @@
 </p:sld>
 </file>
 
-<file path=ppt/slides/slide22.xml><?xml version="1.0" encoding="utf-8"?>
+<file path=ppt/slides/slide27.xml><?xml version="1.0" encoding="utf-8"?>
 <p:sld xmlns:a="http://schemas.openxmlformats.org/drawingml/2006/main" xmlns:r="http://schemas.openxmlformats.org/officeDocument/2006/relationships" xmlns:p="http://schemas.openxmlformats.org/presentationml/2006/main">
   <p:cSld>
     <p:spTree>
@@ -17632,7 +20419,7 @@
           <a:p>
             <a:fld id="{B2DC25EE-239B-4C5F-AAD1-255A7D5F1EE2}" type="slidenum">
               <a:rPr lang="en-US" smtClean="0"/>
-              <a:t>22</a:t>
+              <a:t>27</a:t>
             </a:fld>
             <a:endParaRPr lang="en-US"/>
           </a:p>
@@ -17651,769 +20438,7 @@
 </p:sld>
 </file>
 
-<file path=ppt/slides/slide23.xml><?xml version="1.0" encoding="utf-8"?>
-<p:sld xmlns:a="http://schemas.openxmlformats.org/drawingml/2006/main" xmlns:r="http://schemas.openxmlformats.org/officeDocument/2006/relationships" xmlns:p="http://schemas.openxmlformats.org/presentationml/2006/main">
-  <p:cSld>
-    <p:spTree>
-      <p:nvGrpSpPr>
-        <p:cNvPr id="1" name=""/>
-        <p:cNvGrpSpPr/>
-        <p:nvPr/>
-      </p:nvGrpSpPr>
-      <p:grpSpPr>
-        <a:xfrm>
-          <a:off x="0" y="0"/>
-          <a:ext cx="0" cy="0"/>
-          <a:chOff x="0" y="0"/>
-          <a:chExt cx="0" cy="0"/>
-        </a:xfrm>
-      </p:grpSpPr>
-      <p:sp>
-        <p:nvSpPr>
-          <p:cNvPr id="2" name="Titre 1">
-            <a:extLst>
-              <a:ext uri="{FF2B5EF4-FFF2-40B4-BE49-F238E27FC236}">
-                <a16:creationId xmlns:a16="http://schemas.microsoft.com/office/drawing/2014/main" id="{90162AE8-C1B0-5C56-8313-DEE494F38273}"/>
-              </a:ext>
-            </a:extLst>
-          </p:cNvPr>
-          <p:cNvSpPr>
-            <a:spLocks noGrp="1"/>
-          </p:cNvSpPr>
-          <p:nvPr>
-            <p:ph type="title"/>
-          </p:nvPr>
-        </p:nvSpPr>
-        <p:spPr/>
-        <p:txBody>
-          <a:bodyPr/>
-          <a:lstStyle/>
-          <a:p>
-            <a:r>
-              <a:rPr lang="fr-FR" dirty="0"/>
-              <a:t>Quelques rappels sous Python</a:t>
-            </a:r>
-          </a:p>
-        </p:txBody>
-      </p:sp>
-      <p:sp>
-        <p:nvSpPr>
-          <p:cNvPr id="3" name="Espace réservé du contenu 2">
-            <a:extLst>
-              <a:ext uri="{FF2B5EF4-FFF2-40B4-BE49-F238E27FC236}">
-                <a16:creationId xmlns:a16="http://schemas.microsoft.com/office/drawing/2014/main" id="{E0BBB9DE-019C-C741-F224-494739D4B752}"/>
-              </a:ext>
-            </a:extLst>
-          </p:cNvPr>
-          <p:cNvSpPr>
-            <a:spLocks noGrp="1"/>
-          </p:cNvSpPr>
-          <p:nvPr>
-            <p:ph sz="half" idx="1"/>
-          </p:nvPr>
-        </p:nvSpPr>
-        <p:spPr>
-          <a:xfrm>
-            <a:off x="1115568" y="2478024"/>
-            <a:ext cx="10241082" cy="3694176"/>
-          </a:xfrm>
-        </p:spPr>
-        <p:txBody>
-          <a:bodyPr/>
-          <a:lstStyle/>
-          <a:p>
-            <a:r>
-              <a:rPr lang="fr-FR" dirty="0"/>
-              <a:t>Vecteurs (suite)</a:t>
-            </a:r>
-          </a:p>
-        </p:txBody>
-      </p:sp>
-      <p:pic>
-        <p:nvPicPr>
-          <p:cNvPr id="5" name="Image 4" descr="Une image contenant texte&#10;&#10;Description générée automatiquement">
-            <a:extLst>
-              <a:ext uri="{FF2B5EF4-FFF2-40B4-BE49-F238E27FC236}">
-                <a16:creationId xmlns:a16="http://schemas.microsoft.com/office/drawing/2014/main" id="{66D2630B-81F4-A4EB-21BA-8B90CF30BD92}"/>
-              </a:ext>
-            </a:extLst>
-          </p:cNvPr>
-          <p:cNvPicPr>
-            <a:picLocks noChangeAspect="1"/>
-          </p:cNvPicPr>
-          <p:nvPr/>
-        </p:nvPicPr>
-        <p:blipFill>
-          <a:blip r:embed="rId2">
-            <a:extLst>
-              <a:ext uri="{28A0092B-C50C-407E-A947-70E740481C1C}">
-                <a14:useLocalDpi xmlns:a14="http://schemas.microsoft.com/office/drawing/2010/main" val="0"/>
-              </a:ext>
-            </a:extLst>
-          </a:blip>
-          <a:stretch>
-            <a:fillRect/>
-          </a:stretch>
-        </p:blipFill>
-        <p:spPr>
-          <a:xfrm>
-            <a:off x="202922" y="5934456"/>
-            <a:ext cx="1825291" cy="749808"/>
-          </a:xfrm>
-          <a:prstGeom prst="rect">
-            <a:avLst/>
-          </a:prstGeom>
-        </p:spPr>
-      </p:pic>
-      <p:pic>
-        <p:nvPicPr>
-          <p:cNvPr id="7" name="Image 6">
-            <a:extLst>
-              <a:ext uri="{FF2B5EF4-FFF2-40B4-BE49-F238E27FC236}">
-                <a16:creationId xmlns:a16="http://schemas.microsoft.com/office/drawing/2014/main" id="{5BB01D49-602A-9314-FD1F-4EC628128217}"/>
-              </a:ext>
-            </a:extLst>
-          </p:cNvPr>
-          <p:cNvPicPr>
-            <a:picLocks noChangeAspect="1"/>
-          </p:cNvPicPr>
-          <p:nvPr/>
-        </p:nvPicPr>
-        <p:blipFill>
-          <a:blip r:embed="rId3"/>
-          <a:stretch>
-            <a:fillRect/>
-          </a:stretch>
-        </p:blipFill>
-        <p:spPr>
-          <a:xfrm>
-            <a:off x="10077926" y="593679"/>
-            <a:ext cx="1081825" cy="1089498"/>
-          </a:xfrm>
-          <a:prstGeom prst="rect">
-            <a:avLst/>
-          </a:prstGeom>
-        </p:spPr>
-      </p:pic>
-      <p:pic>
-        <p:nvPicPr>
-          <p:cNvPr id="10" name="Picture 6">
-            <a:extLst>
-              <a:ext uri="{FF2B5EF4-FFF2-40B4-BE49-F238E27FC236}">
-                <a16:creationId xmlns:a16="http://schemas.microsoft.com/office/drawing/2014/main" id="{B08DE29C-1F7C-390F-64F6-5A4A64FD8E5F}"/>
-              </a:ext>
-            </a:extLst>
-          </p:cNvPr>
-          <p:cNvPicPr>
-            <a:picLocks noChangeAspect="1" noChangeArrowheads="1"/>
-          </p:cNvPicPr>
-          <p:nvPr/>
-        </p:nvPicPr>
-        <p:blipFill>
-          <a:blip r:embed="rId4" cstate="hqprint">
-            <a:extLst>
-              <a:ext uri="{28A0092B-C50C-407E-A947-70E740481C1C}">
-                <a14:useLocalDpi xmlns:a14="http://schemas.microsoft.com/office/drawing/2010/main" val="0"/>
-              </a:ext>
-            </a:extLst>
-          </a:blip>
-          <a:srcRect/>
-          <a:stretch>
-            <a:fillRect/>
-          </a:stretch>
-        </p:blipFill>
-        <p:spPr bwMode="auto">
-          <a:xfrm>
-            <a:off x="10426228" y="2206699"/>
-            <a:ext cx="905256" cy="407269"/>
-          </a:xfrm>
-          <a:prstGeom prst="rect">
-            <a:avLst/>
-          </a:prstGeom>
-          <a:noFill/>
-          <a:extLst>
-            <a:ext uri="{909E8E84-426E-40DD-AFC4-6F175D3DCCD1}">
-              <a14:hiddenFill xmlns:a14="http://schemas.microsoft.com/office/drawing/2010/main">
-                <a:solidFill>
-                  <a:srgbClr val="FFFFFF"/>
-                </a:solidFill>
-              </a14:hiddenFill>
-            </a:ext>
-          </a:extLst>
-        </p:spPr>
-      </p:pic>
-      <p:sp>
-        <p:nvSpPr>
-          <p:cNvPr id="6" name="ZoneTexte 5">
-            <a:extLst>
-              <a:ext uri="{FF2B5EF4-FFF2-40B4-BE49-F238E27FC236}">
-                <a16:creationId xmlns:a16="http://schemas.microsoft.com/office/drawing/2014/main" id="{730F7556-7B31-F5B0-2399-51CE1961A556}"/>
-              </a:ext>
-            </a:extLst>
-          </p:cNvPr>
-          <p:cNvSpPr txBox="1"/>
-          <p:nvPr/>
-        </p:nvSpPr>
-        <p:spPr>
-          <a:xfrm>
-            <a:off x="6344973" y="2689356"/>
-            <a:ext cx="4765173" cy="646331"/>
-          </a:xfrm>
-          <a:prstGeom prst="rect">
-            <a:avLst/>
-          </a:prstGeom>
-          <a:solidFill>
-            <a:schemeClr val="accent1">
-              <a:lumMod val="40000"/>
-              <a:lumOff val="60000"/>
-            </a:schemeClr>
-          </a:solidFill>
-        </p:spPr>
-        <p:txBody>
-          <a:bodyPr wrap="square" rtlCol="0">
-            <a:spAutoFit/>
-          </a:bodyPr>
-          <a:lstStyle/>
-          <a:p>
-            <a:r>
-              <a:rPr lang="fr-FR" b="1" dirty="0"/>
-              <a:t>import</a:t>
-            </a:r>
-            <a:r>
-              <a:rPr lang="fr-FR" dirty="0"/>
-              <a:t> </a:t>
-            </a:r>
-            <a:r>
-              <a:rPr lang="fr-FR" dirty="0" err="1"/>
-              <a:t>numpy</a:t>
-            </a:r>
-            <a:r>
-              <a:rPr lang="fr-FR" dirty="0"/>
-              <a:t> </a:t>
-            </a:r>
-            <a:r>
-              <a:rPr lang="fr-FR" b="1" dirty="0"/>
-              <a:t>as</a:t>
-            </a:r>
-            <a:r>
-              <a:rPr lang="fr-FR" dirty="0"/>
-              <a:t> </a:t>
-            </a:r>
-            <a:r>
-              <a:rPr lang="fr-FR" dirty="0" err="1"/>
-              <a:t>np</a:t>
-            </a:r>
-            <a:endParaRPr lang="fr-FR" dirty="0"/>
-          </a:p>
-          <a:p>
-            <a:r>
-              <a:rPr lang="fr-FR" dirty="0"/>
-              <a:t>v = </a:t>
-            </a:r>
-            <a:r>
-              <a:rPr lang="fr-FR" b="1" dirty="0" err="1"/>
-              <a:t>np</a:t>
-            </a:r>
-            <a:r>
-              <a:rPr lang="fr-FR" dirty="0" err="1"/>
-              <a:t>.</a:t>
-            </a:r>
-            <a:r>
-              <a:rPr lang="fr-FR" b="1" dirty="0" err="1"/>
-              <a:t>logspace</a:t>
-            </a:r>
-            <a:r>
-              <a:rPr lang="fr-FR" b="1" dirty="0"/>
-              <a:t>( </a:t>
-            </a:r>
-            <a:r>
-              <a:rPr lang="fr-FR" dirty="0"/>
-              <a:t>1, 10, 1001 </a:t>
-            </a:r>
-            <a:r>
-              <a:rPr lang="fr-FR" b="1" dirty="0"/>
-              <a:t>)</a:t>
-            </a:r>
-          </a:p>
-        </p:txBody>
-      </p:sp>
-      <p:graphicFrame>
-        <p:nvGraphicFramePr>
-          <p:cNvPr id="13" name="Objet 12">
-            <a:extLst>
-              <a:ext uri="{FF2B5EF4-FFF2-40B4-BE49-F238E27FC236}">
-                <a16:creationId xmlns:a16="http://schemas.microsoft.com/office/drawing/2014/main" id="{300564C3-9824-BD08-9D46-33E8C789ECB0}"/>
-              </a:ext>
-            </a:extLst>
-          </p:cNvPr>
-          <p:cNvGraphicFramePr>
-            <a:graphicFrameLocks noChangeAspect="1"/>
-          </p:cNvGraphicFramePr>
-          <p:nvPr>
-            <p:extLst>
-              <p:ext uri="{D42A27DB-BD31-4B8C-83A1-F6EECF244321}">
-                <p14:modId xmlns:p14="http://schemas.microsoft.com/office/powerpoint/2010/main" val="1373843713"/>
-              </p:ext>
-            </p:extLst>
-          </p:nvPr>
-        </p:nvGraphicFramePr>
-        <p:xfrm>
-          <a:off x="1435879" y="3012521"/>
-          <a:ext cx="4588784" cy="3140335"/>
-        </p:xfrm>
-        <a:graphic>
-          <a:graphicData uri="http://schemas.openxmlformats.org/presentationml/2006/ole">
-            <mc:AlternateContent xmlns:mc="http://schemas.openxmlformats.org/markup-compatibility/2006">
-              <mc:Choice xmlns:v="urn:schemas-microsoft-com:vml" Requires="v">
-                <p:oleObj name="Image bitmap" r:id="rId5" imgW="3591000" imgH="2457360" progId="Paint.Picture">
-                  <p:embed/>
-                </p:oleObj>
-              </mc:Choice>
-              <mc:Fallback>
-                <p:oleObj name="Image bitmap" r:id="rId5" imgW="3591000" imgH="2457360" progId="Paint.Picture">
-                  <p:embed/>
-                  <p:pic>
-                    <p:nvPicPr>
-                      <p:cNvPr id="2" name="Objet 1">
-                        <a:extLst>
-                          <a:ext uri="{FF2B5EF4-FFF2-40B4-BE49-F238E27FC236}">
-                            <a16:creationId xmlns:a16="http://schemas.microsoft.com/office/drawing/2014/main" id="{CC539050-DC71-40B7-9995-F867D8F46FD6}"/>
-                          </a:ext>
-                        </a:extLst>
-                      </p:cNvPr>
-                      <p:cNvPicPr/>
-                      <p:nvPr/>
-                    </p:nvPicPr>
-                    <p:blipFill>
-                      <a:blip r:embed="rId6"/>
-                      <a:stretch>
-                        <a:fillRect/>
-                      </a:stretch>
-                    </p:blipFill>
-                    <p:spPr>
-                      <a:xfrm>
-                        <a:off x="1435879" y="3012521"/>
-                        <a:ext cx="4588784" cy="3140335"/>
-                      </a:xfrm>
-                      <a:prstGeom prst="rect">
-                        <a:avLst/>
-                      </a:prstGeom>
-                    </p:spPr>
-                  </p:pic>
-                </p:oleObj>
-              </mc:Fallback>
-            </mc:AlternateContent>
-          </a:graphicData>
-        </a:graphic>
-      </p:graphicFrame>
-      <p:sp>
-        <p:nvSpPr>
-          <p:cNvPr id="8" name="ZoneTexte 7">
-            <a:extLst>
-              <a:ext uri="{FF2B5EF4-FFF2-40B4-BE49-F238E27FC236}">
-                <a16:creationId xmlns:a16="http://schemas.microsoft.com/office/drawing/2014/main" id="{9A4874F0-4465-F97E-0D7F-B7EBD6F49ED4}"/>
-              </a:ext>
-            </a:extLst>
-          </p:cNvPr>
-          <p:cNvSpPr txBox="1"/>
-          <p:nvPr/>
-        </p:nvSpPr>
-        <p:spPr>
-          <a:xfrm>
-            <a:off x="1892539" y="3335687"/>
-            <a:ext cx="3526614" cy="1200329"/>
-          </a:xfrm>
-          <a:prstGeom prst="rect">
-            <a:avLst/>
-          </a:prstGeom>
-          <a:solidFill>
-            <a:schemeClr val="accent1">
-              <a:lumMod val="40000"/>
-              <a:lumOff val="60000"/>
-            </a:schemeClr>
-          </a:solidFill>
-        </p:spPr>
-        <p:txBody>
-          <a:bodyPr wrap="square" rtlCol="0">
-            <a:spAutoFit/>
-          </a:bodyPr>
-          <a:lstStyle/>
-          <a:p>
-            <a:r>
-              <a:rPr lang="fr-FR" b="1" dirty="0"/>
-              <a:t>import</a:t>
-            </a:r>
-            <a:r>
-              <a:rPr lang="fr-FR" dirty="0"/>
-              <a:t> </a:t>
-            </a:r>
-            <a:r>
-              <a:rPr lang="fr-FR" dirty="0" err="1"/>
-              <a:t>matplotlib.pyplot</a:t>
-            </a:r>
-            <a:r>
-              <a:rPr lang="fr-FR" dirty="0"/>
-              <a:t> </a:t>
-            </a:r>
-            <a:r>
-              <a:rPr lang="fr-FR" b="1" dirty="0"/>
-              <a:t>as</a:t>
-            </a:r>
-            <a:r>
-              <a:rPr lang="fr-FR" dirty="0"/>
-              <a:t> </a:t>
-            </a:r>
-            <a:r>
-              <a:rPr lang="fr-FR" dirty="0" err="1"/>
-              <a:t>plt</a:t>
-            </a:r>
-            <a:endParaRPr lang="fr-FR" dirty="0"/>
-          </a:p>
-          <a:p>
-            <a:r>
-              <a:rPr lang="fr-FR" b="1" dirty="0" err="1"/>
-              <a:t>plt</a:t>
-            </a:r>
-            <a:r>
-              <a:rPr lang="fr-FR" dirty="0" err="1"/>
-              <a:t>.</a:t>
-            </a:r>
-            <a:r>
-              <a:rPr lang="fr-FR" b="1" dirty="0" err="1"/>
-              <a:t>figure</a:t>
-            </a:r>
-            <a:r>
-              <a:rPr lang="fr-FR" b="1" dirty="0"/>
-              <a:t>()</a:t>
-            </a:r>
-          </a:p>
-          <a:p>
-            <a:r>
-              <a:rPr lang="fr-FR" b="1" dirty="0" err="1"/>
-              <a:t>plt</a:t>
-            </a:r>
-            <a:r>
-              <a:rPr lang="fr-FR" dirty="0" err="1"/>
-              <a:t>.</a:t>
-            </a:r>
-            <a:r>
-              <a:rPr lang="fr-FR" b="1" dirty="0" err="1"/>
-              <a:t>plot</a:t>
-            </a:r>
-            <a:r>
-              <a:rPr lang="fr-FR" b="1" dirty="0"/>
-              <a:t>( </a:t>
-            </a:r>
-            <a:r>
-              <a:rPr lang="fr-FR" dirty="0"/>
-              <a:t>v</a:t>
-            </a:r>
-            <a:r>
-              <a:rPr lang="fr-FR" b="1" dirty="0"/>
-              <a:t> )</a:t>
-            </a:r>
-          </a:p>
-          <a:p>
-            <a:r>
-              <a:rPr lang="fr-FR" b="1" dirty="0" err="1"/>
-              <a:t>plt</a:t>
-            </a:r>
-            <a:r>
-              <a:rPr lang="fr-FR" dirty="0" err="1"/>
-              <a:t>.</a:t>
-            </a:r>
-            <a:r>
-              <a:rPr lang="fr-FR" b="1" dirty="0" err="1"/>
-              <a:t>show</a:t>
-            </a:r>
-            <a:r>
-              <a:rPr lang="fr-FR" b="1" dirty="0"/>
-              <a:t>()</a:t>
-            </a:r>
-          </a:p>
-        </p:txBody>
-      </p:sp>
-      <p:pic>
-        <p:nvPicPr>
-          <p:cNvPr id="14" name="Picture 8">
-            <a:extLst>
-              <a:ext uri="{FF2B5EF4-FFF2-40B4-BE49-F238E27FC236}">
-                <a16:creationId xmlns:a16="http://schemas.microsoft.com/office/drawing/2014/main" id="{FF5B628A-FB8E-8706-2245-A4BD3BE5EC66}"/>
-              </a:ext>
-            </a:extLst>
-          </p:cNvPr>
-          <p:cNvPicPr>
-            <a:picLocks noChangeAspect="1" noChangeArrowheads="1"/>
-          </p:cNvPicPr>
-          <p:nvPr/>
-        </p:nvPicPr>
-        <p:blipFill>
-          <a:blip r:embed="rId7">
-            <a:extLst>
-              <a:ext uri="{28A0092B-C50C-407E-A947-70E740481C1C}">
-                <a14:useLocalDpi xmlns:a14="http://schemas.microsoft.com/office/drawing/2010/main" val="0"/>
-              </a:ext>
-            </a:extLst>
-          </a:blip>
-          <a:srcRect/>
-          <a:stretch>
-            <a:fillRect/>
-          </a:stretch>
-        </p:blipFill>
-        <p:spPr bwMode="auto">
-          <a:xfrm>
-            <a:off x="2028213" y="4749901"/>
-            <a:ext cx="1504236" cy="314176"/>
-          </a:xfrm>
-          <a:prstGeom prst="rect">
-            <a:avLst/>
-          </a:prstGeom>
-          <a:noFill/>
-          <a:extLst>
-            <a:ext uri="{909E8E84-426E-40DD-AFC4-6F175D3DCCD1}">
-              <a14:hiddenFill xmlns:a14="http://schemas.microsoft.com/office/drawing/2010/main">
-                <a:solidFill>
-                  <a:srgbClr val="FFFFFF"/>
-                </a:solidFill>
-              </a14:hiddenFill>
-            </a:ext>
-          </a:extLst>
-        </p:spPr>
-      </p:pic>
-      <p:sp>
-        <p:nvSpPr>
-          <p:cNvPr id="15" name="ZoneTexte 14">
-            <a:extLst>
-              <a:ext uri="{FF2B5EF4-FFF2-40B4-BE49-F238E27FC236}">
-                <a16:creationId xmlns:a16="http://schemas.microsoft.com/office/drawing/2014/main" id="{E0622A34-4DD9-B950-BE03-F584A3310D66}"/>
-              </a:ext>
-            </a:extLst>
-          </p:cNvPr>
-          <p:cNvSpPr txBox="1"/>
-          <p:nvPr/>
-        </p:nvSpPr>
-        <p:spPr>
-          <a:xfrm>
-            <a:off x="6344973" y="3515268"/>
-            <a:ext cx="4765173" cy="1200329"/>
-          </a:xfrm>
-          <a:prstGeom prst="rect">
-            <a:avLst/>
-          </a:prstGeom>
-          <a:solidFill>
-            <a:schemeClr val="accent1">
-              <a:lumMod val="40000"/>
-              <a:lumOff val="60000"/>
-            </a:schemeClr>
-          </a:solidFill>
-        </p:spPr>
-        <p:txBody>
-          <a:bodyPr wrap="square" rtlCol="0">
-            <a:spAutoFit/>
-          </a:bodyPr>
-          <a:lstStyle/>
-          <a:p>
-            <a:r>
-              <a:rPr lang="fr-FR" dirty="0"/>
-              <a:t>v2 = v</a:t>
-            </a:r>
-            <a:r>
-              <a:rPr lang="fr-FR" b="1" dirty="0"/>
-              <a:t>[ </a:t>
-            </a:r>
-            <a:r>
-              <a:rPr lang="fr-FR" dirty="0"/>
-              <a:t>10</a:t>
-            </a:r>
-            <a:r>
-              <a:rPr lang="fr-FR" b="1" dirty="0"/>
-              <a:t> : </a:t>
-            </a:r>
-            <a:r>
-              <a:rPr lang="fr-FR" dirty="0"/>
-              <a:t>100</a:t>
-            </a:r>
-            <a:r>
-              <a:rPr lang="fr-FR" b="1" dirty="0"/>
-              <a:t> ]</a:t>
-            </a:r>
-          </a:p>
-          <a:p>
-            <a:r>
-              <a:rPr lang="fr-FR" b="1" dirty="0" err="1"/>
-              <a:t>plt</a:t>
-            </a:r>
-            <a:r>
-              <a:rPr lang="fr-FR" dirty="0" err="1"/>
-              <a:t>.</a:t>
-            </a:r>
-            <a:r>
-              <a:rPr lang="fr-FR" b="1" dirty="0" err="1"/>
-              <a:t>figure</a:t>
-            </a:r>
-            <a:r>
-              <a:rPr lang="fr-FR" b="1" dirty="0"/>
-              <a:t>() </a:t>
-            </a:r>
-          </a:p>
-          <a:p>
-            <a:r>
-              <a:rPr lang="fr-FR" b="1" dirty="0" err="1"/>
-              <a:t>plt</a:t>
-            </a:r>
-            <a:r>
-              <a:rPr lang="fr-FR" dirty="0" err="1"/>
-              <a:t>.</a:t>
-            </a:r>
-            <a:r>
-              <a:rPr lang="fr-FR" b="1" dirty="0" err="1"/>
-              <a:t>plot</a:t>
-            </a:r>
-            <a:r>
-              <a:rPr lang="fr-FR" b="1" dirty="0"/>
-              <a:t>( </a:t>
-            </a:r>
-            <a:r>
-              <a:rPr lang="fr-FR" dirty="0"/>
-              <a:t>v2 </a:t>
-            </a:r>
-            <a:r>
-              <a:rPr lang="fr-FR" b="1" dirty="0"/>
-              <a:t>)</a:t>
-            </a:r>
-          </a:p>
-          <a:p>
-            <a:r>
-              <a:rPr lang="fr-FR" b="1" dirty="0" err="1"/>
-              <a:t>plt</a:t>
-            </a:r>
-            <a:r>
-              <a:rPr lang="fr-FR" dirty="0" err="1"/>
-              <a:t>.</a:t>
-            </a:r>
-            <a:r>
-              <a:rPr lang="fr-FR" b="1" dirty="0" err="1"/>
-              <a:t>show</a:t>
-            </a:r>
-            <a:r>
-              <a:rPr lang="fr-FR" b="1" dirty="0"/>
-              <a:t>()</a:t>
-            </a:r>
-          </a:p>
-        </p:txBody>
-      </p:sp>
-      <p:graphicFrame>
-        <p:nvGraphicFramePr>
-          <p:cNvPr id="16" name="Objet 15">
-            <a:extLst>
-              <a:ext uri="{FF2B5EF4-FFF2-40B4-BE49-F238E27FC236}">
-                <a16:creationId xmlns:a16="http://schemas.microsoft.com/office/drawing/2014/main" id="{DB5813F3-7880-5D9F-EDFE-FA9D6D887AB7}"/>
-              </a:ext>
-            </a:extLst>
-          </p:cNvPr>
-          <p:cNvGraphicFramePr>
-            <a:graphicFrameLocks noChangeAspect="1"/>
-          </p:cNvGraphicFramePr>
-          <p:nvPr>
-            <p:extLst>
-              <p:ext uri="{D42A27DB-BD31-4B8C-83A1-F6EECF244321}">
-                <p14:modId xmlns:p14="http://schemas.microsoft.com/office/powerpoint/2010/main" val="965139167"/>
-              </p:ext>
-            </p:extLst>
-          </p:nvPr>
-        </p:nvGraphicFramePr>
-        <p:xfrm>
-          <a:off x="8291988" y="4101372"/>
-          <a:ext cx="3571875" cy="2466975"/>
-        </p:xfrm>
-        <a:graphic>
-          <a:graphicData uri="http://schemas.openxmlformats.org/presentationml/2006/ole">
-            <mc:AlternateContent xmlns:mc="http://schemas.openxmlformats.org/markup-compatibility/2006">
-              <mc:Choice xmlns:v="urn:schemas-microsoft-com:vml" Requires="v">
-                <p:oleObj name="Image bitmap" r:id="rId8" imgW="3571920" imgH="2467080" progId="Paint.Picture">
-                  <p:embed/>
-                </p:oleObj>
-              </mc:Choice>
-              <mc:Fallback>
-                <p:oleObj name="Image bitmap" r:id="rId8" imgW="3571920" imgH="2467080" progId="Paint.Picture">
-                  <p:embed/>
-                  <p:pic>
-                    <p:nvPicPr>
-                      <p:cNvPr id="8" name="Objet 7">
-                        <a:extLst>
-                          <a:ext uri="{FF2B5EF4-FFF2-40B4-BE49-F238E27FC236}">
-                            <a16:creationId xmlns:a16="http://schemas.microsoft.com/office/drawing/2014/main" id="{66B838F1-304B-4607-A8D0-B952634EF92D}"/>
-                          </a:ext>
-                        </a:extLst>
-                      </p:cNvPr>
-                      <p:cNvPicPr/>
-                      <p:nvPr/>
-                    </p:nvPicPr>
-                    <p:blipFill>
-                      <a:blip r:embed="rId9"/>
-                      <a:stretch>
-                        <a:fillRect/>
-                      </a:stretch>
-                    </p:blipFill>
-                    <p:spPr>
-                      <a:xfrm>
-                        <a:off x="8291988" y="4101372"/>
-                        <a:ext cx="3571875" cy="2466975"/>
-                      </a:xfrm>
-                      <a:prstGeom prst="rect">
-                        <a:avLst/>
-                      </a:prstGeom>
-                    </p:spPr>
-                  </p:pic>
-                </p:oleObj>
-              </mc:Fallback>
-            </mc:AlternateContent>
-          </a:graphicData>
-        </a:graphic>
-      </p:graphicFrame>
-      <p:sp>
-        <p:nvSpPr>
-          <p:cNvPr id="4" name="Espace réservé du numéro de diapositive 3">
-            <a:extLst>
-              <a:ext uri="{FF2B5EF4-FFF2-40B4-BE49-F238E27FC236}">
-                <a16:creationId xmlns:a16="http://schemas.microsoft.com/office/drawing/2014/main" id="{34A08C9D-02BB-2E5D-168A-59D5BD1D2715}"/>
-              </a:ext>
-            </a:extLst>
-          </p:cNvPr>
-          <p:cNvSpPr>
-            <a:spLocks noGrp="1"/>
-          </p:cNvSpPr>
-          <p:nvPr>
-            <p:ph type="sldNum" sz="quarter" idx="12"/>
-          </p:nvPr>
-        </p:nvSpPr>
-        <p:spPr/>
-        <p:txBody>
-          <a:bodyPr/>
-          <a:lstStyle/>
-          <a:p>
-            <a:fld id="{B2DC25EE-239B-4C5F-AAD1-255A7D5F1EE2}" type="slidenum">
-              <a:rPr lang="en-US" smtClean="0"/>
-              <a:t>23</a:t>
-            </a:fld>
-            <a:endParaRPr lang="en-US"/>
-          </a:p>
-        </p:txBody>
-      </p:sp>
-    </p:spTree>
-    <p:extLst>
-      <p:ext uri="{BB962C8B-B14F-4D97-AF65-F5344CB8AC3E}">
-        <p14:creationId xmlns:p14="http://schemas.microsoft.com/office/powerpoint/2010/main" val="754678351"/>
-      </p:ext>
-    </p:extLst>
-  </p:cSld>
-  <p:clrMapOvr>
-    <a:masterClrMapping/>
-  </p:clrMapOvr>
-</p:sld>
-</file>
-
-<file path=ppt/slides/slide24.xml><?xml version="1.0" encoding="utf-8"?>
+<file path=ppt/slides/slide28.xml><?xml version="1.0" encoding="utf-8"?>
 <p:sld xmlns:a="http://schemas.openxmlformats.org/drawingml/2006/main" xmlns:r="http://schemas.openxmlformats.org/officeDocument/2006/relationships" xmlns:p="http://schemas.openxmlformats.org/presentationml/2006/main">
   <p:cSld>
     <p:bg>
@@ -18490,8 +20515,8 @@
           <a:lstStyle/>
           <a:p>
             <a:r>
-              <a:rPr lang="fr-FR" dirty="0"/>
-              <a:t>Affichage des figures</a:t>
+              <a:rPr lang="fr-FR" i="1" dirty="0"/>
+              <a:t>Variable explorer</a:t>
             </a:r>
           </a:p>
         </p:txBody>
@@ -18584,7 +20609,7 @@
           <p:cNvPr id="7" name="Image 6">
             <a:extLst>
               <a:ext uri="{FF2B5EF4-FFF2-40B4-BE49-F238E27FC236}">
-                <a16:creationId xmlns:a16="http://schemas.microsoft.com/office/drawing/2014/main" id="{11ABFDFC-75A2-88F4-F96B-2B8D9352F131}"/>
+                <a16:creationId xmlns:a16="http://schemas.microsoft.com/office/drawing/2014/main" id="{0ABB0E92-EFE8-C12C-5E6A-461A9F143B80}"/>
               </a:ext>
             </a:extLst>
           </p:cNvPr>
@@ -18601,8 +20626,8 @@
         </p:blipFill>
         <p:spPr>
           <a:xfrm>
-            <a:off x="6675151" y="2201595"/>
-            <a:ext cx="5046867" cy="4482669"/>
+            <a:off x="4904142" y="2543415"/>
+            <a:ext cx="6793940" cy="3884817"/>
           </a:xfrm>
           <a:prstGeom prst="rect">
             <a:avLst/>
@@ -18611,147 +20636,10 @@
       </p:pic>
       <p:sp>
         <p:nvSpPr>
-          <p:cNvPr id="10" name="ZoneTexte 9">
-            <a:extLst>
-              <a:ext uri="{FF2B5EF4-FFF2-40B4-BE49-F238E27FC236}">
-                <a16:creationId xmlns:a16="http://schemas.microsoft.com/office/drawing/2014/main" id="{45A21990-B3F6-9814-8531-9E1389F751D1}"/>
-              </a:ext>
-            </a:extLst>
-          </p:cNvPr>
-          <p:cNvSpPr txBox="1"/>
-          <p:nvPr/>
-        </p:nvSpPr>
-        <p:spPr>
-          <a:xfrm>
-            <a:off x="1892539" y="3335687"/>
-            <a:ext cx="3526614" cy="923330"/>
-          </a:xfrm>
-          <a:prstGeom prst="rect">
-            <a:avLst/>
-          </a:prstGeom>
-          <a:solidFill>
-            <a:schemeClr val="accent1">
-              <a:lumMod val="40000"/>
-              <a:lumOff val="60000"/>
-            </a:schemeClr>
-          </a:solidFill>
-        </p:spPr>
-        <p:txBody>
-          <a:bodyPr wrap="square" rtlCol="0">
-            <a:spAutoFit/>
-          </a:bodyPr>
-          <a:lstStyle/>
-          <a:p>
-            <a:r>
-              <a:rPr lang="fr-FR" b="1" dirty="0"/>
-              <a:t>Tools / </a:t>
-            </a:r>
-            <a:r>
-              <a:rPr lang="fr-FR" b="1" dirty="0" err="1"/>
-              <a:t>Preferences</a:t>
-            </a:r>
-            <a:endParaRPr lang="fr-FR" b="1" dirty="0"/>
-          </a:p>
-          <a:p>
-            <a:r>
-              <a:rPr lang="fr-FR" i="1" dirty="0"/>
-              <a:t>ou</a:t>
-            </a:r>
-          </a:p>
-          <a:p>
-            <a:r>
-              <a:rPr lang="fr-FR" b="1" dirty="0"/>
-              <a:t>Outils / Préférences</a:t>
-            </a:r>
-          </a:p>
-        </p:txBody>
-      </p:sp>
-      <p:sp>
-        <p:nvSpPr>
-          <p:cNvPr id="12" name="ZoneTexte 11">
-            <a:extLst>
-              <a:ext uri="{FF2B5EF4-FFF2-40B4-BE49-F238E27FC236}">
-                <a16:creationId xmlns:a16="http://schemas.microsoft.com/office/drawing/2014/main" id="{9B16F28D-D537-8B93-21FE-14A255FA4F9D}"/>
-              </a:ext>
-            </a:extLst>
-          </p:cNvPr>
-          <p:cNvSpPr txBox="1"/>
-          <p:nvPr/>
-        </p:nvSpPr>
-        <p:spPr>
-          <a:xfrm>
-            <a:off x="1892539" y="4442929"/>
-            <a:ext cx="3526614" cy="1200329"/>
-          </a:xfrm>
-          <a:prstGeom prst="rect">
-            <a:avLst/>
-          </a:prstGeom>
-          <a:solidFill>
-            <a:schemeClr val="accent1">
-              <a:lumMod val="40000"/>
-              <a:lumOff val="60000"/>
-            </a:schemeClr>
-          </a:solidFill>
-        </p:spPr>
-        <p:txBody>
-          <a:bodyPr wrap="square" rtlCol="0">
-            <a:spAutoFit/>
-          </a:bodyPr>
-          <a:lstStyle/>
-          <a:p>
-            <a:r>
-              <a:rPr lang="fr-FR" b="1" dirty="0" err="1"/>
-              <a:t>IPython</a:t>
-            </a:r>
-            <a:r>
-              <a:rPr lang="fr-FR" b="1" dirty="0"/>
-              <a:t> console</a:t>
-            </a:r>
-          </a:p>
-          <a:p>
-            <a:r>
-              <a:rPr lang="fr-FR" b="1" dirty="0"/>
-              <a:t>	Graphics</a:t>
-            </a:r>
-          </a:p>
-          <a:p>
-            <a:r>
-              <a:rPr lang="fr-FR" b="1" dirty="0"/>
-              <a:t>		</a:t>
-            </a:r>
-            <a:r>
-              <a:rPr lang="fr-FR" dirty="0" err="1"/>
-              <a:t>Activate</a:t>
-            </a:r>
-            <a:r>
-              <a:rPr lang="fr-FR" dirty="0"/>
-              <a:t> Support </a:t>
-            </a:r>
-            <a:br>
-              <a:rPr lang="fr-FR" b="1" dirty="0"/>
-            </a:br>
-            <a:r>
-              <a:rPr lang="fr-FR" b="1" dirty="0"/>
-              <a:t>		</a:t>
-            </a:r>
-            <a:r>
-              <a:rPr lang="fr-FR" dirty="0"/>
-              <a:t>Backend : </a:t>
-            </a:r>
-            <a:r>
-              <a:rPr lang="fr-FR" b="1" dirty="0" err="1"/>
-              <a:t>Automatic</a:t>
-            </a:r>
-            <a:endParaRPr lang="fr-FR" b="1" dirty="0"/>
-          </a:p>
-        </p:txBody>
-      </p:sp>
-      <p:sp>
-        <p:nvSpPr>
           <p:cNvPr id="6" name="Espace réservé du numéro de diapositive 5">
             <a:extLst>
               <a:ext uri="{FF2B5EF4-FFF2-40B4-BE49-F238E27FC236}">
-                <a16:creationId xmlns:a16="http://schemas.microsoft.com/office/drawing/2014/main" id="{0661C155-4B14-3CE6-1A5A-4344075AD9BD}"/>
+                <a16:creationId xmlns:a16="http://schemas.microsoft.com/office/drawing/2014/main" id="{69B58F3D-E192-282A-4E8F-A1DE66F95B63}"/>
               </a:ext>
             </a:extLst>
           </p:cNvPr>
@@ -18769,7 +20657,7 @@
           <a:p>
             <a:fld id="{B2DC25EE-239B-4C5F-AAD1-255A7D5F1EE2}" type="slidenum">
               <a:rPr lang="en-US" smtClean="0"/>
-              <a:t>24</a:t>
+              <a:t>28</a:t>
             </a:fld>
             <a:endParaRPr lang="en-US"/>
           </a:p>
@@ -18778,7 +20666,7 @@
     </p:spTree>
     <p:extLst>
       <p:ext uri="{BB962C8B-B14F-4D97-AF65-F5344CB8AC3E}">
-        <p14:creationId xmlns:p14="http://schemas.microsoft.com/office/powerpoint/2010/main" val="683804796"/>
+        <p14:creationId xmlns:p14="http://schemas.microsoft.com/office/powerpoint/2010/main" val="4039983876"/>
       </p:ext>
     </p:extLst>
   </p:cSld>
@@ -18788,7 +20676,7 @@
 </p:sld>
 </file>
 
-<file path=ppt/slides/slide25.xml><?xml version="1.0" encoding="utf-8"?>
+<file path=ppt/slides/slide29.xml><?xml version="1.0" encoding="utf-8"?>
 <p:sld xmlns:a="http://schemas.openxmlformats.org/drawingml/2006/main" xmlns:r="http://schemas.openxmlformats.org/officeDocument/2006/relationships" xmlns:p="http://schemas.openxmlformats.org/presentationml/2006/main">
   <p:cSld>
     <p:spTree>
@@ -19021,7 +20909,7 @@
           <a:p>
             <a:fld id="{B2DC25EE-239B-4C5F-AAD1-255A7D5F1EE2}" type="slidenum">
               <a:rPr lang="en-US" smtClean="0"/>
-              <a:t>25</a:t>
+              <a:t>29</a:t>
             </a:fld>
             <a:endParaRPr lang="en-US"/>
           </a:p>
@@ -19040,17 +20928,9 @@
 </p:sld>
 </file>
 
-<file path=ppt/slides/slide26.xml><?xml version="1.0" encoding="utf-8"?>
+<file path=ppt/slides/slide3.xml><?xml version="1.0" encoding="utf-8"?>
 <p:sld xmlns:a="http://schemas.openxmlformats.org/drawingml/2006/main" xmlns:r="http://schemas.openxmlformats.org/officeDocument/2006/relationships" xmlns:p="http://schemas.openxmlformats.org/presentationml/2006/main">
   <p:cSld>
-    <p:bg>
-      <p:bgPr>
-        <a:solidFill>
-          <a:srgbClr val="A08DDB"/>
-        </a:solidFill>
-        <a:effectLst/>
-      </p:bgPr>
-    </p:bg>
     <p:spTree>
       <p:nvGrpSpPr>
         <p:cNvPr id="1" name=""/>
@@ -19088,7 +20968,7 @@
           <a:p>
             <a:r>
               <a:rPr lang="fr-FR" dirty="0"/>
-              <a:t>Toutes les données sont traitées pareil !?</a:t>
+              <a:t>Distributions / Environnements</a:t>
             </a:r>
           </a:p>
         </p:txBody>
@@ -19109,51 +20989,19 @@
             <p:ph sz="half" idx="1"/>
           </p:nvPr>
         </p:nvSpPr>
-        <p:spPr/>
+        <p:spPr>
+          <a:xfrm>
+            <a:off x="1115568" y="2478024"/>
+            <a:ext cx="10241082" cy="3694176"/>
+          </a:xfrm>
+        </p:spPr>
         <p:txBody>
           <a:bodyPr/>
           <a:lstStyle/>
           <a:p>
             <a:r>
-              <a:rPr lang="fr-FR" dirty="0">
-                <a:solidFill>
-                  <a:schemeClr val="bg1"/>
-                </a:solidFill>
-              </a:rPr>
-              <a:t>Testez les deux calculs suivants sous Python</a:t>
-            </a:r>
-          </a:p>
-          <a:p>
-            <a:endParaRPr lang="fr-FR" dirty="0">
-              <a:solidFill>
-                <a:schemeClr val="bg1"/>
-              </a:solidFill>
-            </a:endParaRPr>
-          </a:p>
-          <a:p>
-            <a:pPr marL="0" indent="0">
-              <a:buNone/>
-            </a:pPr>
-            <a:r>
-              <a:rPr lang="fr-FR" dirty="0">
-                <a:solidFill>
-                  <a:schemeClr val="bg1"/>
-                </a:solidFill>
-              </a:rPr>
-              <a:t>&gt; 3 – 2 – 1</a:t>
-            </a:r>
-          </a:p>
-          <a:p>
-            <a:pPr marL="0" indent="0">
-              <a:buNone/>
-            </a:pPr>
-            <a:r>
-              <a:rPr lang="fr-FR" dirty="0">
-                <a:solidFill>
-                  <a:schemeClr val="bg1"/>
-                </a:solidFill>
-              </a:rPr>
-              <a:t>&gt; 0.3 – 0.2 – 0.1</a:t>
+              <a:rPr lang="fr-FR" dirty="0"/>
+              <a:t>Installation de bibliothèques / packages</a:t>
             </a:r>
           </a:p>
         </p:txBody>
@@ -19164,42 +21012,6 @@
             <a:extLst>
               <a:ext uri="{FF2B5EF4-FFF2-40B4-BE49-F238E27FC236}">
                 <a16:creationId xmlns:a16="http://schemas.microsoft.com/office/drawing/2014/main" id="{66D2630B-81F4-A4EB-21BA-8B90CF30BD92}"/>
-              </a:ext>
-            </a:extLst>
-          </p:cNvPr>
-          <p:cNvPicPr>
-            <a:picLocks noChangeAspect="1"/>
-          </p:cNvPicPr>
-          <p:nvPr/>
-        </p:nvPicPr>
-        <p:blipFill>
-          <a:blip r:embed="rId2">
-            <a:extLst>
-              <a:ext uri="{28A0092B-C50C-407E-A947-70E740481C1C}">
-                <a14:useLocalDpi xmlns:a14="http://schemas.microsoft.com/office/drawing/2010/main" val="0"/>
-              </a:ext>
-            </a:extLst>
-          </a:blip>
-          <a:stretch>
-            <a:fillRect/>
-          </a:stretch>
-        </p:blipFill>
-        <p:spPr>
-          <a:xfrm>
-            <a:off x="202922" y="5934456"/>
-            <a:ext cx="1825291" cy="749808"/>
-          </a:xfrm>
-          <a:prstGeom prst="rect">
-            <a:avLst/>
-          </a:prstGeom>
-        </p:spPr>
-      </p:pic>
-      <p:pic>
-        <p:nvPicPr>
-          <p:cNvPr id="6" name="Graphique 5" descr="Interface utilisateur ou expérience utilisateur avec un remplissage uni">
-            <a:extLst>
-              <a:ext uri="{FF2B5EF4-FFF2-40B4-BE49-F238E27FC236}">
-                <a16:creationId xmlns:a16="http://schemas.microsoft.com/office/drawing/2014/main" id="{46377AE9-DBA0-15AA-566B-DEADBC24E5E5}"/>
               </a:ext>
             </a:extLst>
           </p:cNvPr>
@@ -19214,9 +21026,6 @@
               <a:ext uri="{28A0092B-C50C-407E-A947-70E740481C1C}">
                 <a14:useLocalDpi xmlns:a14="http://schemas.microsoft.com/office/drawing/2010/main" val="0"/>
               </a:ext>
-              <a:ext uri="{96DAC541-7B7A-43D3-8B79-37D633B846F1}">
-                <asvg:svgBlip xmlns:asvg="http://schemas.microsoft.com/office/drawing/2016/SVG/main" r:embed="rId4"/>
-              </a:ext>
             </a:extLst>
           </a:blip>
           <a:stretch>
@@ -19225,20 +21034,266 @@
         </p:blipFill>
         <p:spPr>
           <a:xfrm>
-            <a:off x="8676968" y="2241755"/>
-            <a:ext cx="1691149" cy="1691149"/>
+            <a:off x="202922" y="5934456"/>
+            <a:ext cx="1825291" cy="749808"/>
           </a:xfrm>
           <a:prstGeom prst="rect">
             <a:avLst/>
           </a:prstGeom>
         </p:spPr>
       </p:pic>
+      <p:pic>
+        <p:nvPicPr>
+          <p:cNvPr id="7" name="Image 6">
+            <a:extLst>
+              <a:ext uri="{FF2B5EF4-FFF2-40B4-BE49-F238E27FC236}">
+                <a16:creationId xmlns:a16="http://schemas.microsoft.com/office/drawing/2014/main" id="{5BB01D49-602A-9314-FD1F-4EC628128217}"/>
+              </a:ext>
+            </a:extLst>
+          </p:cNvPr>
+          <p:cNvPicPr>
+            <a:picLocks noChangeAspect="1"/>
+          </p:cNvPicPr>
+          <p:nvPr/>
+        </p:nvPicPr>
+        <p:blipFill>
+          <a:blip r:embed="rId4"/>
+          <a:stretch>
+            <a:fillRect/>
+          </a:stretch>
+        </p:blipFill>
+        <p:spPr>
+          <a:xfrm>
+            <a:off x="10077926" y="593679"/>
+            <a:ext cx="1081825" cy="1089498"/>
+          </a:xfrm>
+          <a:prstGeom prst="rect">
+            <a:avLst/>
+          </a:prstGeom>
+        </p:spPr>
+      </p:pic>
+      <p:sp>
+        <p:nvSpPr>
+          <p:cNvPr id="13" name="ZoneTexte 12">
+            <a:extLst>
+              <a:ext uri="{FF2B5EF4-FFF2-40B4-BE49-F238E27FC236}">
+                <a16:creationId xmlns:a16="http://schemas.microsoft.com/office/drawing/2014/main" id="{C4BAF194-1DAB-D8B5-3DF2-147C9B78F1A3}"/>
+              </a:ext>
+            </a:extLst>
+          </p:cNvPr>
+          <p:cNvSpPr txBox="1"/>
+          <p:nvPr/>
+        </p:nvSpPr>
+        <p:spPr>
+          <a:xfrm>
+            <a:off x="824860" y="3090446"/>
+            <a:ext cx="4765173" cy="923330"/>
+          </a:xfrm>
+          <a:prstGeom prst="rect">
+            <a:avLst/>
+          </a:prstGeom>
+          <a:solidFill>
+            <a:schemeClr val="accent1">
+              <a:lumMod val="60000"/>
+              <a:lumOff val="40000"/>
+            </a:schemeClr>
+          </a:solidFill>
+        </p:spPr>
+        <p:txBody>
+          <a:bodyPr wrap="square" rtlCol="0">
+            <a:spAutoFit/>
+          </a:bodyPr>
+          <a:lstStyle/>
+          <a:p>
+            <a:r>
+              <a:rPr lang="fr-FR" b="1" dirty="0"/>
+              <a:t>Dans un </a:t>
+            </a:r>
+            <a:r>
+              <a:rPr lang="fr-FR" b="1" dirty="0" err="1"/>
+              <a:t>shell</a:t>
+            </a:r>
+            <a:r>
+              <a:rPr lang="fr-FR" b="1" dirty="0"/>
+              <a:t>/prompt</a:t>
+            </a:r>
+          </a:p>
+          <a:p>
+            <a:endParaRPr lang="fr-FR" b="1" dirty="0">
+              <a:solidFill>
+                <a:schemeClr val="bg1"/>
+              </a:solidFill>
+            </a:endParaRPr>
+          </a:p>
+          <a:p>
+            <a:r>
+              <a:rPr lang="fr-FR" b="1" dirty="0">
+                <a:solidFill>
+                  <a:schemeClr val="bg1"/>
+                </a:solidFill>
+              </a:rPr>
+              <a:t>&gt; </a:t>
+            </a:r>
+            <a:r>
+              <a:rPr lang="fr-FR" b="1" dirty="0" err="1"/>
+              <a:t>pip</a:t>
+            </a:r>
+            <a:r>
+              <a:rPr lang="fr-FR" b="1" dirty="0">
+                <a:solidFill>
+                  <a:schemeClr val="bg1"/>
+                </a:solidFill>
+              </a:rPr>
+              <a:t> </a:t>
+            </a:r>
+            <a:r>
+              <a:rPr lang="fr-FR" b="1" dirty="0" err="1">
+                <a:solidFill>
+                  <a:schemeClr val="tx1">
+                    <a:lumMod val="75000"/>
+                    <a:lumOff val="25000"/>
+                  </a:schemeClr>
+                </a:solidFill>
+              </a:rPr>
+              <a:t>install</a:t>
+            </a:r>
+            <a:r>
+              <a:rPr lang="fr-FR" b="1" dirty="0">
+                <a:solidFill>
+                  <a:schemeClr val="tx1">
+                    <a:lumMod val="75000"/>
+                    <a:lumOff val="25000"/>
+                  </a:schemeClr>
+                </a:solidFill>
+              </a:rPr>
+              <a:t> </a:t>
+            </a:r>
+            <a:r>
+              <a:rPr lang="fr-FR" b="1" dirty="0" err="1">
+                <a:solidFill>
+                  <a:schemeClr val="bg1"/>
+                </a:solidFill>
+              </a:rPr>
+              <a:t>numpy</a:t>
+            </a:r>
+            <a:endParaRPr lang="fr-FR" b="1" dirty="0"/>
+          </a:p>
+        </p:txBody>
+      </p:sp>
+      <p:sp>
+        <p:nvSpPr>
+          <p:cNvPr id="9" name="ZoneTexte 8">
+            <a:extLst>
+              <a:ext uri="{FF2B5EF4-FFF2-40B4-BE49-F238E27FC236}">
+                <a16:creationId xmlns:a16="http://schemas.microsoft.com/office/drawing/2014/main" id="{1242D1B6-FB6F-0BC3-3D48-25706D46377C}"/>
+              </a:ext>
+            </a:extLst>
+          </p:cNvPr>
+          <p:cNvSpPr txBox="1"/>
+          <p:nvPr/>
+        </p:nvSpPr>
+        <p:spPr>
+          <a:xfrm>
+            <a:off x="6090755" y="3090446"/>
+            <a:ext cx="4765173" cy="923330"/>
+          </a:xfrm>
+          <a:prstGeom prst="rect">
+            <a:avLst/>
+          </a:prstGeom>
+          <a:solidFill>
+            <a:schemeClr val="accent1">
+              <a:lumMod val="60000"/>
+              <a:lumOff val="40000"/>
+            </a:schemeClr>
+          </a:solidFill>
+        </p:spPr>
+        <p:txBody>
+          <a:bodyPr wrap="square" rtlCol="0">
+            <a:spAutoFit/>
+          </a:bodyPr>
+          <a:lstStyle/>
+          <a:p>
+            <a:r>
+              <a:rPr lang="fr-FR" b="1" dirty="0"/>
+              <a:t>Dans un </a:t>
+            </a:r>
+            <a:r>
+              <a:rPr lang="fr-FR" b="1" dirty="0" err="1"/>
+              <a:t>shell</a:t>
+            </a:r>
+            <a:r>
+              <a:rPr lang="fr-FR" b="1" dirty="0"/>
+              <a:t>/prompt (Anaconda)</a:t>
+            </a:r>
+          </a:p>
+          <a:p>
+            <a:endParaRPr lang="fr-FR" b="1" dirty="0">
+              <a:solidFill>
+                <a:schemeClr val="bg1"/>
+              </a:solidFill>
+            </a:endParaRPr>
+          </a:p>
+          <a:p>
+            <a:r>
+              <a:rPr lang="fr-FR" b="1" dirty="0">
+                <a:solidFill>
+                  <a:schemeClr val="bg1"/>
+                </a:solidFill>
+              </a:rPr>
+              <a:t>&gt; </a:t>
+            </a:r>
+            <a:r>
+              <a:rPr lang="fr-FR" b="1" dirty="0" err="1"/>
+              <a:t>conda</a:t>
+            </a:r>
+            <a:r>
+              <a:rPr lang="fr-FR" b="1" dirty="0">
+                <a:solidFill>
+                  <a:schemeClr val="bg1"/>
+                </a:solidFill>
+              </a:rPr>
+              <a:t> </a:t>
+            </a:r>
+            <a:r>
+              <a:rPr lang="fr-FR" b="1" dirty="0" err="1">
+                <a:solidFill>
+                  <a:schemeClr val="tx1">
+                    <a:lumMod val="75000"/>
+                    <a:lumOff val="25000"/>
+                  </a:schemeClr>
+                </a:solidFill>
+              </a:rPr>
+              <a:t>install</a:t>
+            </a:r>
+            <a:r>
+              <a:rPr lang="fr-FR" b="1" dirty="0">
+                <a:solidFill>
+                  <a:schemeClr val="tx1">
+                    <a:lumMod val="75000"/>
+                    <a:lumOff val="25000"/>
+                  </a:schemeClr>
+                </a:solidFill>
+              </a:rPr>
+              <a:t> </a:t>
+            </a:r>
+            <a:r>
+              <a:rPr lang="fr-FR" b="1" dirty="0" err="1">
+                <a:solidFill>
+                  <a:schemeClr val="bg1"/>
+                </a:solidFill>
+              </a:rPr>
+              <a:t>numpy</a:t>
+            </a:r>
+            <a:endParaRPr lang="fr-FR" b="1" dirty="0"/>
+          </a:p>
+        </p:txBody>
+      </p:sp>
       <p:sp>
         <p:nvSpPr>
           <p:cNvPr id="4" name="Espace réservé du numéro de diapositive 3">
             <a:extLst>
               <a:ext uri="{FF2B5EF4-FFF2-40B4-BE49-F238E27FC236}">
-                <a16:creationId xmlns:a16="http://schemas.microsoft.com/office/drawing/2014/main" id="{96B7B4B3-6A3E-82D3-3BA1-8DF2FEE7AD0B}"/>
+                <a16:creationId xmlns:a16="http://schemas.microsoft.com/office/drawing/2014/main" id="{B7C60569-E347-D5FA-457F-6F630CD86C7B}"/>
               </a:ext>
             </a:extLst>
           </p:cNvPr>
@@ -19256,16 +21311,212 @@
           <a:p>
             <a:fld id="{B2DC25EE-239B-4C5F-AAD1-255A7D5F1EE2}" type="slidenum">
               <a:rPr lang="en-US" smtClean="0"/>
-              <a:t>26</a:t>
+              <a:t>3</a:t>
             </a:fld>
             <a:endParaRPr lang="en-US"/>
+          </a:p>
+        </p:txBody>
+      </p:sp>
+      <p:sp>
+        <p:nvSpPr>
+          <p:cNvPr id="8" name="ZoneTexte 7">
+            <a:extLst>
+              <a:ext uri="{FF2B5EF4-FFF2-40B4-BE49-F238E27FC236}">
+                <a16:creationId xmlns:a16="http://schemas.microsoft.com/office/drawing/2014/main" id="{B3EB1886-FAD6-557C-E4F7-2F713C3B3742}"/>
+              </a:ext>
+            </a:extLst>
+          </p:cNvPr>
+          <p:cNvSpPr txBox="1"/>
+          <p:nvPr/>
+        </p:nvSpPr>
+        <p:spPr>
+          <a:xfrm>
+            <a:off x="3549446" y="5749864"/>
+            <a:ext cx="7610306" cy="369332"/>
+          </a:xfrm>
+          <a:prstGeom prst="rect">
+            <a:avLst/>
+          </a:prstGeom>
+          <a:noFill/>
+        </p:spPr>
+        <p:txBody>
+          <a:bodyPr wrap="square">
+            <a:spAutoFit/>
+          </a:bodyPr>
+          <a:lstStyle/>
+          <a:p>
+            <a:r>
+              <a:rPr lang="fr-FR" dirty="0"/>
+              <a:t>Doc :		</a:t>
+            </a:r>
+            <a:r>
+              <a:rPr lang="fr-FR" dirty="0">
+                <a:hlinkClick r:id="rId5"/>
+              </a:rPr>
+              <a:t>https://iogs-digital-methods.github.io/SupOpNumTools/</a:t>
+            </a:r>
+            <a:r>
+              <a:rPr lang="fr-FR" dirty="0"/>
+              <a:t> </a:t>
+            </a:r>
+          </a:p>
+        </p:txBody>
+      </p:sp>
+      <p:pic>
+        <p:nvPicPr>
+          <p:cNvPr id="10" name="Picture 2" descr="Résultat de recherche d'images pour &quot;github logo&quot;">
+            <a:extLst>
+              <a:ext uri="{FF2B5EF4-FFF2-40B4-BE49-F238E27FC236}">
+                <a16:creationId xmlns:a16="http://schemas.microsoft.com/office/drawing/2014/main" id="{EB7A9F7E-3067-5BEE-E46C-4C510B702B91}"/>
+              </a:ext>
+            </a:extLst>
+          </p:cNvPr>
+          <p:cNvPicPr>
+            <a:picLocks noChangeAspect="1" noChangeArrowheads="1"/>
+          </p:cNvPicPr>
+          <p:nvPr/>
+        </p:nvPicPr>
+        <p:blipFill>
+          <a:blip r:embed="rId6">
+            <a:extLst>
+              <a:ext uri="{28A0092B-C50C-407E-A947-70E740481C1C}">
+                <a14:useLocalDpi xmlns:a14="http://schemas.microsoft.com/office/drawing/2010/main" val="0"/>
+              </a:ext>
+            </a:extLst>
+          </a:blip>
+          <a:srcRect/>
+          <a:stretch>
+            <a:fillRect/>
+          </a:stretch>
+        </p:blipFill>
+        <p:spPr bwMode="auto">
+          <a:xfrm>
+            <a:off x="1490465" y="4763584"/>
+            <a:ext cx="1602658" cy="891856"/>
+          </a:xfrm>
+          <a:prstGeom prst="rect">
+            <a:avLst/>
+          </a:prstGeom>
+          <a:noFill/>
+          <a:extLst>
+            <a:ext uri="{909E8E84-426E-40DD-AFC4-6F175D3DCCD1}">
+              <a14:hiddenFill xmlns:a14="http://schemas.microsoft.com/office/drawing/2010/main">
+                <a:solidFill>
+                  <a:srgbClr val="FFFFFF"/>
+                </a:solidFill>
+              </a14:hiddenFill>
+            </a:ext>
+          </a:extLst>
+        </p:spPr>
+      </p:pic>
+      <p:sp>
+        <p:nvSpPr>
+          <p:cNvPr id="12" name="ZoneTexte 11">
+            <a:extLst>
+              <a:ext uri="{FF2B5EF4-FFF2-40B4-BE49-F238E27FC236}">
+                <a16:creationId xmlns:a16="http://schemas.microsoft.com/office/drawing/2014/main" id="{9A5C11AB-769F-0B3F-9398-0737AA9AF8C2}"/>
+              </a:ext>
+            </a:extLst>
+          </p:cNvPr>
+          <p:cNvSpPr txBox="1"/>
+          <p:nvPr/>
+        </p:nvSpPr>
+        <p:spPr>
+          <a:xfrm>
+            <a:off x="3549446" y="5313323"/>
+            <a:ext cx="7951344" cy="369332"/>
+          </a:xfrm>
+          <a:prstGeom prst="rect">
+            <a:avLst/>
+          </a:prstGeom>
+          <a:noFill/>
+        </p:spPr>
+        <p:txBody>
+          <a:bodyPr wrap="square">
+            <a:spAutoFit/>
+          </a:bodyPr>
+          <a:lstStyle/>
+          <a:p>
+            <a:r>
+              <a:rPr lang="fr-FR" dirty="0"/>
+              <a:t>Dépôt : 		</a:t>
+            </a:r>
+            <a:r>
+              <a:rPr lang="fr-FR" dirty="0">
+                <a:hlinkClick r:id="rId7"/>
+              </a:rPr>
+              <a:t>https://github.com/IOGS-Digital-Methods/SupOpNumTools</a:t>
+            </a:r>
+            <a:r>
+              <a:rPr lang="fr-FR" dirty="0"/>
+              <a:t> </a:t>
+            </a:r>
+          </a:p>
+        </p:txBody>
+      </p:sp>
+      <p:sp>
+        <p:nvSpPr>
+          <p:cNvPr id="14" name="ZoneTexte 13">
+            <a:extLst>
+              <a:ext uri="{FF2B5EF4-FFF2-40B4-BE49-F238E27FC236}">
+                <a16:creationId xmlns:a16="http://schemas.microsoft.com/office/drawing/2014/main" id="{65454805-060C-A2E9-C403-20B8BD6F9A28}"/>
+              </a:ext>
+            </a:extLst>
+          </p:cNvPr>
+          <p:cNvSpPr txBox="1"/>
+          <p:nvPr/>
+        </p:nvSpPr>
+        <p:spPr>
+          <a:xfrm>
+            <a:off x="3549446" y="4868468"/>
+            <a:ext cx="7610305" cy="369332"/>
+          </a:xfrm>
+          <a:prstGeom prst="rect">
+            <a:avLst/>
+          </a:prstGeom>
+          <a:noFill/>
+        </p:spPr>
+        <p:txBody>
+          <a:bodyPr wrap="square">
+            <a:spAutoFit/>
+          </a:bodyPr>
+          <a:lstStyle/>
+          <a:p>
+            <a:r>
+              <a:rPr lang="fr-FR" dirty="0"/>
+              <a:t>Package : 	</a:t>
+            </a:r>
+            <a:r>
+              <a:rPr lang="fr-FR" b="1" i="1" dirty="0" err="1"/>
+              <a:t>pip</a:t>
+            </a:r>
+            <a:r>
+              <a:rPr lang="fr-FR" b="1" i="1" dirty="0"/>
+              <a:t> </a:t>
+            </a:r>
+            <a:r>
+              <a:rPr lang="fr-FR" b="1" i="1" dirty="0" err="1"/>
+              <a:t>install</a:t>
+            </a:r>
+            <a:r>
+              <a:rPr lang="fr-FR" b="1" i="1" dirty="0"/>
+              <a:t> </a:t>
+            </a:r>
+            <a:r>
+              <a:rPr lang="fr-FR" b="1" i="1" dirty="0" err="1"/>
+              <a:t>SupOpNumTools</a:t>
+            </a:r>
+            <a:r>
+              <a:rPr lang="fr-FR" b="1" i="1" dirty="0"/>
+              <a:t> </a:t>
+            </a:r>
           </a:p>
         </p:txBody>
       </p:sp>
     </p:spTree>
     <p:extLst>
       <p:ext uri="{BB962C8B-B14F-4D97-AF65-F5344CB8AC3E}">
-        <p14:creationId xmlns:p14="http://schemas.microsoft.com/office/powerpoint/2010/main" val="2120688491"/>
+        <p14:creationId xmlns:p14="http://schemas.microsoft.com/office/powerpoint/2010/main" val="979033587"/>
       </p:ext>
     </p:extLst>
   </p:cSld>
@@ -19275,7 +21526,200 @@
 </p:sld>
 </file>
 
-<file path=ppt/slides/slide27.xml><?xml version="1.0" encoding="utf-8"?>
+<file path=ppt/slides/slide30.xml><?xml version="1.0" encoding="utf-8"?>
+<p:sld xmlns:a="http://schemas.openxmlformats.org/drawingml/2006/main" xmlns:r="http://schemas.openxmlformats.org/officeDocument/2006/relationships" xmlns:p="http://schemas.openxmlformats.org/presentationml/2006/main">
+  <p:cSld>
+    <p:spTree>
+      <p:nvGrpSpPr>
+        <p:cNvPr id="1" name=""/>
+        <p:cNvGrpSpPr/>
+        <p:nvPr/>
+      </p:nvGrpSpPr>
+      <p:grpSpPr>
+        <a:xfrm>
+          <a:off x="0" y="0"/>
+          <a:ext cx="0" cy="0"/>
+          <a:chOff x="0" y="0"/>
+          <a:chExt cx="0" cy="0"/>
+        </a:xfrm>
+      </p:grpSpPr>
+      <p:sp>
+        <p:nvSpPr>
+          <p:cNvPr id="2" name="Titre 1">
+            <a:extLst>
+              <a:ext uri="{FF2B5EF4-FFF2-40B4-BE49-F238E27FC236}">
+                <a16:creationId xmlns:a16="http://schemas.microsoft.com/office/drawing/2014/main" id="{90162AE8-C1B0-5C56-8313-DEE494F38273}"/>
+              </a:ext>
+            </a:extLst>
+          </p:cNvPr>
+          <p:cNvSpPr>
+            <a:spLocks noGrp="1"/>
+          </p:cNvSpPr>
+          <p:nvPr>
+            <p:ph type="title"/>
+          </p:nvPr>
+        </p:nvSpPr>
+        <p:spPr/>
+        <p:txBody>
+          <a:bodyPr/>
+          <a:lstStyle/>
+          <a:p>
+            <a:r>
+              <a:rPr lang="fr-FR" dirty="0"/>
+              <a:t>Résoudre des problèmes linéaires</a:t>
+            </a:r>
+          </a:p>
+        </p:txBody>
+      </p:sp>
+      <p:sp>
+        <p:nvSpPr>
+          <p:cNvPr id="3" name="Espace réservé du contenu 2">
+            <a:extLst>
+              <a:ext uri="{FF2B5EF4-FFF2-40B4-BE49-F238E27FC236}">
+                <a16:creationId xmlns:a16="http://schemas.microsoft.com/office/drawing/2014/main" id="{E0BBB9DE-019C-C741-F224-494739D4B752}"/>
+              </a:ext>
+            </a:extLst>
+          </p:cNvPr>
+          <p:cNvSpPr>
+            <a:spLocks noGrp="1"/>
+          </p:cNvSpPr>
+          <p:nvPr>
+            <p:ph sz="half" idx="1"/>
+          </p:nvPr>
+        </p:nvSpPr>
+        <p:spPr/>
+        <p:txBody>
+          <a:bodyPr/>
+          <a:lstStyle/>
+          <a:p>
+            <a:r>
+              <a:rPr lang="fr-FR" dirty="0" err="1"/>
+              <a:t>Linalg</a:t>
+            </a:r>
+            <a:r>
+              <a:rPr lang="fr-FR" dirty="0"/>
+              <a:t> </a:t>
+            </a:r>
+            <a:r>
+              <a:rPr lang="fr-FR" dirty="0" err="1"/>
+              <a:t>from</a:t>
+            </a:r>
+            <a:r>
+              <a:rPr lang="fr-FR" dirty="0"/>
+              <a:t> </a:t>
+            </a:r>
+            <a:r>
+              <a:rPr lang="fr-FR" dirty="0" err="1"/>
+              <a:t>numpy</a:t>
+            </a:r>
+            <a:endParaRPr lang="fr-FR" dirty="0"/>
+          </a:p>
+        </p:txBody>
+      </p:sp>
+      <p:sp>
+        <p:nvSpPr>
+          <p:cNvPr id="4" name="Espace réservé du contenu 3">
+            <a:extLst>
+              <a:ext uri="{FF2B5EF4-FFF2-40B4-BE49-F238E27FC236}">
+                <a16:creationId xmlns:a16="http://schemas.microsoft.com/office/drawing/2014/main" id="{933F96BD-2653-AD25-8139-9FF3B2C19755}"/>
+              </a:ext>
+            </a:extLst>
+          </p:cNvPr>
+          <p:cNvSpPr>
+            <a:spLocks noGrp="1"/>
+          </p:cNvSpPr>
+          <p:nvPr>
+            <p:ph sz="half" idx="2"/>
+          </p:nvPr>
+        </p:nvSpPr>
+        <p:spPr/>
+        <p:txBody>
+          <a:bodyPr/>
+          <a:lstStyle/>
+          <a:p>
+            <a:endParaRPr lang="fr-FR" dirty="0"/>
+          </a:p>
+        </p:txBody>
+      </p:sp>
+      <p:pic>
+        <p:nvPicPr>
+          <p:cNvPr id="5" name="Image 4" descr="Une image contenant texte&#10;&#10;Description générée automatiquement">
+            <a:extLst>
+              <a:ext uri="{FF2B5EF4-FFF2-40B4-BE49-F238E27FC236}">
+                <a16:creationId xmlns:a16="http://schemas.microsoft.com/office/drawing/2014/main" id="{66D2630B-81F4-A4EB-21BA-8B90CF30BD92}"/>
+              </a:ext>
+            </a:extLst>
+          </p:cNvPr>
+          <p:cNvPicPr>
+            <a:picLocks noChangeAspect="1"/>
+          </p:cNvPicPr>
+          <p:nvPr/>
+        </p:nvPicPr>
+        <p:blipFill>
+          <a:blip r:embed="rId2">
+            <a:extLst>
+              <a:ext uri="{28A0092B-C50C-407E-A947-70E740481C1C}">
+                <a14:useLocalDpi xmlns:a14="http://schemas.microsoft.com/office/drawing/2010/main" val="0"/>
+              </a:ext>
+            </a:extLst>
+          </a:blip>
+          <a:stretch>
+            <a:fillRect/>
+          </a:stretch>
+        </p:blipFill>
+        <p:spPr>
+          <a:xfrm>
+            <a:off x="202922" y="5934456"/>
+            <a:ext cx="1825291" cy="749808"/>
+          </a:xfrm>
+          <a:prstGeom prst="rect">
+            <a:avLst/>
+          </a:prstGeom>
+        </p:spPr>
+      </p:pic>
+      <p:sp>
+        <p:nvSpPr>
+          <p:cNvPr id="6" name="Espace réservé du numéro de diapositive 5">
+            <a:extLst>
+              <a:ext uri="{FF2B5EF4-FFF2-40B4-BE49-F238E27FC236}">
+                <a16:creationId xmlns:a16="http://schemas.microsoft.com/office/drawing/2014/main" id="{352C540C-C811-C749-173D-914B5186C06C}"/>
+              </a:ext>
+            </a:extLst>
+          </p:cNvPr>
+          <p:cNvSpPr>
+            <a:spLocks noGrp="1"/>
+          </p:cNvSpPr>
+          <p:nvPr>
+            <p:ph type="sldNum" sz="quarter" idx="12"/>
+          </p:nvPr>
+        </p:nvSpPr>
+        <p:spPr/>
+        <p:txBody>
+          <a:bodyPr/>
+          <a:lstStyle/>
+          <a:p>
+            <a:fld id="{B2DC25EE-239B-4C5F-AAD1-255A7D5F1EE2}" type="slidenum">
+              <a:rPr lang="en-US" smtClean="0"/>
+              <a:t>30</a:t>
+            </a:fld>
+            <a:endParaRPr lang="en-US"/>
+          </a:p>
+        </p:txBody>
+      </p:sp>
+    </p:spTree>
+    <p:extLst>
+      <p:ext uri="{BB962C8B-B14F-4D97-AF65-F5344CB8AC3E}">
+        <p14:creationId xmlns:p14="http://schemas.microsoft.com/office/powerpoint/2010/main" val="3320162350"/>
+      </p:ext>
+    </p:extLst>
+  </p:cSld>
+  <p:clrMapOvr>
+    <a:masterClrMapping/>
+  </p:clrMapOvr>
+</p:sld>
+</file>
+
+<file path=ppt/slides/slide31.xml><?xml version="1.0" encoding="utf-8"?>
 <p:sld xmlns:a="http://schemas.openxmlformats.org/drawingml/2006/main" xmlns:r="http://schemas.openxmlformats.org/officeDocument/2006/relationships" xmlns:p="http://schemas.openxmlformats.org/presentationml/2006/main">
   <p:cSld>
     <p:bg>
@@ -19352,8 +21796,8 @@
           <a:lstStyle/>
           <a:p>
             <a:r>
-              <a:rPr lang="fr-FR" i="1" dirty="0"/>
-              <a:t>Variable explorer</a:t>
+              <a:rPr lang="fr-FR" dirty="0"/>
+              <a:t>Sections</a:t>
             </a:r>
           </a:p>
         </p:txBody>
@@ -19441,42 +21885,12 @@
           </a:extLst>
         </p:spPr>
       </p:pic>
-      <p:pic>
-        <p:nvPicPr>
-          <p:cNvPr id="7" name="Image 6">
-            <a:extLst>
-              <a:ext uri="{FF2B5EF4-FFF2-40B4-BE49-F238E27FC236}">
-                <a16:creationId xmlns:a16="http://schemas.microsoft.com/office/drawing/2014/main" id="{0ABB0E92-EFE8-C12C-5E6A-461A9F143B80}"/>
-              </a:ext>
-            </a:extLst>
-          </p:cNvPr>
-          <p:cNvPicPr>
-            <a:picLocks noChangeAspect="1"/>
-          </p:cNvPicPr>
-          <p:nvPr/>
-        </p:nvPicPr>
-        <p:blipFill>
-          <a:blip r:embed="rId4"/>
-          <a:stretch>
-            <a:fillRect/>
-          </a:stretch>
-        </p:blipFill>
-        <p:spPr>
-          <a:xfrm>
-            <a:off x="4904142" y="2543415"/>
-            <a:ext cx="6793940" cy="3884817"/>
-          </a:xfrm>
-          <a:prstGeom prst="rect">
-            <a:avLst/>
-          </a:prstGeom>
-        </p:spPr>
-      </p:pic>
-      <p:sp>
-        <p:nvSpPr>
-          <p:cNvPr id="6" name="Espace réservé du numéro de diapositive 5">
-            <a:extLst>
-              <a:ext uri="{FF2B5EF4-FFF2-40B4-BE49-F238E27FC236}">
-                <a16:creationId xmlns:a16="http://schemas.microsoft.com/office/drawing/2014/main" id="{69B58F3D-E192-282A-4E8F-A1DE66F95B63}"/>
+      <p:sp>
+        <p:nvSpPr>
+          <p:cNvPr id="9" name="Espace réservé du numéro de diapositive 8">
+            <a:extLst>
+              <a:ext uri="{FF2B5EF4-FFF2-40B4-BE49-F238E27FC236}">
+                <a16:creationId xmlns:a16="http://schemas.microsoft.com/office/drawing/2014/main" id="{6052D9D8-83A4-E43E-EC15-140555F403EB}"/>
               </a:ext>
             </a:extLst>
           </p:cNvPr>
@@ -19494,1194 +21908,7 @@
           <a:p>
             <a:fld id="{B2DC25EE-239B-4C5F-AAD1-255A7D5F1EE2}" type="slidenum">
               <a:rPr lang="en-US" smtClean="0"/>
-              <a:t>27</a:t>
-            </a:fld>
-            <a:endParaRPr lang="en-US"/>
-          </a:p>
-        </p:txBody>
-      </p:sp>
-    </p:spTree>
-    <p:extLst>
-      <p:ext uri="{BB962C8B-B14F-4D97-AF65-F5344CB8AC3E}">
-        <p14:creationId xmlns:p14="http://schemas.microsoft.com/office/powerpoint/2010/main" val="4039983876"/>
-      </p:ext>
-    </p:extLst>
-  </p:cSld>
-  <p:clrMapOvr>
-    <a:masterClrMapping/>
-  </p:clrMapOvr>
-</p:sld>
-</file>
-
-<file path=ppt/slides/slide28.xml><?xml version="1.0" encoding="utf-8"?>
-<p:sld xmlns:a="http://schemas.openxmlformats.org/drawingml/2006/main" xmlns:r="http://schemas.openxmlformats.org/officeDocument/2006/relationships" xmlns:p="http://schemas.openxmlformats.org/presentationml/2006/main">
-  <p:cSld>
-    <p:spTree>
-      <p:nvGrpSpPr>
-        <p:cNvPr id="1" name=""/>
-        <p:cNvGrpSpPr/>
-        <p:nvPr/>
-      </p:nvGrpSpPr>
-      <p:grpSpPr>
-        <a:xfrm>
-          <a:off x="0" y="0"/>
-          <a:ext cx="0" cy="0"/>
-          <a:chOff x="0" y="0"/>
-          <a:chExt cx="0" cy="0"/>
-        </a:xfrm>
-      </p:grpSpPr>
-      <p:sp>
-        <p:nvSpPr>
-          <p:cNvPr id="2" name="Titre 1">
-            <a:extLst>
-              <a:ext uri="{FF2B5EF4-FFF2-40B4-BE49-F238E27FC236}">
-                <a16:creationId xmlns:a16="http://schemas.microsoft.com/office/drawing/2014/main" id="{90162AE8-C1B0-5C56-8313-DEE494F38273}"/>
-              </a:ext>
-            </a:extLst>
-          </p:cNvPr>
-          <p:cNvSpPr>
-            <a:spLocks noGrp="1"/>
-          </p:cNvSpPr>
-          <p:nvPr>
-            <p:ph type="title"/>
-          </p:nvPr>
-        </p:nvSpPr>
-        <p:spPr/>
-        <p:txBody>
-          <a:bodyPr/>
-          <a:lstStyle/>
-          <a:p>
-            <a:r>
-              <a:rPr lang="fr-FR" dirty="0"/>
-              <a:t>Travailler avec des vecteurs</a:t>
-            </a:r>
-          </a:p>
-        </p:txBody>
-      </p:sp>
-      <p:sp>
-        <p:nvSpPr>
-          <p:cNvPr id="3" name="Espace réservé du contenu 2">
-            <a:extLst>
-              <a:ext uri="{FF2B5EF4-FFF2-40B4-BE49-F238E27FC236}">
-                <a16:creationId xmlns:a16="http://schemas.microsoft.com/office/drawing/2014/main" id="{E0BBB9DE-019C-C741-F224-494739D4B752}"/>
-              </a:ext>
-            </a:extLst>
-          </p:cNvPr>
-          <p:cNvSpPr>
-            <a:spLocks noGrp="1"/>
-          </p:cNvSpPr>
-          <p:nvPr>
-            <p:ph sz="half" idx="1"/>
-          </p:nvPr>
-        </p:nvSpPr>
-        <p:spPr/>
-        <p:txBody>
-          <a:bodyPr/>
-          <a:lstStyle/>
-          <a:p>
-            <a:r>
-              <a:rPr lang="fr-FR" dirty="0" err="1"/>
-              <a:t>Sum</a:t>
-            </a:r>
-            <a:r>
-              <a:rPr lang="fr-FR" dirty="0"/>
-              <a:t>/</a:t>
-            </a:r>
-            <a:r>
-              <a:rPr lang="fr-FR" dirty="0" err="1"/>
-              <a:t>Mean</a:t>
-            </a:r>
-            <a:r>
-              <a:rPr lang="fr-FR" dirty="0"/>
-              <a:t> on axis=0 or 1</a:t>
-            </a:r>
-          </a:p>
-        </p:txBody>
-      </p:sp>
-      <p:sp>
-        <p:nvSpPr>
-          <p:cNvPr id="4" name="Espace réservé du contenu 3">
-            <a:extLst>
-              <a:ext uri="{FF2B5EF4-FFF2-40B4-BE49-F238E27FC236}">
-                <a16:creationId xmlns:a16="http://schemas.microsoft.com/office/drawing/2014/main" id="{933F96BD-2653-AD25-8139-9FF3B2C19755}"/>
-              </a:ext>
-            </a:extLst>
-          </p:cNvPr>
-          <p:cNvSpPr>
-            <a:spLocks noGrp="1"/>
-          </p:cNvSpPr>
-          <p:nvPr>
-            <p:ph sz="half" idx="2"/>
-          </p:nvPr>
-        </p:nvSpPr>
-        <p:spPr/>
-        <p:txBody>
-          <a:bodyPr/>
-          <a:lstStyle/>
-          <a:p>
-            <a:endParaRPr lang="fr-FR" dirty="0"/>
-          </a:p>
-        </p:txBody>
-      </p:sp>
-      <p:pic>
-        <p:nvPicPr>
-          <p:cNvPr id="5" name="Image 4" descr="Une image contenant texte&#10;&#10;Description générée automatiquement">
-            <a:extLst>
-              <a:ext uri="{FF2B5EF4-FFF2-40B4-BE49-F238E27FC236}">
-                <a16:creationId xmlns:a16="http://schemas.microsoft.com/office/drawing/2014/main" id="{66D2630B-81F4-A4EB-21BA-8B90CF30BD92}"/>
-              </a:ext>
-            </a:extLst>
-          </p:cNvPr>
-          <p:cNvPicPr>
-            <a:picLocks noChangeAspect="1"/>
-          </p:cNvPicPr>
-          <p:nvPr/>
-        </p:nvPicPr>
-        <p:blipFill>
-          <a:blip r:embed="rId2">
-            <a:extLst>
-              <a:ext uri="{28A0092B-C50C-407E-A947-70E740481C1C}">
-                <a14:useLocalDpi xmlns:a14="http://schemas.microsoft.com/office/drawing/2010/main" val="0"/>
-              </a:ext>
-            </a:extLst>
-          </a:blip>
-          <a:stretch>
-            <a:fillRect/>
-          </a:stretch>
-        </p:blipFill>
-        <p:spPr>
-          <a:xfrm>
-            <a:off x="202922" y="5934456"/>
-            <a:ext cx="1825291" cy="749808"/>
-          </a:xfrm>
-          <a:prstGeom prst="rect">
-            <a:avLst/>
-          </a:prstGeom>
-        </p:spPr>
-      </p:pic>
-      <p:sp>
-        <p:nvSpPr>
-          <p:cNvPr id="6" name="Espace réservé du numéro de diapositive 5">
-            <a:extLst>
-              <a:ext uri="{FF2B5EF4-FFF2-40B4-BE49-F238E27FC236}">
-                <a16:creationId xmlns:a16="http://schemas.microsoft.com/office/drawing/2014/main" id="{4C1E9BCC-7E3A-6B7D-DBFB-30833C830FF6}"/>
-              </a:ext>
-            </a:extLst>
-          </p:cNvPr>
-          <p:cNvSpPr>
-            <a:spLocks noGrp="1"/>
-          </p:cNvSpPr>
-          <p:nvPr>
-            <p:ph type="sldNum" sz="quarter" idx="12"/>
-          </p:nvPr>
-        </p:nvSpPr>
-        <p:spPr/>
-        <p:txBody>
-          <a:bodyPr/>
-          <a:lstStyle/>
-          <a:p>
-            <a:fld id="{B2DC25EE-239B-4C5F-AAD1-255A7D5F1EE2}" type="slidenum">
-              <a:rPr lang="en-US" smtClean="0"/>
-              <a:t>28</a:t>
-            </a:fld>
-            <a:endParaRPr lang="en-US"/>
-          </a:p>
-        </p:txBody>
-      </p:sp>
-    </p:spTree>
-    <p:extLst>
-      <p:ext uri="{BB962C8B-B14F-4D97-AF65-F5344CB8AC3E}">
-        <p14:creationId xmlns:p14="http://schemas.microsoft.com/office/powerpoint/2010/main" val="940861123"/>
-      </p:ext>
-    </p:extLst>
-  </p:cSld>
-  <p:clrMapOvr>
-    <a:masterClrMapping/>
-  </p:clrMapOvr>
-</p:sld>
-</file>
-
-<file path=ppt/slides/slide29.xml><?xml version="1.0" encoding="utf-8"?>
-<p:sld xmlns:a="http://schemas.openxmlformats.org/drawingml/2006/main" xmlns:r="http://schemas.openxmlformats.org/officeDocument/2006/relationships" xmlns:p="http://schemas.openxmlformats.org/presentationml/2006/main">
-  <p:cSld>
-    <p:spTree>
-      <p:nvGrpSpPr>
-        <p:cNvPr id="1" name=""/>
-        <p:cNvGrpSpPr/>
-        <p:nvPr/>
-      </p:nvGrpSpPr>
-      <p:grpSpPr>
-        <a:xfrm>
-          <a:off x="0" y="0"/>
-          <a:ext cx="0" cy="0"/>
-          <a:chOff x="0" y="0"/>
-          <a:chExt cx="0" cy="0"/>
-        </a:xfrm>
-      </p:grpSpPr>
-      <p:sp>
-        <p:nvSpPr>
-          <p:cNvPr id="2" name="Titre 1">
-            <a:extLst>
-              <a:ext uri="{FF2B5EF4-FFF2-40B4-BE49-F238E27FC236}">
-                <a16:creationId xmlns:a16="http://schemas.microsoft.com/office/drawing/2014/main" id="{90162AE8-C1B0-5C56-8313-DEE494F38273}"/>
-              </a:ext>
-            </a:extLst>
-          </p:cNvPr>
-          <p:cNvSpPr>
-            <a:spLocks noGrp="1"/>
-          </p:cNvSpPr>
-          <p:nvPr>
-            <p:ph type="title"/>
-          </p:nvPr>
-        </p:nvSpPr>
-        <p:spPr/>
-        <p:txBody>
-          <a:bodyPr/>
-          <a:lstStyle/>
-          <a:p>
-            <a:r>
-              <a:rPr lang="fr-FR" dirty="0"/>
-              <a:t>Résoudre des problèmes linéaires</a:t>
-            </a:r>
-          </a:p>
-        </p:txBody>
-      </p:sp>
-      <p:sp>
-        <p:nvSpPr>
-          <p:cNvPr id="3" name="Espace réservé du contenu 2">
-            <a:extLst>
-              <a:ext uri="{FF2B5EF4-FFF2-40B4-BE49-F238E27FC236}">
-                <a16:creationId xmlns:a16="http://schemas.microsoft.com/office/drawing/2014/main" id="{E0BBB9DE-019C-C741-F224-494739D4B752}"/>
-              </a:ext>
-            </a:extLst>
-          </p:cNvPr>
-          <p:cNvSpPr>
-            <a:spLocks noGrp="1"/>
-          </p:cNvSpPr>
-          <p:nvPr>
-            <p:ph sz="half" idx="1"/>
-          </p:nvPr>
-        </p:nvSpPr>
-        <p:spPr/>
-        <p:txBody>
-          <a:bodyPr/>
-          <a:lstStyle/>
-          <a:p>
-            <a:r>
-              <a:rPr lang="fr-FR" dirty="0" err="1"/>
-              <a:t>Linalg</a:t>
-            </a:r>
-            <a:r>
-              <a:rPr lang="fr-FR" dirty="0"/>
-              <a:t> </a:t>
-            </a:r>
-            <a:r>
-              <a:rPr lang="fr-FR" dirty="0" err="1"/>
-              <a:t>from</a:t>
-            </a:r>
-            <a:r>
-              <a:rPr lang="fr-FR" dirty="0"/>
-              <a:t> </a:t>
-            </a:r>
-            <a:r>
-              <a:rPr lang="fr-FR" dirty="0" err="1"/>
-              <a:t>numpy</a:t>
-            </a:r>
-            <a:endParaRPr lang="fr-FR" dirty="0"/>
-          </a:p>
-        </p:txBody>
-      </p:sp>
-      <p:sp>
-        <p:nvSpPr>
-          <p:cNvPr id="4" name="Espace réservé du contenu 3">
-            <a:extLst>
-              <a:ext uri="{FF2B5EF4-FFF2-40B4-BE49-F238E27FC236}">
-                <a16:creationId xmlns:a16="http://schemas.microsoft.com/office/drawing/2014/main" id="{933F96BD-2653-AD25-8139-9FF3B2C19755}"/>
-              </a:ext>
-            </a:extLst>
-          </p:cNvPr>
-          <p:cNvSpPr>
-            <a:spLocks noGrp="1"/>
-          </p:cNvSpPr>
-          <p:nvPr>
-            <p:ph sz="half" idx="2"/>
-          </p:nvPr>
-        </p:nvSpPr>
-        <p:spPr/>
-        <p:txBody>
-          <a:bodyPr/>
-          <a:lstStyle/>
-          <a:p>
-            <a:endParaRPr lang="fr-FR" dirty="0"/>
-          </a:p>
-        </p:txBody>
-      </p:sp>
-      <p:pic>
-        <p:nvPicPr>
-          <p:cNvPr id="5" name="Image 4" descr="Une image contenant texte&#10;&#10;Description générée automatiquement">
-            <a:extLst>
-              <a:ext uri="{FF2B5EF4-FFF2-40B4-BE49-F238E27FC236}">
-                <a16:creationId xmlns:a16="http://schemas.microsoft.com/office/drawing/2014/main" id="{66D2630B-81F4-A4EB-21BA-8B90CF30BD92}"/>
-              </a:ext>
-            </a:extLst>
-          </p:cNvPr>
-          <p:cNvPicPr>
-            <a:picLocks noChangeAspect="1"/>
-          </p:cNvPicPr>
-          <p:nvPr/>
-        </p:nvPicPr>
-        <p:blipFill>
-          <a:blip r:embed="rId2">
-            <a:extLst>
-              <a:ext uri="{28A0092B-C50C-407E-A947-70E740481C1C}">
-                <a14:useLocalDpi xmlns:a14="http://schemas.microsoft.com/office/drawing/2010/main" val="0"/>
-              </a:ext>
-            </a:extLst>
-          </a:blip>
-          <a:stretch>
-            <a:fillRect/>
-          </a:stretch>
-        </p:blipFill>
-        <p:spPr>
-          <a:xfrm>
-            <a:off x="202922" y="5934456"/>
-            <a:ext cx="1825291" cy="749808"/>
-          </a:xfrm>
-          <a:prstGeom prst="rect">
-            <a:avLst/>
-          </a:prstGeom>
-        </p:spPr>
-      </p:pic>
-      <p:sp>
-        <p:nvSpPr>
-          <p:cNvPr id="6" name="Espace réservé du numéro de diapositive 5">
-            <a:extLst>
-              <a:ext uri="{FF2B5EF4-FFF2-40B4-BE49-F238E27FC236}">
-                <a16:creationId xmlns:a16="http://schemas.microsoft.com/office/drawing/2014/main" id="{352C540C-C811-C749-173D-914B5186C06C}"/>
-              </a:ext>
-            </a:extLst>
-          </p:cNvPr>
-          <p:cNvSpPr>
-            <a:spLocks noGrp="1"/>
-          </p:cNvSpPr>
-          <p:nvPr>
-            <p:ph type="sldNum" sz="quarter" idx="12"/>
-          </p:nvPr>
-        </p:nvSpPr>
-        <p:spPr/>
-        <p:txBody>
-          <a:bodyPr/>
-          <a:lstStyle/>
-          <a:p>
-            <a:fld id="{B2DC25EE-239B-4C5F-AAD1-255A7D5F1EE2}" type="slidenum">
-              <a:rPr lang="en-US" smtClean="0"/>
-              <a:t>29</a:t>
-            </a:fld>
-            <a:endParaRPr lang="en-US"/>
-          </a:p>
-        </p:txBody>
-      </p:sp>
-    </p:spTree>
-    <p:extLst>
-      <p:ext uri="{BB962C8B-B14F-4D97-AF65-F5344CB8AC3E}">
-        <p14:creationId xmlns:p14="http://schemas.microsoft.com/office/powerpoint/2010/main" val="3320162350"/>
-      </p:ext>
-    </p:extLst>
-  </p:cSld>
-  <p:clrMapOvr>
-    <a:masterClrMapping/>
-  </p:clrMapOvr>
-</p:sld>
-</file>
-
-<file path=ppt/slides/slide3.xml><?xml version="1.0" encoding="utf-8"?>
-<p:sld xmlns:a="http://schemas.openxmlformats.org/drawingml/2006/main" xmlns:r="http://schemas.openxmlformats.org/officeDocument/2006/relationships" xmlns:p="http://schemas.openxmlformats.org/presentationml/2006/main">
-  <p:cSld>
-    <p:spTree>
-      <p:nvGrpSpPr>
-        <p:cNvPr id="1" name=""/>
-        <p:cNvGrpSpPr/>
-        <p:nvPr/>
-      </p:nvGrpSpPr>
-      <p:grpSpPr>
-        <a:xfrm>
-          <a:off x="0" y="0"/>
-          <a:ext cx="0" cy="0"/>
-          <a:chOff x="0" y="0"/>
-          <a:chExt cx="0" cy="0"/>
-        </a:xfrm>
-      </p:grpSpPr>
-      <p:sp>
-        <p:nvSpPr>
-          <p:cNvPr id="2" name="Titre 1">
-            <a:extLst>
-              <a:ext uri="{FF2B5EF4-FFF2-40B4-BE49-F238E27FC236}">
-                <a16:creationId xmlns:a16="http://schemas.microsoft.com/office/drawing/2014/main" id="{90162AE8-C1B0-5C56-8313-DEE494F38273}"/>
-              </a:ext>
-            </a:extLst>
-          </p:cNvPr>
-          <p:cNvSpPr>
-            <a:spLocks noGrp="1"/>
-          </p:cNvSpPr>
-          <p:nvPr>
-            <p:ph type="title"/>
-          </p:nvPr>
-        </p:nvSpPr>
-        <p:spPr/>
-        <p:txBody>
-          <a:bodyPr/>
-          <a:lstStyle/>
-          <a:p>
-            <a:r>
-              <a:rPr lang="fr-FR" dirty="0"/>
-              <a:t>Distributions / Environnements</a:t>
-            </a:r>
-          </a:p>
-        </p:txBody>
-      </p:sp>
-      <p:sp>
-        <p:nvSpPr>
-          <p:cNvPr id="3" name="Espace réservé du contenu 2">
-            <a:extLst>
-              <a:ext uri="{FF2B5EF4-FFF2-40B4-BE49-F238E27FC236}">
-                <a16:creationId xmlns:a16="http://schemas.microsoft.com/office/drawing/2014/main" id="{E0BBB9DE-019C-C741-F224-494739D4B752}"/>
-              </a:ext>
-            </a:extLst>
-          </p:cNvPr>
-          <p:cNvSpPr>
-            <a:spLocks noGrp="1"/>
-          </p:cNvSpPr>
-          <p:nvPr>
-            <p:ph sz="half" idx="1"/>
-          </p:nvPr>
-        </p:nvSpPr>
-        <p:spPr>
-          <a:xfrm>
-            <a:off x="1115568" y="2478024"/>
-            <a:ext cx="10241082" cy="3694176"/>
-          </a:xfrm>
-        </p:spPr>
-        <p:txBody>
-          <a:bodyPr/>
-          <a:lstStyle/>
-          <a:p>
-            <a:r>
-              <a:rPr lang="fr-FR" dirty="0"/>
-              <a:t>Installation de bibliothèques / packages</a:t>
-            </a:r>
-          </a:p>
-        </p:txBody>
-      </p:sp>
-      <p:pic>
-        <p:nvPicPr>
-          <p:cNvPr id="5" name="Image 4" descr="Une image contenant texte&#10;&#10;Description générée automatiquement">
-            <a:extLst>
-              <a:ext uri="{FF2B5EF4-FFF2-40B4-BE49-F238E27FC236}">
-                <a16:creationId xmlns:a16="http://schemas.microsoft.com/office/drawing/2014/main" id="{66D2630B-81F4-A4EB-21BA-8B90CF30BD92}"/>
-              </a:ext>
-            </a:extLst>
-          </p:cNvPr>
-          <p:cNvPicPr>
-            <a:picLocks noChangeAspect="1"/>
-          </p:cNvPicPr>
-          <p:nvPr/>
-        </p:nvPicPr>
-        <p:blipFill>
-          <a:blip r:embed="rId3">
-            <a:extLst>
-              <a:ext uri="{28A0092B-C50C-407E-A947-70E740481C1C}">
-                <a14:useLocalDpi xmlns:a14="http://schemas.microsoft.com/office/drawing/2010/main" val="0"/>
-              </a:ext>
-            </a:extLst>
-          </a:blip>
-          <a:stretch>
-            <a:fillRect/>
-          </a:stretch>
-        </p:blipFill>
-        <p:spPr>
-          <a:xfrm>
-            <a:off x="202922" y="5934456"/>
-            <a:ext cx="1825291" cy="749808"/>
-          </a:xfrm>
-          <a:prstGeom prst="rect">
-            <a:avLst/>
-          </a:prstGeom>
-        </p:spPr>
-      </p:pic>
-      <p:pic>
-        <p:nvPicPr>
-          <p:cNvPr id="7" name="Image 6">
-            <a:extLst>
-              <a:ext uri="{FF2B5EF4-FFF2-40B4-BE49-F238E27FC236}">
-                <a16:creationId xmlns:a16="http://schemas.microsoft.com/office/drawing/2014/main" id="{5BB01D49-602A-9314-FD1F-4EC628128217}"/>
-              </a:ext>
-            </a:extLst>
-          </p:cNvPr>
-          <p:cNvPicPr>
-            <a:picLocks noChangeAspect="1"/>
-          </p:cNvPicPr>
-          <p:nvPr/>
-        </p:nvPicPr>
-        <p:blipFill>
-          <a:blip r:embed="rId4"/>
-          <a:stretch>
-            <a:fillRect/>
-          </a:stretch>
-        </p:blipFill>
-        <p:spPr>
-          <a:xfrm>
-            <a:off x="10077926" y="593679"/>
-            <a:ext cx="1081825" cy="1089498"/>
-          </a:xfrm>
-          <a:prstGeom prst="rect">
-            <a:avLst/>
-          </a:prstGeom>
-        </p:spPr>
-      </p:pic>
-      <p:sp>
-        <p:nvSpPr>
-          <p:cNvPr id="13" name="ZoneTexte 12">
-            <a:extLst>
-              <a:ext uri="{FF2B5EF4-FFF2-40B4-BE49-F238E27FC236}">
-                <a16:creationId xmlns:a16="http://schemas.microsoft.com/office/drawing/2014/main" id="{C4BAF194-1DAB-D8B5-3DF2-147C9B78F1A3}"/>
-              </a:ext>
-            </a:extLst>
-          </p:cNvPr>
-          <p:cNvSpPr txBox="1"/>
-          <p:nvPr/>
-        </p:nvSpPr>
-        <p:spPr>
-          <a:xfrm>
-            <a:off x="824860" y="3090446"/>
-            <a:ext cx="4765173" cy="923330"/>
-          </a:xfrm>
-          <a:prstGeom prst="rect">
-            <a:avLst/>
-          </a:prstGeom>
-          <a:solidFill>
-            <a:schemeClr val="accent1">
-              <a:lumMod val="60000"/>
-              <a:lumOff val="40000"/>
-            </a:schemeClr>
-          </a:solidFill>
-        </p:spPr>
-        <p:txBody>
-          <a:bodyPr wrap="square" rtlCol="0">
-            <a:spAutoFit/>
-          </a:bodyPr>
-          <a:lstStyle/>
-          <a:p>
-            <a:r>
-              <a:rPr lang="fr-FR" b="1" dirty="0"/>
-              <a:t>Dans un </a:t>
-            </a:r>
-            <a:r>
-              <a:rPr lang="fr-FR" b="1" dirty="0" err="1"/>
-              <a:t>shell</a:t>
-            </a:r>
-            <a:r>
-              <a:rPr lang="fr-FR" b="1" dirty="0"/>
-              <a:t>/prompt</a:t>
-            </a:r>
-          </a:p>
-          <a:p>
-            <a:endParaRPr lang="fr-FR" b="1" dirty="0">
-              <a:solidFill>
-                <a:schemeClr val="bg1"/>
-              </a:solidFill>
-            </a:endParaRPr>
-          </a:p>
-          <a:p>
-            <a:r>
-              <a:rPr lang="fr-FR" b="1" dirty="0">
-                <a:solidFill>
-                  <a:schemeClr val="bg1"/>
-                </a:solidFill>
-              </a:rPr>
-              <a:t>&gt; </a:t>
-            </a:r>
-            <a:r>
-              <a:rPr lang="fr-FR" b="1" dirty="0" err="1"/>
-              <a:t>pip</a:t>
-            </a:r>
-            <a:r>
-              <a:rPr lang="fr-FR" b="1" dirty="0">
-                <a:solidFill>
-                  <a:schemeClr val="bg1"/>
-                </a:solidFill>
-              </a:rPr>
-              <a:t> </a:t>
-            </a:r>
-            <a:r>
-              <a:rPr lang="fr-FR" b="1" dirty="0" err="1">
-                <a:solidFill>
-                  <a:schemeClr val="tx1">
-                    <a:lumMod val="75000"/>
-                    <a:lumOff val="25000"/>
-                  </a:schemeClr>
-                </a:solidFill>
-              </a:rPr>
-              <a:t>install</a:t>
-            </a:r>
-            <a:r>
-              <a:rPr lang="fr-FR" b="1" dirty="0">
-                <a:solidFill>
-                  <a:schemeClr val="tx1">
-                    <a:lumMod val="75000"/>
-                    <a:lumOff val="25000"/>
-                  </a:schemeClr>
-                </a:solidFill>
-              </a:rPr>
-              <a:t> </a:t>
-            </a:r>
-            <a:r>
-              <a:rPr lang="fr-FR" b="1" dirty="0" err="1">
-                <a:solidFill>
-                  <a:schemeClr val="bg1"/>
-                </a:solidFill>
-              </a:rPr>
-              <a:t>numpy</a:t>
-            </a:r>
-            <a:endParaRPr lang="fr-FR" b="1" dirty="0"/>
-          </a:p>
-        </p:txBody>
-      </p:sp>
-      <p:sp>
-        <p:nvSpPr>
-          <p:cNvPr id="9" name="ZoneTexte 8">
-            <a:extLst>
-              <a:ext uri="{FF2B5EF4-FFF2-40B4-BE49-F238E27FC236}">
-                <a16:creationId xmlns:a16="http://schemas.microsoft.com/office/drawing/2014/main" id="{1242D1B6-FB6F-0BC3-3D48-25706D46377C}"/>
-              </a:ext>
-            </a:extLst>
-          </p:cNvPr>
-          <p:cNvSpPr txBox="1"/>
-          <p:nvPr/>
-        </p:nvSpPr>
-        <p:spPr>
-          <a:xfrm>
-            <a:off x="6090755" y="3090446"/>
-            <a:ext cx="4765173" cy="923330"/>
-          </a:xfrm>
-          <a:prstGeom prst="rect">
-            <a:avLst/>
-          </a:prstGeom>
-          <a:solidFill>
-            <a:schemeClr val="accent1">
-              <a:lumMod val="60000"/>
-              <a:lumOff val="40000"/>
-            </a:schemeClr>
-          </a:solidFill>
-        </p:spPr>
-        <p:txBody>
-          <a:bodyPr wrap="square" rtlCol="0">
-            <a:spAutoFit/>
-          </a:bodyPr>
-          <a:lstStyle/>
-          <a:p>
-            <a:r>
-              <a:rPr lang="fr-FR" b="1" dirty="0"/>
-              <a:t>Dans un </a:t>
-            </a:r>
-            <a:r>
-              <a:rPr lang="fr-FR" b="1" dirty="0" err="1"/>
-              <a:t>shell</a:t>
-            </a:r>
-            <a:r>
-              <a:rPr lang="fr-FR" b="1" dirty="0"/>
-              <a:t>/prompt (Anaconda)</a:t>
-            </a:r>
-          </a:p>
-          <a:p>
-            <a:endParaRPr lang="fr-FR" b="1" dirty="0">
-              <a:solidFill>
-                <a:schemeClr val="bg1"/>
-              </a:solidFill>
-            </a:endParaRPr>
-          </a:p>
-          <a:p>
-            <a:r>
-              <a:rPr lang="fr-FR" b="1" dirty="0">
-                <a:solidFill>
-                  <a:schemeClr val="bg1"/>
-                </a:solidFill>
-              </a:rPr>
-              <a:t>&gt; </a:t>
-            </a:r>
-            <a:r>
-              <a:rPr lang="fr-FR" b="1" dirty="0" err="1"/>
-              <a:t>conda</a:t>
-            </a:r>
-            <a:r>
-              <a:rPr lang="fr-FR" b="1" dirty="0">
-                <a:solidFill>
-                  <a:schemeClr val="bg1"/>
-                </a:solidFill>
-              </a:rPr>
-              <a:t> </a:t>
-            </a:r>
-            <a:r>
-              <a:rPr lang="fr-FR" b="1" dirty="0" err="1">
-                <a:solidFill>
-                  <a:schemeClr val="tx1">
-                    <a:lumMod val="75000"/>
-                    <a:lumOff val="25000"/>
-                  </a:schemeClr>
-                </a:solidFill>
-              </a:rPr>
-              <a:t>install</a:t>
-            </a:r>
-            <a:r>
-              <a:rPr lang="fr-FR" b="1" dirty="0">
-                <a:solidFill>
-                  <a:schemeClr val="tx1">
-                    <a:lumMod val="75000"/>
-                    <a:lumOff val="25000"/>
-                  </a:schemeClr>
-                </a:solidFill>
-              </a:rPr>
-              <a:t> </a:t>
-            </a:r>
-            <a:r>
-              <a:rPr lang="fr-FR" b="1" dirty="0" err="1">
-                <a:solidFill>
-                  <a:schemeClr val="bg1"/>
-                </a:solidFill>
-              </a:rPr>
-              <a:t>numpy</a:t>
-            </a:r>
-            <a:endParaRPr lang="fr-FR" b="1" dirty="0"/>
-          </a:p>
-        </p:txBody>
-      </p:sp>
-      <p:sp>
-        <p:nvSpPr>
-          <p:cNvPr id="4" name="Espace réservé du numéro de diapositive 3">
-            <a:extLst>
-              <a:ext uri="{FF2B5EF4-FFF2-40B4-BE49-F238E27FC236}">
-                <a16:creationId xmlns:a16="http://schemas.microsoft.com/office/drawing/2014/main" id="{B7C60569-E347-D5FA-457F-6F630CD86C7B}"/>
-              </a:ext>
-            </a:extLst>
-          </p:cNvPr>
-          <p:cNvSpPr>
-            <a:spLocks noGrp="1"/>
-          </p:cNvSpPr>
-          <p:nvPr>
-            <p:ph type="sldNum" sz="quarter" idx="12"/>
-          </p:nvPr>
-        </p:nvSpPr>
-        <p:spPr/>
-        <p:txBody>
-          <a:bodyPr/>
-          <a:lstStyle/>
-          <a:p>
-            <a:fld id="{B2DC25EE-239B-4C5F-AAD1-255A7D5F1EE2}" type="slidenum">
-              <a:rPr lang="en-US" smtClean="0"/>
-              <a:t>3</a:t>
-            </a:fld>
-            <a:endParaRPr lang="en-US"/>
-          </a:p>
-        </p:txBody>
-      </p:sp>
-      <p:sp>
-        <p:nvSpPr>
-          <p:cNvPr id="8" name="ZoneTexte 7">
-            <a:extLst>
-              <a:ext uri="{FF2B5EF4-FFF2-40B4-BE49-F238E27FC236}">
-                <a16:creationId xmlns:a16="http://schemas.microsoft.com/office/drawing/2014/main" id="{B3EB1886-FAD6-557C-E4F7-2F713C3B3742}"/>
-              </a:ext>
-            </a:extLst>
-          </p:cNvPr>
-          <p:cNvSpPr txBox="1"/>
-          <p:nvPr/>
-        </p:nvSpPr>
-        <p:spPr>
-          <a:xfrm>
-            <a:off x="3549446" y="5749864"/>
-            <a:ext cx="7610306" cy="369332"/>
-          </a:xfrm>
-          <a:prstGeom prst="rect">
-            <a:avLst/>
-          </a:prstGeom>
-          <a:noFill/>
-        </p:spPr>
-        <p:txBody>
-          <a:bodyPr wrap="square">
-            <a:spAutoFit/>
-          </a:bodyPr>
-          <a:lstStyle/>
-          <a:p>
-            <a:r>
-              <a:rPr lang="fr-FR" dirty="0"/>
-              <a:t>Doc :		</a:t>
-            </a:r>
-            <a:r>
-              <a:rPr lang="fr-FR" dirty="0">
-                <a:hlinkClick r:id="rId5"/>
-              </a:rPr>
-              <a:t>https://iogs-digital-methods.github.io/SupOpNumTools/</a:t>
-            </a:r>
-            <a:r>
-              <a:rPr lang="fr-FR" dirty="0"/>
-              <a:t> </a:t>
-            </a:r>
-          </a:p>
-        </p:txBody>
-      </p:sp>
-      <p:pic>
-        <p:nvPicPr>
-          <p:cNvPr id="10" name="Picture 2" descr="Résultat de recherche d'images pour &quot;github logo&quot;">
-            <a:extLst>
-              <a:ext uri="{FF2B5EF4-FFF2-40B4-BE49-F238E27FC236}">
-                <a16:creationId xmlns:a16="http://schemas.microsoft.com/office/drawing/2014/main" id="{EB7A9F7E-3067-5BEE-E46C-4C510B702B91}"/>
-              </a:ext>
-            </a:extLst>
-          </p:cNvPr>
-          <p:cNvPicPr>
-            <a:picLocks noChangeAspect="1" noChangeArrowheads="1"/>
-          </p:cNvPicPr>
-          <p:nvPr/>
-        </p:nvPicPr>
-        <p:blipFill>
-          <a:blip r:embed="rId6">
-            <a:extLst>
-              <a:ext uri="{28A0092B-C50C-407E-A947-70E740481C1C}">
-                <a14:useLocalDpi xmlns:a14="http://schemas.microsoft.com/office/drawing/2010/main" val="0"/>
-              </a:ext>
-            </a:extLst>
-          </a:blip>
-          <a:srcRect/>
-          <a:stretch>
-            <a:fillRect/>
-          </a:stretch>
-        </p:blipFill>
-        <p:spPr bwMode="auto">
-          <a:xfrm>
-            <a:off x="1490465" y="4763584"/>
-            <a:ext cx="1602658" cy="891856"/>
-          </a:xfrm>
-          <a:prstGeom prst="rect">
-            <a:avLst/>
-          </a:prstGeom>
-          <a:noFill/>
-          <a:extLst>
-            <a:ext uri="{909E8E84-426E-40DD-AFC4-6F175D3DCCD1}">
-              <a14:hiddenFill xmlns:a14="http://schemas.microsoft.com/office/drawing/2010/main">
-                <a:solidFill>
-                  <a:srgbClr val="FFFFFF"/>
-                </a:solidFill>
-              </a14:hiddenFill>
-            </a:ext>
-          </a:extLst>
-        </p:spPr>
-      </p:pic>
-      <p:sp>
-        <p:nvSpPr>
-          <p:cNvPr id="12" name="ZoneTexte 11">
-            <a:extLst>
-              <a:ext uri="{FF2B5EF4-FFF2-40B4-BE49-F238E27FC236}">
-                <a16:creationId xmlns:a16="http://schemas.microsoft.com/office/drawing/2014/main" id="{9A5C11AB-769F-0B3F-9398-0737AA9AF8C2}"/>
-              </a:ext>
-            </a:extLst>
-          </p:cNvPr>
-          <p:cNvSpPr txBox="1"/>
-          <p:nvPr/>
-        </p:nvSpPr>
-        <p:spPr>
-          <a:xfrm>
-            <a:off x="3549446" y="5313323"/>
-            <a:ext cx="7951344" cy="369332"/>
-          </a:xfrm>
-          <a:prstGeom prst="rect">
-            <a:avLst/>
-          </a:prstGeom>
-          <a:noFill/>
-        </p:spPr>
-        <p:txBody>
-          <a:bodyPr wrap="square">
-            <a:spAutoFit/>
-          </a:bodyPr>
-          <a:lstStyle/>
-          <a:p>
-            <a:r>
-              <a:rPr lang="fr-FR" dirty="0"/>
-              <a:t>Dépôt : 		</a:t>
-            </a:r>
-            <a:r>
-              <a:rPr lang="fr-FR" dirty="0">
-                <a:hlinkClick r:id="rId7"/>
-              </a:rPr>
-              <a:t>https://github.com/IOGS-Digital-Methods/SupOpNumTools</a:t>
-            </a:r>
-            <a:r>
-              <a:rPr lang="fr-FR" dirty="0"/>
-              <a:t> </a:t>
-            </a:r>
-          </a:p>
-        </p:txBody>
-      </p:sp>
-      <p:sp>
-        <p:nvSpPr>
-          <p:cNvPr id="14" name="ZoneTexte 13">
-            <a:extLst>
-              <a:ext uri="{FF2B5EF4-FFF2-40B4-BE49-F238E27FC236}">
-                <a16:creationId xmlns:a16="http://schemas.microsoft.com/office/drawing/2014/main" id="{65454805-060C-A2E9-C403-20B8BD6F9A28}"/>
-              </a:ext>
-            </a:extLst>
-          </p:cNvPr>
-          <p:cNvSpPr txBox="1"/>
-          <p:nvPr/>
-        </p:nvSpPr>
-        <p:spPr>
-          <a:xfrm>
-            <a:off x="3549446" y="4868468"/>
-            <a:ext cx="7610305" cy="369332"/>
-          </a:xfrm>
-          <a:prstGeom prst="rect">
-            <a:avLst/>
-          </a:prstGeom>
-          <a:noFill/>
-        </p:spPr>
-        <p:txBody>
-          <a:bodyPr wrap="square">
-            <a:spAutoFit/>
-          </a:bodyPr>
-          <a:lstStyle/>
-          <a:p>
-            <a:r>
-              <a:rPr lang="fr-FR" dirty="0"/>
-              <a:t>Package : 	</a:t>
-            </a:r>
-            <a:r>
-              <a:rPr lang="fr-FR" b="1" i="1" dirty="0" err="1"/>
-              <a:t>pip</a:t>
-            </a:r>
-            <a:r>
-              <a:rPr lang="fr-FR" b="1" i="1" dirty="0"/>
-              <a:t> </a:t>
-            </a:r>
-            <a:r>
-              <a:rPr lang="fr-FR" b="1" i="1" dirty="0" err="1"/>
-              <a:t>install</a:t>
-            </a:r>
-            <a:r>
-              <a:rPr lang="fr-FR" b="1" i="1" dirty="0"/>
-              <a:t> </a:t>
-            </a:r>
-            <a:r>
-              <a:rPr lang="fr-FR" b="1" i="1" dirty="0" err="1"/>
-              <a:t>SupOpNumTools</a:t>
-            </a:r>
-            <a:r>
-              <a:rPr lang="fr-FR" b="1" i="1" dirty="0"/>
-              <a:t> </a:t>
-            </a:r>
-          </a:p>
-        </p:txBody>
-      </p:sp>
-    </p:spTree>
-    <p:extLst>
-      <p:ext uri="{BB962C8B-B14F-4D97-AF65-F5344CB8AC3E}">
-        <p14:creationId xmlns:p14="http://schemas.microsoft.com/office/powerpoint/2010/main" val="979033587"/>
-      </p:ext>
-    </p:extLst>
-  </p:cSld>
-  <p:clrMapOvr>
-    <a:masterClrMapping/>
-  </p:clrMapOvr>
-</p:sld>
-</file>
-
-<file path=ppt/slides/slide30.xml><?xml version="1.0" encoding="utf-8"?>
-<p:sld xmlns:a="http://schemas.openxmlformats.org/drawingml/2006/main" xmlns:r="http://schemas.openxmlformats.org/officeDocument/2006/relationships" xmlns:p="http://schemas.openxmlformats.org/presentationml/2006/main">
-  <p:cSld>
-    <p:bg>
-      <p:bgPr>
-        <a:solidFill>
-          <a:schemeClr val="bg1">
-            <a:lumMod val="95000"/>
-          </a:schemeClr>
-        </a:solidFill>
-        <a:effectLst/>
-      </p:bgPr>
-    </p:bg>
-    <p:spTree>
-      <p:nvGrpSpPr>
-        <p:cNvPr id="1" name=""/>
-        <p:cNvGrpSpPr/>
-        <p:nvPr/>
-      </p:nvGrpSpPr>
-      <p:grpSpPr>
-        <a:xfrm>
-          <a:off x="0" y="0"/>
-          <a:ext cx="0" cy="0"/>
-          <a:chOff x="0" y="0"/>
-          <a:chExt cx="0" cy="0"/>
-        </a:xfrm>
-      </p:grpSpPr>
-      <p:sp>
-        <p:nvSpPr>
-          <p:cNvPr id="2" name="Titre 1">
-            <a:extLst>
-              <a:ext uri="{FF2B5EF4-FFF2-40B4-BE49-F238E27FC236}">
-                <a16:creationId xmlns:a16="http://schemas.microsoft.com/office/drawing/2014/main" id="{90162AE8-C1B0-5C56-8313-DEE494F38273}"/>
-              </a:ext>
-            </a:extLst>
-          </p:cNvPr>
-          <p:cNvSpPr>
-            <a:spLocks noGrp="1"/>
-          </p:cNvSpPr>
-          <p:nvPr>
-            <p:ph type="title"/>
-          </p:nvPr>
-        </p:nvSpPr>
-        <p:spPr/>
-        <p:txBody>
-          <a:bodyPr/>
-          <a:lstStyle/>
-          <a:p>
-            <a:r>
-              <a:rPr lang="fr-FR" dirty="0"/>
-              <a:t>Trucs et Astuces</a:t>
-            </a:r>
-          </a:p>
-        </p:txBody>
-      </p:sp>
-      <p:sp>
-        <p:nvSpPr>
-          <p:cNvPr id="3" name="Espace réservé du contenu 2">
-            <a:extLst>
-              <a:ext uri="{FF2B5EF4-FFF2-40B4-BE49-F238E27FC236}">
-                <a16:creationId xmlns:a16="http://schemas.microsoft.com/office/drawing/2014/main" id="{E0BBB9DE-019C-C741-F224-494739D4B752}"/>
-              </a:ext>
-            </a:extLst>
-          </p:cNvPr>
-          <p:cNvSpPr>
-            <a:spLocks noGrp="1"/>
-          </p:cNvSpPr>
-          <p:nvPr>
-            <p:ph sz="half" idx="1"/>
-          </p:nvPr>
-        </p:nvSpPr>
-        <p:spPr/>
-        <p:txBody>
-          <a:bodyPr/>
-          <a:lstStyle/>
-          <a:p>
-            <a:r>
-              <a:rPr lang="fr-FR" dirty="0"/>
-              <a:t>Sections</a:t>
-            </a:r>
-          </a:p>
-        </p:txBody>
-      </p:sp>
-      <p:pic>
-        <p:nvPicPr>
-          <p:cNvPr id="5" name="Image 4" descr="Une image contenant texte&#10;&#10;Description générée automatiquement">
-            <a:extLst>
-              <a:ext uri="{FF2B5EF4-FFF2-40B4-BE49-F238E27FC236}">
-                <a16:creationId xmlns:a16="http://schemas.microsoft.com/office/drawing/2014/main" id="{66D2630B-81F4-A4EB-21BA-8B90CF30BD92}"/>
-              </a:ext>
-            </a:extLst>
-          </p:cNvPr>
-          <p:cNvPicPr>
-            <a:picLocks noChangeAspect="1"/>
-          </p:cNvPicPr>
-          <p:nvPr/>
-        </p:nvPicPr>
-        <p:blipFill>
-          <a:blip r:embed="rId2">
-            <a:extLst>
-              <a:ext uri="{28A0092B-C50C-407E-A947-70E740481C1C}">
-                <a14:useLocalDpi xmlns:a14="http://schemas.microsoft.com/office/drawing/2010/main" val="0"/>
-              </a:ext>
-            </a:extLst>
-          </a:blip>
-          <a:stretch>
-            <a:fillRect/>
-          </a:stretch>
-        </p:blipFill>
-        <p:spPr>
-          <a:xfrm>
-            <a:off x="202922" y="5934456"/>
-            <a:ext cx="1825291" cy="749808"/>
-          </a:xfrm>
-          <a:prstGeom prst="rect">
-            <a:avLst/>
-          </a:prstGeom>
-        </p:spPr>
-      </p:pic>
-      <p:pic>
-        <p:nvPicPr>
-          <p:cNvPr id="4" name="Picture 8" descr="Résultat de recherche d'images pour &quot;spyder logo&quot;">
-            <a:extLst>
-              <a:ext uri="{FF2B5EF4-FFF2-40B4-BE49-F238E27FC236}">
-                <a16:creationId xmlns:a16="http://schemas.microsoft.com/office/drawing/2014/main" id="{A67BE3DC-B7CA-12C6-85F3-3C0E16E505E7}"/>
-              </a:ext>
-            </a:extLst>
-          </p:cNvPr>
-          <p:cNvPicPr>
-            <a:picLocks noChangeAspect="1" noChangeArrowheads="1"/>
-          </p:cNvPicPr>
-          <p:nvPr/>
-        </p:nvPicPr>
-        <p:blipFill>
-          <a:blip r:embed="rId3">
-            <a:extLst>
-              <a:ext uri="{28A0092B-C50C-407E-A947-70E740481C1C}">
-                <a14:useLocalDpi xmlns:a14="http://schemas.microsoft.com/office/drawing/2010/main" val="0"/>
-              </a:ext>
-            </a:extLst>
-          </a:blip>
-          <a:srcRect/>
-          <a:stretch>
-            <a:fillRect/>
-          </a:stretch>
-        </p:blipFill>
-        <p:spPr bwMode="auto">
-          <a:xfrm>
-            <a:off x="8941922" y="660046"/>
-            <a:ext cx="1913528" cy="956764"/>
-          </a:xfrm>
-          <a:prstGeom prst="rect">
-            <a:avLst/>
-          </a:prstGeom>
-          <a:noFill/>
-          <a:extLst>
-            <a:ext uri="{909E8E84-426E-40DD-AFC4-6F175D3DCCD1}">
-              <a14:hiddenFill xmlns:a14="http://schemas.microsoft.com/office/drawing/2010/main">
-                <a:solidFill>
-                  <a:srgbClr val="FFFFFF"/>
-                </a:solidFill>
-              </a14:hiddenFill>
-            </a:ext>
-          </a:extLst>
-        </p:spPr>
-      </p:pic>
-      <p:sp>
-        <p:nvSpPr>
-          <p:cNvPr id="9" name="Espace réservé du numéro de diapositive 8">
-            <a:extLst>
-              <a:ext uri="{FF2B5EF4-FFF2-40B4-BE49-F238E27FC236}">
-                <a16:creationId xmlns:a16="http://schemas.microsoft.com/office/drawing/2014/main" id="{6052D9D8-83A4-E43E-EC15-140555F403EB}"/>
-              </a:ext>
-            </a:extLst>
-          </p:cNvPr>
-          <p:cNvSpPr>
-            <a:spLocks noGrp="1"/>
-          </p:cNvSpPr>
-          <p:nvPr>
-            <p:ph type="sldNum" sz="quarter" idx="12"/>
-          </p:nvPr>
-        </p:nvSpPr>
-        <p:spPr/>
-        <p:txBody>
-          <a:bodyPr/>
-          <a:lstStyle/>
-          <a:p>
-            <a:fld id="{B2DC25EE-239B-4C5F-AAD1-255A7D5F1EE2}" type="slidenum">
-              <a:rPr lang="en-US" smtClean="0"/>
-              <a:t>30</a:t>
+              <a:t>31</a:t>
             </a:fld>
             <a:endParaRPr lang="en-US"/>
           </a:p>

--- a/s5_outils_numeriques/b1_outils_numeriques/seance1_demistifier_python/B1_1_Demystifier_Python.pptx
+++ b/s5_outils_numeriques/b1_outils_numeriques/seance1_demistifier_python/B1_1_Demystifier_Python.pptx
@@ -5,7 +5,7 @@
     <p:sldMasterId id="2147483711" r:id="rId1"/>
   </p:sldMasterIdLst>
   <p:notesMasterIdLst>
-    <p:notesMasterId r:id="rId33"/>
+    <p:notesMasterId r:id="rId34"/>
   </p:notesMasterIdLst>
   <p:sldIdLst>
     <p:sldId id="256" r:id="rId2"/>
@@ -31,14 +31,15 @@
     <p:sldId id="296" r:id="rId22"/>
     <p:sldId id="297" r:id="rId23"/>
     <p:sldId id="261" r:id="rId24"/>
-    <p:sldId id="268" r:id="rId25"/>
-    <p:sldId id="276" r:id="rId26"/>
-    <p:sldId id="287" r:id="rId27"/>
-    <p:sldId id="267" r:id="rId28"/>
-    <p:sldId id="280" r:id="rId29"/>
-    <p:sldId id="263" r:id="rId30"/>
-    <p:sldId id="262" r:id="rId31"/>
-    <p:sldId id="278" r:id="rId32"/>
+    <p:sldId id="298" r:id="rId25"/>
+    <p:sldId id="268" r:id="rId26"/>
+    <p:sldId id="276" r:id="rId27"/>
+    <p:sldId id="287" r:id="rId28"/>
+    <p:sldId id="267" r:id="rId29"/>
+    <p:sldId id="280" r:id="rId30"/>
+    <p:sldId id="263" r:id="rId31"/>
+    <p:sldId id="262" r:id="rId32"/>
+    <p:sldId id="278" r:id="rId33"/>
   </p:sldIdLst>
   <p:sldSz cx="12192000" cy="6858000"/>
   <p:notesSz cx="6858000" cy="9144000"/>
@@ -14906,6 +14907,100 @@
           </a:p>
         </p:txBody>
       </p:sp>
+      <p:pic>
+        <p:nvPicPr>
+          <p:cNvPr id="6" name="Picture 6">
+            <a:extLst>
+              <a:ext uri="{FF2B5EF4-FFF2-40B4-BE49-F238E27FC236}">
+                <a16:creationId xmlns:a16="http://schemas.microsoft.com/office/drawing/2014/main" id="{51341FAA-347E-5BD9-4AE5-44D4B4AC05C8}"/>
+              </a:ext>
+            </a:extLst>
+          </p:cNvPr>
+          <p:cNvPicPr>
+            <a:picLocks noChangeAspect="1" noChangeArrowheads="1"/>
+          </p:cNvPicPr>
+          <p:nvPr/>
+        </p:nvPicPr>
+        <p:blipFill>
+          <a:blip r:embed="rId4">
+            <a:extLst>
+              <a:ext uri="{28A0092B-C50C-407E-A947-70E740481C1C}">
+                <a14:useLocalDpi xmlns:a14="http://schemas.microsoft.com/office/drawing/2010/main" val="0"/>
+              </a:ext>
+            </a:extLst>
+          </a:blip>
+          <a:srcRect/>
+          <a:stretch>
+            <a:fillRect/>
+          </a:stretch>
+        </p:blipFill>
+        <p:spPr bwMode="auto">
+          <a:xfrm>
+            <a:off x="2547458" y="4941285"/>
+            <a:ext cx="1319971" cy="593846"/>
+          </a:xfrm>
+          <a:prstGeom prst="rect">
+            <a:avLst/>
+          </a:prstGeom>
+          <a:noFill/>
+          <a:extLst>
+            <a:ext uri="{909E8E84-426E-40DD-AFC4-6F175D3DCCD1}">
+              <a14:hiddenFill xmlns:a14="http://schemas.microsoft.com/office/drawing/2010/main">
+                <a:solidFill>
+                  <a:srgbClr val="FFFFFF"/>
+                </a:solidFill>
+              </a14:hiddenFill>
+            </a:ext>
+          </a:extLst>
+        </p:spPr>
+      </p:pic>
+      <p:pic>
+        <p:nvPicPr>
+          <p:cNvPr id="8" name="Picture 8">
+            <a:extLst>
+              <a:ext uri="{FF2B5EF4-FFF2-40B4-BE49-F238E27FC236}">
+                <a16:creationId xmlns:a16="http://schemas.microsoft.com/office/drawing/2014/main" id="{D4E62603-BC17-66D8-7A8C-684AE77894C4}"/>
+              </a:ext>
+            </a:extLst>
+          </p:cNvPr>
+          <p:cNvPicPr>
+            <a:picLocks noChangeAspect="1" noChangeArrowheads="1"/>
+          </p:cNvPicPr>
+          <p:nvPr/>
+        </p:nvPicPr>
+        <p:blipFill>
+          <a:blip r:embed="rId5">
+            <a:extLst>
+              <a:ext uri="{28A0092B-C50C-407E-A947-70E740481C1C}">
+                <a14:useLocalDpi xmlns:a14="http://schemas.microsoft.com/office/drawing/2010/main" val="0"/>
+              </a:ext>
+            </a:extLst>
+          </a:blip>
+          <a:srcRect/>
+          <a:stretch>
+            <a:fillRect/>
+          </a:stretch>
+        </p:blipFill>
+        <p:spPr bwMode="auto">
+          <a:xfrm>
+            <a:off x="8063331" y="5098010"/>
+            <a:ext cx="1326582" cy="277071"/>
+          </a:xfrm>
+          <a:prstGeom prst="rect">
+            <a:avLst/>
+          </a:prstGeom>
+          <a:noFill/>
+          <a:extLst>
+            <a:ext uri="{909E8E84-426E-40DD-AFC4-6F175D3DCCD1}">
+              <a14:hiddenFill xmlns:a14="http://schemas.microsoft.com/office/drawing/2010/main">
+                <a:solidFill>
+                  <a:srgbClr val="FFFFFF"/>
+                </a:solidFill>
+              </a14:hiddenFill>
+            </a:ext>
+          </a:extLst>
+        </p:spPr>
+      </p:pic>
     </p:spTree>
     <p:extLst>
       <p:ext uri="{BB962C8B-B14F-4D97-AF65-F5344CB8AC3E}">
@@ -16334,9 +16429,9 @@
             <a:avLst/>
           </a:prstGeom>
           <a:solidFill>
-            <a:schemeClr val="accent1">
-              <a:lumMod val="20000"/>
-              <a:lumOff val="80000"/>
+            <a:schemeClr val="accent6">
+              <a:lumMod val="40000"/>
+              <a:lumOff val="60000"/>
             </a:schemeClr>
           </a:solidFill>
         </p:spPr>
@@ -16948,9 +17043,9 @@
             <a:avLst/>
           </a:prstGeom>
           <a:solidFill>
-            <a:schemeClr val="accent1">
-              <a:lumMod val="20000"/>
-              <a:lumOff val="80000"/>
+            <a:schemeClr val="accent6">
+              <a:lumMod val="40000"/>
+              <a:lumOff val="60000"/>
             </a:schemeClr>
           </a:solidFill>
         </p:spPr>
@@ -16988,9 +17083,9 @@
             <a:avLst/>
           </a:prstGeom>
           <a:solidFill>
-            <a:schemeClr val="accent1">
-              <a:lumMod val="20000"/>
-              <a:lumOff val="80000"/>
+            <a:schemeClr val="accent6">
+              <a:lumMod val="40000"/>
+              <a:lumOff val="60000"/>
             </a:schemeClr>
           </a:solidFill>
         </p:spPr>
@@ -17582,9 +17677,9 @@
             <a:avLst/>
           </a:prstGeom>
           <a:solidFill>
-            <a:schemeClr val="accent1">
-              <a:lumMod val="20000"/>
-              <a:lumOff val="80000"/>
+            <a:schemeClr val="accent6">
+              <a:lumMod val="40000"/>
+              <a:lumOff val="60000"/>
             </a:schemeClr>
           </a:solidFill>
         </p:spPr>
@@ -17622,9 +17717,9 @@
             <a:avLst/>
           </a:prstGeom>
           <a:solidFill>
-            <a:schemeClr val="accent1">
-              <a:lumMod val="20000"/>
-              <a:lumOff val="80000"/>
+            <a:schemeClr val="accent6">
+              <a:lumMod val="40000"/>
+              <a:lumOff val="60000"/>
             </a:schemeClr>
           </a:solidFill>
         </p:spPr>
@@ -17819,9 +17914,9 @@
             <a:avLst/>
           </a:prstGeom>
           <a:solidFill>
-            <a:schemeClr val="accent1">
-              <a:lumMod val="20000"/>
-              <a:lumOff val="80000"/>
+            <a:schemeClr val="accent6">
+              <a:lumMod val="40000"/>
+              <a:lumOff val="60000"/>
             </a:schemeClr>
           </a:solidFill>
         </p:spPr>
@@ -17922,25 +18017,6 @@
               <a:t>Travailler avec des vecteurs</a:t>
             </a:r>
           </a:p>
-          <a:p>
-            <a:pPr lvl="1"/>
-            <a:r>
-              <a:rPr lang="fr-FR" dirty="0" err="1"/>
-              <a:t>Sum</a:t>
-            </a:r>
-            <a:r>
-              <a:rPr lang="fr-FR" dirty="0"/>
-              <a:t>/</a:t>
-            </a:r>
-            <a:r>
-              <a:rPr lang="fr-FR" dirty="0" err="1"/>
-              <a:t>Mean</a:t>
-            </a:r>
-            <a:r>
-              <a:rPr lang="fr-FR" dirty="0"/>
-              <a:t> on axis=0 or 1</a:t>
-            </a:r>
-          </a:p>
         </p:txBody>
       </p:sp>
       <p:pic>
@@ -18008,6 +18084,561 @@
           </a:p>
         </p:txBody>
       </p:sp>
+      <p:sp>
+        <p:nvSpPr>
+          <p:cNvPr id="8" name="ZoneTexte 7">
+            <a:extLst>
+              <a:ext uri="{FF2B5EF4-FFF2-40B4-BE49-F238E27FC236}">
+                <a16:creationId xmlns:a16="http://schemas.microsoft.com/office/drawing/2014/main" id="{C602FF1A-ECC8-0713-6E48-03DC30535458}"/>
+              </a:ext>
+            </a:extLst>
+          </p:cNvPr>
+          <p:cNvSpPr txBox="1"/>
+          <p:nvPr/>
+        </p:nvSpPr>
+        <p:spPr>
+          <a:xfrm>
+            <a:off x="822960" y="3302376"/>
+            <a:ext cx="4765173" cy="1754326"/>
+          </a:xfrm>
+          <a:prstGeom prst="rect">
+            <a:avLst/>
+          </a:prstGeom>
+          <a:solidFill>
+            <a:schemeClr val="accent1">
+              <a:lumMod val="40000"/>
+              <a:lumOff val="60000"/>
+            </a:schemeClr>
+          </a:solidFill>
+        </p:spPr>
+        <p:txBody>
+          <a:bodyPr wrap="square" rtlCol="0">
+            <a:spAutoFit/>
+          </a:bodyPr>
+          <a:lstStyle/>
+          <a:p>
+            <a:r>
+              <a:rPr lang="fr-FR" b="1" dirty="0"/>
+              <a:t>import</a:t>
+            </a:r>
+            <a:r>
+              <a:rPr lang="fr-FR" dirty="0"/>
+              <a:t> </a:t>
+            </a:r>
+            <a:r>
+              <a:rPr lang="fr-FR" i="1" dirty="0" err="1"/>
+              <a:t>numpy</a:t>
+            </a:r>
+            <a:r>
+              <a:rPr lang="fr-FR" i="1" dirty="0"/>
+              <a:t> </a:t>
+            </a:r>
+            <a:r>
+              <a:rPr lang="fr-FR" b="1" dirty="0"/>
+              <a:t>as </a:t>
+            </a:r>
+            <a:r>
+              <a:rPr lang="fr-FR" i="1" dirty="0" err="1"/>
+              <a:t>np</a:t>
+            </a:r>
+            <a:endParaRPr lang="fr-FR" i="1" dirty="0"/>
+          </a:p>
+          <a:p>
+            <a:r>
+              <a:rPr lang="fr-FR" dirty="0"/>
+              <a:t>mb </a:t>
+            </a:r>
+            <a:r>
+              <a:rPr lang="fr-FR" b="1" dirty="0"/>
+              <a:t>= </a:t>
+            </a:r>
+            <a:r>
+              <a:rPr lang="fr-FR" i="1" dirty="0" err="1"/>
+              <a:t>np</a:t>
+            </a:r>
+            <a:r>
+              <a:rPr lang="fr-FR" dirty="0" err="1"/>
+              <a:t>.</a:t>
+            </a:r>
+            <a:r>
+              <a:rPr lang="fr-FR" b="1" dirty="0" err="1"/>
+              <a:t>array</a:t>
+            </a:r>
+            <a:r>
+              <a:rPr lang="fr-FR" b="1" dirty="0"/>
+              <a:t>(</a:t>
+            </a:r>
+            <a:r>
+              <a:rPr lang="fr-FR" dirty="0"/>
+              <a:t> [[1,2,3] , [4,5,6]] </a:t>
+            </a:r>
+            <a:r>
+              <a:rPr lang="fr-FR" b="1" dirty="0"/>
+              <a:t>)</a:t>
+            </a:r>
+          </a:p>
+          <a:p>
+            <a:endParaRPr lang="fr-FR" b="1" dirty="0"/>
+          </a:p>
+          <a:p>
+            <a:r>
+              <a:rPr lang="fr-FR" dirty="0"/>
+              <a:t>total </a:t>
+            </a:r>
+            <a:r>
+              <a:rPr lang="fr-FR" b="1" dirty="0"/>
+              <a:t>=</a:t>
+            </a:r>
+            <a:r>
+              <a:rPr lang="fr-FR" dirty="0"/>
+              <a:t> </a:t>
+            </a:r>
+            <a:r>
+              <a:rPr lang="fr-FR" i="1" dirty="0" err="1"/>
+              <a:t>np</a:t>
+            </a:r>
+            <a:r>
+              <a:rPr lang="fr-FR" dirty="0" err="1"/>
+              <a:t>.</a:t>
+            </a:r>
+            <a:r>
+              <a:rPr lang="fr-FR" b="1" dirty="0" err="1"/>
+              <a:t>sum</a:t>
+            </a:r>
+            <a:r>
+              <a:rPr lang="fr-FR" dirty="0"/>
+              <a:t>(mb) </a:t>
+            </a:r>
+          </a:p>
+          <a:p>
+            <a:r>
+              <a:rPr lang="fr-FR" dirty="0" err="1"/>
+              <a:t>total_c</a:t>
+            </a:r>
+            <a:r>
+              <a:rPr lang="fr-FR" dirty="0"/>
+              <a:t> </a:t>
+            </a:r>
+            <a:r>
+              <a:rPr lang="fr-FR" b="1" dirty="0"/>
+              <a:t>=</a:t>
+            </a:r>
+            <a:r>
+              <a:rPr lang="fr-FR" dirty="0"/>
+              <a:t> </a:t>
+            </a:r>
+            <a:r>
+              <a:rPr lang="fr-FR" i="1" dirty="0" err="1"/>
+              <a:t>np</a:t>
+            </a:r>
+            <a:r>
+              <a:rPr lang="fr-FR" dirty="0" err="1"/>
+              <a:t>.</a:t>
+            </a:r>
+            <a:r>
+              <a:rPr lang="fr-FR" b="1" dirty="0" err="1"/>
+              <a:t>sum</a:t>
+            </a:r>
+            <a:r>
+              <a:rPr lang="fr-FR" dirty="0"/>
+              <a:t>(mb, axis=0)</a:t>
+            </a:r>
+          </a:p>
+          <a:p>
+            <a:r>
+              <a:rPr lang="fr-FR" dirty="0" err="1"/>
+              <a:t>total_r</a:t>
+            </a:r>
+            <a:r>
+              <a:rPr lang="fr-FR" dirty="0"/>
+              <a:t> </a:t>
+            </a:r>
+            <a:r>
+              <a:rPr lang="fr-FR" b="1" dirty="0"/>
+              <a:t>=</a:t>
+            </a:r>
+            <a:r>
+              <a:rPr lang="fr-FR" dirty="0"/>
+              <a:t> </a:t>
+            </a:r>
+            <a:r>
+              <a:rPr lang="fr-FR" i="1" dirty="0" err="1"/>
+              <a:t>np</a:t>
+            </a:r>
+            <a:r>
+              <a:rPr lang="fr-FR" dirty="0" err="1"/>
+              <a:t>.</a:t>
+            </a:r>
+            <a:r>
+              <a:rPr lang="fr-FR" b="1" dirty="0" err="1"/>
+              <a:t>sum</a:t>
+            </a:r>
+            <a:r>
+              <a:rPr lang="fr-FR" dirty="0"/>
+              <a:t>(mb, axis=1)</a:t>
+            </a:r>
+            <a:endParaRPr lang="fr-FR" b="1" dirty="0"/>
+          </a:p>
+        </p:txBody>
+      </p:sp>
+      <p:sp>
+        <p:nvSpPr>
+          <p:cNvPr id="9" name="ZoneTexte 8">
+            <a:extLst>
+              <a:ext uri="{FF2B5EF4-FFF2-40B4-BE49-F238E27FC236}">
+                <a16:creationId xmlns:a16="http://schemas.microsoft.com/office/drawing/2014/main" id="{2423C45D-4E7B-CE8F-7CCF-FCCFAB07821C}"/>
+              </a:ext>
+            </a:extLst>
+          </p:cNvPr>
+          <p:cNvSpPr txBox="1"/>
+          <p:nvPr/>
+        </p:nvSpPr>
+        <p:spPr>
+          <a:xfrm>
+            <a:off x="1391037" y="5160328"/>
+            <a:ext cx="4197096" cy="646331"/>
+          </a:xfrm>
+          <a:prstGeom prst="rect">
+            <a:avLst/>
+          </a:prstGeom>
+          <a:solidFill>
+            <a:schemeClr val="accent6">
+              <a:lumMod val="40000"/>
+              <a:lumOff val="60000"/>
+            </a:schemeClr>
+          </a:solidFill>
+        </p:spPr>
+        <p:txBody>
+          <a:bodyPr wrap="square" rtlCol="0">
+            <a:spAutoFit/>
+          </a:bodyPr>
+          <a:lstStyle/>
+          <a:p>
+            <a:r>
+              <a:rPr lang="en-US" dirty="0"/>
+              <a:t>Que </a:t>
+            </a:r>
+            <a:r>
+              <a:rPr lang="en-US" dirty="0" err="1"/>
+              <a:t>contiennent</a:t>
+            </a:r>
+            <a:r>
+              <a:rPr lang="en-US" dirty="0"/>
+              <a:t> les variables </a:t>
+            </a:r>
+            <a:r>
+              <a:rPr lang="en-US" b="1" i="1" dirty="0"/>
+              <a:t>total</a:t>
+            </a:r>
+            <a:r>
+              <a:rPr lang="en-US" dirty="0"/>
+              <a:t>, </a:t>
+            </a:r>
+            <a:r>
+              <a:rPr lang="en-US" b="1" i="1" dirty="0" err="1"/>
+              <a:t>total_c</a:t>
+            </a:r>
+            <a:r>
+              <a:rPr lang="en-US" dirty="0"/>
+              <a:t> et </a:t>
+            </a:r>
+            <a:r>
+              <a:rPr lang="en-US" b="1" i="1" dirty="0" err="1"/>
+              <a:t>total_r</a:t>
+            </a:r>
+            <a:r>
+              <a:rPr lang="en-US" dirty="0"/>
+              <a:t> ?</a:t>
+            </a:r>
+          </a:p>
+        </p:txBody>
+      </p:sp>
+      <p:sp>
+        <p:nvSpPr>
+          <p:cNvPr id="10" name="ZoneTexte 9">
+            <a:extLst>
+              <a:ext uri="{FF2B5EF4-FFF2-40B4-BE49-F238E27FC236}">
+                <a16:creationId xmlns:a16="http://schemas.microsoft.com/office/drawing/2014/main" id="{25733B9D-6F4B-2343-D49A-F00A4A40F1C5}"/>
+              </a:ext>
+            </a:extLst>
+          </p:cNvPr>
+          <p:cNvSpPr txBox="1"/>
+          <p:nvPr/>
+        </p:nvSpPr>
+        <p:spPr>
+          <a:xfrm>
+            <a:off x="6345936" y="4133372"/>
+            <a:ext cx="4765173" cy="923330"/>
+          </a:xfrm>
+          <a:prstGeom prst="rect">
+            <a:avLst/>
+          </a:prstGeom>
+          <a:solidFill>
+            <a:schemeClr val="accent1">
+              <a:lumMod val="40000"/>
+              <a:lumOff val="60000"/>
+            </a:schemeClr>
+          </a:solidFill>
+        </p:spPr>
+        <p:txBody>
+          <a:bodyPr wrap="square" rtlCol="0">
+            <a:spAutoFit/>
+          </a:bodyPr>
+          <a:lstStyle/>
+          <a:p>
+            <a:r>
+              <a:rPr lang="fr-FR" dirty="0" err="1"/>
+              <a:t>moy</a:t>
+            </a:r>
+            <a:r>
+              <a:rPr lang="fr-FR" dirty="0"/>
+              <a:t> </a:t>
+            </a:r>
+            <a:r>
+              <a:rPr lang="fr-FR" b="1" dirty="0"/>
+              <a:t>=</a:t>
+            </a:r>
+            <a:r>
+              <a:rPr lang="fr-FR" dirty="0"/>
+              <a:t> </a:t>
+            </a:r>
+            <a:r>
+              <a:rPr lang="fr-FR" i="1" dirty="0" err="1"/>
+              <a:t>np</a:t>
+            </a:r>
+            <a:r>
+              <a:rPr lang="fr-FR" dirty="0" err="1"/>
+              <a:t>.</a:t>
+            </a:r>
+            <a:r>
+              <a:rPr lang="fr-FR" b="1" dirty="0" err="1"/>
+              <a:t>mean</a:t>
+            </a:r>
+            <a:r>
+              <a:rPr lang="fr-FR" dirty="0"/>
+              <a:t>(mb) </a:t>
+            </a:r>
+          </a:p>
+          <a:p>
+            <a:r>
+              <a:rPr lang="fr-FR" dirty="0" err="1"/>
+              <a:t>moy_c</a:t>
+            </a:r>
+            <a:r>
+              <a:rPr lang="fr-FR" dirty="0"/>
+              <a:t> </a:t>
+            </a:r>
+            <a:r>
+              <a:rPr lang="fr-FR" b="1" dirty="0"/>
+              <a:t>=</a:t>
+            </a:r>
+            <a:r>
+              <a:rPr lang="fr-FR" dirty="0"/>
+              <a:t> </a:t>
+            </a:r>
+            <a:r>
+              <a:rPr lang="fr-FR" i="1" dirty="0" err="1"/>
+              <a:t>np</a:t>
+            </a:r>
+            <a:r>
+              <a:rPr lang="fr-FR" dirty="0" err="1"/>
+              <a:t>.</a:t>
+            </a:r>
+            <a:r>
+              <a:rPr lang="fr-FR" b="1" dirty="0" err="1"/>
+              <a:t>mean</a:t>
+            </a:r>
+            <a:r>
+              <a:rPr lang="fr-FR" dirty="0"/>
+              <a:t>(mb, axis=0)</a:t>
+            </a:r>
+          </a:p>
+          <a:p>
+            <a:r>
+              <a:rPr lang="fr-FR" dirty="0" err="1"/>
+              <a:t>moy_r</a:t>
+            </a:r>
+            <a:r>
+              <a:rPr lang="fr-FR" dirty="0"/>
+              <a:t> </a:t>
+            </a:r>
+            <a:r>
+              <a:rPr lang="fr-FR" b="1" dirty="0"/>
+              <a:t>=</a:t>
+            </a:r>
+            <a:r>
+              <a:rPr lang="fr-FR" dirty="0"/>
+              <a:t> </a:t>
+            </a:r>
+            <a:r>
+              <a:rPr lang="fr-FR" i="1" dirty="0" err="1"/>
+              <a:t>np</a:t>
+            </a:r>
+            <a:r>
+              <a:rPr lang="fr-FR" dirty="0" err="1"/>
+              <a:t>.</a:t>
+            </a:r>
+            <a:r>
+              <a:rPr lang="fr-FR" b="1" dirty="0" err="1"/>
+              <a:t>mean</a:t>
+            </a:r>
+            <a:r>
+              <a:rPr lang="fr-FR" dirty="0"/>
+              <a:t>(mb, axis=1)</a:t>
+            </a:r>
+            <a:endParaRPr lang="fr-FR" b="1" dirty="0"/>
+          </a:p>
+        </p:txBody>
+      </p:sp>
+      <p:sp>
+        <p:nvSpPr>
+          <p:cNvPr id="11" name="ZoneTexte 10">
+            <a:extLst>
+              <a:ext uri="{FF2B5EF4-FFF2-40B4-BE49-F238E27FC236}">
+                <a16:creationId xmlns:a16="http://schemas.microsoft.com/office/drawing/2014/main" id="{62D9C748-9CDA-385A-9D88-E27306823BF1}"/>
+              </a:ext>
+            </a:extLst>
+          </p:cNvPr>
+          <p:cNvSpPr txBox="1"/>
+          <p:nvPr/>
+        </p:nvSpPr>
+        <p:spPr>
+          <a:xfrm>
+            <a:off x="6914013" y="5160328"/>
+            <a:ext cx="4197096" cy="646331"/>
+          </a:xfrm>
+          <a:prstGeom prst="rect">
+            <a:avLst/>
+          </a:prstGeom>
+          <a:solidFill>
+            <a:schemeClr val="accent6">
+              <a:lumMod val="40000"/>
+              <a:lumOff val="60000"/>
+            </a:schemeClr>
+          </a:solidFill>
+        </p:spPr>
+        <p:txBody>
+          <a:bodyPr wrap="square" rtlCol="0">
+            <a:spAutoFit/>
+          </a:bodyPr>
+          <a:lstStyle/>
+          <a:p>
+            <a:r>
+              <a:rPr lang="en-US" dirty="0"/>
+              <a:t>Que </a:t>
+            </a:r>
+            <a:r>
+              <a:rPr lang="en-US" dirty="0" err="1"/>
+              <a:t>contiennent</a:t>
+            </a:r>
+            <a:r>
+              <a:rPr lang="en-US" dirty="0"/>
+              <a:t> les variables </a:t>
+            </a:r>
+            <a:r>
+              <a:rPr lang="en-US" b="1" i="1" dirty="0" err="1"/>
+              <a:t>moy</a:t>
+            </a:r>
+            <a:r>
+              <a:rPr lang="en-US" dirty="0"/>
+              <a:t>, </a:t>
+            </a:r>
+            <a:r>
+              <a:rPr lang="en-US" b="1" i="1" dirty="0" err="1"/>
+              <a:t>moy_c</a:t>
+            </a:r>
+            <a:r>
+              <a:rPr lang="en-US" dirty="0"/>
+              <a:t> et </a:t>
+            </a:r>
+            <a:r>
+              <a:rPr lang="en-US" b="1" i="1" dirty="0" err="1"/>
+              <a:t>moy_r</a:t>
+            </a:r>
+            <a:r>
+              <a:rPr lang="en-US" dirty="0"/>
+              <a:t> ?</a:t>
+            </a:r>
+          </a:p>
+        </p:txBody>
+      </p:sp>
+      <p:pic>
+        <p:nvPicPr>
+          <p:cNvPr id="12" name="Picture 6">
+            <a:extLst>
+              <a:ext uri="{FF2B5EF4-FFF2-40B4-BE49-F238E27FC236}">
+                <a16:creationId xmlns:a16="http://schemas.microsoft.com/office/drawing/2014/main" id="{5182BDD5-3C87-A1F4-10DE-9EF331224AE5}"/>
+              </a:ext>
+            </a:extLst>
+          </p:cNvPr>
+          <p:cNvPicPr>
+            <a:picLocks noChangeAspect="1" noChangeArrowheads="1"/>
+          </p:cNvPicPr>
+          <p:nvPr/>
+        </p:nvPicPr>
+        <p:blipFill>
+          <a:blip r:embed="rId3" cstate="hqprint">
+            <a:extLst>
+              <a:ext uri="{28A0092B-C50C-407E-A947-70E740481C1C}">
+                <a14:useLocalDpi xmlns:a14="http://schemas.microsoft.com/office/drawing/2010/main" val="0"/>
+              </a:ext>
+            </a:extLst>
+          </a:blip>
+          <a:srcRect/>
+          <a:stretch>
+            <a:fillRect/>
+          </a:stretch>
+        </p:blipFill>
+        <p:spPr bwMode="auto">
+          <a:xfrm>
+            <a:off x="10426228" y="2206699"/>
+            <a:ext cx="905256" cy="407269"/>
+          </a:xfrm>
+          <a:prstGeom prst="rect">
+            <a:avLst/>
+          </a:prstGeom>
+          <a:noFill/>
+          <a:extLst>
+            <a:ext uri="{909E8E84-426E-40DD-AFC4-6F175D3DCCD1}">
+              <a14:hiddenFill xmlns:a14="http://schemas.microsoft.com/office/drawing/2010/main">
+                <a:solidFill>
+                  <a:srgbClr val="FFFFFF"/>
+                </a:solidFill>
+              </a14:hiddenFill>
+            </a:ext>
+          </a:extLst>
+        </p:spPr>
+      </p:pic>
+      <p:pic>
+        <p:nvPicPr>
+          <p:cNvPr id="13" name="Image 12">
+            <a:extLst>
+              <a:ext uri="{FF2B5EF4-FFF2-40B4-BE49-F238E27FC236}">
+                <a16:creationId xmlns:a16="http://schemas.microsoft.com/office/drawing/2014/main" id="{C249720D-01EF-E50A-48BC-BFC9E5B867F1}"/>
+              </a:ext>
+            </a:extLst>
+          </p:cNvPr>
+          <p:cNvPicPr>
+            <a:picLocks noChangeAspect="1"/>
+          </p:cNvPicPr>
+          <p:nvPr/>
+        </p:nvPicPr>
+        <p:blipFill>
+          <a:blip r:embed="rId4"/>
+          <a:stretch>
+            <a:fillRect/>
+          </a:stretch>
+        </p:blipFill>
+        <p:spPr>
+          <a:xfrm>
+            <a:off x="10077926" y="593679"/>
+            <a:ext cx="1081825" cy="1089498"/>
+          </a:xfrm>
+          <a:prstGeom prst="rect">
+            <a:avLst/>
+          </a:prstGeom>
+        </p:spPr>
+      </p:pic>
     </p:spTree>
     <p:extLst>
       <p:ext uri="{BB962C8B-B14F-4D97-AF65-F5344CB8AC3E}">
@@ -18022,6 +18653,889 @@
 </file>
 
 <file path=ppt/slides/slide24.xml><?xml version="1.0" encoding="utf-8"?>
+<p:sld xmlns:a="http://schemas.openxmlformats.org/drawingml/2006/main" xmlns:r="http://schemas.openxmlformats.org/officeDocument/2006/relationships" xmlns:p="http://schemas.openxmlformats.org/presentationml/2006/main">
+  <p:cSld>
+    <p:spTree>
+      <p:nvGrpSpPr>
+        <p:cNvPr id="1" name=""/>
+        <p:cNvGrpSpPr/>
+        <p:nvPr/>
+      </p:nvGrpSpPr>
+      <p:grpSpPr>
+        <a:xfrm>
+          <a:off x="0" y="0"/>
+          <a:ext cx="0" cy="0"/>
+          <a:chOff x="0" y="0"/>
+          <a:chExt cx="0" cy="0"/>
+        </a:xfrm>
+      </p:grpSpPr>
+      <p:sp>
+        <p:nvSpPr>
+          <p:cNvPr id="2" name="Titre 1">
+            <a:extLst>
+              <a:ext uri="{FF2B5EF4-FFF2-40B4-BE49-F238E27FC236}">
+                <a16:creationId xmlns:a16="http://schemas.microsoft.com/office/drawing/2014/main" id="{90162AE8-C1B0-5C56-8313-DEE494F38273}"/>
+              </a:ext>
+            </a:extLst>
+          </p:cNvPr>
+          <p:cNvSpPr>
+            <a:spLocks noGrp="1"/>
+          </p:cNvSpPr>
+          <p:nvPr>
+            <p:ph type="title"/>
+          </p:nvPr>
+        </p:nvSpPr>
+        <p:spPr/>
+        <p:txBody>
+          <a:bodyPr/>
+          <a:lstStyle/>
+          <a:p>
+            <a:r>
+              <a:rPr lang="fr-FR" dirty="0"/>
+              <a:t>Quelques rappels sous Python</a:t>
+            </a:r>
+          </a:p>
+        </p:txBody>
+      </p:sp>
+      <p:sp>
+        <p:nvSpPr>
+          <p:cNvPr id="3" name="Espace réservé du contenu 2">
+            <a:extLst>
+              <a:ext uri="{FF2B5EF4-FFF2-40B4-BE49-F238E27FC236}">
+                <a16:creationId xmlns:a16="http://schemas.microsoft.com/office/drawing/2014/main" id="{E0BBB9DE-019C-C741-F224-494739D4B752}"/>
+              </a:ext>
+            </a:extLst>
+          </p:cNvPr>
+          <p:cNvSpPr>
+            <a:spLocks noGrp="1"/>
+          </p:cNvSpPr>
+          <p:nvPr>
+            <p:ph sz="half" idx="1"/>
+          </p:nvPr>
+        </p:nvSpPr>
+        <p:spPr/>
+        <p:txBody>
+          <a:bodyPr/>
+          <a:lstStyle/>
+          <a:p>
+            <a:r>
+              <a:rPr lang="fr-FR" dirty="0"/>
+              <a:t>Travailler avec des vecteurs</a:t>
+            </a:r>
+          </a:p>
+        </p:txBody>
+      </p:sp>
+      <p:pic>
+        <p:nvPicPr>
+          <p:cNvPr id="5" name="Image 4" descr="Une image contenant texte&#10;&#10;Description générée automatiquement">
+            <a:extLst>
+              <a:ext uri="{FF2B5EF4-FFF2-40B4-BE49-F238E27FC236}">
+                <a16:creationId xmlns:a16="http://schemas.microsoft.com/office/drawing/2014/main" id="{66D2630B-81F4-A4EB-21BA-8B90CF30BD92}"/>
+              </a:ext>
+            </a:extLst>
+          </p:cNvPr>
+          <p:cNvPicPr>
+            <a:picLocks noChangeAspect="1"/>
+          </p:cNvPicPr>
+          <p:nvPr/>
+        </p:nvPicPr>
+        <p:blipFill>
+          <a:blip r:embed="rId2">
+            <a:extLst>
+              <a:ext uri="{28A0092B-C50C-407E-A947-70E740481C1C}">
+                <a14:useLocalDpi xmlns:a14="http://schemas.microsoft.com/office/drawing/2010/main" val="0"/>
+              </a:ext>
+            </a:extLst>
+          </a:blip>
+          <a:stretch>
+            <a:fillRect/>
+          </a:stretch>
+        </p:blipFill>
+        <p:spPr>
+          <a:xfrm>
+            <a:off x="202922" y="5934456"/>
+            <a:ext cx="1825291" cy="749808"/>
+          </a:xfrm>
+          <a:prstGeom prst="rect">
+            <a:avLst/>
+          </a:prstGeom>
+        </p:spPr>
+      </p:pic>
+      <p:sp>
+        <p:nvSpPr>
+          <p:cNvPr id="6" name="Espace réservé du numéro de diapositive 5">
+            <a:extLst>
+              <a:ext uri="{FF2B5EF4-FFF2-40B4-BE49-F238E27FC236}">
+                <a16:creationId xmlns:a16="http://schemas.microsoft.com/office/drawing/2014/main" id="{4C1E9BCC-7E3A-6B7D-DBFB-30833C830FF6}"/>
+              </a:ext>
+            </a:extLst>
+          </p:cNvPr>
+          <p:cNvSpPr>
+            <a:spLocks noGrp="1"/>
+          </p:cNvSpPr>
+          <p:nvPr>
+            <p:ph type="sldNum" sz="quarter" idx="12"/>
+          </p:nvPr>
+        </p:nvSpPr>
+        <p:spPr/>
+        <p:txBody>
+          <a:bodyPr/>
+          <a:lstStyle/>
+          <a:p>
+            <a:fld id="{B2DC25EE-239B-4C5F-AAD1-255A7D5F1EE2}" type="slidenum">
+              <a:rPr lang="en-US" smtClean="0"/>
+              <a:t>24</a:t>
+            </a:fld>
+            <a:endParaRPr lang="en-US"/>
+          </a:p>
+        </p:txBody>
+      </p:sp>
+      <p:sp>
+        <p:nvSpPr>
+          <p:cNvPr id="8" name="ZoneTexte 7">
+            <a:extLst>
+              <a:ext uri="{FF2B5EF4-FFF2-40B4-BE49-F238E27FC236}">
+                <a16:creationId xmlns:a16="http://schemas.microsoft.com/office/drawing/2014/main" id="{C602FF1A-ECC8-0713-6E48-03DC30535458}"/>
+              </a:ext>
+            </a:extLst>
+          </p:cNvPr>
+          <p:cNvSpPr txBox="1"/>
+          <p:nvPr/>
+        </p:nvSpPr>
+        <p:spPr>
+          <a:xfrm>
+            <a:off x="822960" y="3302376"/>
+            <a:ext cx="4765173" cy="1200329"/>
+          </a:xfrm>
+          <a:prstGeom prst="rect">
+            <a:avLst/>
+          </a:prstGeom>
+          <a:solidFill>
+            <a:schemeClr val="accent1">
+              <a:lumMod val="40000"/>
+              <a:lumOff val="60000"/>
+            </a:schemeClr>
+          </a:solidFill>
+        </p:spPr>
+        <p:txBody>
+          <a:bodyPr wrap="square" rtlCol="0">
+            <a:spAutoFit/>
+          </a:bodyPr>
+          <a:lstStyle/>
+          <a:p>
+            <a:r>
+              <a:rPr lang="fr-FR" b="1" dirty="0"/>
+              <a:t>import</a:t>
+            </a:r>
+            <a:r>
+              <a:rPr lang="fr-FR" dirty="0"/>
+              <a:t> </a:t>
+            </a:r>
+            <a:r>
+              <a:rPr lang="fr-FR" i="1" dirty="0" err="1"/>
+              <a:t>numpy</a:t>
+            </a:r>
+            <a:r>
+              <a:rPr lang="fr-FR" i="1" dirty="0"/>
+              <a:t> </a:t>
+            </a:r>
+            <a:r>
+              <a:rPr lang="fr-FR" b="1" dirty="0"/>
+              <a:t>as </a:t>
+            </a:r>
+            <a:r>
+              <a:rPr lang="fr-FR" i="1" dirty="0" err="1"/>
+              <a:t>np</a:t>
+            </a:r>
+            <a:endParaRPr lang="fr-FR" i="1" dirty="0"/>
+          </a:p>
+          <a:p>
+            <a:r>
+              <a:rPr lang="fr-FR" dirty="0" err="1"/>
+              <a:t>vect</a:t>
+            </a:r>
+            <a:r>
+              <a:rPr lang="fr-FR" dirty="0"/>
+              <a:t> </a:t>
+            </a:r>
+            <a:r>
+              <a:rPr lang="fr-FR" b="1" dirty="0"/>
+              <a:t>=</a:t>
+            </a:r>
+            <a:r>
+              <a:rPr lang="fr-FR" dirty="0"/>
+              <a:t> </a:t>
+            </a:r>
+            <a:r>
+              <a:rPr lang="fr-FR" i="1" dirty="0" err="1"/>
+              <a:t>np</a:t>
+            </a:r>
+            <a:r>
+              <a:rPr lang="fr-FR" dirty="0" err="1"/>
+              <a:t>.</a:t>
+            </a:r>
+            <a:r>
+              <a:rPr lang="fr-FR" b="1" dirty="0" err="1"/>
+              <a:t>arange</a:t>
+            </a:r>
+            <a:r>
+              <a:rPr lang="fr-FR" b="1" dirty="0"/>
+              <a:t>( </a:t>
+            </a:r>
+            <a:r>
+              <a:rPr lang="fr-FR" dirty="0"/>
+              <a:t>100 </a:t>
+            </a:r>
+            <a:r>
+              <a:rPr lang="fr-FR" b="1" dirty="0"/>
+              <a:t>) </a:t>
+            </a:r>
+          </a:p>
+          <a:p>
+            <a:r>
+              <a:rPr lang="fr-FR" dirty="0" err="1"/>
+              <a:t>vect_p</a:t>
+            </a:r>
+            <a:r>
+              <a:rPr lang="fr-FR" dirty="0"/>
+              <a:t> </a:t>
+            </a:r>
+            <a:r>
+              <a:rPr lang="fr-FR" b="1" dirty="0"/>
+              <a:t>=</a:t>
+            </a:r>
+            <a:r>
+              <a:rPr lang="fr-FR" dirty="0"/>
+              <a:t> </a:t>
+            </a:r>
+            <a:r>
+              <a:rPr lang="fr-FR" dirty="0" err="1"/>
+              <a:t>vect</a:t>
+            </a:r>
+            <a:r>
+              <a:rPr lang="fr-FR" b="1" dirty="0"/>
+              <a:t>[ </a:t>
+            </a:r>
+            <a:r>
+              <a:rPr lang="fr-FR" dirty="0"/>
+              <a:t>10 </a:t>
+            </a:r>
+            <a:r>
+              <a:rPr lang="fr-FR" b="1" dirty="0"/>
+              <a:t>: </a:t>
+            </a:r>
+            <a:r>
+              <a:rPr lang="fr-FR" dirty="0"/>
+              <a:t>30 </a:t>
+            </a:r>
+            <a:r>
+              <a:rPr lang="fr-FR" b="1" dirty="0"/>
+              <a:t>]</a:t>
+            </a:r>
+          </a:p>
+          <a:p>
+            <a:r>
+              <a:rPr lang="fr-FR" dirty="0" err="1"/>
+              <a:t>vect_s</a:t>
+            </a:r>
+            <a:r>
+              <a:rPr lang="fr-FR" dirty="0"/>
+              <a:t> </a:t>
+            </a:r>
+            <a:r>
+              <a:rPr lang="fr-FR" b="1" dirty="0"/>
+              <a:t>=</a:t>
+            </a:r>
+            <a:r>
+              <a:rPr lang="fr-FR" dirty="0"/>
+              <a:t> </a:t>
+            </a:r>
+            <a:r>
+              <a:rPr lang="fr-FR" dirty="0" err="1"/>
+              <a:t>vect</a:t>
+            </a:r>
+            <a:r>
+              <a:rPr lang="fr-FR" b="1" dirty="0"/>
+              <a:t>[ </a:t>
+            </a:r>
+            <a:r>
+              <a:rPr lang="fr-FR" dirty="0"/>
+              <a:t>50 </a:t>
+            </a:r>
+            <a:r>
+              <a:rPr lang="fr-FR" b="1" dirty="0"/>
+              <a:t>: ]</a:t>
+            </a:r>
+          </a:p>
+        </p:txBody>
+      </p:sp>
+      <p:sp>
+        <p:nvSpPr>
+          <p:cNvPr id="9" name="ZoneTexte 8">
+            <a:extLst>
+              <a:ext uri="{FF2B5EF4-FFF2-40B4-BE49-F238E27FC236}">
+                <a16:creationId xmlns:a16="http://schemas.microsoft.com/office/drawing/2014/main" id="{2423C45D-4E7B-CE8F-7CCF-FCCFAB07821C}"/>
+              </a:ext>
+            </a:extLst>
+          </p:cNvPr>
+          <p:cNvSpPr txBox="1"/>
+          <p:nvPr/>
+        </p:nvSpPr>
+        <p:spPr>
+          <a:xfrm>
+            <a:off x="1391037" y="4606182"/>
+            <a:ext cx="4197096" cy="646331"/>
+          </a:xfrm>
+          <a:prstGeom prst="rect">
+            <a:avLst/>
+          </a:prstGeom>
+          <a:solidFill>
+            <a:schemeClr val="accent6">
+              <a:lumMod val="40000"/>
+              <a:lumOff val="60000"/>
+            </a:schemeClr>
+          </a:solidFill>
+        </p:spPr>
+        <p:txBody>
+          <a:bodyPr wrap="square" rtlCol="0">
+            <a:spAutoFit/>
+          </a:bodyPr>
+          <a:lstStyle/>
+          <a:p>
+            <a:r>
+              <a:rPr lang="en-US" dirty="0"/>
+              <a:t>Que </a:t>
+            </a:r>
+            <a:r>
+              <a:rPr lang="en-US" dirty="0" err="1"/>
+              <a:t>contiennent</a:t>
+            </a:r>
+            <a:r>
+              <a:rPr lang="en-US" dirty="0"/>
+              <a:t> les variables </a:t>
+            </a:r>
+            <a:r>
+              <a:rPr lang="en-US" b="1" i="1" dirty="0" err="1"/>
+              <a:t>vect</a:t>
+            </a:r>
+            <a:r>
+              <a:rPr lang="en-US" b="1" i="1" dirty="0"/>
+              <a:t> </a:t>
+            </a:r>
+            <a:r>
+              <a:rPr lang="en-US" i="1" dirty="0"/>
+              <a:t>,</a:t>
+            </a:r>
+            <a:r>
+              <a:rPr lang="en-US" b="1" i="1" dirty="0"/>
+              <a:t> </a:t>
+            </a:r>
+            <a:r>
+              <a:rPr lang="en-US" b="1" i="1" dirty="0" err="1"/>
+              <a:t>vect_p</a:t>
+            </a:r>
+            <a:r>
+              <a:rPr lang="en-US" b="1" i="1" dirty="0"/>
+              <a:t> </a:t>
+            </a:r>
+            <a:r>
+              <a:rPr lang="en-US" dirty="0"/>
+              <a:t>et</a:t>
+            </a:r>
+            <a:r>
+              <a:rPr lang="en-US" i="1" dirty="0"/>
+              <a:t> </a:t>
+            </a:r>
+            <a:r>
+              <a:rPr lang="en-US" b="1" i="1" dirty="0" err="1"/>
+              <a:t>vect_s</a:t>
+            </a:r>
+            <a:r>
+              <a:rPr lang="en-US" dirty="0"/>
+              <a:t> ?</a:t>
+            </a:r>
+          </a:p>
+        </p:txBody>
+      </p:sp>
+      <p:pic>
+        <p:nvPicPr>
+          <p:cNvPr id="4" name="Image 3">
+            <a:extLst>
+              <a:ext uri="{FF2B5EF4-FFF2-40B4-BE49-F238E27FC236}">
+                <a16:creationId xmlns:a16="http://schemas.microsoft.com/office/drawing/2014/main" id="{5941BB55-A9AB-24D3-6609-F0D263121005}"/>
+              </a:ext>
+            </a:extLst>
+          </p:cNvPr>
+          <p:cNvPicPr>
+            <a:picLocks noChangeAspect="1"/>
+          </p:cNvPicPr>
+          <p:nvPr/>
+        </p:nvPicPr>
+        <p:blipFill>
+          <a:blip r:embed="rId3"/>
+          <a:stretch>
+            <a:fillRect/>
+          </a:stretch>
+        </p:blipFill>
+        <p:spPr>
+          <a:xfrm>
+            <a:off x="10077926" y="593679"/>
+            <a:ext cx="1081825" cy="1089498"/>
+          </a:xfrm>
+          <a:prstGeom prst="rect">
+            <a:avLst/>
+          </a:prstGeom>
+        </p:spPr>
+      </p:pic>
+      <p:pic>
+        <p:nvPicPr>
+          <p:cNvPr id="7" name="Picture 6">
+            <a:extLst>
+              <a:ext uri="{FF2B5EF4-FFF2-40B4-BE49-F238E27FC236}">
+                <a16:creationId xmlns:a16="http://schemas.microsoft.com/office/drawing/2014/main" id="{5D8FFAFC-E508-D8B6-7FC0-5EBE2F307CE6}"/>
+              </a:ext>
+            </a:extLst>
+          </p:cNvPr>
+          <p:cNvPicPr>
+            <a:picLocks noChangeAspect="1" noChangeArrowheads="1"/>
+          </p:cNvPicPr>
+          <p:nvPr/>
+        </p:nvPicPr>
+        <p:blipFill>
+          <a:blip r:embed="rId4" cstate="hqprint">
+            <a:extLst>
+              <a:ext uri="{28A0092B-C50C-407E-A947-70E740481C1C}">
+                <a14:useLocalDpi xmlns:a14="http://schemas.microsoft.com/office/drawing/2010/main" val="0"/>
+              </a:ext>
+            </a:extLst>
+          </a:blip>
+          <a:srcRect/>
+          <a:stretch>
+            <a:fillRect/>
+          </a:stretch>
+        </p:blipFill>
+        <p:spPr bwMode="auto">
+          <a:xfrm>
+            <a:off x="10426228" y="2206699"/>
+            <a:ext cx="905256" cy="407269"/>
+          </a:xfrm>
+          <a:prstGeom prst="rect">
+            <a:avLst/>
+          </a:prstGeom>
+          <a:noFill/>
+          <a:extLst>
+            <a:ext uri="{909E8E84-426E-40DD-AFC4-6F175D3DCCD1}">
+              <a14:hiddenFill xmlns:a14="http://schemas.microsoft.com/office/drawing/2010/main">
+                <a:solidFill>
+                  <a:srgbClr val="FFFFFF"/>
+                </a:solidFill>
+              </a14:hiddenFill>
+            </a:ext>
+          </a:extLst>
+        </p:spPr>
+      </p:pic>
+      <p:sp>
+        <p:nvSpPr>
+          <p:cNvPr id="14" name="ZoneTexte 13">
+            <a:extLst>
+              <a:ext uri="{FF2B5EF4-FFF2-40B4-BE49-F238E27FC236}">
+                <a16:creationId xmlns:a16="http://schemas.microsoft.com/office/drawing/2014/main" id="{DEBED868-AC83-C5CE-655F-9E4423C9F6DC}"/>
+              </a:ext>
+            </a:extLst>
+          </p:cNvPr>
+          <p:cNvSpPr txBox="1"/>
+          <p:nvPr/>
+        </p:nvSpPr>
+        <p:spPr>
+          <a:xfrm>
+            <a:off x="6345936" y="3297630"/>
+            <a:ext cx="4765173" cy="646331"/>
+          </a:xfrm>
+          <a:prstGeom prst="rect">
+            <a:avLst/>
+          </a:prstGeom>
+          <a:solidFill>
+            <a:schemeClr val="accent1">
+              <a:lumMod val="40000"/>
+              <a:lumOff val="60000"/>
+            </a:schemeClr>
+          </a:solidFill>
+        </p:spPr>
+        <p:txBody>
+          <a:bodyPr wrap="square" rtlCol="0">
+            <a:spAutoFit/>
+          </a:bodyPr>
+          <a:lstStyle/>
+          <a:p>
+            <a:r>
+              <a:rPr lang="fr-FR" dirty="0"/>
+              <a:t>c </a:t>
+            </a:r>
+            <a:r>
+              <a:rPr lang="fr-FR" b="1" dirty="0"/>
+              <a:t>=</a:t>
+            </a:r>
+            <a:r>
+              <a:rPr lang="fr-FR" dirty="0"/>
+              <a:t> </a:t>
+            </a:r>
+            <a:r>
+              <a:rPr lang="fr-FR" dirty="0" err="1"/>
+              <a:t>vect</a:t>
+            </a:r>
+            <a:r>
+              <a:rPr lang="fr-FR" b="1" dirty="0"/>
+              <a:t>[(</a:t>
+            </a:r>
+            <a:r>
+              <a:rPr lang="fr-FR" dirty="0" err="1"/>
+              <a:t>vect</a:t>
+            </a:r>
+            <a:r>
+              <a:rPr lang="fr-FR" dirty="0"/>
+              <a:t> &gt; 2</a:t>
+            </a:r>
+            <a:r>
+              <a:rPr lang="fr-FR" b="1" dirty="0"/>
+              <a:t>)</a:t>
+            </a:r>
+            <a:r>
+              <a:rPr lang="fr-FR" dirty="0"/>
+              <a:t> </a:t>
+            </a:r>
+            <a:r>
+              <a:rPr lang="fr-FR" b="1" dirty="0"/>
+              <a:t>&amp;</a:t>
+            </a:r>
+            <a:r>
+              <a:rPr lang="fr-FR" dirty="0"/>
+              <a:t> </a:t>
+            </a:r>
+            <a:r>
+              <a:rPr lang="fr-FR" b="1" dirty="0"/>
+              <a:t>(</a:t>
+            </a:r>
+            <a:r>
+              <a:rPr lang="fr-FR" dirty="0" err="1"/>
+              <a:t>vect</a:t>
+            </a:r>
+            <a:r>
+              <a:rPr lang="fr-FR" dirty="0"/>
+              <a:t> &lt; 11</a:t>
+            </a:r>
+            <a:r>
+              <a:rPr lang="fr-FR" b="1" dirty="0"/>
+              <a:t>)]</a:t>
+            </a:r>
+          </a:p>
+          <a:p>
+            <a:r>
+              <a:rPr lang="fr-FR" dirty="0" err="1"/>
+              <a:t>tf</a:t>
+            </a:r>
+            <a:r>
+              <a:rPr lang="fr-FR" b="1" dirty="0"/>
+              <a:t> = (</a:t>
+            </a:r>
+            <a:r>
+              <a:rPr lang="fr-FR" dirty="0" err="1"/>
+              <a:t>vect</a:t>
+            </a:r>
+            <a:r>
+              <a:rPr lang="fr-FR" dirty="0"/>
+              <a:t> &gt; 2</a:t>
+            </a:r>
+            <a:r>
+              <a:rPr lang="fr-FR" b="1" dirty="0"/>
+              <a:t>)</a:t>
+            </a:r>
+            <a:r>
+              <a:rPr lang="fr-FR" dirty="0"/>
+              <a:t> </a:t>
+            </a:r>
+            <a:r>
+              <a:rPr lang="fr-FR" b="1" dirty="0"/>
+              <a:t>&amp;</a:t>
+            </a:r>
+            <a:r>
+              <a:rPr lang="fr-FR" dirty="0"/>
+              <a:t> </a:t>
+            </a:r>
+            <a:r>
+              <a:rPr lang="fr-FR" b="1" dirty="0"/>
+              <a:t>(</a:t>
+            </a:r>
+            <a:r>
+              <a:rPr lang="fr-FR" dirty="0" err="1"/>
+              <a:t>vect</a:t>
+            </a:r>
+            <a:r>
+              <a:rPr lang="fr-FR" dirty="0"/>
+              <a:t> &lt; 11</a:t>
+            </a:r>
+            <a:r>
+              <a:rPr lang="fr-FR" b="1" dirty="0"/>
+              <a:t>)</a:t>
+            </a:r>
+          </a:p>
+        </p:txBody>
+      </p:sp>
+      <p:sp>
+        <p:nvSpPr>
+          <p:cNvPr id="16" name="ZoneTexte 15">
+            <a:extLst>
+              <a:ext uri="{FF2B5EF4-FFF2-40B4-BE49-F238E27FC236}">
+                <a16:creationId xmlns:a16="http://schemas.microsoft.com/office/drawing/2014/main" id="{49EE023A-EA90-A539-0E4E-FF4AD622673C}"/>
+              </a:ext>
+            </a:extLst>
+          </p:cNvPr>
+          <p:cNvSpPr txBox="1"/>
+          <p:nvPr/>
+        </p:nvSpPr>
+        <p:spPr>
+          <a:xfrm>
+            <a:off x="6914013" y="4020158"/>
+            <a:ext cx="4197096" cy="369332"/>
+          </a:xfrm>
+          <a:prstGeom prst="rect">
+            <a:avLst/>
+          </a:prstGeom>
+          <a:solidFill>
+            <a:schemeClr val="accent6">
+              <a:lumMod val="40000"/>
+              <a:lumOff val="60000"/>
+            </a:schemeClr>
+          </a:solidFill>
+        </p:spPr>
+        <p:txBody>
+          <a:bodyPr wrap="square" rtlCol="0">
+            <a:spAutoFit/>
+          </a:bodyPr>
+          <a:lstStyle/>
+          <a:p>
+            <a:r>
+              <a:rPr lang="en-US" dirty="0"/>
+              <a:t>Que </a:t>
+            </a:r>
+            <a:r>
+              <a:rPr lang="en-US" dirty="0" err="1"/>
+              <a:t>contiennent</a:t>
+            </a:r>
+            <a:r>
+              <a:rPr lang="en-US" dirty="0"/>
+              <a:t> les variables </a:t>
+            </a:r>
+            <a:r>
+              <a:rPr lang="en-US" b="1" i="1" dirty="0"/>
+              <a:t>c </a:t>
+            </a:r>
+            <a:r>
+              <a:rPr lang="en-US" dirty="0"/>
+              <a:t>et</a:t>
+            </a:r>
+            <a:r>
+              <a:rPr lang="en-US" i="1" dirty="0"/>
+              <a:t> </a:t>
+            </a:r>
+            <a:r>
+              <a:rPr lang="en-US" b="1" i="1" dirty="0" err="1"/>
+              <a:t>tf</a:t>
+            </a:r>
+            <a:r>
+              <a:rPr lang="en-US" dirty="0"/>
+              <a:t> ?</a:t>
+            </a:r>
+          </a:p>
+        </p:txBody>
+      </p:sp>
+      <p:sp>
+        <p:nvSpPr>
+          <p:cNvPr id="19" name="ZoneTexte 18">
+            <a:extLst>
+              <a:ext uri="{FF2B5EF4-FFF2-40B4-BE49-F238E27FC236}">
+                <a16:creationId xmlns:a16="http://schemas.microsoft.com/office/drawing/2014/main" id="{EB4B4A01-98C5-F512-91E3-4EACC1EF8468}"/>
+              </a:ext>
+            </a:extLst>
+          </p:cNvPr>
+          <p:cNvSpPr txBox="1"/>
+          <p:nvPr/>
+        </p:nvSpPr>
+        <p:spPr>
+          <a:xfrm>
+            <a:off x="6345936" y="4606181"/>
+            <a:ext cx="4765173" cy="646331"/>
+          </a:xfrm>
+          <a:prstGeom prst="rect">
+            <a:avLst/>
+          </a:prstGeom>
+          <a:solidFill>
+            <a:schemeClr val="accent1">
+              <a:lumMod val="40000"/>
+              <a:lumOff val="60000"/>
+            </a:schemeClr>
+          </a:solidFill>
+        </p:spPr>
+        <p:txBody>
+          <a:bodyPr wrap="square" rtlCol="0">
+            <a:spAutoFit/>
+          </a:bodyPr>
+          <a:lstStyle/>
+          <a:p>
+            <a:r>
+              <a:rPr lang="fr-FR" dirty="0"/>
+              <a:t>mb </a:t>
+            </a:r>
+            <a:r>
+              <a:rPr lang="fr-FR" b="1" dirty="0"/>
+              <a:t>= </a:t>
+            </a:r>
+            <a:r>
+              <a:rPr lang="fr-FR" i="1" dirty="0" err="1"/>
+              <a:t>np</a:t>
+            </a:r>
+            <a:r>
+              <a:rPr lang="fr-FR" dirty="0" err="1"/>
+              <a:t>.</a:t>
+            </a:r>
+            <a:r>
+              <a:rPr lang="fr-FR" b="1" dirty="0" err="1"/>
+              <a:t>array</a:t>
+            </a:r>
+            <a:r>
+              <a:rPr lang="fr-FR" b="1" dirty="0"/>
+              <a:t>(</a:t>
+            </a:r>
+            <a:r>
+              <a:rPr lang="fr-FR" dirty="0"/>
+              <a:t> [[1,2,3] , [4,5,6]] </a:t>
+            </a:r>
+            <a:r>
+              <a:rPr lang="fr-FR" b="1" dirty="0"/>
+              <a:t>)</a:t>
+            </a:r>
+          </a:p>
+          <a:p>
+            <a:r>
+              <a:rPr lang="fr-FR" dirty="0"/>
+              <a:t>mc</a:t>
+            </a:r>
+            <a:r>
+              <a:rPr lang="fr-FR" b="1" dirty="0"/>
+              <a:t> = </a:t>
+            </a:r>
+            <a:r>
+              <a:rPr lang="fr-FR" dirty="0"/>
+              <a:t>md</a:t>
+            </a:r>
+            <a:r>
+              <a:rPr lang="fr-FR" b="1" dirty="0"/>
+              <a:t>[</a:t>
+            </a:r>
+            <a:r>
+              <a:rPr lang="fr-FR" dirty="0"/>
+              <a:t> </a:t>
+            </a:r>
+            <a:r>
+              <a:rPr lang="fr-FR" b="1" dirty="0"/>
+              <a:t>:</a:t>
+            </a:r>
+            <a:r>
+              <a:rPr lang="fr-FR" dirty="0"/>
+              <a:t> </a:t>
+            </a:r>
+            <a:r>
+              <a:rPr lang="fr-FR" b="1" dirty="0"/>
+              <a:t>,</a:t>
+            </a:r>
+            <a:r>
+              <a:rPr lang="fr-FR" dirty="0"/>
+              <a:t> 1</a:t>
+            </a:r>
+            <a:r>
+              <a:rPr lang="fr-FR" b="1" dirty="0"/>
+              <a:t>:</a:t>
+            </a:r>
+            <a:r>
+              <a:rPr lang="fr-FR" dirty="0"/>
+              <a:t>3 </a:t>
+            </a:r>
+            <a:r>
+              <a:rPr lang="fr-FR" b="1" dirty="0"/>
+              <a:t>]</a:t>
+            </a:r>
+          </a:p>
+        </p:txBody>
+      </p:sp>
+      <p:sp>
+        <p:nvSpPr>
+          <p:cNvPr id="20" name="ZoneTexte 19">
+            <a:extLst>
+              <a:ext uri="{FF2B5EF4-FFF2-40B4-BE49-F238E27FC236}">
+                <a16:creationId xmlns:a16="http://schemas.microsoft.com/office/drawing/2014/main" id="{37228DD0-A076-F04E-18C2-12837F11ADCA}"/>
+              </a:ext>
+            </a:extLst>
+          </p:cNvPr>
+          <p:cNvSpPr txBox="1"/>
+          <p:nvPr/>
+        </p:nvSpPr>
+        <p:spPr>
+          <a:xfrm>
+            <a:off x="6914013" y="5328709"/>
+            <a:ext cx="4197096" cy="369332"/>
+          </a:xfrm>
+          <a:prstGeom prst="rect">
+            <a:avLst/>
+          </a:prstGeom>
+          <a:solidFill>
+            <a:schemeClr val="accent6">
+              <a:lumMod val="40000"/>
+              <a:lumOff val="60000"/>
+            </a:schemeClr>
+          </a:solidFill>
+        </p:spPr>
+        <p:txBody>
+          <a:bodyPr wrap="square" rtlCol="0">
+            <a:spAutoFit/>
+          </a:bodyPr>
+          <a:lstStyle/>
+          <a:p>
+            <a:r>
+              <a:rPr lang="en-US" dirty="0"/>
+              <a:t>Que </a:t>
+            </a:r>
+            <a:r>
+              <a:rPr lang="en-US" dirty="0" err="1"/>
+              <a:t>contient</a:t>
+            </a:r>
+            <a:r>
+              <a:rPr lang="en-US" dirty="0"/>
+              <a:t> la variable </a:t>
+            </a:r>
+            <a:r>
+              <a:rPr lang="en-US" b="1" i="1" dirty="0"/>
+              <a:t>mc</a:t>
+            </a:r>
+            <a:r>
+              <a:rPr lang="en-US" dirty="0"/>
+              <a:t> ?</a:t>
+            </a:r>
+          </a:p>
+        </p:txBody>
+      </p:sp>
+    </p:spTree>
+    <p:extLst>
+      <p:ext uri="{BB962C8B-B14F-4D97-AF65-F5344CB8AC3E}">
+        <p14:creationId xmlns:p14="http://schemas.microsoft.com/office/powerpoint/2010/main" val="1248788199"/>
+      </p:ext>
+    </p:extLst>
+  </p:cSld>
+  <p:clrMapOvr>
+    <a:masterClrMapping/>
+  </p:clrMapOvr>
+</p:sld>
+</file>
+
+<file path=ppt/slides/slide25.xml><?xml version="1.0" encoding="utf-8"?>
 <p:sld xmlns:a="http://schemas.openxmlformats.org/drawingml/2006/main" xmlns:r="http://schemas.openxmlformats.org/officeDocument/2006/relationships" xmlns:p="http://schemas.openxmlformats.org/presentationml/2006/main">
   <p:cSld>
     <p:spTree>
@@ -18764,7 +20278,7 @@
           <a:p>
             <a:fld id="{B2DC25EE-239B-4C5F-AAD1-255A7D5F1EE2}" type="slidenum">
               <a:rPr lang="en-US" smtClean="0"/>
-              <a:t>24</a:t>
+              <a:t>25</a:t>
             </a:fld>
             <a:endParaRPr lang="en-US"/>
           </a:p>
@@ -18783,7 +20297,7 @@
 </p:sld>
 </file>
 
-<file path=ppt/slides/slide25.xml><?xml version="1.0" encoding="utf-8"?>
+<file path=ppt/slides/slide26.xml><?xml version="1.0" encoding="utf-8"?>
 <p:sld xmlns:a="http://schemas.openxmlformats.org/drawingml/2006/main" xmlns:r="http://schemas.openxmlformats.org/officeDocument/2006/relationships" xmlns:p="http://schemas.openxmlformats.org/presentationml/2006/main">
   <p:cSld>
     <p:bg>
@@ -19139,7 +20653,7 @@
           <a:p>
             <a:fld id="{B2DC25EE-239B-4C5F-AAD1-255A7D5F1EE2}" type="slidenum">
               <a:rPr lang="en-US" smtClean="0"/>
-              <a:t>25</a:t>
+              <a:t>26</a:t>
             </a:fld>
             <a:endParaRPr lang="en-US"/>
           </a:p>
@@ -19158,7 +20672,7 @@
 </p:sld>
 </file>
 
-<file path=ppt/slides/slide26.xml><?xml version="1.0" encoding="utf-8"?>
+<file path=ppt/slides/slide27.xml><?xml version="1.0" encoding="utf-8"?>
 <p:sld xmlns:a="http://schemas.openxmlformats.org/drawingml/2006/main" xmlns:r="http://schemas.openxmlformats.org/officeDocument/2006/relationships" xmlns:p="http://schemas.openxmlformats.org/presentationml/2006/main">
   <p:cSld>
     <p:bg>
@@ -19328,7 +20842,7 @@
           <a:p>
             <a:fld id="{B2DC25EE-239B-4C5F-AAD1-255A7D5F1EE2}" type="slidenum">
               <a:rPr lang="en-US" smtClean="0"/>
-              <a:t>26</a:t>
+              <a:t>27</a:t>
             </a:fld>
             <a:endParaRPr lang="en-US"/>
           </a:p>
@@ -19798,9 +21312,9 @@
             <a:avLst/>
           </a:prstGeom>
           <a:solidFill>
-            <a:schemeClr val="accent1">
-              <a:lumMod val="20000"/>
-              <a:lumOff val="80000"/>
+            <a:schemeClr val="accent6">
+              <a:lumMod val="40000"/>
+              <a:lumOff val="60000"/>
             </a:schemeClr>
           </a:solidFill>
         </p:spPr>
@@ -19838,9 +21352,9 @@
             <a:avLst/>
           </a:prstGeom>
           <a:solidFill>
-            <a:schemeClr val="accent1">
-              <a:lumMod val="20000"/>
-              <a:lumOff val="80000"/>
+            <a:schemeClr val="accent6">
+              <a:lumMod val="40000"/>
+              <a:lumOff val="60000"/>
             </a:schemeClr>
           </a:solidFill>
         </p:spPr>
@@ -19870,7 +21384,7 @@
 </p:sld>
 </file>
 
-<file path=ppt/slides/slide27.xml><?xml version="1.0" encoding="utf-8"?>
+<file path=ppt/slides/slide28.xml><?xml version="1.0" encoding="utf-8"?>
 <p:sld xmlns:a="http://schemas.openxmlformats.org/drawingml/2006/main" xmlns:r="http://schemas.openxmlformats.org/officeDocument/2006/relationships" xmlns:p="http://schemas.openxmlformats.org/presentationml/2006/main">
   <p:cSld>
     <p:spTree>
@@ -20419,7 +21933,7 @@
           <a:p>
             <a:fld id="{B2DC25EE-239B-4C5F-AAD1-255A7D5F1EE2}" type="slidenum">
               <a:rPr lang="en-US" smtClean="0"/>
-              <a:t>27</a:t>
+              <a:t>28</a:t>
             </a:fld>
             <a:endParaRPr lang="en-US"/>
           </a:p>
@@ -20438,7 +21952,7 @@
 </p:sld>
 </file>
 
-<file path=ppt/slides/slide28.xml><?xml version="1.0" encoding="utf-8"?>
+<file path=ppt/slides/slide29.xml><?xml version="1.0" encoding="utf-8"?>
 <p:sld xmlns:a="http://schemas.openxmlformats.org/drawingml/2006/main" xmlns:r="http://schemas.openxmlformats.org/officeDocument/2006/relationships" xmlns:p="http://schemas.openxmlformats.org/presentationml/2006/main">
   <p:cSld>
     <p:bg>
@@ -20657,7 +22171,7 @@
           <a:p>
             <a:fld id="{B2DC25EE-239B-4C5F-AAD1-255A7D5F1EE2}" type="slidenum">
               <a:rPr lang="en-US" smtClean="0"/>
-              <a:t>28</a:t>
+              <a:t>29</a:t>
             </a:fld>
             <a:endParaRPr lang="en-US"/>
           </a:p>
@@ -20667,258 +22181,6 @@
     <p:extLst>
       <p:ext uri="{BB962C8B-B14F-4D97-AF65-F5344CB8AC3E}">
         <p14:creationId xmlns:p14="http://schemas.microsoft.com/office/powerpoint/2010/main" val="4039983876"/>
-      </p:ext>
-    </p:extLst>
-  </p:cSld>
-  <p:clrMapOvr>
-    <a:masterClrMapping/>
-  </p:clrMapOvr>
-</p:sld>
-</file>
-
-<file path=ppt/slides/slide29.xml><?xml version="1.0" encoding="utf-8"?>
-<p:sld xmlns:a="http://schemas.openxmlformats.org/drawingml/2006/main" xmlns:r="http://schemas.openxmlformats.org/officeDocument/2006/relationships" xmlns:p="http://schemas.openxmlformats.org/presentationml/2006/main">
-  <p:cSld>
-    <p:spTree>
-      <p:nvGrpSpPr>
-        <p:cNvPr id="1" name=""/>
-        <p:cNvGrpSpPr/>
-        <p:nvPr/>
-      </p:nvGrpSpPr>
-      <p:grpSpPr>
-        <a:xfrm>
-          <a:off x="0" y="0"/>
-          <a:ext cx="0" cy="0"/>
-          <a:chOff x="0" y="0"/>
-          <a:chExt cx="0" cy="0"/>
-        </a:xfrm>
-      </p:grpSpPr>
-      <p:sp>
-        <p:nvSpPr>
-          <p:cNvPr id="2" name="Titre 1">
-            <a:extLst>
-              <a:ext uri="{FF2B5EF4-FFF2-40B4-BE49-F238E27FC236}">
-                <a16:creationId xmlns:a16="http://schemas.microsoft.com/office/drawing/2014/main" id="{90162AE8-C1B0-5C56-8313-DEE494F38273}"/>
-              </a:ext>
-            </a:extLst>
-          </p:cNvPr>
-          <p:cNvSpPr>
-            <a:spLocks noGrp="1"/>
-          </p:cNvSpPr>
-          <p:nvPr>
-            <p:ph type="title"/>
-          </p:nvPr>
-        </p:nvSpPr>
-        <p:spPr/>
-        <p:txBody>
-          <a:bodyPr/>
-          <a:lstStyle/>
-          <a:p>
-            <a:r>
-              <a:rPr lang="fr-FR" dirty="0"/>
-              <a:t>Quelques rappels sous Python</a:t>
-            </a:r>
-          </a:p>
-        </p:txBody>
-      </p:sp>
-      <p:sp>
-        <p:nvSpPr>
-          <p:cNvPr id="3" name="Espace réservé du contenu 2">
-            <a:extLst>
-              <a:ext uri="{FF2B5EF4-FFF2-40B4-BE49-F238E27FC236}">
-                <a16:creationId xmlns:a16="http://schemas.microsoft.com/office/drawing/2014/main" id="{E0BBB9DE-019C-C741-F224-494739D4B752}"/>
-              </a:ext>
-            </a:extLst>
-          </p:cNvPr>
-          <p:cNvSpPr>
-            <a:spLocks noGrp="1"/>
-          </p:cNvSpPr>
-          <p:nvPr>
-            <p:ph sz="half" idx="1"/>
-          </p:nvPr>
-        </p:nvSpPr>
-        <p:spPr/>
-        <p:txBody>
-          <a:bodyPr/>
-          <a:lstStyle/>
-          <a:p>
-            <a:r>
-              <a:rPr lang="fr-FR" dirty="0"/>
-              <a:t>Try / </a:t>
-            </a:r>
-            <a:r>
-              <a:rPr lang="fr-FR" dirty="0" err="1"/>
-              <a:t>Except</a:t>
-            </a:r>
-            <a:r>
-              <a:rPr lang="fr-FR" dirty="0"/>
-              <a:t> (</a:t>
-            </a:r>
-            <a:r>
-              <a:rPr lang="fr-FR" dirty="0" err="1"/>
-              <a:t>ValueError</a:t>
-            </a:r>
-            <a:r>
-              <a:rPr lang="fr-FR" dirty="0"/>
-              <a:t>…)</a:t>
-            </a:r>
-          </a:p>
-        </p:txBody>
-      </p:sp>
-      <p:pic>
-        <p:nvPicPr>
-          <p:cNvPr id="5" name="Image 4" descr="Une image contenant texte&#10;&#10;Description générée automatiquement">
-            <a:extLst>
-              <a:ext uri="{FF2B5EF4-FFF2-40B4-BE49-F238E27FC236}">
-                <a16:creationId xmlns:a16="http://schemas.microsoft.com/office/drawing/2014/main" id="{66D2630B-81F4-A4EB-21BA-8B90CF30BD92}"/>
-              </a:ext>
-            </a:extLst>
-          </p:cNvPr>
-          <p:cNvPicPr>
-            <a:picLocks noChangeAspect="1"/>
-          </p:cNvPicPr>
-          <p:nvPr/>
-        </p:nvPicPr>
-        <p:blipFill>
-          <a:blip r:embed="rId2">
-            <a:extLst>
-              <a:ext uri="{28A0092B-C50C-407E-A947-70E740481C1C}">
-                <a14:useLocalDpi xmlns:a14="http://schemas.microsoft.com/office/drawing/2010/main" val="0"/>
-              </a:ext>
-            </a:extLst>
-          </a:blip>
-          <a:stretch>
-            <a:fillRect/>
-          </a:stretch>
-        </p:blipFill>
-        <p:spPr>
-          <a:xfrm>
-            <a:off x="202922" y="5934456"/>
-            <a:ext cx="1825291" cy="749808"/>
-          </a:xfrm>
-          <a:prstGeom prst="rect">
-            <a:avLst/>
-          </a:prstGeom>
-        </p:spPr>
-      </p:pic>
-      <p:pic>
-        <p:nvPicPr>
-          <p:cNvPr id="7" name="Image 6">
-            <a:extLst>
-              <a:ext uri="{FF2B5EF4-FFF2-40B4-BE49-F238E27FC236}">
-                <a16:creationId xmlns:a16="http://schemas.microsoft.com/office/drawing/2014/main" id="{5BB01D49-602A-9314-FD1F-4EC628128217}"/>
-              </a:ext>
-            </a:extLst>
-          </p:cNvPr>
-          <p:cNvPicPr>
-            <a:picLocks noChangeAspect="1"/>
-          </p:cNvPicPr>
-          <p:nvPr/>
-        </p:nvPicPr>
-        <p:blipFill>
-          <a:blip r:embed="rId3"/>
-          <a:stretch>
-            <a:fillRect/>
-          </a:stretch>
-        </p:blipFill>
-        <p:spPr>
-          <a:xfrm>
-            <a:off x="10077926" y="593679"/>
-            <a:ext cx="1081825" cy="1089498"/>
-          </a:xfrm>
-          <a:prstGeom prst="rect">
-            <a:avLst/>
-          </a:prstGeom>
-        </p:spPr>
-      </p:pic>
-      <p:sp>
-        <p:nvSpPr>
-          <p:cNvPr id="14" name="Espace réservé du contenu 13">
-            <a:extLst>
-              <a:ext uri="{FF2B5EF4-FFF2-40B4-BE49-F238E27FC236}">
-                <a16:creationId xmlns:a16="http://schemas.microsoft.com/office/drawing/2014/main" id="{CA123098-7DF5-3C3F-1F6B-F3FE7B39E1E2}"/>
-              </a:ext>
-            </a:extLst>
-          </p:cNvPr>
-          <p:cNvSpPr>
-            <a:spLocks noGrp="1"/>
-          </p:cNvSpPr>
-          <p:nvPr>
-            <p:ph sz="half" idx="2"/>
-          </p:nvPr>
-        </p:nvSpPr>
-        <p:spPr/>
-        <p:txBody>
-          <a:bodyPr/>
-          <a:lstStyle/>
-          <a:p>
-            <a:endParaRPr lang="fr-FR" dirty="0"/>
-          </a:p>
-        </p:txBody>
-      </p:sp>
-      <p:pic>
-        <p:nvPicPr>
-          <p:cNvPr id="16" name="Image 15">
-            <a:extLst>
-              <a:ext uri="{FF2B5EF4-FFF2-40B4-BE49-F238E27FC236}">
-                <a16:creationId xmlns:a16="http://schemas.microsoft.com/office/drawing/2014/main" id="{40681AA8-5305-6308-CECD-FD4BEB3BB437}"/>
-              </a:ext>
-            </a:extLst>
-          </p:cNvPr>
-          <p:cNvPicPr>
-            <a:picLocks noChangeAspect="1"/>
-          </p:cNvPicPr>
-          <p:nvPr/>
-        </p:nvPicPr>
-        <p:blipFill>
-          <a:blip r:embed="rId4"/>
-          <a:stretch>
-            <a:fillRect/>
-          </a:stretch>
-        </p:blipFill>
-        <p:spPr>
-          <a:xfrm>
-            <a:off x="2320821" y="3333136"/>
-            <a:ext cx="4513912" cy="3351128"/>
-          </a:xfrm>
-          <a:prstGeom prst="rect">
-            <a:avLst/>
-          </a:prstGeom>
-        </p:spPr>
-      </p:pic>
-      <p:sp>
-        <p:nvSpPr>
-          <p:cNvPr id="4" name="Espace réservé du numéro de diapositive 3">
-            <a:extLst>
-              <a:ext uri="{FF2B5EF4-FFF2-40B4-BE49-F238E27FC236}">
-                <a16:creationId xmlns:a16="http://schemas.microsoft.com/office/drawing/2014/main" id="{EC40FBD8-BBB0-F05E-F823-60664E26FC53}"/>
-              </a:ext>
-            </a:extLst>
-          </p:cNvPr>
-          <p:cNvSpPr>
-            <a:spLocks noGrp="1"/>
-          </p:cNvSpPr>
-          <p:nvPr>
-            <p:ph type="sldNum" sz="quarter" idx="12"/>
-          </p:nvPr>
-        </p:nvSpPr>
-        <p:spPr/>
-        <p:txBody>
-          <a:bodyPr/>
-          <a:lstStyle/>
-          <a:p>
-            <a:fld id="{B2DC25EE-239B-4C5F-AAD1-255A7D5F1EE2}" type="slidenum">
-              <a:rPr lang="en-US" smtClean="0"/>
-              <a:t>29</a:t>
-            </a:fld>
-            <a:endParaRPr lang="en-US"/>
-          </a:p>
-        </p:txBody>
-      </p:sp>
-    </p:spTree>
-    <p:extLst>
-      <p:ext uri="{BB962C8B-B14F-4D97-AF65-F5344CB8AC3E}">
-        <p14:creationId xmlns:p14="http://schemas.microsoft.com/office/powerpoint/2010/main" val="1467992273"/>
       </p:ext>
     </p:extLst>
   </p:cSld>
@@ -21566,7 +22828,7 @@
           <a:p>
             <a:r>
               <a:rPr lang="fr-FR" dirty="0"/>
-              <a:t>Résoudre des problèmes linéaires</a:t>
+              <a:t>Quelques rappels sous Python</a:t>
             </a:r>
           </a:p>
         </p:txBody>
@@ -21593,51 +22855,25 @@
           <a:lstStyle/>
           <a:p>
             <a:r>
+              <a:rPr lang="fr-FR" dirty="0"/>
+              <a:t>Try / </a:t>
+            </a:r>
+            <a:r>
               <a:rPr lang="fr-FR" dirty="0" err="1"/>
-              <a:t>Linalg</a:t>
+              <a:t>Except</a:t>
             </a:r>
             <a:r>
               <a:rPr lang="fr-FR" dirty="0"/>
-              <a:t> </a:t>
+              <a:t> (</a:t>
             </a:r>
             <a:r>
               <a:rPr lang="fr-FR" dirty="0" err="1"/>
-              <a:t>from</a:t>
+              <a:t>ValueError</a:t>
             </a:r>
             <a:r>
               <a:rPr lang="fr-FR" dirty="0"/>
-              <a:t> </a:t>
-            </a:r>
-            <a:r>
-              <a:rPr lang="fr-FR" dirty="0" err="1"/>
-              <a:t>numpy</a:t>
-            </a:r>
-            <a:endParaRPr lang="fr-FR" dirty="0"/>
-          </a:p>
-        </p:txBody>
-      </p:sp>
-      <p:sp>
-        <p:nvSpPr>
-          <p:cNvPr id="4" name="Espace réservé du contenu 3">
-            <a:extLst>
-              <a:ext uri="{FF2B5EF4-FFF2-40B4-BE49-F238E27FC236}">
-                <a16:creationId xmlns:a16="http://schemas.microsoft.com/office/drawing/2014/main" id="{933F96BD-2653-AD25-8139-9FF3B2C19755}"/>
-              </a:ext>
-            </a:extLst>
-          </p:cNvPr>
-          <p:cNvSpPr>
-            <a:spLocks noGrp="1"/>
-          </p:cNvSpPr>
-          <p:nvPr>
-            <p:ph sz="half" idx="2"/>
-          </p:nvPr>
-        </p:nvSpPr>
-        <p:spPr/>
-        <p:txBody>
-          <a:bodyPr/>
-          <a:lstStyle/>
-          <a:p>
-            <a:endParaRPr lang="fr-FR" dirty="0"/>
+              <a:t>…)</a:t>
+            </a:r>
           </a:p>
         </p:txBody>
       </p:sp>
@@ -21677,12 +22913,97 @@
           </a:prstGeom>
         </p:spPr>
       </p:pic>
-      <p:sp>
-        <p:nvSpPr>
-          <p:cNvPr id="6" name="Espace réservé du numéro de diapositive 5">
-            <a:extLst>
-              <a:ext uri="{FF2B5EF4-FFF2-40B4-BE49-F238E27FC236}">
-                <a16:creationId xmlns:a16="http://schemas.microsoft.com/office/drawing/2014/main" id="{352C540C-C811-C749-173D-914B5186C06C}"/>
+      <p:pic>
+        <p:nvPicPr>
+          <p:cNvPr id="7" name="Image 6">
+            <a:extLst>
+              <a:ext uri="{FF2B5EF4-FFF2-40B4-BE49-F238E27FC236}">
+                <a16:creationId xmlns:a16="http://schemas.microsoft.com/office/drawing/2014/main" id="{5BB01D49-602A-9314-FD1F-4EC628128217}"/>
+              </a:ext>
+            </a:extLst>
+          </p:cNvPr>
+          <p:cNvPicPr>
+            <a:picLocks noChangeAspect="1"/>
+          </p:cNvPicPr>
+          <p:nvPr/>
+        </p:nvPicPr>
+        <p:blipFill>
+          <a:blip r:embed="rId3"/>
+          <a:stretch>
+            <a:fillRect/>
+          </a:stretch>
+        </p:blipFill>
+        <p:spPr>
+          <a:xfrm>
+            <a:off x="10077926" y="593679"/>
+            <a:ext cx="1081825" cy="1089498"/>
+          </a:xfrm>
+          <a:prstGeom prst="rect">
+            <a:avLst/>
+          </a:prstGeom>
+        </p:spPr>
+      </p:pic>
+      <p:sp>
+        <p:nvSpPr>
+          <p:cNvPr id="14" name="Espace réservé du contenu 13">
+            <a:extLst>
+              <a:ext uri="{FF2B5EF4-FFF2-40B4-BE49-F238E27FC236}">
+                <a16:creationId xmlns:a16="http://schemas.microsoft.com/office/drawing/2014/main" id="{CA123098-7DF5-3C3F-1F6B-F3FE7B39E1E2}"/>
+              </a:ext>
+            </a:extLst>
+          </p:cNvPr>
+          <p:cNvSpPr>
+            <a:spLocks noGrp="1"/>
+          </p:cNvSpPr>
+          <p:nvPr>
+            <p:ph sz="half" idx="2"/>
+          </p:nvPr>
+        </p:nvSpPr>
+        <p:spPr/>
+        <p:txBody>
+          <a:bodyPr/>
+          <a:lstStyle/>
+          <a:p>
+            <a:endParaRPr lang="fr-FR" dirty="0"/>
+          </a:p>
+        </p:txBody>
+      </p:sp>
+      <p:pic>
+        <p:nvPicPr>
+          <p:cNvPr id="16" name="Image 15">
+            <a:extLst>
+              <a:ext uri="{FF2B5EF4-FFF2-40B4-BE49-F238E27FC236}">
+                <a16:creationId xmlns:a16="http://schemas.microsoft.com/office/drawing/2014/main" id="{40681AA8-5305-6308-CECD-FD4BEB3BB437}"/>
+              </a:ext>
+            </a:extLst>
+          </p:cNvPr>
+          <p:cNvPicPr>
+            <a:picLocks noChangeAspect="1"/>
+          </p:cNvPicPr>
+          <p:nvPr/>
+        </p:nvPicPr>
+        <p:blipFill>
+          <a:blip r:embed="rId4"/>
+          <a:stretch>
+            <a:fillRect/>
+          </a:stretch>
+        </p:blipFill>
+        <p:spPr>
+          <a:xfrm>
+            <a:off x="2320821" y="3333136"/>
+            <a:ext cx="4513912" cy="3351128"/>
+          </a:xfrm>
+          <a:prstGeom prst="rect">
+            <a:avLst/>
+          </a:prstGeom>
+        </p:spPr>
+      </p:pic>
+      <p:sp>
+        <p:nvSpPr>
+          <p:cNvPr id="4" name="Espace réservé du numéro de diapositive 3">
+            <a:extLst>
+              <a:ext uri="{FF2B5EF4-FFF2-40B4-BE49-F238E27FC236}">
+                <a16:creationId xmlns:a16="http://schemas.microsoft.com/office/drawing/2014/main" id="{EC40FBD8-BBB0-F05E-F823-60664E26FC53}"/>
               </a:ext>
             </a:extLst>
           </p:cNvPr>
@@ -21701,6 +23022,199 @@
             <a:fld id="{B2DC25EE-239B-4C5F-AAD1-255A7D5F1EE2}" type="slidenum">
               <a:rPr lang="en-US" smtClean="0"/>
               <a:t>30</a:t>
+            </a:fld>
+            <a:endParaRPr lang="en-US"/>
+          </a:p>
+        </p:txBody>
+      </p:sp>
+    </p:spTree>
+    <p:extLst>
+      <p:ext uri="{BB962C8B-B14F-4D97-AF65-F5344CB8AC3E}">
+        <p14:creationId xmlns:p14="http://schemas.microsoft.com/office/powerpoint/2010/main" val="1467992273"/>
+      </p:ext>
+    </p:extLst>
+  </p:cSld>
+  <p:clrMapOvr>
+    <a:masterClrMapping/>
+  </p:clrMapOvr>
+</p:sld>
+</file>
+
+<file path=ppt/slides/slide31.xml><?xml version="1.0" encoding="utf-8"?>
+<p:sld xmlns:a="http://schemas.openxmlformats.org/drawingml/2006/main" xmlns:r="http://schemas.openxmlformats.org/officeDocument/2006/relationships" xmlns:p="http://schemas.openxmlformats.org/presentationml/2006/main">
+  <p:cSld>
+    <p:spTree>
+      <p:nvGrpSpPr>
+        <p:cNvPr id="1" name=""/>
+        <p:cNvGrpSpPr/>
+        <p:nvPr/>
+      </p:nvGrpSpPr>
+      <p:grpSpPr>
+        <a:xfrm>
+          <a:off x="0" y="0"/>
+          <a:ext cx="0" cy="0"/>
+          <a:chOff x="0" y="0"/>
+          <a:chExt cx="0" cy="0"/>
+        </a:xfrm>
+      </p:grpSpPr>
+      <p:sp>
+        <p:nvSpPr>
+          <p:cNvPr id="2" name="Titre 1">
+            <a:extLst>
+              <a:ext uri="{FF2B5EF4-FFF2-40B4-BE49-F238E27FC236}">
+                <a16:creationId xmlns:a16="http://schemas.microsoft.com/office/drawing/2014/main" id="{90162AE8-C1B0-5C56-8313-DEE494F38273}"/>
+              </a:ext>
+            </a:extLst>
+          </p:cNvPr>
+          <p:cNvSpPr>
+            <a:spLocks noGrp="1"/>
+          </p:cNvSpPr>
+          <p:nvPr>
+            <p:ph type="title"/>
+          </p:nvPr>
+        </p:nvSpPr>
+        <p:spPr/>
+        <p:txBody>
+          <a:bodyPr/>
+          <a:lstStyle/>
+          <a:p>
+            <a:r>
+              <a:rPr lang="fr-FR" dirty="0"/>
+              <a:t>Résoudre des problèmes linéaires</a:t>
+            </a:r>
+          </a:p>
+        </p:txBody>
+      </p:sp>
+      <p:sp>
+        <p:nvSpPr>
+          <p:cNvPr id="3" name="Espace réservé du contenu 2">
+            <a:extLst>
+              <a:ext uri="{FF2B5EF4-FFF2-40B4-BE49-F238E27FC236}">
+                <a16:creationId xmlns:a16="http://schemas.microsoft.com/office/drawing/2014/main" id="{E0BBB9DE-019C-C741-F224-494739D4B752}"/>
+              </a:ext>
+            </a:extLst>
+          </p:cNvPr>
+          <p:cNvSpPr>
+            <a:spLocks noGrp="1"/>
+          </p:cNvSpPr>
+          <p:nvPr>
+            <p:ph sz="half" idx="1"/>
+          </p:nvPr>
+        </p:nvSpPr>
+        <p:spPr/>
+        <p:txBody>
+          <a:bodyPr/>
+          <a:lstStyle/>
+          <a:p>
+            <a:r>
+              <a:rPr lang="fr-FR" dirty="0" err="1"/>
+              <a:t>Linalg</a:t>
+            </a:r>
+            <a:r>
+              <a:rPr lang="fr-FR" dirty="0"/>
+              <a:t> </a:t>
+            </a:r>
+            <a:r>
+              <a:rPr lang="fr-FR" dirty="0" err="1"/>
+              <a:t>from</a:t>
+            </a:r>
+            <a:r>
+              <a:rPr lang="fr-FR" dirty="0"/>
+              <a:t> </a:t>
+            </a:r>
+            <a:r>
+              <a:rPr lang="fr-FR" dirty="0" err="1"/>
+              <a:t>numpy</a:t>
+            </a:r>
+            <a:endParaRPr lang="fr-FR" dirty="0"/>
+          </a:p>
+        </p:txBody>
+      </p:sp>
+      <p:sp>
+        <p:nvSpPr>
+          <p:cNvPr id="4" name="Espace réservé du contenu 3">
+            <a:extLst>
+              <a:ext uri="{FF2B5EF4-FFF2-40B4-BE49-F238E27FC236}">
+                <a16:creationId xmlns:a16="http://schemas.microsoft.com/office/drawing/2014/main" id="{933F96BD-2653-AD25-8139-9FF3B2C19755}"/>
+              </a:ext>
+            </a:extLst>
+          </p:cNvPr>
+          <p:cNvSpPr>
+            <a:spLocks noGrp="1"/>
+          </p:cNvSpPr>
+          <p:nvPr>
+            <p:ph sz="half" idx="2"/>
+          </p:nvPr>
+        </p:nvSpPr>
+        <p:spPr/>
+        <p:txBody>
+          <a:bodyPr/>
+          <a:lstStyle/>
+          <a:p>
+            <a:endParaRPr lang="fr-FR" dirty="0"/>
+          </a:p>
+        </p:txBody>
+      </p:sp>
+      <p:pic>
+        <p:nvPicPr>
+          <p:cNvPr id="5" name="Image 4" descr="Une image contenant texte&#10;&#10;Description générée automatiquement">
+            <a:extLst>
+              <a:ext uri="{FF2B5EF4-FFF2-40B4-BE49-F238E27FC236}">
+                <a16:creationId xmlns:a16="http://schemas.microsoft.com/office/drawing/2014/main" id="{66D2630B-81F4-A4EB-21BA-8B90CF30BD92}"/>
+              </a:ext>
+            </a:extLst>
+          </p:cNvPr>
+          <p:cNvPicPr>
+            <a:picLocks noChangeAspect="1"/>
+          </p:cNvPicPr>
+          <p:nvPr/>
+        </p:nvPicPr>
+        <p:blipFill>
+          <a:blip r:embed="rId2">
+            <a:extLst>
+              <a:ext uri="{28A0092B-C50C-407E-A947-70E740481C1C}">
+                <a14:useLocalDpi xmlns:a14="http://schemas.microsoft.com/office/drawing/2010/main" val="0"/>
+              </a:ext>
+            </a:extLst>
+          </a:blip>
+          <a:stretch>
+            <a:fillRect/>
+          </a:stretch>
+        </p:blipFill>
+        <p:spPr>
+          <a:xfrm>
+            <a:off x="202922" y="5934456"/>
+            <a:ext cx="1825291" cy="749808"/>
+          </a:xfrm>
+          <a:prstGeom prst="rect">
+            <a:avLst/>
+          </a:prstGeom>
+        </p:spPr>
+      </p:pic>
+      <p:sp>
+        <p:nvSpPr>
+          <p:cNvPr id="6" name="Espace réservé du numéro de diapositive 5">
+            <a:extLst>
+              <a:ext uri="{FF2B5EF4-FFF2-40B4-BE49-F238E27FC236}">
+                <a16:creationId xmlns:a16="http://schemas.microsoft.com/office/drawing/2014/main" id="{352C540C-C811-C749-173D-914B5186C06C}"/>
+              </a:ext>
+            </a:extLst>
+          </p:cNvPr>
+          <p:cNvSpPr>
+            <a:spLocks noGrp="1"/>
+          </p:cNvSpPr>
+          <p:nvPr>
+            <p:ph type="sldNum" sz="quarter" idx="12"/>
+          </p:nvPr>
+        </p:nvSpPr>
+        <p:spPr/>
+        <p:txBody>
+          <a:bodyPr/>
+          <a:lstStyle/>
+          <a:p>
+            <a:fld id="{B2DC25EE-239B-4C5F-AAD1-255A7D5F1EE2}" type="slidenum">
+              <a:rPr lang="en-US" smtClean="0"/>
+              <a:t>31</a:t>
             </a:fld>
             <a:endParaRPr lang="en-US"/>
           </a:p>
@@ -21719,7 +23233,7 @@
 </p:sld>
 </file>
 
-<file path=ppt/slides/slide31.xml><?xml version="1.0" encoding="utf-8"?>
+<file path=ppt/slides/slide32.xml><?xml version="1.0" encoding="utf-8"?>
 <p:sld xmlns:a="http://schemas.openxmlformats.org/drawingml/2006/main" xmlns:r="http://schemas.openxmlformats.org/officeDocument/2006/relationships" xmlns:p="http://schemas.openxmlformats.org/presentationml/2006/main">
   <p:cSld>
     <p:bg>
@@ -21908,7 +23422,7 @@
           <a:p>
             <a:fld id="{B2DC25EE-239B-4C5F-AAD1-255A7D5F1EE2}" type="slidenum">
               <a:rPr lang="en-US" smtClean="0"/>
-              <a:t>31</a:t>
+              <a:t>32</a:t>
             </a:fld>
             <a:endParaRPr lang="en-US"/>
           </a:p>
@@ -24389,9 +25903,9 @@
             <a:avLst/>
           </a:prstGeom>
           <a:solidFill>
-            <a:schemeClr val="accent1">
-              <a:lumMod val="20000"/>
-              <a:lumOff val="80000"/>
+            <a:schemeClr val="accent6">
+              <a:lumMod val="40000"/>
+              <a:lumOff val="60000"/>
             </a:schemeClr>
           </a:solidFill>
         </p:spPr>

--- a/s5_outils_numeriques/b1_outils_numeriques/seance1_demistifier_python/B1_1_Demystifier_Python.pptx
+++ b/s5_outils_numeriques/b1_outils_numeriques/seance1_demistifier_python/B1_1_Demystifier_Python.pptx
@@ -5,7 +5,7 @@
     <p:sldMasterId id="2147483711" r:id="rId1"/>
   </p:sldMasterIdLst>
   <p:notesMasterIdLst>
-    <p:notesMasterId r:id="rId34"/>
+    <p:notesMasterId r:id="rId37"/>
   </p:notesMasterIdLst>
   <p:sldIdLst>
     <p:sldId id="256" r:id="rId2"/>
@@ -37,9 +37,12 @@
     <p:sldId id="287" r:id="rId28"/>
     <p:sldId id="267" r:id="rId29"/>
     <p:sldId id="280" r:id="rId30"/>
-    <p:sldId id="263" r:id="rId31"/>
-    <p:sldId id="262" r:id="rId32"/>
-    <p:sldId id="278" r:id="rId33"/>
+    <p:sldId id="262" r:id="rId31"/>
+    <p:sldId id="301" r:id="rId32"/>
+    <p:sldId id="302" r:id="rId33"/>
+    <p:sldId id="278" r:id="rId34"/>
+    <p:sldId id="263" r:id="rId35"/>
+    <p:sldId id="299" r:id="rId36"/>
   </p:sldIdLst>
   <p:sldSz cx="12192000" cy="6858000"/>
   <p:notesSz cx="6858000" cy="9144000"/>
@@ -22828,7 +22831,7 @@
           <a:p>
             <a:r>
               <a:rPr lang="fr-FR" dirty="0"/>
-              <a:t>Quelques rappels sous Python</a:t>
+              <a:t>Résoudre des problèmes linéaires</a:t>
             </a:r>
           </a:p>
         </p:txBody>
@@ -22856,23 +22859,7 @@
           <a:p>
             <a:r>
               <a:rPr lang="fr-FR" dirty="0"/>
-              <a:t>Try / </a:t>
-            </a:r>
-            <a:r>
-              <a:rPr lang="fr-FR" dirty="0" err="1"/>
-              <a:t>Except</a:t>
-            </a:r>
-            <a:r>
-              <a:rPr lang="fr-FR" dirty="0"/>
-              <a:t> (</a:t>
-            </a:r>
-            <a:r>
-              <a:rPr lang="fr-FR" dirty="0" err="1"/>
-              <a:t>ValueError</a:t>
-            </a:r>
-            <a:r>
-              <a:rPr lang="fr-FR" dirty="0"/>
-              <a:t>…)</a:t>
+              <a:t>Equation polynomiale</a:t>
             </a:r>
           </a:p>
         </p:txBody>
@@ -22913,97 +22900,12 @@
           </a:prstGeom>
         </p:spPr>
       </p:pic>
-      <p:pic>
-        <p:nvPicPr>
-          <p:cNvPr id="7" name="Image 6">
-            <a:extLst>
-              <a:ext uri="{FF2B5EF4-FFF2-40B4-BE49-F238E27FC236}">
-                <a16:creationId xmlns:a16="http://schemas.microsoft.com/office/drawing/2014/main" id="{5BB01D49-602A-9314-FD1F-4EC628128217}"/>
-              </a:ext>
-            </a:extLst>
-          </p:cNvPr>
-          <p:cNvPicPr>
-            <a:picLocks noChangeAspect="1"/>
-          </p:cNvPicPr>
-          <p:nvPr/>
-        </p:nvPicPr>
-        <p:blipFill>
-          <a:blip r:embed="rId3"/>
-          <a:stretch>
-            <a:fillRect/>
-          </a:stretch>
-        </p:blipFill>
-        <p:spPr>
-          <a:xfrm>
-            <a:off x="10077926" y="593679"/>
-            <a:ext cx="1081825" cy="1089498"/>
-          </a:xfrm>
-          <a:prstGeom prst="rect">
-            <a:avLst/>
-          </a:prstGeom>
-        </p:spPr>
-      </p:pic>
-      <p:sp>
-        <p:nvSpPr>
-          <p:cNvPr id="14" name="Espace réservé du contenu 13">
-            <a:extLst>
-              <a:ext uri="{FF2B5EF4-FFF2-40B4-BE49-F238E27FC236}">
-                <a16:creationId xmlns:a16="http://schemas.microsoft.com/office/drawing/2014/main" id="{CA123098-7DF5-3C3F-1F6B-F3FE7B39E1E2}"/>
-              </a:ext>
-            </a:extLst>
-          </p:cNvPr>
-          <p:cNvSpPr>
-            <a:spLocks noGrp="1"/>
-          </p:cNvSpPr>
-          <p:nvPr>
-            <p:ph sz="half" idx="2"/>
-          </p:nvPr>
-        </p:nvSpPr>
-        <p:spPr/>
-        <p:txBody>
-          <a:bodyPr/>
-          <a:lstStyle/>
-          <a:p>
-            <a:endParaRPr lang="fr-FR" dirty="0"/>
-          </a:p>
-        </p:txBody>
-      </p:sp>
-      <p:pic>
-        <p:nvPicPr>
-          <p:cNvPr id="16" name="Image 15">
-            <a:extLst>
-              <a:ext uri="{FF2B5EF4-FFF2-40B4-BE49-F238E27FC236}">
-                <a16:creationId xmlns:a16="http://schemas.microsoft.com/office/drawing/2014/main" id="{40681AA8-5305-6308-CECD-FD4BEB3BB437}"/>
-              </a:ext>
-            </a:extLst>
-          </p:cNvPr>
-          <p:cNvPicPr>
-            <a:picLocks noChangeAspect="1"/>
-          </p:cNvPicPr>
-          <p:nvPr/>
-        </p:nvPicPr>
-        <p:blipFill>
-          <a:blip r:embed="rId4"/>
-          <a:stretch>
-            <a:fillRect/>
-          </a:stretch>
-        </p:blipFill>
-        <p:spPr>
-          <a:xfrm>
-            <a:off x="2320821" y="3333136"/>
-            <a:ext cx="4513912" cy="3351128"/>
-          </a:xfrm>
-          <a:prstGeom prst="rect">
-            <a:avLst/>
-          </a:prstGeom>
-        </p:spPr>
-      </p:pic>
-      <p:sp>
-        <p:nvSpPr>
-          <p:cNvPr id="4" name="Espace réservé du numéro de diapositive 3">
-            <a:extLst>
-              <a:ext uri="{FF2B5EF4-FFF2-40B4-BE49-F238E27FC236}">
-                <a16:creationId xmlns:a16="http://schemas.microsoft.com/office/drawing/2014/main" id="{EC40FBD8-BBB0-F05E-F823-60664E26FC53}"/>
+      <p:sp>
+        <p:nvSpPr>
+          <p:cNvPr id="6" name="Espace réservé du numéro de diapositive 5">
+            <a:extLst>
+              <a:ext uri="{FF2B5EF4-FFF2-40B4-BE49-F238E27FC236}">
+                <a16:creationId xmlns:a16="http://schemas.microsoft.com/office/drawing/2014/main" id="{352C540C-C811-C749-173D-914B5186C06C}"/>
               </a:ext>
             </a:extLst>
           </p:cNvPr>
@@ -23027,10 +22929,284 @@
           </a:p>
         </p:txBody>
       </p:sp>
+      <p:sp>
+        <p:nvSpPr>
+          <p:cNvPr id="11" name="ZoneTexte 10">
+            <a:extLst>
+              <a:ext uri="{FF2B5EF4-FFF2-40B4-BE49-F238E27FC236}">
+                <a16:creationId xmlns:a16="http://schemas.microsoft.com/office/drawing/2014/main" id="{32790C4C-ADB4-C571-AEE7-B23CBB475642}"/>
+              </a:ext>
+            </a:extLst>
+          </p:cNvPr>
+          <p:cNvSpPr txBox="1"/>
+          <p:nvPr/>
+        </p:nvSpPr>
+        <p:spPr>
+          <a:xfrm>
+            <a:off x="6345936" y="3297630"/>
+            <a:ext cx="4765173" cy="1477328"/>
+          </a:xfrm>
+          <a:prstGeom prst="rect">
+            <a:avLst/>
+          </a:prstGeom>
+          <a:solidFill>
+            <a:schemeClr val="accent1">
+              <a:lumMod val="40000"/>
+              <a:lumOff val="60000"/>
+            </a:schemeClr>
+          </a:solidFill>
+        </p:spPr>
+        <p:txBody>
+          <a:bodyPr wrap="square" rtlCol="0">
+            <a:spAutoFit/>
+          </a:bodyPr>
+          <a:lstStyle/>
+          <a:p>
+            <a:r>
+              <a:rPr lang="fr-FR" b="1" dirty="0"/>
+              <a:t>import</a:t>
+            </a:r>
+            <a:r>
+              <a:rPr lang="fr-FR" dirty="0"/>
+              <a:t> </a:t>
+            </a:r>
+            <a:r>
+              <a:rPr lang="fr-FR" i="1" dirty="0" err="1"/>
+              <a:t>numpy.polynomial.polynomial</a:t>
+            </a:r>
+            <a:r>
+              <a:rPr lang="fr-FR" i="1" dirty="0"/>
+              <a:t> </a:t>
+            </a:r>
+            <a:r>
+              <a:rPr lang="fr-FR" b="1" dirty="0"/>
+              <a:t>as</a:t>
+            </a:r>
+            <a:r>
+              <a:rPr lang="fr-FR" dirty="0"/>
+              <a:t> </a:t>
+            </a:r>
+            <a:r>
+              <a:rPr lang="fr-FR" i="1" dirty="0" err="1"/>
+              <a:t>nppol</a:t>
+            </a:r>
+            <a:endParaRPr lang="fr-FR" i="1" dirty="0"/>
+          </a:p>
+          <a:p>
+            <a:endParaRPr lang="fr-FR" dirty="0"/>
+          </a:p>
+          <a:p>
+            <a:r>
+              <a:rPr lang="fr-FR" dirty="0"/>
+              <a:t>X </a:t>
+            </a:r>
+            <a:r>
+              <a:rPr lang="fr-FR" b="1" dirty="0"/>
+              <a:t>=</a:t>
+            </a:r>
+            <a:r>
+              <a:rPr lang="fr-FR" dirty="0"/>
+              <a:t> </a:t>
+            </a:r>
+            <a:r>
+              <a:rPr lang="fr-FR" i="1" dirty="0" err="1"/>
+              <a:t>nppol</a:t>
+            </a:r>
+            <a:r>
+              <a:rPr lang="fr-FR" dirty="0" err="1"/>
+              <a:t>.</a:t>
+            </a:r>
+            <a:r>
+              <a:rPr lang="fr-FR" b="1" dirty="0" err="1"/>
+              <a:t>polyroots</a:t>
+            </a:r>
+            <a:r>
+              <a:rPr lang="fr-FR" b="1" dirty="0"/>
+              <a:t>( [ </a:t>
+            </a:r>
+            <a:r>
+              <a:rPr lang="fr-FR" dirty="0"/>
+              <a:t>4, -2, -6</a:t>
+            </a:r>
+            <a:r>
+              <a:rPr lang="fr-FR" b="1" dirty="0"/>
+              <a:t>]</a:t>
+            </a:r>
+            <a:r>
+              <a:rPr lang="fr-FR" dirty="0"/>
+              <a:t> </a:t>
+            </a:r>
+            <a:r>
+              <a:rPr lang="fr-FR" b="1" dirty="0"/>
+              <a:t>)</a:t>
+            </a:r>
+          </a:p>
+          <a:p>
+            <a:r>
+              <a:rPr lang="fr-FR" b="1" dirty="0" err="1"/>
+              <a:t>print</a:t>
+            </a:r>
+            <a:r>
+              <a:rPr lang="fr-FR" b="1" dirty="0"/>
+              <a:t>(</a:t>
+            </a:r>
+            <a:r>
+              <a:rPr lang="fr-FR" dirty="0"/>
+              <a:t> X </a:t>
+            </a:r>
+            <a:r>
+              <a:rPr lang="fr-FR" b="1" dirty="0"/>
+              <a:t>)</a:t>
+            </a:r>
+          </a:p>
+        </p:txBody>
+      </p:sp>
+      <mc:AlternateContent xmlns:mc="http://schemas.openxmlformats.org/markup-compatibility/2006">
+        <mc:Choice xmlns:a14="http://schemas.microsoft.com/office/drawing/2010/main" Requires="a14">
+          <p:sp>
+            <p:nvSpPr>
+              <p:cNvPr id="12" name="ZoneTexte 11">
+                <a:extLst>
+                  <a:ext uri="{FF2B5EF4-FFF2-40B4-BE49-F238E27FC236}">
+                    <a16:creationId xmlns:a16="http://schemas.microsoft.com/office/drawing/2014/main" id="{DAF411C0-4452-EB72-5624-5F787A46A3BB}"/>
+                  </a:ext>
+                </a:extLst>
+              </p:cNvPr>
+              <p:cNvSpPr txBox="1"/>
+              <p:nvPr/>
+            </p:nvSpPr>
+            <p:spPr>
+              <a:xfrm>
+                <a:off x="2163706" y="3666962"/>
+                <a:ext cx="2841483" cy="369332"/>
+              </a:xfrm>
+              <a:prstGeom prst="rect">
+                <a:avLst/>
+              </a:prstGeom>
+              <a:solidFill>
+                <a:schemeClr val="bg1">
+                  <a:lumMod val="95000"/>
+                </a:schemeClr>
+              </a:solidFill>
+            </p:spPr>
+            <p:txBody>
+              <a:bodyPr wrap="none" lIns="0" tIns="0" rIns="0" bIns="0" rtlCol="0">
+                <a:spAutoFit/>
+              </a:bodyPr>
+              <a:lstStyle/>
+              <a:p>
+                <a14:m>
+                  <m:oMathPara xmlns:m="http://schemas.openxmlformats.org/officeDocument/2006/math">
+                    <m:oMathParaPr>
+                      <m:jc m:val="centerGroup"/>
+                    </m:oMathParaPr>
+                    <m:oMath xmlns:m="http://schemas.openxmlformats.org/officeDocument/2006/math">
+                      <m:r>
+                        <a:rPr lang="fr-FR" sz="2400" b="0" i="1" smtClean="0">
+                          <a:latin typeface="Cambria Math" panose="02040503050406030204" pitchFamily="18" charset="0"/>
+                        </a:rPr>
+                        <m:t>−6.</m:t>
+                      </m:r>
+                      <m:sSup>
+                        <m:sSupPr>
+                          <m:ctrlPr>
+                            <a:rPr lang="fr-FR" sz="2400" i="1" smtClean="0">
+                              <a:latin typeface="Cambria Math" panose="02040503050406030204" pitchFamily="18" charset="0"/>
+                            </a:rPr>
+                          </m:ctrlPr>
+                        </m:sSupPr>
+                        <m:e>
+                          <m:r>
+                            <a:rPr lang="fr-FR" sz="2400" b="0" i="1" smtClean="0">
+                              <a:latin typeface="Cambria Math" panose="02040503050406030204" pitchFamily="18" charset="0"/>
+                            </a:rPr>
+                            <m:t>𝑥</m:t>
+                          </m:r>
+                        </m:e>
+                        <m:sup>
+                          <m:r>
+                            <a:rPr lang="fr-FR" sz="2400" b="0" i="1" smtClean="0">
+                              <a:latin typeface="Cambria Math" panose="02040503050406030204" pitchFamily="18" charset="0"/>
+                            </a:rPr>
+                            <m:t>2</m:t>
+                          </m:r>
+                        </m:sup>
+                      </m:sSup>
+                      <m:r>
+                        <a:rPr lang="fr-FR" sz="2400" b="0" i="1" smtClean="0">
+                          <a:latin typeface="Cambria Math" panose="02040503050406030204" pitchFamily="18" charset="0"/>
+                        </a:rPr>
+                        <m:t>−2.</m:t>
+                      </m:r>
+                      <m:r>
+                        <a:rPr lang="fr-FR" sz="2400" b="0" i="1" smtClean="0">
+                          <a:latin typeface="Cambria Math" panose="02040503050406030204" pitchFamily="18" charset="0"/>
+                        </a:rPr>
+                        <m:t>𝑥</m:t>
+                      </m:r>
+                      <m:r>
+                        <a:rPr lang="fr-FR" sz="2400" b="0" i="1" smtClean="0">
+                          <a:latin typeface="Cambria Math" panose="02040503050406030204" pitchFamily="18" charset="0"/>
+                        </a:rPr>
+                        <m:t>+4=0</m:t>
+                      </m:r>
+                    </m:oMath>
+                  </m:oMathPara>
+                </a14:m>
+                <a:endParaRPr lang="fr-FR" sz="2400" dirty="0"/>
+              </a:p>
+            </p:txBody>
+          </p:sp>
+        </mc:Choice>
+        <mc:Fallback>
+          <p:sp>
+            <p:nvSpPr>
+              <p:cNvPr id="12" name="ZoneTexte 11">
+                <a:extLst>
+                  <a:ext uri="{FF2B5EF4-FFF2-40B4-BE49-F238E27FC236}">
+                    <a16:creationId xmlns:a16="http://schemas.microsoft.com/office/drawing/2014/main" id="{DAF411C0-4452-EB72-5624-5F787A46A3BB}"/>
+                  </a:ext>
+                </a:extLst>
+              </p:cNvPr>
+              <p:cNvSpPr txBox="1">
+                <a:spLocks noRot="1" noChangeAspect="1" noMove="1" noResize="1" noEditPoints="1" noAdjustHandles="1" noChangeArrowheads="1" noChangeShapeType="1" noTextEdit="1"/>
+              </p:cNvSpPr>
+              <p:nvPr/>
+            </p:nvSpPr>
+            <p:spPr>
+              <a:xfrm>
+                <a:off x="2163706" y="3666962"/>
+                <a:ext cx="2841483" cy="369332"/>
+              </a:xfrm>
+              <a:prstGeom prst="rect">
+                <a:avLst/>
+              </a:prstGeom>
+              <a:blipFill>
+                <a:blip r:embed="rId3"/>
+                <a:stretch>
+                  <a:fillRect l="-215" r="-1931" b="-8333"/>
+                </a:stretch>
+              </a:blipFill>
+            </p:spPr>
+            <p:txBody>
+              <a:bodyPr/>
+              <a:lstStyle/>
+              <a:p>
+                <a:r>
+                  <a:rPr lang="fr-FR">
+                    <a:noFill/>
+                  </a:rPr>
+                  <a:t> </a:t>
+                </a:r>
+              </a:p>
+            </p:txBody>
+          </p:sp>
+        </mc:Fallback>
+      </mc:AlternateContent>
     </p:spTree>
     <p:extLst>
       <p:ext uri="{BB962C8B-B14F-4D97-AF65-F5344CB8AC3E}">
-        <p14:creationId xmlns:p14="http://schemas.microsoft.com/office/powerpoint/2010/main" val="1467992273"/>
+        <p14:creationId xmlns:p14="http://schemas.microsoft.com/office/powerpoint/2010/main" val="3320162350"/>
       </p:ext>
     </p:extLst>
   </p:cSld>
@@ -23101,57 +23277,20 @@
             <p:ph sz="half" idx="1"/>
           </p:nvPr>
         </p:nvSpPr>
-        <p:spPr/>
+        <p:spPr>
+          <a:xfrm>
+            <a:off x="1115567" y="2478024"/>
+            <a:ext cx="4937760" cy="3694176"/>
+          </a:xfrm>
+        </p:spPr>
         <p:txBody>
           <a:bodyPr/>
           <a:lstStyle/>
           <a:p>
             <a:r>
-              <a:rPr lang="fr-FR" dirty="0" err="1"/>
-              <a:t>Linalg</a:t>
-            </a:r>
-            <a:r>
               <a:rPr lang="fr-FR" dirty="0"/>
-              <a:t> </a:t>
-            </a:r>
-            <a:r>
-              <a:rPr lang="fr-FR" dirty="0" err="1"/>
-              <a:t>from</a:t>
-            </a:r>
-            <a:r>
-              <a:rPr lang="fr-FR" dirty="0"/>
-              <a:t> </a:t>
-            </a:r>
-            <a:r>
-              <a:rPr lang="fr-FR" dirty="0" err="1"/>
-              <a:t>numpy</a:t>
-            </a:r>
-            <a:endParaRPr lang="fr-FR" dirty="0"/>
-          </a:p>
-        </p:txBody>
-      </p:sp>
-      <p:sp>
-        <p:nvSpPr>
-          <p:cNvPr id="4" name="Espace réservé du contenu 3">
-            <a:extLst>
-              <a:ext uri="{FF2B5EF4-FFF2-40B4-BE49-F238E27FC236}">
-                <a16:creationId xmlns:a16="http://schemas.microsoft.com/office/drawing/2014/main" id="{933F96BD-2653-AD25-8139-9FF3B2C19755}"/>
-              </a:ext>
-            </a:extLst>
-          </p:cNvPr>
-          <p:cNvSpPr>
-            <a:spLocks noGrp="1"/>
-          </p:cNvSpPr>
-          <p:nvPr>
-            <p:ph sz="half" idx="2"/>
-          </p:nvPr>
-        </p:nvSpPr>
-        <p:spPr/>
-        <p:txBody>
-          <a:bodyPr/>
-          <a:lstStyle/>
-          <a:p>
-            <a:endParaRPr lang="fr-FR" dirty="0"/>
+              <a:t>Système d’équations</a:t>
+            </a:r>
           </a:p>
         </p:txBody>
       </p:sp>
@@ -23220,10 +23359,1208 @@
           </a:p>
         </p:txBody>
       </p:sp>
+      <mc:AlternateContent xmlns:mc="http://schemas.openxmlformats.org/markup-compatibility/2006">
+        <mc:Choice xmlns:a14="http://schemas.microsoft.com/office/drawing/2010/main" Requires="a14">
+          <p:sp>
+            <p:nvSpPr>
+              <p:cNvPr id="12" name="ZoneTexte 11">
+                <a:extLst>
+                  <a:ext uri="{FF2B5EF4-FFF2-40B4-BE49-F238E27FC236}">
+                    <a16:creationId xmlns:a16="http://schemas.microsoft.com/office/drawing/2014/main" id="{DAF411C0-4452-EB72-5624-5F787A46A3BB}"/>
+                  </a:ext>
+                </a:extLst>
+              </p:cNvPr>
+              <p:cNvSpPr txBox="1"/>
+              <p:nvPr/>
+            </p:nvSpPr>
+            <p:spPr>
+              <a:xfrm>
+                <a:off x="2317562" y="3297630"/>
+                <a:ext cx="2533771" cy="823815"/>
+              </a:xfrm>
+              <a:prstGeom prst="rect">
+                <a:avLst/>
+              </a:prstGeom>
+              <a:solidFill>
+                <a:schemeClr val="bg1">
+                  <a:lumMod val="95000"/>
+                </a:schemeClr>
+              </a:solidFill>
+            </p:spPr>
+            <p:txBody>
+              <a:bodyPr wrap="none" lIns="0" tIns="0" rIns="0" bIns="0" rtlCol="0">
+                <a:spAutoFit/>
+              </a:bodyPr>
+              <a:lstStyle/>
+              <a:p>
+                <a:pPr/>
+                <a14:m>
+                  <m:oMathPara xmlns:m="http://schemas.openxmlformats.org/officeDocument/2006/math">
+                    <m:oMathParaPr>
+                      <m:jc m:val="centerGroup"/>
+                    </m:oMathParaPr>
+                    <m:oMath xmlns:m="http://schemas.openxmlformats.org/officeDocument/2006/math">
+                      <m:d>
+                        <m:dPr>
+                          <m:begChr m:val="{"/>
+                          <m:endChr m:val=""/>
+                          <m:ctrlPr>
+                            <a:rPr lang="fr-FR" sz="2400" b="0" i="1" smtClean="0">
+                              <a:latin typeface="Cambria Math" panose="02040503050406030204" pitchFamily="18" charset="0"/>
+                            </a:rPr>
+                          </m:ctrlPr>
+                        </m:dPr>
+                        <m:e>
+                          <m:eqArr>
+                            <m:eqArrPr>
+                              <m:ctrlPr>
+                                <a:rPr lang="fr-FR" sz="2400" b="0" i="1" smtClean="0">
+                                  <a:latin typeface="Cambria Math" panose="02040503050406030204" pitchFamily="18" charset="0"/>
+                                </a:rPr>
+                              </m:ctrlPr>
+                            </m:eqArrPr>
+                            <m:e>
+                              <m:sSub>
+                                <m:sSubPr>
+                                  <m:ctrlPr>
+                                    <a:rPr lang="fr-FR" sz="2400" b="0" i="1" smtClean="0">
+                                      <a:latin typeface="Cambria Math" panose="02040503050406030204" pitchFamily="18" charset="0"/>
+                                    </a:rPr>
+                                  </m:ctrlPr>
+                                </m:sSubPr>
+                                <m:e>
+                                  <m:r>
+                                    <a:rPr lang="fr-FR" sz="2400" b="0" i="1" smtClean="0">
+                                      <a:latin typeface="Cambria Math" panose="02040503050406030204" pitchFamily="18" charset="0"/>
+                                    </a:rPr>
+                                    <m:t>𝑎</m:t>
+                                  </m:r>
+                                </m:e>
+                                <m:sub>
+                                  <m:r>
+                                    <a:rPr lang="fr-FR" sz="2400" b="0" i="1" smtClean="0">
+                                      <a:latin typeface="Cambria Math" panose="02040503050406030204" pitchFamily="18" charset="0"/>
+                                    </a:rPr>
+                                    <m:t>1</m:t>
+                                  </m:r>
+                                </m:sub>
+                              </m:sSub>
+                              <m:r>
+                                <a:rPr lang="fr-FR" sz="2400" b="0" i="1" smtClean="0">
+                                  <a:latin typeface="Cambria Math" panose="02040503050406030204" pitchFamily="18" charset="0"/>
+                                </a:rPr>
+                                <m:t>.</m:t>
+                              </m:r>
+                              <m:r>
+                                <a:rPr lang="fr-FR" sz="2400" b="0" i="1" smtClean="0">
+                                  <a:latin typeface="Cambria Math" panose="02040503050406030204" pitchFamily="18" charset="0"/>
+                                </a:rPr>
+                                <m:t>𝑥</m:t>
+                              </m:r>
+                              <m:r>
+                                <a:rPr lang="fr-FR" sz="2400" b="0" i="1" smtClean="0">
+                                  <a:latin typeface="Cambria Math" panose="02040503050406030204" pitchFamily="18" charset="0"/>
+                                </a:rPr>
+                                <m:t>+</m:t>
+                              </m:r>
+                              <m:sSub>
+                                <m:sSubPr>
+                                  <m:ctrlPr>
+                                    <a:rPr lang="fr-FR" sz="2400" b="0" i="1" smtClean="0">
+                                      <a:latin typeface="Cambria Math" panose="02040503050406030204" pitchFamily="18" charset="0"/>
+                                    </a:rPr>
+                                  </m:ctrlPr>
+                                </m:sSubPr>
+                                <m:e>
+                                  <m:r>
+                                    <a:rPr lang="fr-FR" sz="2400" b="0" i="1" smtClean="0">
+                                      <a:latin typeface="Cambria Math" panose="02040503050406030204" pitchFamily="18" charset="0"/>
+                                    </a:rPr>
+                                    <m:t>𝑏</m:t>
+                                  </m:r>
+                                </m:e>
+                                <m:sub>
+                                  <m:r>
+                                    <a:rPr lang="fr-FR" sz="2400" b="0" i="1" smtClean="0">
+                                      <a:latin typeface="Cambria Math" panose="02040503050406030204" pitchFamily="18" charset="0"/>
+                                    </a:rPr>
+                                    <m:t>1</m:t>
+                                  </m:r>
+                                </m:sub>
+                              </m:sSub>
+                              <m:r>
+                                <a:rPr lang="fr-FR" sz="2400" b="0" i="1" smtClean="0">
+                                  <a:latin typeface="Cambria Math" panose="02040503050406030204" pitchFamily="18" charset="0"/>
+                                </a:rPr>
+                                <m:t>.</m:t>
+                              </m:r>
+                              <m:r>
+                                <a:rPr lang="fr-FR" sz="2400" b="0" i="1" smtClean="0">
+                                  <a:latin typeface="Cambria Math" panose="02040503050406030204" pitchFamily="18" charset="0"/>
+                                </a:rPr>
+                                <m:t>𝑦</m:t>
+                              </m:r>
+                              <m:r>
+                                <a:rPr lang="fr-FR" sz="2400" b="0" i="1" smtClean="0">
+                                  <a:latin typeface="Cambria Math" panose="02040503050406030204" pitchFamily="18" charset="0"/>
+                                </a:rPr>
+                                <m:t>=</m:t>
+                              </m:r>
+                              <m:sSub>
+                                <m:sSubPr>
+                                  <m:ctrlPr>
+                                    <a:rPr lang="fr-FR" sz="2400" b="0" i="1" smtClean="0">
+                                      <a:latin typeface="Cambria Math" panose="02040503050406030204" pitchFamily="18" charset="0"/>
+                                    </a:rPr>
+                                  </m:ctrlPr>
+                                </m:sSubPr>
+                                <m:e>
+                                  <m:r>
+                                    <a:rPr lang="fr-FR" sz="2400" b="0" i="1" smtClean="0">
+                                      <a:latin typeface="Cambria Math" panose="02040503050406030204" pitchFamily="18" charset="0"/>
+                                    </a:rPr>
+                                    <m:t>𝑐</m:t>
+                                  </m:r>
+                                </m:e>
+                                <m:sub>
+                                  <m:r>
+                                    <a:rPr lang="fr-FR" sz="2400" b="0" i="1" smtClean="0">
+                                      <a:latin typeface="Cambria Math" panose="02040503050406030204" pitchFamily="18" charset="0"/>
+                                    </a:rPr>
+                                    <m:t>1</m:t>
+                                  </m:r>
+                                </m:sub>
+                              </m:sSub>
+                            </m:e>
+                            <m:e>
+                              <m:sSub>
+                                <m:sSubPr>
+                                  <m:ctrlPr>
+                                    <a:rPr lang="fr-FR" sz="2400" i="1">
+                                      <a:latin typeface="Cambria Math" panose="02040503050406030204" pitchFamily="18" charset="0"/>
+                                    </a:rPr>
+                                  </m:ctrlPr>
+                                </m:sSubPr>
+                                <m:e>
+                                  <m:r>
+                                    <a:rPr lang="fr-FR" sz="2400" i="1">
+                                      <a:latin typeface="Cambria Math" panose="02040503050406030204" pitchFamily="18" charset="0"/>
+                                    </a:rPr>
+                                    <m:t>𝑎</m:t>
+                                  </m:r>
+                                </m:e>
+                                <m:sub>
+                                  <m:r>
+                                    <a:rPr lang="fr-FR" sz="2400" b="0" i="1" smtClean="0">
+                                      <a:latin typeface="Cambria Math" panose="02040503050406030204" pitchFamily="18" charset="0"/>
+                                    </a:rPr>
+                                    <m:t>2</m:t>
+                                  </m:r>
+                                </m:sub>
+                              </m:sSub>
+                              <m:r>
+                                <a:rPr lang="fr-FR" sz="2400" i="1">
+                                  <a:latin typeface="Cambria Math" panose="02040503050406030204" pitchFamily="18" charset="0"/>
+                                </a:rPr>
+                                <m:t>.</m:t>
+                              </m:r>
+                              <m:r>
+                                <a:rPr lang="fr-FR" sz="2400" i="1">
+                                  <a:latin typeface="Cambria Math" panose="02040503050406030204" pitchFamily="18" charset="0"/>
+                                </a:rPr>
+                                <m:t>𝑥</m:t>
+                              </m:r>
+                              <m:r>
+                                <a:rPr lang="fr-FR" sz="2400" i="1">
+                                  <a:latin typeface="Cambria Math" panose="02040503050406030204" pitchFamily="18" charset="0"/>
+                                </a:rPr>
+                                <m:t>+</m:t>
+                              </m:r>
+                              <m:sSub>
+                                <m:sSubPr>
+                                  <m:ctrlPr>
+                                    <a:rPr lang="fr-FR" sz="2400" i="1">
+                                      <a:latin typeface="Cambria Math" panose="02040503050406030204" pitchFamily="18" charset="0"/>
+                                    </a:rPr>
+                                  </m:ctrlPr>
+                                </m:sSubPr>
+                                <m:e>
+                                  <m:r>
+                                    <a:rPr lang="fr-FR" sz="2400" i="1">
+                                      <a:latin typeface="Cambria Math" panose="02040503050406030204" pitchFamily="18" charset="0"/>
+                                    </a:rPr>
+                                    <m:t>𝑏</m:t>
+                                  </m:r>
+                                </m:e>
+                                <m:sub>
+                                  <m:r>
+                                    <a:rPr lang="fr-FR" sz="2400" b="0" i="1" smtClean="0">
+                                      <a:latin typeface="Cambria Math" panose="02040503050406030204" pitchFamily="18" charset="0"/>
+                                    </a:rPr>
+                                    <m:t>2</m:t>
+                                  </m:r>
+                                </m:sub>
+                              </m:sSub>
+                              <m:r>
+                                <a:rPr lang="fr-FR" sz="2400" i="1">
+                                  <a:latin typeface="Cambria Math" panose="02040503050406030204" pitchFamily="18" charset="0"/>
+                                </a:rPr>
+                                <m:t>.</m:t>
+                              </m:r>
+                              <m:r>
+                                <a:rPr lang="fr-FR" sz="2400" i="1">
+                                  <a:latin typeface="Cambria Math" panose="02040503050406030204" pitchFamily="18" charset="0"/>
+                                </a:rPr>
+                                <m:t>𝑦</m:t>
+                              </m:r>
+                              <m:r>
+                                <a:rPr lang="fr-FR" sz="2400" i="1">
+                                  <a:latin typeface="Cambria Math" panose="02040503050406030204" pitchFamily="18" charset="0"/>
+                                </a:rPr>
+                                <m:t>=</m:t>
+                              </m:r>
+                              <m:sSub>
+                                <m:sSubPr>
+                                  <m:ctrlPr>
+                                    <a:rPr lang="fr-FR" sz="2400" i="1">
+                                      <a:latin typeface="Cambria Math" panose="02040503050406030204" pitchFamily="18" charset="0"/>
+                                    </a:rPr>
+                                  </m:ctrlPr>
+                                </m:sSubPr>
+                                <m:e>
+                                  <m:r>
+                                    <a:rPr lang="fr-FR" sz="2400" i="1">
+                                      <a:latin typeface="Cambria Math" panose="02040503050406030204" pitchFamily="18" charset="0"/>
+                                    </a:rPr>
+                                    <m:t>𝑐</m:t>
+                                  </m:r>
+                                </m:e>
+                                <m:sub>
+                                  <m:r>
+                                    <a:rPr lang="fr-FR" sz="2400" b="0" i="1" smtClean="0">
+                                      <a:latin typeface="Cambria Math" panose="02040503050406030204" pitchFamily="18" charset="0"/>
+                                    </a:rPr>
+                                    <m:t>2</m:t>
+                                  </m:r>
+                                </m:sub>
+                              </m:sSub>
+                            </m:e>
+                          </m:eqArr>
+                        </m:e>
+                      </m:d>
+                    </m:oMath>
+                  </m:oMathPara>
+                </a14:m>
+                <a:endParaRPr lang="fr-FR" sz="2400" dirty="0"/>
+              </a:p>
+            </p:txBody>
+          </p:sp>
+        </mc:Choice>
+        <mc:Fallback>
+          <p:sp>
+            <p:nvSpPr>
+              <p:cNvPr id="12" name="ZoneTexte 11">
+                <a:extLst>
+                  <a:ext uri="{FF2B5EF4-FFF2-40B4-BE49-F238E27FC236}">
+                    <a16:creationId xmlns:a16="http://schemas.microsoft.com/office/drawing/2014/main" id="{DAF411C0-4452-EB72-5624-5F787A46A3BB}"/>
+                  </a:ext>
+                </a:extLst>
+              </p:cNvPr>
+              <p:cNvSpPr txBox="1">
+                <a:spLocks noRot="1" noChangeAspect="1" noMove="1" noResize="1" noEditPoints="1" noAdjustHandles="1" noChangeArrowheads="1" noChangeShapeType="1" noTextEdit="1"/>
+              </p:cNvSpPr>
+              <p:nvPr/>
+            </p:nvSpPr>
+            <p:spPr>
+              <a:xfrm>
+                <a:off x="2317562" y="3297630"/>
+                <a:ext cx="2533771" cy="823815"/>
+              </a:xfrm>
+              <a:prstGeom prst="rect">
+                <a:avLst/>
+              </a:prstGeom>
+              <a:blipFill>
+                <a:blip r:embed="rId3"/>
+                <a:stretch>
+                  <a:fillRect/>
+                </a:stretch>
+              </a:blipFill>
+            </p:spPr>
+            <p:txBody>
+              <a:bodyPr/>
+              <a:lstStyle/>
+              <a:p>
+                <a:r>
+                  <a:rPr lang="fr-FR">
+                    <a:noFill/>
+                  </a:rPr>
+                  <a:t> </a:t>
+                </a:r>
+              </a:p>
+            </p:txBody>
+          </p:sp>
+        </mc:Fallback>
+      </mc:AlternateContent>
+      <p:sp>
+        <p:nvSpPr>
+          <p:cNvPr id="7" name="Espace réservé du contenu 3">
+            <a:extLst>
+              <a:ext uri="{FF2B5EF4-FFF2-40B4-BE49-F238E27FC236}">
+                <a16:creationId xmlns:a16="http://schemas.microsoft.com/office/drawing/2014/main" id="{2D45AEC2-C147-D7A5-728E-3A69339B2A2E}"/>
+              </a:ext>
+            </a:extLst>
+          </p:cNvPr>
+          <p:cNvSpPr>
+            <a:spLocks noGrp="1"/>
+          </p:cNvSpPr>
+          <p:nvPr>
+            <p:ph sz="half" idx="2"/>
+          </p:nvPr>
+        </p:nvSpPr>
+        <p:spPr>
+          <a:xfrm>
+            <a:off x="6345936" y="2478024"/>
+            <a:ext cx="4937760" cy="3694176"/>
+          </a:xfrm>
+        </p:spPr>
+        <p:txBody>
+          <a:bodyPr/>
+          <a:lstStyle/>
+          <a:p>
+            <a:r>
+              <a:rPr lang="fr-FR" dirty="0"/>
+              <a:t>Représentation matricielle</a:t>
+            </a:r>
+          </a:p>
+        </p:txBody>
+      </p:sp>
+      <mc:AlternateContent xmlns:mc="http://schemas.openxmlformats.org/markup-compatibility/2006">
+        <mc:Choice xmlns:a14="http://schemas.microsoft.com/office/drawing/2010/main" Requires="a14">
+          <p:sp>
+            <p:nvSpPr>
+              <p:cNvPr id="9" name="ZoneTexte 8">
+                <a:extLst>
+                  <a:ext uri="{FF2B5EF4-FFF2-40B4-BE49-F238E27FC236}">
+                    <a16:creationId xmlns:a16="http://schemas.microsoft.com/office/drawing/2014/main" id="{173341BB-8100-DDE0-B2E3-DE49E2A9B5B9}"/>
+                  </a:ext>
+                </a:extLst>
+              </p:cNvPr>
+              <p:cNvSpPr txBox="1"/>
+              <p:nvPr/>
+            </p:nvSpPr>
+            <p:spPr>
+              <a:xfrm>
+                <a:off x="6874452" y="3355395"/>
+                <a:ext cx="1968679" cy="698717"/>
+              </a:xfrm>
+              <a:prstGeom prst="rect">
+                <a:avLst/>
+              </a:prstGeom>
+              <a:solidFill>
+                <a:schemeClr val="bg1">
+                  <a:lumMod val="95000"/>
+                </a:schemeClr>
+              </a:solidFill>
+            </p:spPr>
+            <p:txBody>
+              <a:bodyPr wrap="none" lIns="0" tIns="0" rIns="0" bIns="0" rtlCol="0">
+                <a:spAutoFit/>
+              </a:bodyPr>
+              <a:lstStyle/>
+              <a:p>
+                <a:pPr/>
+                <a14:m>
+                  <m:oMathPara xmlns:m="http://schemas.openxmlformats.org/officeDocument/2006/math">
+                    <m:oMathParaPr>
+                      <m:jc m:val="centerGroup"/>
+                    </m:oMathParaPr>
+                    <m:oMath xmlns:m="http://schemas.openxmlformats.org/officeDocument/2006/math">
+                      <m:r>
+                        <a:rPr lang="fr-FR" sz="2400" b="0" i="1" smtClean="0">
+                          <a:latin typeface="Cambria Math" panose="02040503050406030204" pitchFamily="18" charset="0"/>
+                        </a:rPr>
+                        <m:t>𝐴</m:t>
+                      </m:r>
+                      <m:r>
+                        <a:rPr lang="fr-FR" sz="2400" b="0" i="1" smtClean="0">
+                          <a:latin typeface="Cambria Math" panose="02040503050406030204" pitchFamily="18" charset="0"/>
+                        </a:rPr>
+                        <m:t>= </m:t>
+                      </m:r>
+                      <m:d>
+                        <m:dPr>
+                          <m:ctrlPr>
+                            <a:rPr lang="fr-FR" sz="2400" b="0" i="1" smtClean="0">
+                              <a:latin typeface="Cambria Math" panose="02040503050406030204" pitchFamily="18" charset="0"/>
+                            </a:rPr>
+                          </m:ctrlPr>
+                        </m:dPr>
+                        <m:e>
+                          <m:m>
+                            <m:mPr>
+                              <m:mcs>
+                                <m:mc>
+                                  <m:mcPr>
+                                    <m:count m:val="2"/>
+                                    <m:mcJc m:val="center"/>
+                                  </m:mcPr>
+                                </m:mc>
+                              </m:mcs>
+                              <m:ctrlPr>
+                                <a:rPr lang="fr-FR" sz="2400" b="0" i="1" smtClean="0">
+                                  <a:latin typeface="Cambria Math" panose="02040503050406030204" pitchFamily="18" charset="0"/>
+                                </a:rPr>
+                              </m:ctrlPr>
+                            </m:mPr>
+                            <m:mr>
+                              <m:e>
+                                <m:sSub>
+                                  <m:sSubPr>
+                                    <m:ctrlPr>
+                                      <a:rPr lang="fr-FR" sz="2400" i="1">
+                                        <a:latin typeface="Cambria Math" panose="02040503050406030204" pitchFamily="18" charset="0"/>
+                                      </a:rPr>
+                                    </m:ctrlPr>
+                                  </m:sSubPr>
+                                  <m:e>
+                                    <m:r>
+                                      <a:rPr lang="fr-FR" sz="2400" i="1">
+                                        <a:latin typeface="Cambria Math" panose="02040503050406030204" pitchFamily="18" charset="0"/>
+                                      </a:rPr>
+                                      <m:t>𝑎</m:t>
+                                    </m:r>
+                                  </m:e>
+                                  <m:sub>
+                                    <m:r>
+                                      <a:rPr lang="fr-FR" sz="2400" i="1">
+                                        <a:latin typeface="Cambria Math" panose="02040503050406030204" pitchFamily="18" charset="0"/>
+                                      </a:rPr>
+                                      <m:t>1</m:t>
+                                    </m:r>
+                                  </m:sub>
+                                </m:sSub>
+                              </m:e>
+                              <m:e>
+                                <m:sSub>
+                                  <m:sSubPr>
+                                    <m:ctrlPr>
+                                      <a:rPr lang="fr-FR" sz="2400" i="1">
+                                        <a:latin typeface="Cambria Math" panose="02040503050406030204" pitchFamily="18" charset="0"/>
+                                      </a:rPr>
+                                    </m:ctrlPr>
+                                  </m:sSubPr>
+                                  <m:e>
+                                    <m:r>
+                                      <a:rPr lang="fr-FR" sz="2400" b="0" i="1" smtClean="0">
+                                        <a:latin typeface="Cambria Math" panose="02040503050406030204" pitchFamily="18" charset="0"/>
+                                      </a:rPr>
+                                      <m:t>𝑏</m:t>
+                                    </m:r>
+                                  </m:e>
+                                  <m:sub>
+                                    <m:r>
+                                      <a:rPr lang="fr-FR" sz="2400" i="1">
+                                        <a:latin typeface="Cambria Math" panose="02040503050406030204" pitchFamily="18" charset="0"/>
+                                      </a:rPr>
+                                      <m:t>1</m:t>
+                                    </m:r>
+                                  </m:sub>
+                                </m:sSub>
+                              </m:e>
+                            </m:mr>
+                            <m:mr>
+                              <m:e>
+                                <m:sSub>
+                                  <m:sSubPr>
+                                    <m:ctrlPr>
+                                      <a:rPr lang="fr-FR" sz="2400" i="1">
+                                        <a:latin typeface="Cambria Math" panose="02040503050406030204" pitchFamily="18" charset="0"/>
+                                      </a:rPr>
+                                    </m:ctrlPr>
+                                  </m:sSubPr>
+                                  <m:e>
+                                    <m:r>
+                                      <a:rPr lang="fr-FR" sz="2400" i="1">
+                                        <a:latin typeface="Cambria Math" panose="02040503050406030204" pitchFamily="18" charset="0"/>
+                                      </a:rPr>
+                                      <m:t>𝑎</m:t>
+                                    </m:r>
+                                  </m:e>
+                                  <m:sub>
+                                    <m:r>
+                                      <a:rPr lang="fr-FR" sz="2400" b="0" i="1" smtClean="0">
+                                        <a:latin typeface="Cambria Math" panose="02040503050406030204" pitchFamily="18" charset="0"/>
+                                      </a:rPr>
+                                      <m:t>2</m:t>
+                                    </m:r>
+                                  </m:sub>
+                                </m:sSub>
+                              </m:e>
+                              <m:e>
+                                <m:sSub>
+                                  <m:sSubPr>
+                                    <m:ctrlPr>
+                                      <a:rPr lang="fr-FR" sz="2400" i="1">
+                                        <a:latin typeface="Cambria Math" panose="02040503050406030204" pitchFamily="18" charset="0"/>
+                                      </a:rPr>
+                                    </m:ctrlPr>
+                                  </m:sSubPr>
+                                  <m:e>
+                                    <m:r>
+                                      <a:rPr lang="fr-FR" sz="2400" b="0" i="1" smtClean="0">
+                                        <a:latin typeface="Cambria Math" panose="02040503050406030204" pitchFamily="18" charset="0"/>
+                                      </a:rPr>
+                                      <m:t>𝑏</m:t>
+                                    </m:r>
+                                  </m:e>
+                                  <m:sub>
+                                    <m:r>
+                                      <a:rPr lang="fr-FR" sz="2400" b="0" i="1" smtClean="0">
+                                        <a:latin typeface="Cambria Math" panose="02040503050406030204" pitchFamily="18" charset="0"/>
+                                      </a:rPr>
+                                      <m:t>2</m:t>
+                                    </m:r>
+                                  </m:sub>
+                                </m:sSub>
+                              </m:e>
+                            </m:mr>
+                          </m:m>
+                        </m:e>
+                      </m:d>
+                    </m:oMath>
+                  </m:oMathPara>
+                </a14:m>
+                <a:endParaRPr lang="fr-FR" sz="2400" dirty="0"/>
+              </a:p>
+            </p:txBody>
+          </p:sp>
+        </mc:Choice>
+        <mc:Fallback>
+          <p:sp>
+            <p:nvSpPr>
+              <p:cNvPr id="9" name="ZoneTexte 8">
+                <a:extLst>
+                  <a:ext uri="{FF2B5EF4-FFF2-40B4-BE49-F238E27FC236}">
+                    <a16:creationId xmlns:a16="http://schemas.microsoft.com/office/drawing/2014/main" id="{173341BB-8100-DDE0-B2E3-DE49E2A9B5B9}"/>
+                  </a:ext>
+                </a:extLst>
+              </p:cNvPr>
+              <p:cNvSpPr txBox="1">
+                <a:spLocks noRot="1" noChangeAspect="1" noMove="1" noResize="1" noEditPoints="1" noAdjustHandles="1" noChangeArrowheads="1" noChangeShapeType="1" noTextEdit="1"/>
+              </p:cNvSpPr>
+              <p:nvPr/>
+            </p:nvSpPr>
+            <p:spPr>
+              <a:xfrm>
+                <a:off x="6874452" y="3355395"/>
+                <a:ext cx="1968679" cy="698717"/>
+              </a:xfrm>
+              <a:prstGeom prst="rect">
+                <a:avLst/>
+              </a:prstGeom>
+              <a:blipFill>
+                <a:blip r:embed="rId4"/>
+                <a:stretch>
+                  <a:fillRect/>
+                </a:stretch>
+              </a:blipFill>
+            </p:spPr>
+            <p:txBody>
+              <a:bodyPr/>
+              <a:lstStyle/>
+              <a:p>
+                <a:r>
+                  <a:rPr lang="fr-FR">
+                    <a:noFill/>
+                  </a:rPr>
+                  <a:t> </a:t>
+                </a:r>
+              </a:p>
+            </p:txBody>
+          </p:sp>
+        </mc:Fallback>
+      </mc:AlternateContent>
+      <mc:AlternateContent xmlns:mc="http://schemas.openxmlformats.org/markup-compatibility/2006">
+        <mc:Choice xmlns:a14="http://schemas.microsoft.com/office/drawing/2010/main" Requires="a14">
+          <p:sp>
+            <p:nvSpPr>
+              <p:cNvPr id="10" name="ZoneTexte 9">
+                <a:extLst>
+                  <a:ext uri="{FF2B5EF4-FFF2-40B4-BE49-F238E27FC236}">
+                    <a16:creationId xmlns:a16="http://schemas.microsoft.com/office/drawing/2014/main" id="{009798BB-2FE8-66C8-21BA-1E211E1E7500}"/>
+                  </a:ext>
+                </a:extLst>
+              </p:cNvPr>
+              <p:cNvSpPr txBox="1"/>
+              <p:nvPr/>
+            </p:nvSpPr>
+            <p:spPr>
+              <a:xfrm>
+                <a:off x="6874452" y="4325112"/>
+                <a:ext cx="1229247" cy="617605"/>
+              </a:xfrm>
+              <a:prstGeom prst="rect">
+                <a:avLst/>
+              </a:prstGeom>
+              <a:solidFill>
+                <a:schemeClr val="bg1">
+                  <a:lumMod val="95000"/>
+                </a:schemeClr>
+              </a:solidFill>
+            </p:spPr>
+            <p:txBody>
+              <a:bodyPr wrap="none" lIns="0" tIns="0" rIns="0" bIns="0" rtlCol="0">
+                <a:spAutoFit/>
+              </a:bodyPr>
+              <a:lstStyle/>
+              <a:p>
+                <a:pPr/>
+                <a14:m>
+                  <m:oMathPara xmlns:m="http://schemas.openxmlformats.org/officeDocument/2006/math">
+                    <m:oMathParaPr>
+                      <m:jc m:val="centerGroup"/>
+                    </m:oMathParaPr>
+                    <m:oMath xmlns:m="http://schemas.openxmlformats.org/officeDocument/2006/math">
+                      <m:r>
+                        <a:rPr lang="fr-FR" sz="2400" b="0" i="1" smtClean="0">
+                          <a:latin typeface="Cambria Math" panose="02040503050406030204" pitchFamily="18" charset="0"/>
+                        </a:rPr>
+                        <m:t>𝑋</m:t>
+                      </m:r>
+                      <m:r>
+                        <a:rPr lang="fr-FR" sz="2400" b="0" i="1" smtClean="0">
+                          <a:latin typeface="Cambria Math" panose="02040503050406030204" pitchFamily="18" charset="0"/>
+                        </a:rPr>
+                        <m:t>= </m:t>
+                      </m:r>
+                      <m:d>
+                        <m:dPr>
+                          <m:ctrlPr>
+                            <a:rPr lang="fr-FR" sz="2400" b="0" i="1" smtClean="0">
+                              <a:latin typeface="Cambria Math" panose="02040503050406030204" pitchFamily="18" charset="0"/>
+                            </a:rPr>
+                          </m:ctrlPr>
+                        </m:dPr>
+                        <m:e>
+                          <m:eqArr>
+                            <m:eqArrPr>
+                              <m:ctrlPr>
+                                <a:rPr lang="fr-FR" sz="2400" b="0" i="1" smtClean="0">
+                                  <a:latin typeface="Cambria Math" panose="02040503050406030204" pitchFamily="18" charset="0"/>
+                                </a:rPr>
+                              </m:ctrlPr>
+                            </m:eqArrPr>
+                            <m:e>
+                              <m:r>
+                                <a:rPr lang="fr-FR" sz="2400" b="0" i="1" smtClean="0">
+                                  <a:latin typeface="Cambria Math" panose="02040503050406030204" pitchFamily="18" charset="0"/>
+                                </a:rPr>
+                                <m:t>𝑥</m:t>
+                              </m:r>
+                            </m:e>
+                            <m:e>
+                              <m:r>
+                                <a:rPr lang="fr-FR" sz="2400" b="0" i="1" smtClean="0">
+                                  <a:latin typeface="Cambria Math" panose="02040503050406030204" pitchFamily="18" charset="0"/>
+                                </a:rPr>
+                                <m:t>𝑦</m:t>
+                              </m:r>
+                            </m:e>
+                          </m:eqArr>
+                        </m:e>
+                      </m:d>
+                    </m:oMath>
+                  </m:oMathPara>
+                </a14:m>
+                <a:endParaRPr lang="fr-FR" sz="2400" dirty="0"/>
+              </a:p>
+            </p:txBody>
+          </p:sp>
+        </mc:Choice>
+        <mc:Fallback>
+          <p:sp>
+            <p:nvSpPr>
+              <p:cNvPr id="10" name="ZoneTexte 9">
+                <a:extLst>
+                  <a:ext uri="{FF2B5EF4-FFF2-40B4-BE49-F238E27FC236}">
+                    <a16:creationId xmlns:a16="http://schemas.microsoft.com/office/drawing/2014/main" id="{009798BB-2FE8-66C8-21BA-1E211E1E7500}"/>
+                  </a:ext>
+                </a:extLst>
+              </p:cNvPr>
+              <p:cNvSpPr txBox="1">
+                <a:spLocks noRot="1" noChangeAspect="1" noMove="1" noResize="1" noEditPoints="1" noAdjustHandles="1" noChangeArrowheads="1" noChangeShapeType="1" noTextEdit="1"/>
+              </p:cNvSpPr>
+              <p:nvPr/>
+            </p:nvSpPr>
+            <p:spPr>
+              <a:xfrm>
+                <a:off x="6874452" y="4325112"/>
+                <a:ext cx="1229247" cy="617605"/>
+              </a:xfrm>
+              <a:prstGeom prst="rect">
+                <a:avLst/>
+              </a:prstGeom>
+              <a:blipFill>
+                <a:blip r:embed="rId5"/>
+                <a:stretch>
+                  <a:fillRect/>
+                </a:stretch>
+              </a:blipFill>
+            </p:spPr>
+            <p:txBody>
+              <a:bodyPr/>
+              <a:lstStyle/>
+              <a:p>
+                <a:r>
+                  <a:rPr lang="fr-FR">
+                    <a:noFill/>
+                  </a:rPr>
+                  <a:t> </a:t>
+                </a:r>
+              </a:p>
+            </p:txBody>
+          </p:sp>
+        </mc:Fallback>
+      </mc:AlternateContent>
+      <mc:AlternateContent xmlns:mc="http://schemas.openxmlformats.org/markup-compatibility/2006">
+        <mc:Choice xmlns:a14="http://schemas.microsoft.com/office/drawing/2010/main" Requires="a14">
+          <p:sp>
+            <p:nvSpPr>
+              <p:cNvPr id="13" name="ZoneTexte 12">
+                <a:extLst>
+                  <a:ext uri="{FF2B5EF4-FFF2-40B4-BE49-F238E27FC236}">
+                    <a16:creationId xmlns:a16="http://schemas.microsoft.com/office/drawing/2014/main" id="{A276F9D2-0917-E493-E346-20FBB3F058E6}"/>
+                  </a:ext>
+                </a:extLst>
+              </p:cNvPr>
+              <p:cNvSpPr txBox="1"/>
+              <p:nvPr/>
+            </p:nvSpPr>
+            <p:spPr>
+              <a:xfrm>
+                <a:off x="9371647" y="3395950"/>
+                <a:ext cx="1228477" cy="578300"/>
+              </a:xfrm>
+              <a:prstGeom prst="rect">
+                <a:avLst/>
+              </a:prstGeom>
+              <a:solidFill>
+                <a:schemeClr val="bg1">
+                  <a:lumMod val="95000"/>
+                </a:schemeClr>
+              </a:solidFill>
+            </p:spPr>
+            <p:txBody>
+              <a:bodyPr wrap="none" lIns="0" tIns="0" rIns="0" bIns="0" rtlCol="0">
+                <a:spAutoFit/>
+              </a:bodyPr>
+              <a:lstStyle/>
+              <a:p>
+                <a:pPr/>
+                <a14:m>
+                  <m:oMathPara xmlns:m="http://schemas.openxmlformats.org/officeDocument/2006/math">
+                    <m:oMathParaPr>
+                      <m:jc m:val="centerGroup"/>
+                    </m:oMathParaPr>
+                    <m:oMath xmlns:m="http://schemas.openxmlformats.org/officeDocument/2006/math">
+                      <m:r>
+                        <a:rPr lang="fr-FR" sz="2400" b="0" i="1" smtClean="0">
+                          <a:latin typeface="Cambria Math" panose="02040503050406030204" pitchFamily="18" charset="0"/>
+                        </a:rPr>
+                        <m:t>𝑏</m:t>
+                      </m:r>
+                      <m:r>
+                        <a:rPr lang="fr-FR" sz="2400" b="0" i="1" smtClean="0">
+                          <a:latin typeface="Cambria Math" panose="02040503050406030204" pitchFamily="18" charset="0"/>
+                        </a:rPr>
+                        <m:t>= </m:t>
+                      </m:r>
+                      <m:d>
+                        <m:dPr>
+                          <m:ctrlPr>
+                            <a:rPr lang="fr-FR" sz="2400" b="0" i="1" smtClean="0">
+                              <a:latin typeface="Cambria Math" panose="02040503050406030204" pitchFamily="18" charset="0"/>
+                            </a:rPr>
+                          </m:ctrlPr>
+                        </m:dPr>
+                        <m:e>
+                          <m:eqArr>
+                            <m:eqArrPr>
+                              <m:ctrlPr>
+                                <a:rPr lang="fr-FR" sz="2400" b="0" i="1" smtClean="0">
+                                  <a:latin typeface="Cambria Math" panose="02040503050406030204" pitchFamily="18" charset="0"/>
+                                </a:rPr>
+                              </m:ctrlPr>
+                            </m:eqArrPr>
+                            <m:e>
+                              <m:sSub>
+                                <m:sSubPr>
+                                  <m:ctrlPr>
+                                    <a:rPr lang="fr-FR" i="1">
+                                      <a:latin typeface="Cambria Math" panose="02040503050406030204" pitchFamily="18" charset="0"/>
+                                    </a:rPr>
+                                  </m:ctrlPr>
+                                </m:sSubPr>
+                                <m:e>
+                                  <m:r>
+                                    <a:rPr lang="fr-FR" i="1">
+                                      <a:latin typeface="Cambria Math" panose="02040503050406030204" pitchFamily="18" charset="0"/>
+                                    </a:rPr>
+                                    <m:t>𝑐</m:t>
+                                  </m:r>
+                                </m:e>
+                                <m:sub>
+                                  <m:r>
+                                    <a:rPr lang="fr-FR" i="1">
+                                      <a:latin typeface="Cambria Math" panose="02040503050406030204" pitchFamily="18" charset="0"/>
+                                    </a:rPr>
+                                    <m:t>1</m:t>
+                                  </m:r>
+                                </m:sub>
+                              </m:sSub>
+                            </m:e>
+                            <m:e>
+                              <m:sSub>
+                                <m:sSubPr>
+                                  <m:ctrlPr>
+                                    <a:rPr lang="fr-FR" i="1">
+                                      <a:latin typeface="Cambria Math" panose="02040503050406030204" pitchFamily="18" charset="0"/>
+                                    </a:rPr>
+                                  </m:ctrlPr>
+                                </m:sSubPr>
+                                <m:e>
+                                  <m:r>
+                                    <a:rPr lang="fr-FR" i="1">
+                                      <a:latin typeface="Cambria Math" panose="02040503050406030204" pitchFamily="18" charset="0"/>
+                                    </a:rPr>
+                                    <m:t>𝑐</m:t>
+                                  </m:r>
+                                </m:e>
+                                <m:sub>
+                                  <m:r>
+                                    <a:rPr lang="fr-FR" b="0" i="1" smtClean="0">
+                                      <a:latin typeface="Cambria Math" panose="02040503050406030204" pitchFamily="18" charset="0"/>
+                                    </a:rPr>
+                                    <m:t>2</m:t>
+                                  </m:r>
+                                </m:sub>
+                              </m:sSub>
+                            </m:e>
+                          </m:eqArr>
+                        </m:e>
+                      </m:d>
+                    </m:oMath>
+                  </m:oMathPara>
+                </a14:m>
+                <a:endParaRPr lang="fr-FR" sz="2400" dirty="0"/>
+              </a:p>
+            </p:txBody>
+          </p:sp>
+        </mc:Choice>
+        <mc:Fallback>
+          <p:sp>
+            <p:nvSpPr>
+              <p:cNvPr id="13" name="ZoneTexte 12">
+                <a:extLst>
+                  <a:ext uri="{FF2B5EF4-FFF2-40B4-BE49-F238E27FC236}">
+                    <a16:creationId xmlns:a16="http://schemas.microsoft.com/office/drawing/2014/main" id="{A276F9D2-0917-E493-E346-20FBB3F058E6}"/>
+                  </a:ext>
+                </a:extLst>
+              </p:cNvPr>
+              <p:cNvSpPr txBox="1">
+                <a:spLocks noRot="1" noChangeAspect="1" noMove="1" noResize="1" noEditPoints="1" noAdjustHandles="1" noChangeArrowheads="1" noChangeShapeType="1" noTextEdit="1"/>
+              </p:cNvSpPr>
+              <p:nvPr/>
+            </p:nvSpPr>
+            <p:spPr>
+              <a:xfrm>
+                <a:off x="9371647" y="3395950"/>
+                <a:ext cx="1228477" cy="578300"/>
+              </a:xfrm>
+              <a:prstGeom prst="rect">
+                <a:avLst/>
+              </a:prstGeom>
+              <a:blipFill>
+                <a:blip r:embed="rId6"/>
+                <a:stretch>
+                  <a:fillRect/>
+                </a:stretch>
+              </a:blipFill>
+            </p:spPr>
+            <p:txBody>
+              <a:bodyPr/>
+              <a:lstStyle/>
+              <a:p>
+                <a:r>
+                  <a:rPr lang="fr-FR">
+                    <a:noFill/>
+                  </a:rPr>
+                  <a:t> </a:t>
+                </a:r>
+              </a:p>
+            </p:txBody>
+          </p:sp>
+        </mc:Fallback>
+      </mc:AlternateContent>
+      <p:sp>
+        <p:nvSpPr>
+          <p:cNvPr id="15" name="ZoneTexte 14">
+            <a:extLst>
+              <a:ext uri="{FF2B5EF4-FFF2-40B4-BE49-F238E27FC236}">
+                <a16:creationId xmlns:a16="http://schemas.microsoft.com/office/drawing/2014/main" id="{F388E682-851B-B659-2F57-230903FB6104}"/>
+              </a:ext>
+            </a:extLst>
+          </p:cNvPr>
+          <p:cNvSpPr txBox="1"/>
+          <p:nvPr/>
+        </p:nvSpPr>
+        <p:spPr>
+          <a:xfrm>
+            <a:off x="2940858" y="5248870"/>
+            <a:ext cx="4036372" cy="923330"/>
+          </a:xfrm>
+          <a:prstGeom prst="rect">
+            <a:avLst/>
+          </a:prstGeom>
+          <a:noFill/>
+        </p:spPr>
+        <p:txBody>
+          <a:bodyPr wrap="square">
+            <a:spAutoFit/>
+          </a:bodyPr>
+          <a:lstStyle/>
+          <a:p>
+            <a:r>
+              <a:rPr lang="fr-FR" b="0" i="0" dirty="0">
+                <a:solidFill>
+                  <a:srgbClr val="202122"/>
+                </a:solidFill>
+                <a:effectLst/>
+                <a:latin typeface="+mj-lt"/>
+              </a:rPr>
+              <a:t>Si le système possède une solution,</a:t>
+            </a:r>
+          </a:p>
+          <a:p>
+            <a:r>
+              <a:rPr lang="fr-FR" b="0" i="0" dirty="0">
+                <a:solidFill>
+                  <a:srgbClr val="202122"/>
+                </a:solidFill>
+                <a:effectLst/>
+                <a:latin typeface="+mj-lt"/>
+              </a:rPr>
+              <a:t>alors la </a:t>
+            </a:r>
+            <a:r>
+              <a:rPr lang="fr-FR" b="1" i="0" dirty="0">
+                <a:solidFill>
+                  <a:srgbClr val="202122"/>
+                </a:solidFill>
+                <a:effectLst/>
+                <a:latin typeface="+mj-lt"/>
+              </a:rPr>
+              <a:t>matrice A est inversible </a:t>
+            </a:r>
+          </a:p>
+          <a:p>
+            <a:r>
+              <a:rPr lang="fr-FR" b="0" i="0" dirty="0">
+                <a:solidFill>
+                  <a:srgbClr val="202122"/>
+                </a:solidFill>
+                <a:effectLst/>
+                <a:latin typeface="+mj-lt"/>
+              </a:rPr>
+              <a:t>et le résultat peut s'obtenir par :</a:t>
+            </a:r>
+            <a:endParaRPr lang="fr-FR" dirty="0">
+              <a:latin typeface="+mj-lt"/>
+            </a:endParaRPr>
+          </a:p>
+        </p:txBody>
+      </p:sp>
+      <mc:AlternateContent xmlns:mc="http://schemas.openxmlformats.org/markup-compatibility/2006">
+        <mc:Choice xmlns:a14="http://schemas.microsoft.com/office/drawing/2010/main" Requires="a14">
+          <p:sp>
+            <p:nvSpPr>
+              <p:cNvPr id="16" name="ZoneTexte 15">
+                <a:extLst>
+                  <a:ext uri="{FF2B5EF4-FFF2-40B4-BE49-F238E27FC236}">
+                    <a16:creationId xmlns:a16="http://schemas.microsoft.com/office/drawing/2014/main" id="{535450CA-8C3C-09DA-CCED-B027C2250130}"/>
+                  </a:ext>
+                </a:extLst>
+              </p:cNvPr>
+              <p:cNvSpPr txBox="1"/>
+              <p:nvPr/>
+            </p:nvSpPr>
+            <p:spPr>
+              <a:xfrm>
+                <a:off x="8394080" y="5503569"/>
+                <a:ext cx="1757019" cy="440633"/>
+              </a:xfrm>
+              <a:prstGeom prst="rect">
+                <a:avLst/>
+              </a:prstGeom>
+              <a:solidFill>
+                <a:schemeClr val="accent1">
+                  <a:lumMod val="75000"/>
+                </a:schemeClr>
+              </a:solidFill>
+            </p:spPr>
+            <p:txBody>
+              <a:bodyPr wrap="none" lIns="0" tIns="0" rIns="0" bIns="0" rtlCol="0">
+                <a:spAutoFit/>
+              </a:bodyPr>
+              <a:lstStyle/>
+              <a:p>
+                <a:pPr/>
+                <a14:m>
+                  <m:oMathPara xmlns:m="http://schemas.openxmlformats.org/officeDocument/2006/math">
+                    <m:oMathParaPr>
+                      <m:jc m:val="centerGroup"/>
+                    </m:oMathParaPr>
+                    <m:oMath xmlns:m="http://schemas.openxmlformats.org/officeDocument/2006/math">
+                      <m:r>
+                        <a:rPr lang="fr-FR" sz="2800" b="1" i="1" smtClean="0">
+                          <a:solidFill>
+                            <a:schemeClr val="bg1"/>
+                          </a:solidFill>
+                          <a:latin typeface="Cambria Math" panose="02040503050406030204" pitchFamily="18" charset="0"/>
+                        </a:rPr>
+                        <m:t>𝑿</m:t>
+                      </m:r>
+                      <m:r>
+                        <a:rPr lang="fr-FR" sz="2800" b="1" i="1" smtClean="0">
+                          <a:solidFill>
+                            <a:schemeClr val="bg1"/>
+                          </a:solidFill>
+                          <a:latin typeface="Cambria Math" panose="02040503050406030204" pitchFamily="18" charset="0"/>
+                        </a:rPr>
+                        <m:t>=</m:t>
+                      </m:r>
+                      <m:sSup>
+                        <m:sSupPr>
+                          <m:ctrlPr>
+                            <a:rPr lang="fr-FR" sz="2800" b="1" i="1" smtClean="0">
+                              <a:solidFill>
+                                <a:schemeClr val="bg1"/>
+                              </a:solidFill>
+                              <a:latin typeface="Cambria Math" panose="02040503050406030204" pitchFamily="18" charset="0"/>
+                            </a:rPr>
+                          </m:ctrlPr>
+                        </m:sSupPr>
+                        <m:e>
+                          <m:r>
+                            <a:rPr lang="fr-FR" sz="2800" b="1" i="1" smtClean="0">
+                              <a:solidFill>
+                                <a:schemeClr val="bg1"/>
+                              </a:solidFill>
+                              <a:latin typeface="Cambria Math" panose="02040503050406030204" pitchFamily="18" charset="0"/>
+                            </a:rPr>
+                            <m:t>𝑨</m:t>
+                          </m:r>
+                        </m:e>
+                        <m:sup>
+                          <m:r>
+                            <a:rPr lang="fr-FR" sz="2800" b="1" i="1" smtClean="0">
+                              <a:solidFill>
+                                <a:schemeClr val="bg1"/>
+                              </a:solidFill>
+                              <a:latin typeface="Cambria Math" panose="02040503050406030204" pitchFamily="18" charset="0"/>
+                            </a:rPr>
+                            <m:t>−</m:t>
+                          </m:r>
+                          <m:r>
+                            <a:rPr lang="fr-FR" sz="2800" b="1" i="1" smtClean="0">
+                              <a:solidFill>
+                                <a:schemeClr val="bg1"/>
+                              </a:solidFill>
+                              <a:latin typeface="Cambria Math" panose="02040503050406030204" pitchFamily="18" charset="0"/>
+                            </a:rPr>
+                            <m:t>𝟏</m:t>
+                          </m:r>
+                        </m:sup>
+                      </m:sSup>
+                      <m:r>
+                        <a:rPr lang="fr-FR" sz="2800" b="1" i="1" smtClean="0">
+                          <a:solidFill>
+                            <a:schemeClr val="bg1"/>
+                          </a:solidFill>
+                          <a:latin typeface="Cambria Math" panose="02040503050406030204" pitchFamily="18" charset="0"/>
+                        </a:rPr>
+                        <m:t>.</m:t>
+                      </m:r>
+                      <m:r>
+                        <a:rPr lang="fr-FR" sz="2800" b="1" i="1" smtClean="0">
+                          <a:solidFill>
+                            <a:schemeClr val="bg1"/>
+                          </a:solidFill>
+                          <a:latin typeface="Cambria Math" panose="02040503050406030204" pitchFamily="18" charset="0"/>
+                        </a:rPr>
+                        <m:t>𝒃</m:t>
+                      </m:r>
+                    </m:oMath>
+                  </m:oMathPara>
+                </a14:m>
+                <a:endParaRPr lang="fr-FR" sz="2800" b="1" dirty="0">
+                  <a:solidFill>
+                    <a:schemeClr val="bg1"/>
+                  </a:solidFill>
+                </a:endParaRPr>
+              </a:p>
+            </p:txBody>
+          </p:sp>
+        </mc:Choice>
+        <mc:Fallback>
+          <p:sp>
+            <p:nvSpPr>
+              <p:cNvPr id="16" name="ZoneTexte 15">
+                <a:extLst>
+                  <a:ext uri="{FF2B5EF4-FFF2-40B4-BE49-F238E27FC236}">
+                    <a16:creationId xmlns:a16="http://schemas.microsoft.com/office/drawing/2014/main" id="{535450CA-8C3C-09DA-CCED-B027C2250130}"/>
+                  </a:ext>
+                </a:extLst>
+              </p:cNvPr>
+              <p:cNvSpPr txBox="1">
+                <a:spLocks noRot="1" noChangeAspect="1" noMove="1" noResize="1" noEditPoints="1" noAdjustHandles="1" noChangeArrowheads="1" noChangeShapeType="1" noTextEdit="1"/>
+              </p:cNvSpPr>
+              <p:nvPr/>
+            </p:nvSpPr>
+            <p:spPr>
+              <a:xfrm>
+                <a:off x="8394080" y="5503569"/>
+                <a:ext cx="1757019" cy="440633"/>
+              </a:xfrm>
+              <a:prstGeom prst="rect">
+                <a:avLst/>
+              </a:prstGeom>
+              <a:blipFill>
+                <a:blip r:embed="rId7"/>
+                <a:stretch>
+                  <a:fillRect/>
+                </a:stretch>
+              </a:blipFill>
+            </p:spPr>
+            <p:txBody>
+              <a:bodyPr/>
+              <a:lstStyle/>
+              <a:p>
+                <a:r>
+                  <a:rPr lang="fr-FR">
+                    <a:noFill/>
+                  </a:rPr>
+                  <a:t> </a:t>
+                </a:r>
+              </a:p>
+            </p:txBody>
+          </p:sp>
+        </mc:Fallback>
+      </mc:AlternateContent>
     </p:spTree>
     <p:extLst>
       <p:ext uri="{BB962C8B-B14F-4D97-AF65-F5344CB8AC3E}">
-        <p14:creationId xmlns:p14="http://schemas.microsoft.com/office/powerpoint/2010/main" val="3320162350"/>
+        <p14:creationId xmlns:p14="http://schemas.microsoft.com/office/powerpoint/2010/main" val="2458492158"/>
       </p:ext>
     </p:extLst>
   </p:cSld>
@@ -23234,6 +24571,1353 @@
 </file>
 
 <file path=ppt/slides/slide32.xml><?xml version="1.0" encoding="utf-8"?>
+<p:sld xmlns:a="http://schemas.openxmlformats.org/drawingml/2006/main" xmlns:r="http://schemas.openxmlformats.org/officeDocument/2006/relationships" xmlns:p="http://schemas.openxmlformats.org/presentationml/2006/main">
+  <p:cSld>
+    <p:spTree>
+      <p:nvGrpSpPr>
+        <p:cNvPr id="1" name=""/>
+        <p:cNvGrpSpPr/>
+        <p:nvPr/>
+      </p:nvGrpSpPr>
+      <p:grpSpPr>
+        <a:xfrm>
+          <a:off x="0" y="0"/>
+          <a:ext cx="0" cy="0"/>
+          <a:chOff x="0" y="0"/>
+          <a:chExt cx="0" cy="0"/>
+        </a:xfrm>
+      </p:grpSpPr>
+      <p:sp>
+        <p:nvSpPr>
+          <p:cNvPr id="2" name="Titre 1">
+            <a:extLst>
+              <a:ext uri="{FF2B5EF4-FFF2-40B4-BE49-F238E27FC236}">
+                <a16:creationId xmlns:a16="http://schemas.microsoft.com/office/drawing/2014/main" id="{90162AE8-C1B0-5C56-8313-DEE494F38273}"/>
+              </a:ext>
+            </a:extLst>
+          </p:cNvPr>
+          <p:cNvSpPr>
+            <a:spLocks noGrp="1"/>
+          </p:cNvSpPr>
+          <p:nvPr>
+            <p:ph type="title"/>
+          </p:nvPr>
+        </p:nvSpPr>
+        <p:spPr/>
+        <p:txBody>
+          <a:bodyPr/>
+          <a:lstStyle/>
+          <a:p>
+            <a:r>
+              <a:rPr lang="fr-FR" dirty="0"/>
+              <a:t>Résoudre des problèmes linéaires</a:t>
+            </a:r>
+          </a:p>
+        </p:txBody>
+      </p:sp>
+      <p:sp>
+        <p:nvSpPr>
+          <p:cNvPr id="3" name="Espace réservé du contenu 2">
+            <a:extLst>
+              <a:ext uri="{FF2B5EF4-FFF2-40B4-BE49-F238E27FC236}">
+                <a16:creationId xmlns:a16="http://schemas.microsoft.com/office/drawing/2014/main" id="{E0BBB9DE-019C-C741-F224-494739D4B752}"/>
+              </a:ext>
+            </a:extLst>
+          </p:cNvPr>
+          <p:cNvSpPr>
+            <a:spLocks noGrp="1"/>
+          </p:cNvSpPr>
+          <p:nvPr>
+            <p:ph sz="half" idx="1"/>
+          </p:nvPr>
+        </p:nvSpPr>
+        <p:spPr>
+          <a:xfrm>
+            <a:off x="1115567" y="2478024"/>
+            <a:ext cx="4937760" cy="3694176"/>
+          </a:xfrm>
+        </p:spPr>
+        <p:txBody>
+          <a:bodyPr/>
+          <a:lstStyle/>
+          <a:p>
+            <a:r>
+              <a:rPr lang="fr-FR" dirty="0"/>
+              <a:t>Système d’équations</a:t>
+            </a:r>
+          </a:p>
+        </p:txBody>
+      </p:sp>
+      <p:pic>
+        <p:nvPicPr>
+          <p:cNvPr id="5" name="Image 4" descr="Une image contenant texte&#10;&#10;Description générée automatiquement">
+            <a:extLst>
+              <a:ext uri="{FF2B5EF4-FFF2-40B4-BE49-F238E27FC236}">
+                <a16:creationId xmlns:a16="http://schemas.microsoft.com/office/drawing/2014/main" id="{66D2630B-81F4-A4EB-21BA-8B90CF30BD92}"/>
+              </a:ext>
+            </a:extLst>
+          </p:cNvPr>
+          <p:cNvPicPr>
+            <a:picLocks noChangeAspect="1"/>
+          </p:cNvPicPr>
+          <p:nvPr/>
+        </p:nvPicPr>
+        <p:blipFill>
+          <a:blip r:embed="rId2">
+            <a:extLst>
+              <a:ext uri="{28A0092B-C50C-407E-A947-70E740481C1C}">
+                <a14:useLocalDpi xmlns:a14="http://schemas.microsoft.com/office/drawing/2010/main" val="0"/>
+              </a:ext>
+            </a:extLst>
+          </a:blip>
+          <a:stretch>
+            <a:fillRect/>
+          </a:stretch>
+        </p:blipFill>
+        <p:spPr>
+          <a:xfrm>
+            <a:off x="202922" y="5934456"/>
+            <a:ext cx="1825291" cy="749808"/>
+          </a:xfrm>
+          <a:prstGeom prst="rect">
+            <a:avLst/>
+          </a:prstGeom>
+        </p:spPr>
+      </p:pic>
+      <p:sp>
+        <p:nvSpPr>
+          <p:cNvPr id="6" name="Espace réservé du numéro de diapositive 5">
+            <a:extLst>
+              <a:ext uri="{FF2B5EF4-FFF2-40B4-BE49-F238E27FC236}">
+                <a16:creationId xmlns:a16="http://schemas.microsoft.com/office/drawing/2014/main" id="{352C540C-C811-C749-173D-914B5186C06C}"/>
+              </a:ext>
+            </a:extLst>
+          </p:cNvPr>
+          <p:cNvSpPr>
+            <a:spLocks noGrp="1"/>
+          </p:cNvSpPr>
+          <p:nvPr>
+            <p:ph type="sldNum" sz="quarter" idx="12"/>
+          </p:nvPr>
+        </p:nvSpPr>
+        <p:spPr/>
+        <p:txBody>
+          <a:bodyPr/>
+          <a:lstStyle/>
+          <a:p>
+            <a:fld id="{B2DC25EE-239B-4C5F-AAD1-255A7D5F1EE2}" type="slidenum">
+              <a:rPr lang="en-US" smtClean="0"/>
+              <a:t>32</a:t>
+            </a:fld>
+            <a:endParaRPr lang="en-US"/>
+          </a:p>
+        </p:txBody>
+      </p:sp>
+      <mc:AlternateContent xmlns:mc="http://schemas.openxmlformats.org/markup-compatibility/2006">
+        <mc:Choice xmlns:a14="http://schemas.microsoft.com/office/drawing/2010/main" Requires="a14">
+          <p:sp>
+            <p:nvSpPr>
+              <p:cNvPr id="12" name="ZoneTexte 11">
+                <a:extLst>
+                  <a:ext uri="{FF2B5EF4-FFF2-40B4-BE49-F238E27FC236}">
+                    <a16:creationId xmlns:a16="http://schemas.microsoft.com/office/drawing/2014/main" id="{DAF411C0-4452-EB72-5624-5F787A46A3BB}"/>
+                  </a:ext>
+                </a:extLst>
+              </p:cNvPr>
+              <p:cNvSpPr txBox="1"/>
+              <p:nvPr/>
+            </p:nvSpPr>
+            <p:spPr>
+              <a:xfrm>
+                <a:off x="2317562" y="3297630"/>
+                <a:ext cx="2533771" cy="823815"/>
+              </a:xfrm>
+              <a:prstGeom prst="rect">
+                <a:avLst/>
+              </a:prstGeom>
+              <a:solidFill>
+                <a:schemeClr val="bg1">
+                  <a:lumMod val="95000"/>
+                </a:schemeClr>
+              </a:solidFill>
+            </p:spPr>
+            <p:txBody>
+              <a:bodyPr wrap="none" lIns="0" tIns="0" rIns="0" bIns="0" rtlCol="0">
+                <a:spAutoFit/>
+              </a:bodyPr>
+              <a:lstStyle/>
+              <a:p>
+                <a:pPr/>
+                <a14:m>
+                  <m:oMathPara xmlns:m="http://schemas.openxmlformats.org/officeDocument/2006/math">
+                    <m:oMathParaPr>
+                      <m:jc m:val="centerGroup"/>
+                    </m:oMathParaPr>
+                    <m:oMath xmlns:m="http://schemas.openxmlformats.org/officeDocument/2006/math">
+                      <m:d>
+                        <m:dPr>
+                          <m:begChr m:val="{"/>
+                          <m:endChr m:val=""/>
+                          <m:ctrlPr>
+                            <a:rPr lang="fr-FR" sz="2400" b="0" i="1" smtClean="0">
+                              <a:latin typeface="Cambria Math" panose="02040503050406030204" pitchFamily="18" charset="0"/>
+                            </a:rPr>
+                          </m:ctrlPr>
+                        </m:dPr>
+                        <m:e>
+                          <m:eqArr>
+                            <m:eqArrPr>
+                              <m:ctrlPr>
+                                <a:rPr lang="fr-FR" sz="2400" b="0" i="1" smtClean="0">
+                                  <a:latin typeface="Cambria Math" panose="02040503050406030204" pitchFamily="18" charset="0"/>
+                                </a:rPr>
+                              </m:ctrlPr>
+                            </m:eqArrPr>
+                            <m:e>
+                              <m:sSub>
+                                <m:sSubPr>
+                                  <m:ctrlPr>
+                                    <a:rPr lang="fr-FR" sz="2400" b="0" i="1" smtClean="0">
+                                      <a:latin typeface="Cambria Math" panose="02040503050406030204" pitchFamily="18" charset="0"/>
+                                    </a:rPr>
+                                  </m:ctrlPr>
+                                </m:sSubPr>
+                                <m:e>
+                                  <m:r>
+                                    <a:rPr lang="fr-FR" sz="2400" b="0" i="1" smtClean="0">
+                                      <a:latin typeface="Cambria Math" panose="02040503050406030204" pitchFamily="18" charset="0"/>
+                                    </a:rPr>
+                                    <m:t>𝑎</m:t>
+                                  </m:r>
+                                </m:e>
+                                <m:sub>
+                                  <m:r>
+                                    <a:rPr lang="fr-FR" sz="2400" b="0" i="1" smtClean="0">
+                                      <a:latin typeface="Cambria Math" panose="02040503050406030204" pitchFamily="18" charset="0"/>
+                                    </a:rPr>
+                                    <m:t>1</m:t>
+                                  </m:r>
+                                </m:sub>
+                              </m:sSub>
+                              <m:r>
+                                <a:rPr lang="fr-FR" sz="2400" b="0" i="1" smtClean="0">
+                                  <a:latin typeface="Cambria Math" panose="02040503050406030204" pitchFamily="18" charset="0"/>
+                                </a:rPr>
+                                <m:t>.</m:t>
+                              </m:r>
+                              <m:r>
+                                <a:rPr lang="fr-FR" sz="2400" b="0" i="1" smtClean="0">
+                                  <a:latin typeface="Cambria Math" panose="02040503050406030204" pitchFamily="18" charset="0"/>
+                                </a:rPr>
+                                <m:t>𝑥</m:t>
+                              </m:r>
+                              <m:r>
+                                <a:rPr lang="fr-FR" sz="2400" b="0" i="1" smtClean="0">
+                                  <a:latin typeface="Cambria Math" panose="02040503050406030204" pitchFamily="18" charset="0"/>
+                                </a:rPr>
+                                <m:t>+</m:t>
+                              </m:r>
+                              <m:sSub>
+                                <m:sSubPr>
+                                  <m:ctrlPr>
+                                    <a:rPr lang="fr-FR" sz="2400" b="0" i="1" smtClean="0">
+                                      <a:latin typeface="Cambria Math" panose="02040503050406030204" pitchFamily="18" charset="0"/>
+                                    </a:rPr>
+                                  </m:ctrlPr>
+                                </m:sSubPr>
+                                <m:e>
+                                  <m:r>
+                                    <a:rPr lang="fr-FR" sz="2400" b="0" i="1" smtClean="0">
+                                      <a:latin typeface="Cambria Math" panose="02040503050406030204" pitchFamily="18" charset="0"/>
+                                    </a:rPr>
+                                    <m:t>𝑏</m:t>
+                                  </m:r>
+                                </m:e>
+                                <m:sub>
+                                  <m:r>
+                                    <a:rPr lang="fr-FR" sz="2400" b="0" i="1" smtClean="0">
+                                      <a:latin typeface="Cambria Math" panose="02040503050406030204" pitchFamily="18" charset="0"/>
+                                    </a:rPr>
+                                    <m:t>1</m:t>
+                                  </m:r>
+                                </m:sub>
+                              </m:sSub>
+                              <m:r>
+                                <a:rPr lang="fr-FR" sz="2400" b="0" i="1" smtClean="0">
+                                  <a:latin typeface="Cambria Math" panose="02040503050406030204" pitchFamily="18" charset="0"/>
+                                </a:rPr>
+                                <m:t>.</m:t>
+                              </m:r>
+                              <m:r>
+                                <a:rPr lang="fr-FR" sz="2400" b="0" i="1" smtClean="0">
+                                  <a:latin typeface="Cambria Math" panose="02040503050406030204" pitchFamily="18" charset="0"/>
+                                </a:rPr>
+                                <m:t>𝑦</m:t>
+                              </m:r>
+                              <m:r>
+                                <a:rPr lang="fr-FR" sz="2400" b="0" i="1" smtClean="0">
+                                  <a:latin typeface="Cambria Math" panose="02040503050406030204" pitchFamily="18" charset="0"/>
+                                </a:rPr>
+                                <m:t>=</m:t>
+                              </m:r>
+                              <m:sSub>
+                                <m:sSubPr>
+                                  <m:ctrlPr>
+                                    <a:rPr lang="fr-FR" sz="2400" b="0" i="1" smtClean="0">
+                                      <a:latin typeface="Cambria Math" panose="02040503050406030204" pitchFamily="18" charset="0"/>
+                                    </a:rPr>
+                                  </m:ctrlPr>
+                                </m:sSubPr>
+                                <m:e>
+                                  <m:r>
+                                    <a:rPr lang="fr-FR" sz="2400" b="0" i="1" smtClean="0">
+                                      <a:latin typeface="Cambria Math" panose="02040503050406030204" pitchFamily="18" charset="0"/>
+                                    </a:rPr>
+                                    <m:t>𝑐</m:t>
+                                  </m:r>
+                                </m:e>
+                                <m:sub>
+                                  <m:r>
+                                    <a:rPr lang="fr-FR" sz="2400" b="0" i="1" smtClean="0">
+                                      <a:latin typeface="Cambria Math" panose="02040503050406030204" pitchFamily="18" charset="0"/>
+                                    </a:rPr>
+                                    <m:t>1</m:t>
+                                  </m:r>
+                                </m:sub>
+                              </m:sSub>
+                            </m:e>
+                            <m:e>
+                              <m:sSub>
+                                <m:sSubPr>
+                                  <m:ctrlPr>
+                                    <a:rPr lang="fr-FR" sz="2400" i="1">
+                                      <a:latin typeface="Cambria Math" panose="02040503050406030204" pitchFamily="18" charset="0"/>
+                                    </a:rPr>
+                                  </m:ctrlPr>
+                                </m:sSubPr>
+                                <m:e>
+                                  <m:r>
+                                    <a:rPr lang="fr-FR" sz="2400" i="1">
+                                      <a:latin typeface="Cambria Math" panose="02040503050406030204" pitchFamily="18" charset="0"/>
+                                    </a:rPr>
+                                    <m:t>𝑎</m:t>
+                                  </m:r>
+                                </m:e>
+                                <m:sub>
+                                  <m:r>
+                                    <a:rPr lang="fr-FR" sz="2400" b="0" i="1" smtClean="0">
+                                      <a:latin typeface="Cambria Math" panose="02040503050406030204" pitchFamily="18" charset="0"/>
+                                    </a:rPr>
+                                    <m:t>2</m:t>
+                                  </m:r>
+                                </m:sub>
+                              </m:sSub>
+                              <m:r>
+                                <a:rPr lang="fr-FR" sz="2400" i="1">
+                                  <a:latin typeface="Cambria Math" panose="02040503050406030204" pitchFamily="18" charset="0"/>
+                                </a:rPr>
+                                <m:t>.</m:t>
+                              </m:r>
+                              <m:r>
+                                <a:rPr lang="fr-FR" sz="2400" i="1">
+                                  <a:latin typeface="Cambria Math" panose="02040503050406030204" pitchFamily="18" charset="0"/>
+                                </a:rPr>
+                                <m:t>𝑥</m:t>
+                              </m:r>
+                              <m:r>
+                                <a:rPr lang="fr-FR" sz="2400" i="1">
+                                  <a:latin typeface="Cambria Math" panose="02040503050406030204" pitchFamily="18" charset="0"/>
+                                </a:rPr>
+                                <m:t>+</m:t>
+                              </m:r>
+                              <m:sSub>
+                                <m:sSubPr>
+                                  <m:ctrlPr>
+                                    <a:rPr lang="fr-FR" sz="2400" i="1">
+                                      <a:latin typeface="Cambria Math" panose="02040503050406030204" pitchFamily="18" charset="0"/>
+                                    </a:rPr>
+                                  </m:ctrlPr>
+                                </m:sSubPr>
+                                <m:e>
+                                  <m:r>
+                                    <a:rPr lang="fr-FR" sz="2400" i="1">
+                                      <a:latin typeface="Cambria Math" panose="02040503050406030204" pitchFamily="18" charset="0"/>
+                                    </a:rPr>
+                                    <m:t>𝑏</m:t>
+                                  </m:r>
+                                </m:e>
+                                <m:sub>
+                                  <m:r>
+                                    <a:rPr lang="fr-FR" sz="2400" b="0" i="1" smtClean="0">
+                                      <a:latin typeface="Cambria Math" panose="02040503050406030204" pitchFamily="18" charset="0"/>
+                                    </a:rPr>
+                                    <m:t>2</m:t>
+                                  </m:r>
+                                </m:sub>
+                              </m:sSub>
+                              <m:r>
+                                <a:rPr lang="fr-FR" sz="2400" i="1">
+                                  <a:latin typeface="Cambria Math" panose="02040503050406030204" pitchFamily="18" charset="0"/>
+                                </a:rPr>
+                                <m:t>.</m:t>
+                              </m:r>
+                              <m:r>
+                                <a:rPr lang="fr-FR" sz="2400" i="1">
+                                  <a:latin typeface="Cambria Math" panose="02040503050406030204" pitchFamily="18" charset="0"/>
+                                </a:rPr>
+                                <m:t>𝑦</m:t>
+                              </m:r>
+                              <m:r>
+                                <a:rPr lang="fr-FR" sz="2400" i="1">
+                                  <a:latin typeface="Cambria Math" panose="02040503050406030204" pitchFamily="18" charset="0"/>
+                                </a:rPr>
+                                <m:t>=</m:t>
+                              </m:r>
+                              <m:sSub>
+                                <m:sSubPr>
+                                  <m:ctrlPr>
+                                    <a:rPr lang="fr-FR" sz="2400" i="1">
+                                      <a:latin typeface="Cambria Math" panose="02040503050406030204" pitchFamily="18" charset="0"/>
+                                    </a:rPr>
+                                  </m:ctrlPr>
+                                </m:sSubPr>
+                                <m:e>
+                                  <m:r>
+                                    <a:rPr lang="fr-FR" sz="2400" i="1">
+                                      <a:latin typeface="Cambria Math" panose="02040503050406030204" pitchFamily="18" charset="0"/>
+                                    </a:rPr>
+                                    <m:t>𝑐</m:t>
+                                  </m:r>
+                                </m:e>
+                                <m:sub>
+                                  <m:r>
+                                    <a:rPr lang="fr-FR" sz="2400" b="0" i="1" smtClean="0">
+                                      <a:latin typeface="Cambria Math" panose="02040503050406030204" pitchFamily="18" charset="0"/>
+                                    </a:rPr>
+                                    <m:t>2</m:t>
+                                  </m:r>
+                                </m:sub>
+                              </m:sSub>
+                            </m:e>
+                          </m:eqArr>
+                        </m:e>
+                      </m:d>
+                    </m:oMath>
+                  </m:oMathPara>
+                </a14:m>
+                <a:endParaRPr lang="fr-FR" sz="2400" dirty="0"/>
+              </a:p>
+            </p:txBody>
+          </p:sp>
+        </mc:Choice>
+        <mc:Fallback>
+          <p:sp>
+            <p:nvSpPr>
+              <p:cNvPr id="12" name="ZoneTexte 11">
+                <a:extLst>
+                  <a:ext uri="{FF2B5EF4-FFF2-40B4-BE49-F238E27FC236}">
+                    <a16:creationId xmlns:a16="http://schemas.microsoft.com/office/drawing/2014/main" id="{DAF411C0-4452-EB72-5624-5F787A46A3BB}"/>
+                  </a:ext>
+                </a:extLst>
+              </p:cNvPr>
+              <p:cNvSpPr txBox="1">
+                <a:spLocks noRot="1" noChangeAspect="1" noMove="1" noResize="1" noEditPoints="1" noAdjustHandles="1" noChangeArrowheads="1" noChangeShapeType="1" noTextEdit="1"/>
+              </p:cNvSpPr>
+              <p:nvPr/>
+            </p:nvSpPr>
+            <p:spPr>
+              <a:xfrm>
+                <a:off x="2317562" y="3297630"/>
+                <a:ext cx="2533771" cy="823815"/>
+              </a:xfrm>
+              <a:prstGeom prst="rect">
+                <a:avLst/>
+              </a:prstGeom>
+              <a:blipFill>
+                <a:blip r:embed="rId3"/>
+                <a:stretch>
+                  <a:fillRect/>
+                </a:stretch>
+              </a:blipFill>
+            </p:spPr>
+            <p:txBody>
+              <a:bodyPr/>
+              <a:lstStyle/>
+              <a:p>
+                <a:r>
+                  <a:rPr lang="fr-FR">
+                    <a:noFill/>
+                  </a:rPr>
+                  <a:t> </a:t>
+                </a:r>
+              </a:p>
+            </p:txBody>
+          </p:sp>
+        </mc:Fallback>
+      </mc:AlternateContent>
+      <p:sp>
+        <p:nvSpPr>
+          <p:cNvPr id="7" name="Espace réservé du contenu 3">
+            <a:extLst>
+              <a:ext uri="{FF2B5EF4-FFF2-40B4-BE49-F238E27FC236}">
+                <a16:creationId xmlns:a16="http://schemas.microsoft.com/office/drawing/2014/main" id="{2D45AEC2-C147-D7A5-728E-3A69339B2A2E}"/>
+              </a:ext>
+            </a:extLst>
+          </p:cNvPr>
+          <p:cNvSpPr>
+            <a:spLocks noGrp="1"/>
+          </p:cNvSpPr>
+          <p:nvPr>
+            <p:ph sz="half" idx="2"/>
+          </p:nvPr>
+        </p:nvSpPr>
+        <p:spPr>
+          <a:xfrm>
+            <a:off x="6345936" y="2478024"/>
+            <a:ext cx="4937760" cy="3694176"/>
+          </a:xfrm>
+        </p:spPr>
+        <p:txBody>
+          <a:bodyPr/>
+          <a:lstStyle/>
+          <a:p>
+            <a:r>
+              <a:rPr lang="fr-FR" dirty="0"/>
+              <a:t>Résolution numérique</a:t>
+            </a:r>
+          </a:p>
+        </p:txBody>
+      </p:sp>
+      <p:sp>
+        <p:nvSpPr>
+          <p:cNvPr id="15" name="ZoneTexte 14">
+            <a:extLst>
+              <a:ext uri="{FF2B5EF4-FFF2-40B4-BE49-F238E27FC236}">
+                <a16:creationId xmlns:a16="http://schemas.microsoft.com/office/drawing/2014/main" id="{F388E682-851B-B659-2F57-230903FB6104}"/>
+              </a:ext>
+            </a:extLst>
+          </p:cNvPr>
+          <p:cNvSpPr txBox="1"/>
+          <p:nvPr/>
+        </p:nvSpPr>
+        <p:spPr>
+          <a:xfrm>
+            <a:off x="2940858" y="5248870"/>
+            <a:ext cx="4036372" cy="923330"/>
+          </a:xfrm>
+          <a:prstGeom prst="rect">
+            <a:avLst/>
+          </a:prstGeom>
+          <a:noFill/>
+        </p:spPr>
+        <p:txBody>
+          <a:bodyPr wrap="square">
+            <a:spAutoFit/>
+          </a:bodyPr>
+          <a:lstStyle/>
+          <a:p>
+            <a:r>
+              <a:rPr lang="fr-FR" b="0" i="0" dirty="0">
+                <a:solidFill>
+                  <a:srgbClr val="202122"/>
+                </a:solidFill>
+                <a:effectLst/>
+                <a:latin typeface="+mj-lt"/>
+              </a:rPr>
+              <a:t>Si le système possède une solution,</a:t>
+            </a:r>
+          </a:p>
+          <a:p>
+            <a:r>
+              <a:rPr lang="fr-FR" b="0" i="0" dirty="0">
+                <a:solidFill>
+                  <a:srgbClr val="202122"/>
+                </a:solidFill>
+                <a:effectLst/>
+                <a:latin typeface="+mj-lt"/>
+              </a:rPr>
+              <a:t>alors la </a:t>
+            </a:r>
+            <a:r>
+              <a:rPr lang="fr-FR" b="1" i="0" dirty="0">
+                <a:solidFill>
+                  <a:srgbClr val="202122"/>
+                </a:solidFill>
+                <a:effectLst/>
+                <a:latin typeface="+mj-lt"/>
+              </a:rPr>
+              <a:t>matrice A est inversible </a:t>
+            </a:r>
+          </a:p>
+          <a:p>
+            <a:r>
+              <a:rPr lang="fr-FR" b="0" i="0" dirty="0">
+                <a:solidFill>
+                  <a:srgbClr val="202122"/>
+                </a:solidFill>
+                <a:effectLst/>
+                <a:latin typeface="+mj-lt"/>
+              </a:rPr>
+              <a:t>et le résultat peut s'obtenir par :</a:t>
+            </a:r>
+            <a:endParaRPr lang="fr-FR" dirty="0">
+              <a:latin typeface="+mj-lt"/>
+            </a:endParaRPr>
+          </a:p>
+        </p:txBody>
+      </p:sp>
+      <mc:AlternateContent xmlns:mc="http://schemas.openxmlformats.org/markup-compatibility/2006">
+        <mc:Choice xmlns:a14="http://schemas.microsoft.com/office/drawing/2010/main" Requires="a14">
+          <p:sp>
+            <p:nvSpPr>
+              <p:cNvPr id="16" name="ZoneTexte 15">
+                <a:extLst>
+                  <a:ext uri="{FF2B5EF4-FFF2-40B4-BE49-F238E27FC236}">
+                    <a16:creationId xmlns:a16="http://schemas.microsoft.com/office/drawing/2014/main" id="{535450CA-8C3C-09DA-CCED-B027C2250130}"/>
+                  </a:ext>
+                </a:extLst>
+              </p:cNvPr>
+              <p:cNvSpPr txBox="1"/>
+              <p:nvPr/>
+            </p:nvSpPr>
+            <p:spPr>
+              <a:xfrm>
+                <a:off x="8394080" y="5503569"/>
+                <a:ext cx="1757019" cy="440633"/>
+              </a:xfrm>
+              <a:prstGeom prst="rect">
+                <a:avLst/>
+              </a:prstGeom>
+              <a:solidFill>
+                <a:schemeClr val="accent1">
+                  <a:lumMod val="75000"/>
+                </a:schemeClr>
+              </a:solidFill>
+            </p:spPr>
+            <p:txBody>
+              <a:bodyPr wrap="none" lIns="0" tIns="0" rIns="0" bIns="0" rtlCol="0">
+                <a:spAutoFit/>
+              </a:bodyPr>
+              <a:lstStyle/>
+              <a:p>
+                <a:pPr/>
+                <a14:m>
+                  <m:oMathPara xmlns:m="http://schemas.openxmlformats.org/officeDocument/2006/math">
+                    <m:oMathParaPr>
+                      <m:jc m:val="centerGroup"/>
+                    </m:oMathParaPr>
+                    <m:oMath xmlns:m="http://schemas.openxmlformats.org/officeDocument/2006/math">
+                      <m:r>
+                        <a:rPr lang="fr-FR" sz="2800" b="1" i="1" smtClean="0">
+                          <a:solidFill>
+                            <a:schemeClr val="bg1"/>
+                          </a:solidFill>
+                          <a:latin typeface="Cambria Math" panose="02040503050406030204" pitchFamily="18" charset="0"/>
+                        </a:rPr>
+                        <m:t>𝑿</m:t>
+                      </m:r>
+                      <m:r>
+                        <a:rPr lang="fr-FR" sz="2800" b="1" i="1" smtClean="0">
+                          <a:solidFill>
+                            <a:schemeClr val="bg1"/>
+                          </a:solidFill>
+                          <a:latin typeface="Cambria Math" panose="02040503050406030204" pitchFamily="18" charset="0"/>
+                        </a:rPr>
+                        <m:t>=</m:t>
+                      </m:r>
+                      <m:sSup>
+                        <m:sSupPr>
+                          <m:ctrlPr>
+                            <a:rPr lang="fr-FR" sz="2800" b="1" i="1" smtClean="0">
+                              <a:solidFill>
+                                <a:schemeClr val="bg1"/>
+                              </a:solidFill>
+                              <a:latin typeface="Cambria Math" panose="02040503050406030204" pitchFamily="18" charset="0"/>
+                            </a:rPr>
+                          </m:ctrlPr>
+                        </m:sSupPr>
+                        <m:e>
+                          <m:r>
+                            <a:rPr lang="fr-FR" sz="2800" b="1" i="1" smtClean="0">
+                              <a:solidFill>
+                                <a:schemeClr val="bg1"/>
+                              </a:solidFill>
+                              <a:latin typeface="Cambria Math" panose="02040503050406030204" pitchFamily="18" charset="0"/>
+                            </a:rPr>
+                            <m:t>𝑨</m:t>
+                          </m:r>
+                        </m:e>
+                        <m:sup>
+                          <m:r>
+                            <a:rPr lang="fr-FR" sz="2800" b="1" i="1" smtClean="0">
+                              <a:solidFill>
+                                <a:schemeClr val="bg1"/>
+                              </a:solidFill>
+                              <a:latin typeface="Cambria Math" panose="02040503050406030204" pitchFamily="18" charset="0"/>
+                            </a:rPr>
+                            <m:t>−</m:t>
+                          </m:r>
+                          <m:r>
+                            <a:rPr lang="fr-FR" sz="2800" b="1" i="1" smtClean="0">
+                              <a:solidFill>
+                                <a:schemeClr val="bg1"/>
+                              </a:solidFill>
+                              <a:latin typeface="Cambria Math" panose="02040503050406030204" pitchFamily="18" charset="0"/>
+                            </a:rPr>
+                            <m:t>𝟏</m:t>
+                          </m:r>
+                        </m:sup>
+                      </m:sSup>
+                      <m:r>
+                        <a:rPr lang="fr-FR" sz="2800" b="1" i="1" smtClean="0">
+                          <a:solidFill>
+                            <a:schemeClr val="bg1"/>
+                          </a:solidFill>
+                          <a:latin typeface="Cambria Math" panose="02040503050406030204" pitchFamily="18" charset="0"/>
+                        </a:rPr>
+                        <m:t>.</m:t>
+                      </m:r>
+                      <m:r>
+                        <a:rPr lang="fr-FR" sz="2800" b="1" i="1" smtClean="0">
+                          <a:solidFill>
+                            <a:schemeClr val="bg1"/>
+                          </a:solidFill>
+                          <a:latin typeface="Cambria Math" panose="02040503050406030204" pitchFamily="18" charset="0"/>
+                        </a:rPr>
+                        <m:t>𝒃</m:t>
+                      </m:r>
+                    </m:oMath>
+                  </m:oMathPara>
+                </a14:m>
+                <a:endParaRPr lang="fr-FR" sz="2800" b="1" dirty="0">
+                  <a:solidFill>
+                    <a:schemeClr val="bg1"/>
+                  </a:solidFill>
+                </a:endParaRPr>
+              </a:p>
+            </p:txBody>
+          </p:sp>
+        </mc:Choice>
+        <mc:Fallback>
+          <p:sp>
+            <p:nvSpPr>
+              <p:cNvPr id="16" name="ZoneTexte 15">
+                <a:extLst>
+                  <a:ext uri="{FF2B5EF4-FFF2-40B4-BE49-F238E27FC236}">
+                    <a16:creationId xmlns:a16="http://schemas.microsoft.com/office/drawing/2014/main" id="{535450CA-8C3C-09DA-CCED-B027C2250130}"/>
+                  </a:ext>
+                </a:extLst>
+              </p:cNvPr>
+              <p:cNvSpPr txBox="1">
+                <a:spLocks noRot="1" noChangeAspect="1" noMove="1" noResize="1" noEditPoints="1" noAdjustHandles="1" noChangeArrowheads="1" noChangeShapeType="1" noTextEdit="1"/>
+              </p:cNvSpPr>
+              <p:nvPr/>
+            </p:nvSpPr>
+            <p:spPr>
+              <a:xfrm>
+                <a:off x="8394080" y="5503569"/>
+                <a:ext cx="1757019" cy="440633"/>
+              </a:xfrm>
+              <a:prstGeom prst="rect">
+                <a:avLst/>
+              </a:prstGeom>
+              <a:blipFill>
+                <a:blip r:embed="rId4"/>
+                <a:stretch>
+                  <a:fillRect/>
+                </a:stretch>
+              </a:blipFill>
+            </p:spPr>
+            <p:txBody>
+              <a:bodyPr/>
+              <a:lstStyle/>
+              <a:p>
+                <a:r>
+                  <a:rPr lang="fr-FR">
+                    <a:noFill/>
+                  </a:rPr>
+                  <a:t> </a:t>
+                </a:r>
+              </a:p>
+            </p:txBody>
+          </p:sp>
+        </mc:Fallback>
+      </mc:AlternateContent>
+      <p:sp>
+        <p:nvSpPr>
+          <p:cNvPr id="4" name="ZoneTexte 3">
+            <a:extLst>
+              <a:ext uri="{FF2B5EF4-FFF2-40B4-BE49-F238E27FC236}">
+                <a16:creationId xmlns:a16="http://schemas.microsoft.com/office/drawing/2014/main" id="{A99C2263-4B72-112A-4F9A-0BE7B0ADA272}"/>
+              </a:ext>
+            </a:extLst>
+          </p:cNvPr>
+          <p:cNvSpPr txBox="1"/>
+          <p:nvPr/>
+        </p:nvSpPr>
+        <p:spPr>
+          <a:xfrm>
+            <a:off x="6344973" y="3318622"/>
+            <a:ext cx="4765173" cy="646331"/>
+          </a:xfrm>
+          <a:prstGeom prst="rect">
+            <a:avLst/>
+          </a:prstGeom>
+          <a:solidFill>
+            <a:schemeClr val="accent1">
+              <a:lumMod val="40000"/>
+              <a:lumOff val="60000"/>
+            </a:schemeClr>
+          </a:solidFill>
+        </p:spPr>
+        <p:txBody>
+          <a:bodyPr wrap="square" rtlCol="0">
+            <a:spAutoFit/>
+          </a:bodyPr>
+          <a:lstStyle/>
+          <a:p>
+            <a:r>
+              <a:rPr lang="fr-FR" b="1" dirty="0" err="1"/>
+              <a:t>from</a:t>
+            </a:r>
+            <a:r>
+              <a:rPr lang="fr-FR" b="1" dirty="0"/>
+              <a:t> </a:t>
+            </a:r>
+            <a:r>
+              <a:rPr lang="fr-FR" i="1" dirty="0" err="1"/>
+              <a:t>scipy</a:t>
+            </a:r>
+            <a:r>
+              <a:rPr lang="fr-FR" b="1" dirty="0"/>
+              <a:t> import </a:t>
+            </a:r>
+            <a:r>
+              <a:rPr lang="fr-FR" i="1" dirty="0" err="1"/>
+              <a:t>linalg</a:t>
+            </a:r>
+            <a:endParaRPr lang="fr-FR" i="1" dirty="0"/>
+          </a:p>
+          <a:p>
+            <a:r>
+              <a:rPr lang="pt-BR" dirty="0"/>
+              <a:t>X </a:t>
+            </a:r>
+            <a:r>
+              <a:rPr lang="pt-BR" b="1" dirty="0"/>
+              <a:t>=</a:t>
+            </a:r>
+            <a:r>
+              <a:rPr lang="pt-BR" dirty="0"/>
+              <a:t> </a:t>
+            </a:r>
+            <a:r>
+              <a:rPr lang="pt-BR" i="1" dirty="0"/>
+              <a:t>linalg</a:t>
+            </a:r>
+            <a:r>
+              <a:rPr lang="pt-BR" dirty="0"/>
+              <a:t>.</a:t>
+            </a:r>
+            <a:r>
+              <a:rPr lang="pt-BR" b="1" dirty="0"/>
+              <a:t>solve</a:t>
+            </a:r>
+            <a:r>
+              <a:rPr lang="pt-BR" dirty="0"/>
+              <a:t>( A , b )</a:t>
+            </a:r>
+            <a:endParaRPr lang="fr-FR" b="1" dirty="0"/>
+          </a:p>
+        </p:txBody>
+      </p:sp>
+      <p:pic>
+        <p:nvPicPr>
+          <p:cNvPr id="8" name="Picture 12">
+            <a:extLst>
+              <a:ext uri="{FF2B5EF4-FFF2-40B4-BE49-F238E27FC236}">
+                <a16:creationId xmlns:a16="http://schemas.microsoft.com/office/drawing/2014/main" id="{9923CBA3-D270-5909-2C98-CD9DC24EEAF4}"/>
+              </a:ext>
+            </a:extLst>
+          </p:cNvPr>
+          <p:cNvPicPr>
+            <a:picLocks noChangeAspect="1" noChangeArrowheads="1"/>
+          </p:cNvPicPr>
+          <p:nvPr/>
+        </p:nvPicPr>
+        <p:blipFill>
+          <a:blip r:embed="rId5">
+            <a:extLst>
+              <a:ext uri="{28A0092B-C50C-407E-A947-70E740481C1C}">
+                <a14:useLocalDpi xmlns:a14="http://schemas.microsoft.com/office/drawing/2010/main" val="0"/>
+              </a:ext>
+            </a:extLst>
+          </a:blip>
+          <a:srcRect/>
+          <a:stretch>
+            <a:fillRect/>
+          </a:stretch>
+        </p:blipFill>
+        <p:spPr bwMode="auto">
+          <a:xfrm>
+            <a:off x="9995694" y="1331057"/>
+            <a:ext cx="1288002" cy="511158"/>
+          </a:xfrm>
+          <a:prstGeom prst="rect">
+            <a:avLst/>
+          </a:prstGeom>
+          <a:noFill/>
+          <a:extLst>
+            <a:ext uri="{909E8E84-426E-40DD-AFC4-6F175D3DCCD1}">
+              <a14:hiddenFill xmlns:a14="http://schemas.microsoft.com/office/drawing/2010/main">
+                <a:solidFill>
+                  <a:srgbClr val="FFFFFF"/>
+                </a:solidFill>
+              </a14:hiddenFill>
+            </a:ext>
+          </a:extLst>
+        </p:spPr>
+      </p:pic>
+      <mc:AlternateContent xmlns:mc="http://schemas.openxmlformats.org/markup-compatibility/2006">
+        <mc:Choice xmlns:a14="http://schemas.microsoft.com/office/drawing/2010/main" Requires="a14">
+          <p:sp>
+            <p:nvSpPr>
+              <p:cNvPr id="18" name="ZoneTexte 17">
+                <a:extLst>
+                  <a:ext uri="{FF2B5EF4-FFF2-40B4-BE49-F238E27FC236}">
+                    <a16:creationId xmlns:a16="http://schemas.microsoft.com/office/drawing/2014/main" id="{0A9CF165-296D-F887-0C36-37F58B287727}"/>
+                  </a:ext>
+                </a:extLst>
+              </p:cNvPr>
+              <p:cNvSpPr txBox="1"/>
+              <p:nvPr/>
+            </p:nvSpPr>
+            <p:spPr>
+              <a:xfrm>
+                <a:off x="1125661" y="4335799"/>
+                <a:ext cx="1968679" cy="698717"/>
+              </a:xfrm>
+              <a:prstGeom prst="rect">
+                <a:avLst/>
+              </a:prstGeom>
+              <a:solidFill>
+                <a:schemeClr val="bg1">
+                  <a:lumMod val="95000"/>
+                </a:schemeClr>
+              </a:solidFill>
+            </p:spPr>
+            <p:txBody>
+              <a:bodyPr wrap="none" lIns="0" tIns="0" rIns="0" bIns="0" rtlCol="0">
+                <a:spAutoFit/>
+              </a:bodyPr>
+              <a:lstStyle/>
+              <a:p>
+                <a:pPr/>
+                <a14:m>
+                  <m:oMathPara xmlns:m="http://schemas.openxmlformats.org/officeDocument/2006/math">
+                    <m:oMathParaPr>
+                      <m:jc m:val="centerGroup"/>
+                    </m:oMathParaPr>
+                    <m:oMath xmlns:m="http://schemas.openxmlformats.org/officeDocument/2006/math">
+                      <m:r>
+                        <a:rPr lang="fr-FR" sz="2400" b="0" i="1" smtClean="0">
+                          <a:latin typeface="Cambria Math" panose="02040503050406030204" pitchFamily="18" charset="0"/>
+                        </a:rPr>
+                        <m:t>𝐴</m:t>
+                      </m:r>
+                      <m:r>
+                        <a:rPr lang="fr-FR" sz="2400" b="0" i="1" smtClean="0">
+                          <a:latin typeface="Cambria Math" panose="02040503050406030204" pitchFamily="18" charset="0"/>
+                        </a:rPr>
+                        <m:t>= </m:t>
+                      </m:r>
+                      <m:d>
+                        <m:dPr>
+                          <m:ctrlPr>
+                            <a:rPr lang="fr-FR" sz="2400" b="0" i="1" smtClean="0">
+                              <a:latin typeface="Cambria Math" panose="02040503050406030204" pitchFamily="18" charset="0"/>
+                            </a:rPr>
+                          </m:ctrlPr>
+                        </m:dPr>
+                        <m:e>
+                          <m:m>
+                            <m:mPr>
+                              <m:mcs>
+                                <m:mc>
+                                  <m:mcPr>
+                                    <m:count m:val="2"/>
+                                    <m:mcJc m:val="center"/>
+                                  </m:mcPr>
+                                </m:mc>
+                              </m:mcs>
+                              <m:ctrlPr>
+                                <a:rPr lang="fr-FR" sz="2400" b="0" i="1" smtClean="0">
+                                  <a:latin typeface="Cambria Math" panose="02040503050406030204" pitchFamily="18" charset="0"/>
+                                </a:rPr>
+                              </m:ctrlPr>
+                            </m:mPr>
+                            <m:mr>
+                              <m:e>
+                                <m:sSub>
+                                  <m:sSubPr>
+                                    <m:ctrlPr>
+                                      <a:rPr lang="fr-FR" sz="2400" i="1">
+                                        <a:latin typeface="Cambria Math" panose="02040503050406030204" pitchFamily="18" charset="0"/>
+                                      </a:rPr>
+                                    </m:ctrlPr>
+                                  </m:sSubPr>
+                                  <m:e>
+                                    <m:r>
+                                      <a:rPr lang="fr-FR" sz="2400" i="1">
+                                        <a:latin typeface="Cambria Math" panose="02040503050406030204" pitchFamily="18" charset="0"/>
+                                      </a:rPr>
+                                      <m:t>𝑎</m:t>
+                                    </m:r>
+                                  </m:e>
+                                  <m:sub>
+                                    <m:r>
+                                      <a:rPr lang="fr-FR" sz="2400" i="1">
+                                        <a:latin typeface="Cambria Math" panose="02040503050406030204" pitchFamily="18" charset="0"/>
+                                      </a:rPr>
+                                      <m:t>1</m:t>
+                                    </m:r>
+                                  </m:sub>
+                                </m:sSub>
+                              </m:e>
+                              <m:e>
+                                <m:sSub>
+                                  <m:sSubPr>
+                                    <m:ctrlPr>
+                                      <a:rPr lang="fr-FR" sz="2400" i="1">
+                                        <a:latin typeface="Cambria Math" panose="02040503050406030204" pitchFamily="18" charset="0"/>
+                                      </a:rPr>
+                                    </m:ctrlPr>
+                                  </m:sSubPr>
+                                  <m:e>
+                                    <m:r>
+                                      <a:rPr lang="fr-FR" sz="2400" b="0" i="1" smtClean="0">
+                                        <a:latin typeface="Cambria Math" panose="02040503050406030204" pitchFamily="18" charset="0"/>
+                                      </a:rPr>
+                                      <m:t>𝑏</m:t>
+                                    </m:r>
+                                  </m:e>
+                                  <m:sub>
+                                    <m:r>
+                                      <a:rPr lang="fr-FR" sz="2400" i="1">
+                                        <a:latin typeface="Cambria Math" panose="02040503050406030204" pitchFamily="18" charset="0"/>
+                                      </a:rPr>
+                                      <m:t>1</m:t>
+                                    </m:r>
+                                  </m:sub>
+                                </m:sSub>
+                              </m:e>
+                            </m:mr>
+                            <m:mr>
+                              <m:e>
+                                <m:sSub>
+                                  <m:sSubPr>
+                                    <m:ctrlPr>
+                                      <a:rPr lang="fr-FR" sz="2400" i="1">
+                                        <a:latin typeface="Cambria Math" panose="02040503050406030204" pitchFamily="18" charset="0"/>
+                                      </a:rPr>
+                                    </m:ctrlPr>
+                                  </m:sSubPr>
+                                  <m:e>
+                                    <m:r>
+                                      <a:rPr lang="fr-FR" sz="2400" i="1">
+                                        <a:latin typeface="Cambria Math" panose="02040503050406030204" pitchFamily="18" charset="0"/>
+                                      </a:rPr>
+                                      <m:t>𝑎</m:t>
+                                    </m:r>
+                                  </m:e>
+                                  <m:sub>
+                                    <m:r>
+                                      <a:rPr lang="fr-FR" sz="2400" b="0" i="1" smtClean="0">
+                                        <a:latin typeface="Cambria Math" panose="02040503050406030204" pitchFamily="18" charset="0"/>
+                                      </a:rPr>
+                                      <m:t>2</m:t>
+                                    </m:r>
+                                  </m:sub>
+                                </m:sSub>
+                              </m:e>
+                              <m:e>
+                                <m:sSub>
+                                  <m:sSubPr>
+                                    <m:ctrlPr>
+                                      <a:rPr lang="fr-FR" sz="2400" i="1">
+                                        <a:latin typeface="Cambria Math" panose="02040503050406030204" pitchFamily="18" charset="0"/>
+                                      </a:rPr>
+                                    </m:ctrlPr>
+                                  </m:sSubPr>
+                                  <m:e>
+                                    <m:r>
+                                      <a:rPr lang="fr-FR" sz="2400" b="0" i="1" smtClean="0">
+                                        <a:latin typeface="Cambria Math" panose="02040503050406030204" pitchFamily="18" charset="0"/>
+                                      </a:rPr>
+                                      <m:t>𝑏</m:t>
+                                    </m:r>
+                                  </m:e>
+                                  <m:sub>
+                                    <m:r>
+                                      <a:rPr lang="fr-FR" sz="2400" b="0" i="1" smtClean="0">
+                                        <a:latin typeface="Cambria Math" panose="02040503050406030204" pitchFamily="18" charset="0"/>
+                                      </a:rPr>
+                                      <m:t>2</m:t>
+                                    </m:r>
+                                  </m:sub>
+                                </m:sSub>
+                              </m:e>
+                            </m:mr>
+                          </m:m>
+                        </m:e>
+                      </m:d>
+                    </m:oMath>
+                  </m:oMathPara>
+                </a14:m>
+                <a:endParaRPr lang="fr-FR" sz="2400" dirty="0"/>
+              </a:p>
+            </p:txBody>
+          </p:sp>
+        </mc:Choice>
+        <mc:Fallback>
+          <p:sp>
+            <p:nvSpPr>
+              <p:cNvPr id="18" name="ZoneTexte 17">
+                <a:extLst>
+                  <a:ext uri="{FF2B5EF4-FFF2-40B4-BE49-F238E27FC236}">
+                    <a16:creationId xmlns:a16="http://schemas.microsoft.com/office/drawing/2014/main" id="{0A9CF165-296D-F887-0C36-37F58B287727}"/>
+                  </a:ext>
+                </a:extLst>
+              </p:cNvPr>
+              <p:cNvSpPr txBox="1">
+                <a:spLocks noRot="1" noChangeAspect="1" noMove="1" noResize="1" noEditPoints="1" noAdjustHandles="1" noChangeArrowheads="1" noChangeShapeType="1" noTextEdit="1"/>
+              </p:cNvSpPr>
+              <p:nvPr/>
+            </p:nvSpPr>
+            <p:spPr>
+              <a:xfrm>
+                <a:off x="1125661" y="4335799"/>
+                <a:ext cx="1968679" cy="698717"/>
+              </a:xfrm>
+              <a:prstGeom prst="rect">
+                <a:avLst/>
+              </a:prstGeom>
+              <a:blipFill>
+                <a:blip r:embed="rId6"/>
+                <a:stretch>
+                  <a:fillRect/>
+                </a:stretch>
+              </a:blipFill>
+            </p:spPr>
+            <p:txBody>
+              <a:bodyPr/>
+              <a:lstStyle/>
+              <a:p>
+                <a:r>
+                  <a:rPr lang="fr-FR">
+                    <a:noFill/>
+                  </a:rPr>
+                  <a:t> </a:t>
+                </a:r>
+              </a:p>
+            </p:txBody>
+          </p:sp>
+        </mc:Fallback>
+      </mc:AlternateContent>
+      <mc:AlternateContent xmlns:mc="http://schemas.openxmlformats.org/markup-compatibility/2006">
+        <mc:Choice xmlns:a14="http://schemas.microsoft.com/office/drawing/2010/main" Requires="a14">
+          <p:sp>
+            <p:nvSpPr>
+              <p:cNvPr id="19" name="ZoneTexte 18">
+                <a:extLst>
+                  <a:ext uri="{FF2B5EF4-FFF2-40B4-BE49-F238E27FC236}">
+                    <a16:creationId xmlns:a16="http://schemas.microsoft.com/office/drawing/2014/main" id="{7FD5D980-9B2B-D827-E5D9-62C5142899C9}"/>
+                  </a:ext>
+                </a:extLst>
+              </p:cNvPr>
+              <p:cNvSpPr txBox="1"/>
+              <p:nvPr/>
+            </p:nvSpPr>
+            <p:spPr>
+              <a:xfrm>
+                <a:off x="3622856" y="4376354"/>
+                <a:ext cx="1228477" cy="578300"/>
+              </a:xfrm>
+              <a:prstGeom prst="rect">
+                <a:avLst/>
+              </a:prstGeom>
+              <a:solidFill>
+                <a:schemeClr val="bg1">
+                  <a:lumMod val="95000"/>
+                </a:schemeClr>
+              </a:solidFill>
+            </p:spPr>
+            <p:txBody>
+              <a:bodyPr wrap="none" lIns="0" tIns="0" rIns="0" bIns="0" rtlCol="0">
+                <a:spAutoFit/>
+              </a:bodyPr>
+              <a:lstStyle/>
+              <a:p>
+                <a:pPr/>
+                <a14:m>
+                  <m:oMathPara xmlns:m="http://schemas.openxmlformats.org/officeDocument/2006/math">
+                    <m:oMathParaPr>
+                      <m:jc m:val="centerGroup"/>
+                    </m:oMathParaPr>
+                    <m:oMath xmlns:m="http://schemas.openxmlformats.org/officeDocument/2006/math">
+                      <m:r>
+                        <a:rPr lang="fr-FR" sz="2400" b="0" i="1" smtClean="0">
+                          <a:latin typeface="Cambria Math" panose="02040503050406030204" pitchFamily="18" charset="0"/>
+                        </a:rPr>
+                        <m:t>𝑏</m:t>
+                      </m:r>
+                      <m:r>
+                        <a:rPr lang="fr-FR" sz="2400" b="0" i="1" smtClean="0">
+                          <a:latin typeface="Cambria Math" panose="02040503050406030204" pitchFamily="18" charset="0"/>
+                        </a:rPr>
+                        <m:t>= </m:t>
+                      </m:r>
+                      <m:d>
+                        <m:dPr>
+                          <m:ctrlPr>
+                            <a:rPr lang="fr-FR" sz="2400" b="0" i="1" smtClean="0">
+                              <a:latin typeface="Cambria Math" panose="02040503050406030204" pitchFamily="18" charset="0"/>
+                            </a:rPr>
+                          </m:ctrlPr>
+                        </m:dPr>
+                        <m:e>
+                          <m:eqArr>
+                            <m:eqArrPr>
+                              <m:ctrlPr>
+                                <a:rPr lang="fr-FR" sz="2400" b="0" i="1" smtClean="0">
+                                  <a:latin typeface="Cambria Math" panose="02040503050406030204" pitchFamily="18" charset="0"/>
+                                </a:rPr>
+                              </m:ctrlPr>
+                            </m:eqArrPr>
+                            <m:e>
+                              <m:sSub>
+                                <m:sSubPr>
+                                  <m:ctrlPr>
+                                    <a:rPr lang="fr-FR" i="1">
+                                      <a:latin typeface="Cambria Math" panose="02040503050406030204" pitchFamily="18" charset="0"/>
+                                    </a:rPr>
+                                  </m:ctrlPr>
+                                </m:sSubPr>
+                                <m:e>
+                                  <m:r>
+                                    <a:rPr lang="fr-FR" i="1">
+                                      <a:latin typeface="Cambria Math" panose="02040503050406030204" pitchFamily="18" charset="0"/>
+                                    </a:rPr>
+                                    <m:t>𝑐</m:t>
+                                  </m:r>
+                                </m:e>
+                                <m:sub>
+                                  <m:r>
+                                    <a:rPr lang="fr-FR" i="1">
+                                      <a:latin typeface="Cambria Math" panose="02040503050406030204" pitchFamily="18" charset="0"/>
+                                    </a:rPr>
+                                    <m:t>1</m:t>
+                                  </m:r>
+                                </m:sub>
+                              </m:sSub>
+                            </m:e>
+                            <m:e>
+                              <m:sSub>
+                                <m:sSubPr>
+                                  <m:ctrlPr>
+                                    <a:rPr lang="fr-FR" i="1">
+                                      <a:latin typeface="Cambria Math" panose="02040503050406030204" pitchFamily="18" charset="0"/>
+                                    </a:rPr>
+                                  </m:ctrlPr>
+                                </m:sSubPr>
+                                <m:e>
+                                  <m:r>
+                                    <a:rPr lang="fr-FR" i="1">
+                                      <a:latin typeface="Cambria Math" panose="02040503050406030204" pitchFamily="18" charset="0"/>
+                                    </a:rPr>
+                                    <m:t>𝑐</m:t>
+                                  </m:r>
+                                </m:e>
+                                <m:sub>
+                                  <m:r>
+                                    <a:rPr lang="fr-FR" b="0" i="1" smtClean="0">
+                                      <a:latin typeface="Cambria Math" panose="02040503050406030204" pitchFamily="18" charset="0"/>
+                                    </a:rPr>
+                                    <m:t>2</m:t>
+                                  </m:r>
+                                </m:sub>
+                              </m:sSub>
+                            </m:e>
+                          </m:eqArr>
+                        </m:e>
+                      </m:d>
+                    </m:oMath>
+                  </m:oMathPara>
+                </a14:m>
+                <a:endParaRPr lang="fr-FR" sz="2400" dirty="0"/>
+              </a:p>
+            </p:txBody>
+          </p:sp>
+        </mc:Choice>
+        <mc:Fallback>
+          <p:sp>
+            <p:nvSpPr>
+              <p:cNvPr id="19" name="ZoneTexte 18">
+                <a:extLst>
+                  <a:ext uri="{FF2B5EF4-FFF2-40B4-BE49-F238E27FC236}">
+                    <a16:creationId xmlns:a16="http://schemas.microsoft.com/office/drawing/2014/main" id="{7FD5D980-9B2B-D827-E5D9-62C5142899C9}"/>
+                  </a:ext>
+                </a:extLst>
+              </p:cNvPr>
+              <p:cNvSpPr txBox="1">
+                <a:spLocks noRot="1" noChangeAspect="1" noMove="1" noResize="1" noEditPoints="1" noAdjustHandles="1" noChangeArrowheads="1" noChangeShapeType="1" noTextEdit="1"/>
+              </p:cNvSpPr>
+              <p:nvPr/>
+            </p:nvSpPr>
+            <p:spPr>
+              <a:xfrm>
+                <a:off x="3622856" y="4376354"/>
+                <a:ext cx="1228477" cy="578300"/>
+              </a:xfrm>
+              <a:prstGeom prst="rect">
+                <a:avLst/>
+              </a:prstGeom>
+              <a:blipFill>
+                <a:blip r:embed="rId7"/>
+                <a:stretch>
+                  <a:fillRect/>
+                </a:stretch>
+              </a:blipFill>
+            </p:spPr>
+            <p:txBody>
+              <a:bodyPr/>
+              <a:lstStyle/>
+              <a:p>
+                <a:r>
+                  <a:rPr lang="fr-FR">
+                    <a:noFill/>
+                  </a:rPr>
+                  <a:t> </a:t>
+                </a:r>
+              </a:p>
+            </p:txBody>
+          </p:sp>
+        </mc:Fallback>
+      </mc:AlternateContent>
+    </p:spTree>
+    <p:extLst>
+      <p:ext uri="{BB962C8B-B14F-4D97-AF65-F5344CB8AC3E}">
+        <p14:creationId xmlns:p14="http://schemas.microsoft.com/office/powerpoint/2010/main" val="1310004895"/>
+      </p:ext>
+    </p:extLst>
+  </p:cSld>
+  <p:clrMapOvr>
+    <a:masterClrMapping/>
+  </p:clrMapOvr>
+</p:sld>
+</file>
+
+<file path=ppt/slides/slide33.xml><?xml version="1.0" encoding="utf-8"?>
 <p:sld xmlns:a="http://schemas.openxmlformats.org/drawingml/2006/main" xmlns:r="http://schemas.openxmlformats.org/officeDocument/2006/relationships" xmlns:p="http://schemas.openxmlformats.org/presentationml/2006/main">
   <p:cSld>
     <p:bg>
@@ -23422,7 +26106,7 @@
           <a:p>
             <a:fld id="{B2DC25EE-239B-4C5F-AAD1-255A7D5F1EE2}" type="slidenum">
               <a:rPr lang="en-US" smtClean="0"/>
-              <a:t>32</a:t>
+              <a:t>33</a:t>
             </a:fld>
             <a:endParaRPr lang="en-US"/>
           </a:p>
@@ -23587,6 +26271,639 @@
     <p:extLst>
       <p:ext uri="{BB962C8B-B14F-4D97-AF65-F5344CB8AC3E}">
         <p14:creationId xmlns:p14="http://schemas.microsoft.com/office/powerpoint/2010/main" val="1583701929"/>
+      </p:ext>
+    </p:extLst>
+  </p:cSld>
+  <p:clrMapOvr>
+    <a:masterClrMapping/>
+  </p:clrMapOvr>
+</p:sld>
+</file>
+
+<file path=ppt/slides/slide34.xml><?xml version="1.0" encoding="utf-8"?>
+<p:sld xmlns:a="http://schemas.openxmlformats.org/drawingml/2006/main" xmlns:r="http://schemas.openxmlformats.org/officeDocument/2006/relationships" xmlns:p="http://schemas.openxmlformats.org/presentationml/2006/main">
+  <p:cSld>
+    <p:spTree>
+      <p:nvGrpSpPr>
+        <p:cNvPr id="1" name=""/>
+        <p:cNvGrpSpPr/>
+        <p:nvPr/>
+      </p:nvGrpSpPr>
+      <p:grpSpPr>
+        <a:xfrm>
+          <a:off x="0" y="0"/>
+          <a:ext cx="0" cy="0"/>
+          <a:chOff x="0" y="0"/>
+          <a:chExt cx="0" cy="0"/>
+        </a:xfrm>
+      </p:grpSpPr>
+      <p:sp>
+        <p:nvSpPr>
+          <p:cNvPr id="2" name="Titre 1">
+            <a:extLst>
+              <a:ext uri="{FF2B5EF4-FFF2-40B4-BE49-F238E27FC236}">
+                <a16:creationId xmlns:a16="http://schemas.microsoft.com/office/drawing/2014/main" id="{90162AE8-C1B0-5C56-8313-DEE494F38273}"/>
+              </a:ext>
+            </a:extLst>
+          </p:cNvPr>
+          <p:cNvSpPr>
+            <a:spLocks noGrp="1"/>
+          </p:cNvSpPr>
+          <p:nvPr>
+            <p:ph type="title"/>
+          </p:nvPr>
+        </p:nvSpPr>
+        <p:spPr/>
+        <p:txBody>
+          <a:bodyPr/>
+          <a:lstStyle/>
+          <a:p>
+            <a:r>
+              <a:rPr lang="fr-FR" dirty="0"/>
+              <a:t>Quelques rappels sous Python</a:t>
+            </a:r>
+          </a:p>
+        </p:txBody>
+      </p:sp>
+      <p:sp>
+        <p:nvSpPr>
+          <p:cNvPr id="3" name="Espace réservé du contenu 2">
+            <a:extLst>
+              <a:ext uri="{FF2B5EF4-FFF2-40B4-BE49-F238E27FC236}">
+                <a16:creationId xmlns:a16="http://schemas.microsoft.com/office/drawing/2014/main" id="{E0BBB9DE-019C-C741-F224-494739D4B752}"/>
+              </a:ext>
+            </a:extLst>
+          </p:cNvPr>
+          <p:cNvSpPr>
+            <a:spLocks noGrp="1"/>
+          </p:cNvSpPr>
+          <p:nvPr>
+            <p:ph sz="half" idx="1"/>
+          </p:nvPr>
+        </p:nvSpPr>
+        <p:spPr/>
+        <p:txBody>
+          <a:bodyPr/>
+          <a:lstStyle/>
+          <a:p>
+            <a:r>
+              <a:rPr lang="fr-FR" dirty="0"/>
+              <a:t>Try / </a:t>
+            </a:r>
+            <a:r>
+              <a:rPr lang="fr-FR" dirty="0" err="1"/>
+              <a:t>Except</a:t>
+            </a:r>
+            <a:r>
+              <a:rPr lang="fr-FR" dirty="0"/>
+              <a:t> (</a:t>
+            </a:r>
+            <a:r>
+              <a:rPr lang="fr-FR" dirty="0" err="1"/>
+              <a:t>ValueError</a:t>
+            </a:r>
+            <a:r>
+              <a:rPr lang="fr-FR" dirty="0"/>
+              <a:t>…)</a:t>
+            </a:r>
+          </a:p>
+        </p:txBody>
+      </p:sp>
+      <p:pic>
+        <p:nvPicPr>
+          <p:cNvPr id="5" name="Image 4" descr="Une image contenant texte&#10;&#10;Description générée automatiquement">
+            <a:extLst>
+              <a:ext uri="{FF2B5EF4-FFF2-40B4-BE49-F238E27FC236}">
+                <a16:creationId xmlns:a16="http://schemas.microsoft.com/office/drawing/2014/main" id="{66D2630B-81F4-A4EB-21BA-8B90CF30BD92}"/>
+              </a:ext>
+            </a:extLst>
+          </p:cNvPr>
+          <p:cNvPicPr>
+            <a:picLocks noChangeAspect="1"/>
+          </p:cNvPicPr>
+          <p:nvPr/>
+        </p:nvPicPr>
+        <p:blipFill>
+          <a:blip r:embed="rId2">
+            <a:extLst>
+              <a:ext uri="{28A0092B-C50C-407E-A947-70E740481C1C}">
+                <a14:useLocalDpi xmlns:a14="http://schemas.microsoft.com/office/drawing/2010/main" val="0"/>
+              </a:ext>
+            </a:extLst>
+          </a:blip>
+          <a:stretch>
+            <a:fillRect/>
+          </a:stretch>
+        </p:blipFill>
+        <p:spPr>
+          <a:xfrm>
+            <a:off x="202922" y="5934456"/>
+            <a:ext cx="1825291" cy="749808"/>
+          </a:xfrm>
+          <a:prstGeom prst="rect">
+            <a:avLst/>
+          </a:prstGeom>
+        </p:spPr>
+      </p:pic>
+      <p:pic>
+        <p:nvPicPr>
+          <p:cNvPr id="7" name="Image 6">
+            <a:extLst>
+              <a:ext uri="{FF2B5EF4-FFF2-40B4-BE49-F238E27FC236}">
+                <a16:creationId xmlns:a16="http://schemas.microsoft.com/office/drawing/2014/main" id="{5BB01D49-602A-9314-FD1F-4EC628128217}"/>
+              </a:ext>
+            </a:extLst>
+          </p:cNvPr>
+          <p:cNvPicPr>
+            <a:picLocks noChangeAspect="1"/>
+          </p:cNvPicPr>
+          <p:nvPr/>
+        </p:nvPicPr>
+        <p:blipFill>
+          <a:blip r:embed="rId3"/>
+          <a:stretch>
+            <a:fillRect/>
+          </a:stretch>
+        </p:blipFill>
+        <p:spPr>
+          <a:xfrm>
+            <a:off x="10077926" y="593679"/>
+            <a:ext cx="1081825" cy="1089498"/>
+          </a:xfrm>
+          <a:prstGeom prst="rect">
+            <a:avLst/>
+          </a:prstGeom>
+        </p:spPr>
+      </p:pic>
+      <p:sp>
+        <p:nvSpPr>
+          <p:cNvPr id="14" name="Espace réservé du contenu 13">
+            <a:extLst>
+              <a:ext uri="{FF2B5EF4-FFF2-40B4-BE49-F238E27FC236}">
+                <a16:creationId xmlns:a16="http://schemas.microsoft.com/office/drawing/2014/main" id="{CA123098-7DF5-3C3F-1F6B-F3FE7B39E1E2}"/>
+              </a:ext>
+            </a:extLst>
+          </p:cNvPr>
+          <p:cNvSpPr>
+            <a:spLocks noGrp="1"/>
+          </p:cNvSpPr>
+          <p:nvPr>
+            <p:ph sz="half" idx="2"/>
+          </p:nvPr>
+        </p:nvSpPr>
+        <p:spPr/>
+        <p:txBody>
+          <a:bodyPr/>
+          <a:lstStyle/>
+          <a:p>
+            <a:endParaRPr lang="fr-FR" dirty="0"/>
+          </a:p>
+        </p:txBody>
+      </p:sp>
+      <p:pic>
+        <p:nvPicPr>
+          <p:cNvPr id="16" name="Image 15">
+            <a:extLst>
+              <a:ext uri="{FF2B5EF4-FFF2-40B4-BE49-F238E27FC236}">
+                <a16:creationId xmlns:a16="http://schemas.microsoft.com/office/drawing/2014/main" id="{40681AA8-5305-6308-CECD-FD4BEB3BB437}"/>
+              </a:ext>
+            </a:extLst>
+          </p:cNvPr>
+          <p:cNvPicPr>
+            <a:picLocks noChangeAspect="1"/>
+          </p:cNvPicPr>
+          <p:nvPr/>
+        </p:nvPicPr>
+        <p:blipFill>
+          <a:blip r:embed="rId4"/>
+          <a:stretch>
+            <a:fillRect/>
+          </a:stretch>
+        </p:blipFill>
+        <p:spPr>
+          <a:xfrm>
+            <a:off x="2320821" y="3333136"/>
+            <a:ext cx="4513912" cy="3351128"/>
+          </a:xfrm>
+          <a:prstGeom prst="rect">
+            <a:avLst/>
+          </a:prstGeom>
+        </p:spPr>
+      </p:pic>
+      <p:sp>
+        <p:nvSpPr>
+          <p:cNvPr id="4" name="Espace réservé du numéro de diapositive 3">
+            <a:extLst>
+              <a:ext uri="{FF2B5EF4-FFF2-40B4-BE49-F238E27FC236}">
+                <a16:creationId xmlns:a16="http://schemas.microsoft.com/office/drawing/2014/main" id="{EC40FBD8-BBB0-F05E-F823-60664E26FC53}"/>
+              </a:ext>
+            </a:extLst>
+          </p:cNvPr>
+          <p:cNvSpPr>
+            <a:spLocks noGrp="1"/>
+          </p:cNvSpPr>
+          <p:nvPr>
+            <p:ph type="sldNum" sz="quarter" idx="12"/>
+          </p:nvPr>
+        </p:nvSpPr>
+        <p:spPr/>
+        <p:txBody>
+          <a:bodyPr/>
+          <a:lstStyle/>
+          <a:p>
+            <a:fld id="{B2DC25EE-239B-4C5F-AAD1-255A7D5F1EE2}" type="slidenum">
+              <a:rPr lang="en-US" smtClean="0"/>
+              <a:t>34</a:t>
+            </a:fld>
+            <a:endParaRPr lang="en-US"/>
+          </a:p>
+        </p:txBody>
+      </p:sp>
+    </p:spTree>
+    <p:extLst>
+      <p:ext uri="{BB962C8B-B14F-4D97-AF65-F5344CB8AC3E}">
+        <p14:creationId xmlns:p14="http://schemas.microsoft.com/office/powerpoint/2010/main" val="1467992273"/>
+      </p:ext>
+    </p:extLst>
+  </p:cSld>
+  <p:clrMapOvr>
+    <a:masterClrMapping/>
+  </p:clrMapOvr>
+</p:sld>
+</file>
+
+<file path=ppt/slides/slide35.xml><?xml version="1.0" encoding="utf-8"?>
+<p:sld xmlns:a="http://schemas.openxmlformats.org/drawingml/2006/main" xmlns:r="http://schemas.openxmlformats.org/officeDocument/2006/relationships" xmlns:p="http://schemas.openxmlformats.org/presentationml/2006/main">
+  <p:cSld>
+    <p:bg>
+      <p:bgPr>
+        <a:solidFill>
+          <a:schemeClr val="accent4">
+            <a:lumMod val="60000"/>
+            <a:lumOff val="40000"/>
+          </a:schemeClr>
+        </a:solidFill>
+        <a:effectLst/>
+      </p:bgPr>
+    </p:bg>
+    <p:spTree>
+      <p:nvGrpSpPr>
+        <p:cNvPr id="1" name=""/>
+        <p:cNvGrpSpPr/>
+        <p:nvPr/>
+      </p:nvGrpSpPr>
+      <p:grpSpPr>
+        <a:xfrm>
+          <a:off x="0" y="0"/>
+          <a:ext cx="0" cy="0"/>
+          <a:chOff x="0" y="0"/>
+          <a:chExt cx="0" cy="0"/>
+        </a:xfrm>
+      </p:grpSpPr>
+      <p:sp>
+        <p:nvSpPr>
+          <p:cNvPr id="2" name="Titre 1">
+            <a:extLst>
+              <a:ext uri="{FF2B5EF4-FFF2-40B4-BE49-F238E27FC236}">
+                <a16:creationId xmlns:a16="http://schemas.microsoft.com/office/drawing/2014/main" id="{90162AE8-C1B0-5C56-8313-DEE494F38273}"/>
+              </a:ext>
+            </a:extLst>
+          </p:cNvPr>
+          <p:cNvSpPr>
+            <a:spLocks noGrp="1"/>
+          </p:cNvSpPr>
+          <p:nvPr>
+            <p:ph type="title"/>
+          </p:nvPr>
+        </p:nvSpPr>
+        <p:spPr/>
+        <p:txBody>
+          <a:bodyPr>
+            <a:normAutofit/>
+          </a:bodyPr>
+          <a:lstStyle/>
+          <a:p>
+            <a:r>
+              <a:rPr lang="fr-FR" dirty="0"/>
+              <a:t>Bibliographie</a:t>
+            </a:r>
+          </a:p>
+        </p:txBody>
+      </p:sp>
+      <p:sp>
+        <p:nvSpPr>
+          <p:cNvPr id="3" name="Espace réservé du contenu 2">
+            <a:extLst>
+              <a:ext uri="{FF2B5EF4-FFF2-40B4-BE49-F238E27FC236}">
+                <a16:creationId xmlns:a16="http://schemas.microsoft.com/office/drawing/2014/main" id="{E0BBB9DE-019C-C741-F224-494739D4B752}"/>
+              </a:ext>
+            </a:extLst>
+          </p:cNvPr>
+          <p:cNvSpPr>
+            <a:spLocks noGrp="1"/>
+          </p:cNvSpPr>
+          <p:nvPr>
+            <p:ph sz="half" idx="1"/>
+          </p:nvPr>
+        </p:nvSpPr>
+        <p:spPr>
+          <a:xfrm>
+            <a:off x="1115567" y="2478024"/>
+            <a:ext cx="10574987" cy="3694176"/>
+          </a:xfrm>
+        </p:spPr>
+        <p:txBody>
+          <a:bodyPr>
+            <a:normAutofit/>
+          </a:bodyPr>
+          <a:lstStyle/>
+          <a:p>
+            <a:r>
+              <a:rPr lang="fr-FR" sz="2000" b="1" i="1" dirty="0"/>
+              <a:t>Python pour le calcul symbolique</a:t>
+            </a:r>
+            <a:r>
+              <a:rPr lang="fr-FR" sz="2000" i="1" dirty="0"/>
+              <a:t>– </a:t>
+            </a:r>
+            <a:r>
+              <a:rPr lang="fr-FR" sz="2000" i="1" dirty="0" err="1"/>
+              <a:t>WikiBooks</a:t>
+            </a:r>
+            <a:br>
+              <a:rPr lang="fr-FR" sz="2000" dirty="0"/>
+            </a:br>
+            <a:r>
+              <a:rPr lang="fr-FR" sz="2000" dirty="0">
+                <a:hlinkClick r:id="rId2"/>
+              </a:rPr>
+              <a:t>https://fr.wikibooks.org/wiki/Python_pour_le_calcul_scientifique</a:t>
+            </a:r>
+            <a:r>
+              <a:rPr lang="fr-FR" sz="2000" dirty="0"/>
+              <a:t> </a:t>
+            </a:r>
+          </a:p>
+        </p:txBody>
+      </p:sp>
+      <p:sp>
+        <p:nvSpPr>
+          <p:cNvPr id="4" name="Espace réservé du numéro de diapositive 3">
+            <a:extLst>
+              <a:ext uri="{FF2B5EF4-FFF2-40B4-BE49-F238E27FC236}">
+                <a16:creationId xmlns:a16="http://schemas.microsoft.com/office/drawing/2014/main" id="{F08CDEFC-50F0-4C47-46AC-D28A2807E4F8}"/>
+              </a:ext>
+            </a:extLst>
+          </p:cNvPr>
+          <p:cNvSpPr>
+            <a:spLocks noGrp="1"/>
+          </p:cNvSpPr>
+          <p:nvPr>
+            <p:ph type="sldNum" sz="quarter" idx="12"/>
+          </p:nvPr>
+        </p:nvSpPr>
+        <p:spPr/>
+        <p:txBody>
+          <a:bodyPr/>
+          <a:lstStyle/>
+          <a:p>
+            <a:fld id="{B2DC25EE-239B-4C5F-AAD1-255A7D5F1EE2}" type="slidenum">
+              <a:rPr lang="en-US" smtClean="0"/>
+              <a:t>35</a:t>
+            </a:fld>
+            <a:endParaRPr lang="en-US" dirty="0"/>
+          </a:p>
+        </p:txBody>
+      </p:sp>
+      <p:pic>
+        <p:nvPicPr>
+          <p:cNvPr id="5" name="Image 4" descr="Une image contenant texte&#10;&#10;Description générée automatiquement">
+            <a:extLst>
+              <a:ext uri="{FF2B5EF4-FFF2-40B4-BE49-F238E27FC236}">
+                <a16:creationId xmlns:a16="http://schemas.microsoft.com/office/drawing/2014/main" id="{66D2630B-81F4-A4EB-21BA-8B90CF30BD92}"/>
+              </a:ext>
+            </a:extLst>
+          </p:cNvPr>
+          <p:cNvPicPr>
+            <a:picLocks noChangeAspect="1"/>
+          </p:cNvPicPr>
+          <p:nvPr/>
+        </p:nvPicPr>
+        <p:blipFill>
+          <a:blip r:embed="rId3">
+            <a:extLst>
+              <a:ext uri="{28A0092B-C50C-407E-A947-70E740481C1C}">
+                <a14:useLocalDpi xmlns:a14="http://schemas.microsoft.com/office/drawing/2010/main" val="0"/>
+              </a:ext>
+            </a:extLst>
+          </a:blip>
+          <a:stretch>
+            <a:fillRect/>
+          </a:stretch>
+        </p:blipFill>
+        <p:spPr>
+          <a:xfrm>
+            <a:off x="202922" y="5934456"/>
+            <a:ext cx="1825291" cy="749808"/>
+          </a:xfrm>
+          <a:prstGeom prst="rect">
+            <a:avLst/>
+          </a:prstGeom>
+        </p:spPr>
+      </p:pic>
+      <p:sp>
+        <p:nvSpPr>
+          <p:cNvPr id="8" name="ZoneTexte 7">
+            <a:extLst>
+              <a:ext uri="{FF2B5EF4-FFF2-40B4-BE49-F238E27FC236}">
+                <a16:creationId xmlns:a16="http://schemas.microsoft.com/office/drawing/2014/main" id="{0C76D9A3-0317-D2DA-4063-0C82F10FBF82}"/>
+              </a:ext>
+            </a:extLst>
+          </p:cNvPr>
+          <p:cNvSpPr txBox="1"/>
+          <p:nvPr/>
+        </p:nvSpPr>
+        <p:spPr>
+          <a:xfrm>
+            <a:off x="7816516" y="216818"/>
+            <a:ext cx="3687548" cy="307777"/>
+          </a:xfrm>
+          <a:prstGeom prst="rect">
+            <a:avLst/>
+          </a:prstGeom>
+          <a:noFill/>
+        </p:spPr>
+        <p:txBody>
+          <a:bodyPr wrap="none" rtlCol="0">
+            <a:spAutoFit/>
+          </a:bodyPr>
+          <a:lstStyle/>
+          <a:p>
+            <a:r>
+              <a:rPr lang="fr-FR" sz="1400" dirty="0"/>
+              <a:t>Document rédigé par Julien VILLEMEJANE</a:t>
+            </a:r>
+          </a:p>
+        </p:txBody>
+      </p:sp>
+      <p:sp>
+        <p:nvSpPr>
+          <p:cNvPr id="9" name="ZoneTexte 8">
+            <a:extLst>
+              <a:ext uri="{FF2B5EF4-FFF2-40B4-BE49-F238E27FC236}">
+                <a16:creationId xmlns:a16="http://schemas.microsoft.com/office/drawing/2014/main" id="{D8EB7AA9-0549-7EC6-53DC-E54B71929AAA}"/>
+              </a:ext>
+            </a:extLst>
+          </p:cNvPr>
+          <p:cNvSpPr txBox="1"/>
+          <p:nvPr/>
+        </p:nvSpPr>
+        <p:spPr>
+          <a:xfrm>
+            <a:off x="8540496" y="495065"/>
+            <a:ext cx="2963568" cy="307777"/>
+          </a:xfrm>
+          <a:prstGeom prst="rect">
+            <a:avLst/>
+          </a:prstGeom>
+          <a:noFill/>
+        </p:spPr>
+        <p:txBody>
+          <a:bodyPr wrap="none" rtlCol="0">
+            <a:spAutoFit/>
+          </a:bodyPr>
+          <a:lstStyle/>
+          <a:p>
+            <a:r>
+              <a:rPr lang="fr-FR" sz="1400" dirty="0" err="1"/>
+              <a:t>LEnsE</a:t>
+            </a:r>
+            <a:r>
+              <a:rPr lang="fr-FR" sz="1400" dirty="0"/>
+              <a:t> / Institut d’Optique / France</a:t>
+            </a:r>
+          </a:p>
+        </p:txBody>
+      </p:sp>
+      <p:sp>
+        <p:nvSpPr>
+          <p:cNvPr id="10" name="ZoneTexte 9">
+            <a:extLst>
+              <a:ext uri="{FF2B5EF4-FFF2-40B4-BE49-F238E27FC236}">
+                <a16:creationId xmlns:a16="http://schemas.microsoft.com/office/drawing/2014/main" id="{DD63F07E-350C-98D6-74C9-5AF9CE8BF7A5}"/>
+              </a:ext>
+            </a:extLst>
+          </p:cNvPr>
+          <p:cNvSpPr txBox="1"/>
+          <p:nvPr/>
+        </p:nvSpPr>
+        <p:spPr>
+          <a:xfrm>
+            <a:off x="8904250" y="993522"/>
+            <a:ext cx="2599814" cy="307777"/>
+          </a:xfrm>
+          <a:prstGeom prst="rect">
+            <a:avLst/>
+          </a:prstGeom>
+          <a:noFill/>
+        </p:spPr>
+        <p:txBody>
+          <a:bodyPr wrap="none" rtlCol="0">
+            <a:spAutoFit/>
+          </a:bodyPr>
+          <a:lstStyle/>
+          <a:p>
+            <a:r>
+              <a:rPr lang="fr-FR" sz="1400" dirty="0">
+                <a:hlinkClick r:id="rId4"/>
+              </a:rPr>
+              <a:t>http://lense.institutoptique.fr/</a:t>
+            </a:r>
+            <a:endParaRPr lang="fr-FR" sz="1400" dirty="0"/>
+          </a:p>
+        </p:txBody>
+      </p:sp>
+      <p:cxnSp>
+        <p:nvCxnSpPr>
+          <p:cNvPr id="11" name="Connecteur droit 10">
+            <a:extLst>
+              <a:ext uri="{FF2B5EF4-FFF2-40B4-BE49-F238E27FC236}">
+                <a16:creationId xmlns:a16="http://schemas.microsoft.com/office/drawing/2014/main" id="{F4265E24-A10F-EE45-5E0C-6A87B4BC3196}"/>
+              </a:ext>
+            </a:extLst>
+          </p:cNvPr>
+          <p:cNvCxnSpPr/>
+          <p:nvPr/>
+        </p:nvCxnSpPr>
+        <p:spPr>
+          <a:xfrm>
+            <a:off x="6820524" y="126185"/>
+            <a:ext cx="0" cy="1850749"/>
+          </a:xfrm>
+          <a:prstGeom prst="line">
+            <a:avLst/>
+          </a:prstGeom>
+          <a:ln w="25400">
+            <a:solidFill>
+              <a:srgbClr val="C4CBB2"/>
+            </a:solidFill>
+            <a:prstDash val="dashDot"/>
+          </a:ln>
+        </p:spPr>
+        <p:style>
+          <a:lnRef idx="1">
+            <a:schemeClr val="accent1"/>
+          </a:lnRef>
+          <a:fillRef idx="0">
+            <a:schemeClr val="accent1"/>
+          </a:fillRef>
+          <a:effectRef idx="0">
+            <a:schemeClr val="accent1"/>
+          </a:effectRef>
+          <a:fontRef idx="minor">
+            <a:schemeClr val="tx1"/>
+          </a:fontRef>
+        </p:style>
+      </p:cxnSp>
+      <p:sp>
+        <p:nvSpPr>
+          <p:cNvPr id="13" name="ZoneTexte 12">
+            <a:extLst>
+              <a:ext uri="{FF2B5EF4-FFF2-40B4-BE49-F238E27FC236}">
+                <a16:creationId xmlns:a16="http://schemas.microsoft.com/office/drawing/2014/main" id="{839A3042-2313-5F87-02C8-628C3197E1D5}"/>
+              </a:ext>
+            </a:extLst>
+          </p:cNvPr>
+          <p:cNvSpPr txBox="1"/>
+          <p:nvPr/>
+        </p:nvSpPr>
+        <p:spPr>
+          <a:xfrm>
+            <a:off x="9660290" y="1633897"/>
+            <a:ext cx="1854290" cy="307777"/>
+          </a:xfrm>
+          <a:prstGeom prst="rect">
+            <a:avLst/>
+          </a:prstGeom>
+          <a:noFill/>
+        </p:spPr>
+        <p:txBody>
+          <a:bodyPr wrap="none" rtlCol="0">
+            <a:spAutoFit/>
+          </a:bodyPr>
+          <a:lstStyle/>
+          <a:p>
+            <a:r>
+              <a:rPr lang="fr-FR" sz="1400" dirty="0"/>
+              <a:t>Création : Avril 2023</a:t>
+            </a:r>
+          </a:p>
+        </p:txBody>
+      </p:sp>
+    </p:spTree>
+    <p:extLst>
+      <p:ext uri="{BB962C8B-B14F-4D97-AF65-F5344CB8AC3E}">
+        <p14:creationId xmlns:p14="http://schemas.microsoft.com/office/powerpoint/2010/main" val="699773079"/>
       </p:ext>
     </p:extLst>
   </p:cSld>

--- a/s5_outils_numeriques/b1_outils_numeriques/seance1_demistifier_python/B1_1_Demystifier_Python.pptx
+++ b/s5_outils_numeriques/b1_outils_numeriques/seance1_demistifier_python/B1_1_Demystifier_Python.pptx
@@ -5,7 +5,7 @@
     <p:sldMasterId id="2147483711" r:id="rId1"/>
   </p:sldMasterIdLst>
   <p:notesMasterIdLst>
-    <p:notesMasterId r:id="rId37"/>
+    <p:notesMasterId r:id="rId38"/>
   </p:notesMasterIdLst>
   <p:sldIdLst>
     <p:sldId id="256" r:id="rId2"/>
@@ -26,23 +26,24 @@
     <p:sldId id="293" r:id="rId17"/>
     <p:sldId id="295" r:id="rId18"/>
     <p:sldId id="288" r:id="rId19"/>
-    <p:sldId id="264" r:id="rId20"/>
-    <p:sldId id="266" r:id="rId21"/>
-    <p:sldId id="296" r:id="rId22"/>
-    <p:sldId id="297" r:id="rId23"/>
-    <p:sldId id="261" r:id="rId24"/>
-    <p:sldId id="298" r:id="rId25"/>
-    <p:sldId id="268" r:id="rId26"/>
-    <p:sldId id="276" r:id="rId27"/>
-    <p:sldId id="287" r:id="rId28"/>
-    <p:sldId id="267" r:id="rId29"/>
-    <p:sldId id="280" r:id="rId30"/>
-    <p:sldId id="262" r:id="rId31"/>
-    <p:sldId id="301" r:id="rId32"/>
-    <p:sldId id="302" r:id="rId33"/>
-    <p:sldId id="278" r:id="rId34"/>
-    <p:sldId id="263" r:id="rId35"/>
-    <p:sldId id="299" r:id="rId36"/>
+    <p:sldId id="280" r:id="rId20"/>
+    <p:sldId id="276" r:id="rId21"/>
+    <p:sldId id="264" r:id="rId22"/>
+    <p:sldId id="266" r:id="rId23"/>
+    <p:sldId id="296" r:id="rId24"/>
+    <p:sldId id="297" r:id="rId25"/>
+    <p:sldId id="261" r:id="rId26"/>
+    <p:sldId id="298" r:id="rId27"/>
+    <p:sldId id="268" r:id="rId28"/>
+    <p:sldId id="303" r:id="rId29"/>
+    <p:sldId id="287" r:id="rId30"/>
+    <p:sldId id="267" r:id="rId31"/>
+    <p:sldId id="262" r:id="rId32"/>
+    <p:sldId id="301" r:id="rId33"/>
+    <p:sldId id="302" r:id="rId34"/>
+    <p:sldId id="278" r:id="rId35"/>
+    <p:sldId id="263" r:id="rId36"/>
+    <p:sldId id="299" r:id="rId37"/>
   </p:sldIdLst>
   <p:sldSz cx="12192000" cy="6858000"/>
   <p:notesSz cx="6858000" cy="9144000"/>
@@ -231,7 +232,7 @@
           <a:p>
             <a:fld id="{E95F58B1-F1E7-421E-8CAB-1142E22FAA94}" type="datetimeFigureOut">
               <a:rPr lang="fr-FR" smtClean="0"/>
-              <a:t>25/04/2023</a:t>
+              <a:t>26/04/2023</a:t>
             </a:fld>
             <a:endParaRPr lang="fr-FR"/>
           </a:p>
@@ -1830,7 +1831,7 @@
           <a:p>
             <a:fld id="{2C6A9BE2-48D6-45F3-A4B0-8BE7C1136124}" type="datetime1">
               <a:rPr lang="en-US" smtClean="0"/>
-              <a:t>4/25/2023</a:t>
+              <a:t>4/26/2023</a:t>
             </a:fld>
             <a:endParaRPr lang="en-US" dirty="0"/>
           </a:p>
@@ -2200,7 +2201,7 @@
           <a:p>
             <a:fld id="{207990F5-EACC-4966-A287-4B4216F53718}" type="datetime1">
               <a:rPr lang="en-US" smtClean="0"/>
-              <a:t>4/25/2023</a:t>
+              <a:t>4/26/2023</a:t>
             </a:fld>
             <a:endParaRPr lang="en-US"/>
           </a:p>
@@ -2409,7 +2410,7 @@
           <a:p>
             <a:fld id="{8DBF913E-3F18-4AE4-A521-5546F23394FD}" type="datetime1">
               <a:rPr lang="en-US" smtClean="0"/>
-              <a:t>4/25/2023</a:t>
+              <a:t>4/26/2023</a:t>
             </a:fld>
             <a:endParaRPr lang="en-US"/>
           </a:p>
@@ -2879,7 +2880,7 @@
           <a:p>
             <a:fld id="{421071EA-A2A1-4B83-9FE9-827C1480F45E}" type="datetime1">
               <a:rPr lang="en-US" smtClean="0"/>
-              <a:t>4/25/2023</a:t>
+              <a:t>4/26/2023</a:t>
             </a:fld>
             <a:endParaRPr lang="en-US"/>
           </a:p>
@@ -3333,7 +3334,7 @@
           <a:p>
             <a:fld id="{7D2504F1-5060-4C10-BD92-0633042B2812}" type="datetime1">
               <a:rPr lang="en-US" smtClean="0"/>
-              <a:t>4/25/2023</a:t>
+              <a:t>4/26/2023</a:t>
             </a:fld>
             <a:endParaRPr lang="en-US"/>
           </a:p>
@@ -3865,7 +3866,7 @@
           <a:p>
             <a:fld id="{CCF0797F-0516-4828-A9E8-BF81E916FC1D}" type="datetime1">
               <a:rPr lang="en-US" smtClean="0"/>
-              <a:t>4/25/2023</a:t>
+              <a:t>4/26/2023</a:t>
             </a:fld>
             <a:endParaRPr lang="en-US"/>
           </a:p>
@@ -4564,7 +4565,7 @@
           <a:p>
             <a:fld id="{CAC274E3-1008-4E28-BFFC-77C935D233DD}" type="datetime1">
               <a:rPr lang="en-US" smtClean="0"/>
-              <a:t>4/25/2023</a:t>
+              <a:t>4/26/2023</a:t>
             </a:fld>
             <a:endParaRPr lang="en-US"/>
           </a:p>
@@ -4893,7 +4894,7 @@
           <a:p>
             <a:fld id="{81831256-70AB-43BA-B638-B038FD1822DB}" type="datetime1">
               <a:rPr lang="en-US" smtClean="0"/>
-              <a:t>4/25/2023</a:t>
+              <a:t>4/26/2023</a:t>
             </a:fld>
             <a:endParaRPr lang="en-US"/>
           </a:p>
@@ -5006,7 +5007,7 @@
           <a:p>
             <a:fld id="{B4C012F4-50C6-4AFD-90BE-024A8E4A2B02}" type="datetime1">
               <a:rPr lang="en-US" smtClean="0"/>
-              <a:t>4/25/2023</a:t>
+              <a:t>4/26/2023</a:t>
             </a:fld>
             <a:endParaRPr lang="en-US"/>
           </a:p>
@@ -5501,7 +5502,7 @@
           <a:p>
             <a:fld id="{0D6EEE37-F261-4D0D-9D02-D22EFB5FB312}" type="datetime1">
               <a:rPr lang="en-US" smtClean="0"/>
-              <a:t>4/25/2023</a:t>
+              <a:t>4/26/2023</a:t>
             </a:fld>
             <a:endParaRPr lang="en-US" dirty="0"/>
           </a:p>
@@ -5978,7 +5979,7 @@
           <a:p>
             <a:fld id="{5E2207DD-F583-4331-A80F-94A5D95D3F6E}" type="datetime1">
               <a:rPr lang="en-US" smtClean="0"/>
-              <a:t>4/25/2023</a:t>
+              <a:t>4/26/2023</a:t>
             </a:fld>
             <a:endParaRPr lang="en-US"/>
           </a:p>
@@ -6221,7 +6222,7 @@
           <a:p>
             <a:fld id="{DFF62E98-E19A-48A5-B163-ACC3DA57F658}" type="datetime1">
               <a:rPr lang="en-US" smtClean="0"/>
-              <a:t>4/25/2023</a:t>
+              <a:t>4/26/2023</a:t>
             </a:fld>
             <a:endParaRPr lang="en-US"/>
           </a:p>
@@ -14313,6 +14314,16 @@
 <file path=ppt/slides/slide19.xml><?xml version="1.0" encoding="utf-8"?>
 <p:sld xmlns:a="http://schemas.openxmlformats.org/drawingml/2006/main" xmlns:r="http://schemas.openxmlformats.org/officeDocument/2006/relationships" xmlns:p="http://schemas.openxmlformats.org/presentationml/2006/main">
   <p:cSld>
+    <p:bg>
+      <p:bgPr>
+        <a:solidFill>
+          <a:schemeClr val="bg1">
+            <a:lumMod val="95000"/>
+          </a:schemeClr>
+        </a:solidFill>
+        <a:effectLst/>
+      </p:bgPr>
+    </p:bg>
     <p:spTree>
       <p:nvGrpSpPr>
         <p:cNvPr id="1" name=""/>
@@ -14350,7 +14361,7 @@
           <a:p>
             <a:r>
               <a:rPr lang="fr-FR" dirty="0"/>
-              <a:t>Quelques rappels sous Python</a:t>
+              <a:t>Trucs et Astuces</a:t>
             </a:r>
           </a:p>
         </p:txBody>
@@ -14377,8 +14388,8 @@
           <a:lstStyle/>
           <a:p>
             <a:r>
-              <a:rPr lang="fr-FR" dirty="0"/>
-              <a:t>Utilisation de bibliothèques</a:t>
+              <a:rPr lang="fr-FR" i="1" dirty="0"/>
+              <a:t>Variable explorer</a:t>
             </a:r>
           </a:p>
         </p:txBody>
@@ -14421,501 +14432,10 @@
       </p:pic>
       <p:pic>
         <p:nvPicPr>
-          <p:cNvPr id="7" name="Image 6">
-            <a:extLst>
-              <a:ext uri="{FF2B5EF4-FFF2-40B4-BE49-F238E27FC236}">
-                <a16:creationId xmlns:a16="http://schemas.microsoft.com/office/drawing/2014/main" id="{5BB01D49-602A-9314-FD1F-4EC628128217}"/>
-              </a:ext>
-            </a:extLst>
-          </p:cNvPr>
-          <p:cNvPicPr>
-            <a:picLocks noChangeAspect="1"/>
-          </p:cNvPicPr>
-          <p:nvPr/>
-        </p:nvPicPr>
-        <p:blipFill>
-          <a:blip r:embed="rId3"/>
-          <a:stretch>
-            <a:fillRect/>
-          </a:stretch>
-        </p:blipFill>
-        <p:spPr>
-          <a:xfrm>
-            <a:off x="10077926" y="593679"/>
-            <a:ext cx="1081825" cy="1089498"/>
-          </a:xfrm>
-          <a:prstGeom prst="rect">
-            <a:avLst/>
-          </a:prstGeom>
-        </p:spPr>
-      </p:pic>
-      <p:sp>
-        <p:nvSpPr>
-          <p:cNvPr id="13" name="ZoneTexte 12">
-            <a:extLst>
-              <a:ext uri="{FF2B5EF4-FFF2-40B4-BE49-F238E27FC236}">
-                <a16:creationId xmlns:a16="http://schemas.microsoft.com/office/drawing/2014/main" id="{C4BAF194-1DAB-D8B5-3DF2-147C9B78F1A3}"/>
-              </a:ext>
-            </a:extLst>
-          </p:cNvPr>
-          <p:cNvSpPr txBox="1"/>
-          <p:nvPr/>
-        </p:nvSpPr>
-        <p:spPr>
-          <a:xfrm>
-            <a:off x="824860" y="3090446"/>
-            <a:ext cx="4765173" cy="677108"/>
-          </a:xfrm>
-          <a:prstGeom prst="rect">
-            <a:avLst/>
-          </a:prstGeom>
-          <a:solidFill>
-            <a:schemeClr val="accent1">
-              <a:lumMod val="60000"/>
-              <a:lumOff val="40000"/>
-            </a:schemeClr>
-          </a:solidFill>
-        </p:spPr>
-        <p:txBody>
-          <a:bodyPr wrap="square" rtlCol="0">
-            <a:spAutoFit/>
-          </a:bodyPr>
-          <a:lstStyle/>
-          <a:p>
-            <a:r>
-              <a:rPr lang="fr-FR" b="1" dirty="0"/>
-              <a:t>import</a:t>
-            </a:r>
-            <a:r>
-              <a:rPr lang="fr-FR" dirty="0"/>
-              <a:t> </a:t>
-            </a:r>
-            <a:r>
-              <a:rPr lang="fr-FR" sz="2000" dirty="0" err="1">
-                <a:solidFill>
-                  <a:schemeClr val="bg1"/>
-                </a:solidFill>
-              </a:rPr>
-              <a:t>numpy</a:t>
-            </a:r>
-            <a:endParaRPr lang="fr-FR" dirty="0">
-              <a:solidFill>
-                <a:schemeClr val="bg1"/>
-              </a:solidFill>
-            </a:endParaRPr>
-          </a:p>
-          <a:p>
-            <a:r>
-              <a:rPr lang="it-IT" dirty="0"/>
-              <a:t>ma = </a:t>
-            </a:r>
-            <a:r>
-              <a:rPr lang="it-IT" b="1" dirty="0">
-                <a:solidFill>
-                  <a:schemeClr val="bg1"/>
-                </a:solidFill>
-              </a:rPr>
-              <a:t>numpy</a:t>
-            </a:r>
-            <a:r>
-              <a:rPr lang="it-IT" dirty="0"/>
-              <a:t>.</a:t>
-            </a:r>
-            <a:r>
-              <a:rPr lang="it-IT" b="1" dirty="0"/>
-              <a:t>array</a:t>
-            </a:r>
-            <a:r>
-              <a:rPr lang="it-IT" dirty="0"/>
-              <a:t>( [1, 2, 3] )</a:t>
-            </a:r>
-            <a:endParaRPr lang="fr-FR" b="1" dirty="0"/>
-          </a:p>
-        </p:txBody>
-      </p:sp>
-      <p:sp>
-        <p:nvSpPr>
-          <p:cNvPr id="14" name="ZoneTexte 13">
-            <a:extLst>
-              <a:ext uri="{FF2B5EF4-FFF2-40B4-BE49-F238E27FC236}">
-                <a16:creationId xmlns:a16="http://schemas.microsoft.com/office/drawing/2014/main" id="{0E298DCA-6B4E-62F1-C504-2B8C7D8765E3}"/>
-              </a:ext>
-            </a:extLst>
-          </p:cNvPr>
-          <p:cNvSpPr txBox="1"/>
-          <p:nvPr/>
-        </p:nvSpPr>
-        <p:spPr>
-          <a:xfrm>
-            <a:off x="824858" y="3864852"/>
-            <a:ext cx="4765173" cy="677108"/>
-          </a:xfrm>
-          <a:prstGeom prst="rect">
-            <a:avLst/>
-          </a:prstGeom>
-          <a:solidFill>
-            <a:schemeClr val="accent1">
-              <a:lumMod val="60000"/>
-              <a:lumOff val="40000"/>
-            </a:schemeClr>
-          </a:solidFill>
-        </p:spPr>
-        <p:txBody>
-          <a:bodyPr wrap="square" rtlCol="0">
-            <a:spAutoFit/>
-          </a:bodyPr>
-          <a:lstStyle/>
-          <a:p>
-            <a:r>
-              <a:rPr lang="fr-FR" b="1" dirty="0"/>
-              <a:t>import</a:t>
-            </a:r>
-            <a:r>
-              <a:rPr lang="fr-FR" dirty="0"/>
-              <a:t> </a:t>
-            </a:r>
-            <a:r>
-              <a:rPr lang="fr-FR" sz="2000" dirty="0" err="1">
-                <a:solidFill>
-                  <a:schemeClr val="bg1"/>
-                </a:solidFill>
-              </a:rPr>
-              <a:t>numpy</a:t>
-            </a:r>
-            <a:r>
-              <a:rPr lang="fr-FR" sz="2000" dirty="0">
-                <a:solidFill>
-                  <a:schemeClr val="bg1"/>
-                </a:solidFill>
-              </a:rPr>
-              <a:t> </a:t>
-            </a:r>
-            <a:r>
-              <a:rPr lang="fr-FR" sz="2000" b="1" dirty="0"/>
-              <a:t>as</a:t>
-            </a:r>
-            <a:r>
-              <a:rPr lang="fr-FR" sz="2000" dirty="0">
-                <a:solidFill>
-                  <a:schemeClr val="bg1"/>
-                </a:solidFill>
-              </a:rPr>
-              <a:t> </a:t>
-            </a:r>
-            <a:r>
-              <a:rPr lang="fr-FR" sz="2000" dirty="0" err="1">
-                <a:solidFill>
-                  <a:schemeClr val="bg1"/>
-                </a:solidFill>
-              </a:rPr>
-              <a:t>np</a:t>
-            </a:r>
-            <a:endParaRPr lang="fr-FR" dirty="0">
-              <a:solidFill>
-                <a:schemeClr val="bg1"/>
-              </a:solidFill>
-            </a:endParaRPr>
-          </a:p>
-          <a:p>
-            <a:r>
-              <a:rPr lang="it-IT" dirty="0"/>
-              <a:t>ma = </a:t>
-            </a:r>
-            <a:r>
-              <a:rPr lang="it-IT" b="1" dirty="0">
-                <a:solidFill>
-                  <a:schemeClr val="bg1"/>
-                </a:solidFill>
-              </a:rPr>
-              <a:t>np</a:t>
-            </a:r>
-            <a:r>
-              <a:rPr lang="it-IT" dirty="0"/>
-              <a:t>.</a:t>
-            </a:r>
-            <a:r>
-              <a:rPr lang="it-IT" b="1" dirty="0"/>
-              <a:t>array</a:t>
-            </a:r>
-            <a:r>
-              <a:rPr lang="it-IT" dirty="0"/>
-              <a:t>( [1, 2, 3] )</a:t>
-            </a:r>
-            <a:endParaRPr lang="fr-FR" b="1" dirty="0"/>
-          </a:p>
-        </p:txBody>
-      </p:sp>
-      <p:sp>
-        <p:nvSpPr>
-          <p:cNvPr id="15" name="ZoneTexte 14">
-            <a:extLst>
-              <a:ext uri="{FF2B5EF4-FFF2-40B4-BE49-F238E27FC236}">
-                <a16:creationId xmlns:a16="http://schemas.microsoft.com/office/drawing/2014/main" id="{04FB51D4-DEEE-E2E1-73E5-A3EC50303A6D}"/>
-              </a:ext>
-            </a:extLst>
-          </p:cNvPr>
-          <p:cNvSpPr txBox="1"/>
-          <p:nvPr/>
-        </p:nvSpPr>
-        <p:spPr>
-          <a:xfrm>
-            <a:off x="6344036" y="3074559"/>
-            <a:ext cx="4765173" cy="677108"/>
-          </a:xfrm>
-          <a:prstGeom prst="rect">
-            <a:avLst/>
-          </a:prstGeom>
-          <a:solidFill>
-            <a:schemeClr val="accent1">
-              <a:lumMod val="60000"/>
-              <a:lumOff val="40000"/>
-            </a:schemeClr>
-          </a:solidFill>
-        </p:spPr>
-        <p:txBody>
-          <a:bodyPr wrap="square" rtlCol="0">
-            <a:spAutoFit/>
-          </a:bodyPr>
-          <a:lstStyle/>
-          <a:p>
-            <a:r>
-              <a:rPr lang="fr-FR" b="1" dirty="0" err="1"/>
-              <a:t>from</a:t>
-            </a:r>
-            <a:r>
-              <a:rPr lang="fr-FR" dirty="0"/>
-              <a:t> </a:t>
-            </a:r>
-            <a:r>
-              <a:rPr lang="fr-FR" sz="2000" dirty="0" err="1">
-                <a:solidFill>
-                  <a:schemeClr val="bg1"/>
-                </a:solidFill>
-              </a:rPr>
-              <a:t>matplotlib</a:t>
-            </a:r>
-            <a:r>
-              <a:rPr lang="fr-FR" sz="2000" dirty="0">
-                <a:solidFill>
-                  <a:schemeClr val="bg1"/>
-                </a:solidFill>
-              </a:rPr>
-              <a:t> </a:t>
-            </a:r>
-            <a:r>
-              <a:rPr lang="fr-FR" sz="2000" b="1" dirty="0"/>
-              <a:t>import</a:t>
-            </a:r>
-            <a:r>
-              <a:rPr lang="fr-FR" sz="2000" dirty="0">
-                <a:solidFill>
-                  <a:schemeClr val="bg1"/>
-                </a:solidFill>
-              </a:rPr>
-              <a:t> </a:t>
-            </a:r>
-            <a:r>
-              <a:rPr lang="fr-FR" sz="2000" dirty="0" err="1">
-                <a:solidFill>
-                  <a:schemeClr val="bg1"/>
-                </a:solidFill>
-              </a:rPr>
-              <a:t>pyplot</a:t>
-            </a:r>
-            <a:endParaRPr lang="fr-FR" dirty="0">
-              <a:solidFill>
-                <a:schemeClr val="bg1"/>
-              </a:solidFill>
-            </a:endParaRPr>
-          </a:p>
-          <a:p>
-            <a:r>
-              <a:rPr lang="it-IT" b="1" dirty="0"/>
-              <a:t>pyplot</a:t>
-            </a:r>
-            <a:r>
-              <a:rPr lang="it-IT" dirty="0"/>
-              <a:t>.</a:t>
-            </a:r>
-            <a:r>
-              <a:rPr lang="it-IT" b="1" dirty="0"/>
-              <a:t>figure</a:t>
-            </a:r>
-            <a:r>
-              <a:rPr lang="it-IT" dirty="0"/>
-              <a:t>()</a:t>
-            </a:r>
-            <a:endParaRPr lang="fr-FR" b="1" dirty="0"/>
-          </a:p>
-        </p:txBody>
-      </p:sp>
-      <p:sp>
-        <p:nvSpPr>
-          <p:cNvPr id="16" name="ZoneTexte 15">
-            <a:extLst>
-              <a:ext uri="{FF2B5EF4-FFF2-40B4-BE49-F238E27FC236}">
-                <a16:creationId xmlns:a16="http://schemas.microsoft.com/office/drawing/2014/main" id="{B9EA9777-CCAB-F345-0144-5095DB027A58}"/>
-              </a:ext>
-            </a:extLst>
-          </p:cNvPr>
-          <p:cNvSpPr txBox="1"/>
-          <p:nvPr/>
-        </p:nvSpPr>
-        <p:spPr>
-          <a:xfrm>
-            <a:off x="6344036" y="3872030"/>
-            <a:ext cx="4765173" cy="677108"/>
-          </a:xfrm>
-          <a:prstGeom prst="rect">
-            <a:avLst/>
-          </a:prstGeom>
-          <a:solidFill>
-            <a:schemeClr val="accent1">
-              <a:lumMod val="60000"/>
-              <a:lumOff val="40000"/>
-            </a:schemeClr>
-          </a:solidFill>
-        </p:spPr>
-        <p:txBody>
-          <a:bodyPr wrap="square" rtlCol="0">
-            <a:spAutoFit/>
-          </a:bodyPr>
-          <a:lstStyle/>
-          <a:p>
-            <a:r>
-              <a:rPr lang="fr-FR" b="1" dirty="0" err="1"/>
-              <a:t>from</a:t>
-            </a:r>
-            <a:r>
-              <a:rPr lang="fr-FR" dirty="0"/>
-              <a:t> </a:t>
-            </a:r>
-            <a:r>
-              <a:rPr lang="fr-FR" sz="2000" dirty="0" err="1">
-                <a:solidFill>
-                  <a:schemeClr val="bg1"/>
-                </a:solidFill>
-              </a:rPr>
-              <a:t>matplotlib</a:t>
-            </a:r>
-            <a:r>
-              <a:rPr lang="fr-FR" sz="2000" dirty="0">
-                <a:solidFill>
-                  <a:schemeClr val="bg1"/>
-                </a:solidFill>
-              </a:rPr>
-              <a:t> </a:t>
-            </a:r>
-            <a:r>
-              <a:rPr lang="fr-FR" sz="2000" b="1" dirty="0"/>
-              <a:t>import</a:t>
-            </a:r>
-            <a:r>
-              <a:rPr lang="fr-FR" sz="2000" dirty="0">
-                <a:solidFill>
-                  <a:schemeClr val="bg1"/>
-                </a:solidFill>
-              </a:rPr>
-              <a:t> </a:t>
-            </a:r>
-            <a:r>
-              <a:rPr lang="fr-FR" sz="2000" dirty="0" err="1">
-                <a:solidFill>
-                  <a:schemeClr val="bg1"/>
-                </a:solidFill>
-              </a:rPr>
-              <a:t>pyplot</a:t>
-            </a:r>
-            <a:r>
-              <a:rPr lang="fr-FR" sz="2000" dirty="0">
-                <a:solidFill>
-                  <a:schemeClr val="bg1"/>
-                </a:solidFill>
-              </a:rPr>
-              <a:t> </a:t>
-            </a:r>
-            <a:r>
-              <a:rPr lang="fr-FR" sz="2000" b="1" dirty="0"/>
-              <a:t>as</a:t>
-            </a:r>
-            <a:r>
-              <a:rPr lang="fr-FR" sz="2000" dirty="0">
-                <a:solidFill>
-                  <a:schemeClr val="bg1"/>
-                </a:solidFill>
-              </a:rPr>
-              <a:t> </a:t>
-            </a:r>
-            <a:r>
-              <a:rPr lang="fr-FR" sz="2000" dirty="0" err="1">
-                <a:solidFill>
-                  <a:schemeClr val="bg1"/>
-                </a:solidFill>
-              </a:rPr>
-              <a:t>plt</a:t>
-            </a:r>
-            <a:endParaRPr lang="fr-FR" dirty="0">
-              <a:solidFill>
-                <a:schemeClr val="bg1"/>
-              </a:solidFill>
-            </a:endParaRPr>
-          </a:p>
-          <a:p>
-            <a:r>
-              <a:rPr lang="it-IT" b="1" dirty="0"/>
-              <a:t>plt</a:t>
-            </a:r>
-            <a:r>
-              <a:rPr lang="it-IT" dirty="0"/>
-              <a:t>.</a:t>
-            </a:r>
-            <a:r>
-              <a:rPr lang="it-IT" b="1" dirty="0"/>
-              <a:t>figure</a:t>
-            </a:r>
-            <a:r>
-              <a:rPr lang="it-IT" dirty="0"/>
-              <a:t>()</a:t>
-            </a:r>
-            <a:endParaRPr lang="fr-FR" b="1" dirty="0"/>
-          </a:p>
-        </p:txBody>
-      </p:sp>
-      <p:sp>
-        <p:nvSpPr>
-          <p:cNvPr id="4" name="Espace réservé du numéro de diapositive 3">
-            <a:extLst>
-              <a:ext uri="{FF2B5EF4-FFF2-40B4-BE49-F238E27FC236}">
-                <a16:creationId xmlns:a16="http://schemas.microsoft.com/office/drawing/2014/main" id="{3CF15BDA-7247-9C2C-35BB-4E0ED833A1F8}"/>
-              </a:ext>
-            </a:extLst>
-          </p:cNvPr>
-          <p:cNvSpPr>
-            <a:spLocks noGrp="1"/>
-          </p:cNvSpPr>
-          <p:nvPr>
-            <p:ph type="sldNum" sz="quarter" idx="12"/>
-          </p:nvPr>
-        </p:nvSpPr>
-        <p:spPr/>
-        <p:txBody>
-          <a:bodyPr/>
-          <a:lstStyle/>
-          <a:p>
-            <a:fld id="{B2DC25EE-239B-4C5F-AAD1-255A7D5F1EE2}" type="slidenum">
-              <a:rPr lang="en-US" smtClean="0"/>
-              <a:t>19</a:t>
-            </a:fld>
-            <a:endParaRPr lang="en-US"/>
-          </a:p>
-        </p:txBody>
-      </p:sp>
-      <p:pic>
-        <p:nvPicPr>
-          <p:cNvPr id="6" name="Picture 6">
-            <a:extLst>
-              <a:ext uri="{FF2B5EF4-FFF2-40B4-BE49-F238E27FC236}">
-                <a16:creationId xmlns:a16="http://schemas.microsoft.com/office/drawing/2014/main" id="{51341FAA-347E-5BD9-4AE5-44D4B4AC05C8}"/>
+          <p:cNvPr id="4" name="Picture 8" descr="Résultat de recherche d'images pour &quot;spyder logo&quot;">
+            <a:extLst>
+              <a:ext uri="{FF2B5EF4-FFF2-40B4-BE49-F238E27FC236}">
+                <a16:creationId xmlns:a16="http://schemas.microsoft.com/office/drawing/2014/main" id="{A67BE3DC-B7CA-12C6-85F3-3C0E16E505E7}"/>
               </a:ext>
             </a:extLst>
           </p:cNvPr>
@@ -14925,7 +14445,7 @@
           <p:nvPr/>
         </p:nvPicPr>
         <p:blipFill>
-          <a:blip r:embed="rId4">
+          <a:blip r:embed="rId3">
             <a:extLst>
               <a:ext uri="{28A0092B-C50C-407E-A947-70E740481C1C}">
                 <a14:useLocalDpi xmlns:a14="http://schemas.microsoft.com/office/drawing/2010/main" val="0"/>
@@ -14939,8 +14459,8 @@
         </p:blipFill>
         <p:spPr bwMode="auto">
           <a:xfrm>
-            <a:off x="2547458" y="4941285"/>
-            <a:ext cx="1319971" cy="593846"/>
+            <a:off x="8941922" y="660046"/>
+            <a:ext cx="1913528" cy="956764"/>
           </a:xfrm>
           <a:prstGeom prst="rect">
             <a:avLst/>
@@ -14959,55 +14479,67 @@
       </p:pic>
       <p:pic>
         <p:nvPicPr>
-          <p:cNvPr id="8" name="Picture 8">
-            <a:extLst>
-              <a:ext uri="{FF2B5EF4-FFF2-40B4-BE49-F238E27FC236}">
-                <a16:creationId xmlns:a16="http://schemas.microsoft.com/office/drawing/2014/main" id="{D4E62603-BC17-66D8-7A8C-684AE77894C4}"/>
+          <p:cNvPr id="7" name="Image 6">
+            <a:extLst>
+              <a:ext uri="{FF2B5EF4-FFF2-40B4-BE49-F238E27FC236}">
+                <a16:creationId xmlns:a16="http://schemas.microsoft.com/office/drawing/2014/main" id="{0ABB0E92-EFE8-C12C-5E6A-461A9F143B80}"/>
               </a:ext>
             </a:extLst>
           </p:cNvPr>
           <p:cNvPicPr>
-            <a:picLocks noChangeAspect="1" noChangeArrowheads="1"/>
+            <a:picLocks noChangeAspect="1"/>
           </p:cNvPicPr>
           <p:nvPr/>
         </p:nvPicPr>
         <p:blipFill>
-          <a:blip r:embed="rId5">
-            <a:extLst>
-              <a:ext uri="{28A0092B-C50C-407E-A947-70E740481C1C}">
-                <a14:useLocalDpi xmlns:a14="http://schemas.microsoft.com/office/drawing/2010/main" val="0"/>
-              </a:ext>
-            </a:extLst>
-          </a:blip>
-          <a:srcRect/>
+          <a:blip r:embed="rId4"/>
           <a:stretch>
             <a:fillRect/>
           </a:stretch>
         </p:blipFill>
-        <p:spPr bwMode="auto">
-          <a:xfrm>
-            <a:off x="8063331" y="5098010"/>
-            <a:ext cx="1326582" cy="277071"/>
+        <p:spPr>
+          <a:xfrm>
+            <a:off x="4904142" y="2543415"/>
+            <a:ext cx="6793940" cy="3884817"/>
           </a:xfrm>
           <a:prstGeom prst="rect">
             <a:avLst/>
           </a:prstGeom>
-          <a:noFill/>
-          <a:extLst>
-            <a:ext uri="{909E8E84-426E-40DD-AFC4-6F175D3DCCD1}">
-              <a14:hiddenFill xmlns:a14="http://schemas.microsoft.com/office/drawing/2010/main">
-                <a:solidFill>
-                  <a:srgbClr val="FFFFFF"/>
-                </a:solidFill>
-              </a14:hiddenFill>
-            </a:ext>
-          </a:extLst>
         </p:spPr>
       </p:pic>
+      <p:sp>
+        <p:nvSpPr>
+          <p:cNvPr id="6" name="Espace réservé du numéro de diapositive 5">
+            <a:extLst>
+              <a:ext uri="{FF2B5EF4-FFF2-40B4-BE49-F238E27FC236}">
+                <a16:creationId xmlns:a16="http://schemas.microsoft.com/office/drawing/2014/main" id="{69B58F3D-E192-282A-4E8F-A1DE66F95B63}"/>
+              </a:ext>
+            </a:extLst>
+          </p:cNvPr>
+          <p:cNvSpPr>
+            <a:spLocks noGrp="1"/>
+          </p:cNvSpPr>
+          <p:nvPr>
+            <p:ph type="sldNum" sz="quarter" idx="12"/>
+          </p:nvPr>
+        </p:nvSpPr>
+        <p:spPr/>
+        <p:txBody>
+          <a:bodyPr/>
+          <a:lstStyle/>
+          <a:p>
+            <a:fld id="{B2DC25EE-239B-4C5F-AAD1-255A7D5F1EE2}" type="slidenum">
+              <a:rPr lang="en-US" smtClean="0"/>
+              <a:t>19</a:t>
+            </a:fld>
+            <a:endParaRPr lang="en-US"/>
+          </a:p>
+        </p:txBody>
+      </p:sp>
     </p:spTree>
     <p:extLst>
       <p:ext uri="{BB962C8B-B14F-4D97-AF65-F5344CB8AC3E}">
-        <p14:creationId xmlns:p14="http://schemas.microsoft.com/office/powerpoint/2010/main" val="1574335150"/>
+        <p14:creationId xmlns:p14="http://schemas.microsoft.com/office/powerpoint/2010/main" val="4039983876"/>
       </p:ext>
     </p:extLst>
   </p:cSld>
@@ -15881,6 +15413,16 @@
 <file path=ppt/slides/slide20.xml><?xml version="1.0" encoding="utf-8"?>
 <p:sld xmlns:a="http://schemas.openxmlformats.org/drawingml/2006/main" xmlns:r="http://schemas.openxmlformats.org/officeDocument/2006/relationships" xmlns:p="http://schemas.openxmlformats.org/presentationml/2006/main">
   <p:cSld>
+    <p:bg>
+      <p:bgPr>
+        <a:solidFill>
+          <a:schemeClr val="bg1">
+            <a:lumMod val="95000"/>
+          </a:schemeClr>
+        </a:solidFill>
+        <a:effectLst/>
+      </p:bgPr>
+    </p:bg>
     <p:spTree>
       <p:nvGrpSpPr>
         <p:cNvPr id="1" name=""/>
@@ -15918,7 +15460,7 @@
           <a:p>
             <a:r>
               <a:rPr lang="fr-FR" dirty="0"/>
-              <a:t>Quelques rappels sous Python</a:t>
+              <a:t>Trucs et Astuces</a:t>
             </a:r>
           </a:p>
         </p:txBody>
@@ -15942,7 +15484,7 @@
         <p:spPr>
           <a:xfrm>
             <a:off x="1115568" y="2478024"/>
-            <a:ext cx="10241082" cy="3694176"/>
+            <a:ext cx="10253472" cy="3694176"/>
           </a:xfrm>
         </p:spPr>
         <p:txBody>
@@ -15951,7 +15493,7 @@
           <a:p>
             <a:r>
               <a:rPr lang="fr-FR" dirty="0"/>
-              <a:t>Utilisation des vecteurs / matrices</a:t>
+              <a:t>Connaître le type de données</a:t>
             </a:r>
           </a:p>
         </p:txBody>
@@ -15994,217 +15536,10 @@
       </p:pic>
       <p:pic>
         <p:nvPicPr>
-          <p:cNvPr id="7" name="Image 6">
-            <a:extLst>
-              <a:ext uri="{FF2B5EF4-FFF2-40B4-BE49-F238E27FC236}">
-                <a16:creationId xmlns:a16="http://schemas.microsoft.com/office/drawing/2014/main" id="{5BB01D49-602A-9314-FD1F-4EC628128217}"/>
-              </a:ext>
-            </a:extLst>
-          </p:cNvPr>
-          <p:cNvPicPr>
-            <a:picLocks noChangeAspect="1"/>
-          </p:cNvPicPr>
-          <p:nvPr/>
-        </p:nvPicPr>
-        <p:blipFill>
-          <a:blip r:embed="rId3"/>
-          <a:stretch>
-            <a:fillRect/>
-          </a:stretch>
-        </p:blipFill>
-        <p:spPr>
-          <a:xfrm>
-            <a:off x="10077926" y="593679"/>
-            <a:ext cx="1081825" cy="1089498"/>
-          </a:xfrm>
-          <a:prstGeom prst="rect">
-            <a:avLst/>
-          </a:prstGeom>
-        </p:spPr>
-      </p:pic>
-      <p:sp>
-        <p:nvSpPr>
-          <p:cNvPr id="6" name="ZoneTexte 5">
-            <a:extLst>
-              <a:ext uri="{FF2B5EF4-FFF2-40B4-BE49-F238E27FC236}">
-                <a16:creationId xmlns:a16="http://schemas.microsoft.com/office/drawing/2014/main" id="{1E75402E-5E67-B2D4-EB26-E362E6C79788}"/>
-              </a:ext>
-            </a:extLst>
-          </p:cNvPr>
-          <p:cNvSpPr txBox="1"/>
-          <p:nvPr/>
-        </p:nvSpPr>
-        <p:spPr>
-          <a:xfrm>
-            <a:off x="6344973" y="3296162"/>
-            <a:ext cx="4765173" cy="1200329"/>
-          </a:xfrm>
-          <a:prstGeom prst="rect">
-            <a:avLst/>
-          </a:prstGeom>
-          <a:solidFill>
-            <a:schemeClr val="accent1">
-              <a:lumMod val="40000"/>
-              <a:lumOff val="60000"/>
-            </a:schemeClr>
-          </a:solidFill>
-        </p:spPr>
-        <p:txBody>
-          <a:bodyPr wrap="square" rtlCol="0">
-            <a:spAutoFit/>
-          </a:bodyPr>
-          <a:lstStyle/>
-          <a:p>
-            <a:r>
-              <a:rPr lang="en-US" dirty="0"/>
-              <a:t>mb </a:t>
-            </a:r>
-            <a:r>
-              <a:rPr lang="en-US" b="1" dirty="0"/>
-              <a:t>=</a:t>
-            </a:r>
-            <a:r>
-              <a:rPr lang="en-US" dirty="0"/>
-              <a:t> </a:t>
-            </a:r>
-            <a:r>
-              <a:rPr lang="en-US" i="1" dirty="0" err="1"/>
-              <a:t>np</a:t>
-            </a:r>
-            <a:r>
-              <a:rPr lang="en-US" dirty="0" err="1"/>
-              <a:t>.</a:t>
-            </a:r>
-            <a:r>
-              <a:rPr lang="en-US" b="1" dirty="0" err="1"/>
-              <a:t>array</a:t>
-            </a:r>
-            <a:r>
-              <a:rPr lang="en-US" dirty="0"/>
-              <a:t>( [[1,2,3] , [4,5,6]] )</a:t>
-            </a:r>
-          </a:p>
-          <a:p>
-            <a:r>
-              <a:rPr lang="en-US" dirty="0"/>
-              <a:t>mc </a:t>
-            </a:r>
-            <a:r>
-              <a:rPr lang="en-US" b="1" dirty="0"/>
-              <a:t>=</a:t>
-            </a:r>
-            <a:r>
-              <a:rPr lang="en-US" dirty="0"/>
-              <a:t> </a:t>
-            </a:r>
-            <a:r>
-              <a:rPr lang="en-US" i="1" dirty="0" err="1"/>
-              <a:t>np</a:t>
-            </a:r>
-            <a:r>
-              <a:rPr lang="en-US" dirty="0" err="1"/>
-              <a:t>.</a:t>
-            </a:r>
-            <a:r>
-              <a:rPr lang="en-US" b="1" dirty="0" err="1"/>
-              <a:t>array</a:t>
-            </a:r>
-            <a:r>
-              <a:rPr lang="en-US" dirty="0"/>
-              <a:t>( [[1,2,3] , [4,5,6]] ) </a:t>
-            </a:r>
-          </a:p>
-          <a:p>
-            <a:r>
-              <a:rPr lang="en-US" dirty="0"/>
-              <a:t>mm </a:t>
-            </a:r>
-            <a:r>
-              <a:rPr lang="en-US" b="1" dirty="0"/>
-              <a:t>=</a:t>
-            </a:r>
-            <a:r>
-              <a:rPr lang="en-US" dirty="0"/>
-              <a:t> mb </a:t>
-            </a:r>
-            <a:r>
-              <a:rPr lang="en-US" b="1" dirty="0"/>
-              <a:t>+</a:t>
-            </a:r>
-            <a:r>
-              <a:rPr lang="en-US" dirty="0"/>
-              <a:t> mc</a:t>
-            </a:r>
-          </a:p>
-          <a:p>
-            <a:r>
-              <a:rPr lang="en-US" b="1" dirty="0"/>
-              <a:t>print( </a:t>
-            </a:r>
-            <a:r>
-              <a:rPr lang="en-US" dirty="0"/>
-              <a:t>mm </a:t>
-            </a:r>
-            <a:r>
-              <a:rPr lang="en-US" b="1" dirty="0"/>
-              <a:t>)</a:t>
-            </a:r>
-            <a:endParaRPr lang="fr-FR" b="1" dirty="0"/>
-          </a:p>
-        </p:txBody>
-      </p:sp>
-      <p:sp>
-        <p:nvSpPr>
-          <p:cNvPr id="8" name="ZoneTexte 7">
-            <a:extLst>
-              <a:ext uri="{FF2B5EF4-FFF2-40B4-BE49-F238E27FC236}">
-                <a16:creationId xmlns:a16="http://schemas.microsoft.com/office/drawing/2014/main" id="{E6ED157B-06F2-9E4A-4DB0-EF754E129A72}"/>
-              </a:ext>
-            </a:extLst>
-          </p:cNvPr>
-          <p:cNvSpPr txBox="1"/>
-          <p:nvPr/>
-        </p:nvSpPr>
-        <p:spPr>
-          <a:xfrm>
-            <a:off x="6913050" y="4590056"/>
-            <a:ext cx="4197096" cy="646331"/>
-          </a:xfrm>
-          <a:prstGeom prst="rect">
-            <a:avLst/>
-          </a:prstGeom>
-          <a:solidFill>
-            <a:schemeClr val="accent1">
-              <a:lumMod val="20000"/>
-              <a:lumOff val="80000"/>
-            </a:schemeClr>
-          </a:solidFill>
-        </p:spPr>
-        <p:txBody>
-          <a:bodyPr wrap="square" rtlCol="0">
-            <a:spAutoFit/>
-          </a:bodyPr>
-          <a:lstStyle/>
-          <a:p>
-            <a:r>
-              <a:rPr lang="en-US" dirty="0"/>
-              <a:t>[[ 2  4  6]</a:t>
-            </a:r>
-          </a:p>
-          <a:p>
-            <a:r>
-              <a:rPr lang="en-US" dirty="0"/>
-              <a:t>  [ 8  10  12]]</a:t>
-            </a:r>
-          </a:p>
-        </p:txBody>
-      </p:sp>
-      <p:pic>
-        <p:nvPicPr>
-          <p:cNvPr id="10" name="Picture 6">
-            <a:extLst>
-              <a:ext uri="{FF2B5EF4-FFF2-40B4-BE49-F238E27FC236}">
-                <a16:creationId xmlns:a16="http://schemas.microsoft.com/office/drawing/2014/main" id="{B08DE29C-1F7C-390F-64F6-5A4A64FD8E5F}"/>
+          <p:cNvPr id="4" name="Picture 8" descr="Résultat de recherche d'images pour &quot;spyder logo&quot;">
+            <a:extLst>
+              <a:ext uri="{FF2B5EF4-FFF2-40B4-BE49-F238E27FC236}">
+                <a16:creationId xmlns:a16="http://schemas.microsoft.com/office/drawing/2014/main" id="{A67BE3DC-B7CA-12C6-85F3-3C0E16E505E7}"/>
               </a:ext>
             </a:extLst>
           </p:cNvPr>
@@ -16214,7 +15549,7 @@
           <p:nvPr/>
         </p:nvPicPr>
         <p:blipFill>
-          <a:blip r:embed="rId4" cstate="hqprint">
+          <a:blip r:embed="rId3">
             <a:extLst>
               <a:ext uri="{28A0092B-C50C-407E-A947-70E740481C1C}">
                 <a14:useLocalDpi xmlns:a14="http://schemas.microsoft.com/office/drawing/2010/main" val="0"/>
@@ -16228,8 +15563,8 @@
         </p:blipFill>
         <p:spPr bwMode="auto">
           <a:xfrm>
-            <a:off x="10426228" y="2206699"/>
-            <a:ext cx="905256" cy="407269"/>
+            <a:off x="8941922" y="660046"/>
+            <a:ext cx="1913528" cy="956764"/>
           </a:xfrm>
           <a:prstGeom prst="rect">
             <a:avLst/>
@@ -16248,10 +15583,10 @@
       </p:pic>
       <p:sp>
         <p:nvSpPr>
-          <p:cNvPr id="4" name="Espace réservé du numéro de diapositive 3">
-            <a:extLst>
-              <a:ext uri="{FF2B5EF4-FFF2-40B4-BE49-F238E27FC236}">
-                <a16:creationId xmlns:a16="http://schemas.microsoft.com/office/drawing/2014/main" id="{EDA5015E-6C98-2727-40F4-66EF4663BB22}"/>
+          <p:cNvPr id="6" name="Espace réservé du numéro de diapositive 5">
+            <a:extLst>
+              <a:ext uri="{FF2B5EF4-FFF2-40B4-BE49-F238E27FC236}">
+                <a16:creationId xmlns:a16="http://schemas.microsoft.com/office/drawing/2014/main" id="{0661C155-4B14-3CE6-1A5A-4344075AD9BD}"/>
               </a:ext>
             </a:extLst>
           </p:cNvPr>
@@ -16277,10 +15612,10 @@
       </p:sp>
       <p:sp>
         <p:nvSpPr>
-          <p:cNvPr id="12" name="ZoneTexte 11">
-            <a:extLst>
-              <a:ext uri="{FF2B5EF4-FFF2-40B4-BE49-F238E27FC236}">
-                <a16:creationId xmlns:a16="http://schemas.microsoft.com/office/drawing/2014/main" id="{DF0B883E-9CEF-329D-163F-6123441B0C4E}"/>
+          <p:cNvPr id="8" name="ZoneTexte 7">
+            <a:extLst>
+              <a:ext uri="{FF2B5EF4-FFF2-40B4-BE49-F238E27FC236}">
+                <a16:creationId xmlns:a16="http://schemas.microsoft.com/office/drawing/2014/main" id="{9A34E9B0-9059-373F-6E95-021980F75057}"/>
               </a:ext>
             </a:extLst>
           </p:cNvPr>
@@ -16290,7 +15625,7 @@
         <p:spPr>
           <a:xfrm>
             <a:off x="822960" y="3302376"/>
-            <a:ext cx="4765173" cy="1200329"/>
+            <a:ext cx="4765173" cy="923330"/>
           </a:xfrm>
           <a:prstGeom prst="rect">
             <a:avLst/>
@@ -16309,114 +15644,70 @@
           <a:lstStyle/>
           <a:p>
             <a:r>
+              <a:rPr lang="fr-FR" dirty="0"/>
+              <a:t>k</a:t>
+            </a:r>
+            <a:r>
               <a:rPr lang="fr-FR" b="1" dirty="0"/>
-              <a:t>import</a:t>
+              <a:t> = </a:t>
             </a:r>
             <a:r>
               <a:rPr lang="fr-FR" dirty="0"/>
-              <a:t> </a:t>
+              <a:t>1</a:t>
+            </a:r>
+          </a:p>
+          <a:p>
+            <a:r>
+              <a:rPr lang="fr-FR" b="1" dirty="0" err="1"/>
+              <a:t>print</a:t>
+            </a:r>
+            <a:r>
+              <a:rPr lang="fr-FR" b="1" dirty="0"/>
+              <a:t>( </a:t>
+            </a:r>
+            <a:r>
+              <a:rPr lang="fr-FR" b="1" dirty="0" err="1"/>
+              <a:t>f'</a:t>
             </a:r>
             <a:r>
               <a:rPr lang="fr-FR" i="1" dirty="0" err="1"/>
-              <a:t>numpy</a:t>
+              <a:t>k</a:t>
             </a:r>
             <a:r>
               <a:rPr lang="fr-FR" i="1" dirty="0"/>
-              <a:t> </a:t>
+              <a:t> = {k}</a:t>
             </a:r>
             <a:r>
               <a:rPr lang="fr-FR" b="1" dirty="0"/>
-              <a:t>as </a:t>
-            </a:r>
-            <a:r>
-              <a:rPr lang="fr-FR" i="1" dirty="0" err="1"/>
-              <a:t>np</a:t>
-            </a:r>
-            <a:endParaRPr lang="fr-FR" i="1" dirty="0"/>
-          </a:p>
-          <a:p>
-            <a:r>
-              <a:rPr lang="en-US" dirty="0"/>
-              <a:t>x </a:t>
-            </a:r>
-            <a:r>
-              <a:rPr lang="en-US" b="1" dirty="0"/>
-              <a:t>=</a:t>
-            </a:r>
-            <a:r>
-              <a:rPr lang="en-US" dirty="0"/>
-              <a:t> </a:t>
-            </a:r>
-            <a:r>
-              <a:rPr lang="en-US" i="1" dirty="0" err="1"/>
-              <a:t>np</a:t>
-            </a:r>
-            <a:r>
-              <a:rPr lang="en-US" dirty="0" err="1"/>
-              <a:t>.</a:t>
-            </a:r>
-            <a:r>
-              <a:rPr lang="en-US" b="1" dirty="0" err="1"/>
-              <a:t>array</a:t>
-            </a:r>
-            <a:r>
-              <a:rPr lang="en-US" dirty="0"/>
-              <a:t>( [1,2,3] )</a:t>
-            </a:r>
-          </a:p>
-          <a:p>
-            <a:r>
-              <a:rPr lang="en-US" dirty="0"/>
-              <a:t>y </a:t>
-            </a:r>
-            <a:r>
-              <a:rPr lang="en-US" b="1" dirty="0"/>
-              <a:t>=</a:t>
-            </a:r>
-            <a:r>
-              <a:rPr lang="en-US" dirty="0"/>
-              <a:t> </a:t>
-            </a:r>
-            <a:r>
-              <a:rPr lang="en-US" i="1" dirty="0" err="1"/>
-              <a:t>np</a:t>
-            </a:r>
-            <a:r>
-              <a:rPr lang="en-US" dirty="0" err="1"/>
-              <a:t>.</a:t>
-            </a:r>
-            <a:r>
-              <a:rPr lang="en-US" b="1" dirty="0" err="1"/>
-              <a:t>sin</a:t>
-            </a:r>
-            <a:r>
-              <a:rPr lang="en-US" dirty="0"/>
-              <a:t>(x)</a:t>
-            </a:r>
-          </a:p>
-          <a:p>
-            <a:r>
-              <a:rPr lang="en-US" b="1" dirty="0"/>
-              <a:t>print( </a:t>
-            </a:r>
-            <a:r>
-              <a:rPr lang="en-US" dirty="0"/>
-              <a:t>y </a:t>
-            </a:r>
-            <a:r>
-              <a:rPr lang="en-US" b="1" dirty="0"/>
-              <a:t>)</a:t>
-            </a:r>
-            <a:endParaRPr lang="fr-FR" b="1" dirty="0"/>
-          </a:p>
-        </p:txBody>
-      </p:sp>
-      <p:sp>
-        <p:nvSpPr>
-          <p:cNvPr id="13" name="ZoneTexte 12">
-            <a:extLst>
-              <a:ext uri="{FF2B5EF4-FFF2-40B4-BE49-F238E27FC236}">
-                <a16:creationId xmlns:a16="http://schemas.microsoft.com/office/drawing/2014/main" id="{2A8DC775-040B-7E9F-3E47-BA499209F6F7}"/>
+              <a:t>’ )</a:t>
+            </a:r>
+          </a:p>
+          <a:p>
+            <a:r>
+              <a:rPr lang="fr-FR" b="1" dirty="0" err="1"/>
+              <a:t>print</a:t>
+            </a:r>
+            <a:r>
+              <a:rPr lang="fr-FR" b="1" dirty="0"/>
+              <a:t>( type( </a:t>
+            </a:r>
+            <a:r>
+              <a:rPr lang="fr-FR" dirty="0"/>
+              <a:t>k </a:t>
+            </a:r>
+            <a:r>
+              <a:rPr lang="fr-FR" b="1" dirty="0"/>
+              <a:t>) )</a:t>
+            </a:r>
+          </a:p>
+        </p:txBody>
+      </p:sp>
+      <p:sp>
+        <p:nvSpPr>
+          <p:cNvPr id="9" name="ZoneTexte 8">
+            <a:extLst>
+              <a:ext uri="{FF2B5EF4-FFF2-40B4-BE49-F238E27FC236}">
+                <a16:creationId xmlns:a16="http://schemas.microsoft.com/office/drawing/2014/main" id="{7EA73230-31A5-D5E1-46AC-949100B660F9}"/>
               </a:ext>
             </a:extLst>
           </p:cNvPr>
@@ -16425,16 +15716,16 @@
         </p:nvSpPr>
         <p:spPr>
           <a:xfrm>
-            <a:off x="1391037" y="4590056"/>
-            <a:ext cx="4197096" cy="369332"/>
+            <a:off x="1391037" y="4305448"/>
+            <a:ext cx="4197096" cy="646331"/>
           </a:xfrm>
           <a:prstGeom prst="rect">
             <a:avLst/>
           </a:prstGeom>
           <a:solidFill>
-            <a:schemeClr val="accent6">
-              <a:lumMod val="40000"/>
-              <a:lumOff val="60000"/>
+            <a:schemeClr val="accent1">
+              <a:lumMod val="20000"/>
+              <a:lumOff val="80000"/>
             </a:schemeClr>
           </a:solidFill>
         </p:spPr>
@@ -16445,8 +15736,30 @@
           <a:lstStyle/>
           <a:p>
             <a:r>
-              <a:rPr lang="en-US" dirty="0"/>
-              <a:t>???</a:t>
+              <a:rPr lang="fr-FR" dirty="0"/>
+              <a:t>k </a:t>
+            </a:r>
+            <a:r>
+              <a:rPr lang="fr-FR" b="1" dirty="0"/>
+              <a:t>=</a:t>
+            </a:r>
+            <a:r>
+              <a:rPr lang="fr-FR" dirty="0"/>
+              <a:t> 1</a:t>
+            </a:r>
+          </a:p>
+          <a:p>
+            <a:r>
+              <a:rPr lang="fr-FR" dirty="0"/>
+              <a:t>&lt;class '</a:t>
+            </a:r>
+            <a:r>
+              <a:rPr lang="fr-FR" dirty="0" err="1"/>
+              <a:t>int</a:t>
+            </a:r>
+            <a:r>
+              <a:rPr lang="fr-FR" dirty="0"/>
+              <a:t>'&gt;</a:t>
             </a:r>
           </a:p>
         </p:txBody>
@@ -16454,7 +15767,7 @@
     </p:spTree>
     <p:extLst>
       <p:ext uri="{BB962C8B-B14F-4D97-AF65-F5344CB8AC3E}">
-        <p14:creationId xmlns:p14="http://schemas.microsoft.com/office/powerpoint/2010/main" val="701073179"/>
+        <p14:creationId xmlns:p14="http://schemas.microsoft.com/office/powerpoint/2010/main" val="683804796"/>
       </p:ext>
     </p:extLst>
   </p:cSld>
@@ -16525,19 +15838,14 @@
             <p:ph sz="half" idx="1"/>
           </p:nvPr>
         </p:nvSpPr>
-        <p:spPr>
-          <a:xfrm>
-            <a:off x="1115568" y="2478024"/>
-            <a:ext cx="10241082" cy="3694176"/>
-          </a:xfrm>
-        </p:spPr>
+        <p:spPr/>
         <p:txBody>
           <a:bodyPr/>
           <a:lstStyle/>
           <a:p>
             <a:r>
               <a:rPr lang="fr-FR" dirty="0"/>
-              <a:t>Quelques vecteurs particuliers</a:t>
+              <a:t>Utilisation de bibliothèques</a:t>
             </a:r>
           </a:p>
         </p:txBody>
@@ -16610,10 +15918,10 @@
       </p:pic>
       <p:sp>
         <p:nvSpPr>
-          <p:cNvPr id="6" name="ZoneTexte 5">
-            <a:extLst>
-              <a:ext uri="{FF2B5EF4-FFF2-40B4-BE49-F238E27FC236}">
-                <a16:creationId xmlns:a16="http://schemas.microsoft.com/office/drawing/2014/main" id="{1E75402E-5E67-B2D4-EB26-E362E6C79788}"/>
+          <p:cNvPr id="13" name="ZoneTexte 12">
+            <a:extLst>
+              <a:ext uri="{FF2B5EF4-FFF2-40B4-BE49-F238E27FC236}">
+                <a16:creationId xmlns:a16="http://schemas.microsoft.com/office/drawing/2014/main" id="{C4BAF194-1DAB-D8B5-3DF2-147C9B78F1A3}"/>
               </a:ext>
             </a:extLst>
           </p:cNvPr>
@@ -16622,16 +15930,16 @@
         </p:nvSpPr>
         <p:spPr>
           <a:xfrm>
-            <a:off x="6344973" y="3296162"/>
-            <a:ext cx="4765173" cy="923330"/>
+            <a:off x="824860" y="3090446"/>
+            <a:ext cx="4765173" cy="677108"/>
           </a:xfrm>
           <a:prstGeom prst="rect">
             <a:avLst/>
           </a:prstGeom>
           <a:solidFill>
             <a:schemeClr val="accent1">
-              <a:lumMod val="40000"/>
-              <a:lumOff val="60000"/>
+              <a:lumMod val="60000"/>
+              <a:lumOff val="40000"/>
             </a:schemeClr>
           </a:solidFill>
         </p:spPr>
@@ -16642,135 +15950,439 @@
           <a:lstStyle/>
           <a:p>
             <a:r>
-              <a:rPr lang="en-US" dirty="0" err="1"/>
-              <a:t>mo</a:t>
-            </a:r>
-            <a:r>
-              <a:rPr lang="en-US" dirty="0"/>
+              <a:rPr lang="fr-FR" b="1" dirty="0"/>
+              <a:t>import</a:t>
+            </a:r>
+            <a:r>
+              <a:rPr lang="fr-FR" dirty="0"/>
               <a:t> </a:t>
             </a:r>
             <a:r>
-              <a:rPr lang="en-US" b="1" dirty="0"/>
-              <a:t>=</a:t>
-            </a:r>
-            <a:r>
-              <a:rPr lang="en-US" dirty="0"/>
+              <a:rPr lang="fr-FR" sz="2000" dirty="0" err="1">
+                <a:solidFill>
+                  <a:schemeClr val="bg1"/>
+                </a:solidFill>
+              </a:rPr>
+              <a:t>numpy</a:t>
+            </a:r>
+            <a:endParaRPr lang="fr-FR" dirty="0">
+              <a:solidFill>
+                <a:schemeClr val="bg1"/>
+              </a:solidFill>
+            </a:endParaRPr>
+          </a:p>
+          <a:p>
+            <a:r>
+              <a:rPr lang="it-IT" dirty="0"/>
+              <a:t>ma = </a:t>
+            </a:r>
+            <a:r>
+              <a:rPr lang="it-IT" b="1" dirty="0">
+                <a:solidFill>
+                  <a:schemeClr val="bg1"/>
+                </a:solidFill>
+              </a:rPr>
+              <a:t>numpy</a:t>
+            </a:r>
+            <a:r>
+              <a:rPr lang="it-IT" dirty="0"/>
+              <a:t>.</a:t>
+            </a:r>
+            <a:r>
+              <a:rPr lang="it-IT" b="1" dirty="0"/>
+              <a:t>array</a:t>
+            </a:r>
+            <a:r>
+              <a:rPr lang="it-IT" dirty="0"/>
+              <a:t>( [1, 2, 3] )</a:t>
+            </a:r>
+            <a:endParaRPr lang="fr-FR" b="1" dirty="0"/>
+          </a:p>
+        </p:txBody>
+      </p:sp>
+      <p:sp>
+        <p:nvSpPr>
+          <p:cNvPr id="14" name="ZoneTexte 13">
+            <a:extLst>
+              <a:ext uri="{FF2B5EF4-FFF2-40B4-BE49-F238E27FC236}">
+                <a16:creationId xmlns:a16="http://schemas.microsoft.com/office/drawing/2014/main" id="{0E298DCA-6B4E-62F1-C504-2B8C7D8765E3}"/>
+              </a:ext>
+            </a:extLst>
+          </p:cNvPr>
+          <p:cNvSpPr txBox="1"/>
+          <p:nvPr/>
+        </p:nvSpPr>
+        <p:spPr>
+          <a:xfrm>
+            <a:off x="824858" y="3864852"/>
+            <a:ext cx="4765173" cy="677108"/>
+          </a:xfrm>
+          <a:prstGeom prst="rect">
+            <a:avLst/>
+          </a:prstGeom>
+          <a:solidFill>
+            <a:schemeClr val="accent1">
+              <a:lumMod val="60000"/>
+              <a:lumOff val="40000"/>
+            </a:schemeClr>
+          </a:solidFill>
+        </p:spPr>
+        <p:txBody>
+          <a:bodyPr wrap="square" rtlCol="0">
+            <a:spAutoFit/>
+          </a:bodyPr>
+          <a:lstStyle/>
+          <a:p>
+            <a:r>
+              <a:rPr lang="fr-FR" b="1" dirty="0"/>
+              <a:t>import</a:t>
+            </a:r>
+            <a:r>
+              <a:rPr lang="fr-FR" dirty="0"/>
               <a:t> </a:t>
             </a:r>
             <a:r>
-              <a:rPr lang="en-US" i="1" dirty="0" err="1"/>
+              <a:rPr lang="fr-FR" sz="2000" dirty="0" err="1">
+                <a:solidFill>
+                  <a:schemeClr val="bg1"/>
+                </a:solidFill>
+              </a:rPr>
+              <a:t>numpy</a:t>
+            </a:r>
+            <a:r>
+              <a:rPr lang="fr-FR" sz="2000" dirty="0">
+                <a:solidFill>
+                  <a:schemeClr val="bg1"/>
+                </a:solidFill>
+              </a:rPr>
+              <a:t> </a:t>
+            </a:r>
+            <a:r>
+              <a:rPr lang="fr-FR" sz="2000" b="1" dirty="0"/>
+              <a:t>as</a:t>
+            </a:r>
+            <a:r>
+              <a:rPr lang="fr-FR" sz="2000" dirty="0">
+                <a:solidFill>
+                  <a:schemeClr val="bg1"/>
+                </a:solidFill>
+              </a:rPr>
+              <a:t> </a:t>
+            </a:r>
+            <a:r>
+              <a:rPr lang="fr-FR" sz="2000" dirty="0" err="1">
+                <a:solidFill>
+                  <a:schemeClr val="bg1"/>
+                </a:solidFill>
+              </a:rPr>
               <a:t>np</a:t>
             </a:r>
-            <a:r>
-              <a:rPr lang="en-US" dirty="0" err="1"/>
+            <a:endParaRPr lang="fr-FR" dirty="0">
+              <a:solidFill>
+                <a:schemeClr val="bg1"/>
+              </a:solidFill>
+            </a:endParaRPr>
+          </a:p>
+          <a:p>
+            <a:r>
+              <a:rPr lang="it-IT" dirty="0"/>
+              <a:t>ma = </a:t>
+            </a:r>
+            <a:r>
+              <a:rPr lang="it-IT" b="1" dirty="0">
+                <a:solidFill>
+                  <a:schemeClr val="bg1"/>
+                </a:solidFill>
+              </a:rPr>
+              <a:t>np</a:t>
+            </a:r>
+            <a:r>
+              <a:rPr lang="it-IT" dirty="0"/>
               <a:t>.</a:t>
             </a:r>
             <a:r>
-              <a:rPr lang="en-US" b="1" dirty="0" err="1"/>
-              <a:t>ones</a:t>
-            </a:r>
-            <a:r>
-              <a:rPr lang="en-US" b="1" dirty="0"/>
-              <a:t>( (</a:t>
-            </a:r>
-            <a:r>
-              <a:rPr lang="en-US" dirty="0"/>
-              <a:t>10,3</a:t>
-            </a:r>
-            <a:r>
-              <a:rPr lang="en-US" b="1" dirty="0"/>
-              <a:t>) )</a:t>
-            </a:r>
-          </a:p>
-          <a:p>
-            <a:r>
-              <a:rPr lang="en-US" b="1" dirty="0"/>
-              <a:t>print( </a:t>
-            </a:r>
-            <a:r>
-              <a:rPr lang="en-US" b="1" dirty="0" err="1"/>
-              <a:t>f’</a:t>
-            </a:r>
-            <a:r>
-              <a:rPr lang="en-US" i="1" dirty="0" err="1"/>
-              <a:t>shape</a:t>
-            </a:r>
-            <a:r>
-              <a:rPr lang="en-US" i="1" dirty="0"/>
-              <a:t> of </a:t>
-            </a:r>
-            <a:r>
-              <a:rPr lang="en-US" i="1" dirty="0" err="1"/>
-              <a:t>mo</a:t>
-            </a:r>
-            <a:r>
-              <a:rPr lang="en-US" i="1" dirty="0"/>
-              <a:t> :</a:t>
-            </a:r>
-            <a:r>
-              <a:rPr lang="en-US" b="1" dirty="0"/>
-              <a:t> {</a:t>
-            </a:r>
-            <a:r>
-              <a:rPr lang="en-US" dirty="0" err="1"/>
-              <a:t>mo.</a:t>
-            </a:r>
-            <a:r>
-              <a:rPr lang="en-US" b="1" dirty="0" err="1"/>
-              <a:t>shape</a:t>
-            </a:r>
-            <a:r>
-              <a:rPr lang="en-US" b="1" dirty="0"/>
-              <a:t>}’ )</a:t>
-            </a:r>
-          </a:p>
-          <a:p>
-            <a:r>
-              <a:rPr lang="en-US" b="1" dirty="0"/>
-              <a:t>print( </a:t>
-            </a:r>
-            <a:r>
-              <a:rPr lang="en-US" b="1" dirty="0" err="1"/>
-              <a:t>f’</a:t>
-            </a:r>
-            <a:r>
-              <a:rPr lang="en-US" i="1" dirty="0" err="1"/>
-              <a:t>values</a:t>
-            </a:r>
-            <a:r>
-              <a:rPr lang="en-US" i="1" dirty="0"/>
-              <a:t> of </a:t>
-            </a:r>
-            <a:r>
-              <a:rPr lang="en-US" i="1" dirty="0" err="1"/>
-              <a:t>mo</a:t>
-            </a:r>
-            <a:r>
-              <a:rPr lang="en-US" i="1" dirty="0"/>
-              <a:t> : </a:t>
-            </a:r>
-            <a:r>
-              <a:rPr lang="en-US" b="1" dirty="0"/>
-              <a:t>{</a:t>
-            </a:r>
-            <a:r>
-              <a:rPr lang="en-US" dirty="0" err="1"/>
-              <a:t>mo</a:t>
-            </a:r>
-            <a:r>
-              <a:rPr lang="en-US" b="1" dirty="0"/>
-              <a:t>}’ )</a:t>
+              <a:rPr lang="it-IT" b="1" dirty="0"/>
+              <a:t>array</a:t>
+            </a:r>
+            <a:r>
+              <a:rPr lang="it-IT" dirty="0"/>
+              <a:t>( [1, 2, 3] )</a:t>
             </a:r>
             <a:endParaRPr lang="fr-FR" b="1" dirty="0"/>
+          </a:p>
+        </p:txBody>
+      </p:sp>
+      <p:sp>
+        <p:nvSpPr>
+          <p:cNvPr id="15" name="ZoneTexte 14">
+            <a:extLst>
+              <a:ext uri="{FF2B5EF4-FFF2-40B4-BE49-F238E27FC236}">
+                <a16:creationId xmlns:a16="http://schemas.microsoft.com/office/drawing/2014/main" id="{04FB51D4-DEEE-E2E1-73E5-A3EC50303A6D}"/>
+              </a:ext>
+            </a:extLst>
+          </p:cNvPr>
+          <p:cNvSpPr txBox="1"/>
+          <p:nvPr/>
+        </p:nvSpPr>
+        <p:spPr>
+          <a:xfrm>
+            <a:off x="6344036" y="3074559"/>
+            <a:ext cx="4765173" cy="677108"/>
+          </a:xfrm>
+          <a:prstGeom prst="rect">
+            <a:avLst/>
+          </a:prstGeom>
+          <a:solidFill>
+            <a:schemeClr val="accent1">
+              <a:lumMod val="60000"/>
+              <a:lumOff val="40000"/>
+            </a:schemeClr>
+          </a:solidFill>
+        </p:spPr>
+        <p:txBody>
+          <a:bodyPr wrap="square" rtlCol="0">
+            <a:spAutoFit/>
+          </a:bodyPr>
+          <a:lstStyle/>
+          <a:p>
+            <a:r>
+              <a:rPr lang="fr-FR" b="1" dirty="0" err="1"/>
+              <a:t>from</a:t>
+            </a:r>
+            <a:r>
+              <a:rPr lang="fr-FR" dirty="0"/>
+              <a:t> </a:t>
+            </a:r>
+            <a:r>
+              <a:rPr lang="fr-FR" sz="2000" dirty="0" err="1">
+                <a:solidFill>
+                  <a:schemeClr val="bg1"/>
+                </a:solidFill>
+              </a:rPr>
+              <a:t>matplotlib</a:t>
+            </a:r>
+            <a:r>
+              <a:rPr lang="fr-FR" sz="2000" dirty="0">
+                <a:solidFill>
+                  <a:schemeClr val="bg1"/>
+                </a:solidFill>
+              </a:rPr>
+              <a:t> </a:t>
+            </a:r>
+            <a:r>
+              <a:rPr lang="fr-FR" sz="2000" b="1" dirty="0"/>
+              <a:t>import</a:t>
+            </a:r>
+            <a:r>
+              <a:rPr lang="fr-FR" sz="2000" dirty="0">
+                <a:solidFill>
+                  <a:schemeClr val="bg1"/>
+                </a:solidFill>
+              </a:rPr>
+              <a:t> </a:t>
+            </a:r>
+            <a:r>
+              <a:rPr lang="fr-FR" sz="2000" dirty="0" err="1">
+                <a:solidFill>
+                  <a:schemeClr val="bg1"/>
+                </a:solidFill>
+              </a:rPr>
+              <a:t>pyplot</a:t>
+            </a:r>
+            <a:endParaRPr lang="fr-FR" dirty="0">
+              <a:solidFill>
+                <a:schemeClr val="bg1"/>
+              </a:solidFill>
+            </a:endParaRPr>
+          </a:p>
+          <a:p>
+            <a:r>
+              <a:rPr lang="it-IT" b="1" dirty="0"/>
+              <a:t>pyplot</a:t>
+            </a:r>
+            <a:r>
+              <a:rPr lang="it-IT" dirty="0"/>
+              <a:t>.</a:t>
+            </a:r>
+            <a:r>
+              <a:rPr lang="it-IT" b="1" dirty="0"/>
+              <a:t>figure</a:t>
+            </a:r>
+            <a:r>
+              <a:rPr lang="it-IT" dirty="0"/>
+              <a:t>()</a:t>
+            </a:r>
+            <a:endParaRPr lang="fr-FR" b="1" dirty="0"/>
+          </a:p>
+        </p:txBody>
+      </p:sp>
+      <p:sp>
+        <p:nvSpPr>
+          <p:cNvPr id="16" name="ZoneTexte 15">
+            <a:extLst>
+              <a:ext uri="{FF2B5EF4-FFF2-40B4-BE49-F238E27FC236}">
+                <a16:creationId xmlns:a16="http://schemas.microsoft.com/office/drawing/2014/main" id="{B9EA9777-CCAB-F345-0144-5095DB027A58}"/>
+              </a:ext>
+            </a:extLst>
+          </p:cNvPr>
+          <p:cNvSpPr txBox="1"/>
+          <p:nvPr/>
+        </p:nvSpPr>
+        <p:spPr>
+          <a:xfrm>
+            <a:off x="6344036" y="3872030"/>
+            <a:ext cx="4765173" cy="677108"/>
+          </a:xfrm>
+          <a:prstGeom prst="rect">
+            <a:avLst/>
+          </a:prstGeom>
+          <a:solidFill>
+            <a:schemeClr val="accent1">
+              <a:lumMod val="60000"/>
+              <a:lumOff val="40000"/>
+            </a:schemeClr>
+          </a:solidFill>
+        </p:spPr>
+        <p:txBody>
+          <a:bodyPr wrap="square" rtlCol="0">
+            <a:spAutoFit/>
+          </a:bodyPr>
+          <a:lstStyle/>
+          <a:p>
+            <a:r>
+              <a:rPr lang="fr-FR" b="1" dirty="0" err="1"/>
+              <a:t>from</a:t>
+            </a:r>
+            <a:r>
+              <a:rPr lang="fr-FR" dirty="0"/>
+              <a:t> </a:t>
+            </a:r>
+            <a:r>
+              <a:rPr lang="fr-FR" sz="2000" dirty="0" err="1">
+                <a:solidFill>
+                  <a:schemeClr val="bg1"/>
+                </a:solidFill>
+              </a:rPr>
+              <a:t>matplotlib</a:t>
+            </a:r>
+            <a:r>
+              <a:rPr lang="fr-FR" sz="2000" dirty="0">
+                <a:solidFill>
+                  <a:schemeClr val="bg1"/>
+                </a:solidFill>
+              </a:rPr>
+              <a:t> </a:t>
+            </a:r>
+            <a:r>
+              <a:rPr lang="fr-FR" sz="2000" b="1" dirty="0"/>
+              <a:t>import</a:t>
+            </a:r>
+            <a:r>
+              <a:rPr lang="fr-FR" sz="2000" dirty="0">
+                <a:solidFill>
+                  <a:schemeClr val="bg1"/>
+                </a:solidFill>
+              </a:rPr>
+              <a:t> </a:t>
+            </a:r>
+            <a:r>
+              <a:rPr lang="fr-FR" sz="2000" dirty="0" err="1">
+                <a:solidFill>
+                  <a:schemeClr val="bg1"/>
+                </a:solidFill>
+              </a:rPr>
+              <a:t>pyplot</a:t>
+            </a:r>
+            <a:r>
+              <a:rPr lang="fr-FR" sz="2000" dirty="0">
+                <a:solidFill>
+                  <a:schemeClr val="bg1"/>
+                </a:solidFill>
+              </a:rPr>
+              <a:t> </a:t>
+            </a:r>
+            <a:r>
+              <a:rPr lang="fr-FR" sz="2000" b="1" dirty="0"/>
+              <a:t>as</a:t>
+            </a:r>
+            <a:r>
+              <a:rPr lang="fr-FR" sz="2000" dirty="0">
+                <a:solidFill>
+                  <a:schemeClr val="bg1"/>
+                </a:solidFill>
+              </a:rPr>
+              <a:t> </a:t>
+            </a:r>
+            <a:r>
+              <a:rPr lang="fr-FR" sz="2000" dirty="0" err="1">
+                <a:solidFill>
+                  <a:schemeClr val="bg1"/>
+                </a:solidFill>
+              </a:rPr>
+              <a:t>plt</a:t>
+            </a:r>
+            <a:endParaRPr lang="fr-FR" dirty="0">
+              <a:solidFill>
+                <a:schemeClr val="bg1"/>
+              </a:solidFill>
+            </a:endParaRPr>
+          </a:p>
+          <a:p>
+            <a:r>
+              <a:rPr lang="it-IT" b="1" dirty="0"/>
+              <a:t>plt</a:t>
+            </a:r>
+            <a:r>
+              <a:rPr lang="it-IT" dirty="0"/>
+              <a:t>.</a:t>
+            </a:r>
+            <a:r>
+              <a:rPr lang="it-IT" b="1" dirty="0"/>
+              <a:t>figure</a:t>
+            </a:r>
+            <a:r>
+              <a:rPr lang="it-IT" dirty="0"/>
+              <a:t>()</a:t>
+            </a:r>
+            <a:endParaRPr lang="fr-FR" b="1" dirty="0"/>
+          </a:p>
+        </p:txBody>
+      </p:sp>
+      <p:sp>
+        <p:nvSpPr>
+          <p:cNvPr id="4" name="Espace réservé du numéro de diapositive 3">
+            <a:extLst>
+              <a:ext uri="{FF2B5EF4-FFF2-40B4-BE49-F238E27FC236}">
+                <a16:creationId xmlns:a16="http://schemas.microsoft.com/office/drawing/2014/main" id="{3CF15BDA-7247-9C2C-35BB-4E0ED833A1F8}"/>
+              </a:ext>
+            </a:extLst>
+          </p:cNvPr>
+          <p:cNvSpPr>
+            <a:spLocks noGrp="1"/>
+          </p:cNvSpPr>
+          <p:nvPr>
+            <p:ph type="sldNum" sz="quarter" idx="12"/>
+          </p:nvPr>
+        </p:nvSpPr>
+        <p:spPr/>
+        <p:txBody>
+          <a:bodyPr/>
+          <a:lstStyle/>
+          <a:p>
+            <a:fld id="{B2DC25EE-239B-4C5F-AAD1-255A7D5F1EE2}" type="slidenum">
+              <a:rPr lang="en-US" smtClean="0"/>
+              <a:t>21</a:t>
+            </a:fld>
+            <a:endParaRPr lang="en-US"/>
           </a:p>
         </p:txBody>
       </p:sp>
       <p:pic>
         <p:nvPicPr>
-          <p:cNvPr id="10" name="Picture 6">
-            <a:extLst>
-              <a:ext uri="{FF2B5EF4-FFF2-40B4-BE49-F238E27FC236}">
-                <a16:creationId xmlns:a16="http://schemas.microsoft.com/office/drawing/2014/main" id="{B08DE29C-1F7C-390F-64F6-5A4A64FD8E5F}"/>
+          <p:cNvPr id="6" name="Picture 6">
+            <a:extLst>
+              <a:ext uri="{FF2B5EF4-FFF2-40B4-BE49-F238E27FC236}">
+                <a16:creationId xmlns:a16="http://schemas.microsoft.com/office/drawing/2014/main" id="{51341FAA-347E-5BD9-4AE5-44D4B4AC05C8}"/>
               </a:ext>
             </a:extLst>
           </p:cNvPr>
@@ -16780,7 +16392,7 @@
           <p:nvPr/>
         </p:nvPicPr>
         <p:blipFill>
-          <a:blip r:embed="rId4" cstate="hqprint">
+          <a:blip r:embed="rId4">
             <a:extLst>
               <a:ext uri="{28A0092B-C50C-407E-A947-70E740481C1C}">
                 <a14:useLocalDpi xmlns:a14="http://schemas.microsoft.com/office/drawing/2010/main" val="0"/>
@@ -16794,8 +16406,8 @@
         </p:blipFill>
         <p:spPr bwMode="auto">
           <a:xfrm>
-            <a:off x="10426228" y="2206699"/>
-            <a:ext cx="905256" cy="407269"/>
+            <a:off x="2547458" y="4941285"/>
+            <a:ext cx="1319971" cy="593846"/>
           </a:xfrm>
           <a:prstGeom prst="rect">
             <a:avLst/>
@@ -16812,303 +16424,57 @@
           </a:extLst>
         </p:spPr>
       </p:pic>
-      <p:sp>
-        <p:nvSpPr>
-          <p:cNvPr id="4" name="Espace réservé du numéro de diapositive 3">
-            <a:extLst>
-              <a:ext uri="{FF2B5EF4-FFF2-40B4-BE49-F238E27FC236}">
-                <a16:creationId xmlns:a16="http://schemas.microsoft.com/office/drawing/2014/main" id="{EDA5015E-6C98-2727-40F4-66EF4663BB22}"/>
-              </a:ext>
-            </a:extLst>
-          </p:cNvPr>
-          <p:cNvSpPr>
-            <a:spLocks noGrp="1"/>
-          </p:cNvSpPr>
-          <p:nvPr>
-            <p:ph type="sldNum" sz="quarter" idx="12"/>
-          </p:nvPr>
-        </p:nvSpPr>
-        <p:spPr/>
-        <p:txBody>
-          <a:bodyPr/>
-          <a:lstStyle/>
-          <a:p>
-            <a:fld id="{B2DC25EE-239B-4C5F-AAD1-255A7D5F1EE2}" type="slidenum">
-              <a:rPr lang="en-US" smtClean="0"/>
-              <a:t>21</a:t>
-            </a:fld>
-            <a:endParaRPr lang="en-US"/>
-          </a:p>
-        </p:txBody>
-      </p:sp>
-      <p:sp>
-        <p:nvSpPr>
-          <p:cNvPr id="12" name="ZoneTexte 11">
-            <a:extLst>
-              <a:ext uri="{FF2B5EF4-FFF2-40B4-BE49-F238E27FC236}">
-                <a16:creationId xmlns:a16="http://schemas.microsoft.com/office/drawing/2014/main" id="{DF0B883E-9CEF-329D-163F-6123441B0C4E}"/>
-              </a:ext>
-            </a:extLst>
-          </p:cNvPr>
-          <p:cNvSpPr txBox="1"/>
+      <p:pic>
+        <p:nvPicPr>
+          <p:cNvPr id="8" name="Picture 8">
+            <a:extLst>
+              <a:ext uri="{FF2B5EF4-FFF2-40B4-BE49-F238E27FC236}">
+                <a16:creationId xmlns:a16="http://schemas.microsoft.com/office/drawing/2014/main" id="{D4E62603-BC17-66D8-7A8C-684AE77894C4}"/>
+              </a:ext>
+            </a:extLst>
+          </p:cNvPr>
+          <p:cNvPicPr>
+            <a:picLocks noChangeAspect="1" noChangeArrowheads="1"/>
+          </p:cNvPicPr>
           <p:nvPr/>
-        </p:nvSpPr>
-        <p:spPr>
-          <a:xfrm>
-            <a:off x="822960" y="3302376"/>
-            <a:ext cx="4765173" cy="1200329"/>
+        </p:nvPicPr>
+        <p:blipFill>
+          <a:blip r:embed="rId5">
+            <a:extLst>
+              <a:ext uri="{28A0092B-C50C-407E-A947-70E740481C1C}">
+                <a14:useLocalDpi xmlns:a14="http://schemas.microsoft.com/office/drawing/2010/main" val="0"/>
+              </a:ext>
+            </a:extLst>
+          </a:blip>
+          <a:srcRect/>
+          <a:stretch>
+            <a:fillRect/>
+          </a:stretch>
+        </p:blipFill>
+        <p:spPr bwMode="auto">
+          <a:xfrm>
+            <a:off x="8063331" y="5098010"/>
+            <a:ext cx="1326582" cy="277071"/>
           </a:xfrm>
           <a:prstGeom prst="rect">
             <a:avLst/>
           </a:prstGeom>
-          <a:solidFill>
-            <a:schemeClr val="accent1">
-              <a:lumMod val="40000"/>
-              <a:lumOff val="60000"/>
-            </a:schemeClr>
-          </a:solidFill>
-        </p:spPr>
-        <p:txBody>
-          <a:bodyPr wrap="square" rtlCol="0">
-            <a:spAutoFit/>
-          </a:bodyPr>
-          <a:lstStyle/>
-          <a:p>
-            <a:r>
-              <a:rPr lang="fr-FR" b="1" dirty="0"/>
-              <a:t>import</a:t>
-            </a:r>
-            <a:r>
-              <a:rPr lang="fr-FR" dirty="0"/>
-              <a:t> </a:t>
-            </a:r>
-            <a:r>
-              <a:rPr lang="fr-FR" i="1" dirty="0" err="1"/>
-              <a:t>numpy</a:t>
-            </a:r>
-            <a:r>
-              <a:rPr lang="fr-FR" i="1" dirty="0"/>
-              <a:t> </a:t>
-            </a:r>
-            <a:r>
-              <a:rPr lang="fr-FR" b="1" dirty="0"/>
-              <a:t>as </a:t>
-            </a:r>
-            <a:r>
-              <a:rPr lang="fr-FR" i="1" dirty="0" err="1"/>
-              <a:t>np</a:t>
-            </a:r>
-            <a:endParaRPr lang="fr-FR" i="1" dirty="0"/>
-          </a:p>
-          <a:p>
-            <a:r>
-              <a:rPr lang="en-US" dirty="0" err="1"/>
-              <a:t>vz</a:t>
-            </a:r>
-            <a:r>
-              <a:rPr lang="en-US" dirty="0"/>
-              <a:t> </a:t>
-            </a:r>
-            <a:r>
-              <a:rPr lang="en-US" b="1" dirty="0"/>
-              <a:t>=</a:t>
-            </a:r>
-            <a:r>
-              <a:rPr lang="en-US" dirty="0"/>
-              <a:t> </a:t>
-            </a:r>
-            <a:r>
-              <a:rPr lang="en-US" i="1" dirty="0" err="1"/>
-              <a:t>np</a:t>
-            </a:r>
-            <a:r>
-              <a:rPr lang="en-US" dirty="0" err="1"/>
-              <a:t>.</a:t>
-            </a:r>
-            <a:r>
-              <a:rPr lang="en-US" b="1" dirty="0" err="1"/>
-              <a:t>zeros</a:t>
-            </a:r>
-            <a:r>
-              <a:rPr lang="en-US" b="1" dirty="0"/>
-              <a:t>( </a:t>
-            </a:r>
-            <a:r>
-              <a:rPr lang="en-US" dirty="0"/>
-              <a:t>10</a:t>
-            </a:r>
-            <a:r>
-              <a:rPr lang="en-US" b="1" dirty="0"/>
-              <a:t> )</a:t>
-            </a:r>
-          </a:p>
-          <a:p>
-            <a:r>
-              <a:rPr lang="en-US" b="1" dirty="0"/>
-              <a:t>print( </a:t>
-            </a:r>
-            <a:r>
-              <a:rPr lang="en-US" b="1" dirty="0" err="1"/>
-              <a:t>f’</a:t>
-            </a:r>
-            <a:r>
-              <a:rPr lang="en-US" i="1" dirty="0" err="1"/>
-              <a:t>shape</a:t>
-            </a:r>
-            <a:r>
-              <a:rPr lang="en-US" i="1" dirty="0"/>
-              <a:t> of </a:t>
-            </a:r>
-            <a:r>
-              <a:rPr lang="en-US" i="1" dirty="0" err="1"/>
-              <a:t>vz</a:t>
-            </a:r>
-            <a:r>
-              <a:rPr lang="en-US" i="1" dirty="0"/>
-              <a:t> :</a:t>
-            </a:r>
-            <a:r>
-              <a:rPr lang="en-US" b="1" dirty="0"/>
-              <a:t> {</a:t>
-            </a:r>
-            <a:r>
-              <a:rPr lang="en-US" dirty="0" err="1"/>
-              <a:t>vz.</a:t>
-            </a:r>
-            <a:r>
-              <a:rPr lang="en-US" b="1" dirty="0" err="1"/>
-              <a:t>shape</a:t>
-            </a:r>
-            <a:r>
-              <a:rPr lang="en-US" b="1" dirty="0"/>
-              <a:t>}’ )</a:t>
-            </a:r>
-          </a:p>
-          <a:p>
-            <a:r>
-              <a:rPr lang="en-US" b="1" dirty="0"/>
-              <a:t>print( </a:t>
-            </a:r>
-            <a:r>
-              <a:rPr lang="en-US" b="1" dirty="0" err="1"/>
-              <a:t>f’</a:t>
-            </a:r>
-            <a:r>
-              <a:rPr lang="en-US" i="1" dirty="0" err="1"/>
-              <a:t>values</a:t>
-            </a:r>
-            <a:r>
-              <a:rPr lang="en-US" i="1" dirty="0"/>
-              <a:t> of </a:t>
-            </a:r>
-            <a:r>
-              <a:rPr lang="en-US" i="1" dirty="0" err="1"/>
-              <a:t>vz</a:t>
-            </a:r>
-            <a:r>
-              <a:rPr lang="en-US" i="1" dirty="0"/>
-              <a:t> : </a:t>
-            </a:r>
-            <a:r>
-              <a:rPr lang="en-US" b="1" dirty="0"/>
-              <a:t>{</a:t>
-            </a:r>
-            <a:r>
-              <a:rPr lang="en-US" dirty="0" err="1"/>
-              <a:t>vz</a:t>
-            </a:r>
-            <a:r>
-              <a:rPr lang="en-US" b="1" dirty="0"/>
-              <a:t>}’ )</a:t>
-            </a:r>
-            <a:endParaRPr lang="fr-FR" b="1" dirty="0"/>
-          </a:p>
-        </p:txBody>
-      </p:sp>
-      <p:sp>
-        <p:nvSpPr>
-          <p:cNvPr id="13" name="ZoneTexte 12">
-            <a:extLst>
-              <a:ext uri="{FF2B5EF4-FFF2-40B4-BE49-F238E27FC236}">
-                <a16:creationId xmlns:a16="http://schemas.microsoft.com/office/drawing/2014/main" id="{2A8DC775-040B-7E9F-3E47-BA499209F6F7}"/>
-              </a:ext>
-            </a:extLst>
-          </p:cNvPr>
-          <p:cNvSpPr txBox="1"/>
-          <p:nvPr/>
-        </p:nvSpPr>
-        <p:spPr>
-          <a:xfrm>
-            <a:off x="1391037" y="4590056"/>
-            <a:ext cx="4197096" cy="369332"/>
-          </a:xfrm>
-          <a:prstGeom prst="rect">
-            <a:avLst/>
-          </a:prstGeom>
-          <a:solidFill>
-            <a:schemeClr val="accent6">
-              <a:lumMod val="40000"/>
-              <a:lumOff val="60000"/>
-            </a:schemeClr>
-          </a:solidFill>
-        </p:spPr>
-        <p:txBody>
-          <a:bodyPr wrap="square" rtlCol="0">
-            <a:spAutoFit/>
-          </a:bodyPr>
-          <a:lstStyle/>
-          <a:p>
-            <a:r>
-              <a:rPr lang="en-US" dirty="0"/>
-              <a:t>???</a:t>
-            </a:r>
-          </a:p>
-        </p:txBody>
-      </p:sp>
-      <p:sp>
-        <p:nvSpPr>
-          <p:cNvPr id="9" name="ZoneTexte 8">
-            <a:extLst>
-              <a:ext uri="{FF2B5EF4-FFF2-40B4-BE49-F238E27FC236}">
-                <a16:creationId xmlns:a16="http://schemas.microsoft.com/office/drawing/2014/main" id="{570B3EE8-C516-E6A9-A9E6-2CC134DD606D}"/>
-              </a:ext>
-            </a:extLst>
-          </p:cNvPr>
-          <p:cNvSpPr txBox="1"/>
-          <p:nvPr/>
-        </p:nvSpPr>
-        <p:spPr>
-          <a:xfrm>
-            <a:off x="6913050" y="4306151"/>
-            <a:ext cx="4197096" cy="369332"/>
-          </a:xfrm>
-          <a:prstGeom prst="rect">
-            <a:avLst/>
-          </a:prstGeom>
-          <a:solidFill>
-            <a:schemeClr val="accent6">
-              <a:lumMod val="40000"/>
-              <a:lumOff val="60000"/>
-            </a:schemeClr>
-          </a:solidFill>
-        </p:spPr>
-        <p:txBody>
-          <a:bodyPr wrap="square" rtlCol="0">
-            <a:spAutoFit/>
-          </a:bodyPr>
-          <a:lstStyle/>
-          <a:p>
-            <a:r>
-              <a:rPr lang="en-US" dirty="0"/>
-              <a:t>???</a:t>
-            </a:r>
-          </a:p>
-        </p:txBody>
-      </p:sp>
+          <a:noFill/>
+          <a:extLst>
+            <a:ext uri="{909E8E84-426E-40DD-AFC4-6F175D3DCCD1}">
+              <a14:hiddenFill xmlns:a14="http://schemas.microsoft.com/office/drawing/2010/main">
+                <a:solidFill>
+                  <a:srgbClr val="FFFFFF"/>
+                </a:solidFill>
+              </a14:hiddenFill>
+            </a:ext>
+          </a:extLst>
+        </p:spPr>
+      </p:pic>
     </p:spTree>
     <p:extLst>
       <p:ext uri="{BB962C8B-B14F-4D97-AF65-F5344CB8AC3E}">
-        <p14:creationId xmlns:p14="http://schemas.microsoft.com/office/powerpoint/2010/main" val="2531921462"/>
+        <p14:creationId xmlns:p14="http://schemas.microsoft.com/office/powerpoint/2010/main" val="1574335150"/>
       </p:ext>
     </p:extLst>
   </p:cSld>
@@ -17191,7 +16557,7 @@
           <a:p>
             <a:r>
               <a:rPr lang="fr-FR" dirty="0"/>
-              <a:t>Quelques vecteurs particuliers</a:t>
+              <a:t>Utilisation des vecteurs / matrices</a:t>
             </a:r>
           </a:p>
         </p:txBody>
@@ -17277,7 +16643,7 @@
         <p:spPr>
           <a:xfrm>
             <a:off x="6344973" y="3296162"/>
-            <a:ext cx="4765173" cy="923330"/>
+            <a:ext cx="4765173" cy="1200329"/>
           </a:xfrm>
           <a:prstGeom prst="rect">
             <a:avLst/>
@@ -17297,7 +16663,7 @@
           <a:p>
             <a:r>
               <a:rPr lang="en-US" dirty="0"/>
-              <a:t>vlog </a:t>
+              <a:t>mb </a:t>
             </a:r>
             <a:r>
               <a:rPr lang="en-US" b="1" dirty="0"/>
@@ -17317,85 +16683,125 @@
             </a:r>
             <a:r>
               <a:rPr lang="en-US" b="1" dirty="0" err="1"/>
-              <a:t>logspace</a:t>
+              <a:t>array</a:t>
+            </a:r>
+            <a:r>
+              <a:rPr lang="en-US" dirty="0"/>
+              <a:t>( [[1,2,3] , [4,5,6]] )</a:t>
+            </a:r>
+          </a:p>
+          <a:p>
+            <a:r>
+              <a:rPr lang="en-US" dirty="0"/>
+              <a:t>mc </a:t>
             </a:r>
             <a:r>
               <a:rPr lang="en-US" b="1" dirty="0"/>
-              <a:t>( </a:t>
+              <a:t>=</a:t>
             </a:r>
             <a:r>
               <a:rPr lang="en-US" dirty="0"/>
-              <a:t>1, 5, 11 </a:t>
+              <a:t> </a:t>
+            </a:r>
+            <a:r>
+              <a:rPr lang="en-US" i="1" dirty="0" err="1"/>
+              <a:t>np</a:t>
+            </a:r>
+            <a:r>
+              <a:rPr lang="en-US" dirty="0" err="1"/>
+              <a:t>.</a:t>
+            </a:r>
+            <a:r>
+              <a:rPr lang="en-US" b="1" dirty="0" err="1"/>
+              <a:t>array</a:t>
+            </a:r>
+            <a:r>
+              <a:rPr lang="en-US" dirty="0"/>
+              <a:t>( [[1,2,3] , [4,5,6]] ) </a:t>
+            </a:r>
+          </a:p>
+          <a:p>
+            <a:r>
+              <a:rPr lang="en-US" dirty="0"/>
+              <a:t>mm </a:t>
+            </a:r>
+            <a:r>
+              <a:rPr lang="en-US" b="1" dirty="0"/>
+              <a:t>=</a:t>
+            </a:r>
+            <a:r>
+              <a:rPr lang="en-US" dirty="0"/>
+              <a:t> mb </a:t>
+            </a:r>
+            <a:r>
+              <a:rPr lang="en-US" b="1" dirty="0"/>
+              <a:t>+</a:t>
+            </a:r>
+            <a:r>
+              <a:rPr lang="en-US" dirty="0"/>
+              <a:t> mc</a:t>
+            </a:r>
+          </a:p>
+          <a:p>
+            <a:r>
+              <a:rPr lang="en-US" b="1" dirty="0"/>
+              <a:t>print( </a:t>
+            </a:r>
+            <a:r>
+              <a:rPr lang="en-US" dirty="0"/>
+              <a:t>mm </a:t>
             </a:r>
             <a:r>
               <a:rPr lang="en-US" b="1" dirty="0"/>
               <a:t>)</a:t>
             </a:r>
-          </a:p>
-          <a:p>
-            <a:r>
-              <a:rPr lang="en-US" b="1" dirty="0"/>
-              <a:t>print( </a:t>
-            </a:r>
-            <a:r>
-              <a:rPr lang="en-US" b="1" dirty="0" err="1"/>
-              <a:t>f’</a:t>
-            </a:r>
-            <a:r>
-              <a:rPr lang="en-US" i="1" dirty="0" err="1"/>
-              <a:t>shape</a:t>
-            </a:r>
-            <a:r>
-              <a:rPr lang="en-US" i="1" dirty="0"/>
-              <a:t> of vlog :</a:t>
-            </a:r>
-            <a:r>
-              <a:rPr lang="en-US" b="1" dirty="0"/>
-              <a:t> {</a:t>
-            </a:r>
-            <a:r>
-              <a:rPr lang="en-US" dirty="0" err="1"/>
-              <a:t>vlog.</a:t>
-            </a:r>
-            <a:r>
-              <a:rPr lang="en-US" b="1" dirty="0" err="1"/>
-              <a:t>shape</a:t>
-            </a:r>
-            <a:r>
-              <a:rPr lang="en-US" b="1" dirty="0"/>
-              <a:t>}’ )</a:t>
-            </a:r>
-          </a:p>
-          <a:p>
-            <a:r>
-              <a:rPr lang="en-US" b="1" dirty="0"/>
-              <a:t>print( </a:t>
-            </a:r>
-            <a:r>
-              <a:rPr lang="en-US" b="1" dirty="0" err="1"/>
-              <a:t>f’</a:t>
-            </a:r>
-            <a:r>
-              <a:rPr lang="en-US" i="1" dirty="0" err="1"/>
-              <a:t>values</a:t>
-            </a:r>
-            <a:r>
-              <a:rPr lang="en-US" i="1" dirty="0"/>
-              <a:t> of vlog : </a:t>
-            </a:r>
-            <a:r>
-              <a:rPr lang="en-US" b="1" dirty="0"/>
-              <a:t>{</a:t>
-            </a:r>
+            <a:endParaRPr lang="fr-FR" b="1" dirty="0"/>
+          </a:p>
+        </p:txBody>
+      </p:sp>
+      <p:sp>
+        <p:nvSpPr>
+          <p:cNvPr id="8" name="ZoneTexte 7">
+            <a:extLst>
+              <a:ext uri="{FF2B5EF4-FFF2-40B4-BE49-F238E27FC236}">
+                <a16:creationId xmlns:a16="http://schemas.microsoft.com/office/drawing/2014/main" id="{E6ED157B-06F2-9E4A-4DB0-EF754E129A72}"/>
+              </a:ext>
+            </a:extLst>
+          </p:cNvPr>
+          <p:cNvSpPr txBox="1"/>
+          <p:nvPr/>
+        </p:nvSpPr>
+        <p:spPr>
+          <a:xfrm>
+            <a:off x="6913050" y="4590056"/>
+            <a:ext cx="4197096" cy="646331"/>
+          </a:xfrm>
+          <a:prstGeom prst="rect">
+            <a:avLst/>
+          </a:prstGeom>
+          <a:solidFill>
+            <a:schemeClr val="accent1">
+              <a:lumMod val="20000"/>
+              <a:lumOff val="80000"/>
+            </a:schemeClr>
+          </a:solidFill>
+        </p:spPr>
+        <p:txBody>
+          <a:bodyPr wrap="square" rtlCol="0">
+            <a:spAutoFit/>
+          </a:bodyPr>
+          <a:lstStyle/>
+          <a:p>
             <a:r>
               <a:rPr lang="en-US" dirty="0"/>
-              <a:t>vlog</a:t>
-            </a:r>
-            <a:r>
-              <a:rPr lang="en-US" b="1" dirty="0"/>
-              <a:t>}’ )</a:t>
-            </a:r>
-            <a:endParaRPr lang="fr-FR" b="1" dirty="0"/>
+              <a:t>[[ 2  4  6]</a:t>
+            </a:r>
+          </a:p>
+          <a:p>
+            <a:r>
+              <a:rPr lang="en-US" dirty="0"/>
+              <a:t>  [ 8  10  12]]</a:t>
+            </a:r>
           </a:p>
         </p:txBody>
       </p:sp>
@@ -17536,14 +16942,40 @@
           </a:p>
           <a:p>
             <a:r>
-              <a:rPr lang="en-US" dirty="0" err="1"/>
-              <a:t>vlin</a:t>
+              <a:rPr lang="en-US" dirty="0"/>
+              <a:t>x </a:t>
+            </a:r>
+            <a:r>
+              <a:rPr lang="en-US" b="1" dirty="0"/>
+              <a:t>=</a:t>
             </a:r>
             <a:r>
               <a:rPr lang="en-US" dirty="0"/>
               <a:t> </a:t>
             </a:r>
             <a:r>
+              <a:rPr lang="en-US" i="1" dirty="0" err="1"/>
+              <a:t>np</a:t>
+            </a:r>
+            <a:r>
+              <a:rPr lang="en-US" dirty="0" err="1"/>
+              <a:t>.</a:t>
+            </a:r>
+            <a:r>
+              <a:rPr lang="en-US" b="1" dirty="0" err="1"/>
+              <a:t>array</a:t>
+            </a:r>
+            <a:r>
+              <a:rPr lang="en-US" dirty="0"/>
+              <a:t>( [1,2,3] )</a:t>
+            </a:r>
+          </a:p>
+          <a:p>
+            <a:r>
+              <a:rPr lang="en-US" dirty="0"/>
+              <a:t>y </a:t>
+            </a:r>
+            <a:r>
               <a:rPr lang="en-US" b="1" dirty="0"/>
               <a:t>=</a:t>
             </a:r>
@@ -17561,19 +16993,11 @@
             </a:r>
             <a:r>
               <a:rPr lang="en-US" b="1" dirty="0" err="1"/>
-              <a:t>linspace</a:t>
-            </a:r>
-            <a:r>
-              <a:rPr lang="en-US" b="1" dirty="0"/>
-              <a:t>( </a:t>
+              <a:t>sin</a:t>
             </a:r>
             <a:r>
               <a:rPr lang="en-US" dirty="0"/>
-              <a:t>-1, 3, 101</a:t>
-            </a:r>
-            <a:r>
-              <a:rPr lang="en-US" b="1" dirty="0"/>
-              <a:t> )</a:t>
+              <a:t>(x)</a:t>
             </a:r>
           </a:p>
           <a:p>
@@ -17582,78 +17006,12 @@
               <a:t>print( </a:t>
             </a:r>
             <a:r>
-              <a:rPr lang="en-US" b="1" dirty="0" err="1"/>
-              <a:t>f’</a:t>
-            </a:r>
-            <a:r>
-              <a:rPr lang="en-US" i="1" dirty="0" err="1"/>
-              <a:t>shape</a:t>
-            </a:r>
-            <a:r>
-              <a:rPr lang="en-US" i="1" dirty="0"/>
-              <a:t> of </a:t>
-            </a:r>
-            <a:r>
-              <a:rPr lang="en-US" i="1" dirty="0" err="1"/>
-              <a:t>vlin</a:t>
-            </a:r>
-            <a:r>
-              <a:rPr lang="en-US" i="1" dirty="0"/>
-              <a:t> :</a:t>
+              <a:rPr lang="en-US" dirty="0"/>
+              <a:t>y </a:t>
             </a:r>
             <a:r>
               <a:rPr lang="en-US" b="1" dirty="0"/>
-              <a:t> {</a:t>
-            </a:r>
-            <a:r>
-              <a:rPr lang="en-US" dirty="0" err="1"/>
-              <a:t>vlin.</a:t>
-            </a:r>
-            <a:r>
-              <a:rPr lang="en-US" b="1" dirty="0" err="1"/>
-              <a:t>shape</a:t>
-            </a:r>
-            <a:r>
-              <a:rPr lang="en-US" b="1" dirty="0"/>
-              <a:t>}’ )</a:t>
-            </a:r>
-          </a:p>
-          <a:p>
-            <a:r>
-              <a:rPr lang="en-US" b="1" dirty="0"/>
-              <a:t>print( </a:t>
-            </a:r>
-            <a:r>
-              <a:rPr lang="en-US" b="1" dirty="0" err="1"/>
-              <a:t>f’</a:t>
-            </a:r>
-            <a:r>
-              <a:rPr lang="en-US" i="1" dirty="0" err="1"/>
-              <a:t>values</a:t>
-            </a:r>
-            <a:r>
-              <a:rPr lang="en-US" i="1" dirty="0"/>
-              <a:t> of </a:t>
-            </a:r>
-            <a:r>
-              <a:rPr lang="en-US" i="1" dirty="0" err="1"/>
-              <a:t>vlin</a:t>
-            </a:r>
-            <a:r>
-              <a:rPr lang="en-US" i="1" dirty="0"/>
-              <a:t> : </a:t>
-            </a:r>
-            <a:r>
-              <a:rPr lang="en-US" b="1" dirty="0"/>
-              <a:t>{</a:t>
-            </a:r>
-            <a:r>
-              <a:rPr lang="en-US" dirty="0" err="1"/>
-              <a:t>vlin</a:t>
-            </a:r>
-            <a:r>
-              <a:rPr lang="en-US" b="1" dirty="0"/>
-              <a:t>}’ )</a:t>
+              <a:t>)</a:t>
             </a:r>
             <a:endParaRPr lang="fr-FR" b="1" dirty="0"/>
           </a:p>
@@ -17699,247 +17057,10 @@
           </a:p>
         </p:txBody>
       </p:sp>
-      <p:sp>
-        <p:nvSpPr>
-          <p:cNvPr id="9" name="ZoneTexte 8">
-            <a:extLst>
-              <a:ext uri="{FF2B5EF4-FFF2-40B4-BE49-F238E27FC236}">
-                <a16:creationId xmlns:a16="http://schemas.microsoft.com/office/drawing/2014/main" id="{570B3EE8-C516-E6A9-A9E6-2CC134DD606D}"/>
-              </a:ext>
-            </a:extLst>
-          </p:cNvPr>
-          <p:cNvSpPr txBox="1"/>
-          <p:nvPr/>
-        </p:nvSpPr>
-        <p:spPr>
-          <a:xfrm>
-            <a:off x="6913050" y="4306151"/>
-            <a:ext cx="4197096" cy="369332"/>
-          </a:xfrm>
-          <a:prstGeom prst="rect">
-            <a:avLst/>
-          </a:prstGeom>
-          <a:solidFill>
-            <a:schemeClr val="accent6">
-              <a:lumMod val="40000"/>
-              <a:lumOff val="60000"/>
-            </a:schemeClr>
-          </a:solidFill>
-        </p:spPr>
-        <p:txBody>
-          <a:bodyPr wrap="square" rtlCol="0">
-            <a:spAutoFit/>
-          </a:bodyPr>
-          <a:lstStyle/>
-          <a:p>
-            <a:r>
-              <a:rPr lang="en-US" dirty="0"/>
-              <a:t>???</a:t>
-            </a:r>
-          </a:p>
-        </p:txBody>
-      </p:sp>
-      <p:sp>
-        <p:nvSpPr>
-          <p:cNvPr id="8" name="ZoneTexte 7">
-            <a:extLst>
-              <a:ext uri="{FF2B5EF4-FFF2-40B4-BE49-F238E27FC236}">
-                <a16:creationId xmlns:a16="http://schemas.microsoft.com/office/drawing/2014/main" id="{43B339DF-E435-4D86-66B2-90C8FB26C82F}"/>
-              </a:ext>
-            </a:extLst>
-          </p:cNvPr>
-          <p:cNvSpPr txBox="1"/>
-          <p:nvPr/>
-        </p:nvSpPr>
-        <p:spPr>
-          <a:xfrm>
-            <a:off x="6344972" y="4830535"/>
-            <a:ext cx="4765173" cy="923330"/>
-          </a:xfrm>
-          <a:prstGeom prst="rect">
-            <a:avLst/>
-          </a:prstGeom>
-          <a:solidFill>
-            <a:schemeClr val="accent1">
-              <a:lumMod val="40000"/>
-              <a:lumOff val="60000"/>
-            </a:schemeClr>
-          </a:solidFill>
-        </p:spPr>
-        <p:txBody>
-          <a:bodyPr wrap="square" rtlCol="0">
-            <a:spAutoFit/>
-          </a:bodyPr>
-          <a:lstStyle/>
-          <a:p>
-            <a:r>
-              <a:rPr lang="en-US" dirty="0" err="1"/>
-              <a:t>vara</a:t>
-            </a:r>
-            <a:r>
-              <a:rPr lang="en-US" dirty="0"/>
-              <a:t> </a:t>
-            </a:r>
-            <a:r>
-              <a:rPr lang="en-US" b="1" dirty="0"/>
-              <a:t>=</a:t>
-            </a:r>
-            <a:r>
-              <a:rPr lang="en-US" dirty="0"/>
-              <a:t> </a:t>
-            </a:r>
-            <a:r>
-              <a:rPr lang="en-US" i="1" dirty="0" err="1"/>
-              <a:t>np</a:t>
-            </a:r>
-            <a:r>
-              <a:rPr lang="en-US" dirty="0" err="1"/>
-              <a:t>.</a:t>
-            </a:r>
-            <a:r>
-              <a:rPr lang="en-US" b="1" dirty="0" err="1"/>
-              <a:t>arange</a:t>
-            </a:r>
-            <a:r>
-              <a:rPr lang="en-US" b="1" dirty="0"/>
-              <a:t>( </a:t>
-            </a:r>
-            <a:r>
-              <a:rPr lang="en-US" dirty="0"/>
-              <a:t>5, step=0.5 </a:t>
-            </a:r>
-            <a:r>
-              <a:rPr lang="en-US" b="1" dirty="0"/>
-              <a:t>)</a:t>
-            </a:r>
-          </a:p>
-          <a:p>
-            <a:r>
-              <a:rPr lang="en-US" b="1" dirty="0"/>
-              <a:t>print( </a:t>
-            </a:r>
-            <a:r>
-              <a:rPr lang="en-US" b="1" dirty="0" err="1"/>
-              <a:t>f’</a:t>
-            </a:r>
-            <a:r>
-              <a:rPr lang="en-US" i="1" dirty="0" err="1"/>
-              <a:t>shape</a:t>
-            </a:r>
-            <a:r>
-              <a:rPr lang="en-US" i="1" dirty="0"/>
-              <a:t> of </a:t>
-            </a:r>
-            <a:r>
-              <a:rPr lang="en-US" i="1" dirty="0" err="1"/>
-              <a:t>vara</a:t>
-            </a:r>
-            <a:r>
-              <a:rPr lang="en-US" i="1" dirty="0"/>
-              <a:t> :</a:t>
-            </a:r>
-            <a:r>
-              <a:rPr lang="en-US" b="1" dirty="0"/>
-              <a:t> {</a:t>
-            </a:r>
-            <a:r>
-              <a:rPr lang="en-US" dirty="0" err="1"/>
-              <a:t>vara.</a:t>
-            </a:r>
-            <a:r>
-              <a:rPr lang="en-US" b="1" dirty="0" err="1"/>
-              <a:t>shape</a:t>
-            </a:r>
-            <a:r>
-              <a:rPr lang="en-US" b="1" dirty="0"/>
-              <a:t>}’ )</a:t>
-            </a:r>
-          </a:p>
-          <a:p>
-            <a:r>
-              <a:rPr lang="en-US" b="1" dirty="0"/>
-              <a:t>print( </a:t>
-            </a:r>
-            <a:r>
-              <a:rPr lang="en-US" b="1" dirty="0" err="1"/>
-              <a:t>f’</a:t>
-            </a:r>
-            <a:r>
-              <a:rPr lang="en-US" i="1" dirty="0" err="1"/>
-              <a:t>values</a:t>
-            </a:r>
-            <a:r>
-              <a:rPr lang="en-US" i="1" dirty="0"/>
-              <a:t> of </a:t>
-            </a:r>
-            <a:r>
-              <a:rPr lang="en-US" i="1" dirty="0" err="1"/>
-              <a:t>vara</a:t>
-            </a:r>
-            <a:r>
-              <a:rPr lang="en-US" i="1" dirty="0"/>
-              <a:t> : </a:t>
-            </a:r>
-            <a:r>
-              <a:rPr lang="en-US" b="1" dirty="0"/>
-              <a:t>{</a:t>
-            </a:r>
-            <a:r>
-              <a:rPr lang="en-US" dirty="0" err="1"/>
-              <a:t>vara</a:t>
-            </a:r>
-            <a:r>
-              <a:rPr lang="en-US" b="1" dirty="0"/>
-              <a:t>}’ )</a:t>
-            </a:r>
-            <a:endParaRPr lang="fr-FR" b="1" dirty="0"/>
-          </a:p>
-        </p:txBody>
-      </p:sp>
-      <p:sp>
-        <p:nvSpPr>
-          <p:cNvPr id="11" name="ZoneTexte 10">
-            <a:extLst>
-              <a:ext uri="{FF2B5EF4-FFF2-40B4-BE49-F238E27FC236}">
-                <a16:creationId xmlns:a16="http://schemas.microsoft.com/office/drawing/2014/main" id="{3112B1D5-8556-E8E6-CDC3-7902937021F8}"/>
-              </a:ext>
-            </a:extLst>
-          </p:cNvPr>
-          <p:cNvSpPr txBox="1"/>
-          <p:nvPr/>
-        </p:nvSpPr>
-        <p:spPr>
-          <a:xfrm>
-            <a:off x="6913049" y="5846198"/>
-            <a:ext cx="4197096" cy="369332"/>
-          </a:xfrm>
-          <a:prstGeom prst="rect">
-            <a:avLst/>
-          </a:prstGeom>
-          <a:solidFill>
-            <a:schemeClr val="accent6">
-              <a:lumMod val="40000"/>
-              <a:lumOff val="60000"/>
-            </a:schemeClr>
-          </a:solidFill>
-        </p:spPr>
-        <p:txBody>
-          <a:bodyPr wrap="square" rtlCol="0">
-            <a:spAutoFit/>
-          </a:bodyPr>
-          <a:lstStyle/>
-          <a:p>
-            <a:r>
-              <a:rPr lang="en-US" dirty="0"/>
-              <a:t>???</a:t>
-            </a:r>
-          </a:p>
-        </p:txBody>
-      </p:sp>
     </p:spTree>
     <p:extLst>
       <p:ext uri="{BB962C8B-B14F-4D97-AF65-F5344CB8AC3E}">
-        <p14:creationId xmlns:p14="http://schemas.microsoft.com/office/powerpoint/2010/main" val="1939030061"/>
+        <p14:creationId xmlns:p14="http://schemas.microsoft.com/office/powerpoint/2010/main" val="701073179"/>
       </p:ext>
     </p:extLst>
   </p:cSld>
@@ -18010,14 +17131,19 @@
             <p:ph sz="half" idx="1"/>
           </p:nvPr>
         </p:nvSpPr>
-        <p:spPr/>
+        <p:spPr>
+          <a:xfrm>
+            <a:off x="1115568" y="2478024"/>
+            <a:ext cx="10241082" cy="3694176"/>
+          </a:xfrm>
+        </p:spPr>
         <p:txBody>
           <a:bodyPr/>
           <a:lstStyle/>
           <a:p>
             <a:r>
               <a:rPr lang="fr-FR" dirty="0"/>
-              <a:t>Travailler avec des vecteurs</a:t>
+              <a:t>Quelques vecteurs particuliers</a:t>
             </a:r>
           </a:p>
         </p:txBody>
@@ -18058,41 +17184,42 @@
           </a:prstGeom>
         </p:spPr>
       </p:pic>
-      <p:sp>
-        <p:nvSpPr>
-          <p:cNvPr id="6" name="Espace réservé du numéro de diapositive 5">
-            <a:extLst>
-              <a:ext uri="{FF2B5EF4-FFF2-40B4-BE49-F238E27FC236}">
-                <a16:creationId xmlns:a16="http://schemas.microsoft.com/office/drawing/2014/main" id="{4C1E9BCC-7E3A-6B7D-DBFB-30833C830FF6}"/>
-              </a:ext>
-            </a:extLst>
-          </p:cNvPr>
-          <p:cNvSpPr>
-            <a:spLocks noGrp="1"/>
-          </p:cNvSpPr>
-          <p:nvPr>
-            <p:ph type="sldNum" sz="quarter" idx="12"/>
-          </p:nvPr>
-        </p:nvSpPr>
-        <p:spPr/>
-        <p:txBody>
-          <a:bodyPr/>
-          <a:lstStyle/>
-          <a:p>
-            <a:fld id="{B2DC25EE-239B-4C5F-AAD1-255A7D5F1EE2}" type="slidenum">
-              <a:rPr lang="en-US" smtClean="0"/>
-              <a:t>23</a:t>
-            </a:fld>
-            <a:endParaRPr lang="en-US"/>
-          </a:p>
-        </p:txBody>
-      </p:sp>
-      <p:sp>
-        <p:nvSpPr>
-          <p:cNvPr id="8" name="ZoneTexte 7">
-            <a:extLst>
-              <a:ext uri="{FF2B5EF4-FFF2-40B4-BE49-F238E27FC236}">
-                <a16:creationId xmlns:a16="http://schemas.microsoft.com/office/drawing/2014/main" id="{C602FF1A-ECC8-0713-6E48-03DC30535458}"/>
+      <p:pic>
+        <p:nvPicPr>
+          <p:cNvPr id="7" name="Image 6">
+            <a:extLst>
+              <a:ext uri="{FF2B5EF4-FFF2-40B4-BE49-F238E27FC236}">
+                <a16:creationId xmlns:a16="http://schemas.microsoft.com/office/drawing/2014/main" id="{5BB01D49-602A-9314-FD1F-4EC628128217}"/>
+              </a:ext>
+            </a:extLst>
+          </p:cNvPr>
+          <p:cNvPicPr>
+            <a:picLocks noChangeAspect="1"/>
+          </p:cNvPicPr>
+          <p:nvPr/>
+        </p:nvPicPr>
+        <p:blipFill>
+          <a:blip r:embed="rId3"/>
+          <a:stretch>
+            <a:fillRect/>
+          </a:stretch>
+        </p:blipFill>
+        <p:spPr>
+          <a:xfrm>
+            <a:off x="10077926" y="593679"/>
+            <a:ext cx="1081825" cy="1089498"/>
+          </a:xfrm>
+          <a:prstGeom prst="rect">
+            <a:avLst/>
+          </a:prstGeom>
+        </p:spPr>
+      </p:pic>
+      <p:sp>
+        <p:nvSpPr>
+          <p:cNvPr id="6" name="ZoneTexte 5">
+            <a:extLst>
+              <a:ext uri="{FF2B5EF4-FFF2-40B4-BE49-F238E27FC236}">
+                <a16:creationId xmlns:a16="http://schemas.microsoft.com/office/drawing/2014/main" id="{1E75402E-5E67-B2D4-EB26-E362E6C79788}"/>
               </a:ext>
             </a:extLst>
           </p:cNvPr>
@@ -18101,8 +17228,8 @@
         </p:nvSpPr>
         <p:spPr>
           <a:xfrm>
-            <a:off x="822960" y="3302376"/>
-            <a:ext cx="4765173" cy="1754326"/>
+            <a:off x="6344973" y="3296162"/>
+            <a:ext cx="4765173" cy="923330"/>
           </a:xfrm>
           <a:prstGeom prst="rect">
             <a:avLst/>
@@ -18121,456 +17248,135 @@
           <a:lstStyle/>
           <a:p>
             <a:r>
-              <a:rPr lang="fr-FR" b="1" dirty="0"/>
-              <a:t>import</a:t>
-            </a:r>
-            <a:r>
-              <a:rPr lang="fr-FR" dirty="0"/>
+              <a:rPr lang="en-US" dirty="0" err="1"/>
+              <a:t>mo</a:t>
+            </a:r>
+            <a:r>
+              <a:rPr lang="en-US" dirty="0"/>
               <a:t> </a:t>
             </a:r>
             <a:r>
-              <a:rPr lang="fr-FR" i="1" dirty="0" err="1"/>
-              <a:t>numpy</a:t>
-            </a:r>
-            <a:r>
-              <a:rPr lang="fr-FR" i="1" dirty="0"/>
+              <a:rPr lang="en-US" b="1" dirty="0"/>
+              <a:t>=</a:t>
+            </a:r>
+            <a:r>
+              <a:rPr lang="en-US" dirty="0"/>
               <a:t> </a:t>
             </a:r>
             <a:r>
-              <a:rPr lang="fr-FR" b="1" dirty="0"/>
-              <a:t>as </a:t>
-            </a:r>
-            <a:r>
-              <a:rPr lang="fr-FR" i="1" dirty="0" err="1"/>
+              <a:rPr lang="en-US" i="1" dirty="0" err="1"/>
               <a:t>np</a:t>
             </a:r>
-            <a:endParaRPr lang="fr-FR" i="1" dirty="0"/>
-          </a:p>
-          <a:p>
-            <a:r>
-              <a:rPr lang="fr-FR" dirty="0"/>
-              <a:t>mb </a:t>
-            </a:r>
-            <a:r>
-              <a:rPr lang="fr-FR" b="1" dirty="0"/>
-              <a:t>= </a:t>
-            </a:r>
-            <a:r>
-              <a:rPr lang="fr-FR" i="1" dirty="0" err="1"/>
-              <a:t>np</a:t>
-            </a:r>
-            <a:r>
-              <a:rPr lang="fr-FR" dirty="0" err="1"/>
+            <a:r>
+              <a:rPr lang="en-US" dirty="0" err="1"/>
               <a:t>.</a:t>
             </a:r>
             <a:r>
-              <a:rPr lang="fr-FR" b="1" dirty="0" err="1"/>
-              <a:t>array</a:t>
-            </a:r>
-            <a:r>
-              <a:rPr lang="fr-FR" b="1" dirty="0"/>
-              <a:t>(</a:t>
-            </a:r>
-            <a:r>
-              <a:rPr lang="fr-FR" dirty="0"/>
-              <a:t> [[1,2,3] , [4,5,6]] </a:t>
-            </a:r>
-            <a:r>
-              <a:rPr lang="fr-FR" b="1" dirty="0"/>
-              <a:t>)</a:t>
-            </a:r>
-          </a:p>
-          <a:p>
+              <a:rPr lang="en-US" b="1" dirty="0" err="1"/>
+              <a:t>ones</a:t>
+            </a:r>
+            <a:r>
+              <a:rPr lang="en-US" b="1" dirty="0"/>
+              <a:t>( (</a:t>
+            </a:r>
+            <a:r>
+              <a:rPr lang="en-US" dirty="0"/>
+              <a:t>10,3</a:t>
+            </a:r>
+            <a:r>
+              <a:rPr lang="en-US" b="1" dirty="0"/>
+              <a:t>) )</a:t>
+            </a:r>
+          </a:p>
+          <a:p>
+            <a:r>
+              <a:rPr lang="en-US" b="1" dirty="0"/>
+              <a:t>print( </a:t>
+            </a:r>
+            <a:r>
+              <a:rPr lang="en-US" b="1" dirty="0" err="1"/>
+              <a:t>f’</a:t>
+            </a:r>
+            <a:r>
+              <a:rPr lang="en-US" i="1" dirty="0" err="1"/>
+              <a:t>shape</a:t>
+            </a:r>
+            <a:r>
+              <a:rPr lang="en-US" i="1" dirty="0"/>
+              <a:t> of </a:t>
+            </a:r>
+            <a:r>
+              <a:rPr lang="en-US" i="1" dirty="0" err="1"/>
+              <a:t>mo</a:t>
+            </a:r>
+            <a:r>
+              <a:rPr lang="en-US" i="1" dirty="0"/>
+              <a:t> :</a:t>
+            </a:r>
+            <a:r>
+              <a:rPr lang="en-US" b="1" dirty="0"/>
+              <a:t> {</a:t>
+            </a:r>
+            <a:r>
+              <a:rPr lang="en-US" dirty="0" err="1"/>
+              <a:t>mo.</a:t>
+            </a:r>
+            <a:r>
+              <a:rPr lang="en-US" b="1" dirty="0" err="1"/>
+              <a:t>shape</a:t>
+            </a:r>
+            <a:r>
+              <a:rPr lang="en-US" b="1" dirty="0"/>
+              <a:t>}’ )</a:t>
+            </a:r>
+          </a:p>
+          <a:p>
+            <a:r>
+              <a:rPr lang="en-US" b="1" dirty="0"/>
+              <a:t>print( </a:t>
+            </a:r>
+            <a:r>
+              <a:rPr lang="en-US" b="1" dirty="0" err="1"/>
+              <a:t>f’</a:t>
+            </a:r>
+            <a:r>
+              <a:rPr lang="en-US" i="1" dirty="0" err="1"/>
+              <a:t>values</a:t>
+            </a:r>
+            <a:r>
+              <a:rPr lang="en-US" i="1" dirty="0"/>
+              <a:t> of </a:t>
+            </a:r>
+            <a:r>
+              <a:rPr lang="en-US" i="1" dirty="0" err="1"/>
+              <a:t>mo</a:t>
+            </a:r>
+            <a:r>
+              <a:rPr lang="en-US" i="1" dirty="0"/>
+              <a:t> : </a:t>
+            </a:r>
+            <a:r>
+              <a:rPr lang="en-US" b="1" dirty="0"/>
+              <a:t>{</a:t>
+            </a:r>
+            <a:r>
+              <a:rPr lang="en-US" dirty="0" err="1"/>
+              <a:t>mo</a:t>
+            </a:r>
+            <a:r>
+              <a:rPr lang="en-US" b="1" dirty="0"/>
+              <a:t>}’ )</a:t>
+            </a:r>
             <a:endParaRPr lang="fr-FR" b="1" dirty="0"/>
-          </a:p>
-          <a:p>
-            <a:r>
-              <a:rPr lang="fr-FR" dirty="0"/>
-              <a:t>total </a:t>
-            </a:r>
-            <a:r>
-              <a:rPr lang="fr-FR" b="1" dirty="0"/>
-              <a:t>=</a:t>
-            </a:r>
-            <a:r>
-              <a:rPr lang="fr-FR" dirty="0"/>
-              <a:t> </a:t>
-            </a:r>
-            <a:r>
-              <a:rPr lang="fr-FR" i="1" dirty="0" err="1"/>
-              <a:t>np</a:t>
-            </a:r>
-            <a:r>
-              <a:rPr lang="fr-FR" dirty="0" err="1"/>
-              <a:t>.</a:t>
-            </a:r>
-            <a:r>
-              <a:rPr lang="fr-FR" b="1" dirty="0" err="1"/>
-              <a:t>sum</a:t>
-            </a:r>
-            <a:r>
-              <a:rPr lang="fr-FR" dirty="0"/>
-              <a:t>(mb) </a:t>
-            </a:r>
-          </a:p>
-          <a:p>
-            <a:r>
-              <a:rPr lang="fr-FR" dirty="0" err="1"/>
-              <a:t>total_c</a:t>
-            </a:r>
-            <a:r>
-              <a:rPr lang="fr-FR" dirty="0"/>
-              <a:t> </a:t>
-            </a:r>
-            <a:r>
-              <a:rPr lang="fr-FR" b="1" dirty="0"/>
-              <a:t>=</a:t>
-            </a:r>
-            <a:r>
-              <a:rPr lang="fr-FR" dirty="0"/>
-              <a:t> </a:t>
-            </a:r>
-            <a:r>
-              <a:rPr lang="fr-FR" i="1" dirty="0" err="1"/>
-              <a:t>np</a:t>
-            </a:r>
-            <a:r>
-              <a:rPr lang="fr-FR" dirty="0" err="1"/>
-              <a:t>.</a:t>
-            </a:r>
-            <a:r>
-              <a:rPr lang="fr-FR" b="1" dirty="0" err="1"/>
-              <a:t>sum</a:t>
-            </a:r>
-            <a:r>
-              <a:rPr lang="fr-FR" dirty="0"/>
-              <a:t>(mb, axis=0)</a:t>
-            </a:r>
-          </a:p>
-          <a:p>
-            <a:r>
-              <a:rPr lang="fr-FR" dirty="0" err="1"/>
-              <a:t>total_r</a:t>
-            </a:r>
-            <a:r>
-              <a:rPr lang="fr-FR" dirty="0"/>
-              <a:t> </a:t>
-            </a:r>
-            <a:r>
-              <a:rPr lang="fr-FR" b="1" dirty="0"/>
-              <a:t>=</a:t>
-            </a:r>
-            <a:r>
-              <a:rPr lang="fr-FR" dirty="0"/>
-              <a:t> </a:t>
-            </a:r>
-            <a:r>
-              <a:rPr lang="fr-FR" i="1" dirty="0" err="1"/>
-              <a:t>np</a:t>
-            </a:r>
-            <a:r>
-              <a:rPr lang="fr-FR" dirty="0" err="1"/>
-              <a:t>.</a:t>
-            </a:r>
-            <a:r>
-              <a:rPr lang="fr-FR" b="1" dirty="0" err="1"/>
-              <a:t>sum</a:t>
-            </a:r>
-            <a:r>
-              <a:rPr lang="fr-FR" dirty="0"/>
-              <a:t>(mb, axis=1)</a:t>
-            </a:r>
-            <a:endParaRPr lang="fr-FR" b="1" dirty="0"/>
-          </a:p>
-        </p:txBody>
-      </p:sp>
-      <p:sp>
-        <p:nvSpPr>
-          <p:cNvPr id="9" name="ZoneTexte 8">
-            <a:extLst>
-              <a:ext uri="{FF2B5EF4-FFF2-40B4-BE49-F238E27FC236}">
-                <a16:creationId xmlns:a16="http://schemas.microsoft.com/office/drawing/2014/main" id="{2423C45D-4E7B-CE8F-7CCF-FCCFAB07821C}"/>
-              </a:ext>
-            </a:extLst>
-          </p:cNvPr>
-          <p:cNvSpPr txBox="1"/>
-          <p:nvPr/>
-        </p:nvSpPr>
-        <p:spPr>
-          <a:xfrm>
-            <a:off x="1391037" y="5160328"/>
-            <a:ext cx="4197096" cy="646331"/>
-          </a:xfrm>
-          <a:prstGeom prst="rect">
-            <a:avLst/>
-          </a:prstGeom>
-          <a:solidFill>
-            <a:schemeClr val="accent6">
-              <a:lumMod val="40000"/>
-              <a:lumOff val="60000"/>
-            </a:schemeClr>
-          </a:solidFill>
-        </p:spPr>
-        <p:txBody>
-          <a:bodyPr wrap="square" rtlCol="0">
-            <a:spAutoFit/>
-          </a:bodyPr>
-          <a:lstStyle/>
-          <a:p>
-            <a:r>
-              <a:rPr lang="en-US" dirty="0"/>
-              <a:t>Que </a:t>
-            </a:r>
-            <a:r>
-              <a:rPr lang="en-US" dirty="0" err="1"/>
-              <a:t>contiennent</a:t>
-            </a:r>
-            <a:r>
-              <a:rPr lang="en-US" dirty="0"/>
-              <a:t> les variables </a:t>
-            </a:r>
-            <a:r>
-              <a:rPr lang="en-US" b="1" i="1" dirty="0"/>
-              <a:t>total</a:t>
-            </a:r>
-            <a:r>
-              <a:rPr lang="en-US" dirty="0"/>
-              <a:t>, </a:t>
-            </a:r>
-            <a:r>
-              <a:rPr lang="en-US" b="1" i="1" dirty="0" err="1"/>
-              <a:t>total_c</a:t>
-            </a:r>
-            <a:r>
-              <a:rPr lang="en-US" dirty="0"/>
-              <a:t> et </a:t>
-            </a:r>
-            <a:r>
-              <a:rPr lang="en-US" b="1" i="1" dirty="0" err="1"/>
-              <a:t>total_r</a:t>
-            </a:r>
-            <a:r>
-              <a:rPr lang="en-US" dirty="0"/>
-              <a:t> ?</a:t>
-            </a:r>
-          </a:p>
-        </p:txBody>
-      </p:sp>
-      <p:sp>
-        <p:nvSpPr>
-          <p:cNvPr id="10" name="ZoneTexte 9">
-            <a:extLst>
-              <a:ext uri="{FF2B5EF4-FFF2-40B4-BE49-F238E27FC236}">
-                <a16:creationId xmlns:a16="http://schemas.microsoft.com/office/drawing/2014/main" id="{25733B9D-6F4B-2343-D49A-F00A4A40F1C5}"/>
-              </a:ext>
-            </a:extLst>
-          </p:cNvPr>
-          <p:cNvSpPr txBox="1"/>
-          <p:nvPr/>
-        </p:nvSpPr>
-        <p:spPr>
-          <a:xfrm>
-            <a:off x="6345936" y="4133372"/>
-            <a:ext cx="4765173" cy="923330"/>
-          </a:xfrm>
-          <a:prstGeom prst="rect">
-            <a:avLst/>
-          </a:prstGeom>
-          <a:solidFill>
-            <a:schemeClr val="accent1">
-              <a:lumMod val="40000"/>
-              <a:lumOff val="60000"/>
-            </a:schemeClr>
-          </a:solidFill>
-        </p:spPr>
-        <p:txBody>
-          <a:bodyPr wrap="square" rtlCol="0">
-            <a:spAutoFit/>
-          </a:bodyPr>
-          <a:lstStyle/>
-          <a:p>
-            <a:r>
-              <a:rPr lang="fr-FR" dirty="0" err="1"/>
-              <a:t>moy</a:t>
-            </a:r>
-            <a:r>
-              <a:rPr lang="fr-FR" dirty="0"/>
-              <a:t> </a:t>
-            </a:r>
-            <a:r>
-              <a:rPr lang="fr-FR" b="1" dirty="0"/>
-              <a:t>=</a:t>
-            </a:r>
-            <a:r>
-              <a:rPr lang="fr-FR" dirty="0"/>
-              <a:t> </a:t>
-            </a:r>
-            <a:r>
-              <a:rPr lang="fr-FR" i="1" dirty="0" err="1"/>
-              <a:t>np</a:t>
-            </a:r>
-            <a:r>
-              <a:rPr lang="fr-FR" dirty="0" err="1"/>
-              <a:t>.</a:t>
-            </a:r>
-            <a:r>
-              <a:rPr lang="fr-FR" b="1" dirty="0" err="1"/>
-              <a:t>mean</a:t>
-            </a:r>
-            <a:r>
-              <a:rPr lang="fr-FR" dirty="0"/>
-              <a:t>(mb) </a:t>
-            </a:r>
-          </a:p>
-          <a:p>
-            <a:r>
-              <a:rPr lang="fr-FR" dirty="0" err="1"/>
-              <a:t>moy_c</a:t>
-            </a:r>
-            <a:r>
-              <a:rPr lang="fr-FR" dirty="0"/>
-              <a:t> </a:t>
-            </a:r>
-            <a:r>
-              <a:rPr lang="fr-FR" b="1" dirty="0"/>
-              <a:t>=</a:t>
-            </a:r>
-            <a:r>
-              <a:rPr lang="fr-FR" dirty="0"/>
-              <a:t> </a:t>
-            </a:r>
-            <a:r>
-              <a:rPr lang="fr-FR" i="1" dirty="0" err="1"/>
-              <a:t>np</a:t>
-            </a:r>
-            <a:r>
-              <a:rPr lang="fr-FR" dirty="0" err="1"/>
-              <a:t>.</a:t>
-            </a:r>
-            <a:r>
-              <a:rPr lang="fr-FR" b="1" dirty="0" err="1"/>
-              <a:t>mean</a:t>
-            </a:r>
-            <a:r>
-              <a:rPr lang="fr-FR" dirty="0"/>
-              <a:t>(mb, axis=0)</a:t>
-            </a:r>
-          </a:p>
-          <a:p>
-            <a:r>
-              <a:rPr lang="fr-FR" dirty="0" err="1"/>
-              <a:t>moy_r</a:t>
-            </a:r>
-            <a:r>
-              <a:rPr lang="fr-FR" dirty="0"/>
-              <a:t> </a:t>
-            </a:r>
-            <a:r>
-              <a:rPr lang="fr-FR" b="1" dirty="0"/>
-              <a:t>=</a:t>
-            </a:r>
-            <a:r>
-              <a:rPr lang="fr-FR" dirty="0"/>
-              <a:t> </a:t>
-            </a:r>
-            <a:r>
-              <a:rPr lang="fr-FR" i="1" dirty="0" err="1"/>
-              <a:t>np</a:t>
-            </a:r>
-            <a:r>
-              <a:rPr lang="fr-FR" dirty="0" err="1"/>
-              <a:t>.</a:t>
-            </a:r>
-            <a:r>
-              <a:rPr lang="fr-FR" b="1" dirty="0" err="1"/>
-              <a:t>mean</a:t>
-            </a:r>
-            <a:r>
-              <a:rPr lang="fr-FR" dirty="0"/>
-              <a:t>(mb, axis=1)</a:t>
-            </a:r>
-            <a:endParaRPr lang="fr-FR" b="1" dirty="0"/>
-          </a:p>
-        </p:txBody>
-      </p:sp>
-      <p:sp>
-        <p:nvSpPr>
-          <p:cNvPr id="11" name="ZoneTexte 10">
-            <a:extLst>
-              <a:ext uri="{FF2B5EF4-FFF2-40B4-BE49-F238E27FC236}">
-                <a16:creationId xmlns:a16="http://schemas.microsoft.com/office/drawing/2014/main" id="{62D9C748-9CDA-385A-9D88-E27306823BF1}"/>
-              </a:ext>
-            </a:extLst>
-          </p:cNvPr>
-          <p:cNvSpPr txBox="1"/>
-          <p:nvPr/>
-        </p:nvSpPr>
-        <p:spPr>
-          <a:xfrm>
-            <a:off x="6914013" y="5160328"/>
-            <a:ext cx="4197096" cy="646331"/>
-          </a:xfrm>
-          <a:prstGeom prst="rect">
-            <a:avLst/>
-          </a:prstGeom>
-          <a:solidFill>
-            <a:schemeClr val="accent6">
-              <a:lumMod val="40000"/>
-              <a:lumOff val="60000"/>
-            </a:schemeClr>
-          </a:solidFill>
-        </p:spPr>
-        <p:txBody>
-          <a:bodyPr wrap="square" rtlCol="0">
-            <a:spAutoFit/>
-          </a:bodyPr>
-          <a:lstStyle/>
-          <a:p>
-            <a:r>
-              <a:rPr lang="en-US" dirty="0"/>
-              <a:t>Que </a:t>
-            </a:r>
-            <a:r>
-              <a:rPr lang="en-US" dirty="0" err="1"/>
-              <a:t>contiennent</a:t>
-            </a:r>
-            <a:r>
-              <a:rPr lang="en-US" dirty="0"/>
-              <a:t> les variables </a:t>
-            </a:r>
-            <a:r>
-              <a:rPr lang="en-US" b="1" i="1" dirty="0" err="1"/>
-              <a:t>moy</a:t>
-            </a:r>
-            <a:r>
-              <a:rPr lang="en-US" dirty="0"/>
-              <a:t>, </a:t>
-            </a:r>
-            <a:r>
-              <a:rPr lang="en-US" b="1" i="1" dirty="0" err="1"/>
-              <a:t>moy_c</a:t>
-            </a:r>
-            <a:r>
-              <a:rPr lang="en-US" dirty="0"/>
-              <a:t> et </a:t>
-            </a:r>
-            <a:r>
-              <a:rPr lang="en-US" b="1" i="1" dirty="0" err="1"/>
-              <a:t>moy_r</a:t>
-            </a:r>
-            <a:r>
-              <a:rPr lang="en-US" dirty="0"/>
-              <a:t> ?</a:t>
-            </a:r>
           </a:p>
         </p:txBody>
       </p:sp>
       <p:pic>
         <p:nvPicPr>
-          <p:cNvPr id="12" name="Picture 6">
-            <a:extLst>
-              <a:ext uri="{FF2B5EF4-FFF2-40B4-BE49-F238E27FC236}">
-                <a16:creationId xmlns:a16="http://schemas.microsoft.com/office/drawing/2014/main" id="{5182BDD5-3C87-A1F4-10DE-9EF331224AE5}"/>
+          <p:cNvPr id="10" name="Picture 6">
+            <a:extLst>
+              <a:ext uri="{FF2B5EF4-FFF2-40B4-BE49-F238E27FC236}">
+                <a16:creationId xmlns:a16="http://schemas.microsoft.com/office/drawing/2014/main" id="{B08DE29C-1F7C-390F-64F6-5A4A64FD8E5F}"/>
               </a:ext>
             </a:extLst>
           </p:cNvPr>
@@ -18580,7 +17386,7 @@
           <p:nvPr/>
         </p:nvPicPr>
         <p:blipFill>
-          <a:blip r:embed="rId3" cstate="hqprint">
+          <a:blip r:embed="rId4" cstate="hqprint">
             <a:extLst>
               <a:ext uri="{28A0092B-C50C-407E-A947-70E740481C1C}">
                 <a14:useLocalDpi xmlns:a14="http://schemas.microsoft.com/office/drawing/2010/main" val="0"/>
@@ -18612,40 +17418,303 @@
           </a:extLst>
         </p:spPr>
       </p:pic>
-      <p:pic>
-        <p:nvPicPr>
-          <p:cNvPr id="13" name="Image 12">
-            <a:extLst>
-              <a:ext uri="{FF2B5EF4-FFF2-40B4-BE49-F238E27FC236}">
-                <a16:creationId xmlns:a16="http://schemas.microsoft.com/office/drawing/2014/main" id="{C249720D-01EF-E50A-48BC-BFC9E5B867F1}"/>
-              </a:ext>
-            </a:extLst>
-          </p:cNvPr>
-          <p:cNvPicPr>
-            <a:picLocks noChangeAspect="1"/>
-          </p:cNvPicPr>
+      <p:sp>
+        <p:nvSpPr>
+          <p:cNvPr id="4" name="Espace réservé du numéro de diapositive 3">
+            <a:extLst>
+              <a:ext uri="{FF2B5EF4-FFF2-40B4-BE49-F238E27FC236}">
+                <a16:creationId xmlns:a16="http://schemas.microsoft.com/office/drawing/2014/main" id="{EDA5015E-6C98-2727-40F4-66EF4663BB22}"/>
+              </a:ext>
+            </a:extLst>
+          </p:cNvPr>
+          <p:cNvSpPr>
+            <a:spLocks noGrp="1"/>
+          </p:cNvSpPr>
+          <p:nvPr>
+            <p:ph type="sldNum" sz="quarter" idx="12"/>
+          </p:nvPr>
+        </p:nvSpPr>
+        <p:spPr/>
+        <p:txBody>
+          <a:bodyPr/>
+          <a:lstStyle/>
+          <a:p>
+            <a:fld id="{B2DC25EE-239B-4C5F-AAD1-255A7D5F1EE2}" type="slidenum">
+              <a:rPr lang="en-US" smtClean="0"/>
+              <a:t>23</a:t>
+            </a:fld>
+            <a:endParaRPr lang="en-US"/>
+          </a:p>
+        </p:txBody>
+      </p:sp>
+      <p:sp>
+        <p:nvSpPr>
+          <p:cNvPr id="12" name="ZoneTexte 11">
+            <a:extLst>
+              <a:ext uri="{FF2B5EF4-FFF2-40B4-BE49-F238E27FC236}">
+                <a16:creationId xmlns:a16="http://schemas.microsoft.com/office/drawing/2014/main" id="{DF0B883E-9CEF-329D-163F-6123441B0C4E}"/>
+              </a:ext>
+            </a:extLst>
+          </p:cNvPr>
+          <p:cNvSpPr txBox="1"/>
           <p:nvPr/>
-        </p:nvPicPr>
-        <p:blipFill>
-          <a:blip r:embed="rId4"/>
-          <a:stretch>
-            <a:fillRect/>
-          </a:stretch>
-        </p:blipFill>
-        <p:spPr>
-          <a:xfrm>
-            <a:off x="10077926" y="593679"/>
-            <a:ext cx="1081825" cy="1089498"/>
+        </p:nvSpPr>
+        <p:spPr>
+          <a:xfrm>
+            <a:off x="822960" y="3302376"/>
+            <a:ext cx="4765173" cy="1200329"/>
           </a:xfrm>
           <a:prstGeom prst="rect">
             <a:avLst/>
           </a:prstGeom>
-        </p:spPr>
-      </p:pic>
+          <a:solidFill>
+            <a:schemeClr val="accent1">
+              <a:lumMod val="40000"/>
+              <a:lumOff val="60000"/>
+            </a:schemeClr>
+          </a:solidFill>
+        </p:spPr>
+        <p:txBody>
+          <a:bodyPr wrap="square" rtlCol="0">
+            <a:spAutoFit/>
+          </a:bodyPr>
+          <a:lstStyle/>
+          <a:p>
+            <a:r>
+              <a:rPr lang="fr-FR" b="1" dirty="0"/>
+              <a:t>import</a:t>
+            </a:r>
+            <a:r>
+              <a:rPr lang="fr-FR" dirty="0"/>
+              <a:t> </a:t>
+            </a:r>
+            <a:r>
+              <a:rPr lang="fr-FR" i="1" dirty="0" err="1"/>
+              <a:t>numpy</a:t>
+            </a:r>
+            <a:r>
+              <a:rPr lang="fr-FR" i="1" dirty="0"/>
+              <a:t> </a:t>
+            </a:r>
+            <a:r>
+              <a:rPr lang="fr-FR" b="1" dirty="0"/>
+              <a:t>as </a:t>
+            </a:r>
+            <a:r>
+              <a:rPr lang="fr-FR" i="1" dirty="0" err="1"/>
+              <a:t>np</a:t>
+            </a:r>
+            <a:endParaRPr lang="fr-FR" i="1" dirty="0"/>
+          </a:p>
+          <a:p>
+            <a:r>
+              <a:rPr lang="en-US" dirty="0" err="1"/>
+              <a:t>vz</a:t>
+            </a:r>
+            <a:r>
+              <a:rPr lang="en-US" dirty="0"/>
+              <a:t> </a:t>
+            </a:r>
+            <a:r>
+              <a:rPr lang="en-US" b="1" dirty="0"/>
+              <a:t>=</a:t>
+            </a:r>
+            <a:r>
+              <a:rPr lang="en-US" dirty="0"/>
+              <a:t> </a:t>
+            </a:r>
+            <a:r>
+              <a:rPr lang="en-US" i="1" dirty="0" err="1"/>
+              <a:t>np</a:t>
+            </a:r>
+            <a:r>
+              <a:rPr lang="en-US" dirty="0" err="1"/>
+              <a:t>.</a:t>
+            </a:r>
+            <a:r>
+              <a:rPr lang="en-US" b="1" dirty="0" err="1"/>
+              <a:t>zeros</a:t>
+            </a:r>
+            <a:r>
+              <a:rPr lang="en-US" b="1" dirty="0"/>
+              <a:t>( </a:t>
+            </a:r>
+            <a:r>
+              <a:rPr lang="en-US" dirty="0"/>
+              <a:t>10</a:t>
+            </a:r>
+            <a:r>
+              <a:rPr lang="en-US" b="1" dirty="0"/>
+              <a:t> )</a:t>
+            </a:r>
+          </a:p>
+          <a:p>
+            <a:r>
+              <a:rPr lang="en-US" b="1" dirty="0"/>
+              <a:t>print( </a:t>
+            </a:r>
+            <a:r>
+              <a:rPr lang="en-US" b="1" dirty="0" err="1"/>
+              <a:t>f’</a:t>
+            </a:r>
+            <a:r>
+              <a:rPr lang="en-US" i="1" dirty="0" err="1"/>
+              <a:t>shape</a:t>
+            </a:r>
+            <a:r>
+              <a:rPr lang="en-US" i="1" dirty="0"/>
+              <a:t> of </a:t>
+            </a:r>
+            <a:r>
+              <a:rPr lang="en-US" i="1" dirty="0" err="1"/>
+              <a:t>vz</a:t>
+            </a:r>
+            <a:r>
+              <a:rPr lang="en-US" i="1" dirty="0"/>
+              <a:t> :</a:t>
+            </a:r>
+            <a:r>
+              <a:rPr lang="en-US" b="1" dirty="0"/>
+              <a:t> {</a:t>
+            </a:r>
+            <a:r>
+              <a:rPr lang="en-US" dirty="0" err="1"/>
+              <a:t>vz.</a:t>
+            </a:r>
+            <a:r>
+              <a:rPr lang="en-US" b="1" dirty="0" err="1"/>
+              <a:t>shape</a:t>
+            </a:r>
+            <a:r>
+              <a:rPr lang="en-US" b="1" dirty="0"/>
+              <a:t>}’ )</a:t>
+            </a:r>
+          </a:p>
+          <a:p>
+            <a:r>
+              <a:rPr lang="en-US" b="1" dirty="0"/>
+              <a:t>print( </a:t>
+            </a:r>
+            <a:r>
+              <a:rPr lang="en-US" b="1" dirty="0" err="1"/>
+              <a:t>f’</a:t>
+            </a:r>
+            <a:r>
+              <a:rPr lang="en-US" i="1" dirty="0" err="1"/>
+              <a:t>values</a:t>
+            </a:r>
+            <a:r>
+              <a:rPr lang="en-US" i="1" dirty="0"/>
+              <a:t> of </a:t>
+            </a:r>
+            <a:r>
+              <a:rPr lang="en-US" i="1" dirty="0" err="1"/>
+              <a:t>vz</a:t>
+            </a:r>
+            <a:r>
+              <a:rPr lang="en-US" i="1" dirty="0"/>
+              <a:t> : </a:t>
+            </a:r>
+            <a:r>
+              <a:rPr lang="en-US" b="1" dirty="0"/>
+              <a:t>{</a:t>
+            </a:r>
+            <a:r>
+              <a:rPr lang="en-US" dirty="0" err="1"/>
+              <a:t>vz</a:t>
+            </a:r>
+            <a:r>
+              <a:rPr lang="en-US" b="1" dirty="0"/>
+              <a:t>}’ )</a:t>
+            </a:r>
+            <a:endParaRPr lang="fr-FR" b="1" dirty="0"/>
+          </a:p>
+        </p:txBody>
+      </p:sp>
+      <p:sp>
+        <p:nvSpPr>
+          <p:cNvPr id="13" name="ZoneTexte 12">
+            <a:extLst>
+              <a:ext uri="{FF2B5EF4-FFF2-40B4-BE49-F238E27FC236}">
+                <a16:creationId xmlns:a16="http://schemas.microsoft.com/office/drawing/2014/main" id="{2A8DC775-040B-7E9F-3E47-BA499209F6F7}"/>
+              </a:ext>
+            </a:extLst>
+          </p:cNvPr>
+          <p:cNvSpPr txBox="1"/>
+          <p:nvPr/>
+        </p:nvSpPr>
+        <p:spPr>
+          <a:xfrm>
+            <a:off x="1391037" y="4590056"/>
+            <a:ext cx="4197096" cy="369332"/>
+          </a:xfrm>
+          <a:prstGeom prst="rect">
+            <a:avLst/>
+          </a:prstGeom>
+          <a:solidFill>
+            <a:schemeClr val="accent6">
+              <a:lumMod val="40000"/>
+              <a:lumOff val="60000"/>
+            </a:schemeClr>
+          </a:solidFill>
+        </p:spPr>
+        <p:txBody>
+          <a:bodyPr wrap="square" rtlCol="0">
+            <a:spAutoFit/>
+          </a:bodyPr>
+          <a:lstStyle/>
+          <a:p>
+            <a:r>
+              <a:rPr lang="en-US" dirty="0"/>
+              <a:t>???</a:t>
+            </a:r>
+          </a:p>
+        </p:txBody>
+      </p:sp>
+      <p:sp>
+        <p:nvSpPr>
+          <p:cNvPr id="9" name="ZoneTexte 8">
+            <a:extLst>
+              <a:ext uri="{FF2B5EF4-FFF2-40B4-BE49-F238E27FC236}">
+                <a16:creationId xmlns:a16="http://schemas.microsoft.com/office/drawing/2014/main" id="{570B3EE8-C516-E6A9-A9E6-2CC134DD606D}"/>
+              </a:ext>
+            </a:extLst>
+          </p:cNvPr>
+          <p:cNvSpPr txBox="1"/>
+          <p:nvPr/>
+        </p:nvSpPr>
+        <p:spPr>
+          <a:xfrm>
+            <a:off x="6913050" y="4306151"/>
+            <a:ext cx="4197096" cy="369332"/>
+          </a:xfrm>
+          <a:prstGeom prst="rect">
+            <a:avLst/>
+          </a:prstGeom>
+          <a:solidFill>
+            <a:schemeClr val="accent6">
+              <a:lumMod val="40000"/>
+              <a:lumOff val="60000"/>
+            </a:schemeClr>
+          </a:solidFill>
+        </p:spPr>
+        <p:txBody>
+          <a:bodyPr wrap="square" rtlCol="0">
+            <a:spAutoFit/>
+          </a:bodyPr>
+          <a:lstStyle/>
+          <a:p>
+            <a:r>
+              <a:rPr lang="en-US" dirty="0"/>
+              <a:t>???</a:t>
+            </a:r>
+          </a:p>
+        </p:txBody>
+      </p:sp>
     </p:spTree>
     <p:extLst>
       <p:ext uri="{BB962C8B-B14F-4D97-AF65-F5344CB8AC3E}">
-        <p14:creationId xmlns:p14="http://schemas.microsoft.com/office/powerpoint/2010/main" val="940861123"/>
+        <p14:creationId xmlns:p14="http://schemas.microsoft.com/office/powerpoint/2010/main" val="2531921462"/>
       </p:ext>
     </p:extLst>
   </p:cSld>
@@ -18716,14 +17785,19 @@
             <p:ph sz="half" idx="1"/>
           </p:nvPr>
         </p:nvSpPr>
-        <p:spPr/>
+        <p:spPr>
+          <a:xfrm>
+            <a:off x="1115568" y="2478024"/>
+            <a:ext cx="10241082" cy="3694176"/>
+          </a:xfrm>
+        </p:spPr>
         <p:txBody>
           <a:bodyPr/>
           <a:lstStyle/>
           <a:p>
             <a:r>
               <a:rPr lang="fr-FR" dirty="0"/>
-              <a:t>Travailler avec des vecteurs</a:t>
+              <a:t>Quelques vecteurs particuliers</a:t>
             </a:r>
           </a:p>
         </p:txBody>
@@ -18764,308 +17838,12 @@
           </a:prstGeom>
         </p:spPr>
       </p:pic>
-      <p:sp>
-        <p:nvSpPr>
-          <p:cNvPr id="6" name="Espace réservé du numéro de diapositive 5">
-            <a:extLst>
-              <a:ext uri="{FF2B5EF4-FFF2-40B4-BE49-F238E27FC236}">
-                <a16:creationId xmlns:a16="http://schemas.microsoft.com/office/drawing/2014/main" id="{4C1E9BCC-7E3A-6B7D-DBFB-30833C830FF6}"/>
-              </a:ext>
-            </a:extLst>
-          </p:cNvPr>
-          <p:cNvSpPr>
-            <a:spLocks noGrp="1"/>
-          </p:cNvSpPr>
-          <p:nvPr>
-            <p:ph type="sldNum" sz="quarter" idx="12"/>
-          </p:nvPr>
-        </p:nvSpPr>
-        <p:spPr/>
-        <p:txBody>
-          <a:bodyPr/>
-          <a:lstStyle/>
-          <a:p>
-            <a:fld id="{B2DC25EE-239B-4C5F-AAD1-255A7D5F1EE2}" type="slidenum">
-              <a:rPr lang="en-US" smtClean="0"/>
-              <a:t>24</a:t>
-            </a:fld>
-            <a:endParaRPr lang="en-US"/>
-          </a:p>
-        </p:txBody>
-      </p:sp>
-      <p:sp>
-        <p:nvSpPr>
-          <p:cNvPr id="8" name="ZoneTexte 7">
-            <a:extLst>
-              <a:ext uri="{FF2B5EF4-FFF2-40B4-BE49-F238E27FC236}">
-                <a16:creationId xmlns:a16="http://schemas.microsoft.com/office/drawing/2014/main" id="{C602FF1A-ECC8-0713-6E48-03DC30535458}"/>
-              </a:ext>
-            </a:extLst>
-          </p:cNvPr>
-          <p:cNvSpPr txBox="1"/>
-          <p:nvPr/>
-        </p:nvSpPr>
-        <p:spPr>
-          <a:xfrm>
-            <a:off x="822960" y="3302376"/>
-            <a:ext cx="4765173" cy="1200329"/>
-          </a:xfrm>
-          <a:prstGeom prst="rect">
-            <a:avLst/>
-          </a:prstGeom>
-          <a:solidFill>
-            <a:schemeClr val="accent1">
-              <a:lumMod val="40000"/>
-              <a:lumOff val="60000"/>
-            </a:schemeClr>
-          </a:solidFill>
-        </p:spPr>
-        <p:txBody>
-          <a:bodyPr wrap="square" rtlCol="0">
-            <a:spAutoFit/>
-          </a:bodyPr>
-          <a:lstStyle/>
-          <a:p>
-            <a:r>
-              <a:rPr lang="fr-FR" b="1" dirty="0"/>
-              <a:t>import</a:t>
-            </a:r>
-            <a:r>
-              <a:rPr lang="fr-FR" dirty="0"/>
-              <a:t> </a:t>
-            </a:r>
-            <a:r>
-              <a:rPr lang="fr-FR" i="1" dirty="0" err="1"/>
-              <a:t>numpy</a:t>
-            </a:r>
-            <a:r>
-              <a:rPr lang="fr-FR" i="1" dirty="0"/>
-              <a:t> </a:t>
-            </a:r>
-            <a:r>
-              <a:rPr lang="fr-FR" b="1" dirty="0"/>
-              <a:t>as </a:t>
-            </a:r>
-            <a:r>
-              <a:rPr lang="fr-FR" i="1" dirty="0" err="1"/>
-              <a:t>np</a:t>
-            </a:r>
-            <a:endParaRPr lang="fr-FR" i="1" dirty="0"/>
-          </a:p>
-          <a:p>
-            <a:r>
-              <a:rPr lang="fr-FR" dirty="0" err="1"/>
-              <a:t>vect</a:t>
-            </a:r>
-            <a:r>
-              <a:rPr lang="fr-FR" dirty="0"/>
-              <a:t> </a:t>
-            </a:r>
-            <a:r>
-              <a:rPr lang="fr-FR" b="1" dirty="0"/>
-              <a:t>=</a:t>
-            </a:r>
-            <a:r>
-              <a:rPr lang="fr-FR" dirty="0"/>
-              <a:t> </a:t>
-            </a:r>
-            <a:r>
-              <a:rPr lang="fr-FR" i="1" dirty="0" err="1"/>
-              <a:t>np</a:t>
-            </a:r>
-            <a:r>
-              <a:rPr lang="fr-FR" dirty="0" err="1"/>
-              <a:t>.</a:t>
-            </a:r>
-            <a:r>
-              <a:rPr lang="fr-FR" b="1" dirty="0" err="1"/>
-              <a:t>arange</a:t>
-            </a:r>
-            <a:r>
-              <a:rPr lang="fr-FR" b="1" dirty="0"/>
-              <a:t>( </a:t>
-            </a:r>
-            <a:r>
-              <a:rPr lang="fr-FR" dirty="0"/>
-              <a:t>100 </a:t>
-            </a:r>
-            <a:r>
-              <a:rPr lang="fr-FR" b="1" dirty="0"/>
-              <a:t>) </a:t>
-            </a:r>
-          </a:p>
-          <a:p>
-            <a:r>
-              <a:rPr lang="fr-FR" dirty="0" err="1"/>
-              <a:t>vect_p</a:t>
-            </a:r>
-            <a:r>
-              <a:rPr lang="fr-FR" dirty="0"/>
-              <a:t> </a:t>
-            </a:r>
-            <a:r>
-              <a:rPr lang="fr-FR" b="1" dirty="0"/>
-              <a:t>=</a:t>
-            </a:r>
-            <a:r>
-              <a:rPr lang="fr-FR" dirty="0"/>
-              <a:t> </a:t>
-            </a:r>
-            <a:r>
-              <a:rPr lang="fr-FR" dirty="0" err="1"/>
-              <a:t>vect</a:t>
-            </a:r>
-            <a:r>
-              <a:rPr lang="fr-FR" b="1" dirty="0"/>
-              <a:t>[ </a:t>
-            </a:r>
-            <a:r>
-              <a:rPr lang="fr-FR" dirty="0"/>
-              <a:t>10 </a:t>
-            </a:r>
-            <a:r>
-              <a:rPr lang="fr-FR" b="1" dirty="0"/>
-              <a:t>: </a:t>
-            </a:r>
-            <a:r>
-              <a:rPr lang="fr-FR" dirty="0"/>
-              <a:t>30 </a:t>
-            </a:r>
-            <a:r>
-              <a:rPr lang="fr-FR" b="1" dirty="0"/>
-              <a:t>]</a:t>
-            </a:r>
-          </a:p>
-          <a:p>
-            <a:r>
-              <a:rPr lang="fr-FR" dirty="0" err="1"/>
-              <a:t>vect_s</a:t>
-            </a:r>
-            <a:r>
-              <a:rPr lang="fr-FR" dirty="0"/>
-              <a:t> </a:t>
-            </a:r>
-            <a:r>
-              <a:rPr lang="fr-FR" b="1" dirty="0"/>
-              <a:t>=</a:t>
-            </a:r>
-            <a:r>
-              <a:rPr lang="fr-FR" dirty="0"/>
-              <a:t> </a:t>
-            </a:r>
-            <a:r>
-              <a:rPr lang="fr-FR" dirty="0" err="1"/>
-              <a:t>vect</a:t>
-            </a:r>
-            <a:r>
-              <a:rPr lang="fr-FR" b="1" dirty="0"/>
-              <a:t>[ </a:t>
-            </a:r>
-            <a:r>
-              <a:rPr lang="fr-FR" dirty="0"/>
-              <a:t>50 </a:t>
-            </a:r>
-            <a:r>
-              <a:rPr lang="fr-FR" b="1" dirty="0"/>
-              <a:t>: ]</a:t>
-            </a:r>
-          </a:p>
-        </p:txBody>
-      </p:sp>
-      <p:sp>
-        <p:nvSpPr>
-          <p:cNvPr id="9" name="ZoneTexte 8">
-            <a:extLst>
-              <a:ext uri="{FF2B5EF4-FFF2-40B4-BE49-F238E27FC236}">
-                <a16:creationId xmlns:a16="http://schemas.microsoft.com/office/drawing/2014/main" id="{2423C45D-4E7B-CE8F-7CCF-FCCFAB07821C}"/>
-              </a:ext>
-            </a:extLst>
-          </p:cNvPr>
-          <p:cNvSpPr txBox="1"/>
-          <p:nvPr/>
-        </p:nvSpPr>
-        <p:spPr>
-          <a:xfrm>
-            <a:off x="1391037" y="4606182"/>
-            <a:ext cx="4197096" cy="646331"/>
-          </a:xfrm>
-          <a:prstGeom prst="rect">
-            <a:avLst/>
-          </a:prstGeom>
-          <a:solidFill>
-            <a:schemeClr val="accent6">
-              <a:lumMod val="40000"/>
-              <a:lumOff val="60000"/>
-            </a:schemeClr>
-          </a:solidFill>
-        </p:spPr>
-        <p:txBody>
-          <a:bodyPr wrap="square" rtlCol="0">
-            <a:spAutoFit/>
-          </a:bodyPr>
-          <a:lstStyle/>
-          <a:p>
-            <a:r>
-              <a:rPr lang="en-US" dirty="0"/>
-              <a:t>Que </a:t>
-            </a:r>
-            <a:r>
-              <a:rPr lang="en-US" dirty="0" err="1"/>
-              <a:t>contiennent</a:t>
-            </a:r>
-            <a:r>
-              <a:rPr lang="en-US" dirty="0"/>
-              <a:t> les variables </a:t>
-            </a:r>
-            <a:r>
-              <a:rPr lang="en-US" b="1" i="1" dirty="0" err="1"/>
-              <a:t>vect</a:t>
-            </a:r>
-            <a:r>
-              <a:rPr lang="en-US" b="1" i="1" dirty="0"/>
-              <a:t> </a:t>
-            </a:r>
-            <a:r>
-              <a:rPr lang="en-US" i="1" dirty="0"/>
-              <a:t>,</a:t>
-            </a:r>
-            <a:r>
-              <a:rPr lang="en-US" b="1" i="1" dirty="0"/>
-              <a:t> </a:t>
-            </a:r>
-            <a:r>
-              <a:rPr lang="en-US" b="1" i="1" dirty="0" err="1"/>
-              <a:t>vect_p</a:t>
-            </a:r>
-            <a:r>
-              <a:rPr lang="en-US" b="1" i="1" dirty="0"/>
-              <a:t> </a:t>
-            </a:r>
-            <a:r>
-              <a:rPr lang="en-US" dirty="0"/>
-              <a:t>et</a:t>
-            </a:r>
-            <a:r>
-              <a:rPr lang="en-US" i="1" dirty="0"/>
-              <a:t> </a:t>
-            </a:r>
-            <a:r>
-              <a:rPr lang="en-US" b="1" i="1" dirty="0" err="1"/>
-              <a:t>vect_s</a:t>
-            </a:r>
-            <a:r>
-              <a:rPr lang="en-US" dirty="0"/>
-              <a:t> ?</a:t>
-            </a:r>
-          </a:p>
-        </p:txBody>
-      </p:sp>
       <p:pic>
         <p:nvPicPr>
-          <p:cNvPr id="4" name="Image 3">
-            <a:extLst>
-              <a:ext uri="{FF2B5EF4-FFF2-40B4-BE49-F238E27FC236}">
-                <a16:creationId xmlns:a16="http://schemas.microsoft.com/office/drawing/2014/main" id="{5941BB55-A9AB-24D3-6609-F0D263121005}"/>
+          <p:cNvPr id="7" name="Image 6">
+            <a:extLst>
+              <a:ext uri="{FF2B5EF4-FFF2-40B4-BE49-F238E27FC236}">
+                <a16:creationId xmlns:a16="http://schemas.microsoft.com/office/drawing/2014/main" id="{5BB01D49-602A-9314-FD1F-4EC628128217}"/>
               </a:ext>
             </a:extLst>
           </p:cNvPr>
@@ -19090,12 +17868,149 @@
           </a:prstGeom>
         </p:spPr>
       </p:pic>
+      <p:sp>
+        <p:nvSpPr>
+          <p:cNvPr id="6" name="ZoneTexte 5">
+            <a:extLst>
+              <a:ext uri="{FF2B5EF4-FFF2-40B4-BE49-F238E27FC236}">
+                <a16:creationId xmlns:a16="http://schemas.microsoft.com/office/drawing/2014/main" id="{1E75402E-5E67-B2D4-EB26-E362E6C79788}"/>
+              </a:ext>
+            </a:extLst>
+          </p:cNvPr>
+          <p:cNvSpPr txBox="1"/>
+          <p:nvPr/>
+        </p:nvSpPr>
+        <p:spPr>
+          <a:xfrm>
+            <a:off x="6344973" y="3296162"/>
+            <a:ext cx="4765173" cy="923330"/>
+          </a:xfrm>
+          <a:prstGeom prst="rect">
+            <a:avLst/>
+          </a:prstGeom>
+          <a:solidFill>
+            <a:schemeClr val="accent1">
+              <a:lumMod val="40000"/>
+              <a:lumOff val="60000"/>
+            </a:schemeClr>
+          </a:solidFill>
+        </p:spPr>
+        <p:txBody>
+          <a:bodyPr wrap="square" rtlCol="0">
+            <a:spAutoFit/>
+          </a:bodyPr>
+          <a:lstStyle/>
+          <a:p>
+            <a:r>
+              <a:rPr lang="en-US" dirty="0"/>
+              <a:t>vlog </a:t>
+            </a:r>
+            <a:r>
+              <a:rPr lang="en-US" b="1" dirty="0"/>
+              <a:t>=</a:t>
+            </a:r>
+            <a:r>
+              <a:rPr lang="en-US" dirty="0"/>
+              <a:t> </a:t>
+            </a:r>
+            <a:r>
+              <a:rPr lang="en-US" i="1" dirty="0" err="1"/>
+              <a:t>np</a:t>
+            </a:r>
+            <a:r>
+              <a:rPr lang="en-US" dirty="0" err="1"/>
+              <a:t>.</a:t>
+            </a:r>
+            <a:r>
+              <a:rPr lang="en-US" b="1" dirty="0" err="1"/>
+              <a:t>logspace</a:t>
+            </a:r>
+            <a:r>
+              <a:rPr lang="en-US" b="1" dirty="0"/>
+              <a:t>( </a:t>
+            </a:r>
+            <a:r>
+              <a:rPr lang="en-US" dirty="0"/>
+              <a:t>1, 5, 11 </a:t>
+            </a:r>
+            <a:r>
+              <a:rPr lang="en-US" b="1" dirty="0"/>
+              <a:t>)</a:t>
+            </a:r>
+          </a:p>
+          <a:p>
+            <a:r>
+              <a:rPr lang="en-US" b="1" dirty="0"/>
+              <a:t>print( </a:t>
+            </a:r>
+            <a:r>
+              <a:rPr lang="en-US" b="1" dirty="0" err="1"/>
+              <a:t>f’</a:t>
+            </a:r>
+            <a:r>
+              <a:rPr lang="en-US" i="1" dirty="0" err="1"/>
+              <a:t>shape</a:t>
+            </a:r>
+            <a:r>
+              <a:rPr lang="en-US" i="1" dirty="0"/>
+              <a:t> of vlog :</a:t>
+            </a:r>
+            <a:r>
+              <a:rPr lang="en-US" b="1" dirty="0"/>
+              <a:t> {</a:t>
+            </a:r>
+            <a:r>
+              <a:rPr lang="en-US" dirty="0" err="1"/>
+              <a:t>vlog.</a:t>
+            </a:r>
+            <a:r>
+              <a:rPr lang="en-US" b="1" dirty="0" err="1"/>
+              <a:t>shape</a:t>
+            </a:r>
+            <a:r>
+              <a:rPr lang="en-US" b="1" dirty="0"/>
+              <a:t>}’ )</a:t>
+            </a:r>
+          </a:p>
+          <a:p>
+            <a:r>
+              <a:rPr lang="en-US" b="1" dirty="0"/>
+              <a:t>print( </a:t>
+            </a:r>
+            <a:r>
+              <a:rPr lang="en-US" b="1" dirty="0" err="1"/>
+              <a:t>f’</a:t>
+            </a:r>
+            <a:r>
+              <a:rPr lang="en-US" i="1" dirty="0" err="1"/>
+              <a:t>values</a:t>
+            </a:r>
+            <a:r>
+              <a:rPr lang="en-US" i="1" dirty="0"/>
+              <a:t> of vlog : </a:t>
+            </a:r>
+            <a:r>
+              <a:rPr lang="en-US" b="1" dirty="0"/>
+              <a:t>{</a:t>
+            </a:r>
+            <a:r>
+              <a:rPr lang="en-US" dirty="0"/>
+              <a:t>vlog</a:t>
+            </a:r>
+            <a:r>
+              <a:rPr lang="en-US" b="1" dirty="0"/>
+              <a:t>}’ )</a:t>
+            </a:r>
+            <a:endParaRPr lang="fr-FR" b="1" dirty="0"/>
+          </a:p>
+        </p:txBody>
+      </p:sp>
       <p:pic>
         <p:nvPicPr>
-          <p:cNvPr id="7" name="Picture 6">
-            <a:extLst>
-              <a:ext uri="{FF2B5EF4-FFF2-40B4-BE49-F238E27FC236}">
-                <a16:creationId xmlns:a16="http://schemas.microsoft.com/office/drawing/2014/main" id="{5D8FFAFC-E508-D8B6-7FC0-5EBE2F307CE6}"/>
+          <p:cNvPr id="10" name="Picture 6">
+            <a:extLst>
+              <a:ext uri="{FF2B5EF4-FFF2-40B4-BE49-F238E27FC236}">
+                <a16:creationId xmlns:a16="http://schemas.microsoft.com/office/drawing/2014/main" id="{B08DE29C-1F7C-390F-64F6-5A4A64FD8E5F}"/>
               </a:ext>
             </a:extLst>
           </p:cNvPr>
@@ -19139,6 +18054,1697 @@
       </p:pic>
       <p:sp>
         <p:nvSpPr>
+          <p:cNvPr id="4" name="Espace réservé du numéro de diapositive 3">
+            <a:extLst>
+              <a:ext uri="{FF2B5EF4-FFF2-40B4-BE49-F238E27FC236}">
+                <a16:creationId xmlns:a16="http://schemas.microsoft.com/office/drawing/2014/main" id="{EDA5015E-6C98-2727-40F4-66EF4663BB22}"/>
+              </a:ext>
+            </a:extLst>
+          </p:cNvPr>
+          <p:cNvSpPr>
+            <a:spLocks noGrp="1"/>
+          </p:cNvSpPr>
+          <p:nvPr>
+            <p:ph type="sldNum" sz="quarter" idx="12"/>
+          </p:nvPr>
+        </p:nvSpPr>
+        <p:spPr/>
+        <p:txBody>
+          <a:bodyPr/>
+          <a:lstStyle/>
+          <a:p>
+            <a:fld id="{B2DC25EE-239B-4C5F-AAD1-255A7D5F1EE2}" type="slidenum">
+              <a:rPr lang="en-US" smtClean="0"/>
+              <a:t>24</a:t>
+            </a:fld>
+            <a:endParaRPr lang="en-US"/>
+          </a:p>
+        </p:txBody>
+      </p:sp>
+      <p:sp>
+        <p:nvSpPr>
+          <p:cNvPr id="12" name="ZoneTexte 11">
+            <a:extLst>
+              <a:ext uri="{FF2B5EF4-FFF2-40B4-BE49-F238E27FC236}">
+                <a16:creationId xmlns:a16="http://schemas.microsoft.com/office/drawing/2014/main" id="{DF0B883E-9CEF-329D-163F-6123441B0C4E}"/>
+              </a:ext>
+            </a:extLst>
+          </p:cNvPr>
+          <p:cNvSpPr txBox="1"/>
+          <p:nvPr/>
+        </p:nvSpPr>
+        <p:spPr>
+          <a:xfrm>
+            <a:off x="822960" y="3302376"/>
+            <a:ext cx="4765173" cy="1200329"/>
+          </a:xfrm>
+          <a:prstGeom prst="rect">
+            <a:avLst/>
+          </a:prstGeom>
+          <a:solidFill>
+            <a:schemeClr val="accent1">
+              <a:lumMod val="40000"/>
+              <a:lumOff val="60000"/>
+            </a:schemeClr>
+          </a:solidFill>
+        </p:spPr>
+        <p:txBody>
+          <a:bodyPr wrap="square" rtlCol="0">
+            <a:spAutoFit/>
+          </a:bodyPr>
+          <a:lstStyle/>
+          <a:p>
+            <a:r>
+              <a:rPr lang="fr-FR" b="1" dirty="0"/>
+              <a:t>import</a:t>
+            </a:r>
+            <a:r>
+              <a:rPr lang="fr-FR" dirty="0"/>
+              <a:t> </a:t>
+            </a:r>
+            <a:r>
+              <a:rPr lang="fr-FR" i="1" dirty="0" err="1"/>
+              <a:t>numpy</a:t>
+            </a:r>
+            <a:r>
+              <a:rPr lang="fr-FR" i="1" dirty="0"/>
+              <a:t> </a:t>
+            </a:r>
+            <a:r>
+              <a:rPr lang="fr-FR" b="1" dirty="0"/>
+              <a:t>as </a:t>
+            </a:r>
+            <a:r>
+              <a:rPr lang="fr-FR" i="1" dirty="0" err="1"/>
+              <a:t>np</a:t>
+            </a:r>
+            <a:endParaRPr lang="fr-FR" i="1" dirty="0"/>
+          </a:p>
+          <a:p>
+            <a:r>
+              <a:rPr lang="en-US" dirty="0" err="1"/>
+              <a:t>vlin</a:t>
+            </a:r>
+            <a:r>
+              <a:rPr lang="en-US" dirty="0"/>
+              <a:t> </a:t>
+            </a:r>
+            <a:r>
+              <a:rPr lang="en-US" b="1" dirty="0"/>
+              <a:t>=</a:t>
+            </a:r>
+            <a:r>
+              <a:rPr lang="en-US" dirty="0"/>
+              <a:t> </a:t>
+            </a:r>
+            <a:r>
+              <a:rPr lang="en-US" i="1" dirty="0" err="1"/>
+              <a:t>np</a:t>
+            </a:r>
+            <a:r>
+              <a:rPr lang="en-US" dirty="0" err="1"/>
+              <a:t>.</a:t>
+            </a:r>
+            <a:r>
+              <a:rPr lang="en-US" b="1" dirty="0" err="1"/>
+              <a:t>linspace</a:t>
+            </a:r>
+            <a:r>
+              <a:rPr lang="en-US" b="1" dirty="0"/>
+              <a:t>( </a:t>
+            </a:r>
+            <a:r>
+              <a:rPr lang="en-US" dirty="0"/>
+              <a:t>-1, 3, 21</a:t>
+            </a:r>
+            <a:r>
+              <a:rPr lang="en-US" b="1" dirty="0"/>
+              <a:t> )</a:t>
+            </a:r>
+          </a:p>
+          <a:p>
+            <a:r>
+              <a:rPr lang="en-US" b="1" dirty="0"/>
+              <a:t>print( </a:t>
+            </a:r>
+            <a:r>
+              <a:rPr lang="en-US" b="1" dirty="0" err="1"/>
+              <a:t>f’</a:t>
+            </a:r>
+            <a:r>
+              <a:rPr lang="en-US" i="1" dirty="0" err="1"/>
+              <a:t>shape</a:t>
+            </a:r>
+            <a:r>
+              <a:rPr lang="en-US" i="1" dirty="0"/>
+              <a:t> of </a:t>
+            </a:r>
+            <a:r>
+              <a:rPr lang="en-US" i="1" dirty="0" err="1"/>
+              <a:t>vlin</a:t>
+            </a:r>
+            <a:r>
+              <a:rPr lang="en-US" i="1" dirty="0"/>
+              <a:t> :</a:t>
+            </a:r>
+            <a:r>
+              <a:rPr lang="en-US" b="1" dirty="0"/>
+              <a:t> {</a:t>
+            </a:r>
+            <a:r>
+              <a:rPr lang="en-US" dirty="0" err="1"/>
+              <a:t>vlin.</a:t>
+            </a:r>
+            <a:r>
+              <a:rPr lang="en-US" b="1" dirty="0" err="1"/>
+              <a:t>shape</a:t>
+            </a:r>
+            <a:r>
+              <a:rPr lang="en-US" b="1" dirty="0"/>
+              <a:t>}’ )</a:t>
+            </a:r>
+          </a:p>
+          <a:p>
+            <a:r>
+              <a:rPr lang="en-US" b="1" dirty="0"/>
+              <a:t>print( </a:t>
+            </a:r>
+            <a:r>
+              <a:rPr lang="en-US" b="1" dirty="0" err="1"/>
+              <a:t>f’</a:t>
+            </a:r>
+            <a:r>
+              <a:rPr lang="en-US" i="1" dirty="0" err="1"/>
+              <a:t>values</a:t>
+            </a:r>
+            <a:r>
+              <a:rPr lang="en-US" i="1" dirty="0"/>
+              <a:t> of </a:t>
+            </a:r>
+            <a:r>
+              <a:rPr lang="en-US" i="1" dirty="0" err="1"/>
+              <a:t>vlin</a:t>
+            </a:r>
+            <a:r>
+              <a:rPr lang="en-US" i="1" dirty="0"/>
+              <a:t> : </a:t>
+            </a:r>
+            <a:r>
+              <a:rPr lang="en-US" b="1" dirty="0"/>
+              <a:t>{</a:t>
+            </a:r>
+            <a:r>
+              <a:rPr lang="en-US" dirty="0" err="1"/>
+              <a:t>vlin</a:t>
+            </a:r>
+            <a:r>
+              <a:rPr lang="en-US" b="1" dirty="0"/>
+              <a:t>}’ )</a:t>
+            </a:r>
+            <a:endParaRPr lang="fr-FR" b="1" dirty="0"/>
+          </a:p>
+        </p:txBody>
+      </p:sp>
+      <p:sp>
+        <p:nvSpPr>
+          <p:cNvPr id="13" name="ZoneTexte 12">
+            <a:extLst>
+              <a:ext uri="{FF2B5EF4-FFF2-40B4-BE49-F238E27FC236}">
+                <a16:creationId xmlns:a16="http://schemas.microsoft.com/office/drawing/2014/main" id="{2A8DC775-040B-7E9F-3E47-BA499209F6F7}"/>
+              </a:ext>
+            </a:extLst>
+          </p:cNvPr>
+          <p:cNvSpPr txBox="1"/>
+          <p:nvPr/>
+        </p:nvSpPr>
+        <p:spPr>
+          <a:xfrm>
+            <a:off x="1391037" y="4590056"/>
+            <a:ext cx="4197096" cy="369332"/>
+          </a:xfrm>
+          <a:prstGeom prst="rect">
+            <a:avLst/>
+          </a:prstGeom>
+          <a:solidFill>
+            <a:schemeClr val="accent6">
+              <a:lumMod val="40000"/>
+              <a:lumOff val="60000"/>
+            </a:schemeClr>
+          </a:solidFill>
+        </p:spPr>
+        <p:txBody>
+          <a:bodyPr wrap="square" rtlCol="0">
+            <a:spAutoFit/>
+          </a:bodyPr>
+          <a:lstStyle/>
+          <a:p>
+            <a:r>
+              <a:rPr lang="en-US" dirty="0"/>
+              <a:t>???</a:t>
+            </a:r>
+          </a:p>
+        </p:txBody>
+      </p:sp>
+      <p:sp>
+        <p:nvSpPr>
+          <p:cNvPr id="9" name="ZoneTexte 8">
+            <a:extLst>
+              <a:ext uri="{FF2B5EF4-FFF2-40B4-BE49-F238E27FC236}">
+                <a16:creationId xmlns:a16="http://schemas.microsoft.com/office/drawing/2014/main" id="{570B3EE8-C516-E6A9-A9E6-2CC134DD606D}"/>
+              </a:ext>
+            </a:extLst>
+          </p:cNvPr>
+          <p:cNvSpPr txBox="1"/>
+          <p:nvPr/>
+        </p:nvSpPr>
+        <p:spPr>
+          <a:xfrm>
+            <a:off x="6913050" y="4306151"/>
+            <a:ext cx="4197096" cy="369332"/>
+          </a:xfrm>
+          <a:prstGeom prst="rect">
+            <a:avLst/>
+          </a:prstGeom>
+          <a:solidFill>
+            <a:schemeClr val="accent6">
+              <a:lumMod val="40000"/>
+              <a:lumOff val="60000"/>
+            </a:schemeClr>
+          </a:solidFill>
+        </p:spPr>
+        <p:txBody>
+          <a:bodyPr wrap="square" rtlCol="0">
+            <a:spAutoFit/>
+          </a:bodyPr>
+          <a:lstStyle/>
+          <a:p>
+            <a:r>
+              <a:rPr lang="en-US" dirty="0"/>
+              <a:t>???</a:t>
+            </a:r>
+          </a:p>
+        </p:txBody>
+      </p:sp>
+      <p:sp>
+        <p:nvSpPr>
+          <p:cNvPr id="8" name="ZoneTexte 7">
+            <a:extLst>
+              <a:ext uri="{FF2B5EF4-FFF2-40B4-BE49-F238E27FC236}">
+                <a16:creationId xmlns:a16="http://schemas.microsoft.com/office/drawing/2014/main" id="{43B339DF-E435-4D86-66B2-90C8FB26C82F}"/>
+              </a:ext>
+            </a:extLst>
+          </p:cNvPr>
+          <p:cNvSpPr txBox="1"/>
+          <p:nvPr/>
+        </p:nvSpPr>
+        <p:spPr>
+          <a:xfrm>
+            <a:off x="6344972" y="4830535"/>
+            <a:ext cx="4765173" cy="923330"/>
+          </a:xfrm>
+          <a:prstGeom prst="rect">
+            <a:avLst/>
+          </a:prstGeom>
+          <a:solidFill>
+            <a:schemeClr val="accent1">
+              <a:lumMod val="40000"/>
+              <a:lumOff val="60000"/>
+            </a:schemeClr>
+          </a:solidFill>
+        </p:spPr>
+        <p:txBody>
+          <a:bodyPr wrap="square" rtlCol="0">
+            <a:spAutoFit/>
+          </a:bodyPr>
+          <a:lstStyle/>
+          <a:p>
+            <a:r>
+              <a:rPr lang="en-US" dirty="0" err="1"/>
+              <a:t>vara</a:t>
+            </a:r>
+            <a:r>
+              <a:rPr lang="en-US" dirty="0"/>
+              <a:t> </a:t>
+            </a:r>
+            <a:r>
+              <a:rPr lang="en-US" b="1" dirty="0"/>
+              <a:t>=</a:t>
+            </a:r>
+            <a:r>
+              <a:rPr lang="en-US" dirty="0"/>
+              <a:t> </a:t>
+            </a:r>
+            <a:r>
+              <a:rPr lang="en-US" i="1" dirty="0" err="1"/>
+              <a:t>np</a:t>
+            </a:r>
+            <a:r>
+              <a:rPr lang="en-US" dirty="0" err="1"/>
+              <a:t>.</a:t>
+            </a:r>
+            <a:r>
+              <a:rPr lang="en-US" b="1" dirty="0" err="1"/>
+              <a:t>arange</a:t>
+            </a:r>
+            <a:r>
+              <a:rPr lang="en-US" b="1" dirty="0"/>
+              <a:t>( </a:t>
+            </a:r>
+            <a:r>
+              <a:rPr lang="en-US" dirty="0"/>
+              <a:t>5, step=0.5 </a:t>
+            </a:r>
+            <a:r>
+              <a:rPr lang="en-US" b="1" dirty="0"/>
+              <a:t>)</a:t>
+            </a:r>
+          </a:p>
+          <a:p>
+            <a:r>
+              <a:rPr lang="en-US" b="1" dirty="0"/>
+              <a:t>print( </a:t>
+            </a:r>
+            <a:r>
+              <a:rPr lang="en-US" b="1" dirty="0" err="1"/>
+              <a:t>f’</a:t>
+            </a:r>
+            <a:r>
+              <a:rPr lang="en-US" i="1" dirty="0" err="1"/>
+              <a:t>shape</a:t>
+            </a:r>
+            <a:r>
+              <a:rPr lang="en-US" i="1" dirty="0"/>
+              <a:t> of </a:t>
+            </a:r>
+            <a:r>
+              <a:rPr lang="en-US" i="1" dirty="0" err="1"/>
+              <a:t>vara</a:t>
+            </a:r>
+            <a:r>
+              <a:rPr lang="en-US" i="1" dirty="0"/>
+              <a:t> :</a:t>
+            </a:r>
+            <a:r>
+              <a:rPr lang="en-US" b="1" dirty="0"/>
+              <a:t> {</a:t>
+            </a:r>
+            <a:r>
+              <a:rPr lang="en-US" dirty="0" err="1"/>
+              <a:t>vara.</a:t>
+            </a:r>
+            <a:r>
+              <a:rPr lang="en-US" b="1" dirty="0" err="1"/>
+              <a:t>shape</a:t>
+            </a:r>
+            <a:r>
+              <a:rPr lang="en-US" b="1" dirty="0"/>
+              <a:t>}’ )</a:t>
+            </a:r>
+          </a:p>
+          <a:p>
+            <a:r>
+              <a:rPr lang="en-US" b="1" dirty="0"/>
+              <a:t>print( </a:t>
+            </a:r>
+            <a:r>
+              <a:rPr lang="en-US" b="1" dirty="0" err="1"/>
+              <a:t>f’</a:t>
+            </a:r>
+            <a:r>
+              <a:rPr lang="en-US" i="1" dirty="0" err="1"/>
+              <a:t>values</a:t>
+            </a:r>
+            <a:r>
+              <a:rPr lang="en-US" i="1" dirty="0"/>
+              <a:t> of </a:t>
+            </a:r>
+            <a:r>
+              <a:rPr lang="en-US" i="1" dirty="0" err="1"/>
+              <a:t>vara</a:t>
+            </a:r>
+            <a:r>
+              <a:rPr lang="en-US" i="1" dirty="0"/>
+              <a:t> : </a:t>
+            </a:r>
+            <a:r>
+              <a:rPr lang="en-US" b="1" dirty="0"/>
+              <a:t>{</a:t>
+            </a:r>
+            <a:r>
+              <a:rPr lang="en-US" dirty="0" err="1"/>
+              <a:t>vara</a:t>
+            </a:r>
+            <a:r>
+              <a:rPr lang="en-US" b="1" dirty="0"/>
+              <a:t>}’ )</a:t>
+            </a:r>
+            <a:endParaRPr lang="fr-FR" b="1" dirty="0"/>
+          </a:p>
+        </p:txBody>
+      </p:sp>
+      <p:sp>
+        <p:nvSpPr>
+          <p:cNvPr id="11" name="ZoneTexte 10">
+            <a:extLst>
+              <a:ext uri="{FF2B5EF4-FFF2-40B4-BE49-F238E27FC236}">
+                <a16:creationId xmlns:a16="http://schemas.microsoft.com/office/drawing/2014/main" id="{3112B1D5-8556-E8E6-CDC3-7902937021F8}"/>
+              </a:ext>
+            </a:extLst>
+          </p:cNvPr>
+          <p:cNvSpPr txBox="1"/>
+          <p:nvPr/>
+        </p:nvSpPr>
+        <p:spPr>
+          <a:xfrm>
+            <a:off x="6913049" y="5846198"/>
+            <a:ext cx="4197096" cy="369332"/>
+          </a:xfrm>
+          <a:prstGeom prst="rect">
+            <a:avLst/>
+          </a:prstGeom>
+          <a:solidFill>
+            <a:schemeClr val="accent6">
+              <a:lumMod val="40000"/>
+              <a:lumOff val="60000"/>
+            </a:schemeClr>
+          </a:solidFill>
+        </p:spPr>
+        <p:txBody>
+          <a:bodyPr wrap="square" rtlCol="0">
+            <a:spAutoFit/>
+          </a:bodyPr>
+          <a:lstStyle/>
+          <a:p>
+            <a:r>
+              <a:rPr lang="en-US" dirty="0"/>
+              <a:t>???</a:t>
+            </a:r>
+          </a:p>
+        </p:txBody>
+      </p:sp>
+    </p:spTree>
+    <p:extLst>
+      <p:ext uri="{BB962C8B-B14F-4D97-AF65-F5344CB8AC3E}">
+        <p14:creationId xmlns:p14="http://schemas.microsoft.com/office/powerpoint/2010/main" val="1939030061"/>
+      </p:ext>
+    </p:extLst>
+  </p:cSld>
+  <p:clrMapOvr>
+    <a:masterClrMapping/>
+  </p:clrMapOvr>
+</p:sld>
+</file>
+
+<file path=ppt/slides/slide25.xml><?xml version="1.0" encoding="utf-8"?>
+<p:sld xmlns:a="http://schemas.openxmlformats.org/drawingml/2006/main" xmlns:r="http://schemas.openxmlformats.org/officeDocument/2006/relationships" xmlns:p="http://schemas.openxmlformats.org/presentationml/2006/main">
+  <p:cSld>
+    <p:spTree>
+      <p:nvGrpSpPr>
+        <p:cNvPr id="1" name=""/>
+        <p:cNvGrpSpPr/>
+        <p:nvPr/>
+      </p:nvGrpSpPr>
+      <p:grpSpPr>
+        <a:xfrm>
+          <a:off x="0" y="0"/>
+          <a:ext cx="0" cy="0"/>
+          <a:chOff x="0" y="0"/>
+          <a:chExt cx="0" cy="0"/>
+        </a:xfrm>
+      </p:grpSpPr>
+      <p:sp>
+        <p:nvSpPr>
+          <p:cNvPr id="2" name="Titre 1">
+            <a:extLst>
+              <a:ext uri="{FF2B5EF4-FFF2-40B4-BE49-F238E27FC236}">
+                <a16:creationId xmlns:a16="http://schemas.microsoft.com/office/drawing/2014/main" id="{90162AE8-C1B0-5C56-8313-DEE494F38273}"/>
+              </a:ext>
+            </a:extLst>
+          </p:cNvPr>
+          <p:cNvSpPr>
+            <a:spLocks noGrp="1"/>
+          </p:cNvSpPr>
+          <p:nvPr>
+            <p:ph type="title"/>
+          </p:nvPr>
+        </p:nvSpPr>
+        <p:spPr/>
+        <p:txBody>
+          <a:bodyPr/>
+          <a:lstStyle/>
+          <a:p>
+            <a:r>
+              <a:rPr lang="fr-FR" dirty="0"/>
+              <a:t>Quelques rappels sous Python</a:t>
+            </a:r>
+          </a:p>
+        </p:txBody>
+      </p:sp>
+      <p:sp>
+        <p:nvSpPr>
+          <p:cNvPr id="3" name="Espace réservé du contenu 2">
+            <a:extLst>
+              <a:ext uri="{FF2B5EF4-FFF2-40B4-BE49-F238E27FC236}">
+                <a16:creationId xmlns:a16="http://schemas.microsoft.com/office/drawing/2014/main" id="{E0BBB9DE-019C-C741-F224-494739D4B752}"/>
+              </a:ext>
+            </a:extLst>
+          </p:cNvPr>
+          <p:cNvSpPr>
+            <a:spLocks noGrp="1"/>
+          </p:cNvSpPr>
+          <p:nvPr>
+            <p:ph sz="half" idx="1"/>
+          </p:nvPr>
+        </p:nvSpPr>
+        <p:spPr/>
+        <p:txBody>
+          <a:bodyPr/>
+          <a:lstStyle/>
+          <a:p>
+            <a:r>
+              <a:rPr lang="fr-FR" dirty="0"/>
+              <a:t>Travailler avec des vecteurs</a:t>
+            </a:r>
+          </a:p>
+        </p:txBody>
+      </p:sp>
+      <p:pic>
+        <p:nvPicPr>
+          <p:cNvPr id="5" name="Image 4" descr="Une image contenant texte&#10;&#10;Description générée automatiquement">
+            <a:extLst>
+              <a:ext uri="{FF2B5EF4-FFF2-40B4-BE49-F238E27FC236}">
+                <a16:creationId xmlns:a16="http://schemas.microsoft.com/office/drawing/2014/main" id="{66D2630B-81F4-A4EB-21BA-8B90CF30BD92}"/>
+              </a:ext>
+            </a:extLst>
+          </p:cNvPr>
+          <p:cNvPicPr>
+            <a:picLocks noChangeAspect="1"/>
+          </p:cNvPicPr>
+          <p:nvPr/>
+        </p:nvPicPr>
+        <p:blipFill>
+          <a:blip r:embed="rId2">
+            <a:extLst>
+              <a:ext uri="{28A0092B-C50C-407E-A947-70E740481C1C}">
+                <a14:useLocalDpi xmlns:a14="http://schemas.microsoft.com/office/drawing/2010/main" val="0"/>
+              </a:ext>
+            </a:extLst>
+          </a:blip>
+          <a:stretch>
+            <a:fillRect/>
+          </a:stretch>
+        </p:blipFill>
+        <p:spPr>
+          <a:xfrm>
+            <a:off x="202922" y="5934456"/>
+            <a:ext cx="1825291" cy="749808"/>
+          </a:xfrm>
+          <a:prstGeom prst="rect">
+            <a:avLst/>
+          </a:prstGeom>
+        </p:spPr>
+      </p:pic>
+      <p:sp>
+        <p:nvSpPr>
+          <p:cNvPr id="6" name="Espace réservé du numéro de diapositive 5">
+            <a:extLst>
+              <a:ext uri="{FF2B5EF4-FFF2-40B4-BE49-F238E27FC236}">
+                <a16:creationId xmlns:a16="http://schemas.microsoft.com/office/drawing/2014/main" id="{4C1E9BCC-7E3A-6B7D-DBFB-30833C830FF6}"/>
+              </a:ext>
+            </a:extLst>
+          </p:cNvPr>
+          <p:cNvSpPr>
+            <a:spLocks noGrp="1"/>
+          </p:cNvSpPr>
+          <p:nvPr>
+            <p:ph type="sldNum" sz="quarter" idx="12"/>
+          </p:nvPr>
+        </p:nvSpPr>
+        <p:spPr/>
+        <p:txBody>
+          <a:bodyPr/>
+          <a:lstStyle/>
+          <a:p>
+            <a:fld id="{B2DC25EE-239B-4C5F-AAD1-255A7D5F1EE2}" type="slidenum">
+              <a:rPr lang="en-US" smtClean="0"/>
+              <a:t>25</a:t>
+            </a:fld>
+            <a:endParaRPr lang="en-US"/>
+          </a:p>
+        </p:txBody>
+      </p:sp>
+      <p:sp>
+        <p:nvSpPr>
+          <p:cNvPr id="8" name="ZoneTexte 7">
+            <a:extLst>
+              <a:ext uri="{FF2B5EF4-FFF2-40B4-BE49-F238E27FC236}">
+                <a16:creationId xmlns:a16="http://schemas.microsoft.com/office/drawing/2014/main" id="{C602FF1A-ECC8-0713-6E48-03DC30535458}"/>
+              </a:ext>
+            </a:extLst>
+          </p:cNvPr>
+          <p:cNvSpPr txBox="1"/>
+          <p:nvPr/>
+        </p:nvSpPr>
+        <p:spPr>
+          <a:xfrm>
+            <a:off x="822960" y="3302376"/>
+            <a:ext cx="4765173" cy="1754326"/>
+          </a:xfrm>
+          <a:prstGeom prst="rect">
+            <a:avLst/>
+          </a:prstGeom>
+          <a:solidFill>
+            <a:schemeClr val="accent1">
+              <a:lumMod val="40000"/>
+              <a:lumOff val="60000"/>
+            </a:schemeClr>
+          </a:solidFill>
+        </p:spPr>
+        <p:txBody>
+          <a:bodyPr wrap="square" rtlCol="0">
+            <a:spAutoFit/>
+          </a:bodyPr>
+          <a:lstStyle/>
+          <a:p>
+            <a:r>
+              <a:rPr lang="fr-FR" b="1" dirty="0"/>
+              <a:t>import</a:t>
+            </a:r>
+            <a:r>
+              <a:rPr lang="fr-FR" dirty="0"/>
+              <a:t> </a:t>
+            </a:r>
+            <a:r>
+              <a:rPr lang="fr-FR" i="1" dirty="0" err="1"/>
+              <a:t>numpy</a:t>
+            </a:r>
+            <a:r>
+              <a:rPr lang="fr-FR" i="1" dirty="0"/>
+              <a:t> </a:t>
+            </a:r>
+            <a:r>
+              <a:rPr lang="fr-FR" b="1" dirty="0"/>
+              <a:t>as </a:t>
+            </a:r>
+            <a:r>
+              <a:rPr lang="fr-FR" i="1" dirty="0" err="1"/>
+              <a:t>np</a:t>
+            </a:r>
+            <a:endParaRPr lang="fr-FR" i="1" dirty="0"/>
+          </a:p>
+          <a:p>
+            <a:r>
+              <a:rPr lang="fr-FR" dirty="0"/>
+              <a:t>mb </a:t>
+            </a:r>
+            <a:r>
+              <a:rPr lang="fr-FR" b="1" dirty="0"/>
+              <a:t>= </a:t>
+            </a:r>
+            <a:r>
+              <a:rPr lang="fr-FR" i="1" dirty="0" err="1"/>
+              <a:t>np</a:t>
+            </a:r>
+            <a:r>
+              <a:rPr lang="fr-FR" dirty="0" err="1"/>
+              <a:t>.</a:t>
+            </a:r>
+            <a:r>
+              <a:rPr lang="fr-FR" b="1" dirty="0" err="1"/>
+              <a:t>array</a:t>
+            </a:r>
+            <a:r>
+              <a:rPr lang="fr-FR" b="1" dirty="0"/>
+              <a:t>(</a:t>
+            </a:r>
+            <a:r>
+              <a:rPr lang="fr-FR" dirty="0"/>
+              <a:t> [[1,2,3] , [4,5,6]] </a:t>
+            </a:r>
+            <a:r>
+              <a:rPr lang="fr-FR" b="1" dirty="0"/>
+              <a:t>)</a:t>
+            </a:r>
+          </a:p>
+          <a:p>
+            <a:endParaRPr lang="fr-FR" b="1" dirty="0"/>
+          </a:p>
+          <a:p>
+            <a:r>
+              <a:rPr lang="fr-FR" dirty="0"/>
+              <a:t>total </a:t>
+            </a:r>
+            <a:r>
+              <a:rPr lang="fr-FR" b="1" dirty="0"/>
+              <a:t>=</a:t>
+            </a:r>
+            <a:r>
+              <a:rPr lang="fr-FR" dirty="0"/>
+              <a:t> </a:t>
+            </a:r>
+            <a:r>
+              <a:rPr lang="fr-FR" i="1" dirty="0" err="1"/>
+              <a:t>np</a:t>
+            </a:r>
+            <a:r>
+              <a:rPr lang="fr-FR" dirty="0" err="1"/>
+              <a:t>.</a:t>
+            </a:r>
+            <a:r>
+              <a:rPr lang="fr-FR" b="1" dirty="0" err="1"/>
+              <a:t>sum</a:t>
+            </a:r>
+            <a:r>
+              <a:rPr lang="fr-FR" dirty="0"/>
+              <a:t>(mb) </a:t>
+            </a:r>
+          </a:p>
+          <a:p>
+            <a:r>
+              <a:rPr lang="fr-FR" dirty="0" err="1"/>
+              <a:t>total_c</a:t>
+            </a:r>
+            <a:r>
+              <a:rPr lang="fr-FR" dirty="0"/>
+              <a:t> </a:t>
+            </a:r>
+            <a:r>
+              <a:rPr lang="fr-FR" b="1" dirty="0"/>
+              <a:t>=</a:t>
+            </a:r>
+            <a:r>
+              <a:rPr lang="fr-FR" dirty="0"/>
+              <a:t> </a:t>
+            </a:r>
+            <a:r>
+              <a:rPr lang="fr-FR" i="1" dirty="0" err="1"/>
+              <a:t>np</a:t>
+            </a:r>
+            <a:r>
+              <a:rPr lang="fr-FR" dirty="0" err="1"/>
+              <a:t>.</a:t>
+            </a:r>
+            <a:r>
+              <a:rPr lang="fr-FR" b="1" dirty="0" err="1"/>
+              <a:t>sum</a:t>
+            </a:r>
+            <a:r>
+              <a:rPr lang="fr-FR" dirty="0"/>
+              <a:t>(mb, axis=0)</a:t>
+            </a:r>
+          </a:p>
+          <a:p>
+            <a:r>
+              <a:rPr lang="fr-FR" dirty="0" err="1"/>
+              <a:t>total_r</a:t>
+            </a:r>
+            <a:r>
+              <a:rPr lang="fr-FR" dirty="0"/>
+              <a:t> </a:t>
+            </a:r>
+            <a:r>
+              <a:rPr lang="fr-FR" b="1" dirty="0"/>
+              <a:t>=</a:t>
+            </a:r>
+            <a:r>
+              <a:rPr lang="fr-FR" dirty="0"/>
+              <a:t> </a:t>
+            </a:r>
+            <a:r>
+              <a:rPr lang="fr-FR" i="1" dirty="0" err="1"/>
+              <a:t>np</a:t>
+            </a:r>
+            <a:r>
+              <a:rPr lang="fr-FR" dirty="0" err="1"/>
+              <a:t>.</a:t>
+            </a:r>
+            <a:r>
+              <a:rPr lang="fr-FR" b="1" dirty="0" err="1"/>
+              <a:t>sum</a:t>
+            </a:r>
+            <a:r>
+              <a:rPr lang="fr-FR" dirty="0"/>
+              <a:t>(mb, axis=1)</a:t>
+            </a:r>
+            <a:endParaRPr lang="fr-FR" b="1" dirty="0"/>
+          </a:p>
+        </p:txBody>
+      </p:sp>
+      <p:sp>
+        <p:nvSpPr>
+          <p:cNvPr id="9" name="ZoneTexte 8">
+            <a:extLst>
+              <a:ext uri="{FF2B5EF4-FFF2-40B4-BE49-F238E27FC236}">
+                <a16:creationId xmlns:a16="http://schemas.microsoft.com/office/drawing/2014/main" id="{2423C45D-4E7B-CE8F-7CCF-FCCFAB07821C}"/>
+              </a:ext>
+            </a:extLst>
+          </p:cNvPr>
+          <p:cNvSpPr txBox="1"/>
+          <p:nvPr/>
+        </p:nvSpPr>
+        <p:spPr>
+          <a:xfrm>
+            <a:off x="1391037" y="5160328"/>
+            <a:ext cx="4197096" cy="646331"/>
+          </a:xfrm>
+          <a:prstGeom prst="rect">
+            <a:avLst/>
+          </a:prstGeom>
+          <a:solidFill>
+            <a:schemeClr val="accent6">
+              <a:lumMod val="40000"/>
+              <a:lumOff val="60000"/>
+            </a:schemeClr>
+          </a:solidFill>
+        </p:spPr>
+        <p:txBody>
+          <a:bodyPr wrap="square" rtlCol="0">
+            <a:spAutoFit/>
+          </a:bodyPr>
+          <a:lstStyle/>
+          <a:p>
+            <a:r>
+              <a:rPr lang="en-US" dirty="0"/>
+              <a:t>Que </a:t>
+            </a:r>
+            <a:r>
+              <a:rPr lang="en-US" dirty="0" err="1"/>
+              <a:t>contiennent</a:t>
+            </a:r>
+            <a:r>
+              <a:rPr lang="en-US" dirty="0"/>
+              <a:t> les variables </a:t>
+            </a:r>
+            <a:r>
+              <a:rPr lang="en-US" b="1" i="1" dirty="0"/>
+              <a:t>total</a:t>
+            </a:r>
+            <a:r>
+              <a:rPr lang="en-US" dirty="0"/>
+              <a:t>, </a:t>
+            </a:r>
+            <a:r>
+              <a:rPr lang="en-US" b="1" i="1" dirty="0" err="1"/>
+              <a:t>total_c</a:t>
+            </a:r>
+            <a:r>
+              <a:rPr lang="en-US" dirty="0"/>
+              <a:t> et </a:t>
+            </a:r>
+            <a:r>
+              <a:rPr lang="en-US" b="1" i="1" dirty="0" err="1"/>
+              <a:t>total_r</a:t>
+            </a:r>
+            <a:r>
+              <a:rPr lang="en-US" dirty="0"/>
+              <a:t> ?</a:t>
+            </a:r>
+          </a:p>
+        </p:txBody>
+      </p:sp>
+      <p:sp>
+        <p:nvSpPr>
+          <p:cNvPr id="10" name="ZoneTexte 9">
+            <a:extLst>
+              <a:ext uri="{FF2B5EF4-FFF2-40B4-BE49-F238E27FC236}">
+                <a16:creationId xmlns:a16="http://schemas.microsoft.com/office/drawing/2014/main" id="{25733B9D-6F4B-2343-D49A-F00A4A40F1C5}"/>
+              </a:ext>
+            </a:extLst>
+          </p:cNvPr>
+          <p:cNvSpPr txBox="1"/>
+          <p:nvPr/>
+        </p:nvSpPr>
+        <p:spPr>
+          <a:xfrm>
+            <a:off x="6345936" y="4133372"/>
+            <a:ext cx="4765173" cy="923330"/>
+          </a:xfrm>
+          <a:prstGeom prst="rect">
+            <a:avLst/>
+          </a:prstGeom>
+          <a:solidFill>
+            <a:schemeClr val="accent1">
+              <a:lumMod val="40000"/>
+              <a:lumOff val="60000"/>
+            </a:schemeClr>
+          </a:solidFill>
+        </p:spPr>
+        <p:txBody>
+          <a:bodyPr wrap="square" rtlCol="0">
+            <a:spAutoFit/>
+          </a:bodyPr>
+          <a:lstStyle/>
+          <a:p>
+            <a:r>
+              <a:rPr lang="fr-FR" dirty="0" err="1"/>
+              <a:t>moy</a:t>
+            </a:r>
+            <a:r>
+              <a:rPr lang="fr-FR" dirty="0"/>
+              <a:t> </a:t>
+            </a:r>
+            <a:r>
+              <a:rPr lang="fr-FR" b="1" dirty="0"/>
+              <a:t>=</a:t>
+            </a:r>
+            <a:r>
+              <a:rPr lang="fr-FR" dirty="0"/>
+              <a:t> </a:t>
+            </a:r>
+            <a:r>
+              <a:rPr lang="fr-FR" i="1" dirty="0" err="1"/>
+              <a:t>np</a:t>
+            </a:r>
+            <a:r>
+              <a:rPr lang="fr-FR" dirty="0" err="1"/>
+              <a:t>.</a:t>
+            </a:r>
+            <a:r>
+              <a:rPr lang="fr-FR" b="1" dirty="0" err="1"/>
+              <a:t>mean</a:t>
+            </a:r>
+            <a:r>
+              <a:rPr lang="fr-FR" dirty="0"/>
+              <a:t>(mb) </a:t>
+            </a:r>
+          </a:p>
+          <a:p>
+            <a:r>
+              <a:rPr lang="fr-FR" dirty="0" err="1"/>
+              <a:t>moy_c</a:t>
+            </a:r>
+            <a:r>
+              <a:rPr lang="fr-FR" dirty="0"/>
+              <a:t> </a:t>
+            </a:r>
+            <a:r>
+              <a:rPr lang="fr-FR" b="1" dirty="0"/>
+              <a:t>=</a:t>
+            </a:r>
+            <a:r>
+              <a:rPr lang="fr-FR" dirty="0"/>
+              <a:t> </a:t>
+            </a:r>
+            <a:r>
+              <a:rPr lang="fr-FR" i="1" dirty="0" err="1"/>
+              <a:t>np</a:t>
+            </a:r>
+            <a:r>
+              <a:rPr lang="fr-FR" dirty="0" err="1"/>
+              <a:t>.</a:t>
+            </a:r>
+            <a:r>
+              <a:rPr lang="fr-FR" b="1" dirty="0" err="1"/>
+              <a:t>mean</a:t>
+            </a:r>
+            <a:r>
+              <a:rPr lang="fr-FR" dirty="0"/>
+              <a:t>(mb, axis=0)</a:t>
+            </a:r>
+          </a:p>
+          <a:p>
+            <a:r>
+              <a:rPr lang="fr-FR" dirty="0" err="1"/>
+              <a:t>moy_r</a:t>
+            </a:r>
+            <a:r>
+              <a:rPr lang="fr-FR" dirty="0"/>
+              <a:t> </a:t>
+            </a:r>
+            <a:r>
+              <a:rPr lang="fr-FR" b="1" dirty="0"/>
+              <a:t>=</a:t>
+            </a:r>
+            <a:r>
+              <a:rPr lang="fr-FR" dirty="0"/>
+              <a:t> </a:t>
+            </a:r>
+            <a:r>
+              <a:rPr lang="fr-FR" i="1" dirty="0" err="1"/>
+              <a:t>np</a:t>
+            </a:r>
+            <a:r>
+              <a:rPr lang="fr-FR" dirty="0" err="1"/>
+              <a:t>.</a:t>
+            </a:r>
+            <a:r>
+              <a:rPr lang="fr-FR" b="1" dirty="0" err="1"/>
+              <a:t>mean</a:t>
+            </a:r>
+            <a:r>
+              <a:rPr lang="fr-FR" dirty="0"/>
+              <a:t>(mb, axis=1)</a:t>
+            </a:r>
+            <a:endParaRPr lang="fr-FR" b="1" dirty="0"/>
+          </a:p>
+        </p:txBody>
+      </p:sp>
+      <p:sp>
+        <p:nvSpPr>
+          <p:cNvPr id="11" name="ZoneTexte 10">
+            <a:extLst>
+              <a:ext uri="{FF2B5EF4-FFF2-40B4-BE49-F238E27FC236}">
+                <a16:creationId xmlns:a16="http://schemas.microsoft.com/office/drawing/2014/main" id="{62D9C748-9CDA-385A-9D88-E27306823BF1}"/>
+              </a:ext>
+            </a:extLst>
+          </p:cNvPr>
+          <p:cNvSpPr txBox="1"/>
+          <p:nvPr/>
+        </p:nvSpPr>
+        <p:spPr>
+          <a:xfrm>
+            <a:off x="6914013" y="5160328"/>
+            <a:ext cx="4197096" cy="646331"/>
+          </a:xfrm>
+          <a:prstGeom prst="rect">
+            <a:avLst/>
+          </a:prstGeom>
+          <a:solidFill>
+            <a:schemeClr val="accent6">
+              <a:lumMod val="40000"/>
+              <a:lumOff val="60000"/>
+            </a:schemeClr>
+          </a:solidFill>
+        </p:spPr>
+        <p:txBody>
+          <a:bodyPr wrap="square" rtlCol="0">
+            <a:spAutoFit/>
+          </a:bodyPr>
+          <a:lstStyle/>
+          <a:p>
+            <a:r>
+              <a:rPr lang="en-US" dirty="0"/>
+              <a:t>Que </a:t>
+            </a:r>
+            <a:r>
+              <a:rPr lang="en-US" dirty="0" err="1"/>
+              <a:t>contiennent</a:t>
+            </a:r>
+            <a:r>
+              <a:rPr lang="en-US" dirty="0"/>
+              <a:t> les variables </a:t>
+            </a:r>
+            <a:r>
+              <a:rPr lang="en-US" b="1" i="1" dirty="0" err="1"/>
+              <a:t>moy</a:t>
+            </a:r>
+            <a:r>
+              <a:rPr lang="en-US" dirty="0"/>
+              <a:t>, </a:t>
+            </a:r>
+            <a:r>
+              <a:rPr lang="en-US" b="1" i="1" dirty="0" err="1"/>
+              <a:t>moy_c</a:t>
+            </a:r>
+            <a:r>
+              <a:rPr lang="en-US" dirty="0"/>
+              <a:t> et </a:t>
+            </a:r>
+            <a:r>
+              <a:rPr lang="en-US" b="1" i="1" dirty="0" err="1"/>
+              <a:t>moy_r</a:t>
+            </a:r>
+            <a:r>
+              <a:rPr lang="en-US" dirty="0"/>
+              <a:t> ?</a:t>
+            </a:r>
+          </a:p>
+        </p:txBody>
+      </p:sp>
+      <p:pic>
+        <p:nvPicPr>
+          <p:cNvPr id="12" name="Picture 6">
+            <a:extLst>
+              <a:ext uri="{FF2B5EF4-FFF2-40B4-BE49-F238E27FC236}">
+                <a16:creationId xmlns:a16="http://schemas.microsoft.com/office/drawing/2014/main" id="{5182BDD5-3C87-A1F4-10DE-9EF331224AE5}"/>
+              </a:ext>
+            </a:extLst>
+          </p:cNvPr>
+          <p:cNvPicPr>
+            <a:picLocks noChangeAspect="1" noChangeArrowheads="1"/>
+          </p:cNvPicPr>
+          <p:nvPr/>
+        </p:nvPicPr>
+        <p:blipFill>
+          <a:blip r:embed="rId3" cstate="hqprint">
+            <a:extLst>
+              <a:ext uri="{28A0092B-C50C-407E-A947-70E740481C1C}">
+                <a14:useLocalDpi xmlns:a14="http://schemas.microsoft.com/office/drawing/2010/main" val="0"/>
+              </a:ext>
+            </a:extLst>
+          </a:blip>
+          <a:srcRect/>
+          <a:stretch>
+            <a:fillRect/>
+          </a:stretch>
+        </p:blipFill>
+        <p:spPr bwMode="auto">
+          <a:xfrm>
+            <a:off x="10426228" y="2206699"/>
+            <a:ext cx="905256" cy="407269"/>
+          </a:xfrm>
+          <a:prstGeom prst="rect">
+            <a:avLst/>
+          </a:prstGeom>
+          <a:noFill/>
+          <a:extLst>
+            <a:ext uri="{909E8E84-426E-40DD-AFC4-6F175D3DCCD1}">
+              <a14:hiddenFill xmlns:a14="http://schemas.microsoft.com/office/drawing/2010/main">
+                <a:solidFill>
+                  <a:srgbClr val="FFFFFF"/>
+                </a:solidFill>
+              </a14:hiddenFill>
+            </a:ext>
+          </a:extLst>
+        </p:spPr>
+      </p:pic>
+      <p:pic>
+        <p:nvPicPr>
+          <p:cNvPr id="13" name="Image 12">
+            <a:extLst>
+              <a:ext uri="{FF2B5EF4-FFF2-40B4-BE49-F238E27FC236}">
+                <a16:creationId xmlns:a16="http://schemas.microsoft.com/office/drawing/2014/main" id="{C249720D-01EF-E50A-48BC-BFC9E5B867F1}"/>
+              </a:ext>
+            </a:extLst>
+          </p:cNvPr>
+          <p:cNvPicPr>
+            <a:picLocks noChangeAspect="1"/>
+          </p:cNvPicPr>
+          <p:nvPr/>
+        </p:nvPicPr>
+        <p:blipFill>
+          <a:blip r:embed="rId4"/>
+          <a:stretch>
+            <a:fillRect/>
+          </a:stretch>
+        </p:blipFill>
+        <p:spPr>
+          <a:xfrm>
+            <a:off x="10077926" y="593679"/>
+            <a:ext cx="1081825" cy="1089498"/>
+          </a:xfrm>
+          <a:prstGeom prst="rect">
+            <a:avLst/>
+          </a:prstGeom>
+        </p:spPr>
+      </p:pic>
+    </p:spTree>
+    <p:extLst>
+      <p:ext uri="{BB962C8B-B14F-4D97-AF65-F5344CB8AC3E}">
+        <p14:creationId xmlns:p14="http://schemas.microsoft.com/office/powerpoint/2010/main" val="940861123"/>
+      </p:ext>
+    </p:extLst>
+  </p:cSld>
+  <p:clrMapOvr>
+    <a:masterClrMapping/>
+  </p:clrMapOvr>
+</p:sld>
+</file>
+
+<file path=ppt/slides/slide26.xml><?xml version="1.0" encoding="utf-8"?>
+<p:sld xmlns:a="http://schemas.openxmlformats.org/drawingml/2006/main" xmlns:r="http://schemas.openxmlformats.org/officeDocument/2006/relationships" xmlns:p="http://schemas.openxmlformats.org/presentationml/2006/main">
+  <p:cSld>
+    <p:spTree>
+      <p:nvGrpSpPr>
+        <p:cNvPr id="1" name=""/>
+        <p:cNvGrpSpPr/>
+        <p:nvPr/>
+      </p:nvGrpSpPr>
+      <p:grpSpPr>
+        <a:xfrm>
+          <a:off x="0" y="0"/>
+          <a:ext cx="0" cy="0"/>
+          <a:chOff x="0" y="0"/>
+          <a:chExt cx="0" cy="0"/>
+        </a:xfrm>
+      </p:grpSpPr>
+      <p:sp>
+        <p:nvSpPr>
+          <p:cNvPr id="2" name="Titre 1">
+            <a:extLst>
+              <a:ext uri="{FF2B5EF4-FFF2-40B4-BE49-F238E27FC236}">
+                <a16:creationId xmlns:a16="http://schemas.microsoft.com/office/drawing/2014/main" id="{90162AE8-C1B0-5C56-8313-DEE494F38273}"/>
+              </a:ext>
+            </a:extLst>
+          </p:cNvPr>
+          <p:cNvSpPr>
+            <a:spLocks noGrp="1"/>
+          </p:cNvSpPr>
+          <p:nvPr>
+            <p:ph type="title"/>
+          </p:nvPr>
+        </p:nvSpPr>
+        <p:spPr/>
+        <p:txBody>
+          <a:bodyPr/>
+          <a:lstStyle/>
+          <a:p>
+            <a:r>
+              <a:rPr lang="fr-FR" dirty="0"/>
+              <a:t>Quelques rappels sous Python</a:t>
+            </a:r>
+          </a:p>
+        </p:txBody>
+      </p:sp>
+      <p:sp>
+        <p:nvSpPr>
+          <p:cNvPr id="3" name="Espace réservé du contenu 2">
+            <a:extLst>
+              <a:ext uri="{FF2B5EF4-FFF2-40B4-BE49-F238E27FC236}">
+                <a16:creationId xmlns:a16="http://schemas.microsoft.com/office/drawing/2014/main" id="{E0BBB9DE-019C-C741-F224-494739D4B752}"/>
+              </a:ext>
+            </a:extLst>
+          </p:cNvPr>
+          <p:cNvSpPr>
+            <a:spLocks noGrp="1"/>
+          </p:cNvSpPr>
+          <p:nvPr>
+            <p:ph sz="half" idx="1"/>
+          </p:nvPr>
+        </p:nvSpPr>
+        <p:spPr/>
+        <p:txBody>
+          <a:bodyPr/>
+          <a:lstStyle/>
+          <a:p>
+            <a:r>
+              <a:rPr lang="fr-FR" dirty="0"/>
+              <a:t>Travailler avec des vecteurs</a:t>
+            </a:r>
+          </a:p>
+        </p:txBody>
+      </p:sp>
+      <p:pic>
+        <p:nvPicPr>
+          <p:cNvPr id="5" name="Image 4" descr="Une image contenant texte&#10;&#10;Description générée automatiquement">
+            <a:extLst>
+              <a:ext uri="{FF2B5EF4-FFF2-40B4-BE49-F238E27FC236}">
+                <a16:creationId xmlns:a16="http://schemas.microsoft.com/office/drawing/2014/main" id="{66D2630B-81F4-A4EB-21BA-8B90CF30BD92}"/>
+              </a:ext>
+            </a:extLst>
+          </p:cNvPr>
+          <p:cNvPicPr>
+            <a:picLocks noChangeAspect="1"/>
+          </p:cNvPicPr>
+          <p:nvPr/>
+        </p:nvPicPr>
+        <p:blipFill>
+          <a:blip r:embed="rId2">
+            <a:extLst>
+              <a:ext uri="{28A0092B-C50C-407E-A947-70E740481C1C}">
+                <a14:useLocalDpi xmlns:a14="http://schemas.microsoft.com/office/drawing/2010/main" val="0"/>
+              </a:ext>
+            </a:extLst>
+          </a:blip>
+          <a:stretch>
+            <a:fillRect/>
+          </a:stretch>
+        </p:blipFill>
+        <p:spPr>
+          <a:xfrm>
+            <a:off x="202922" y="5934456"/>
+            <a:ext cx="1825291" cy="749808"/>
+          </a:xfrm>
+          <a:prstGeom prst="rect">
+            <a:avLst/>
+          </a:prstGeom>
+        </p:spPr>
+      </p:pic>
+      <p:sp>
+        <p:nvSpPr>
+          <p:cNvPr id="6" name="Espace réservé du numéro de diapositive 5">
+            <a:extLst>
+              <a:ext uri="{FF2B5EF4-FFF2-40B4-BE49-F238E27FC236}">
+                <a16:creationId xmlns:a16="http://schemas.microsoft.com/office/drawing/2014/main" id="{4C1E9BCC-7E3A-6B7D-DBFB-30833C830FF6}"/>
+              </a:ext>
+            </a:extLst>
+          </p:cNvPr>
+          <p:cNvSpPr>
+            <a:spLocks noGrp="1"/>
+          </p:cNvSpPr>
+          <p:nvPr>
+            <p:ph type="sldNum" sz="quarter" idx="12"/>
+          </p:nvPr>
+        </p:nvSpPr>
+        <p:spPr/>
+        <p:txBody>
+          <a:bodyPr/>
+          <a:lstStyle/>
+          <a:p>
+            <a:fld id="{B2DC25EE-239B-4C5F-AAD1-255A7D5F1EE2}" type="slidenum">
+              <a:rPr lang="en-US" smtClean="0"/>
+              <a:t>26</a:t>
+            </a:fld>
+            <a:endParaRPr lang="en-US"/>
+          </a:p>
+        </p:txBody>
+      </p:sp>
+      <p:sp>
+        <p:nvSpPr>
+          <p:cNvPr id="8" name="ZoneTexte 7">
+            <a:extLst>
+              <a:ext uri="{FF2B5EF4-FFF2-40B4-BE49-F238E27FC236}">
+                <a16:creationId xmlns:a16="http://schemas.microsoft.com/office/drawing/2014/main" id="{C602FF1A-ECC8-0713-6E48-03DC30535458}"/>
+              </a:ext>
+            </a:extLst>
+          </p:cNvPr>
+          <p:cNvSpPr txBox="1"/>
+          <p:nvPr/>
+        </p:nvSpPr>
+        <p:spPr>
+          <a:xfrm>
+            <a:off x="822960" y="3302376"/>
+            <a:ext cx="4765173" cy="1200329"/>
+          </a:xfrm>
+          <a:prstGeom prst="rect">
+            <a:avLst/>
+          </a:prstGeom>
+          <a:solidFill>
+            <a:schemeClr val="accent1">
+              <a:lumMod val="40000"/>
+              <a:lumOff val="60000"/>
+            </a:schemeClr>
+          </a:solidFill>
+        </p:spPr>
+        <p:txBody>
+          <a:bodyPr wrap="square" rtlCol="0">
+            <a:spAutoFit/>
+          </a:bodyPr>
+          <a:lstStyle/>
+          <a:p>
+            <a:r>
+              <a:rPr lang="fr-FR" b="1" dirty="0"/>
+              <a:t>import</a:t>
+            </a:r>
+            <a:r>
+              <a:rPr lang="fr-FR" dirty="0"/>
+              <a:t> </a:t>
+            </a:r>
+            <a:r>
+              <a:rPr lang="fr-FR" i="1" dirty="0" err="1"/>
+              <a:t>numpy</a:t>
+            </a:r>
+            <a:r>
+              <a:rPr lang="fr-FR" i="1" dirty="0"/>
+              <a:t> </a:t>
+            </a:r>
+            <a:r>
+              <a:rPr lang="fr-FR" b="1" dirty="0"/>
+              <a:t>as </a:t>
+            </a:r>
+            <a:r>
+              <a:rPr lang="fr-FR" i="1" dirty="0" err="1"/>
+              <a:t>np</a:t>
+            </a:r>
+            <a:endParaRPr lang="fr-FR" i="1" dirty="0"/>
+          </a:p>
+          <a:p>
+            <a:r>
+              <a:rPr lang="fr-FR" dirty="0" err="1"/>
+              <a:t>vect</a:t>
+            </a:r>
+            <a:r>
+              <a:rPr lang="fr-FR" dirty="0"/>
+              <a:t> </a:t>
+            </a:r>
+            <a:r>
+              <a:rPr lang="fr-FR" b="1" dirty="0"/>
+              <a:t>=</a:t>
+            </a:r>
+            <a:r>
+              <a:rPr lang="fr-FR" dirty="0"/>
+              <a:t> </a:t>
+            </a:r>
+            <a:r>
+              <a:rPr lang="fr-FR" i="1" dirty="0" err="1"/>
+              <a:t>np</a:t>
+            </a:r>
+            <a:r>
+              <a:rPr lang="fr-FR" dirty="0" err="1"/>
+              <a:t>.</a:t>
+            </a:r>
+            <a:r>
+              <a:rPr lang="fr-FR" b="1" dirty="0" err="1"/>
+              <a:t>arange</a:t>
+            </a:r>
+            <a:r>
+              <a:rPr lang="fr-FR" b="1" dirty="0"/>
+              <a:t>( </a:t>
+            </a:r>
+            <a:r>
+              <a:rPr lang="fr-FR" dirty="0"/>
+              <a:t>100 </a:t>
+            </a:r>
+            <a:r>
+              <a:rPr lang="fr-FR" b="1" dirty="0"/>
+              <a:t>) </a:t>
+            </a:r>
+          </a:p>
+          <a:p>
+            <a:r>
+              <a:rPr lang="fr-FR" dirty="0" err="1"/>
+              <a:t>vect_p</a:t>
+            </a:r>
+            <a:r>
+              <a:rPr lang="fr-FR" dirty="0"/>
+              <a:t> </a:t>
+            </a:r>
+            <a:r>
+              <a:rPr lang="fr-FR" b="1" dirty="0"/>
+              <a:t>=</a:t>
+            </a:r>
+            <a:r>
+              <a:rPr lang="fr-FR" dirty="0"/>
+              <a:t> </a:t>
+            </a:r>
+            <a:r>
+              <a:rPr lang="fr-FR" dirty="0" err="1"/>
+              <a:t>vect</a:t>
+            </a:r>
+            <a:r>
+              <a:rPr lang="fr-FR" b="1" dirty="0"/>
+              <a:t>[ </a:t>
+            </a:r>
+            <a:r>
+              <a:rPr lang="fr-FR" dirty="0"/>
+              <a:t>10 </a:t>
+            </a:r>
+            <a:r>
+              <a:rPr lang="fr-FR" b="1" dirty="0"/>
+              <a:t>: </a:t>
+            </a:r>
+            <a:r>
+              <a:rPr lang="fr-FR" dirty="0"/>
+              <a:t>30 </a:t>
+            </a:r>
+            <a:r>
+              <a:rPr lang="fr-FR" b="1" dirty="0"/>
+              <a:t>]</a:t>
+            </a:r>
+          </a:p>
+          <a:p>
+            <a:r>
+              <a:rPr lang="fr-FR" dirty="0" err="1"/>
+              <a:t>vect_s</a:t>
+            </a:r>
+            <a:r>
+              <a:rPr lang="fr-FR" dirty="0"/>
+              <a:t> </a:t>
+            </a:r>
+            <a:r>
+              <a:rPr lang="fr-FR" b="1" dirty="0"/>
+              <a:t>=</a:t>
+            </a:r>
+            <a:r>
+              <a:rPr lang="fr-FR" dirty="0"/>
+              <a:t> </a:t>
+            </a:r>
+            <a:r>
+              <a:rPr lang="fr-FR" dirty="0" err="1"/>
+              <a:t>vect</a:t>
+            </a:r>
+            <a:r>
+              <a:rPr lang="fr-FR" b="1" dirty="0"/>
+              <a:t>[ </a:t>
+            </a:r>
+            <a:r>
+              <a:rPr lang="fr-FR" dirty="0"/>
+              <a:t>50 </a:t>
+            </a:r>
+            <a:r>
+              <a:rPr lang="fr-FR" b="1" dirty="0"/>
+              <a:t>: ]</a:t>
+            </a:r>
+          </a:p>
+        </p:txBody>
+      </p:sp>
+      <p:sp>
+        <p:nvSpPr>
+          <p:cNvPr id="9" name="ZoneTexte 8">
+            <a:extLst>
+              <a:ext uri="{FF2B5EF4-FFF2-40B4-BE49-F238E27FC236}">
+                <a16:creationId xmlns:a16="http://schemas.microsoft.com/office/drawing/2014/main" id="{2423C45D-4E7B-CE8F-7CCF-FCCFAB07821C}"/>
+              </a:ext>
+            </a:extLst>
+          </p:cNvPr>
+          <p:cNvSpPr txBox="1"/>
+          <p:nvPr/>
+        </p:nvSpPr>
+        <p:spPr>
+          <a:xfrm>
+            <a:off x="1391037" y="4606182"/>
+            <a:ext cx="4197096" cy="646331"/>
+          </a:xfrm>
+          <a:prstGeom prst="rect">
+            <a:avLst/>
+          </a:prstGeom>
+          <a:solidFill>
+            <a:schemeClr val="accent6">
+              <a:lumMod val="40000"/>
+              <a:lumOff val="60000"/>
+            </a:schemeClr>
+          </a:solidFill>
+        </p:spPr>
+        <p:txBody>
+          <a:bodyPr wrap="square" rtlCol="0">
+            <a:spAutoFit/>
+          </a:bodyPr>
+          <a:lstStyle/>
+          <a:p>
+            <a:r>
+              <a:rPr lang="en-US" dirty="0"/>
+              <a:t>Que </a:t>
+            </a:r>
+            <a:r>
+              <a:rPr lang="en-US" dirty="0" err="1"/>
+              <a:t>contiennent</a:t>
+            </a:r>
+            <a:r>
+              <a:rPr lang="en-US" dirty="0"/>
+              <a:t> les variables </a:t>
+            </a:r>
+            <a:r>
+              <a:rPr lang="en-US" b="1" i="1" dirty="0" err="1"/>
+              <a:t>vect</a:t>
+            </a:r>
+            <a:r>
+              <a:rPr lang="en-US" b="1" i="1" dirty="0"/>
+              <a:t> </a:t>
+            </a:r>
+            <a:r>
+              <a:rPr lang="en-US" i="1" dirty="0"/>
+              <a:t>,</a:t>
+            </a:r>
+            <a:r>
+              <a:rPr lang="en-US" b="1" i="1" dirty="0"/>
+              <a:t> </a:t>
+            </a:r>
+            <a:r>
+              <a:rPr lang="en-US" b="1" i="1" dirty="0" err="1"/>
+              <a:t>vect_p</a:t>
+            </a:r>
+            <a:r>
+              <a:rPr lang="en-US" b="1" i="1" dirty="0"/>
+              <a:t> </a:t>
+            </a:r>
+            <a:r>
+              <a:rPr lang="en-US" dirty="0"/>
+              <a:t>et</a:t>
+            </a:r>
+            <a:r>
+              <a:rPr lang="en-US" i="1" dirty="0"/>
+              <a:t> </a:t>
+            </a:r>
+            <a:r>
+              <a:rPr lang="en-US" b="1" i="1" dirty="0" err="1"/>
+              <a:t>vect_s</a:t>
+            </a:r>
+            <a:r>
+              <a:rPr lang="en-US" dirty="0"/>
+              <a:t> ?</a:t>
+            </a:r>
+          </a:p>
+        </p:txBody>
+      </p:sp>
+      <p:pic>
+        <p:nvPicPr>
+          <p:cNvPr id="4" name="Image 3">
+            <a:extLst>
+              <a:ext uri="{FF2B5EF4-FFF2-40B4-BE49-F238E27FC236}">
+                <a16:creationId xmlns:a16="http://schemas.microsoft.com/office/drawing/2014/main" id="{5941BB55-A9AB-24D3-6609-F0D263121005}"/>
+              </a:ext>
+            </a:extLst>
+          </p:cNvPr>
+          <p:cNvPicPr>
+            <a:picLocks noChangeAspect="1"/>
+          </p:cNvPicPr>
+          <p:nvPr/>
+        </p:nvPicPr>
+        <p:blipFill>
+          <a:blip r:embed="rId3"/>
+          <a:stretch>
+            <a:fillRect/>
+          </a:stretch>
+        </p:blipFill>
+        <p:spPr>
+          <a:xfrm>
+            <a:off x="10077926" y="593679"/>
+            <a:ext cx="1081825" cy="1089498"/>
+          </a:xfrm>
+          <a:prstGeom prst="rect">
+            <a:avLst/>
+          </a:prstGeom>
+        </p:spPr>
+      </p:pic>
+      <p:pic>
+        <p:nvPicPr>
+          <p:cNvPr id="7" name="Picture 6">
+            <a:extLst>
+              <a:ext uri="{FF2B5EF4-FFF2-40B4-BE49-F238E27FC236}">
+                <a16:creationId xmlns:a16="http://schemas.microsoft.com/office/drawing/2014/main" id="{5D8FFAFC-E508-D8B6-7FC0-5EBE2F307CE6}"/>
+              </a:ext>
+            </a:extLst>
+          </p:cNvPr>
+          <p:cNvPicPr>
+            <a:picLocks noChangeAspect="1" noChangeArrowheads="1"/>
+          </p:cNvPicPr>
+          <p:nvPr/>
+        </p:nvPicPr>
+        <p:blipFill>
+          <a:blip r:embed="rId4" cstate="hqprint">
+            <a:extLst>
+              <a:ext uri="{28A0092B-C50C-407E-A947-70E740481C1C}">
+                <a14:useLocalDpi xmlns:a14="http://schemas.microsoft.com/office/drawing/2010/main" val="0"/>
+              </a:ext>
+            </a:extLst>
+          </a:blip>
+          <a:srcRect/>
+          <a:stretch>
+            <a:fillRect/>
+          </a:stretch>
+        </p:blipFill>
+        <p:spPr bwMode="auto">
+          <a:xfrm>
+            <a:off x="10426228" y="2206699"/>
+            <a:ext cx="905256" cy="407269"/>
+          </a:xfrm>
+          <a:prstGeom prst="rect">
+            <a:avLst/>
+          </a:prstGeom>
+          <a:noFill/>
+          <a:extLst>
+            <a:ext uri="{909E8E84-426E-40DD-AFC4-6F175D3DCCD1}">
+              <a14:hiddenFill xmlns:a14="http://schemas.microsoft.com/office/drawing/2010/main">
+                <a:solidFill>
+                  <a:srgbClr val="FFFFFF"/>
+                </a:solidFill>
+              </a14:hiddenFill>
+            </a:ext>
+          </a:extLst>
+        </p:spPr>
+      </p:pic>
+      <p:sp>
+        <p:nvSpPr>
           <p:cNvPr id="14" name="ZoneTexte 13">
             <a:extLst>
               <a:ext uri="{FF2B5EF4-FFF2-40B4-BE49-F238E27FC236}">
@@ -19538,7 +20144,7 @@
 </p:sld>
 </file>
 
-<file path=ppt/slides/slide25.xml><?xml version="1.0" encoding="utf-8"?>
+<file path=ppt/slides/slide27.xml><?xml version="1.0" encoding="utf-8"?>
 <p:sld xmlns:a="http://schemas.openxmlformats.org/drawingml/2006/main" xmlns:r="http://schemas.openxmlformats.org/officeDocument/2006/relationships" xmlns:p="http://schemas.openxmlformats.org/presentationml/2006/main">
   <p:cSld>
     <p:spTree>
@@ -20281,7 +20887,7 @@
           <a:p>
             <a:fld id="{B2DC25EE-239B-4C5F-AAD1-255A7D5F1EE2}" type="slidenum">
               <a:rPr lang="en-US" smtClean="0"/>
-              <a:t>25</a:t>
+              <a:t>27</a:t>
             </a:fld>
             <a:endParaRPr lang="en-US"/>
           </a:p>
@@ -20300,7 +20906,7 @@
 </p:sld>
 </file>
 
-<file path=ppt/slides/slide26.xml><?xml version="1.0" encoding="utf-8"?>
+<file path=ppt/slides/slide28.xml><?xml version="1.0" encoding="utf-8"?>
 <p:sld xmlns:a="http://schemas.openxmlformats.org/drawingml/2006/main" xmlns:r="http://schemas.openxmlformats.org/officeDocument/2006/relationships" xmlns:p="http://schemas.openxmlformats.org/presentationml/2006/main">
   <p:cSld>
     <p:bg>
@@ -20656,7 +21262,7 @@
           <a:p>
             <a:fld id="{B2DC25EE-239B-4C5F-AAD1-255A7D5F1EE2}" type="slidenum">
               <a:rPr lang="en-US" smtClean="0"/>
-              <a:t>26</a:t>
+              <a:t>28</a:t>
             </a:fld>
             <a:endParaRPr lang="en-US"/>
           </a:p>
@@ -20665,7 +21271,7 @@
     </p:spTree>
     <p:extLst>
       <p:ext uri="{BB962C8B-B14F-4D97-AF65-F5344CB8AC3E}">
-        <p14:creationId xmlns:p14="http://schemas.microsoft.com/office/powerpoint/2010/main" val="683804796"/>
+        <p14:creationId xmlns:p14="http://schemas.microsoft.com/office/powerpoint/2010/main" val="3171263335"/>
       </p:ext>
     </p:extLst>
   </p:cSld>
@@ -20675,7 +21281,7 @@
 </p:sld>
 </file>
 
-<file path=ppt/slides/slide27.xml><?xml version="1.0" encoding="utf-8"?>
+<file path=ppt/slides/slide29.xml><?xml version="1.0" encoding="utf-8"?>
 <p:sld xmlns:a="http://schemas.openxmlformats.org/drawingml/2006/main" xmlns:r="http://schemas.openxmlformats.org/officeDocument/2006/relationships" xmlns:p="http://schemas.openxmlformats.org/presentationml/2006/main">
   <p:cSld>
     <p:bg>
@@ -20845,7 +21451,7 @@
           <a:p>
             <a:fld id="{B2DC25EE-239B-4C5F-AAD1-255A7D5F1EE2}" type="slidenum">
               <a:rPr lang="en-US" smtClean="0"/>
-              <a:t>27</a:t>
+              <a:t>29</a:t>
             </a:fld>
             <a:endParaRPr lang="en-US"/>
           </a:p>
@@ -21387,812 +21993,6 @@
 </p:sld>
 </file>
 
-<file path=ppt/slides/slide28.xml><?xml version="1.0" encoding="utf-8"?>
-<p:sld xmlns:a="http://schemas.openxmlformats.org/drawingml/2006/main" xmlns:r="http://schemas.openxmlformats.org/officeDocument/2006/relationships" xmlns:p="http://schemas.openxmlformats.org/presentationml/2006/main">
-  <p:cSld>
-    <p:spTree>
-      <p:nvGrpSpPr>
-        <p:cNvPr id="1" name=""/>
-        <p:cNvGrpSpPr/>
-        <p:nvPr/>
-      </p:nvGrpSpPr>
-      <p:grpSpPr>
-        <a:xfrm>
-          <a:off x="0" y="0"/>
-          <a:ext cx="0" cy="0"/>
-          <a:chOff x="0" y="0"/>
-          <a:chExt cx="0" cy="0"/>
-        </a:xfrm>
-      </p:grpSpPr>
-      <p:sp>
-        <p:nvSpPr>
-          <p:cNvPr id="2" name="Titre 1">
-            <a:extLst>
-              <a:ext uri="{FF2B5EF4-FFF2-40B4-BE49-F238E27FC236}">
-                <a16:creationId xmlns:a16="http://schemas.microsoft.com/office/drawing/2014/main" id="{90162AE8-C1B0-5C56-8313-DEE494F38273}"/>
-              </a:ext>
-            </a:extLst>
-          </p:cNvPr>
-          <p:cNvSpPr>
-            <a:spLocks noGrp="1"/>
-          </p:cNvSpPr>
-          <p:nvPr>
-            <p:ph type="title"/>
-          </p:nvPr>
-        </p:nvSpPr>
-        <p:spPr/>
-        <p:txBody>
-          <a:bodyPr/>
-          <a:lstStyle/>
-          <a:p>
-            <a:r>
-              <a:rPr lang="fr-FR" dirty="0"/>
-              <a:t>Quelques rappels sous Python</a:t>
-            </a:r>
-          </a:p>
-        </p:txBody>
-      </p:sp>
-      <p:sp>
-        <p:nvSpPr>
-          <p:cNvPr id="3" name="Espace réservé du contenu 2">
-            <a:extLst>
-              <a:ext uri="{FF2B5EF4-FFF2-40B4-BE49-F238E27FC236}">
-                <a16:creationId xmlns:a16="http://schemas.microsoft.com/office/drawing/2014/main" id="{E0BBB9DE-019C-C741-F224-494739D4B752}"/>
-              </a:ext>
-            </a:extLst>
-          </p:cNvPr>
-          <p:cNvSpPr>
-            <a:spLocks noGrp="1"/>
-          </p:cNvSpPr>
-          <p:nvPr>
-            <p:ph sz="half" idx="1"/>
-          </p:nvPr>
-        </p:nvSpPr>
-        <p:spPr>
-          <a:xfrm>
-            <a:off x="1115568" y="2478024"/>
-            <a:ext cx="10241082" cy="3694176"/>
-          </a:xfrm>
-        </p:spPr>
-        <p:txBody>
-          <a:bodyPr/>
-          <a:lstStyle/>
-          <a:p>
-            <a:r>
-              <a:rPr lang="fr-FR" dirty="0"/>
-              <a:t>Nombres complexes</a:t>
-            </a:r>
-          </a:p>
-        </p:txBody>
-      </p:sp>
-      <p:pic>
-        <p:nvPicPr>
-          <p:cNvPr id="5" name="Image 4" descr="Une image contenant texte&#10;&#10;Description générée automatiquement">
-            <a:extLst>
-              <a:ext uri="{FF2B5EF4-FFF2-40B4-BE49-F238E27FC236}">
-                <a16:creationId xmlns:a16="http://schemas.microsoft.com/office/drawing/2014/main" id="{66D2630B-81F4-A4EB-21BA-8B90CF30BD92}"/>
-              </a:ext>
-            </a:extLst>
-          </p:cNvPr>
-          <p:cNvPicPr>
-            <a:picLocks noChangeAspect="1"/>
-          </p:cNvPicPr>
-          <p:nvPr/>
-        </p:nvPicPr>
-        <p:blipFill>
-          <a:blip r:embed="rId2">
-            <a:extLst>
-              <a:ext uri="{28A0092B-C50C-407E-A947-70E740481C1C}">
-                <a14:useLocalDpi xmlns:a14="http://schemas.microsoft.com/office/drawing/2010/main" val="0"/>
-              </a:ext>
-            </a:extLst>
-          </a:blip>
-          <a:stretch>
-            <a:fillRect/>
-          </a:stretch>
-        </p:blipFill>
-        <p:spPr>
-          <a:xfrm>
-            <a:off x="202922" y="5934456"/>
-            <a:ext cx="1825291" cy="749808"/>
-          </a:xfrm>
-          <a:prstGeom prst="rect">
-            <a:avLst/>
-          </a:prstGeom>
-        </p:spPr>
-      </p:pic>
-      <p:pic>
-        <p:nvPicPr>
-          <p:cNvPr id="7" name="Image 6">
-            <a:extLst>
-              <a:ext uri="{FF2B5EF4-FFF2-40B4-BE49-F238E27FC236}">
-                <a16:creationId xmlns:a16="http://schemas.microsoft.com/office/drawing/2014/main" id="{5BB01D49-602A-9314-FD1F-4EC628128217}"/>
-              </a:ext>
-            </a:extLst>
-          </p:cNvPr>
-          <p:cNvPicPr>
-            <a:picLocks noChangeAspect="1"/>
-          </p:cNvPicPr>
-          <p:nvPr/>
-        </p:nvPicPr>
-        <p:blipFill>
-          <a:blip r:embed="rId3"/>
-          <a:stretch>
-            <a:fillRect/>
-          </a:stretch>
-        </p:blipFill>
-        <p:spPr>
-          <a:xfrm>
-            <a:off x="10077926" y="593679"/>
-            <a:ext cx="1081825" cy="1089498"/>
-          </a:xfrm>
-          <a:prstGeom prst="rect">
-            <a:avLst/>
-          </a:prstGeom>
-        </p:spPr>
-      </p:pic>
-      <p:pic>
-        <p:nvPicPr>
-          <p:cNvPr id="10" name="Picture 6">
-            <a:extLst>
-              <a:ext uri="{FF2B5EF4-FFF2-40B4-BE49-F238E27FC236}">
-                <a16:creationId xmlns:a16="http://schemas.microsoft.com/office/drawing/2014/main" id="{B08DE29C-1F7C-390F-64F6-5A4A64FD8E5F}"/>
-              </a:ext>
-            </a:extLst>
-          </p:cNvPr>
-          <p:cNvPicPr>
-            <a:picLocks noChangeAspect="1" noChangeArrowheads="1"/>
-          </p:cNvPicPr>
-          <p:nvPr/>
-        </p:nvPicPr>
-        <p:blipFill>
-          <a:blip r:embed="rId4" cstate="hqprint">
-            <a:extLst>
-              <a:ext uri="{28A0092B-C50C-407E-A947-70E740481C1C}">
-                <a14:useLocalDpi xmlns:a14="http://schemas.microsoft.com/office/drawing/2010/main" val="0"/>
-              </a:ext>
-            </a:extLst>
-          </a:blip>
-          <a:srcRect/>
-          <a:stretch>
-            <a:fillRect/>
-          </a:stretch>
-        </p:blipFill>
-        <p:spPr bwMode="auto">
-          <a:xfrm>
-            <a:off x="10426228" y="2206699"/>
-            <a:ext cx="905256" cy="407269"/>
-          </a:xfrm>
-          <a:prstGeom prst="rect">
-            <a:avLst/>
-          </a:prstGeom>
-          <a:noFill/>
-          <a:extLst>
-            <a:ext uri="{909E8E84-426E-40DD-AFC4-6F175D3DCCD1}">
-              <a14:hiddenFill xmlns:a14="http://schemas.microsoft.com/office/drawing/2010/main">
-                <a:solidFill>
-                  <a:srgbClr val="FFFFFF"/>
-                </a:solidFill>
-              </a14:hiddenFill>
-            </a:ext>
-          </a:extLst>
-        </p:spPr>
-      </p:pic>
-      <p:sp>
-        <p:nvSpPr>
-          <p:cNvPr id="4" name="ZoneTexte 3">
-            <a:extLst>
-              <a:ext uri="{FF2B5EF4-FFF2-40B4-BE49-F238E27FC236}">
-                <a16:creationId xmlns:a16="http://schemas.microsoft.com/office/drawing/2014/main" id="{7E8BA086-82C8-2D50-3177-752E898F6963}"/>
-              </a:ext>
-            </a:extLst>
-          </p:cNvPr>
-          <p:cNvSpPr txBox="1"/>
-          <p:nvPr/>
-        </p:nvSpPr>
-        <p:spPr>
-          <a:xfrm>
-            <a:off x="6344973" y="2689356"/>
-            <a:ext cx="4765173" cy="923330"/>
-          </a:xfrm>
-          <a:prstGeom prst="rect">
-            <a:avLst/>
-          </a:prstGeom>
-          <a:solidFill>
-            <a:schemeClr val="accent1">
-              <a:lumMod val="40000"/>
-              <a:lumOff val="60000"/>
-            </a:schemeClr>
-          </a:solidFill>
-        </p:spPr>
-        <p:txBody>
-          <a:bodyPr wrap="square" rtlCol="0">
-            <a:spAutoFit/>
-          </a:bodyPr>
-          <a:lstStyle/>
-          <a:p>
-            <a:r>
-              <a:rPr lang="fr-FR" b="1" dirty="0"/>
-              <a:t>import</a:t>
-            </a:r>
-            <a:r>
-              <a:rPr lang="fr-FR" dirty="0"/>
-              <a:t> </a:t>
-            </a:r>
-            <a:r>
-              <a:rPr lang="fr-FR" dirty="0" err="1"/>
-              <a:t>numpy</a:t>
-            </a:r>
-            <a:r>
-              <a:rPr lang="fr-FR" dirty="0"/>
-              <a:t> </a:t>
-            </a:r>
-            <a:r>
-              <a:rPr lang="fr-FR" b="1" dirty="0"/>
-              <a:t>as</a:t>
-            </a:r>
-            <a:r>
-              <a:rPr lang="fr-FR" dirty="0"/>
-              <a:t> </a:t>
-            </a:r>
-            <a:r>
-              <a:rPr lang="fr-FR" dirty="0" err="1"/>
-              <a:t>np</a:t>
-            </a:r>
-            <a:endParaRPr lang="fr-FR" dirty="0"/>
-          </a:p>
-          <a:p>
-            <a:r>
-              <a:rPr lang="fr-FR" dirty="0" err="1"/>
-              <a:t>mk</a:t>
-            </a:r>
-            <a:r>
-              <a:rPr lang="fr-FR" dirty="0"/>
-              <a:t> = </a:t>
-            </a:r>
-            <a:r>
-              <a:rPr lang="fr-FR" b="1" dirty="0" err="1"/>
-              <a:t>np</a:t>
-            </a:r>
-            <a:r>
-              <a:rPr lang="fr-FR" dirty="0" err="1"/>
-              <a:t>.</a:t>
-            </a:r>
-            <a:r>
-              <a:rPr lang="fr-FR" b="1" dirty="0" err="1"/>
-              <a:t>array</a:t>
-            </a:r>
-            <a:r>
-              <a:rPr lang="fr-FR" dirty="0"/>
-              <a:t>([1j, 2, 3], </a:t>
-            </a:r>
-            <a:r>
-              <a:rPr lang="fr-FR" b="1" dirty="0" err="1"/>
-              <a:t>dtype</a:t>
-            </a:r>
-            <a:r>
-              <a:rPr lang="fr-FR" b="1" dirty="0"/>
-              <a:t>=</a:t>
-            </a:r>
-            <a:r>
-              <a:rPr lang="fr-FR" dirty="0" err="1"/>
-              <a:t>complex</a:t>
-            </a:r>
-            <a:r>
-              <a:rPr lang="fr-FR" dirty="0"/>
-              <a:t>)</a:t>
-            </a:r>
-          </a:p>
-          <a:p>
-            <a:r>
-              <a:rPr lang="fr-FR" b="1" dirty="0" err="1"/>
-              <a:t>print</a:t>
-            </a:r>
-            <a:r>
-              <a:rPr lang="fr-FR" b="1" dirty="0"/>
-              <a:t>( </a:t>
-            </a:r>
-            <a:r>
-              <a:rPr lang="fr-FR" dirty="0" err="1"/>
-              <a:t>mk</a:t>
-            </a:r>
-            <a:r>
-              <a:rPr lang="fr-FR" dirty="0"/>
-              <a:t> </a:t>
-            </a:r>
-            <a:r>
-              <a:rPr lang="fr-FR" b="1" dirty="0"/>
-              <a:t>)</a:t>
-            </a:r>
-          </a:p>
-        </p:txBody>
-      </p:sp>
-      <p:sp>
-        <p:nvSpPr>
-          <p:cNvPr id="9" name="ZoneTexte 8">
-            <a:extLst>
-              <a:ext uri="{FF2B5EF4-FFF2-40B4-BE49-F238E27FC236}">
-                <a16:creationId xmlns:a16="http://schemas.microsoft.com/office/drawing/2014/main" id="{834CF453-6922-C463-7E70-EDC4D3C4BFE6}"/>
-              </a:ext>
-            </a:extLst>
-          </p:cNvPr>
-          <p:cNvSpPr txBox="1"/>
-          <p:nvPr/>
-        </p:nvSpPr>
-        <p:spPr>
-          <a:xfrm>
-            <a:off x="6913050" y="3688074"/>
-            <a:ext cx="4197096" cy="369332"/>
-          </a:xfrm>
-          <a:prstGeom prst="rect">
-            <a:avLst/>
-          </a:prstGeom>
-          <a:solidFill>
-            <a:schemeClr val="accent1">
-              <a:lumMod val="20000"/>
-              <a:lumOff val="80000"/>
-            </a:schemeClr>
-          </a:solidFill>
-        </p:spPr>
-        <p:txBody>
-          <a:bodyPr wrap="square" rtlCol="0">
-            <a:spAutoFit/>
-          </a:bodyPr>
-          <a:lstStyle/>
-          <a:p>
-            <a:r>
-              <a:rPr lang="en-US" dirty="0"/>
-              <a:t>[ 0+1j  2+0j  3+0j]</a:t>
-            </a:r>
-          </a:p>
-        </p:txBody>
-      </p:sp>
-      <p:sp>
-        <p:nvSpPr>
-          <p:cNvPr id="11" name="ZoneTexte 10">
-            <a:extLst>
-              <a:ext uri="{FF2B5EF4-FFF2-40B4-BE49-F238E27FC236}">
-                <a16:creationId xmlns:a16="http://schemas.microsoft.com/office/drawing/2014/main" id="{2C376BC6-E211-C243-A1BA-4F533D6B269D}"/>
-              </a:ext>
-            </a:extLst>
-          </p:cNvPr>
-          <p:cNvSpPr txBox="1"/>
-          <p:nvPr/>
-        </p:nvSpPr>
-        <p:spPr>
-          <a:xfrm>
-            <a:off x="6344973" y="4193947"/>
-            <a:ext cx="4765173" cy="923330"/>
-          </a:xfrm>
-          <a:prstGeom prst="rect">
-            <a:avLst/>
-          </a:prstGeom>
-          <a:solidFill>
-            <a:schemeClr val="accent1">
-              <a:lumMod val="40000"/>
-              <a:lumOff val="60000"/>
-            </a:schemeClr>
-          </a:solidFill>
-        </p:spPr>
-        <p:txBody>
-          <a:bodyPr wrap="square" rtlCol="0">
-            <a:spAutoFit/>
-          </a:bodyPr>
-          <a:lstStyle/>
-          <a:p>
-            <a:r>
-              <a:rPr lang="fr-FR" dirty="0" err="1"/>
-              <a:t>nk</a:t>
-            </a:r>
-            <a:r>
-              <a:rPr lang="fr-FR" dirty="0"/>
-              <a:t> = 1j + 3</a:t>
-            </a:r>
-          </a:p>
-          <a:p>
-            <a:r>
-              <a:rPr lang="fr-FR" b="1" dirty="0" err="1"/>
-              <a:t>print</a:t>
-            </a:r>
-            <a:r>
-              <a:rPr lang="fr-FR" b="1" dirty="0"/>
-              <a:t>(</a:t>
-            </a:r>
-            <a:r>
-              <a:rPr lang="fr-FR" dirty="0"/>
-              <a:t> </a:t>
-            </a:r>
-            <a:r>
-              <a:rPr lang="fr-FR" dirty="0" err="1"/>
-              <a:t>nk</a:t>
-            </a:r>
-            <a:r>
-              <a:rPr lang="fr-FR" dirty="0"/>
-              <a:t> </a:t>
-            </a:r>
-            <a:r>
-              <a:rPr lang="fr-FR" b="1" dirty="0"/>
-              <a:t>)</a:t>
-            </a:r>
-          </a:p>
-          <a:p>
-            <a:r>
-              <a:rPr lang="fr-FR" b="1" dirty="0" err="1"/>
-              <a:t>print</a:t>
-            </a:r>
-            <a:r>
-              <a:rPr lang="fr-FR" b="1" dirty="0"/>
-              <a:t>(</a:t>
-            </a:r>
-            <a:r>
-              <a:rPr lang="fr-FR" dirty="0"/>
-              <a:t> </a:t>
-            </a:r>
-            <a:r>
-              <a:rPr lang="fr-FR" b="1" dirty="0"/>
-              <a:t>type(</a:t>
-            </a:r>
-            <a:r>
-              <a:rPr lang="fr-FR" dirty="0"/>
-              <a:t> </a:t>
-            </a:r>
-            <a:r>
-              <a:rPr lang="fr-FR" dirty="0" err="1"/>
-              <a:t>nk</a:t>
-            </a:r>
-            <a:r>
-              <a:rPr lang="fr-FR" dirty="0"/>
-              <a:t> </a:t>
-            </a:r>
-            <a:r>
-              <a:rPr lang="fr-FR" b="1" dirty="0"/>
-              <a:t>) )</a:t>
-            </a:r>
-          </a:p>
-        </p:txBody>
-      </p:sp>
-      <p:sp>
-        <p:nvSpPr>
-          <p:cNvPr id="12" name="ZoneTexte 11">
-            <a:extLst>
-              <a:ext uri="{FF2B5EF4-FFF2-40B4-BE49-F238E27FC236}">
-                <a16:creationId xmlns:a16="http://schemas.microsoft.com/office/drawing/2014/main" id="{970F7D5F-4060-7FF8-10D7-691399A6C862}"/>
-              </a:ext>
-            </a:extLst>
-          </p:cNvPr>
-          <p:cNvSpPr txBox="1"/>
-          <p:nvPr/>
-        </p:nvSpPr>
-        <p:spPr>
-          <a:xfrm>
-            <a:off x="6913050" y="5212207"/>
-            <a:ext cx="4197096" cy="646331"/>
-          </a:xfrm>
-          <a:prstGeom prst="rect">
-            <a:avLst/>
-          </a:prstGeom>
-          <a:solidFill>
-            <a:schemeClr val="accent1">
-              <a:lumMod val="20000"/>
-              <a:lumOff val="80000"/>
-            </a:schemeClr>
-          </a:solidFill>
-        </p:spPr>
-        <p:txBody>
-          <a:bodyPr wrap="square" rtlCol="0">
-            <a:spAutoFit/>
-          </a:bodyPr>
-          <a:lstStyle/>
-          <a:p>
-            <a:r>
-              <a:rPr lang="en-US" dirty="0"/>
-              <a:t>(1j + 3)</a:t>
-            </a:r>
-          </a:p>
-          <a:p>
-            <a:r>
-              <a:rPr lang="en-US" dirty="0"/>
-              <a:t>&lt;</a:t>
-            </a:r>
-            <a:r>
-              <a:rPr lang="en-US" b="1" dirty="0"/>
-              <a:t>class </a:t>
-            </a:r>
-            <a:r>
-              <a:rPr lang="en-US" dirty="0"/>
-              <a:t>‘</a:t>
-            </a:r>
-            <a:r>
-              <a:rPr lang="en-US" b="1" dirty="0"/>
-              <a:t>complex</a:t>
-            </a:r>
-            <a:r>
-              <a:rPr lang="en-US" dirty="0"/>
-              <a:t>’&gt;</a:t>
-            </a:r>
-          </a:p>
-        </p:txBody>
-      </p:sp>
-      <p:sp>
-        <p:nvSpPr>
-          <p:cNvPr id="6" name="Espace réservé du numéro de diapositive 5">
-            <a:extLst>
-              <a:ext uri="{FF2B5EF4-FFF2-40B4-BE49-F238E27FC236}">
-                <a16:creationId xmlns:a16="http://schemas.microsoft.com/office/drawing/2014/main" id="{6F2EAD96-5186-D09C-707C-1E9271A3264B}"/>
-              </a:ext>
-            </a:extLst>
-          </p:cNvPr>
-          <p:cNvSpPr>
-            <a:spLocks noGrp="1"/>
-          </p:cNvSpPr>
-          <p:nvPr>
-            <p:ph type="sldNum" sz="quarter" idx="12"/>
-          </p:nvPr>
-        </p:nvSpPr>
-        <p:spPr/>
-        <p:txBody>
-          <a:bodyPr/>
-          <a:lstStyle/>
-          <a:p>
-            <a:fld id="{B2DC25EE-239B-4C5F-AAD1-255A7D5F1EE2}" type="slidenum">
-              <a:rPr lang="en-US" smtClean="0"/>
-              <a:t>28</a:t>
-            </a:fld>
-            <a:endParaRPr lang="en-US"/>
-          </a:p>
-        </p:txBody>
-      </p:sp>
-    </p:spTree>
-    <p:extLst>
-      <p:ext uri="{BB962C8B-B14F-4D97-AF65-F5344CB8AC3E}">
-        <p14:creationId xmlns:p14="http://schemas.microsoft.com/office/powerpoint/2010/main" val="2524465165"/>
-      </p:ext>
-    </p:extLst>
-  </p:cSld>
-  <p:clrMapOvr>
-    <a:masterClrMapping/>
-  </p:clrMapOvr>
-</p:sld>
-</file>
-
-<file path=ppt/slides/slide29.xml><?xml version="1.0" encoding="utf-8"?>
-<p:sld xmlns:a="http://schemas.openxmlformats.org/drawingml/2006/main" xmlns:r="http://schemas.openxmlformats.org/officeDocument/2006/relationships" xmlns:p="http://schemas.openxmlformats.org/presentationml/2006/main">
-  <p:cSld>
-    <p:bg>
-      <p:bgPr>
-        <a:solidFill>
-          <a:schemeClr val="bg1">
-            <a:lumMod val="95000"/>
-          </a:schemeClr>
-        </a:solidFill>
-        <a:effectLst/>
-      </p:bgPr>
-    </p:bg>
-    <p:spTree>
-      <p:nvGrpSpPr>
-        <p:cNvPr id="1" name=""/>
-        <p:cNvGrpSpPr/>
-        <p:nvPr/>
-      </p:nvGrpSpPr>
-      <p:grpSpPr>
-        <a:xfrm>
-          <a:off x="0" y="0"/>
-          <a:ext cx="0" cy="0"/>
-          <a:chOff x="0" y="0"/>
-          <a:chExt cx="0" cy="0"/>
-        </a:xfrm>
-      </p:grpSpPr>
-      <p:sp>
-        <p:nvSpPr>
-          <p:cNvPr id="2" name="Titre 1">
-            <a:extLst>
-              <a:ext uri="{FF2B5EF4-FFF2-40B4-BE49-F238E27FC236}">
-                <a16:creationId xmlns:a16="http://schemas.microsoft.com/office/drawing/2014/main" id="{90162AE8-C1B0-5C56-8313-DEE494F38273}"/>
-              </a:ext>
-            </a:extLst>
-          </p:cNvPr>
-          <p:cNvSpPr>
-            <a:spLocks noGrp="1"/>
-          </p:cNvSpPr>
-          <p:nvPr>
-            <p:ph type="title"/>
-          </p:nvPr>
-        </p:nvSpPr>
-        <p:spPr/>
-        <p:txBody>
-          <a:bodyPr/>
-          <a:lstStyle/>
-          <a:p>
-            <a:r>
-              <a:rPr lang="fr-FR" dirty="0"/>
-              <a:t>Trucs et Astuces</a:t>
-            </a:r>
-          </a:p>
-        </p:txBody>
-      </p:sp>
-      <p:sp>
-        <p:nvSpPr>
-          <p:cNvPr id="3" name="Espace réservé du contenu 2">
-            <a:extLst>
-              <a:ext uri="{FF2B5EF4-FFF2-40B4-BE49-F238E27FC236}">
-                <a16:creationId xmlns:a16="http://schemas.microsoft.com/office/drawing/2014/main" id="{E0BBB9DE-019C-C741-F224-494739D4B752}"/>
-              </a:ext>
-            </a:extLst>
-          </p:cNvPr>
-          <p:cNvSpPr>
-            <a:spLocks noGrp="1"/>
-          </p:cNvSpPr>
-          <p:nvPr>
-            <p:ph sz="half" idx="1"/>
-          </p:nvPr>
-        </p:nvSpPr>
-        <p:spPr/>
-        <p:txBody>
-          <a:bodyPr/>
-          <a:lstStyle/>
-          <a:p>
-            <a:r>
-              <a:rPr lang="fr-FR" i="1" dirty="0"/>
-              <a:t>Variable explorer</a:t>
-            </a:r>
-          </a:p>
-        </p:txBody>
-      </p:sp>
-      <p:pic>
-        <p:nvPicPr>
-          <p:cNvPr id="5" name="Image 4" descr="Une image contenant texte&#10;&#10;Description générée automatiquement">
-            <a:extLst>
-              <a:ext uri="{FF2B5EF4-FFF2-40B4-BE49-F238E27FC236}">
-                <a16:creationId xmlns:a16="http://schemas.microsoft.com/office/drawing/2014/main" id="{66D2630B-81F4-A4EB-21BA-8B90CF30BD92}"/>
-              </a:ext>
-            </a:extLst>
-          </p:cNvPr>
-          <p:cNvPicPr>
-            <a:picLocks noChangeAspect="1"/>
-          </p:cNvPicPr>
-          <p:nvPr/>
-        </p:nvPicPr>
-        <p:blipFill>
-          <a:blip r:embed="rId2">
-            <a:extLst>
-              <a:ext uri="{28A0092B-C50C-407E-A947-70E740481C1C}">
-                <a14:useLocalDpi xmlns:a14="http://schemas.microsoft.com/office/drawing/2010/main" val="0"/>
-              </a:ext>
-            </a:extLst>
-          </a:blip>
-          <a:stretch>
-            <a:fillRect/>
-          </a:stretch>
-        </p:blipFill>
-        <p:spPr>
-          <a:xfrm>
-            <a:off x="202922" y="5934456"/>
-            <a:ext cx="1825291" cy="749808"/>
-          </a:xfrm>
-          <a:prstGeom prst="rect">
-            <a:avLst/>
-          </a:prstGeom>
-        </p:spPr>
-      </p:pic>
-      <p:pic>
-        <p:nvPicPr>
-          <p:cNvPr id="4" name="Picture 8" descr="Résultat de recherche d'images pour &quot;spyder logo&quot;">
-            <a:extLst>
-              <a:ext uri="{FF2B5EF4-FFF2-40B4-BE49-F238E27FC236}">
-                <a16:creationId xmlns:a16="http://schemas.microsoft.com/office/drawing/2014/main" id="{A67BE3DC-B7CA-12C6-85F3-3C0E16E505E7}"/>
-              </a:ext>
-            </a:extLst>
-          </p:cNvPr>
-          <p:cNvPicPr>
-            <a:picLocks noChangeAspect="1" noChangeArrowheads="1"/>
-          </p:cNvPicPr>
-          <p:nvPr/>
-        </p:nvPicPr>
-        <p:blipFill>
-          <a:blip r:embed="rId3">
-            <a:extLst>
-              <a:ext uri="{28A0092B-C50C-407E-A947-70E740481C1C}">
-                <a14:useLocalDpi xmlns:a14="http://schemas.microsoft.com/office/drawing/2010/main" val="0"/>
-              </a:ext>
-            </a:extLst>
-          </a:blip>
-          <a:srcRect/>
-          <a:stretch>
-            <a:fillRect/>
-          </a:stretch>
-        </p:blipFill>
-        <p:spPr bwMode="auto">
-          <a:xfrm>
-            <a:off x="8941922" y="660046"/>
-            <a:ext cx="1913528" cy="956764"/>
-          </a:xfrm>
-          <a:prstGeom prst="rect">
-            <a:avLst/>
-          </a:prstGeom>
-          <a:noFill/>
-          <a:extLst>
-            <a:ext uri="{909E8E84-426E-40DD-AFC4-6F175D3DCCD1}">
-              <a14:hiddenFill xmlns:a14="http://schemas.microsoft.com/office/drawing/2010/main">
-                <a:solidFill>
-                  <a:srgbClr val="FFFFFF"/>
-                </a:solidFill>
-              </a14:hiddenFill>
-            </a:ext>
-          </a:extLst>
-        </p:spPr>
-      </p:pic>
-      <p:pic>
-        <p:nvPicPr>
-          <p:cNvPr id="7" name="Image 6">
-            <a:extLst>
-              <a:ext uri="{FF2B5EF4-FFF2-40B4-BE49-F238E27FC236}">
-                <a16:creationId xmlns:a16="http://schemas.microsoft.com/office/drawing/2014/main" id="{0ABB0E92-EFE8-C12C-5E6A-461A9F143B80}"/>
-              </a:ext>
-            </a:extLst>
-          </p:cNvPr>
-          <p:cNvPicPr>
-            <a:picLocks noChangeAspect="1"/>
-          </p:cNvPicPr>
-          <p:nvPr/>
-        </p:nvPicPr>
-        <p:blipFill>
-          <a:blip r:embed="rId4"/>
-          <a:stretch>
-            <a:fillRect/>
-          </a:stretch>
-        </p:blipFill>
-        <p:spPr>
-          <a:xfrm>
-            <a:off x="4904142" y="2543415"/>
-            <a:ext cx="6793940" cy="3884817"/>
-          </a:xfrm>
-          <a:prstGeom prst="rect">
-            <a:avLst/>
-          </a:prstGeom>
-        </p:spPr>
-      </p:pic>
-      <p:sp>
-        <p:nvSpPr>
-          <p:cNvPr id="6" name="Espace réservé du numéro de diapositive 5">
-            <a:extLst>
-              <a:ext uri="{FF2B5EF4-FFF2-40B4-BE49-F238E27FC236}">
-                <a16:creationId xmlns:a16="http://schemas.microsoft.com/office/drawing/2014/main" id="{69B58F3D-E192-282A-4E8F-A1DE66F95B63}"/>
-              </a:ext>
-            </a:extLst>
-          </p:cNvPr>
-          <p:cNvSpPr>
-            <a:spLocks noGrp="1"/>
-          </p:cNvSpPr>
-          <p:nvPr>
-            <p:ph type="sldNum" sz="quarter" idx="12"/>
-          </p:nvPr>
-        </p:nvSpPr>
-        <p:spPr/>
-        <p:txBody>
-          <a:bodyPr/>
-          <a:lstStyle/>
-          <a:p>
-            <a:fld id="{B2DC25EE-239B-4C5F-AAD1-255A7D5F1EE2}" type="slidenum">
-              <a:rPr lang="en-US" smtClean="0"/>
-              <a:t>29</a:t>
-            </a:fld>
-            <a:endParaRPr lang="en-US"/>
-          </a:p>
-        </p:txBody>
-      </p:sp>
-    </p:spTree>
-    <p:extLst>
-      <p:ext uri="{BB962C8B-B14F-4D97-AF65-F5344CB8AC3E}">
-        <p14:creationId xmlns:p14="http://schemas.microsoft.com/office/powerpoint/2010/main" val="4039983876"/>
-      </p:ext>
-    </p:extLst>
-  </p:cSld>
-  <p:clrMapOvr>
-    <a:masterClrMapping/>
-  </p:clrMapOvr>
-</p:sld>
-</file>
-
 <file path=ppt/slides/slide3.xml><?xml version="1.0" encoding="utf-8"?>
 <p:sld xmlns:a="http://schemas.openxmlformats.org/drawingml/2006/main" xmlns:r="http://schemas.openxmlformats.org/officeDocument/2006/relationships" xmlns:p="http://schemas.openxmlformats.org/presentationml/2006/main">
   <p:cSld>
@@ -22831,7 +22631,7 @@
           <a:p>
             <a:r>
               <a:rPr lang="fr-FR" dirty="0"/>
-              <a:t>Résoudre des problèmes linéaires</a:t>
+              <a:t>Quelques rappels sous Python</a:t>
             </a:r>
           </a:p>
         </p:txBody>
@@ -22852,14 +22652,19 @@
             <p:ph sz="half" idx="1"/>
           </p:nvPr>
         </p:nvSpPr>
-        <p:spPr/>
+        <p:spPr>
+          <a:xfrm>
+            <a:off x="1115568" y="2478024"/>
+            <a:ext cx="10241082" cy="3694176"/>
+          </a:xfrm>
+        </p:spPr>
         <p:txBody>
           <a:bodyPr/>
           <a:lstStyle/>
           <a:p>
             <a:r>
               <a:rPr lang="fr-FR" dirty="0"/>
-              <a:t>Equation polynomiale</a:t>
+              <a:t>Nombres complexes</a:t>
             </a:r>
           </a:p>
         </p:txBody>
@@ -22900,41 +22705,89 @@
           </a:prstGeom>
         </p:spPr>
       </p:pic>
-      <p:sp>
-        <p:nvSpPr>
-          <p:cNvPr id="6" name="Espace réservé du numéro de diapositive 5">
-            <a:extLst>
-              <a:ext uri="{FF2B5EF4-FFF2-40B4-BE49-F238E27FC236}">
-                <a16:creationId xmlns:a16="http://schemas.microsoft.com/office/drawing/2014/main" id="{352C540C-C811-C749-173D-914B5186C06C}"/>
-              </a:ext>
-            </a:extLst>
-          </p:cNvPr>
-          <p:cNvSpPr>
-            <a:spLocks noGrp="1"/>
-          </p:cNvSpPr>
-          <p:nvPr>
-            <p:ph type="sldNum" sz="quarter" idx="12"/>
-          </p:nvPr>
-        </p:nvSpPr>
-        <p:spPr/>
-        <p:txBody>
-          <a:bodyPr/>
-          <a:lstStyle/>
-          <a:p>
-            <a:fld id="{B2DC25EE-239B-4C5F-AAD1-255A7D5F1EE2}" type="slidenum">
-              <a:rPr lang="en-US" smtClean="0"/>
-              <a:t>30</a:t>
-            </a:fld>
-            <a:endParaRPr lang="en-US"/>
-          </a:p>
-        </p:txBody>
-      </p:sp>
-      <p:sp>
-        <p:nvSpPr>
-          <p:cNvPr id="11" name="ZoneTexte 10">
-            <a:extLst>
-              <a:ext uri="{FF2B5EF4-FFF2-40B4-BE49-F238E27FC236}">
-                <a16:creationId xmlns:a16="http://schemas.microsoft.com/office/drawing/2014/main" id="{32790C4C-ADB4-C571-AEE7-B23CBB475642}"/>
+      <p:pic>
+        <p:nvPicPr>
+          <p:cNvPr id="7" name="Image 6">
+            <a:extLst>
+              <a:ext uri="{FF2B5EF4-FFF2-40B4-BE49-F238E27FC236}">
+                <a16:creationId xmlns:a16="http://schemas.microsoft.com/office/drawing/2014/main" id="{5BB01D49-602A-9314-FD1F-4EC628128217}"/>
+              </a:ext>
+            </a:extLst>
+          </p:cNvPr>
+          <p:cNvPicPr>
+            <a:picLocks noChangeAspect="1"/>
+          </p:cNvPicPr>
+          <p:nvPr/>
+        </p:nvPicPr>
+        <p:blipFill>
+          <a:blip r:embed="rId3"/>
+          <a:stretch>
+            <a:fillRect/>
+          </a:stretch>
+        </p:blipFill>
+        <p:spPr>
+          <a:xfrm>
+            <a:off x="10077926" y="593679"/>
+            <a:ext cx="1081825" cy="1089498"/>
+          </a:xfrm>
+          <a:prstGeom prst="rect">
+            <a:avLst/>
+          </a:prstGeom>
+        </p:spPr>
+      </p:pic>
+      <p:pic>
+        <p:nvPicPr>
+          <p:cNvPr id="10" name="Picture 6">
+            <a:extLst>
+              <a:ext uri="{FF2B5EF4-FFF2-40B4-BE49-F238E27FC236}">
+                <a16:creationId xmlns:a16="http://schemas.microsoft.com/office/drawing/2014/main" id="{B08DE29C-1F7C-390F-64F6-5A4A64FD8E5F}"/>
+              </a:ext>
+            </a:extLst>
+          </p:cNvPr>
+          <p:cNvPicPr>
+            <a:picLocks noChangeAspect="1" noChangeArrowheads="1"/>
+          </p:cNvPicPr>
+          <p:nvPr/>
+        </p:nvPicPr>
+        <p:blipFill>
+          <a:blip r:embed="rId4" cstate="hqprint">
+            <a:extLst>
+              <a:ext uri="{28A0092B-C50C-407E-A947-70E740481C1C}">
+                <a14:useLocalDpi xmlns:a14="http://schemas.microsoft.com/office/drawing/2010/main" val="0"/>
+              </a:ext>
+            </a:extLst>
+          </a:blip>
+          <a:srcRect/>
+          <a:stretch>
+            <a:fillRect/>
+          </a:stretch>
+        </p:blipFill>
+        <p:spPr bwMode="auto">
+          <a:xfrm>
+            <a:off x="10426228" y="2206699"/>
+            <a:ext cx="905256" cy="407269"/>
+          </a:xfrm>
+          <a:prstGeom prst="rect">
+            <a:avLst/>
+          </a:prstGeom>
+          <a:noFill/>
+          <a:extLst>
+            <a:ext uri="{909E8E84-426E-40DD-AFC4-6F175D3DCCD1}">
+              <a14:hiddenFill xmlns:a14="http://schemas.microsoft.com/office/drawing/2010/main">
+                <a:solidFill>
+                  <a:srgbClr val="FFFFFF"/>
+                </a:solidFill>
+              </a14:hiddenFill>
+            </a:ext>
+          </a:extLst>
+        </p:spPr>
+      </p:pic>
+      <p:sp>
+        <p:nvSpPr>
+          <p:cNvPr id="4" name="ZoneTexte 3">
+            <a:extLst>
+              <a:ext uri="{FF2B5EF4-FFF2-40B4-BE49-F238E27FC236}">
+                <a16:creationId xmlns:a16="http://schemas.microsoft.com/office/drawing/2014/main" id="{7E8BA086-82C8-2D50-3177-752E898F6963}"/>
               </a:ext>
             </a:extLst>
           </p:cNvPr>
@@ -22943,8 +22796,8 @@
         </p:nvSpPr>
         <p:spPr>
           <a:xfrm>
-            <a:off x="6345936" y="3297630"/>
-            <a:ext cx="4765173" cy="1477328"/>
+            <a:off x="6344973" y="2689356"/>
+            <a:ext cx="4765173" cy="923330"/>
           </a:xfrm>
           <a:prstGeom prst="rect">
             <a:avLst/>
@@ -22971,6 +22824,521 @@
               <a:t> </a:t>
             </a:r>
             <a:r>
+              <a:rPr lang="fr-FR" dirty="0" err="1"/>
+              <a:t>numpy</a:t>
+            </a:r>
+            <a:r>
+              <a:rPr lang="fr-FR" dirty="0"/>
+              <a:t> </a:t>
+            </a:r>
+            <a:r>
+              <a:rPr lang="fr-FR" b="1" dirty="0"/>
+              <a:t>as</a:t>
+            </a:r>
+            <a:r>
+              <a:rPr lang="fr-FR" dirty="0"/>
+              <a:t> </a:t>
+            </a:r>
+            <a:r>
+              <a:rPr lang="fr-FR" dirty="0" err="1"/>
+              <a:t>np</a:t>
+            </a:r>
+            <a:endParaRPr lang="fr-FR" dirty="0"/>
+          </a:p>
+          <a:p>
+            <a:r>
+              <a:rPr lang="fr-FR" dirty="0" err="1"/>
+              <a:t>mk</a:t>
+            </a:r>
+            <a:r>
+              <a:rPr lang="fr-FR" dirty="0"/>
+              <a:t> = </a:t>
+            </a:r>
+            <a:r>
+              <a:rPr lang="fr-FR" b="1" dirty="0" err="1"/>
+              <a:t>np</a:t>
+            </a:r>
+            <a:r>
+              <a:rPr lang="fr-FR" dirty="0" err="1"/>
+              <a:t>.</a:t>
+            </a:r>
+            <a:r>
+              <a:rPr lang="fr-FR" b="1" dirty="0" err="1"/>
+              <a:t>array</a:t>
+            </a:r>
+            <a:r>
+              <a:rPr lang="fr-FR" dirty="0"/>
+              <a:t>([1j, 2, 3], </a:t>
+            </a:r>
+            <a:r>
+              <a:rPr lang="fr-FR" b="1" dirty="0" err="1"/>
+              <a:t>dtype</a:t>
+            </a:r>
+            <a:r>
+              <a:rPr lang="fr-FR" b="1" dirty="0"/>
+              <a:t>=</a:t>
+            </a:r>
+            <a:r>
+              <a:rPr lang="fr-FR" dirty="0" err="1"/>
+              <a:t>complex</a:t>
+            </a:r>
+            <a:r>
+              <a:rPr lang="fr-FR" dirty="0"/>
+              <a:t>)</a:t>
+            </a:r>
+          </a:p>
+          <a:p>
+            <a:r>
+              <a:rPr lang="fr-FR" b="1" dirty="0" err="1"/>
+              <a:t>print</a:t>
+            </a:r>
+            <a:r>
+              <a:rPr lang="fr-FR" b="1" dirty="0"/>
+              <a:t>( </a:t>
+            </a:r>
+            <a:r>
+              <a:rPr lang="fr-FR" dirty="0" err="1"/>
+              <a:t>mk</a:t>
+            </a:r>
+            <a:r>
+              <a:rPr lang="fr-FR" dirty="0"/>
+              <a:t> </a:t>
+            </a:r>
+            <a:r>
+              <a:rPr lang="fr-FR" b="1" dirty="0"/>
+              <a:t>)</a:t>
+            </a:r>
+          </a:p>
+        </p:txBody>
+      </p:sp>
+      <p:sp>
+        <p:nvSpPr>
+          <p:cNvPr id="9" name="ZoneTexte 8">
+            <a:extLst>
+              <a:ext uri="{FF2B5EF4-FFF2-40B4-BE49-F238E27FC236}">
+                <a16:creationId xmlns:a16="http://schemas.microsoft.com/office/drawing/2014/main" id="{834CF453-6922-C463-7E70-EDC4D3C4BFE6}"/>
+              </a:ext>
+            </a:extLst>
+          </p:cNvPr>
+          <p:cNvSpPr txBox="1"/>
+          <p:nvPr/>
+        </p:nvSpPr>
+        <p:spPr>
+          <a:xfrm>
+            <a:off x="6913050" y="3688074"/>
+            <a:ext cx="4197096" cy="369332"/>
+          </a:xfrm>
+          <a:prstGeom prst="rect">
+            <a:avLst/>
+          </a:prstGeom>
+          <a:solidFill>
+            <a:schemeClr val="accent1">
+              <a:lumMod val="20000"/>
+              <a:lumOff val="80000"/>
+            </a:schemeClr>
+          </a:solidFill>
+        </p:spPr>
+        <p:txBody>
+          <a:bodyPr wrap="square" rtlCol="0">
+            <a:spAutoFit/>
+          </a:bodyPr>
+          <a:lstStyle/>
+          <a:p>
+            <a:r>
+              <a:rPr lang="en-US" dirty="0"/>
+              <a:t>[ 0+1j  2+0j  3+0j]</a:t>
+            </a:r>
+          </a:p>
+        </p:txBody>
+      </p:sp>
+      <p:sp>
+        <p:nvSpPr>
+          <p:cNvPr id="11" name="ZoneTexte 10">
+            <a:extLst>
+              <a:ext uri="{FF2B5EF4-FFF2-40B4-BE49-F238E27FC236}">
+                <a16:creationId xmlns:a16="http://schemas.microsoft.com/office/drawing/2014/main" id="{2C376BC6-E211-C243-A1BA-4F533D6B269D}"/>
+              </a:ext>
+            </a:extLst>
+          </p:cNvPr>
+          <p:cNvSpPr txBox="1"/>
+          <p:nvPr/>
+        </p:nvSpPr>
+        <p:spPr>
+          <a:xfrm>
+            <a:off x="6344973" y="4193947"/>
+            <a:ext cx="4765173" cy="923330"/>
+          </a:xfrm>
+          <a:prstGeom prst="rect">
+            <a:avLst/>
+          </a:prstGeom>
+          <a:solidFill>
+            <a:schemeClr val="accent1">
+              <a:lumMod val="40000"/>
+              <a:lumOff val="60000"/>
+            </a:schemeClr>
+          </a:solidFill>
+        </p:spPr>
+        <p:txBody>
+          <a:bodyPr wrap="square" rtlCol="0">
+            <a:spAutoFit/>
+          </a:bodyPr>
+          <a:lstStyle/>
+          <a:p>
+            <a:r>
+              <a:rPr lang="fr-FR" dirty="0" err="1"/>
+              <a:t>nk</a:t>
+            </a:r>
+            <a:r>
+              <a:rPr lang="fr-FR" dirty="0"/>
+              <a:t> = 1j + 3</a:t>
+            </a:r>
+          </a:p>
+          <a:p>
+            <a:r>
+              <a:rPr lang="fr-FR" b="1" dirty="0" err="1"/>
+              <a:t>print</a:t>
+            </a:r>
+            <a:r>
+              <a:rPr lang="fr-FR" b="1" dirty="0"/>
+              <a:t>(</a:t>
+            </a:r>
+            <a:r>
+              <a:rPr lang="fr-FR" dirty="0"/>
+              <a:t> </a:t>
+            </a:r>
+            <a:r>
+              <a:rPr lang="fr-FR" dirty="0" err="1"/>
+              <a:t>nk</a:t>
+            </a:r>
+            <a:r>
+              <a:rPr lang="fr-FR" dirty="0"/>
+              <a:t> </a:t>
+            </a:r>
+            <a:r>
+              <a:rPr lang="fr-FR" b="1" dirty="0"/>
+              <a:t>)</a:t>
+            </a:r>
+          </a:p>
+          <a:p>
+            <a:r>
+              <a:rPr lang="fr-FR" b="1" dirty="0" err="1"/>
+              <a:t>print</a:t>
+            </a:r>
+            <a:r>
+              <a:rPr lang="fr-FR" b="1" dirty="0"/>
+              <a:t>(</a:t>
+            </a:r>
+            <a:r>
+              <a:rPr lang="fr-FR" dirty="0"/>
+              <a:t> </a:t>
+            </a:r>
+            <a:r>
+              <a:rPr lang="fr-FR" b="1" dirty="0"/>
+              <a:t>type(</a:t>
+            </a:r>
+            <a:r>
+              <a:rPr lang="fr-FR" dirty="0"/>
+              <a:t> </a:t>
+            </a:r>
+            <a:r>
+              <a:rPr lang="fr-FR" dirty="0" err="1"/>
+              <a:t>nk</a:t>
+            </a:r>
+            <a:r>
+              <a:rPr lang="fr-FR" dirty="0"/>
+              <a:t> </a:t>
+            </a:r>
+            <a:r>
+              <a:rPr lang="fr-FR" b="1" dirty="0"/>
+              <a:t>) )</a:t>
+            </a:r>
+          </a:p>
+        </p:txBody>
+      </p:sp>
+      <p:sp>
+        <p:nvSpPr>
+          <p:cNvPr id="12" name="ZoneTexte 11">
+            <a:extLst>
+              <a:ext uri="{FF2B5EF4-FFF2-40B4-BE49-F238E27FC236}">
+                <a16:creationId xmlns:a16="http://schemas.microsoft.com/office/drawing/2014/main" id="{970F7D5F-4060-7FF8-10D7-691399A6C862}"/>
+              </a:ext>
+            </a:extLst>
+          </p:cNvPr>
+          <p:cNvSpPr txBox="1"/>
+          <p:nvPr/>
+        </p:nvSpPr>
+        <p:spPr>
+          <a:xfrm>
+            <a:off x="6913050" y="5212207"/>
+            <a:ext cx="4197096" cy="646331"/>
+          </a:xfrm>
+          <a:prstGeom prst="rect">
+            <a:avLst/>
+          </a:prstGeom>
+          <a:solidFill>
+            <a:schemeClr val="accent1">
+              <a:lumMod val="20000"/>
+              <a:lumOff val="80000"/>
+            </a:schemeClr>
+          </a:solidFill>
+        </p:spPr>
+        <p:txBody>
+          <a:bodyPr wrap="square" rtlCol="0">
+            <a:spAutoFit/>
+          </a:bodyPr>
+          <a:lstStyle/>
+          <a:p>
+            <a:r>
+              <a:rPr lang="en-US" dirty="0"/>
+              <a:t>(1j + 3)</a:t>
+            </a:r>
+          </a:p>
+          <a:p>
+            <a:r>
+              <a:rPr lang="en-US" dirty="0"/>
+              <a:t>&lt;</a:t>
+            </a:r>
+            <a:r>
+              <a:rPr lang="en-US" b="1" dirty="0"/>
+              <a:t>class </a:t>
+            </a:r>
+            <a:r>
+              <a:rPr lang="en-US" dirty="0"/>
+              <a:t>‘</a:t>
+            </a:r>
+            <a:r>
+              <a:rPr lang="en-US" b="1" dirty="0"/>
+              <a:t>complex</a:t>
+            </a:r>
+            <a:r>
+              <a:rPr lang="en-US" dirty="0"/>
+              <a:t>’&gt;</a:t>
+            </a:r>
+          </a:p>
+        </p:txBody>
+      </p:sp>
+      <p:sp>
+        <p:nvSpPr>
+          <p:cNvPr id="6" name="Espace réservé du numéro de diapositive 5">
+            <a:extLst>
+              <a:ext uri="{FF2B5EF4-FFF2-40B4-BE49-F238E27FC236}">
+                <a16:creationId xmlns:a16="http://schemas.microsoft.com/office/drawing/2014/main" id="{6F2EAD96-5186-D09C-707C-1E9271A3264B}"/>
+              </a:ext>
+            </a:extLst>
+          </p:cNvPr>
+          <p:cNvSpPr>
+            <a:spLocks noGrp="1"/>
+          </p:cNvSpPr>
+          <p:nvPr>
+            <p:ph type="sldNum" sz="quarter" idx="12"/>
+          </p:nvPr>
+        </p:nvSpPr>
+        <p:spPr/>
+        <p:txBody>
+          <a:bodyPr/>
+          <a:lstStyle/>
+          <a:p>
+            <a:fld id="{B2DC25EE-239B-4C5F-AAD1-255A7D5F1EE2}" type="slidenum">
+              <a:rPr lang="en-US" smtClean="0"/>
+              <a:t>30</a:t>
+            </a:fld>
+            <a:endParaRPr lang="en-US"/>
+          </a:p>
+        </p:txBody>
+      </p:sp>
+    </p:spTree>
+    <p:extLst>
+      <p:ext uri="{BB962C8B-B14F-4D97-AF65-F5344CB8AC3E}">
+        <p14:creationId xmlns:p14="http://schemas.microsoft.com/office/powerpoint/2010/main" val="2524465165"/>
+      </p:ext>
+    </p:extLst>
+  </p:cSld>
+  <p:clrMapOvr>
+    <a:masterClrMapping/>
+  </p:clrMapOvr>
+</p:sld>
+</file>
+
+<file path=ppt/slides/slide31.xml><?xml version="1.0" encoding="utf-8"?>
+<p:sld xmlns:a="http://schemas.openxmlformats.org/drawingml/2006/main" xmlns:r="http://schemas.openxmlformats.org/officeDocument/2006/relationships" xmlns:p="http://schemas.openxmlformats.org/presentationml/2006/main">
+  <p:cSld>
+    <p:spTree>
+      <p:nvGrpSpPr>
+        <p:cNvPr id="1" name=""/>
+        <p:cNvGrpSpPr/>
+        <p:nvPr/>
+      </p:nvGrpSpPr>
+      <p:grpSpPr>
+        <a:xfrm>
+          <a:off x="0" y="0"/>
+          <a:ext cx="0" cy="0"/>
+          <a:chOff x="0" y="0"/>
+          <a:chExt cx="0" cy="0"/>
+        </a:xfrm>
+      </p:grpSpPr>
+      <p:sp>
+        <p:nvSpPr>
+          <p:cNvPr id="2" name="Titre 1">
+            <a:extLst>
+              <a:ext uri="{FF2B5EF4-FFF2-40B4-BE49-F238E27FC236}">
+                <a16:creationId xmlns:a16="http://schemas.microsoft.com/office/drawing/2014/main" id="{90162AE8-C1B0-5C56-8313-DEE494F38273}"/>
+              </a:ext>
+            </a:extLst>
+          </p:cNvPr>
+          <p:cNvSpPr>
+            <a:spLocks noGrp="1"/>
+          </p:cNvSpPr>
+          <p:nvPr>
+            <p:ph type="title"/>
+          </p:nvPr>
+        </p:nvSpPr>
+        <p:spPr/>
+        <p:txBody>
+          <a:bodyPr/>
+          <a:lstStyle/>
+          <a:p>
+            <a:r>
+              <a:rPr lang="fr-FR" dirty="0"/>
+              <a:t>Résoudre des problèmes linéaires</a:t>
+            </a:r>
+          </a:p>
+        </p:txBody>
+      </p:sp>
+      <p:sp>
+        <p:nvSpPr>
+          <p:cNvPr id="3" name="Espace réservé du contenu 2">
+            <a:extLst>
+              <a:ext uri="{FF2B5EF4-FFF2-40B4-BE49-F238E27FC236}">
+                <a16:creationId xmlns:a16="http://schemas.microsoft.com/office/drawing/2014/main" id="{E0BBB9DE-019C-C741-F224-494739D4B752}"/>
+              </a:ext>
+            </a:extLst>
+          </p:cNvPr>
+          <p:cNvSpPr>
+            <a:spLocks noGrp="1"/>
+          </p:cNvSpPr>
+          <p:nvPr>
+            <p:ph sz="half" idx="1"/>
+          </p:nvPr>
+        </p:nvSpPr>
+        <p:spPr/>
+        <p:txBody>
+          <a:bodyPr/>
+          <a:lstStyle/>
+          <a:p>
+            <a:r>
+              <a:rPr lang="fr-FR" dirty="0"/>
+              <a:t>Equation polynomiale</a:t>
+            </a:r>
+          </a:p>
+        </p:txBody>
+      </p:sp>
+      <p:pic>
+        <p:nvPicPr>
+          <p:cNvPr id="5" name="Image 4" descr="Une image contenant texte&#10;&#10;Description générée automatiquement">
+            <a:extLst>
+              <a:ext uri="{FF2B5EF4-FFF2-40B4-BE49-F238E27FC236}">
+                <a16:creationId xmlns:a16="http://schemas.microsoft.com/office/drawing/2014/main" id="{66D2630B-81F4-A4EB-21BA-8B90CF30BD92}"/>
+              </a:ext>
+            </a:extLst>
+          </p:cNvPr>
+          <p:cNvPicPr>
+            <a:picLocks noChangeAspect="1"/>
+          </p:cNvPicPr>
+          <p:nvPr/>
+        </p:nvPicPr>
+        <p:blipFill>
+          <a:blip r:embed="rId2">
+            <a:extLst>
+              <a:ext uri="{28A0092B-C50C-407E-A947-70E740481C1C}">
+                <a14:useLocalDpi xmlns:a14="http://schemas.microsoft.com/office/drawing/2010/main" val="0"/>
+              </a:ext>
+            </a:extLst>
+          </a:blip>
+          <a:stretch>
+            <a:fillRect/>
+          </a:stretch>
+        </p:blipFill>
+        <p:spPr>
+          <a:xfrm>
+            <a:off x="202922" y="5934456"/>
+            <a:ext cx="1825291" cy="749808"/>
+          </a:xfrm>
+          <a:prstGeom prst="rect">
+            <a:avLst/>
+          </a:prstGeom>
+        </p:spPr>
+      </p:pic>
+      <p:sp>
+        <p:nvSpPr>
+          <p:cNvPr id="6" name="Espace réservé du numéro de diapositive 5">
+            <a:extLst>
+              <a:ext uri="{FF2B5EF4-FFF2-40B4-BE49-F238E27FC236}">
+                <a16:creationId xmlns:a16="http://schemas.microsoft.com/office/drawing/2014/main" id="{352C540C-C811-C749-173D-914B5186C06C}"/>
+              </a:ext>
+            </a:extLst>
+          </p:cNvPr>
+          <p:cNvSpPr>
+            <a:spLocks noGrp="1"/>
+          </p:cNvSpPr>
+          <p:nvPr>
+            <p:ph type="sldNum" sz="quarter" idx="12"/>
+          </p:nvPr>
+        </p:nvSpPr>
+        <p:spPr/>
+        <p:txBody>
+          <a:bodyPr/>
+          <a:lstStyle/>
+          <a:p>
+            <a:fld id="{B2DC25EE-239B-4C5F-AAD1-255A7D5F1EE2}" type="slidenum">
+              <a:rPr lang="en-US" smtClean="0"/>
+              <a:t>31</a:t>
+            </a:fld>
+            <a:endParaRPr lang="en-US"/>
+          </a:p>
+        </p:txBody>
+      </p:sp>
+      <p:sp>
+        <p:nvSpPr>
+          <p:cNvPr id="11" name="ZoneTexte 10">
+            <a:extLst>
+              <a:ext uri="{FF2B5EF4-FFF2-40B4-BE49-F238E27FC236}">
+                <a16:creationId xmlns:a16="http://schemas.microsoft.com/office/drawing/2014/main" id="{32790C4C-ADB4-C571-AEE7-B23CBB475642}"/>
+              </a:ext>
+            </a:extLst>
+          </p:cNvPr>
+          <p:cNvSpPr txBox="1"/>
+          <p:nvPr/>
+        </p:nvSpPr>
+        <p:spPr>
+          <a:xfrm>
+            <a:off x="6345936" y="3297630"/>
+            <a:ext cx="4765173" cy="1477328"/>
+          </a:xfrm>
+          <a:prstGeom prst="rect">
+            <a:avLst/>
+          </a:prstGeom>
+          <a:solidFill>
+            <a:schemeClr val="accent1">
+              <a:lumMod val="40000"/>
+              <a:lumOff val="60000"/>
+            </a:schemeClr>
+          </a:solidFill>
+        </p:spPr>
+        <p:txBody>
+          <a:bodyPr wrap="square" rtlCol="0">
+            <a:spAutoFit/>
+          </a:bodyPr>
+          <a:lstStyle/>
+          <a:p>
+            <a:r>
+              <a:rPr lang="fr-FR" b="1" dirty="0"/>
+              <a:t>import</a:t>
+            </a:r>
+            <a:r>
+              <a:rPr lang="fr-FR" dirty="0"/>
+              <a:t> </a:t>
+            </a:r>
+            <a:r>
               <a:rPr lang="fr-FR" i="1" dirty="0" err="1"/>
               <a:t>numpy.polynomial.polynomial</a:t>
             </a:r>
@@ -23061,8 +23429,8 @@
           </a:p>
         </p:txBody>
       </p:sp>
-      <mc:AlternateContent xmlns:mc="http://schemas.openxmlformats.org/markup-compatibility/2006">
-        <mc:Choice xmlns:a14="http://schemas.microsoft.com/office/drawing/2010/main" Requires="a14">
+      <mc:AlternateContent xmlns:mc="http://schemas.openxmlformats.org/markup-compatibility/2006" xmlns:a14="http://schemas.microsoft.com/office/drawing/2010/main">
+        <mc:Choice Requires="a14">
           <p:sp>
             <p:nvSpPr>
               <p:cNvPr id="12" name="ZoneTexte 11">
@@ -23095,6 +23463,7 @@
               </a:bodyPr>
               <a:lstStyle/>
               <a:p>
+                <a:pPr/>
                 <a14:m>
                   <m:oMathPara xmlns:m="http://schemas.openxmlformats.org/officeDocument/2006/math">
                     <m:oMathParaPr>
@@ -23158,7 +23527,7 @@
             </p:txBody>
           </p:sp>
         </mc:Choice>
-        <mc:Fallback>
+        <mc:Fallback xmlns="">
           <p:sp>
             <p:nvSpPr>
               <p:cNvPr id="12" name="ZoneTexte 11">
@@ -23216,7 +23585,7 @@
 </p:sld>
 </file>
 
-<file path=ppt/slides/slide31.xml><?xml version="1.0" encoding="utf-8"?>
+<file path=ppt/slides/slide32.xml><?xml version="1.0" encoding="utf-8"?>
 <p:sld xmlns:a="http://schemas.openxmlformats.org/drawingml/2006/main" xmlns:r="http://schemas.openxmlformats.org/officeDocument/2006/relationships" xmlns:p="http://schemas.openxmlformats.org/presentationml/2006/main">
   <p:cSld>
     <p:spTree>
@@ -23353,14 +23722,14 @@
           <a:p>
             <a:fld id="{B2DC25EE-239B-4C5F-AAD1-255A7D5F1EE2}" type="slidenum">
               <a:rPr lang="en-US" smtClean="0"/>
-              <a:t>31</a:t>
+              <a:t>32</a:t>
             </a:fld>
             <a:endParaRPr lang="en-US"/>
           </a:p>
         </p:txBody>
       </p:sp>
-      <mc:AlternateContent xmlns:mc="http://schemas.openxmlformats.org/markup-compatibility/2006">
-        <mc:Choice xmlns:a14="http://schemas.microsoft.com/office/drawing/2010/main" Requires="a14">
+      <mc:AlternateContent xmlns:mc="http://schemas.openxmlformats.org/markup-compatibility/2006" xmlns:a14="http://schemas.microsoft.com/office/drawing/2010/main">
+        <mc:Choice Requires="a14">
           <p:sp>
             <p:nvSpPr>
               <p:cNvPr id="12" name="ZoneTexte 11">
@@ -23656,7 +24025,7 @@
             </p:txBody>
           </p:sp>
         </mc:Choice>
-        <mc:Fallback>
+        <mc:Fallback xmlns="">
           <p:sp>
             <p:nvSpPr>
               <p:cNvPr id="12" name="ZoneTexte 11">
@@ -23734,8 +24103,8 @@
           </a:p>
         </p:txBody>
       </p:sp>
-      <mc:AlternateContent xmlns:mc="http://schemas.openxmlformats.org/markup-compatibility/2006">
-        <mc:Choice xmlns:a14="http://schemas.microsoft.com/office/drawing/2010/main" Requires="a14">
+      <mc:AlternateContent xmlns:mc="http://schemas.openxmlformats.org/markup-compatibility/2006" xmlns:a14="http://schemas.microsoft.com/office/drawing/2010/main">
+        <mc:Choice Requires="a14">
           <p:sp>
             <p:nvSpPr>
               <p:cNvPr id="9" name="ZoneTexte 8">
@@ -23935,7 +24304,7 @@
             </p:txBody>
           </p:sp>
         </mc:Choice>
-        <mc:Fallback>
+        <mc:Fallback xmlns="">
           <p:sp>
             <p:nvSpPr>
               <p:cNvPr id="9" name="ZoneTexte 8">
@@ -23980,8 +24349,8 @@
           </p:sp>
         </mc:Fallback>
       </mc:AlternateContent>
-      <mc:AlternateContent xmlns:mc="http://schemas.openxmlformats.org/markup-compatibility/2006">
-        <mc:Choice xmlns:a14="http://schemas.microsoft.com/office/drawing/2010/main" Requires="a14">
+      <mc:AlternateContent xmlns:mc="http://schemas.openxmlformats.org/markup-compatibility/2006" xmlns:a14="http://schemas.microsoft.com/office/drawing/2010/main">
+        <mc:Choice Requires="a14">
           <p:sp>
             <p:nvSpPr>
               <p:cNvPr id="10" name="ZoneTexte 9">
@@ -24077,7 +24446,7 @@
             </p:txBody>
           </p:sp>
         </mc:Choice>
-        <mc:Fallback>
+        <mc:Fallback xmlns="">
           <p:sp>
             <p:nvSpPr>
               <p:cNvPr id="10" name="ZoneTexte 9">
@@ -24122,8 +24491,8 @@
           </p:sp>
         </mc:Fallback>
       </mc:AlternateContent>
-      <mc:AlternateContent xmlns:mc="http://schemas.openxmlformats.org/markup-compatibility/2006">
-        <mc:Choice xmlns:a14="http://schemas.microsoft.com/office/drawing/2010/main" Requires="a14">
+      <mc:AlternateContent xmlns:mc="http://schemas.openxmlformats.org/markup-compatibility/2006" xmlns:a14="http://schemas.microsoft.com/office/drawing/2010/main">
+        <mc:Choice Requires="a14">
           <p:sp>
             <p:nvSpPr>
               <p:cNvPr id="13" name="ZoneTexte 12">
@@ -24257,7 +24626,7 @@
             </p:txBody>
           </p:sp>
         </mc:Choice>
-        <mc:Fallback>
+        <mc:Fallback xmlns="">
           <p:sp>
             <p:nvSpPr>
               <p:cNvPr id="13" name="ZoneTexte 12">
@@ -24380,8 +24749,8 @@
           </a:p>
         </p:txBody>
       </p:sp>
-      <mc:AlternateContent xmlns:mc="http://schemas.openxmlformats.org/markup-compatibility/2006">
-        <mc:Choice xmlns:a14="http://schemas.microsoft.com/office/drawing/2010/main" Requires="a14">
+      <mc:AlternateContent xmlns:mc="http://schemas.openxmlformats.org/markup-compatibility/2006" xmlns:a14="http://schemas.microsoft.com/office/drawing/2010/main">
+        <mc:Choice Requires="a14">
           <p:sp>
             <p:nvSpPr>
               <p:cNvPr id="16" name="ZoneTexte 15">
@@ -24512,7 +24881,7 @@
             </p:txBody>
           </p:sp>
         </mc:Choice>
-        <mc:Fallback>
+        <mc:Fallback xmlns="">
           <p:sp>
             <p:nvSpPr>
               <p:cNvPr id="16" name="ZoneTexte 15">
@@ -24570,7 +24939,7 @@
 </p:sld>
 </file>
 
-<file path=ppt/slides/slide32.xml><?xml version="1.0" encoding="utf-8"?>
+<file path=ppt/slides/slide33.xml><?xml version="1.0" encoding="utf-8"?>
 <p:sld xmlns:a="http://schemas.openxmlformats.org/drawingml/2006/main" xmlns:r="http://schemas.openxmlformats.org/officeDocument/2006/relationships" xmlns:p="http://schemas.openxmlformats.org/presentationml/2006/main">
   <p:cSld>
     <p:spTree>
@@ -24707,14 +25076,14 @@
           <a:p>
             <a:fld id="{B2DC25EE-239B-4C5F-AAD1-255A7D5F1EE2}" type="slidenum">
               <a:rPr lang="en-US" smtClean="0"/>
-              <a:t>32</a:t>
+              <a:t>33</a:t>
             </a:fld>
             <a:endParaRPr lang="en-US"/>
           </a:p>
         </p:txBody>
       </p:sp>
-      <mc:AlternateContent xmlns:mc="http://schemas.openxmlformats.org/markup-compatibility/2006">
-        <mc:Choice xmlns:a14="http://schemas.microsoft.com/office/drawing/2010/main" Requires="a14">
+      <mc:AlternateContent xmlns:mc="http://schemas.openxmlformats.org/markup-compatibility/2006" xmlns:a14="http://schemas.microsoft.com/office/drawing/2010/main">
+        <mc:Choice Requires="a14">
           <p:sp>
             <p:nvSpPr>
               <p:cNvPr id="12" name="ZoneTexte 11">
@@ -25010,7 +25379,7 @@
             </p:txBody>
           </p:sp>
         </mc:Choice>
-        <mc:Fallback>
+        <mc:Fallback xmlns="">
           <p:sp>
             <p:nvSpPr>
               <p:cNvPr id="12" name="ZoneTexte 11">
@@ -25166,8 +25535,8 @@
           </a:p>
         </p:txBody>
       </p:sp>
-      <mc:AlternateContent xmlns:mc="http://schemas.openxmlformats.org/markup-compatibility/2006">
-        <mc:Choice xmlns:a14="http://schemas.microsoft.com/office/drawing/2010/main" Requires="a14">
+      <mc:AlternateContent xmlns:mc="http://schemas.openxmlformats.org/markup-compatibility/2006" xmlns:a14="http://schemas.microsoft.com/office/drawing/2010/main">
+        <mc:Choice Requires="a14">
           <p:sp>
             <p:nvSpPr>
               <p:cNvPr id="16" name="ZoneTexte 15">
@@ -25298,7 +25667,7 @@
             </p:txBody>
           </p:sp>
         </mc:Choice>
-        <mc:Fallback>
+        <mc:Fallback xmlns="">
           <p:sp>
             <p:nvSpPr>
               <p:cNvPr id="16" name="ZoneTexte 15">
@@ -25478,8 +25847,8 @@
           </a:extLst>
         </p:spPr>
       </p:pic>
-      <mc:AlternateContent xmlns:mc="http://schemas.openxmlformats.org/markup-compatibility/2006">
-        <mc:Choice xmlns:a14="http://schemas.microsoft.com/office/drawing/2010/main" Requires="a14">
+      <mc:AlternateContent xmlns:mc="http://schemas.openxmlformats.org/markup-compatibility/2006" xmlns:a14="http://schemas.microsoft.com/office/drawing/2010/main">
+        <mc:Choice Requires="a14">
           <p:sp>
             <p:nvSpPr>
               <p:cNvPr id="18" name="ZoneTexte 17">
@@ -25679,7 +26048,7 @@
             </p:txBody>
           </p:sp>
         </mc:Choice>
-        <mc:Fallback>
+        <mc:Fallback xmlns="">
           <p:sp>
             <p:nvSpPr>
               <p:cNvPr id="18" name="ZoneTexte 17">
@@ -25724,8 +26093,8 @@
           </p:sp>
         </mc:Fallback>
       </mc:AlternateContent>
-      <mc:AlternateContent xmlns:mc="http://schemas.openxmlformats.org/markup-compatibility/2006">
-        <mc:Choice xmlns:a14="http://schemas.microsoft.com/office/drawing/2010/main" Requires="a14">
+      <mc:AlternateContent xmlns:mc="http://schemas.openxmlformats.org/markup-compatibility/2006" xmlns:a14="http://schemas.microsoft.com/office/drawing/2010/main">
+        <mc:Choice Requires="a14">
           <p:sp>
             <p:nvSpPr>
               <p:cNvPr id="19" name="ZoneTexte 18">
@@ -25859,7 +26228,7 @@
             </p:txBody>
           </p:sp>
         </mc:Choice>
-        <mc:Fallback>
+        <mc:Fallback xmlns="">
           <p:sp>
             <p:nvSpPr>
               <p:cNvPr id="19" name="ZoneTexte 18">
@@ -25917,7 +26286,7 @@
 </p:sld>
 </file>
 
-<file path=ppt/slides/slide33.xml><?xml version="1.0" encoding="utf-8"?>
+<file path=ppt/slides/slide34.xml><?xml version="1.0" encoding="utf-8"?>
 <p:sld xmlns:a="http://schemas.openxmlformats.org/drawingml/2006/main" xmlns:r="http://schemas.openxmlformats.org/officeDocument/2006/relationships" xmlns:p="http://schemas.openxmlformats.org/presentationml/2006/main">
   <p:cSld>
     <p:bg>
@@ -26106,7 +26475,7 @@
           <a:p>
             <a:fld id="{B2DC25EE-239B-4C5F-AAD1-255A7D5F1EE2}" type="slidenum">
               <a:rPr lang="en-US" smtClean="0"/>
-              <a:t>33</a:t>
+              <a:t>34</a:t>
             </a:fld>
             <a:endParaRPr lang="en-US"/>
           </a:p>
@@ -26280,7 +26649,7 @@
 </p:sld>
 </file>
 
-<file path=ppt/slides/slide34.xml><?xml version="1.0" encoding="utf-8"?>
+<file path=ppt/slides/slide35.xml><?xml version="1.0" encoding="utf-8"?>
 <p:sld xmlns:a="http://schemas.openxmlformats.org/drawingml/2006/main" xmlns:r="http://schemas.openxmlformats.org/officeDocument/2006/relationships" xmlns:p="http://schemas.openxmlformats.org/presentationml/2006/main">
   <p:cSld>
     <p:spTree>
@@ -26513,7 +26882,7 @@
           <a:p>
             <a:fld id="{B2DC25EE-239B-4C5F-AAD1-255A7D5F1EE2}" type="slidenum">
               <a:rPr lang="en-US" smtClean="0"/>
-              <a:t>34</a:t>
+              <a:t>35</a:t>
             </a:fld>
             <a:endParaRPr lang="en-US"/>
           </a:p>
@@ -26532,7 +26901,7 @@
 </p:sld>
 </file>
 
-<file path=ppt/slides/slide35.xml><?xml version="1.0" encoding="utf-8"?>
+<file path=ppt/slides/slide36.xml><?xml version="1.0" encoding="utf-8"?>
 <p:sld xmlns:a="http://schemas.openxmlformats.org/drawingml/2006/main" xmlns:r="http://schemas.openxmlformats.org/officeDocument/2006/relationships" xmlns:p="http://schemas.openxmlformats.org/presentationml/2006/main">
   <p:cSld>
     <p:bg>
@@ -26669,7 +27038,7 @@
           <a:p>
             <a:fld id="{B2DC25EE-239B-4C5F-AAD1-255A7D5F1EE2}" type="slidenum">
               <a:rPr lang="en-US" smtClean="0"/>
-              <a:t>35</a:t>
+              <a:t>36</a:t>
             </a:fld>
             <a:endParaRPr lang="en-US" dirty="0"/>
           </a:p>
